--- a/Clean Architecture/ref/프레젠테이션1.pptx
+++ b/Clean Architecture/ref/프레젠테이션1.pptx
@@ -6,6 +6,8 @@
   </p:sldMasterIdLst>
   <p:sldIdLst>
     <p:sldId id="256" r:id="rId2"/>
+    <p:sldId id="257" r:id="rId3"/>
+    <p:sldId id="258" r:id="rId4"/>
   </p:sldIdLst>
   <p:sldSz cx="12192000" cy="6858000"/>
   <p:notesSz cx="6858000" cy="9144000"/>
@@ -104,6 +106,11 @@
       </a:defRPr>
     </a:lvl9pPr>
   </p:defaultTextStyle>
+  <p:extLst>
+    <p:ext uri="{EFAFB233-063F-42B5-8137-9DF3F51BA10A}">
+      <p15:sldGuideLst xmlns:p15="http://schemas.microsoft.com/office/powerpoint/2012/main"/>
+    </p:ext>
+  </p:extLst>
 </p:presentation>
 </file>
 
@@ -238,7 +245,7 @@
           <a:p>
             <a:fld id="{3083E1A9-A397-4745-BD5D-6E8E767939EE}" type="datetimeFigureOut">
               <a:rPr kumimoji="1" lang="ko-Kore-KR" altLang="en-US" smtClean="0"/>
-              <a:t>2020. 12. 16.</a:t>
+              <a:t>2020. 12. 17.</a:t>
             </a:fld>
             <a:endParaRPr kumimoji="1" lang="ko-Kore-KR" altLang="en-US"/>
           </a:p>
@@ -408,7 +415,7 @@
           <a:p>
             <a:fld id="{3083E1A9-A397-4745-BD5D-6E8E767939EE}" type="datetimeFigureOut">
               <a:rPr kumimoji="1" lang="ko-Kore-KR" altLang="en-US" smtClean="0"/>
-              <a:t>2020. 12. 16.</a:t>
+              <a:t>2020. 12. 17.</a:t>
             </a:fld>
             <a:endParaRPr kumimoji="1" lang="ko-Kore-KR" altLang="en-US"/>
           </a:p>
@@ -588,7 +595,7 @@
           <a:p>
             <a:fld id="{3083E1A9-A397-4745-BD5D-6E8E767939EE}" type="datetimeFigureOut">
               <a:rPr kumimoji="1" lang="ko-Kore-KR" altLang="en-US" smtClean="0"/>
-              <a:t>2020. 12. 16.</a:t>
+              <a:t>2020. 12. 17.</a:t>
             </a:fld>
             <a:endParaRPr kumimoji="1" lang="ko-Kore-KR" altLang="en-US"/>
           </a:p>
@@ -758,7 +765,7 @@
           <a:p>
             <a:fld id="{3083E1A9-A397-4745-BD5D-6E8E767939EE}" type="datetimeFigureOut">
               <a:rPr kumimoji="1" lang="ko-Kore-KR" altLang="en-US" smtClean="0"/>
-              <a:t>2020. 12. 16.</a:t>
+              <a:t>2020. 12. 17.</a:t>
             </a:fld>
             <a:endParaRPr kumimoji="1" lang="ko-Kore-KR" altLang="en-US"/>
           </a:p>
@@ -1004,7 +1011,7 @@
           <a:p>
             <a:fld id="{3083E1A9-A397-4745-BD5D-6E8E767939EE}" type="datetimeFigureOut">
               <a:rPr kumimoji="1" lang="ko-Kore-KR" altLang="en-US" smtClean="0"/>
-              <a:t>2020. 12. 16.</a:t>
+              <a:t>2020. 12. 17.</a:t>
             </a:fld>
             <a:endParaRPr kumimoji="1" lang="ko-Kore-KR" altLang="en-US"/>
           </a:p>
@@ -1236,7 +1243,7 @@
           <a:p>
             <a:fld id="{3083E1A9-A397-4745-BD5D-6E8E767939EE}" type="datetimeFigureOut">
               <a:rPr kumimoji="1" lang="ko-Kore-KR" altLang="en-US" smtClean="0"/>
-              <a:t>2020. 12. 16.</a:t>
+              <a:t>2020. 12. 17.</a:t>
             </a:fld>
             <a:endParaRPr kumimoji="1" lang="ko-Kore-KR" altLang="en-US"/>
           </a:p>
@@ -1603,7 +1610,7 @@
           <a:p>
             <a:fld id="{3083E1A9-A397-4745-BD5D-6E8E767939EE}" type="datetimeFigureOut">
               <a:rPr kumimoji="1" lang="ko-Kore-KR" altLang="en-US" smtClean="0"/>
-              <a:t>2020. 12. 16.</a:t>
+              <a:t>2020. 12. 17.</a:t>
             </a:fld>
             <a:endParaRPr kumimoji="1" lang="ko-Kore-KR" altLang="en-US"/>
           </a:p>
@@ -1721,7 +1728,7 @@
           <a:p>
             <a:fld id="{3083E1A9-A397-4745-BD5D-6E8E767939EE}" type="datetimeFigureOut">
               <a:rPr kumimoji="1" lang="ko-Kore-KR" altLang="en-US" smtClean="0"/>
-              <a:t>2020. 12. 16.</a:t>
+              <a:t>2020. 12. 17.</a:t>
             </a:fld>
             <a:endParaRPr kumimoji="1" lang="ko-Kore-KR" altLang="en-US"/>
           </a:p>
@@ -1816,7 +1823,7 @@
           <a:p>
             <a:fld id="{3083E1A9-A397-4745-BD5D-6E8E767939EE}" type="datetimeFigureOut">
               <a:rPr kumimoji="1" lang="ko-Kore-KR" altLang="en-US" smtClean="0"/>
-              <a:t>2020. 12. 16.</a:t>
+              <a:t>2020. 12. 17.</a:t>
             </a:fld>
             <a:endParaRPr kumimoji="1" lang="ko-Kore-KR" altLang="en-US"/>
           </a:p>
@@ -2093,7 +2100,7 @@
           <a:p>
             <a:fld id="{3083E1A9-A397-4745-BD5D-6E8E767939EE}" type="datetimeFigureOut">
               <a:rPr kumimoji="1" lang="ko-Kore-KR" altLang="en-US" smtClean="0"/>
-              <a:t>2020. 12. 16.</a:t>
+              <a:t>2020. 12. 17.</a:t>
             </a:fld>
             <a:endParaRPr kumimoji="1" lang="ko-Kore-KR" altLang="en-US"/>
           </a:p>
@@ -2350,7 +2357,7 @@
           <a:p>
             <a:fld id="{3083E1A9-A397-4745-BD5D-6E8E767939EE}" type="datetimeFigureOut">
               <a:rPr kumimoji="1" lang="ko-Kore-KR" altLang="en-US" smtClean="0"/>
-              <a:t>2020. 12. 16.</a:t>
+              <a:t>2020. 12. 17.</a:t>
             </a:fld>
             <a:endParaRPr kumimoji="1" lang="ko-Kore-KR" altLang="en-US"/>
           </a:p>
@@ -2563,7 +2570,7 @@
           <a:p>
             <a:fld id="{3083E1A9-A397-4745-BD5D-6E8E767939EE}" type="datetimeFigureOut">
               <a:rPr kumimoji="1" lang="ko-Kore-KR" altLang="en-US" smtClean="0"/>
-              <a:t>2020. 12. 16.</a:t>
+              <a:t>2020. 12. 17.</a:t>
             </a:fld>
             <a:endParaRPr kumimoji="1" lang="ko-Kore-KR" altLang="en-US"/>
           </a:p>
@@ -12700,6 +12707,3988 @@
 </p:sld>
 </file>
 
+<file path=ppt/slides/slide2.xml><?xml version="1.0" encoding="utf-8"?>
+<p:sld xmlns:a="http://schemas.openxmlformats.org/drawingml/2006/main" xmlns:r="http://schemas.openxmlformats.org/officeDocument/2006/relationships" xmlns:p="http://schemas.openxmlformats.org/presentationml/2006/main">
+  <p:cSld>
+    <p:spTree>
+      <p:nvGrpSpPr>
+        <p:cNvPr id="1" name=""/>
+        <p:cNvGrpSpPr/>
+        <p:nvPr/>
+      </p:nvGrpSpPr>
+      <p:grpSpPr>
+        <a:xfrm>
+          <a:off x="0" y="0"/>
+          <a:ext cx="0" cy="0"/>
+          <a:chOff x="0" y="0"/>
+          <a:chExt cx="0" cy="0"/>
+        </a:xfrm>
+      </p:grpSpPr>
+      <p:sp>
+        <p:nvSpPr>
+          <p:cNvPr id="2" name="직사각형 1">
+            <a:extLst>
+              <a:ext uri="{FF2B5EF4-FFF2-40B4-BE49-F238E27FC236}">
+                <a16:creationId xmlns:a16="http://schemas.microsoft.com/office/drawing/2014/main" id="{A772E2BB-221D-A14A-B063-1FBE39071578}"/>
+              </a:ext>
+            </a:extLst>
+          </p:cNvPr>
+          <p:cNvSpPr/>
+          <p:nvPr/>
+        </p:nvSpPr>
+        <p:spPr>
+          <a:xfrm>
+            <a:off x="1021976" y="869576"/>
+            <a:ext cx="1629784" cy="856354"/>
+          </a:xfrm>
+          <a:prstGeom prst="rect">
+            <a:avLst/>
+          </a:prstGeom>
+          <a:ln w="25400">
+            <a:solidFill>
+              <a:srgbClr val="5DA2C5"/>
+            </a:solidFill>
+          </a:ln>
+        </p:spPr>
+        <p:style>
+          <a:lnRef idx="1">
+            <a:schemeClr val="accent1"/>
+          </a:lnRef>
+          <a:fillRef idx="0">
+            <a:schemeClr val="accent1"/>
+          </a:fillRef>
+          <a:effectRef idx="0">
+            <a:schemeClr val="accent1"/>
+          </a:effectRef>
+          <a:fontRef idx="minor">
+            <a:schemeClr val="tx1"/>
+          </a:fontRef>
+        </p:style>
+        <p:txBody>
+          <a:bodyPr rtlCol="0" anchor="ctr"/>
+          <a:lstStyle/>
+          <a:p>
+            <a:pPr algn="ctr"/>
+            <a:endParaRPr kumimoji="1" lang="ko-Kore-KR" altLang="en-US"/>
+          </a:p>
+        </p:txBody>
+      </p:sp>
+      <p:sp>
+        <p:nvSpPr>
+          <p:cNvPr id="208" name="TextBox 207">
+            <a:extLst>
+              <a:ext uri="{FF2B5EF4-FFF2-40B4-BE49-F238E27FC236}">
+                <a16:creationId xmlns:a16="http://schemas.microsoft.com/office/drawing/2014/main" id="{119F119C-3EB2-6F46-8875-2590607B7B1F}"/>
+              </a:ext>
+            </a:extLst>
+          </p:cNvPr>
+          <p:cNvSpPr txBox="1"/>
+          <p:nvPr/>
+        </p:nvSpPr>
+        <p:spPr>
+          <a:xfrm>
+            <a:off x="1021976" y="1005365"/>
+            <a:ext cx="1629784" cy="584775"/>
+          </a:xfrm>
+          <a:prstGeom prst="rect">
+            <a:avLst/>
+          </a:prstGeom>
+          <a:noFill/>
+        </p:spPr>
+        <p:txBody>
+          <a:bodyPr wrap="square" rtlCol="0">
+            <a:spAutoFit/>
+          </a:bodyPr>
+          <a:lstStyle/>
+          <a:p>
+            <a:pPr algn="ctr"/>
+            <a:r>
+              <a:rPr kumimoji="1" lang="ko-KR" altLang="en-US" sz="1600" dirty="0">
+                <a:solidFill>
+                  <a:srgbClr val="5DA2C5"/>
+                </a:solidFill>
+                <a:latin typeface="SHeadG" panose="02030600000101010101" pitchFamily="18" charset="-127"/>
+                <a:ea typeface="SHeadG" panose="02030600000101010101" pitchFamily="18" charset="-127"/>
+              </a:rPr>
+              <a:t>중요함</a:t>
+            </a:r>
+            <a:endParaRPr kumimoji="1" lang="en-US" altLang="ko-KR" sz="1600" dirty="0">
+              <a:solidFill>
+                <a:srgbClr val="5DA2C5"/>
+              </a:solidFill>
+              <a:latin typeface="SHeadG" panose="02030600000101010101" pitchFamily="18" charset="-127"/>
+              <a:ea typeface="SHeadG" panose="02030600000101010101" pitchFamily="18" charset="-127"/>
+            </a:endParaRPr>
+          </a:p>
+          <a:p>
+            <a:pPr algn="ctr"/>
+            <a:r>
+              <a:rPr kumimoji="1" lang="ko-KR" altLang="en-US" sz="1600" dirty="0">
+                <a:solidFill>
+                  <a:srgbClr val="5DA2C5"/>
+                </a:solidFill>
+                <a:latin typeface="SHeadG" panose="02030600000101010101" pitchFamily="18" charset="-127"/>
+                <a:ea typeface="SHeadG" panose="02030600000101010101" pitchFamily="18" charset="-127"/>
+              </a:rPr>
+              <a:t>긴급함</a:t>
+            </a:r>
+            <a:endParaRPr kumimoji="1" lang="ko-Kore-KR" altLang="en-US" sz="1600" dirty="0">
+              <a:solidFill>
+                <a:srgbClr val="5DA2C5"/>
+              </a:solidFill>
+              <a:latin typeface="SHeadG" panose="02030600000101010101" pitchFamily="18" charset="-127"/>
+              <a:ea typeface="SHeadG" panose="02030600000101010101" pitchFamily="18" charset="-127"/>
+            </a:endParaRPr>
+          </a:p>
+        </p:txBody>
+      </p:sp>
+      <p:sp>
+        <p:nvSpPr>
+          <p:cNvPr id="210" name="직사각형 209">
+            <a:extLst>
+              <a:ext uri="{FF2B5EF4-FFF2-40B4-BE49-F238E27FC236}">
+                <a16:creationId xmlns:a16="http://schemas.microsoft.com/office/drawing/2014/main" id="{DFA01D66-BC1C-5F49-8561-7C96AB1AF16D}"/>
+              </a:ext>
+            </a:extLst>
+          </p:cNvPr>
+          <p:cNvSpPr/>
+          <p:nvPr/>
+        </p:nvSpPr>
+        <p:spPr>
+          <a:xfrm>
+            <a:off x="2651760" y="869576"/>
+            <a:ext cx="1629784" cy="856354"/>
+          </a:xfrm>
+          <a:prstGeom prst="rect">
+            <a:avLst/>
+          </a:prstGeom>
+          <a:ln w="25400">
+            <a:solidFill>
+              <a:srgbClr val="5DA2C5"/>
+            </a:solidFill>
+          </a:ln>
+        </p:spPr>
+        <p:style>
+          <a:lnRef idx="1">
+            <a:schemeClr val="accent1"/>
+          </a:lnRef>
+          <a:fillRef idx="0">
+            <a:schemeClr val="accent1"/>
+          </a:fillRef>
+          <a:effectRef idx="0">
+            <a:schemeClr val="accent1"/>
+          </a:effectRef>
+          <a:fontRef idx="minor">
+            <a:schemeClr val="tx1"/>
+          </a:fontRef>
+        </p:style>
+        <p:txBody>
+          <a:bodyPr rtlCol="0" anchor="ctr"/>
+          <a:lstStyle/>
+          <a:p>
+            <a:pPr algn="ctr"/>
+            <a:endParaRPr kumimoji="1" lang="ko-Kore-KR" altLang="en-US"/>
+          </a:p>
+        </p:txBody>
+      </p:sp>
+      <p:sp>
+        <p:nvSpPr>
+          <p:cNvPr id="211" name="TextBox 210">
+            <a:extLst>
+              <a:ext uri="{FF2B5EF4-FFF2-40B4-BE49-F238E27FC236}">
+                <a16:creationId xmlns:a16="http://schemas.microsoft.com/office/drawing/2014/main" id="{FC6C57F1-8129-394A-A43E-396FB9ED32C9}"/>
+              </a:ext>
+            </a:extLst>
+          </p:cNvPr>
+          <p:cNvSpPr txBox="1"/>
+          <p:nvPr/>
+        </p:nvSpPr>
+        <p:spPr>
+          <a:xfrm>
+            <a:off x="2651760" y="1005365"/>
+            <a:ext cx="1629784" cy="584775"/>
+          </a:xfrm>
+          <a:prstGeom prst="rect">
+            <a:avLst/>
+          </a:prstGeom>
+          <a:noFill/>
+        </p:spPr>
+        <p:txBody>
+          <a:bodyPr wrap="square" rtlCol="0">
+            <a:spAutoFit/>
+          </a:bodyPr>
+          <a:lstStyle/>
+          <a:p>
+            <a:pPr algn="ctr"/>
+            <a:r>
+              <a:rPr kumimoji="1" lang="ko-KR" altLang="en-US" sz="1600" dirty="0">
+                <a:solidFill>
+                  <a:srgbClr val="5DA2C5"/>
+                </a:solidFill>
+                <a:latin typeface="SHeadG" panose="02030600000101010101" pitchFamily="18" charset="-127"/>
+                <a:ea typeface="SHeadG" panose="02030600000101010101" pitchFamily="18" charset="-127"/>
+              </a:rPr>
+              <a:t>중요함</a:t>
+            </a:r>
+            <a:endParaRPr kumimoji="1" lang="en-US" altLang="ko-KR" sz="1600" dirty="0">
+              <a:solidFill>
+                <a:srgbClr val="5DA2C5"/>
+              </a:solidFill>
+              <a:latin typeface="SHeadG" panose="02030600000101010101" pitchFamily="18" charset="-127"/>
+              <a:ea typeface="SHeadG" panose="02030600000101010101" pitchFamily="18" charset="-127"/>
+            </a:endParaRPr>
+          </a:p>
+          <a:p>
+            <a:pPr algn="ctr"/>
+            <a:r>
+              <a:rPr kumimoji="1" lang="ko-KR" altLang="en-US" sz="1600" dirty="0">
+                <a:solidFill>
+                  <a:srgbClr val="5DA2C5"/>
+                </a:solidFill>
+                <a:latin typeface="SHeadG" panose="02030600000101010101" pitchFamily="18" charset="-127"/>
+                <a:ea typeface="SHeadG" panose="02030600000101010101" pitchFamily="18" charset="-127"/>
+              </a:rPr>
+              <a:t>긴급하지 않음</a:t>
+            </a:r>
+            <a:endParaRPr kumimoji="1" lang="ko-Kore-KR" altLang="en-US" sz="1600" dirty="0">
+              <a:solidFill>
+                <a:srgbClr val="5DA2C5"/>
+              </a:solidFill>
+              <a:latin typeface="SHeadG" panose="02030600000101010101" pitchFamily="18" charset="-127"/>
+              <a:ea typeface="SHeadG" panose="02030600000101010101" pitchFamily="18" charset="-127"/>
+            </a:endParaRPr>
+          </a:p>
+        </p:txBody>
+      </p:sp>
+      <p:sp>
+        <p:nvSpPr>
+          <p:cNvPr id="212" name="직사각형 211">
+            <a:extLst>
+              <a:ext uri="{FF2B5EF4-FFF2-40B4-BE49-F238E27FC236}">
+                <a16:creationId xmlns:a16="http://schemas.microsoft.com/office/drawing/2014/main" id="{94DF80D3-4771-1F49-9D29-897DEB799D5F}"/>
+              </a:ext>
+            </a:extLst>
+          </p:cNvPr>
+          <p:cNvSpPr/>
+          <p:nvPr/>
+        </p:nvSpPr>
+        <p:spPr>
+          <a:xfrm>
+            <a:off x="1021976" y="1725929"/>
+            <a:ext cx="1629784" cy="856354"/>
+          </a:xfrm>
+          <a:prstGeom prst="rect">
+            <a:avLst/>
+          </a:prstGeom>
+          <a:ln w="25400">
+            <a:solidFill>
+              <a:srgbClr val="5DA2C5"/>
+            </a:solidFill>
+          </a:ln>
+        </p:spPr>
+        <p:style>
+          <a:lnRef idx="1">
+            <a:schemeClr val="accent1"/>
+          </a:lnRef>
+          <a:fillRef idx="0">
+            <a:schemeClr val="accent1"/>
+          </a:fillRef>
+          <a:effectRef idx="0">
+            <a:schemeClr val="accent1"/>
+          </a:effectRef>
+          <a:fontRef idx="minor">
+            <a:schemeClr val="tx1"/>
+          </a:fontRef>
+        </p:style>
+        <p:txBody>
+          <a:bodyPr rtlCol="0" anchor="ctr"/>
+          <a:lstStyle/>
+          <a:p>
+            <a:pPr algn="ctr"/>
+            <a:endParaRPr kumimoji="1" lang="ko-Kore-KR" altLang="en-US"/>
+          </a:p>
+        </p:txBody>
+      </p:sp>
+      <p:sp>
+        <p:nvSpPr>
+          <p:cNvPr id="214" name="TextBox 213">
+            <a:extLst>
+              <a:ext uri="{FF2B5EF4-FFF2-40B4-BE49-F238E27FC236}">
+                <a16:creationId xmlns:a16="http://schemas.microsoft.com/office/drawing/2014/main" id="{7AB10BBC-0F93-D346-841A-B2D5B1084DBC}"/>
+              </a:ext>
+            </a:extLst>
+          </p:cNvPr>
+          <p:cNvSpPr txBox="1"/>
+          <p:nvPr/>
+        </p:nvSpPr>
+        <p:spPr>
+          <a:xfrm>
+            <a:off x="1021976" y="1861718"/>
+            <a:ext cx="1629784" cy="584775"/>
+          </a:xfrm>
+          <a:prstGeom prst="rect">
+            <a:avLst/>
+          </a:prstGeom>
+          <a:noFill/>
+        </p:spPr>
+        <p:txBody>
+          <a:bodyPr wrap="square" rtlCol="0">
+            <a:spAutoFit/>
+          </a:bodyPr>
+          <a:lstStyle/>
+          <a:p>
+            <a:pPr algn="ctr"/>
+            <a:r>
+              <a:rPr kumimoji="1" lang="ko-KR" altLang="en-US" sz="1600" dirty="0">
+                <a:solidFill>
+                  <a:srgbClr val="5DA2C5"/>
+                </a:solidFill>
+                <a:latin typeface="SHeadG" panose="02030600000101010101" pitchFamily="18" charset="-127"/>
+                <a:ea typeface="SHeadG" panose="02030600000101010101" pitchFamily="18" charset="-127"/>
+              </a:rPr>
+              <a:t>중요하지 않음</a:t>
+            </a:r>
+            <a:endParaRPr kumimoji="1" lang="en-US" altLang="ko-KR" sz="1600" dirty="0">
+              <a:solidFill>
+                <a:srgbClr val="5DA2C5"/>
+              </a:solidFill>
+              <a:latin typeface="SHeadG" panose="02030600000101010101" pitchFamily="18" charset="-127"/>
+              <a:ea typeface="SHeadG" panose="02030600000101010101" pitchFamily="18" charset="-127"/>
+            </a:endParaRPr>
+          </a:p>
+          <a:p>
+            <a:pPr algn="ctr"/>
+            <a:r>
+              <a:rPr kumimoji="1" lang="ko-KR" altLang="en-US" sz="1600" dirty="0">
+                <a:solidFill>
+                  <a:srgbClr val="5DA2C5"/>
+                </a:solidFill>
+                <a:latin typeface="SHeadG" panose="02030600000101010101" pitchFamily="18" charset="-127"/>
+                <a:ea typeface="SHeadG" panose="02030600000101010101" pitchFamily="18" charset="-127"/>
+              </a:rPr>
+              <a:t>긴급하지 않음</a:t>
+            </a:r>
+            <a:endParaRPr kumimoji="1" lang="ko-Kore-KR" altLang="en-US" sz="1600" dirty="0">
+              <a:solidFill>
+                <a:srgbClr val="5DA2C5"/>
+              </a:solidFill>
+              <a:latin typeface="SHeadG" panose="02030600000101010101" pitchFamily="18" charset="-127"/>
+              <a:ea typeface="SHeadG" panose="02030600000101010101" pitchFamily="18" charset="-127"/>
+            </a:endParaRPr>
+          </a:p>
+        </p:txBody>
+      </p:sp>
+      <p:sp>
+        <p:nvSpPr>
+          <p:cNvPr id="215" name="직사각형 214">
+            <a:extLst>
+              <a:ext uri="{FF2B5EF4-FFF2-40B4-BE49-F238E27FC236}">
+                <a16:creationId xmlns:a16="http://schemas.microsoft.com/office/drawing/2014/main" id="{408870C6-28FF-2349-9FCC-663C28EA54A1}"/>
+              </a:ext>
+            </a:extLst>
+          </p:cNvPr>
+          <p:cNvSpPr/>
+          <p:nvPr/>
+        </p:nvSpPr>
+        <p:spPr>
+          <a:xfrm>
+            <a:off x="2651760" y="1725929"/>
+            <a:ext cx="1629784" cy="856354"/>
+          </a:xfrm>
+          <a:prstGeom prst="rect">
+            <a:avLst/>
+          </a:prstGeom>
+          <a:ln w="25400">
+            <a:solidFill>
+              <a:srgbClr val="5DA2C5"/>
+            </a:solidFill>
+          </a:ln>
+        </p:spPr>
+        <p:style>
+          <a:lnRef idx="1">
+            <a:schemeClr val="accent1"/>
+          </a:lnRef>
+          <a:fillRef idx="0">
+            <a:schemeClr val="accent1"/>
+          </a:fillRef>
+          <a:effectRef idx="0">
+            <a:schemeClr val="accent1"/>
+          </a:effectRef>
+          <a:fontRef idx="minor">
+            <a:schemeClr val="tx1"/>
+          </a:fontRef>
+        </p:style>
+        <p:txBody>
+          <a:bodyPr rtlCol="0" anchor="ctr"/>
+          <a:lstStyle/>
+          <a:p>
+            <a:pPr algn="ctr"/>
+            <a:endParaRPr kumimoji="1" lang="ko-Kore-KR" altLang="en-US"/>
+          </a:p>
+        </p:txBody>
+      </p:sp>
+      <p:sp>
+        <p:nvSpPr>
+          <p:cNvPr id="216" name="TextBox 215">
+            <a:extLst>
+              <a:ext uri="{FF2B5EF4-FFF2-40B4-BE49-F238E27FC236}">
+                <a16:creationId xmlns:a16="http://schemas.microsoft.com/office/drawing/2014/main" id="{ECD1C7D8-D4EA-3C4C-BE7A-4A7A1D140061}"/>
+              </a:ext>
+            </a:extLst>
+          </p:cNvPr>
+          <p:cNvSpPr txBox="1"/>
+          <p:nvPr/>
+        </p:nvSpPr>
+        <p:spPr>
+          <a:xfrm>
+            <a:off x="2651760" y="1861718"/>
+            <a:ext cx="1629784" cy="584775"/>
+          </a:xfrm>
+          <a:prstGeom prst="rect">
+            <a:avLst/>
+          </a:prstGeom>
+          <a:noFill/>
+        </p:spPr>
+        <p:txBody>
+          <a:bodyPr wrap="square" rtlCol="0">
+            <a:spAutoFit/>
+          </a:bodyPr>
+          <a:lstStyle/>
+          <a:p>
+            <a:pPr algn="ctr"/>
+            <a:r>
+              <a:rPr kumimoji="1" lang="ko-KR" altLang="en-US" sz="1600" dirty="0">
+                <a:solidFill>
+                  <a:srgbClr val="5DA2C5"/>
+                </a:solidFill>
+                <a:latin typeface="SHeadG" panose="02030600000101010101" pitchFamily="18" charset="-127"/>
+                <a:ea typeface="SHeadG" panose="02030600000101010101" pitchFamily="18" charset="-127"/>
+              </a:rPr>
+              <a:t>중요하지 않음</a:t>
+            </a:r>
+            <a:endParaRPr kumimoji="1" lang="en-US" altLang="ko-KR" sz="1600" dirty="0">
+              <a:solidFill>
+                <a:srgbClr val="5DA2C5"/>
+              </a:solidFill>
+              <a:latin typeface="SHeadG" panose="02030600000101010101" pitchFamily="18" charset="-127"/>
+              <a:ea typeface="SHeadG" panose="02030600000101010101" pitchFamily="18" charset="-127"/>
+            </a:endParaRPr>
+          </a:p>
+          <a:p>
+            <a:pPr algn="ctr"/>
+            <a:r>
+              <a:rPr kumimoji="1" lang="ko-KR" altLang="en-US" sz="1600" dirty="0">
+                <a:solidFill>
+                  <a:srgbClr val="5DA2C5"/>
+                </a:solidFill>
+                <a:latin typeface="SHeadG" panose="02030600000101010101" pitchFamily="18" charset="-127"/>
+                <a:ea typeface="SHeadG" panose="02030600000101010101" pitchFamily="18" charset="-127"/>
+              </a:rPr>
+              <a:t>긴급하지 않음</a:t>
+            </a:r>
+            <a:endParaRPr kumimoji="1" lang="ko-Kore-KR" altLang="en-US" sz="1600" dirty="0">
+              <a:solidFill>
+                <a:srgbClr val="5DA2C5"/>
+              </a:solidFill>
+              <a:latin typeface="SHeadG" panose="02030600000101010101" pitchFamily="18" charset="-127"/>
+              <a:ea typeface="SHeadG" panose="02030600000101010101" pitchFamily="18" charset="-127"/>
+            </a:endParaRPr>
+          </a:p>
+        </p:txBody>
+      </p:sp>
+      <p:sp>
+        <p:nvSpPr>
+          <p:cNvPr id="218" name="TextBox 217">
+            <a:extLst>
+              <a:ext uri="{FF2B5EF4-FFF2-40B4-BE49-F238E27FC236}">
+                <a16:creationId xmlns:a16="http://schemas.microsoft.com/office/drawing/2014/main" id="{1C1995EE-9880-1D4C-BD89-417735FBBB9F}"/>
+              </a:ext>
+            </a:extLst>
+          </p:cNvPr>
+          <p:cNvSpPr txBox="1"/>
+          <p:nvPr/>
+        </p:nvSpPr>
+        <p:spPr>
+          <a:xfrm>
+            <a:off x="1514710" y="2718071"/>
+            <a:ext cx="2274100" cy="338554"/>
+          </a:xfrm>
+          <a:prstGeom prst="rect">
+            <a:avLst/>
+          </a:prstGeom>
+          <a:noFill/>
+        </p:spPr>
+        <p:txBody>
+          <a:bodyPr wrap="square" rtlCol="0">
+            <a:spAutoFit/>
+          </a:bodyPr>
+          <a:lstStyle/>
+          <a:p>
+            <a:pPr algn="ctr"/>
+            <a:r>
+              <a:rPr kumimoji="1" lang="ko-KR" altLang="en-US" sz="1600" dirty="0">
+                <a:solidFill>
+                  <a:srgbClr val="5DA2C5"/>
+                </a:solidFill>
+                <a:latin typeface="SHeadG" panose="02030600000101010101" pitchFamily="18" charset="-127"/>
+                <a:ea typeface="SHeadG" panose="02030600000101010101" pitchFamily="18" charset="-127"/>
+              </a:rPr>
+              <a:t>아이젠하워 매트릭스</a:t>
+            </a:r>
+            <a:endParaRPr kumimoji="1" lang="ko-Kore-KR" altLang="en-US" sz="1600" dirty="0">
+              <a:solidFill>
+                <a:srgbClr val="5DA2C5"/>
+              </a:solidFill>
+              <a:latin typeface="SHeadG" panose="02030600000101010101" pitchFamily="18" charset="-127"/>
+              <a:ea typeface="SHeadG" panose="02030600000101010101" pitchFamily="18" charset="-127"/>
+            </a:endParaRPr>
+          </a:p>
+        </p:txBody>
+      </p:sp>
+    </p:spTree>
+    <p:extLst>
+      <p:ext uri="{BB962C8B-B14F-4D97-AF65-F5344CB8AC3E}">
+        <p14:creationId xmlns:p14="http://schemas.microsoft.com/office/powerpoint/2010/main" val="2531289587"/>
+      </p:ext>
+    </p:extLst>
+  </p:cSld>
+  <p:clrMapOvr>
+    <a:masterClrMapping/>
+  </p:clrMapOvr>
+</p:sld>
+</file>
+
+<file path=ppt/slides/slide3.xml><?xml version="1.0" encoding="utf-8"?>
+<p:sld xmlns:a="http://schemas.openxmlformats.org/drawingml/2006/main" xmlns:r="http://schemas.openxmlformats.org/officeDocument/2006/relationships" xmlns:p="http://schemas.openxmlformats.org/presentationml/2006/main">
+  <p:cSld>
+    <p:spTree>
+      <p:nvGrpSpPr>
+        <p:cNvPr id="1" name=""/>
+        <p:cNvGrpSpPr/>
+        <p:nvPr/>
+      </p:nvGrpSpPr>
+      <p:grpSpPr>
+        <a:xfrm>
+          <a:off x="0" y="0"/>
+          <a:ext cx="0" cy="0"/>
+          <a:chOff x="0" y="0"/>
+          <a:chExt cx="0" cy="0"/>
+        </a:xfrm>
+      </p:grpSpPr>
+      <p:sp>
+        <p:nvSpPr>
+          <p:cNvPr id="2" name="직사각형 1">
+            <a:extLst>
+              <a:ext uri="{FF2B5EF4-FFF2-40B4-BE49-F238E27FC236}">
+                <a16:creationId xmlns:a16="http://schemas.microsoft.com/office/drawing/2014/main" id="{A772E2BB-221D-A14A-B063-1FBE39071578}"/>
+              </a:ext>
+            </a:extLst>
+          </p:cNvPr>
+          <p:cNvSpPr/>
+          <p:nvPr/>
+        </p:nvSpPr>
+        <p:spPr>
+          <a:xfrm>
+            <a:off x="3022226" y="1262196"/>
+            <a:ext cx="1858384" cy="342690"/>
+          </a:xfrm>
+          <a:prstGeom prst="rect">
+            <a:avLst/>
+          </a:prstGeom>
+          <a:ln w="25400">
+            <a:solidFill>
+              <a:srgbClr val="5DA2C5"/>
+            </a:solidFill>
+          </a:ln>
+        </p:spPr>
+        <p:style>
+          <a:lnRef idx="1">
+            <a:schemeClr val="accent1"/>
+          </a:lnRef>
+          <a:fillRef idx="0">
+            <a:schemeClr val="accent1"/>
+          </a:fillRef>
+          <a:effectRef idx="0">
+            <a:schemeClr val="accent1"/>
+          </a:effectRef>
+          <a:fontRef idx="minor">
+            <a:schemeClr val="tx1"/>
+          </a:fontRef>
+        </p:style>
+        <p:txBody>
+          <a:bodyPr rtlCol="0" anchor="ctr"/>
+          <a:lstStyle/>
+          <a:p>
+            <a:pPr algn="ctr"/>
+            <a:endParaRPr kumimoji="1" lang="ko-Kore-KR" altLang="en-US"/>
+          </a:p>
+        </p:txBody>
+      </p:sp>
+      <p:sp>
+        <p:nvSpPr>
+          <p:cNvPr id="208" name="TextBox 207">
+            <a:extLst>
+              <a:ext uri="{FF2B5EF4-FFF2-40B4-BE49-F238E27FC236}">
+                <a16:creationId xmlns:a16="http://schemas.microsoft.com/office/drawing/2014/main" id="{119F119C-3EB2-6F46-8875-2590607B7B1F}"/>
+              </a:ext>
+            </a:extLst>
+          </p:cNvPr>
+          <p:cNvSpPr txBox="1"/>
+          <p:nvPr/>
+        </p:nvSpPr>
+        <p:spPr>
+          <a:xfrm>
+            <a:off x="3136526" y="1295041"/>
+            <a:ext cx="1629784" cy="276999"/>
+          </a:xfrm>
+          <a:prstGeom prst="rect">
+            <a:avLst/>
+          </a:prstGeom>
+          <a:noFill/>
+        </p:spPr>
+        <p:txBody>
+          <a:bodyPr wrap="square" rtlCol="0">
+            <a:spAutoFit/>
+          </a:bodyPr>
+          <a:lstStyle/>
+          <a:p>
+            <a:pPr algn="ctr"/>
+            <a:r>
+              <a:rPr kumimoji="1" lang="en-US" altLang="ko-Kore-KR" sz="1200" b="1" dirty="0">
+                <a:solidFill>
+                  <a:srgbClr val="5DA2C5"/>
+                </a:solidFill>
+                <a:latin typeface="SHeadG" panose="02030600000101010101" pitchFamily="18" charset="-127"/>
+                <a:ea typeface="SHeadG" panose="02030600000101010101" pitchFamily="18" charset="-127"/>
+              </a:rPr>
+              <a:t>Employee</a:t>
+            </a:r>
+            <a:endParaRPr kumimoji="1" lang="ko-Kore-KR" altLang="en-US" sz="1200" b="1" dirty="0">
+              <a:solidFill>
+                <a:srgbClr val="5DA2C5"/>
+              </a:solidFill>
+              <a:latin typeface="SHeadG" panose="02030600000101010101" pitchFamily="18" charset="-127"/>
+              <a:ea typeface="SHeadG" panose="02030600000101010101" pitchFamily="18" charset="-127"/>
+            </a:endParaRPr>
+          </a:p>
+        </p:txBody>
+      </p:sp>
+      <p:sp>
+        <p:nvSpPr>
+          <p:cNvPr id="212" name="직사각형 211">
+            <a:extLst>
+              <a:ext uri="{FF2B5EF4-FFF2-40B4-BE49-F238E27FC236}">
+                <a16:creationId xmlns:a16="http://schemas.microsoft.com/office/drawing/2014/main" id="{94DF80D3-4771-1F49-9D29-897DEB799D5F}"/>
+              </a:ext>
+            </a:extLst>
+          </p:cNvPr>
+          <p:cNvSpPr/>
+          <p:nvPr/>
+        </p:nvSpPr>
+        <p:spPr>
+          <a:xfrm>
+            <a:off x="3022226" y="1604885"/>
+            <a:ext cx="1858384" cy="1024015"/>
+          </a:xfrm>
+          <a:prstGeom prst="rect">
+            <a:avLst/>
+          </a:prstGeom>
+          <a:ln w="25400">
+            <a:solidFill>
+              <a:srgbClr val="5DA2C5"/>
+            </a:solidFill>
+          </a:ln>
+        </p:spPr>
+        <p:style>
+          <a:lnRef idx="1">
+            <a:schemeClr val="accent1"/>
+          </a:lnRef>
+          <a:fillRef idx="0">
+            <a:schemeClr val="accent1"/>
+          </a:fillRef>
+          <a:effectRef idx="0">
+            <a:schemeClr val="accent1"/>
+          </a:effectRef>
+          <a:fontRef idx="minor">
+            <a:schemeClr val="tx1"/>
+          </a:fontRef>
+        </p:style>
+        <p:txBody>
+          <a:bodyPr rtlCol="0" anchor="ctr"/>
+          <a:lstStyle/>
+          <a:p>
+            <a:pPr algn="ctr"/>
+            <a:endParaRPr kumimoji="1" lang="ko-Kore-KR" altLang="en-US"/>
+          </a:p>
+        </p:txBody>
+      </p:sp>
+      <p:sp>
+        <p:nvSpPr>
+          <p:cNvPr id="11" name="TextBox 10">
+            <a:extLst>
+              <a:ext uri="{FF2B5EF4-FFF2-40B4-BE49-F238E27FC236}">
+                <a16:creationId xmlns:a16="http://schemas.microsoft.com/office/drawing/2014/main" id="{1D26A4CD-4DA4-844F-BEE0-F07502236E2B}"/>
+              </a:ext>
+            </a:extLst>
+          </p:cNvPr>
+          <p:cNvSpPr txBox="1"/>
+          <p:nvPr/>
+        </p:nvSpPr>
+        <p:spPr>
+          <a:xfrm>
+            <a:off x="3406140" y="1637731"/>
+            <a:ext cx="1474470" cy="880241"/>
+          </a:xfrm>
+          <a:prstGeom prst="rect">
+            <a:avLst/>
+          </a:prstGeom>
+          <a:noFill/>
+        </p:spPr>
+        <p:txBody>
+          <a:bodyPr wrap="square" rtlCol="0">
+            <a:spAutoFit/>
+          </a:bodyPr>
+          <a:lstStyle/>
+          <a:p>
+            <a:pPr>
+              <a:lnSpc>
+                <a:spcPct val="150000"/>
+              </a:lnSpc>
+            </a:pPr>
+            <a:r>
+              <a:rPr kumimoji="1" lang="en-US" altLang="ko-Kore-KR" sz="1200" dirty="0">
+                <a:solidFill>
+                  <a:srgbClr val="5DA2C5"/>
+                </a:solidFill>
+                <a:latin typeface="SHeadG" panose="02030600000101010101" pitchFamily="18" charset="-127"/>
+                <a:ea typeface="SHeadG" panose="02030600000101010101" pitchFamily="18" charset="-127"/>
+              </a:rPr>
+              <a:t>+ </a:t>
+            </a:r>
+            <a:r>
+              <a:rPr kumimoji="1" lang="en-US" altLang="ko-Kore-KR" sz="1200" dirty="0" err="1">
+                <a:solidFill>
+                  <a:srgbClr val="5DA2C5"/>
+                </a:solidFill>
+                <a:latin typeface="SHeadG" panose="02030600000101010101" pitchFamily="18" charset="-127"/>
+                <a:ea typeface="SHeadG" panose="02030600000101010101" pitchFamily="18" charset="-127"/>
+              </a:rPr>
+              <a:t>calculatePay</a:t>
+            </a:r>
+            <a:endParaRPr kumimoji="1" lang="en-US" altLang="ko-Kore-KR" sz="1200" dirty="0">
+              <a:solidFill>
+                <a:srgbClr val="5DA2C5"/>
+              </a:solidFill>
+              <a:latin typeface="SHeadG" panose="02030600000101010101" pitchFamily="18" charset="-127"/>
+              <a:ea typeface="SHeadG" panose="02030600000101010101" pitchFamily="18" charset="-127"/>
+            </a:endParaRPr>
+          </a:p>
+          <a:p>
+            <a:pPr>
+              <a:lnSpc>
+                <a:spcPct val="150000"/>
+              </a:lnSpc>
+            </a:pPr>
+            <a:r>
+              <a:rPr kumimoji="1" lang="en-US" altLang="ko-Kore-KR" sz="1200" dirty="0">
+                <a:solidFill>
+                  <a:srgbClr val="5DA2C5"/>
+                </a:solidFill>
+                <a:latin typeface="SHeadG" panose="02030600000101010101" pitchFamily="18" charset="-127"/>
+                <a:ea typeface="SHeadG" panose="02030600000101010101" pitchFamily="18" charset="-127"/>
+              </a:rPr>
+              <a:t>+ </a:t>
+            </a:r>
+            <a:r>
+              <a:rPr kumimoji="1" lang="en-US" altLang="ko-Kore-KR" sz="1200" dirty="0" err="1">
+                <a:solidFill>
+                  <a:srgbClr val="5DA2C5"/>
+                </a:solidFill>
+                <a:latin typeface="SHeadG" panose="02030600000101010101" pitchFamily="18" charset="-127"/>
+                <a:ea typeface="SHeadG" panose="02030600000101010101" pitchFamily="18" charset="-127"/>
+              </a:rPr>
+              <a:t>reportHours</a:t>
+            </a:r>
+            <a:endParaRPr kumimoji="1" lang="en-US" altLang="ko-Kore-KR" sz="1200" dirty="0">
+              <a:solidFill>
+                <a:srgbClr val="5DA2C5"/>
+              </a:solidFill>
+              <a:latin typeface="SHeadG" panose="02030600000101010101" pitchFamily="18" charset="-127"/>
+              <a:ea typeface="SHeadG" panose="02030600000101010101" pitchFamily="18" charset="-127"/>
+            </a:endParaRPr>
+          </a:p>
+          <a:p>
+            <a:pPr>
+              <a:lnSpc>
+                <a:spcPct val="150000"/>
+              </a:lnSpc>
+            </a:pPr>
+            <a:r>
+              <a:rPr kumimoji="1" lang="en-US" altLang="ko-Kore-KR" sz="1200" dirty="0">
+                <a:solidFill>
+                  <a:srgbClr val="5DA2C5"/>
+                </a:solidFill>
+                <a:latin typeface="SHeadG" panose="02030600000101010101" pitchFamily="18" charset="-127"/>
+                <a:ea typeface="SHeadG" panose="02030600000101010101" pitchFamily="18" charset="-127"/>
+              </a:rPr>
+              <a:t>+ save</a:t>
+            </a:r>
+            <a:endParaRPr kumimoji="1" lang="ko-Kore-KR" altLang="en-US" sz="1200" dirty="0">
+              <a:solidFill>
+                <a:srgbClr val="5DA2C5"/>
+              </a:solidFill>
+              <a:latin typeface="SHeadG" panose="02030600000101010101" pitchFamily="18" charset="-127"/>
+              <a:ea typeface="SHeadG" panose="02030600000101010101" pitchFamily="18" charset="-127"/>
+            </a:endParaRPr>
+          </a:p>
+        </p:txBody>
+      </p:sp>
+      <p:cxnSp>
+        <p:nvCxnSpPr>
+          <p:cNvPr id="6" name="직선 화살표 연결선 5">
+            <a:extLst>
+              <a:ext uri="{FF2B5EF4-FFF2-40B4-BE49-F238E27FC236}">
+                <a16:creationId xmlns:a16="http://schemas.microsoft.com/office/drawing/2014/main" id="{FA2DE73D-31A8-2D42-820E-BBA87523D0C0}"/>
+              </a:ext>
+            </a:extLst>
+          </p:cNvPr>
+          <p:cNvCxnSpPr/>
+          <p:nvPr/>
+        </p:nvCxnSpPr>
+        <p:spPr>
+          <a:xfrm>
+            <a:off x="2034540" y="1236690"/>
+            <a:ext cx="987686" cy="569250"/>
+          </a:xfrm>
+          <a:prstGeom prst="straightConnector1">
+            <a:avLst/>
+          </a:prstGeom>
+          <a:ln w="19050">
+            <a:prstDash val="dash"/>
+            <a:tailEnd type="stealth" w="lg" len="lg"/>
+          </a:ln>
+        </p:spPr>
+        <p:style>
+          <a:lnRef idx="1">
+            <a:schemeClr val="accent1"/>
+          </a:lnRef>
+          <a:fillRef idx="0">
+            <a:schemeClr val="accent1"/>
+          </a:fillRef>
+          <a:effectRef idx="0">
+            <a:schemeClr val="accent1"/>
+          </a:effectRef>
+          <a:fontRef idx="minor">
+            <a:schemeClr val="tx1"/>
+          </a:fontRef>
+        </p:style>
+      </p:cxnSp>
+      <p:grpSp>
+        <p:nvGrpSpPr>
+          <p:cNvPr id="8" name="그룹 7">
+            <a:extLst>
+              <a:ext uri="{FF2B5EF4-FFF2-40B4-BE49-F238E27FC236}">
+                <a16:creationId xmlns:a16="http://schemas.microsoft.com/office/drawing/2014/main" id="{A5A14653-D43C-534C-BA7D-98A644C0141B}"/>
+              </a:ext>
+            </a:extLst>
+          </p:cNvPr>
+          <p:cNvGrpSpPr/>
+          <p:nvPr/>
+        </p:nvGrpSpPr>
+        <p:grpSpPr>
+          <a:xfrm>
+            <a:off x="1533765" y="1039840"/>
+            <a:ext cx="442750" cy="663851"/>
+            <a:chOff x="1533765" y="1039840"/>
+            <a:chExt cx="442750" cy="663851"/>
+          </a:xfrm>
+        </p:grpSpPr>
+        <p:pic>
+          <p:nvPicPr>
+            <p:cNvPr id="4" name="그림 3">
+              <a:extLst>
+                <a:ext uri="{FF2B5EF4-FFF2-40B4-BE49-F238E27FC236}">
+                  <a16:creationId xmlns:a16="http://schemas.microsoft.com/office/drawing/2014/main" id="{1031FBC1-E22D-BC44-B602-093D63805CCF}"/>
+                </a:ext>
+              </a:extLst>
+            </p:cNvPr>
+            <p:cNvPicPr>
+              <a:picLocks noChangeAspect="1"/>
+            </p:cNvPicPr>
+            <p:nvPr/>
+          </p:nvPicPr>
+          <p:blipFill>
+            <a:blip r:embed="rId2">
+              <a:duotone>
+                <a:schemeClr val="accent5">
+                  <a:shade val="45000"/>
+                  <a:satMod val="135000"/>
+                </a:schemeClr>
+                <a:prstClr val="white"/>
+              </a:duotone>
+            </a:blip>
+            <a:stretch>
+              <a:fillRect/>
+            </a:stretch>
+          </p:blipFill>
+          <p:spPr>
+            <a:xfrm>
+              <a:off x="1558290" y="1039840"/>
+              <a:ext cx="393700" cy="393700"/>
+            </a:xfrm>
+            <a:prstGeom prst="rect">
+              <a:avLst/>
+            </a:prstGeom>
+          </p:spPr>
+        </p:pic>
+        <p:sp>
+          <p:nvSpPr>
+            <p:cNvPr id="7" name="직사각형 6">
+              <a:extLst>
+                <a:ext uri="{FF2B5EF4-FFF2-40B4-BE49-F238E27FC236}">
+                  <a16:creationId xmlns:a16="http://schemas.microsoft.com/office/drawing/2014/main" id="{8DC1DE51-B0DE-0342-8463-01B8F55446E5}"/>
+                </a:ext>
+              </a:extLst>
+            </p:cNvPr>
+            <p:cNvSpPr/>
+            <p:nvPr/>
+          </p:nvSpPr>
+          <p:spPr>
+            <a:xfrm>
+              <a:off x="1533765" y="1457470"/>
+              <a:ext cx="442750" cy="246221"/>
+            </a:xfrm>
+            <a:prstGeom prst="rect">
+              <a:avLst/>
+            </a:prstGeom>
+          </p:spPr>
+          <p:txBody>
+            <a:bodyPr wrap="none">
+              <a:spAutoFit/>
+            </a:bodyPr>
+            <a:lstStyle/>
+            <a:p>
+              <a:r>
+                <a:rPr kumimoji="1" lang="en-US" altLang="ko-Kore-KR" sz="1000" dirty="0">
+                  <a:solidFill>
+                    <a:srgbClr val="5DA2C5"/>
+                  </a:solidFill>
+                  <a:latin typeface="SHeadG" panose="02030600000101010101" pitchFamily="18" charset="-127"/>
+                  <a:ea typeface="SHeadG" panose="02030600000101010101" pitchFamily="18" charset="-127"/>
+                </a:rPr>
+                <a:t>CFO</a:t>
+              </a:r>
+              <a:endParaRPr lang="ko-Kore-KR" altLang="en-US" sz="1000" dirty="0"/>
+            </a:p>
+          </p:txBody>
+        </p:sp>
+      </p:grpSp>
+      <p:grpSp>
+        <p:nvGrpSpPr>
+          <p:cNvPr id="18" name="그룹 17">
+            <a:extLst>
+              <a:ext uri="{FF2B5EF4-FFF2-40B4-BE49-F238E27FC236}">
+                <a16:creationId xmlns:a16="http://schemas.microsoft.com/office/drawing/2014/main" id="{60B051A7-7E85-DC48-BA9C-6E52D620C6D8}"/>
+              </a:ext>
+            </a:extLst>
+          </p:cNvPr>
+          <p:cNvGrpSpPr/>
+          <p:nvPr/>
+        </p:nvGrpSpPr>
+        <p:grpSpPr>
+          <a:xfrm>
+            <a:off x="1057515" y="1916031"/>
+            <a:ext cx="470000" cy="663851"/>
+            <a:chOff x="1533765" y="1039840"/>
+            <a:chExt cx="470000" cy="663851"/>
+          </a:xfrm>
+        </p:grpSpPr>
+        <p:pic>
+          <p:nvPicPr>
+            <p:cNvPr id="19" name="그림 18">
+              <a:extLst>
+                <a:ext uri="{FF2B5EF4-FFF2-40B4-BE49-F238E27FC236}">
+                  <a16:creationId xmlns:a16="http://schemas.microsoft.com/office/drawing/2014/main" id="{5C1340AB-720D-5E40-9925-48CE23BDAE12}"/>
+                </a:ext>
+              </a:extLst>
+            </p:cNvPr>
+            <p:cNvPicPr>
+              <a:picLocks noChangeAspect="1"/>
+            </p:cNvPicPr>
+            <p:nvPr/>
+          </p:nvPicPr>
+          <p:blipFill>
+            <a:blip r:embed="rId2">
+              <a:duotone>
+                <a:schemeClr val="accent5">
+                  <a:shade val="45000"/>
+                  <a:satMod val="135000"/>
+                </a:schemeClr>
+                <a:prstClr val="white"/>
+              </a:duotone>
+            </a:blip>
+            <a:stretch>
+              <a:fillRect/>
+            </a:stretch>
+          </p:blipFill>
+          <p:spPr>
+            <a:xfrm>
+              <a:off x="1558290" y="1039840"/>
+              <a:ext cx="393700" cy="393700"/>
+            </a:xfrm>
+            <a:prstGeom prst="rect">
+              <a:avLst/>
+            </a:prstGeom>
+          </p:spPr>
+        </p:pic>
+        <p:sp>
+          <p:nvSpPr>
+            <p:cNvPr id="20" name="직사각형 19">
+              <a:extLst>
+                <a:ext uri="{FF2B5EF4-FFF2-40B4-BE49-F238E27FC236}">
+                  <a16:creationId xmlns:a16="http://schemas.microsoft.com/office/drawing/2014/main" id="{17EF969B-6A47-C747-8CB5-524AA3499D83}"/>
+                </a:ext>
+              </a:extLst>
+            </p:cNvPr>
+            <p:cNvSpPr/>
+            <p:nvPr/>
+          </p:nvSpPr>
+          <p:spPr>
+            <a:xfrm>
+              <a:off x="1533765" y="1457470"/>
+              <a:ext cx="470000" cy="246221"/>
+            </a:xfrm>
+            <a:prstGeom prst="rect">
+              <a:avLst/>
+            </a:prstGeom>
+          </p:spPr>
+          <p:txBody>
+            <a:bodyPr wrap="none">
+              <a:spAutoFit/>
+            </a:bodyPr>
+            <a:lstStyle/>
+            <a:p>
+              <a:r>
+                <a:rPr kumimoji="1" lang="en-US" altLang="ko-Kore-KR" sz="1000" dirty="0">
+                  <a:solidFill>
+                    <a:srgbClr val="5DA2C5"/>
+                  </a:solidFill>
+                  <a:latin typeface="SHeadG" panose="02030600000101010101" pitchFamily="18" charset="-127"/>
+                  <a:ea typeface="SHeadG" panose="02030600000101010101" pitchFamily="18" charset="-127"/>
+                </a:rPr>
+                <a:t>COO</a:t>
+              </a:r>
+              <a:endParaRPr lang="ko-Kore-KR" altLang="en-US" sz="1000" dirty="0"/>
+            </a:p>
+          </p:txBody>
+        </p:sp>
+      </p:grpSp>
+      <p:grpSp>
+        <p:nvGrpSpPr>
+          <p:cNvPr id="21" name="그룹 20">
+            <a:extLst>
+              <a:ext uri="{FF2B5EF4-FFF2-40B4-BE49-F238E27FC236}">
+                <a16:creationId xmlns:a16="http://schemas.microsoft.com/office/drawing/2014/main" id="{AE9F41EC-FA9D-864D-A1F2-26F98ECA11ED}"/>
+              </a:ext>
+            </a:extLst>
+          </p:cNvPr>
+          <p:cNvGrpSpPr/>
+          <p:nvPr/>
+        </p:nvGrpSpPr>
+        <p:grpSpPr>
+          <a:xfrm>
+            <a:off x="1542902" y="2591864"/>
+            <a:ext cx="460382" cy="663851"/>
+            <a:chOff x="1533765" y="1039840"/>
+            <a:chExt cx="460382" cy="663851"/>
+          </a:xfrm>
+        </p:grpSpPr>
+        <p:pic>
+          <p:nvPicPr>
+            <p:cNvPr id="22" name="그림 21">
+              <a:extLst>
+                <a:ext uri="{FF2B5EF4-FFF2-40B4-BE49-F238E27FC236}">
+                  <a16:creationId xmlns:a16="http://schemas.microsoft.com/office/drawing/2014/main" id="{ACAD58CE-0265-6A4A-A6CD-7D96CA3D57A1}"/>
+                </a:ext>
+              </a:extLst>
+            </p:cNvPr>
+            <p:cNvPicPr>
+              <a:picLocks noChangeAspect="1"/>
+            </p:cNvPicPr>
+            <p:nvPr/>
+          </p:nvPicPr>
+          <p:blipFill>
+            <a:blip r:embed="rId2">
+              <a:duotone>
+                <a:schemeClr val="accent5">
+                  <a:shade val="45000"/>
+                  <a:satMod val="135000"/>
+                </a:schemeClr>
+                <a:prstClr val="white"/>
+              </a:duotone>
+            </a:blip>
+            <a:stretch>
+              <a:fillRect/>
+            </a:stretch>
+          </p:blipFill>
+          <p:spPr>
+            <a:xfrm>
+              <a:off x="1558290" y="1039840"/>
+              <a:ext cx="393700" cy="393700"/>
+            </a:xfrm>
+            <a:prstGeom prst="rect">
+              <a:avLst/>
+            </a:prstGeom>
+          </p:spPr>
+        </p:pic>
+        <p:sp>
+          <p:nvSpPr>
+            <p:cNvPr id="23" name="직사각형 22">
+              <a:extLst>
+                <a:ext uri="{FF2B5EF4-FFF2-40B4-BE49-F238E27FC236}">
+                  <a16:creationId xmlns:a16="http://schemas.microsoft.com/office/drawing/2014/main" id="{D165ADDE-5545-3B43-98E6-6CFDF51D2442}"/>
+                </a:ext>
+              </a:extLst>
+            </p:cNvPr>
+            <p:cNvSpPr/>
+            <p:nvPr/>
+          </p:nvSpPr>
+          <p:spPr>
+            <a:xfrm>
+              <a:off x="1533765" y="1457470"/>
+              <a:ext cx="460382" cy="246221"/>
+            </a:xfrm>
+            <a:prstGeom prst="rect">
+              <a:avLst/>
+            </a:prstGeom>
+          </p:spPr>
+          <p:txBody>
+            <a:bodyPr wrap="none">
+              <a:spAutoFit/>
+            </a:bodyPr>
+            <a:lstStyle/>
+            <a:p>
+              <a:r>
+                <a:rPr kumimoji="1" lang="en-US" altLang="ko-Kore-KR" sz="1000" dirty="0">
+                  <a:solidFill>
+                    <a:srgbClr val="5DA2C5"/>
+                  </a:solidFill>
+                  <a:latin typeface="SHeadG" panose="02030600000101010101" pitchFamily="18" charset="-127"/>
+                  <a:ea typeface="SHeadG" panose="02030600000101010101" pitchFamily="18" charset="-127"/>
+                </a:rPr>
+                <a:t>CTO</a:t>
+              </a:r>
+              <a:endParaRPr lang="ko-Kore-KR" altLang="en-US" sz="1000" dirty="0"/>
+            </a:p>
+          </p:txBody>
+        </p:sp>
+      </p:grpSp>
+      <p:cxnSp>
+        <p:nvCxnSpPr>
+          <p:cNvPr id="24" name="직선 화살표 연결선 23">
+            <a:extLst>
+              <a:ext uri="{FF2B5EF4-FFF2-40B4-BE49-F238E27FC236}">
+                <a16:creationId xmlns:a16="http://schemas.microsoft.com/office/drawing/2014/main" id="{F251F11C-1907-174D-B165-10F41E702AEB}"/>
+              </a:ext>
+            </a:extLst>
+          </p:cNvPr>
+          <p:cNvCxnSpPr>
+            <a:cxnSpLocks/>
+            <a:stCxn id="19" idx="3"/>
+          </p:cNvCxnSpPr>
+          <p:nvPr/>
+        </p:nvCxnSpPr>
+        <p:spPr>
+          <a:xfrm>
+            <a:off x="1475740" y="2112881"/>
+            <a:ext cx="1546486" cy="0"/>
+          </a:xfrm>
+          <a:prstGeom prst="straightConnector1">
+            <a:avLst/>
+          </a:prstGeom>
+          <a:ln w="19050">
+            <a:prstDash val="dash"/>
+            <a:tailEnd type="stealth" w="lg" len="lg"/>
+          </a:ln>
+        </p:spPr>
+        <p:style>
+          <a:lnRef idx="1">
+            <a:schemeClr val="accent1"/>
+          </a:lnRef>
+          <a:fillRef idx="0">
+            <a:schemeClr val="accent1"/>
+          </a:fillRef>
+          <a:effectRef idx="0">
+            <a:schemeClr val="accent1"/>
+          </a:effectRef>
+          <a:fontRef idx="minor">
+            <a:schemeClr val="tx1"/>
+          </a:fontRef>
+        </p:style>
+      </p:cxnSp>
+      <p:cxnSp>
+        <p:nvCxnSpPr>
+          <p:cNvPr id="27" name="직선 화살표 연결선 26">
+            <a:extLst>
+              <a:ext uri="{FF2B5EF4-FFF2-40B4-BE49-F238E27FC236}">
+                <a16:creationId xmlns:a16="http://schemas.microsoft.com/office/drawing/2014/main" id="{014831D4-4A0E-0241-B7F0-A0EC2D87C1C2}"/>
+              </a:ext>
+            </a:extLst>
+          </p:cNvPr>
+          <p:cNvCxnSpPr>
+            <a:cxnSpLocks/>
+            <a:stCxn id="22" idx="3"/>
+          </p:cNvCxnSpPr>
+          <p:nvPr/>
+        </p:nvCxnSpPr>
+        <p:spPr>
+          <a:xfrm flipV="1">
+            <a:off x="1961127" y="2417402"/>
+            <a:ext cx="1045711" cy="371312"/>
+          </a:xfrm>
+          <a:prstGeom prst="straightConnector1">
+            <a:avLst/>
+          </a:prstGeom>
+          <a:ln w="19050">
+            <a:prstDash val="dash"/>
+            <a:tailEnd type="stealth" w="lg" len="lg"/>
+          </a:ln>
+        </p:spPr>
+        <p:style>
+          <a:lnRef idx="1">
+            <a:schemeClr val="accent1"/>
+          </a:lnRef>
+          <a:fillRef idx="0">
+            <a:schemeClr val="accent1"/>
+          </a:fillRef>
+          <a:effectRef idx="0">
+            <a:schemeClr val="accent1"/>
+          </a:effectRef>
+          <a:fontRef idx="minor">
+            <a:schemeClr val="tx1"/>
+          </a:fontRef>
+        </p:style>
+      </p:cxnSp>
+      <p:sp>
+        <p:nvSpPr>
+          <p:cNvPr id="32" name="직사각형 31">
+            <a:extLst>
+              <a:ext uri="{FF2B5EF4-FFF2-40B4-BE49-F238E27FC236}">
+                <a16:creationId xmlns:a16="http://schemas.microsoft.com/office/drawing/2014/main" id="{50A2F1BB-7D85-CC42-BC50-0CB630A0B8BF}"/>
+              </a:ext>
+            </a:extLst>
+          </p:cNvPr>
+          <p:cNvSpPr/>
+          <p:nvPr/>
+        </p:nvSpPr>
+        <p:spPr>
+          <a:xfrm>
+            <a:off x="7037966" y="1426899"/>
+            <a:ext cx="1629784" cy="489131"/>
+          </a:xfrm>
+          <a:prstGeom prst="rect">
+            <a:avLst/>
+          </a:prstGeom>
+          <a:ln w="25400">
+            <a:solidFill>
+              <a:srgbClr val="5DA2C5"/>
+            </a:solidFill>
+          </a:ln>
+        </p:spPr>
+        <p:style>
+          <a:lnRef idx="1">
+            <a:schemeClr val="accent1"/>
+          </a:lnRef>
+          <a:fillRef idx="0">
+            <a:schemeClr val="accent1"/>
+          </a:fillRef>
+          <a:effectRef idx="0">
+            <a:schemeClr val="accent1"/>
+          </a:effectRef>
+          <a:fontRef idx="minor">
+            <a:schemeClr val="tx1"/>
+          </a:fontRef>
+        </p:style>
+        <p:txBody>
+          <a:bodyPr rtlCol="0" anchor="ctr"/>
+          <a:lstStyle/>
+          <a:p>
+            <a:pPr algn="ctr"/>
+            <a:endParaRPr kumimoji="1" lang="ko-Kore-KR" altLang="en-US"/>
+          </a:p>
+        </p:txBody>
+      </p:sp>
+      <p:sp>
+        <p:nvSpPr>
+          <p:cNvPr id="33" name="TextBox 32">
+            <a:extLst>
+              <a:ext uri="{FF2B5EF4-FFF2-40B4-BE49-F238E27FC236}">
+                <a16:creationId xmlns:a16="http://schemas.microsoft.com/office/drawing/2014/main" id="{5C7CC6D6-3663-3740-8CA6-254DA5E09EE7}"/>
+              </a:ext>
+            </a:extLst>
+          </p:cNvPr>
+          <p:cNvSpPr txBox="1"/>
+          <p:nvPr/>
+        </p:nvSpPr>
+        <p:spPr>
+          <a:xfrm>
+            <a:off x="7037966" y="1533521"/>
+            <a:ext cx="1629784" cy="276999"/>
+          </a:xfrm>
+          <a:prstGeom prst="rect">
+            <a:avLst/>
+          </a:prstGeom>
+          <a:noFill/>
+        </p:spPr>
+        <p:txBody>
+          <a:bodyPr wrap="square" rtlCol="0">
+            <a:spAutoFit/>
+          </a:bodyPr>
+          <a:lstStyle/>
+          <a:p>
+            <a:pPr algn="ctr"/>
+            <a:r>
+              <a:rPr kumimoji="1" lang="en-US" altLang="ko-Kore-KR" sz="1200" dirty="0" err="1">
+                <a:solidFill>
+                  <a:srgbClr val="5DA2C5"/>
+                </a:solidFill>
+                <a:latin typeface="SHeadG" panose="02030600000101010101" pitchFamily="18" charset="-127"/>
+                <a:ea typeface="SHeadG" panose="02030600000101010101" pitchFamily="18" charset="-127"/>
+              </a:rPr>
+              <a:t>calculatePay</a:t>
+            </a:r>
+            <a:endParaRPr kumimoji="1" lang="ko-Kore-KR" altLang="en-US" sz="1200" b="1" dirty="0">
+              <a:solidFill>
+                <a:srgbClr val="5DA2C5"/>
+              </a:solidFill>
+              <a:latin typeface="SHeadG" panose="02030600000101010101" pitchFamily="18" charset="-127"/>
+              <a:ea typeface="SHeadG" panose="02030600000101010101" pitchFamily="18" charset="-127"/>
+            </a:endParaRPr>
+          </a:p>
+        </p:txBody>
+      </p:sp>
+      <p:sp>
+        <p:nvSpPr>
+          <p:cNvPr id="34" name="직사각형 33">
+            <a:extLst>
+              <a:ext uri="{FF2B5EF4-FFF2-40B4-BE49-F238E27FC236}">
+                <a16:creationId xmlns:a16="http://schemas.microsoft.com/office/drawing/2014/main" id="{457DB94D-4A7E-F446-A45D-FED4DC841077}"/>
+              </a:ext>
+            </a:extLst>
+          </p:cNvPr>
+          <p:cNvSpPr/>
+          <p:nvPr/>
+        </p:nvSpPr>
+        <p:spPr>
+          <a:xfrm>
+            <a:off x="9613526" y="1433540"/>
+            <a:ext cx="1629784" cy="489131"/>
+          </a:xfrm>
+          <a:prstGeom prst="rect">
+            <a:avLst/>
+          </a:prstGeom>
+          <a:ln w="25400">
+            <a:solidFill>
+              <a:srgbClr val="5DA2C5"/>
+            </a:solidFill>
+          </a:ln>
+        </p:spPr>
+        <p:style>
+          <a:lnRef idx="1">
+            <a:schemeClr val="accent1"/>
+          </a:lnRef>
+          <a:fillRef idx="0">
+            <a:schemeClr val="accent1"/>
+          </a:fillRef>
+          <a:effectRef idx="0">
+            <a:schemeClr val="accent1"/>
+          </a:effectRef>
+          <a:fontRef idx="minor">
+            <a:schemeClr val="tx1"/>
+          </a:fontRef>
+        </p:style>
+        <p:txBody>
+          <a:bodyPr rtlCol="0" anchor="ctr"/>
+          <a:lstStyle/>
+          <a:p>
+            <a:pPr algn="ctr"/>
+            <a:endParaRPr kumimoji="1" lang="ko-Kore-KR" altLang="en-US"/>
+          </a:p>
+        </p:txBody>
+      </p:sp>
+      <p:sp>
+        <p:nvSpPr>
+          <p:cNvPr id="35" name="TextBox 34">
+            <a:extLst>
+              <a:ext uri="{FF2B5EF4-FFF2-40B4-BE49-F238E27FC236}">
+                <a16:creationId xmlns:a16="http://schemas.microsoft.com/office/drawing/2014/main" id="{C5936AE4-081F-0F44-90CF-BA7E61E6EBE3}"/>
+              </a:ext>
+            </a:extLst>
+          </p:cNvPr>
+          <p:cNvSpPr txBox="1"/>
+          <p:nvPr/>
+        </p:nvSpPr>
+        <p:spPr>
+          <a:xfrm>
+            <a:off x="9613526" y="1540162"/>
+            <a:ext cx="1629784" cy="276999"/>
+          </a:xfrm>
+          <a:prstGeom prst="rect">
+            <a:avLst/>
+          </a:prstGeom>
+          <a:noFill/>
+        </p:spPr>
+        <p:txBody>
+          <a:bodyPr wrap="square" rtlCol="0">
+            <a:spAutoFit/>
+          </a:bodyPr>
+          <a:lstStyle/>
+          <a:p>
+            <a:pPr algn="ctr"/>
+            <a:r>
+              <a:rPr kumimoji="1" lang="en-US" altLang="ko-Kore-KR" sz="1200" dirty="0" err="1">
+                <a:solidFill>
+                  <a:srgbClr val="5DA2C5"/>
+                </a:solidFill>
+                <a:latin typeface="SHeadG" panose="02030600000101010101" pitchFamily="18" charset="-127"/>
+                <a:ea typeface="SHeadG" panose="02030600000101010101" pitchFamily="18" charset="-127"/>
+              </a:rPr>
+              <a:t>reportHours</a:t>
+            </a:r>
+            <a:endParaRPr kumimoji="1" lang="ko-Kore-KR" altLang="en-US" sz="1200" b="1" dirty="0">
+              <a:solidFill>
+                <a:srgbClr val="5DA2C5"/>
+              </a:solidFill>
+              <a:latin typeface="SHeadG" panose="02030600000101010101" pitchFamily="18" charset="-127"/>
+              <a:ea typeface="SHeadG" panose="02030600000101010101" pitchFamily="18" charset="-127"/>
+            </a:endParaRPr>
+          </a:p>
+        </p:txBody>
+      </p:sp>
+      <p:sp>
+        <p:nvSpPr>
+          <p:cNvPr id="36" name="직사각형 35">
+            <a:extLst>
+              <a:ext uri="{FF2B5EF4-FFF2-40B4-BE49-F238E27FC236}">
+                <a16:creationId xmlns:a16="http://schemas.microsoft.com/office/drawing/2014/main" id="{D97FEA5B-AACB-6642-A182-5F93FA2444DC}"/>
+              </a:ext>
+            </a:extLst>
+          </p:cNvPr>
+          <p:cNvSpPr/>
+          <p:nvPr/>
+        </p:nvSpPr>
+        <p:spPr>
+          <a:xfrm>
+            <a:off x="8257166" y="2347298"/>
+            <a:ext cx="1629784" cy="489131"/>
+          </a:xfrm>
+          <a:prstGeom prst="rect">
+            <a:avLst/>
+          </a:prstGeom>
+          <a:ln w="25400">
+            <a:solidFill>
+              <a:srgbClr val="5DA2C5"/>
+            </a:solidFill>
+          </a:ln>
+        </p:spPr>
+        <p:style>
+          <a:lnRef idx="1">
+            <a:schemeClr val="accent1"/>
+          </a:lnRef>
+          <a:fillRef idx="0">
+            <a:schemeClr val="accent1"/>
+          </a:fillRef>
+          <a:effectRef idx="0">
+            <a:schemeClr val="accent1"/>
+          </a:effectRef>
+          <a:fontRef idx="minor">
+            <a:schemeClr val="tx1"/>
+          </a:fontRef>
+        </p:style>
+        <p:txBody>
+          <a:bodyPr rtlCol="0" anchor="ctr"/>
+          <a:lstStyle/>
+          <a:p>
+            <a:pPr algn="ctr"/>
+            <a:endParaRPr kumimoji="1" lang="ko-Kore-KR" altLang="en-US"/>
+          </a:p>
+        </p:txBody>
+      </p:sp>
+      <p:sp>
+        <p:nvSpPr>
+          <p:cNvPr id="37" name="TextBox 36">
+            <a:extLst>
+              <a:ext uri="{FF2B5EF4-FFF2-40B4-BE49-F238E27FC236}">
+                <a16:creationId xmlns:a16="http://schemas.microsoft.com/office/drawing/2014/main" id="{971BA580-B882-4F4A-8396-44552447431B}"/>
+              </a:ext>
+            </a:extLst>
+          </p:cNvPr>
+          <p:cNvSpPr txBox="1"/>
+          <p:nvPr/>
+        </p:nvSpPr>
+        <p:spPr>
+          <a:xfrm>
+            <a:off x="8257166" y="2453920"/>
+            <a:ext cx="1629784" cy="276999"/>
+          </a:xfrm>
+          <a:prstGeom prst="rect">
+            <a:avLst/>
+          </a:prstGeom>
+          <a:noFill/>
+        </p:spPr>
+        <p:txBody>
+          <a:bodyPr wrap="square" rtlCol="0">
+            <a:spAutoFit/>
+          </a:bodyPr>
+          <a:lstStyle/>
+          <a:p>
+            <a:pPr algn="ctr"/>
+            <a:r>
+              <a:rPr kumimoji="1" lang="en-US" altLang="ko-Kore-KR" sz="1200" dirty="0" err="1">
+                <a:solidFill>
+                  <a:srgbClr val="5DA2C5"/>
+                </a:solidFill>
+                <a:latin typeface="SHeadG" panose="02030600000101010101" pitchFamily="18" charset="-127"/>
+                <a:ea typeface="SHeadG" panose="02030600000101010101" pitchFamily="18" charset="-127"/>
+              </a:rPr>
+              <a:t>regularHours</a:t>
+            </a:r>
+            <a:endParaRPr kumimoji="1" lang="ko-Kore-KR" altLang="en-US" sz="1200" b="1" dirty="0">
+              <a:solidFill>
+                <a:srgbClr val="5DA2C5"/>
+              </a:solidFill>
+              <a:latin typeface="SHeadG" panose="02030600000101010101" pitchFamily="18" charset="-127"/>
+              <a:ea typeface="SHeadG" panose="02030600000101010101" pitchFamily="18" charset="-127"/>
+            </a:endParaRPr>
+          </a:p>
+        </p:txBody>
+      </p:sp>
+      <p:cxnSp>
+        <p:nvCxnSpPr>
+          <p:cNvPr id="17" name="꺾인 연결선[E] 16">
+            <a:extLst>
+              <a:ext uri="{FF2B5EF4-FFF2-40B4-BE49-F238E27FC236}">
+                <a16:creationId xmlns:a16="http://schemas.microsoft.com/office/drawing/2014/main" id="{A3256285-CF10-D94A-BFE8-759AA91F00DD}"/>
+              </a:ext>
+            </a:extLst>
+          </p:cNvPr>
+          <p:cNvCxnSpPr>
+            <a:cxnSpLocks/>
+            <a:stCxn id="33" idx="3"/>
+          </p:cNvCxnSpPr>
+          <p:nvPr/>
+        </p:nvCxnSpPr>
+        <p:spPr>
+          <a:xfrm>
+            <a:off x="8667750" y="1672021"/>
+            <a:ext cx="144780" cy="675277"/>
+          </a:xfrm>
+          <a:prstGeom prst="bentConnector2">
+            <a:avLst/>
+          </a:prstGeom>
+          <a:ln w="19050">
+            <a:tailEnd type="stealth" w="lg" len="lg"/>
+          </a:ln>
+        </p:spPr>
+        <p:style>
+          <a:lnRef idx="1">
+            <a:schemeClr val="accent1"/>
+          </a:lnRef>
+          <a:fillRef idx="0">
+            <a:schemeClr val="accent1"/>
+          </a:fillRef>
+          <a:effectRef idx="0">
+            <a:schemeClr val="accent1"/>
+          </a:effectRef>
+          <a:fontRef idx="minor">
+            <a:schemeClr val="tx1"/>
+          </a:fontRef>
+        </p:style>
+      </p:cxnSp>
+      <p:cxnSp>
+        <p:nvCxnSpPr>
+          <p:cNvPr id="42" name="꺾인 연결선[E] 41">
+            <a:extLst>
+              <a:ext uri="{FF2B5EF4-FFF2-40B4-BE49-F238E27FC236}">
+                <a16:creationId xmlns:a16="http://schemas.microsoft.com/office/drawing/2014/main" id="{6523A142-5947-D043-BBCF-092C04A65D33}"/>
+              </a:ext>
+            </a:extLst>
+          </p:cNvPr>
+          <p:cNvCxnSpPr>
+            <a:cxnSpLocks/>
+            <a:stCxn id="35" idx="1"/>
+          </p:cNvCxnSpPr>
+          <p:nvPr/>
+        </p:nvCxnSpPr>
+        <p:spPr>
+          <a:xfrm rot="10800000" flipV="1">
+            <a:off x="9464040" y="1678662"/>
+            <a:ext cx="149486" cy="668636"/>
+          </a:xfrm>
+          <a:prstGeom prst="bentConnector2">
+            <a:avLst/>
+          </a:prstGeom>
+          <a:ln w="19050">
+            <a:tailEnd type="stealth" w="lg" len="lg"/>
+          </a:ln>
+        </p:spPr>
+        <p:style>
+          <a:lnRef idx="1">
+            <a:schemeClr val="accent1"/>
+          </a:lnRef>
+          <a:fillRef idx="0">
+            <a:schemeClr val="accent1"/>
+          </a:fillRef>
+          <a:effectRef idx="0">
+            <a:schemeClr val="accent1"/>
+          </a:effectRef>
+          <a:fontRef idx="minor">
+            <a:schemeClr val="tx1"/>
+          </a:fontRef>
+        </p:style>
+      </p:cxnSp>
+      <p:grpSp>
+        <p:nvGrpSpPr>
+          <p:cNvPr id="38" name="그룹 37">
+            <a:extLst>
+              <a:ext uri="{FF2B5EF4-FFF2-40B4-BE49-F238E27FC236}">
+                <a16:creationId xmlns:a16="http://schemas.microsoft.com/office/drawing/2014/main" id="{0F7ECF17-763A-D340-94E0-B83792284BE3}"/>
+              </a:ext>
+            </a:extLst>
+          </p:cNvPr>
+          <p:cNvGrpSpPr/>
+          <p:nvPr/>
+        </p:nvGrpSpPr>
+        <p:grpSpPr>
+          <a:xfrm>
+            <a:off x="412750" y="3878212"/>
+            <a:ext cx="1858384" cy="701778"/>
+            <a:chOff x="2003284" y="3759443"/>
+            <a:chExt cx="1858384" cy="701778"/>
+          </a:xfrm>
+        </p:grpSpPr>
+        <p:sp>
+          <p:nvSpPr>
+            <p:cNvPr id="45" name="직사각형 44">
+              <a:extLst>
+                <a:ext uri="{FF2B5EF4-FFF2-40B4-BE49-F238E27FC236}">
+                  <a16:creationId xmlns:a16="http://schemas.microsoft.com/office/drawing/2014/main" id="{0E10511E-742D-2B42-84F2-57046BCCC2C1}"/>
+                </a:ext>
+              </a:extLst>
+            </p:cNvPr>
+            <p:cNvSpPr/>
+            <p:nvPr/>
+          </p:nvSpPr>
+          <p:spPr>
+            <a:xfrm>
+              <a:off x="2003284" y="3759443"/>
+              <a:ext cx="1858384" cy="342690"/>
+            </a:xfrm>
+            <a:prstGeom prst="rect">
+              <a:avLst/>
+            </a:prstGeom>
+            <a:ln w="25400">
+              <a:solidFill>
+                <a:srgbClr val="5DA2C5"/>
+              </a:solidFill>
+            </a:ln>
+          </p:spPr>
+          <p:style>
+            <a:lnRef idx="1">
+              <a:schemeClr val="accent1"/>
+            </a:lnRef>
+            <a:fillRef idx="0">
+              <a:schemeClr val="accent1"/>
+            </a:fillRef>
+            <a:effectRef idx="0">
+              <a:schemeClr val="accent1"/>
+            </a:effectRef>
+            <a:fontRef idx="minor">
+              <a:schemeClr val="tx1"/>
+            </a:fontRef>
+          </p:style>
+          <p:txBody>
+            <a:bodyPr rtlCol="0" anchor="ctr"/>
+            <a:lstStyle/>
+            <a:p>
+              <a:pPr algn="ctr"/>
+              <a:endParaRPr kumimoji="1" lang="ko-Kore-KR" altLang="en-US"/>
+            </a:p>
+          </p:txBody>
+        </p:sp>
+        <p:sp>
+          <p:nvSpPr>
+            <p:cNvPr id="46" name="TextBox 45">
+              <a:extLst>
+                <a:ext uri="{FF2B5EF4-FFF2-40B4-BE49-F238E27FC236}">
+                  <a16:creationId xmlns:a16="http://schemas.microsoft.com/office/drawing/2014/main" id="{D0510C1E-E238-BF44-B9E4-B25B12B27A64}"/>
+                </a:ext>
+              </a:extLst>
+            </p:cNvPr>
+            <p:cNvSpPr txBox="1"/>
+            <p:nvPr/>
+          </p:nvSpPr>
+          <p:spPr>
+            <a:xfrm>
+              <a:off x="2117584" y="3792288"/>
+              <a:ext cx="1629784" cy="276999"/>
+            </a:xfrm>
+            <a:prstGeom prst="rect">
+              <a:avLst/>
+            </a:prstGeom>
+            <a:noFill/>
+          </p:spPr>
+          <p:txBody>
+            <a:bodyPr wrap="square" rtlCol="0">
+              <a:spAutoFit/>
+            </a:bodyPr>
+            <a:lstStyle/>
+            <a:p>
+              <a:pPr algn="ctr"/>
+              <a:r>
+                <a:rPr kumimoji="1" lang="en-US" altLang="ko-Kore-KR" sz="1200" b="1" dirty="0" err="1">
+                  <a:solidFill>
+                    <a:srgbClr val="5DA2C5"/>
+                  </a:solidFill>
+                  <a:latin typeface="SHeadG" panose="02030600000101010101" pitchFamily="18" charset="-127"/>
+                  <a:ea typeface="SHeadG" panose="02030600000101010101" pitchFamily="18" charset="-127"/>
+                </a:rPr>
+                <a:t>PayCalculator</a:t>
+              </a:r>
+              <a:endParaRPr kumimoji="1" lang="ko-Kore-KR" altLang="en-US" sz="1200" b="1" dirty="0">
+                <a:solidFill>
+                  <a:srgbClr val="5DA2C5"/>
+                </a:solidFill>
+                <a:latin typeface="SHeadG" panose="02030600000101010101" pitchFamily="18" charset="-127"/>
+                <a:ea typeface="SHeadG" panose="02030600000101010101" pitchFamily="18" charset="-127"/>
+              </a:endParaRPr>
+            </a:p>
+          </p:txBody>
+        </p:sp>
+        <p:sp>
+          <p:nvSpPr>
+            <p:cNvPr id="47" name="직사각형 46">
+              <a:extLst>
+                <a:ext uri="{FF2B5EF4-FFF2-40B4-BE49-F238E27FC236}">
+                  <a16:creationId xmlns:a16="http://schemas.microsoft.com/office/drawing/2014/main" id="{6DD37BF2-201C-4C40-B1D8-B44B6BA65B45}"/>
+                </a:ext>
+              </a:extLst>
+            </p:cNvPr>
+            <p:cNvSpPr/>
+            <p:nvPr/>
+          </p:nvSpPr>
+          <p:spPr>
+            <a:xfrm>
+              <a:off x="2003284" y="4102132"/>
+              <a:ext cx="1858384" cy="359089"/>
+            </a:xfrm>
+            <a:prstGeom prst="rect">
+              <a:avLst/>
+            </a:prstGeom>
+            <a:ln w="25400">
+              <a:solidFill>
+                <a:srgbClr val="5DA2C5"/>
+              </a:solidFill>
+            </a:ln>
+          </p:spPr>
+          <p:style>
+            <a:lnRef idx="1">
+              <a:schemeClr val="accent1"/>
+            </a:lnRef>
+            <a:fillRef idx="0">
+              <a:schemeClr val="accent1"/>
+            </a:fillRef>
+            <a:effectRef idx="0">
+              <a:schemeClr val="accent1"/>
+            </a:effectRef>
+            <a:fontRef idx="minor">
+              <a:schemeClr val="tx1"/>
+            </a:fontRef>
+          </p:style>
+          <p:txBody>
+            <a:bodyPr rtlCol="0" anchor="ctr"/>
+            <a:lstStyle/>
+            <a:p>
+              <a:pPr algn="ctr"/>
+              <a:endParaRPr kumimoji="1" lang="ko-Kore-KR" altLang="en-US"/>
+            </a:p>
+          </p:txBody>
+        </p:sp>
+        <p:sp>
+          <p:nvSpPr>
+            <p:cNvPr id="48" name="TextBox 47">
+              <a:extLst>
+                <a:ext uri="{FF2B5EF4-FFF2-40B4-BE49-F238E27FC236}">
+                  <a16:creationId xmlns:a16="http://schemas.microsoft.com/office/drawing/2014/main" id="{A962D59B-EAB7-944B-9C2D-6942035F1E68}"/>
+                </a:ext>
+              </a:extLst>
+            </p:cNvPr>
+            <p:cNvSpPr txBox="1"/>
+            <p:nvPr/>
+          </p:nvSpPr>
+          <p:spPr>
+            <a:xfrm>
+              <a:off x="2387198" y="4077828"/>
+              <a:ext cx="1474470" cy="326243"/>
+            </a:xfrm>
+            <a:prstGeom prst="rect">
+              <a:avLst/>
+            </a:prstGeom>
+            <a:noFill/>
+          </p:spPr>
+          <p:txBody>
+            <a:bodyPr wrap="square" rtlCol="0">
+              <a:spAutoFit/>
+            </a:bodyPr>
+            <a:lstStyle/>
+            <a:p>
+              <a:pPr>
+                <a:lnSpc>
+                  <a:spcPct val="150000"/>
+                </a:lnSpc>
+              </a:pPr>
+              <a:r>
+                <a:rPr kumimoji="1" lang="en-US" altLang="ko-Kore-KR" sz="1200" dirty="0">
+                  <a:solidFill>
+                    <a:srgbClr val="5DA2C5"/>
+                  </a:solidFill>
+                  <a:latin typeface="SHeadG" panose="02030600000101010101" pitchFamily="18" charset="-127"/>
+                  <a:ea typeface="SHeadG" panose="02030600000101010101" pitchFamily="18" charset="-127"/>
+                </a:rPr>
+                <a:t>+ </a:t>
+              </a:r>
+              <a:r>
+                <a:rPr kumimoji="1" lang="en-US" altLang="ko-Kore-KR" sz="1200" dirty="0" err="1">
+                  <a:solidFill>
+                    <a:srgbClr val="5DA2C5"/>
+                  </a:solidFill>
+                  <a:latin typeface="SHeadG" panose="02030600000101010101" pitchFamily="18" charset="-127"/>
+                  <a:ea typeface="SHeadG" panose="02030600000101010101" pitchFamily="18" charset="-127"/>
+                </a:rPr>
+                <a:t>calulatePay</a:t>
+              </a:r>
+              <a:endParaRPr kumimoji="1" lang="ko-Kore-KR" altLang="en-US" sz="1200" dirty="0">
+                <a:solidFill>
+                  <a:srgbClr val="5DA2C5"/>
+                </a:solidFill>
+                <a:latin typeface="SHeadG" panose="02030600000101010101" pitchFamily="18" charset="-127"/>
+                <a:ea typeface="SHeadG" panose="02030600000101010101" pitchFamily="18" charset="-127"/>
+              </a:endParaRPr>
+            </a:p>
+          </p:txBody>
+        </p:sp>
+      </p:grpSp>
+      <p:grpSp>
+        <p:nvGrpSpPr>
+          <p:cNvPr id="39" name="그룹 38">
+            <a:extLst>
+              <a:ext uri="{FF2B5EF4-FFF2-40B4-BE49-F238E27FC236}">
+                <a16:creationId xmlns:a16="http://schemas.microsoft.com/office/drawing/2014/main" id="{7F6259E8-8B8F-6846-A3E1-5BF255DA6180}"/>
+              </a:ext>
+            </a:extLst>
+          </p:cNvPr>
+          <p:cNvGrpSpPr/>
+          <p:nvPr/>
+        </p:nvGrpSpPr>
+        <p:grpSpPr>
+          <a:xfrm>
+            <a:off x="412750" y="4711201"/>
+            <a:ext cx="1858384" cy="701778"/>
+            <a:chOff x="2003284" y="4592432"/>
+            <a:chExt cx="1858384" cy="701778"/>
+          </a:xfrm>
+        </p:grpSpPr>
+        <p:sp>
+          <p:nvSpPr>
+            <p:cNvPr id="57" name="직사각형 56">
+              <a:extLst>
+                <a:ext uri="{FF2B5EF4-FFF2-40B4-BE49-F238E27FC236}">
+                  <a16:creationId xmlns:a16="http://schemas.microsoft.com/office/drawing/2014/main" id="{01D9B501-B10E-6D44-977A-29B9FA42F7DC}"/>
+                </a:ext>
+              </a:extLst>
+            </p:cNvPr>
+            <p:cNvSpPr/>
+            <p:nvPr/>
+          </p:nvSpPr>
+          <p:spPr>
+            <a:xfrm>
+              <a:off x="2003284" y="4592432"/>
+              <a:ext cx="1858384" cy="342690"/>
+            </a:xfrm>
+            <a:prstGeom prst="rect">
+              <a:avLst/>
+            </a:prstGeom>
+            <a:ln w="25400">
+              <a:solidFill>
+                <a:srgbClr val="5DA2C5"/>
+              </a:solidFill>
+            </a:ln>
+          </p:spPr>
+          <p:style>
+            <a:lnRef idx="1">
+              <a:schemeClr val="accent1"/>
+            </a:lnRef>
+            <a:fillRef idx="0">
+              <a:schemeClr val="accent1"/>
+            </a:fillRef>
+            <a:effectRef idx="0">
+              <a:schemeClr val="accent1"/>
+            </a:effectRef>
+            <a:fontRef idx="minor">
+              <a:schemeClr val="tx1"/>
+            </a:fontRef>
+          </p:style>
+          <p:txBody>
+            <a:bodyPr rtlCol="0" anchor="ctr"/>
+            <a:lstStyle/>
+            <a:p>
+              <a:pPr algn="ctr"/>
+              <a:endParaRPr kumimoji="1" lang="ko-Kore-KR" altLang="en-US"/>
+            </a:p>
+          </p:txBody>
+        </p:sp>
+        <p:sp>
+          <p:nvSpPr>
+            <p:cNvPr id="58" name="TextBox 57">
+              <a:extLst>
+                <a:ext uri="{FF2B5EF4-FFF2-40B4-BE49-F238E27FC236}">
+                  <a16:creationId xmlns:a16="http://schemas.microsoft.com/office/drawing/2014/main" id="{5708FDDE-121E-3847-A929-DB28A633003C}"/>
+                </a:ext>
+              </a:extLst>
+            </p:cNvPr>
+            <p:cNvSpPr txBox="1"/>
+            <p:nvPr/>
+          </p:nvSpPr>
+          <p:spPr>
+            <a:xfrm>
+              <a:off x="2117584" y="4625277"/>
+              <a:ext cx="1629784" cy="276999"/>
+            </a:xfrm>
+            <a:prstGeom prst="rect">
+              <a:avLst/>
+            </a:prstGeom>
+            <a:noFill/>
+          </p:spPr>
+          <p:txBody>
+            <a:bodyPr wrap="square" rtlCol="0">
+              <a:spAutoFit/>
+            </a:bodyPr>
+            <a:lstStyle/>
+            <a:p>
+              <a:pPr algn="ctr"/>
+              <a:r>
+                <a:rPr kumimoji="1" lang="en-US" altLang="ko-Kore-KR" sz="1200" b="1" dirty="0" err="1">
+                  <a:solidFill>
+                    <a:srgbClr val="5DA2C5"/>
+                  </a:solidFill>
+                  <a:latin typeface="SHeadG" panose="02030600000101010101" pitchFamily="18" charset="-127"/>
+                  <a:ea typeface="SHeadG" panose="02030600000101010101" pitchFamily="18" charset="-127"/>
+                </a:rPr>
+                <a:t>PayCalculator</a:t>
+              </a:r>
+              <a:endParaRPr kumimoji="1" lang="ko-Kore-KR" altLang="en-US" sz="1200" b="1" dirty="0">
+                <a:solidFill>
+                  <a:srgbClr val="5DA2C5"/>
+                </a:solidFill>
+                <a:latin typeface="SHeadG" panose="02030600000101010101" pitchFamily="18" charset="-127"/>
+                <a:ea typeface="SHeadG" panose="02030600000101010101" pitchFamily="18" charset="-127"/>
+              </a:endParaRPr>
+            </a:p>
+          </p:txBody>
+        </p:sp>
+        <p:sp>
+          <p:nvSpPr>
+            <p:cNvPr id="59" name="직사각형 58">
+              <a:extLst>
+                <a:ext uri="{FF2B5EF4-FFF2-40B4-BE49-F238E27FC236}">
+                  <a16:creationId xmlns:a16="http://schemas.microsoft.com/office/drawing/2014/main" id="{96E5233F-2ABF-0E4D-B9D5-DFB795BE9005}"/>
+                </a:ext>
+              </a:extLst>
+            </p:cNvPr>
+            <p:cNvSpPr/>
+            <p:nvPr/>
+          </p:nvSpPr>
+          <p:spPr>
+            <a:xfrm>
+              <a:off x="2003284" y="4935121"/>
+              <a:ext cx="1858384" cy="359089"/>
+            </a:xfrm>
+            <a:prstGeom prst="rect">
+              <a:avLst/>
+            </a:prstGeom>
+            <a:ln w="25400">
+              <a:solidFill>
+                <a:srgbClr val="5DA2C5"/>
+              </a:solidFill>
+            </a:ln>
+          </p:spPr>
+          <p:style>
+            <a:lnRef idx="1">
+              <a:schemeClr val="accent1"/>
+            </a:lnRef>
+            <a:fillRef idx="0">
+              <a:schemeClr val="accent1"/>
+            </a:fillRef>
+            <a:effectRef idx="0">
+              <a:schemeClr val="accent1"/>
+            </a:effectRef>
+            <a:fontRef idx="minor">
+              <a:schemeClr val="tx1"/>
+            </a:fontRef>
+          </p:style>
+          <p:txBody>
+            <a:bodyPr rtlCol="0" anchor="ctr"/>
+            <a:lstStyle/>
+            <a:p>
+              <a:pPr algn="ctr"/>
+              <a:endParaRPr kumimoji="1" lang="ko-Kore-KR" altLang="en-US"/>
+            </a:p>
+          </p:txBody>
+        </p:sp>
+        <p:sp>
+          <p:nvSpPr>
+            <p:cNvPr id="60" name="TextBox 59">
+              <a:extLst>
+                <a:ext uri="{FF2B5EF4-FFF2-40B4-BE49-F238E27FC236}">
+                  <a16:creationId xmlns:a16="http://schemas.microsoft.com/office/drawing/2014/main" id="{81F3ECE5-8C0C-3943-8382-0573F0FEC9BA}"/>
+                </a:ext>
+              </a:extLst>
+            </p:cNvPr>
+            <p:cNvSpPr txBox="1"/>
+            <p:nvPr/>
+          </p:nvSpPr>
+          <p:spPr>
+            <a:xfrm>
+              <a:off x="2387198" y="4910817"/>
+              <a:ext cx="1474470" cy="326243"/>
+            </a:xfrm>
+            <a:prstGeom prst="rect">
+              <a:avLst/>
+            </a:prstGeom>
+            <a:noFill/>
+          </p:spPr>
+          <p:txBody>
+            <a:bodyPr wrap="square" rtlCol="0">
+              <a:spAutoFit/>
+            </a:bodyPr>
+            <a:lstStyle/>
+            <a:p>
+              <a:pPr>
+                <a:lnSpc>
+                  <a:spcPct val="150000"/>
+                </a:lnSpc>
+              </a:pPr>
+              <a:r>
+                <a:rPr kumimoji="1" lang="en-US" altLang="ko-Kore-KR" sz="1200" dirty="0">
+                  <a:solidFill>
+                    <a:srgbClr val="5DA2C5"/>
+                  </a:solidFill>
+                  <a:latin typeface="SHeadG" panose="02030600000101010101" pitchFamily="18" charset="-127"/>
+                  <a:ea typeface="SHeadG" panose="02030600000101010101" pitchFamily="18" charset="-127"/>
+                </a:rPr>
+                <a:t>+ </a:t>
+              </a:r>
+              <a:r>
+                <a:rPr kumimoji="1" lang="en-US" altLang="ko-Kore-KR" sz="1200" dirty="0" err="1">
+                  <a:solidFill>
+                    <a:srgbClr val="5DA2C5"/>
+                  </a:solidFill>
+                  <a:latin typeface="SHeadG" panose="02030600000101010101" pitchFamily="18" charset="-127"/>
+                  <a:ea typeface="SHeadG" panose="02030600000101010101" pitchFamily="18" charset="-127"/>
+                </a:rPr>
+                <a:t>calulatePay</a:t>
+              </a:r>
+              <a:endParaRPr kumimoji="1" lang="ko-Kore-KR" altLang="en-US" sz="1200" dirty="0">
+                <a:solidFill>
+                  <a:srgbClr val="5DA2C5"/>
+                </a:solidFill>
+                <a:latin typeface="SHeadG" panose="02030600000101010101" pitchFamily="18" charset="-127"/>
+                <a:ea typeface="SHeadG" panose="02030600000101010101" pitchFamily="18" charset="-127"/>
+              </a:endParaRPr>
+            </a:p>
+          </p:txBody>
+        </p:sp>
+      </p:grpSp>
+      <p:grpSp>
+        <p:nvGrpSpPr>
+          <p:cNvPr id="40" name="그룹 39">
+            <a:extLst>
+              <a:ext uri="{FF2B5EF4-FFF2-40B4-BE49-F238E27FC236}">
+                <a16:creationId xmlns:a16="http://schemas.microsoft.com/office/drawing/2014/main" id="{34539FE0-6A78-3945-904E-9962B2B912D4}"/>
+              </a:ext>
+            </a:extLst>
+          </p:cNvPr>
+          <p:cNvGrpSpPr/>
+          <p:nvPr/>
+        </p:nvGrpSpPr>
+        <p:grpSpPr>
+          <a:xfrm>
+            <a:off x="412750" y="5544190"/>
+            <a:ext cx="1858384" cy="701778"/>
+            <a:chOff x="2003284" y="5425421"/>
+            <a:chExt cx="1858384" cy="701778"/>
+          </a:xfrm>
+        </p:grpSpPr>
+        <p:sp>
+          <p:nvSpPr>
+            <p:cNvPr id="61" name="직사각형 60">
+              <a:extLst>
+                <a:ext uri="{FF2B5EF4-FFF2-40B4-BE49-F238E27FC236}">
+                  <a16:creationId xmlns:a16="http://schemas.microsoft.com/office/drawing/2014/main" id="{4A7CD7B1-A605-964C-90E7-CC7AD91D085F}"/>
+                </a:ext>
+              </a:extLst>
+            </p:cNvPr>
+            <p:cNvSpPr/>
+            <p:nvPr/>
+          </p:nvSpPr>
+          <p:spPr>
+            <a:xfrm>
+              <a:off x="2003284" y="5425421"/>
+              <a:ext cx="1858384" cy="342690"/>
+            </a:xfrm>
+            <a:prstGeom prst="rect">
+              <a:avLst/>
+            </a:prstGeom>
+            <a:ln w="25400">
+              <a:solidFill>
+                <a:srgbClr val="5DA2C5"/>
+              </a:solidFill>
+            </a:ln>
+          </p:spPr>
+          <p:style>
+            <a:lnRef idx="1">
+              <a:schemeClr val="accent1"/>
+            </a:lnRef>
+            <a:fillRef idx="0">
+              <a:schemeClr val="accent1"/>
+            </a:fillRef>
+            <a:effectRef idx="0">
+              <a:schemeClr val="accent1"/>
+            </a:effectRef>
+            <a:fontRef idx="minor">
+              <a:schemeClr val="tx1"/>
+            </a:fontRef>
+          </p:style>
+          <p:txBody>
+            <a:bodyPr rtlCol="0" anchor="ctr"/>
+            <a:lstStyle/>
+            <a:p>
+              <a:pPr algn="ctr"/>
+              <a:endParaRPr kumimoji="1" lang="ko-Kore-KR" altLang="en-US"/>
+            </a:p>
+          </p:txBody>
+        </p:sp>
+        <p:sp>
+          <p:nvSpPr>
+            <p:cNvPr id="62" name="TextBox 61">
+              <a:extLst>
+                <a:ext uri="{FF2B5EF4-FFF2-40B4-BE49-F238E27FC236}">
+                  <a16:creationId xmlns:a16="http://schemas.microsoft.com/office/drawing/2014/main" id="{BE4D18CB-D25F-3A40-9DA4-96989C12AB18}"/>
+                </a:ext>
+              </a:extLst>
+            </p:cNvPr>
+            <p:cNvSpPr txBox="1"/>
+            <p:nvPr/>
+          </p:nvSpPr>
+          <p:spPr>
+            <a:xfrm>
+              <a:off x="2117584" y="5458266"/>
+              <a:ext cx="1629784" cy="276999"/>
+            </a:xfrm>
+            <a:prstGeom prst="rect">
+              <a:avLst/>
+            </a:prstGeom>
+            <a:noFill/>
+          </p:spPr>
+          <p:txBody>
+            <a:bodyPr wrap="square" rtlCol="0">
+              <a:spAutoFit/>
+            </a:bodyPr>
+            <a:lstStyle/>
+            <a:p>
+              <a:pPr algn="ctr"/>
+              <a:r>
+                <a:rPr kumimoji="1" lang="en-US" altLang="ko-Kore-KR" sz="1200" b="1" dirty="0" err="1">
+                  <a:solidFill>
+                    <a:srgbClr val="5DA2C5"/>
+                  </a:solidFill>
+                  <a:latin typeface="SHeadG" panose="02030600000101010101" pitchFamily="18" charset="-127"/>
+                  <a:ea typeface="SHeadG" panose="02030600000101010101" pitchFamily="18" charset="-127"/>
+                </a:rPr>
+                <a:t>PayCalculator</a:t>
+              </a:r>
+              <a:endParaRPr kumimoji="1" lang="ko-Kore-KR" altLang="en-US" sz="1200" b="1" dirty="0">
+                <a:solidFill>
+                  <a:srgbClr val="5DA2C5"/>
+                </a:solidFill>
+                <a:latin typeface="SHeadG" panose="02030600000101010101" pitchFamily="18" charset="-127"/>
+                <a:ea typeface="SHeadG" panose="02030600000101010101" pitchFamily="18" charset="-127"/>
+              </a:endParaRPr>
+            </a:p>
+          </p:txBody>
+        </p:sp>
+        <p:sp>
+          <p:nvSpPr>
+            <p:cNvPr id="63" name="직사각형 62">
+              <a:extLst>
+                <a:ext uri="{FF2B5EF4-FFF2-40B4-BE49-F238E27FC236}">
+                  <a16:creationId xmlns:a16="http://schemas.microsoft.com/office/drawing/2014/main" id="{D9336C94-684D-A941-9F64-DCF6E0F57C54}"/>
+                </a:ext>
+              </a:extLst>
+            </p:cNvPr>
+            <p:cNvSpPr/>
+            <p:nvPr/>
+          </p:nvSpPr>
+          <p:spPr>
+            <a:xfrm>
+              <a:off x="2003284" y="5768110"/>
+              <a:ext cx="1858384" cy="359089"/>
+            </a:xfrm>
+            <a:prstGeom prst="rect">
+              <a:avLst/>
+            </a:prstGeom>
+            <a:ln w="25400">
+              <a:solidFill>
+                <a:srgbClr val="5DA2C5"/>
+              </a:solidFill>
+            </a:ln>
+          </p:spPr>
+          <p:style>
+            <a:lnRef idx="1">
+              <a:schemeClr val="accent1"/>
+            </a:lnRef>
+            <a:fillRef idx="0">
+              <a:schemeClr val="accent1"/>
+            </a:fillRef>
+            <a:effectRef idx="0">
+              <a:schemeClr val="accent1"/>
+            </a:effectRef>
+            <a:fontRef idx="minor">
+              <a:schemeClr val="tx1"/>
+            </a:fontRef>
+          </p:style>
+          <p:txBody>
+            <a:bodyPr rtlCol="0" anchor="ctr"/>
+            <a:lstStyle/>
+            <a:p>
+              <a:pPr algn="ctr"/>
+              <a:endParaRPr kumimoji="1" lang="ko-Kore-KR" altLang="en-US"/>
+            </a:p>
+          </p:txBody>
+        </p:sp>
+        <p:sp>
+          <p:nvSpPr>
+            <p:cNvPr id="64" name="TextBox 63">
+              <a:extLst>
+                <a:ext uri="{FF2B5EF4-FFF2-40B4-BE49-F238E27FC236}">
+                  <a16:creationId xmlns:a16="http://schemas.microsoft.com/office/drawing/2014/main" id="{8F884B05-E938-0647-9BAC-642F748AC928}"/>
+                </a:ext>
+              </a:extLst>
+            </p:cNvPr>
+            <p:cNvSpPr txBox="1"/>
+            <p:nvPr/>
+          </p:nvSpPr>
+          <p:spPr>
+            <a:xfrm>
+              <a:off x="2387198" y="5743806"/>
+              <a:ext cx="1474470" cy="326243"/>
+            </a:xfrm>
+            <a:prstGeom prst="rect">
+              <a:avLst/>
+            </a:prstGeom>
+            <a:noFill/>
+          </p:spPr>
+          <p:txBody>
+            <a:bodyPr wrap="square" rtlCol="0">
+              <a:spAutoFit/>
+            </a:bodyPr>
+            <a:lstStyle/>
+            <a:p>
+              <a:pPr>
+                <a:lnSpc>
+                  <a:spcPct val="150000"/>
+                </a:lnSpc>
+              </a:pPr>
+              <a:r>
+                <a:rPr kumimoji="1" lang="en-US" altLang="ko-Kore-KR" sz="1200" dirty="0">
+                  <a:solidFill>
+                    <a:srgbClr val="5DA2C5"/>
+                  </a:solidFill>
+                  <a:latin typeface="SHeadG" panose="02030600000101010101" pitchFamily="18" charset="-127"/>
+                  <a:ea typeface="SHeadG" panose="02030600000101010101" pitchFamily="18" charset="-127"/>
+                </a:rPr>
+                <a:t>+ </a:t>
+              </a:r>
+              <a:r>
+                <a:rPr kumimoji="1" lang="en-US" altLang="ko-Kore-KR" sz="1200" dirty="0" err="1">
+                  <a:solidFill>
+                    <a:srgbClr val="5DA2C5"/>
+                  </a:solidFill>
+                  <a:latin typeface="SHeadG" panose="02030600000101010101" pitchFamily="18" charset="-127"/>
+                  <a:ea typeface="SHeadG" panose="02030600000101010101" pitchFamily="18" charset="-127"/>
+                </a:rPr>
+                <a:t>calulatePay</a:t>
+              </a:r>
+              <a:endParaRPr kumimoji="1" lang="ko-Kore-KR" altLang="en-US" sz="1200" dirty="0">
+                <a:solidFill>
+                  <a:srgbClr val="5DA2C5"/>
+                </a:solidFill>
+                <a:latin typeface="SHeadG" panose="02030600000101010101" pitchFamily="18" charset="-127"/>
+                <a:ea typeface="SHeadG" panose="02030600000101010101" pitchFamily="18" charset="-127"/>
+              </a:endParaRPr>
+            </a:p>
+          </p:txBody>
+        </p:sp>
+      </p:grpSp>
+      <p:grpSp>
+        <p:nvGrpSpPr>
+          <p:cNvPr id="71" name="그룹 70">
+            <a:extLst>
+              <a:ext uri="{FF2B5EF4-FFF2-40B4-BE49-F238E27FC236}">
+                <a16:creationId xmlns:a16="http://schemas.microsoft.com/office/drawing/2014/main" id="{D036CFE9-F91A-7945-B89C-5A5D68CE2989}"/>
+              </a:ext>
+            </a:extLst>
+          </p:cNvPr>
+          <p:cNvGrpSpPr/>
+          <p:nvPr/>
+        </p:nvGrpSpPr>
+        <p:grpSpPr>
+          <a:xfrm>
+            <a:off x="3020464" y="4885039"/>
+            <a:ext cx="1629784" cy="586698"/>
+            <a:chOff x="4610998" y="4608927"/>
+            <a:chExt cx="1629784" cy="586698"/>
+          </a:xfrm>
+        </p:grpSpPr>
+        <p:sp>
+          <p:nvSpPr>
+            <p:cNvPr id="65" name="직사각형 64">
+              <a:extLst>
+                <a:ext uri="{FF2B5EF4-FFF2-40B4-BE49-F238E27FC236}">
+                  <a16:creationId xmlns:a16="http://schemas.microsoft.com/office/drawing/2014/main" id="{0899AFB8-D099-854E-8590-1BD5AACD22B6}"/>
+                </a:ext>
+              </a:extLst>
+            </p:cNvPr>
+            <p:cNvSpPr/>
+            <p:nvPr/>
+          </p:nvSpPr>
+          <p:spPr>
+            <a:xfrm>
+              <a:off x="4610998" y="4608927"/>
+              <a:ext cx="1629784" cy="586698"/>
+            </a:xfrm>
+            <a:prstGeom prst="rect">
+              <a:avLst/>
+            </a:prstGeom>
+            <a:ln w="25400">
+              <a:solidFill>
+                <a:srgbClr val="5DA2C5"/>
+              </a:solidFill>
+            </a:ln>
+          </p:spPr>
+          <p:style>
+            <a:lnRef idx="1">
+              <a:schemeClr val="accent1"/>
+            </a:lnRef>
+            <a:fillRef idx="0">
+              <a:schemeClr val="accent1"/>
+            </a:fillRef>
+            <a:effectRef idx="0">
+              <a:schemeClr val="accent1"/>
+            </a:effectRef>
+            <a:fontRef idx="minor">
+              <a:schemeClr val="tx1"/>
+            </a:fontRef>
+          </p:style>
+          <p:txBody>
+            <a:bodyPr rtlCol="0" anchor="ctr"/>
+            <a:lstStyle/>
+            <a:p>
+              <a:pPr algn="ctr"/>
+              <a:endParaRPr kumimoji="1" lang="ko-Kore-KR" altLang="en-US"/>
+            </a:p>
+          </p:txBody>
+        </p:sp>
+        <p:sp>
+          <p:nvSpPr>
+            <p:cNvPr id="66" name="TextBox 65">
+              <a:extLst>
+                <a:ext uri="{FF2B5EF4-FFF2-40B4-BE49-F238E27FC236}">
+                  <a16:creationId xmlns:a16="http://schemas.microsoft.com/office/drawing/2014/main" id="{666E05D6-E644-1549-8E83-06AD234DEA77}"/>
+                </a:ext>
+              </a:extLst>
+            </p:cNvPr>
+            <p:cNvSpPr txBox="1"/>
+            <p:nvPr/>
+          </p:nvSpPr>
+          <p:spPr>
+            <a:xfrm>
+              <a:off x="4610998" y="4683223"/>
+              <a:ext cx="1629784" cy="461665"/>
+            </a:xfrm>
+            <a:prstGeom prst="rect">
+              <a:avLst/>
+            </a:prstGeom>
+            <a:noFill/>
+          </p:spPr>
+          <p:txBody>
+            <a:bodyPr wrap="square" rtlCol="0">
+              <a:spAutoFit/>
+            </a:bodyPr>
+            <a:lstStyle/>
+            <a:p>
+              <a:pPr algn="ctr"/>
+              <a:r>
+                <a:rPr kumimoji="1" lang="en-US" altLang="ko-Kore-KR" sz="1200" dirty="0">
+                  <a:solidFill>
+                    <a:srgbClr val="5DA2C5"/>
+                  </a:solidFill>
+                  <a:latin typeface="SHeadG" panose="02030600000101010101" pitchFamily="18" charset="-127"/>
+                  <a:ea typeface="SHeadG" panose="02030600000101010101" pitchFamily="18" charset="-127"/>
+                </a:rPr>
+                <a:t>Employee</a:t>
+              </a:r>
+            </a:p>
+            <a:p>
+              <a:pPr algn="ctr"/>
+              <a:r>
+                <a:rPr kumimoji="1" lang="en-US" altLang="ko-Kore-KR" sz="1200" dirty="0">
+                  <a:solidFill>
+                    <a:srgbClr val="5DA2C5"/>
+                  </a:solidFill>
+                  <a:latin typeface="SHeadG" panose="02030600000101010101" pitchFamily="18" charset="-127"/>
+                  <a:ea typeface="SHeadG" panose="02030600000101010101" pitchFamily="18" charset="-127"/>
+                </a:rPr>
+                <a:t>Data</a:t>
+              </a:r>
+              <a:endParaRPr kumimoji="1" lang="ko-Kore-KR" altLang="en-US" sz="1200" b="1" dirty="0">
+                <a:solidFill>
+                  <a:srgbClr val="5DA2C5"/>
+                </a:solidFill>
+                <a:latin typeface="SHeadG" panose="02030600000101010101" pitchFamily="18" charset="-127"/>
+                <a:ea typeface="SHeadG" panose="02030600000101010101" pitchFamily="18" charset="-127"/>
+              </a:endParaRPr>
+            </a:p>
+          </p:txBody>
+        </p:sp>
+      </p:grpSp>
+      <p:cxnSp>
+        <p:nvCxnSpPr>
+          <p:cNvPr id="67" name="꺾인 연결선[E] 66">
+            <a:extLst>
+              <a:ext uri="{FF2B5EF4-FFF2-40B4-BE49-F238E27FC236}">
+                <a16:creationId xmlns:a16="http://schemas.microsoft.com/office/drawing/2014/main" id="{622DCF86-6677-6F4B-8F2B-EBD9DF428AD4}"/>
+              </a:ext>
+            </a:extLst>
+          </p:cNvPr>
+          <p:cNvCxnSpPr>
+            <a:cxnSpLocks/>
+            <a:stCxn id="48" idx="3"/>
+            <a:endCxn id="66" idx="1"/>
+          </p:cNvCxnSpPr>
+          <p:nvPr/>
+        </p:nvCxnSpPr>
+        <p:spPr>
+          <a:xfrm>
+            <a:off x="2271134" y="4359719"/>
+            <a:ext cx="749330" cy="830449"/>
+          </a:xfrm>
+          <a:prstGeom prst="bentConnector3">
+            <a:avLst>
+              <a:gd name="adj1" fmla="val 50000"/>
+            </a:avLst>
+          </a:prstGeom>
+          <a:ln w="19050">
+            <a:tailEnd type="stealth" w="lg" len="lg"/>
+          </a:ln>
+        </p:spPr>
+        <p:style>
+          <a:lnRef idx="1">
+            <a:schemeClr val="accent1"/>
+          </a:lnRef>
+          <a:fillRef idx="0">
+            <a:schemeClr val="accent1"/>
+          </a:fillRef>
+          <a:effectRef idx="0">
+            <a:schemeClr val="accent1"/>
+          </a:effectRef>
+          <a:fontRef idx="minor">
+            <a:schemeClr val="tx1"/>
+          </a:fontRef>
+        </p:style>
+      </p:cxnSp>
+      <p:cxnSp>
+        <p:nvCxnSpPr>
+          <p:cNvPr id="77" name="꺾인 연결선[E] 76">
+            <a:extLst>
+              <a:ext uri="{FF2B5EF4-FFF2-40B4-BE49-F238E27FC236}">
+                <a16:creationId xmlns:a16="http://schemas.microsoft.com/office/drawing/2014/main" id="{4B224303-B4EF-034C-8EBD-B3FBD0DDF18A}"/>
+              </a:ext>
+            </a:extLst>
+          </p:cNvPr>
+          <p:cNvCxnSpPr>
+            <a:cxnSpLocks/>
+            <a:stCxn id="60" idx="3"/>
+            <a:endCxn id="66" idx="1"/>
+          </p:cNvCxnSpPr>
+          <p:nvPr/>
+        </p:nvCxnSpPr>
+        <p:spPr>
+          <a:xfrm flipV="1">
+            <a:off x="2271134" y="5190168"/>
+            <a:ext cx="749330" cy="2540"/>
+          </a:xfrm>
+          <a:prstGeom prst="bentConnector3">
+            <a:avLst>
+              <a:gd name="adj1" fmla="val 50000"/>
+            </a:avLst>
+          </a:prstGeom>
+          <a:ln w="19050">
+            <a:tailEnd type="stealth" w="lg" len="lg"/>
+          </a:ln>
+        </p:spPr>
+        <p:style>
+          <a:lnRef idx="1">
+            <a:schemeClr val="accent1"/>
+          </a:lnRef>
+          <a:fillRef idx="0">
+            <a:schemeClr val="accent1"/>
+          </a:fillRef>
+          <a:effectRef idx="0">
+            <a:schemeClr val="accent1"/>
+          </a:effectRef>
+          <a:fontRef idx="minor">
+            <a:schemeClr val="tx1"/>
+          </a:fontRef>
+        </p:style>
+      </p:cxnSp>
+      <p:cxnSp>
+        <p:nvCxnSpPr>
+          <p:cNvPr id="81" name="꺾인 연결선[E] 80">
+            <a:extLst>
+              <a:ext uri="{FF2B5EF4-FFF2-40B4-BE49-F238E27FC236}">
+                <a16:creationId xmlns:a16="http://schemas.microsoft.com/office/drawing/2014/main" id="{142053D6-BE0D-604D-B365-084E71B93EDE}"/>
+              </a:ext>
+            </a:extLst>
+          </p:cNvPr>
+          <p:cNvCxnSpPr>
+            <a:cxnSpLocks/>
+            <a:stCxn id="64" idx="3"/>
+            <a:endCxn id="66" idx="1"/>
+          </p:cNvCxnSpPr>
+          <p:nvPr/>
+        </p:nvCxnSpPr>
+        <p:spPr>
+          <a:xfrm flipV="1">
+            <a:off x="2271134" y="5190168"/>
+            <a:ext cx="749330" cy="835529"/>
+          </a:xfrm>
+          <a:prstGeom prst="bentConnector3">
+            <a:avLst>
+              <a:gd name="adj1" fmla="val 50000"/>
+            </a:avLst>
+          </a:prstGeom>
+          <a:ln w="19050">
+            <a:tailEnd type="stealth" w="lg" len="lg"/>
+          </a:ln>
+        </p:spPr>
+        <p:style>
+          <a:lnRef idx="1">
+            <a:schemeClr val="accent1"/>
+          </a:lnRef>
+          <a:fillRef idx="0">
+            <a:schemeClr val="accent1"/>
+          </a:fillRef>
+          <a:effectRef idx="0">
+            <a:schemeClr val="accent1"/>
+          </a:effectRef>
+          <a:fontRef idx="minor">
+            <a:schemeClr val="tx1"/>
+          </a:fontRef>
+        </p:style>
+      </p:cxnSp>
+      <p:grpSp>
+        <p:nvGrpSpPr>
+          <p:cNvPr id="149" name="그룹 148">
+            <a:extLst>
+              <a:ext uri="{FF2B5EF4-FFF2-40B4-BE49-F238E27FC236}">
+                <a16:creationId xmlns:a16="http://schemas.microsoft.com/office/drawing/2014/main" id="{9DC2761E-ABCB-FA41-8919-111CF81F6A01}"/>
+              </a:ext>
+            </a:extLst>
+          </p:cNvPr>
+          <p:cNvGrpSpPr/>
+          <p:nvPr/>
+        </p:nvGrpSpPr>
+        <p:grpSpPr>
+          <a:xfrm>
+            <a:off x="7820704" y="3865112"/>
+            <a:ext cx="1858384" cy="701778"/>
+            <a:chOff x="2003284" y="3759443"/>
+            <a:chExt cx="1858384" cy="701778"/>
+          </a:xfrm>
+        </p:grpSpPr>
+        <p:sp>
+          <p:nvSpPr>
+            <p:cNvPr id="150" name="직사각형 149">
+              <a:extLst>
+                <a:ext uri="{FF2B5EF4-FFF2-40B4-BE49-F238E27FC236}">
+                  <a16:creationId xmlns:a16="http://schemas.microsoft.com/office/drawing/2014/main" id="{3533BE5A-04AA-754F-A950-F787A8EDD5ED}"/>
+                </a:ext>
+              </a:extLst>
+            </p:cNvPr>
+            <p:cNvSpPr/>
+            <p:nvPr/>
+          </p:nvSpPr>
+          <p:spPr>
+            <a:xfrm>
+              <a:off x="2003284" y="3759443"/>
+              <a:ext cx="1858384" cy="342690"/>
+            </a:xfrm>
+            <a:prstGeom prst="rect">
+              <a:avLst/>
+            </a:prstGeom>
+            <a:ln w="25400">
+              <a:solidFill>
+                <a:srgbClr val="5DA2C5"/>
+              </a:solidFill>
+            </a:ln>
+          </p:spPr>
+          <p:style>
+            <a:lnRef idx="1">
+              <a:schemeClr val="accent1"/>
+            </a:lnRef>
+            <a:fillRef idx="0">
+              <a:schemeClr val="accent1"/>
+            </a:fillRef>
+            <a:effectRef idx="0">
+              <a:schemeClr val="accent1"/>
+            </a:effectRef>
+            <a:fontRef idx="minor">
+              <a:schemeClr val="tx1"/>
+            </a:fontRef>
+          </p:style>
+          <p:txBody>
+            <a:bodyPr rtlCol="0" anchor="ctr"/>
+            <a:lstStyle/>
+            <a:p>
+              <a:pPr algn="ctr"/>
+              <a:endParaRPr kumimoji="1" lang="ko-Kore-KR" altLang="en-US"/>
+            </a:p>
+          </p:txBody>
+        </p:sp>
+        <p:sp>
+          <p:nvSpPr>
+            <p:cNvPr id="151" name="TextBox 150">
+              <a:extLst>
+                <a:ext uri="{FF2B5EF4-FFF2-40B4-BE49-F238E27FC236}">
+                  <a16:creationId xmlns:a16="http://schemas.microsoft.com/office/drawing/2014/main" id="{4C74F72B-E130-8649-9F0A-D2CFBCC45A15}"/>
+                </a:ext>
+              </a:extLst>
+            </p:cNvPr>
+            <p:cNvSpPr txBox="1"/>
+            <p:nvPr/>
+          </p:nvSpPr>
+          <p:spPr>
+            <a:xfrm>
+              <a:off x="2117584" y="3792288"/>
+              <a:ext cx="1629784" cy="276999"/>
+            </a:xfrm>
+            <a:prstGeom prst="rect">
+              <a:avLst/>
+            </a:prstGeom>
+            <a:noFill/>
+          </p:spPr>
+          <p:txBody>
+            <a:bodyPr wrap="square" rtlCol="0">
+              <a:spAutoFit/>
+            </a:bodyPr>
+            <a:lstStyle/>
+            <a:p>
+              <a:pPr algn="ctr"/>
+              <a:r>
+                <a:rPr kumimoji="1" lang="en-US" altLang="ko-Kore-KR" sz="1200" b="1" dirty="0" err="1">
+                  <a:solidFill>
+                    <a:srgbClr val="5DA2C5"/>
+                  </a:solidFill>
+                  <a:latin typeface="SHeadG" panose="02030600000101010101" pitchFamily="18" charset="-127"/>
+                  <a:ea typeface="SHeadG" panose="02030600000101010101" pitchFamily="18" charset="-127"/>
+                </a:rPr>
+                <a:t>PayCalculator</a:t>
+              </a:r>
+              <a:endParaRPr kumimoji="1" lang="ko-Kore-KR" altLang="en-US" sz="1200" b="1" dirty="0">
+                <a:solidFill>
+                  <a:srgbClr val="5DA2C5"/>
+                </a:solidFill>
+                <a:latin typeface="SHeadG" panose="02030600000101010101" pitchFamily="18" charset="-127"/>
+                <a:ea typeface="SHeadG" panose="02030600000101010101" pitchFamily="18" charset="-127"/>
+              </a:endParaRPr>
+            </a:p>
+          </p:txBody>
+        </p:sp>
+        <p:sp>
+          <p:nvSpPr>
+            <p:cNvPr id="152" name="직사각형 151">
+              <a:extLst>
+                <a:ext uri="{FF2B5EF4-FFF2-40B4-BE49-F238E27FC236}">
+                  <a16:creationId xmlns:a16="http://schemas.microsoft.com/office/drawing/2014/main" id="{6578E042-01A7-9F44-A068-8EB9C36829D2}"/>
+                </a:ext>
+              </a:extLst>
+            </p:cNvPr>
+            <p:cNvSpPr/>
+            <p:nvPr/>
+          </p:nvSpPr>
+          <p:spPr>
+            <a:xfrm>
+              <a:off x="2003284" y="4102132"/>
+              <a:ext cx="1858384" cy="359089"/>
+            </a:xfrm>
+            <a:prstGeom prst="rect">
+              <a:avLst/>
+            </a:prstGeom>
+            <a:ln w="25400">
+              <a:solidFill>
+                <a:srgbClr val="5DA2C5"/>
+              </a:solidFill>
+            </a:ln>
+          </p:spPr>
+          <p:style>
+            <a:lnRef idx="1">
+              <a:schemeClr val="accent1"/>
+            </a:lnRef>
+            <a:fillRef idx="0">
+              <a:schemeClr val="accent1"/>
+            </a:fillRef>
+            <a:effectRef idx="0">
+              <a:schemeClr val="accent1"/>
+            </a:effectRef>
+            <a:fontRef idx="minor">
+              <a:schemeClr val="tx1"/>
+            </a:fontRef>
+          </p:style>
+          <p:txBody>
+            <a:bodyPr rtlCol="0" anchor="ctr"/>
+            <a:lstStyle/>
+            <a:p>
+              <a:pPr algn="ctr"/>
+              <a:endParaRPr kumimoji="1" lang="ko-Kore-KR" altLang="en-US"/>
+            </a:p>
+          </p:txBody>
+        </p:sp>
+        <p:sp>
+          <p:nvSpPr>
+            <p:cNvPr id="153" name="TextBox 152">
+              <a:extLst>
+                <a:ext uri="{FF2B5EF4-FFF2-40B4-BE49-F238E27FC236}">
+                  <a16:creationId xmlns:a16="http://schemas.microsoft.com/office/drawing/2014/main" id="{FF13CD30-06D6-B344-857C-C6B3FD11056A}"/>
+                </a:ext>
+              </a:extLst>
+            </p:cNvPr>
+            <p:cNvSpPr txBox="1"/>
+            <p:nvPr/>
+          </p:nvSpPr>
+          <p:spPr>
+            <a:xfrm>
+              <a:off x="2387198" y="4077828"/>
+              <a:ext cx="1474470" cy="326243"/>
+            </a:xfrm>
+            <a:prstGeom prst="rect">
+              <a:avLst/>
+            </a:prstGeom>
+            <a:noFill/>
+          </p:spPr>
+          <p:txBody>
+            <a:bodyPr wrap="square" rtlCol="0">
+              <a:spAutoFit/>
+            </a:bodyPr>
+            <a:lstStyle/>
+            <a:p>
+              <a:pPr>
+                <a:lnSpc>
+                  <a:spcPct val="150000"/>
+                </a:lnSpc>
+              </a:pPr>
+              <a:r>
+                <a:rPr kumimoji="1" lang="en-US" altLang="ko-Kore-KR" sz="1200" dirty="0">
+                  <a:solidFill>
+                    <a:srgbClr val="5DA2C5"/>
+                  </a:solidFill>
+                  <a:latin typeface="SHeadG" panose="02030600000101010101" pitchFamily="18" charset="-127"/>
+                  <a:ea typeface="SHeadG" panose="02030600000101010101" pitchFamily="18" charset="-127"/>
+                </a:rPr>
+                <a:t>+ </a:t>
+              </a:r>
+              <a:r>
+                <a:rPr kumimoji="1" lang="en-US" altLang="ko-Kore-KR" sz="1200" dirty="0" err="1">
+                  <a:solidFill>
+                    <a:srgbClr val="5DA2C5"/>
+                  </a:solidFill>
+                  <a:latin typeface="SHeadG" panose="02030600000101010101" pitchFamily="18" charset="-127"/>
+                  <a:ea typeface="SHeadG" panose="02030600000101010101" pitchFamily="18" charset="-127"/>
+                </a:rPr>
+                <a:t>calulatePay</a:t>
+              </a:r>
+              <a:endParaRPr kumimoji="1" lang="ko-Kore-KR" altLang="en-US" sz="1200" dirty="0">
+                <a:solidFill>
+                  <a:srgbClr val="5DA2C5"/>
+                </a:solidFill>
+                <a:latin typeface="SHeadG" panose="02030600000101010101" pitchFamily="18" charset="-127"/>
+                <a:ea typeface="SHeadG" panose="02030600000101010101" pitchFamily="18" charset="-127"/>
+              </a:endParaRPr>
+            </a:p>
+          </p:txBody>
+        </p:sp>
+      </p:grpSp>
+      <p:grpSp>
+        <p:nvGrpSpPr>
+          <p:cNvPr id="154" name="그룹 153">
+            <a:extLst>
+              <a:ext uri="{FF2B5EF4-FFF2-40B4-BE49-F238E27FC236}">
+                <a16:creationId xmlns:a16="http://schemas.microsoft.com/office/drawing/2014/main" id="{4D4BEC3E-D8C5-E34A-B3E4-EE237AFED83E}"/>
+              </a:ext>
+            </a:extLst>
+          </p:cNvPr>
+          <p:cNvGrpSpPr/>
+          <p:nvPr/>
+        </p:nvGrpSpPr>
+        <p:grpSpPr>
+          <a:xfrm>
+            <a:off x="7820704" y="4698101"/>
+            <a:ext cx="1858384" cy="701778"/>
+            <a:chOff x="2003284" y="4592432"/>
+            <a:chExt cx="1858384" cy="701778"/>
+          </a:xfrm>
+        </p:grpSpPr>
+        <p:sp>
+          <p:nvSpPr>
+            <p:cNvPr id="155" name="직사각형 154">
+              <a:extLst>
+                <a:ext uri="{FF2B5EF4-FFF2-40B4-BE49-F238E27FC236}">
+                  <a16:creationId xmlns:a16="http://schemas.microsoft.com/office/drawing/2014/main" id="{BDE5BDE7-2AA7-3C49-A23C-6D1B9F11F887}"/>
+                </a:ext>
+              </a:extLst>
+            </p:cNvPr>
+            <p:cNvSpPr/>
+            <p:nvPr/>
+          </p:nvSpPr>
+          <p:spPr>
+            <a:xfrm>
+              <a:off x="2003284" y="4592432"/>
+              <a:ext cx="1858384" cy="342690"/>
+            </a:xfrm>
+            <a:prstGeom prst="rect">
+              <a:avLst/>
+            </a:prstGeom>
+            <a:ln w="25400">
+              <a:solidFill>
+                <a:srgbClr val="5DA2C5"/>
+              </a:solidFill>
+            </a:ln>
+          </p:spPr>
+          <p:style>
+            <a:lnRef idx="1">
+              <a:schemeClr val="accent1"/>
+            </a:lnRef>
+            <a:fillRef idx="0">
+              <a:schemeClr val="accent1"/>
+            </a:fillRef>
+            <a:effectRef idx="0">
+              <a:schemeClr val="accent1"/>
+            </a:effectRef>
+            <a:fontRef idx="minor">
+              <a:schemeClr val="tx1"/>
+            </a:fontRef>
+          </p:style>
+          <p:txBody>
+            <a:bodyPr rtlCol="0" anchor="ctr"/>
+            <a:lstStyle/>
+            <a:p>
+              <a:pPr algn="ctr"/>
+              <a:endParaRPr kumimoji="1" lang="ko-Kore-KR" altLang="en-US"/>
+            </a:p>
+          </p:txBody>
+        </p:sp>
+        <p:sp>
+          <p:nvSpPr>
+            <p:cNvPr id="156" name="TextBox 155">
+              <a:extLst>
+                <a:ext uri="{FF2B5EF4-FFF2-40B4-BE49-F238E27FC236}">
+                  <a16:creationId xmlns:a16="http://schemas.microsoft.com/office/drawing/2014/main" id="{5056B087-AF6B-3943-B6BF-ED09B587AAE8}"/>
+                </a:ext>
+              </a:extLst>
+            </p:cNvPr>
+            <p:cNvSpPr txBox="1"/>
+            <p:nvPr/>
+          </p:nvSpPr>
+          <p:spPr>
+            <a:xfrm>
+              <a:off x="2117584" y="4625277"/>
+              <a:ext cx="1629784" cy="276999"/>
+            </a:xfrm>
+            <a:prstGeom prst="rect">
+              <a:avLst/>
+            </a:prstGeom>
+            <a:noFill/>
+          </p:spPr>
+          <p:txBody>
+            <a:bodyPr wrap="square" rtlCol="0">
+              <a:spAutoFit/>
+            </a:bodyPr>
+            <a:lstStyle/>
+            <a:p>
+              <a:pPr algn="ctr"/>
+              <a:r>
+                <a:rPr kumimoji="1" lang="en-US" altLang="ko-Kore-KR" sz="1200" b="1" dirty="0" err="1">
+                  <a:solidFill>
+                    <a:srgbClr val="5DA2C5"/>
+                  </a:solidFill>
+                  <a:latin typeface="SHeadG" panose="02030600000101010101" pitchFamily="18" charset="-127"/>
+                  <a:ea typeface="SHeadG" panose="02030600000101010101" pitchFamily="18" charset="-127"/>
+                </a:rPr>
+                <a:t>PayCalculator</a:t>
+              </a:r>
+              <a:endParaRPr kumimoji="1" lang="ko-Kore-KR" altLang="en-US" sz="1200" b="1" dirty="0">
+                <a:solidFill>
+                  <a:srgbClr val="5DA2C5"/>
+                </a:solidFill>
+                <a:latin typeface="SHeadG" panose="02030600000101010101" pitchFamily="18" charset="-127"/>
+                <a:ea typeface="SHeadG" panose="02030600000101010101" pitchFamily="18" charset="-127"/>
+              </a:endParaRPr>
+            </a:p>
+          </p:txBody>
+        </p:sp>
+        <p:sp>
+          <p:nvSpPr>
+            <p:cNvPr id="157" name="직사각형 156">
+              <a:extLst>
+                <a:ext uri="{FF2B5EF4-FFF2-40B4-BE49-F238E27FC236}">
+                  <a16:creationId xmlns:a16="http://schemas.microsoft.com/office/drawing/2014/main" id="{07451AD4-2D13-DC4C-918A-7756530C34C0}"/>
+                </a:ext>
+              </a:extLst>
+            </p:cNvPr>
+            <p:cNvSpPr/>
+            <p:nvPr/>
+          </p:nvSpPr>
+          <p:spPr>
+            <a:xfrm>
+              <a:off x="2003284" y="4935121"/>
+              <a:ext cx="1858384" cy="359089"/>
+            </a:xfrm>
+            <a:prstGeom prst="rect">
+              <a:avLst/>
+            </a:prstGeom>
+            <a:ln w="25400">
+              <a:solidFill>
+                <a:srgbClr val="5DA2C5"/>
+              </a:solidFill>
+            </a:ln>
+          </p:spPr>
+          <p:style>
+            <a:lnRef idx="1">
+              <a:schemeClr val="accent1"/>
+            </a:lnRef>
+            <a:fillRef idx="0">
+              <a:schemeClr val="accent1"/>
+            </a:fillRef>
+            <a:effectRef idx="0">
+              <a:schemeClr val="accent1"/>
+            </a:effectRef>
+            <a:fontRef idx="minor">
+              <a:schemeClr val="tx1"/>
+            </a:fontRef>
+          </p:style>
+          <p:txBody>
+            <a:bodyPr rtlCol="0" anchor="ctr"/>
+            <a:lstStyle/>
+            <a:p>
+              <a:pPr algn="ctr"/>
+              <a:endParaRPr kumimoji="1" lang="ko-Kore-KR" altLang="en-US"/>
+            </a:p>
+          </p:txBody>
+        </p:sp>
+        <p:sp>
+          <p:nvSpPr>
+            <p:cNvPr id="158" name="TextBox 157">
+              <a:extLst>
+                <a:ext uri="{FF2B5EF4-FFF2-40B4-BE49-F238E27FC236}">
+                  <a16:creationId xmlns:a16="http://schemas.microsoft.com/office/drawing/2014/main" id="{E303B5A5-0366-584D-A4AB-7DCD6C671AC9}"/>
+                </a:ext>
+              </a:extLst>
+            </p:cNvPr>
+            <p:cNvSpPr txBox="1"/>
+            <p:nvPr/>
+          </p:nvSpPr>
+          <p:spPr>
+            <a:xfrm>
+              <a:off x="2387198" y="4910817"/>
+              <a:ext cx="1474470" cy="326243"/>
+            </a:xfrm>
+            <a:prstGeom prst="rect">
+              <a:avLst/>
+            </a:prstGeom>
+            <a:noFill/>
+          </p:spPr>
+          <p:txBody>
+            <a:bodyPr wrap="square" rtlCol="0">
+              <a:spAutoFit/>
+            </a:bodyPr>
+            <a:lstStyle/>
+            <a:p>
+              <a:pPr>
+                <a:lnSpc>
+                  <a:spcPct val="150000"/>
+                </a:lnSpc>
+              </a:pPr>
+              <a:r>
+                <a:rPr kumimoji="1" lang="en-US" altLang="ko-Kore-KR" sz="1200" dirty="0">
+                  <a:solidFill>
+                    <a:srgbClr val="5DA2C5"/>
+                  </a:solidFill>
+                  <a:latin typeface="SHeadG" panose="02030600000101010101" pitchFamily="18" charset="-127"/>
+                  <a:ea typeface="SHeadG" panose="02030600000101010101" pitchFamily="18" charset="-127"/>
+                </a:rPr>
+                <a:t>+ </a:t>
+              </a:r>
+              <a:r>
+                <a:rPr kumimoji="1" lang="en-US" altLang="ko-Kore-KR" sz="1200" dirty="0" err="1">
+                  <a:solidFill>
+                    <a:srgbClr val="5DA2C5"/>
+                  </a:solidFill>
+                  <a:latin typeface="SHeadG" panose="02030600000101010101" pitchFamily="18" charset="-127"/>
+                  <a:ea typeface="SHeadG" panose="02030600000101010101" pitchFamily="18" charset="-127"/>
+                </a:rPr>
+                <a:t>calulatePay</a:t>
+              </a:r>
+              <a:endParaRPr kumimoji="1" lang="ko-Kore-KR" altLang="en-US" sz="1200" dirty="0">
+                <a:solidFill>
+                  <a:srgbClr val="5DA2C5"/>
+                </a:solidFill>
+                <a:latin typeface="SHeadG" panose="02030600000101010101" pitchFamily="18" charset="-127"/>
+                <a:ea typeface="SHeadG" panose="02030600000101010101" pitchFamily="18" charset="-127"/>
+              </a:endParaRPr>
+            </a:p>
+          </p:txBody>
+        </p:sp>
+      </p:grpSp>
+      <p:grpSp>
+        <p:nvGrpSpPr>
+          <p:cNvPr id="159" name="그룹 158">
+            <a:extLst>
+              <a:ext uri="{FF2B5EF4-FFF2-40B4-BE49-F238E27FC236}">
+                <a16:creationId xmlns:a16="http://schemas.microsoft.com/office/drawing/2014/main" id="{2EBB0D43-3002-A741-9F54-85F9A75ED29A}"/>
+              </a:ext>
+            </a:extLst>
+          </p:cNvPr>
+          <p:cNvGrpSpPr/>
+          <p:nvPr/>
+        </p:nvGrpSpPr>
+        <p:grpSpPr>
+          <a:xfrm>
+            <a:off x="7820704" y="5531090"/>
+            <a:ext cx="1858384" cy="701778"/>
+            <a:chOff x="2003284" y="5425421"/>
+            <a:chExt cx="1858384" cy="701778"/>
+          </a:xfrm>
+        </p:grpSpPr>
+        <p:sp>
+          <p:nvSpPr>
+            <p:cNvPr id="160" name="직사각형 159">
+              <a:extLst>
+                <a:ext uri="{FF2B5EF4-FFF2-40B4-BE49-F238E27FC236}">
+                  <a16:creationId xmlns:a16="http://schemas.microsoft.com/office/drawing/2014/main" id="{EEA733D2-B75E-5246-AF9B-FB715B86C3F9}"/>
+                </a:ext>
+              </a:extLst>
+            </p:cNvPr>
+            <p:cNvSpPr/>
+            <p:nvPr/>
+          </p:nvSpPr>
+          <p:spPr>
+            <a:xfrm>
+              <a:off x="2003284" y="5425421"/>
+              <a:ext cx="1858384" cy="342690"/>
+            </a:xfrm>
+            <a:prstGeom prst="rect">
+              <a:avLst/>
+            </a:prstGeom>
+            <a:ln w="25400">
+              <a:solidFill>
+                <a:srgbClr val="5DA2C5"/>
+              </a:solidFill>
+            </a:ln>
+          </p:spPr>
+          <p:style>
+            <a:lnRef idx="1">
+              <a:schemeClr val="accent1"/>
+            </a:lnRef>
+            <a:fillRef idx="0">
+              <a:schemeClr val="accent1"/>
+            </a:fillRef>
+            <a:effectRef idx="0">
+              <a:schemeClr val="accent1"/>
+            </a:effectRef>
+            <a:fontRef idx="minor">
+              <a:schemeClr val="tx1"/>
+            </a:fontRef>
+          </p:style>
+          <p:txBody>
+            <a:bodyPr rtlCol="0" anchor="ctr"/>
+            <a:lstStyle/>
+            <a:p>
+              <a:pPr algn="ctr"/>
+              <a:endParaRPr kumimoji="1" lang="ko-Kore-KR" altLang="en-US"/>
+            </a:p>
+          </p:txBody>
+        </p:sp>
+        <p:sp>
+          <p:nvSpPr>
+            <p:cNvPr id="161" name="TextBox 160">
+              <a:extLst>
+                <a:ext uri="{FF2B5EF4-FFF2-40B4-BE49-F238E27FC236}">
+                  <a16:creationId xmlns:a16="http://schemas.microsoft.com/office/drawing/2014/main" id="{410673DB-55E5-454F-B7EE-AD23E892E206}"/>
+                </a:ext>
+              </a:extLst>
+            </p:cNvPr>
+            <p:cNvSpPr txBox="1"/>
+            <p:nvPr/>
+          </p:nvSpPr>
+          <p:spPr>
+            <a:xfrm>
+              <a:off x="2117584" y="5458266"/>
+              <a:ext cx="1629784" cy="276999"/>
+            </a:xfrm>
+            <a:prstGeom prst="rect">
+              <a:avLst/>
+            </a:prstGeom>
+            <a:noFill/>
+          </p:spPr>
+          <p:txBody>
+            <a:bodyPr wrap="square" rtlCol="0">
+              <a:spAutoFit/>
+            </a:bodyPr>
+            <a:lstStyle/>
+            <a:p>
+              <a:pPr algn="ctr"/>
+              <a:r>
+                <a:rPr kumimoji="1" lang="en-US" altLang="ko-Kore-KR" sz="1200" b="1" dirty="0" err="1">
+                  <a:solidFill>
+                    <a:srgbClr val="5DA2C5"/>
+                  </a:solidFill>
+                  <a:latin typeface="SHeadG" panose="02030600000101010101" pitchFamily="18" charset="-127"/>
+                  <a:ea typeface="SHeadG" panose="02030600000101010101" pitchFamily="18" charset="-127"/>
+                </a:rPr>
+                <a:t>PayCalculator</a:t>
+              </a:r>
+              <a:endParaRPr kumimoji="1" lang="ko-Kore-KR" altLang="en-US" sz="1200" b="1" dirty="0">
+                <a:solidFill>
+                  <a:srgbClr val="5DA2C5"/>
+                </a:solidFill>
+                <a:latin typeface="SHeadG" panose="02030600000101010101" pitchFamily="18" charset="-127"/>
+                <a:ea typeface="SHeadG" panose="02030600000101010101" pitchFamily="18" charset="-127"/>
+              </a:endParaRPr>
+            </a:p>
+          </p:txBody>
+        </p:sp>
+        <p:sp>
+          <p:nvSpPr>
+            <p:cNvPr id="162" name="직사각형 161">
+              <a:extLst>
+                <a:ext uri="{FF2B5EF4-FFF2-40B4-BE49-F238E27FC236}">
+                  <a16:creationId xmlns:a16="http://schemas.microsoft.com/office/drawing/2014/main" id="{AD45683C-C5B4-2B49-B7B5-28C80FA9FD78}"/>
+                </a:ext>
+              </a:extLst>
+            </p:cNvPr>
+            <p:cNvSpPr/>
+            <p:nvPr/>
+          </p:nvSpPr>
+          <p:spPr>
+            <a:xfrm>
+              <a:off x="2003284" y="5768110"/>
+              <a:ext cx="1858384" cy="359089"/>
+            </a:xfrm>
+            <a:prstGeom prst="rect">
+              <a:avLst/>
+            </a:prstGeom>
+            <a:ln w="25400">
+              <a:solidFill>
+                <a:srgbClr val="5DA2C5"/>
+              </a:solidFill>
+            </a:ln>
+          </p:spPr>
+          <p:style>
+            <a:lnRef idx="1">
+              <a:schemeClr val="accent1"/>
+            </a:lnRef>
+            <a:fillRef idx="0">
+              <a:schemeClr val="accent1"/>
+            </a:fillRef>
+            <a:effectRef idx="0">
+              <a:schemeClr val="accent1"/>
+            </a:effectRef>
+            <a:fontRef idx="minor">
+              <a:schemeClr val="tx1"/>
+            </a:fontRef>
+          </p:style>
+          <p:txBody>
+            <a:bodyPr rtlCol="0" anchor="ctr"/>
+            <a:lstStyle/>
+            <a:p>
+              <a:pPr algn="ctr"/>
+              <a:endParaRPr kumimoji="1" lang="ko-Kore-KR" altLang="en-US"/>
+            </a:p>
+          </p:txBody>
+        </p:sp>
+        <p:sp>
+          <p:nvSpPr>
+            <p:cNvPr id="163" name="TextBox 162">
+              <a:extLst>
+                <a:ext uri="{FF2B5EF4-FFF2-40B4-BE49-F238E27FC236}">
+                  <a16:creationId xmlns:a16="http://schemas.microsoft.com/office/drawing/2014/main" id="{85053EFE-8B73-724E-80F8-7EB152AACF19}"/>
+                </a:ext>
+              </a:extLst>
+            </p:cNvPr>
+            <p:cNvSpPr txBox="1"/>
+            <p:nvPr/>
+          </p:nvSpPr>
+          <p:spPr>
+            <a:xfrm>
+              <a:off x="2387198" y="5743806"/>
+              <a:ext cx="1474470" cy="326243"/>
+            </a:xfrm>
+            <a:prstGeom prst="rect">
+              <a:avLst/>
+            </a:prstGeom>
+            <a:noFill/>
+          </p:spPr>
+          <p:txBody>
+            <a:bodyPr wrap="square" rtlCol="0">
+              <a:spAutoFit/>
+            </a:bodyPr>
+            <a:lstStyle/>
+            <a:p>
+              <a:pPr>
+                <a:lnSpc>
+                  <a:spcPct val="150000"/>
+                </a:lnSpc>
+              </a:pPr>
+              <a:r>
+                <a:rPr kumimoji="1" lang="en-US" altLang="ko-Kore-KR" sz="1200" dirty="0">
+                  <a:solidFill>
+                    <a:srgbClr val="5DA2C5"/>
+                  </a:solidFill>
+                  <a:latin typeface="SHeadG" panose="02030600000101010101" pitchFamily="18" charset="-127"/>
+                  <a:ea typeface="SHeadG" panose="02030600000101010101" pitchFamily="18" charset="-127"/>
+                </a:rPr>
+                <a:t>+ </a:t>
+              </a:r>
+              <a:r>
+                <a:rPr kumimoji="1" lang="en-US" altLang="ko-Kore-KR" sz="1200" dirty="0" err="1">
+                  <a:solidFill>
+                    <a:srgbClr val="5DA2C5"/>
+                  </a:solidFill>
+                  <a:latin typeface="SHeadG" panose="02030600000101010101" pitchFamily="18" charset="-127"/>
+                  <a:ea typeface="SHeadG" panose="02030600000101010101" pitchFamily="18" charset="-127"/>
+                </a:rPr>
+                <a:t>calulatePay</a:t>
+              </a:r>
+              <a:endParaRPr kumimoji="1" lang="ko-Kore-KR" altLang="en-US" sz="1200" dirty="0">
+                <a:solidFill>
+                  <a:srgbClr val="5DA2C5"/>
+                </a:solidFill>
+                <a:latin typeface="SHeadG" panose="02030600000101010101" pitchFamily="18" charset="-127"/>
+                <a:ea typeface="SHeadG" panose="02030600000101010101" pitchFamily="18" charset="-127"/>
+              </a:endParaRPr>
+            </a:p>
+          </p:txBody>
+        </p:sp>
+      </p:grpSp>
+      <p:grpSp>
+        <p:nvGrpSpPr>
+          <p:cNvPr id="164" name="그룹 163">
+            <a:extLst>
+              <a:ext uri="{FF2B5EF4-FFF2-40B4-BE49-F238E27FC236}">
+                <a16:creationId xmlns:a16="http://schemas.microsoft.com/office/drawing/2014/main" id="{6E531A2F-31FB-A243-982A-E322E0CEDFFD}"/>
+              </a:ext>
+            </a:extLst>
+          </p:cNvPr>
+          <p:cNvGrpSpPr/>
+          <p:nvPr/>
+        </p:nvGrpSpPr>
+        <p:grpSpPr>
+          <a:xfrm>
+            <a:off x="10428418" y="4871939"/>
+            <a:ext cx="1629784" cy="586698"/>
+            <a:chOff x="4610998" y="4608927"/>
+            <a:chExt cx="1629784" cy="586698"/>
+          </a:xfrm>
+        </p:grpSpPr>
+        <p:sp>
+          <p:nvSpPr>
+            <p:cNvPr id="165" name="직사각형 164">
+              <a:extLst>
+                <a:ext uri="{FF2B5EF4-FFF2-40B4-BE49-F238E27FC236}">
+                  <a16:creationId xmlns:a16="http://schemas.microsoft.com/office/drawing/2014/main" id="{7018CC41-50D4-CB4E-9C5E-8EBB558A6F5C}"/>
+                </a:ext>
+              </a:extLst>
+            </p:cNvPr>
+            <p:cNvSpPr/>
+            <p:nvPr/>
+          </p:nvSpPr>
+          <p:spPr>
+            <a:xfrm>
+              <a:off x="4610998" y="4608927"/>
+              <a:ext cx="1629784" cy="586698"/>
+            </a:xfrm>
+            <a:prstGeom prst="rect">
+              <a:avLst/>
+            </a:prstGeom>
+            <a:ln w="25400">
+              <a:solidFill>
+                <a:srgbClr val="5DA2C5"/>
+              </a:solidFill>
+            </a:ln>
+          </p:spPr>
+          <p:style>
+            <a:lnRef idx="1">
+              <a:schemeClr val="accent1"/>
+            </a:lnRef>
+            <a:fillRef idx="0">
+              <a:schemeClr val="accent1"/>
+            </a:fillRef>
+            <a:effectRef idx="0">
+              <a:schemeClr val="accent1"/>
+            </a:effectRef>
+            <a:fontRef idx="minor">
+              <a:schemeClr val="tx1"/>
+            </a:fontRef>
+          </p:style>
+          <p:txBody>
+            <a:bodyPr rtlCol="0" anchor="ctr"/>
+            <a:lstStyle/>
+            <a:p>
+              <a:pPr algn="ctr"/>
+              <a:endParaRPr kumimoji="1" lang="ko-Kore-KR" altLang="en-US"/>
+            </a:p>
+          </p:txBody>
+        </p:sp>
+        <p:sp>
+          <p:nvSpPr>
+            <p:cNvPr id="166" name="TextBox 165">
+              <a:extLst>
+                <a:ext uri="{FF2B5EF4-FFF2-40B4-BE49-F238E27FC236}">
+                  <a16:creationId xmlns:a16="http://schemas.microsoft.com/office/drawing/2014/main" id="{69CB3E83-9C28-2D4F-9ECF-003A1C6DD762}"/>
+                </a:ext>
+              </a:extLst>
+            </p:cNvPr>
+            <p:cNvSpPr txBox="1"/>
+            <p:nvPr/>
+          </p:nvSpPr>
+          <p:spPr>
+            <a:xfrm>
+              <a:off x="4610998" y="4683223"/>
+              <a:ext cx="1629784" cy="461665"/>
+            </a:xfrm>
+            <a:prstGeom prst="rect">
+              <a:avLst/>
+            </a:prstGeom>
+            <a:noFill/>
+          </p:spPr>
+          <p:txBody>
+            <a:bodyPr wrap="square" rtlCol="0">
+              <a:spAutoFit/>
+            </a:bodyPr>
+            <a:lstStyle/>
+            <a:p>
+              <a:pPr algn="ctr"/>
+              <a:r>
+                <a:rPr kumimoji="1" lang="en-US" altLang="ko-Kore-KR" sz="1200" dirty="0">
+                  <a:solidFill>
+                    <a:srgbClr val="5DA2C5"/>
+                  </a:solidFill>
+                  <a:latin typeface="SHeadG" panose="02030600000101010101" pitchFamily="18" charset="-127"/>
+                  <a:ea typeface="SHeadG" panose="02030600000101010101" pitchFamily="18" charset="-127"/>
+                </a:rPr>
+                <a:t>Employee</a:t>
+              </a:r>
+            </a:p>
+            <a:p>
+              <a:pPr algn="ctr"/>
+              <a:r>
+                <a:rPr kumimoji="1" lang="en-US" altLang="ko-Kore-KR" sz="1200" dirty="0">
+                  <a:solidFill>
+                    <a:srgbClr val="5DA2C5"/>
+                  </a:solidFill>
+                  <a:latin typeface="SHeadG" panose="02030600000101010101" pitchFamily="18" charset="-127"/>
+                  <a:ea typeface="SHeadG" panose="02030600000101010101" pitchFamily="18" charset="-127"/>
+                </a:rPr>
+                <a:t>Data</a:t>
+              </a:r>
+              <a:endParaRPr kumimoji="1" lang="ko-Kore-KR" altLang="en-US" sz="1200" b="1" dirty="0">
+                <a:solidFill>
+                  <a:srgbClr val="5DA2C5"/>
+                </a:solidFill>
+                <a:latin typeface="SHeadG" panose="02030600000101010101" pitchFamily="18" charset="-127"/>
+                <a:ea typeface="SHeadG" panose="02030600000101010101" pitchFamily="18" charset="-127"/>
+              </a:endParaRPr>
+            </a:p>
+          </p:txBody>
+        </p:sp>
+      </p:grpSp>
+      <p:cxnSp>
+        <p:nvCxnSpPr>
+          <p:cNvPr id="167" name="꺾인 연결선[E] 166">
+            <a:extLst>
+              <a:ext uri="{FF2B5EF4-FFF2-40B4-BE49-F238E27FC236}">
+                <a16:creationId xmlns:a16="http://schemas.microsoft.com/office/drawing/2014/main" id="{E2A6A35A-8CE2-A44F-B3DC-EFD3E354F697}"/>
+              </a:ext>
+            </a:extLst>
+          </p:cNvPr>
+          <p:cNvCxnSpPr>
+            <a:cxnSpLocks/>
+            <a:stCxn id="153" idx="3"/>
+            <a:endCxn id="166" idx="1"/>
+          </p:cNvCxnSpPr>
+          <p:nvPr/>
+        </p:nvCxnSpPr>
+        <p:spPr>
+          <a:xfrm>
+            <a:off x="9679088" y="4346619"/>
+            <a:ext cx="749330" cy="830449"/>
+          </a:xfrm>
+          <a:prstGeom prst="bentConnector3">
+            <a:avLst>
+              <a:gd name="adj1" fmla="val 50000"/>
+            </a:avLst>
+          </a:prstGeom>
+          <a:ln w="19050">
+            <a:tailEnd type="stealth" w="lg" len="lg"/>
+          </a:ln>
+        </p:spPr>
+        <p:style>
+          <a:lnRef idx="1">
+            <a:schemeClr val="accent1"/>
+          </a:lnRef>
+          <a:fillRef idx="0">
+            <a:schemeClr val="accent1"/>
+          </a:fillRef>
+          <a:effectRef idx="0">
+            <a:schemeClr val="accent1"/>
+          </a:effectRef>
+          <a:fontRef idx="minor">
+            <a:schemeClr val="tx1"/>
+          </a:fontRef>
+        </p:style>
+      </p:cxnSp>
+      <p:cxnSp>
+        <p:nvCxnSpPr>
+          <p:cNvPr id="168" name="꺾인 연결선[E] 167">
+            <a:extLst>
+              <a:ext uri="{FF2B5EF4-FFF2-40B4-BE49-F238E27FC236}">
+                <a16:creationId xmlns:a16="http://schemas.microsoft.com/office/drawing/2014/main" id="{2F511FD6-D669-924F-A52C-59E10D4F3CAB}"/>
+              </a:ext>
+            </a:extLst>
+          </p:cNvPr>
+          <p:cNvCxnSpPr>
+            <a:cxnSpLocks/>
+            <a:stCxn id="158" idx="3"/>
+            <a:endCxn id="166" idx="1"/>
+          </p:cNvCxnSpPr>
+          <p:nvPr/>
+        </p:nvCxnSpPr>
+        <p:spPr>
+          <a:xfrm flipV="1">
+            <a:off x="9679088" y="5177068"/>
+            <a:ext cx="749330" cy="2540"/>
+          </a:xfrm>
+          <a:prstGeom prst="bentConnector3">
+            <a:avLst>
+              <a:gd name="adj1" fmla="val 50000"/>
+            </a:avLst>
+          </a:prstGeom>
+          <a:ln w="19050">
+            <a:tailEnd type="stealth" w="lg" len="lg"/>
+          </a:ln>
+        </p:spPr>
+        <p:style>
+          <a:lnRef idx="1">
+            <a:schemeClr val="accent1"/>
+          </a:lnRef>
+          <a:fillRef idx="0">
+            <a:schemeClr val="accent1"/>
+          </a:fillRef>
+          <a:effectRef idx="0">
+            <a:schemeClr val="accent1"/>
+          </a:effectRef>
+          <a:fontRef idx="minor">
+            <a:schemeClr val="tx1"/>
+          </a:fontRef>
+        </p:style>
+      </p:cxnSp>
+      <p:cxnSp>
+        <p:nvCxnSpPr>
+          <p:cNvPr id="169" name="꺾인 연결선[E] 168">
+            <a:extLst>
+              <a:ext uri="{FF2B5EF4-FFF2-40B4-BE49-F238E27FC236}">
+                <a16:creationId xmlns:a16="http://schemas.microsoft.com/office/drawing/2014/main" id="{405F20D0-CB80-DB41-B368-9A34D36D0FE8}"/>
+              </a:ext>
+            </a:extLst>
+          </p:cNvPr>
+          <p:cNvCxnSpPr>
+            <a:cxnSpLocks/>
+            <a:stCxn id="163" idx="3"/>
+            <a:endCxn id="166" idx="1"/>
+          </p:cNvCxnSpPr>
+          <p:nvPr/>
+        </p:nvCxnSpPr>
+        <p:spPr>
+          <a:xfrm flipV="1">
+            <a:off x="9679088" y="5177068"/>
+            <a:ext cx="749330" cy="835529"/>
+          </a:xfrm>
+          <a:prstGeom prst="bentConnector3">
+            <a:avLst>
+              <a:gd name="adj1" fmla="val 50000"/>
+            </a:avLst>
+          </a:prstGeom>
+          <a:ln w="19050">
+            <a:tailEnd type="stealth" w="lg" len="lg"/>
+          </a:ln>
+        </p:spPr>
+        <p:style>
+          <a:lnRef idx="1">
+            <a:schemeClr val="accent1"/>
+          </a:lnRef>
+          <a:fillRef idx="0">
+            <a:schemeClr val="accent1"/>
+          </a:fillRef>
+          <a:effectRef idx="0">
+            <a:schemeClr val="accent1"/>
+          </a:effectRef>
+          <a:fontRef idx="minor">
+            <a:schemeClr val="tx1"/>
+          </a:fontRef>
+        </p:style>
+      </p:cxnSp>
+      <p:grpSp>
+        <p:nvGrpSpPr>
+          <p:cNvPr id="76" name="그룹 75">
+            <a:extLst>
+              <a:ext uri="{FF2B5EF4-FFF2-40B4-BE49-F238E27FC236}">
+                <a16:creationId xmlns:a16="http://schemas.microsoft.com/office/drawing/2014/main" id="{BB2B18E6-5966-3349-A023-BA14D5E08EB4}"/>
+              </a:ext>
+            </a:extLst>
+          </p:cNvPr>
+          <p:cNvGrpSpPr/>
+          <p:nvPr/>
+        </p:nvGrpSpPr>
+        <p:grpSpPr>
+          <a:xfrm>
+            <a:off x="5042825" y="4521170"/>
+            <a:ext cx="1858384" cy="1107226"/>
+            <a:chOff x="5166808" y="4313774"/>
+            <a:chExt cx="1858384" cy="1107226"/>
+          </a:xfrm>
+        </p:grpSpPr>
+        <p:sp>
+          <p:nvSpPr>
+            <p:cNvPr id="170" name="직사각형 169">
+              <a:extLst>
+                <a:ext uri="{FF2B5EF4-FFF2-40B4-BE49-F238E27FC236}">
+                  <a16:creationId xmlns:a16="http://schemas.microsoft.com/office/drawing/2014/main" id="{9E3ABEA3-62C3-4549-BEAD-78EACE98CF2B}"/>
+                </a:ext>
+              </a:extLst>
+            </p:cNvPr>
+            <p:cNvSpPr/>
+            <p:nvPr/>
+          </p:nvSpPr>
+          <p:spPr>
+            <a:xfrm>
+              <a:off x="5166808" y="4313774"/>
+              <a:ext cx="1858384" cy="342690"/>
+            </a:xfrm>
+            <a:prstGeom prst="rect">
+              <a:avLst/>
+            </a:prstGeom>
+            <a:ln w="25400">
+              <a:solidFill>
+                <a:srgbClr val="5DA2C5"/>
+              </a:solidFill>
+            </a:ln>
+          </p:spPr>
+          <p:style>
+            <a:lnRef idx="1">
+              <a:schemeClr val="accent1"/>
+            </a:lnRef>
+            <a:fillRef idx="0">
+              <a:schemeClr val="accent1"/>
+            </a:fillRef>
+            <a:effectRef idx="0">
+              <a:schemeClr val="accent1"/>
+            </a:effectRef>
+            <a:fontRef idx="minor">
+              <a:schemeClr val="tx1"/>
+            </a:fontRef>
+          </p:style>
+          <p:txBody>
+            <a:bodyPr rtlCol="0" anchor="ctr"/>
+            <a:lstStyle/>
+            <a:p>
+              <a:pPr algn="ctr"/>
+              <a:endParaRPr kumimoji="1" lang="ko-Kore-KR" altLang="en-US"/>
+            </a:p>
+          </p:txBody>
+        </p:sp>
+        <p:sp>
+          <p:nvSpPr>
+            <p:cNvPr id="171" name="TextBox 170">
+              <a:extLst>
+                <a:ext uri="{FF2B5EF4-FFF2-40B4-BE49-F238E27FC236}">
+                  <a16:creationId xmlns:a16="http://schemas.microsoft.com/office/drawing/2014/main" id="{D16A7F14-FA79-264E-A3E4-F213CEF9E16F}"/>
+                </a:ext>
+              </a:extLst>
+            </p:cNvPr>
+            <p:cNvSpPr txBox="1"/>
+            <p:nvPr/>
+          </p:nvSpPr>
+          <p:spPr>
+            <a:xfrm>
+              <a:off x="5281108" y="4346619"/>
+              <a:ext cx="1629784" cy="276999"/>
+            </a:xfrm>
+            <a:prstGeom prst="rect">
+              <a:avLst/>
+            </a:prstGeom>
+            <a:noFill/>
+          </p:spPr>
+          <p:txBody>
+            <a:bodyPr wrap="square" rtlCol="0">
+              <a:spAutoFit/>
+            </a:bodyPr>
+            <a:lstStyle/>
+            <a:p>
+              <a:pPr algn="ctr"/>
+              <a:r>
+                <a:rPr kumimoji="1" lang="en-US" altLang="ko-Kore-KR" sz="1200" b="1" dirty="0">
+                  <a:solidFill>
+                    <a:srgbClr val="5DA2C5"/>
+                  </a:solidFill>
+                  <a:latin typeface="SHeadG" panose="02030600000101010101" pitchFamily="18" charset="-127"/>
+                  <a:ea typeface="SHeadG" panose="02030600000101010101" pitchFamily="18" charset="-127"/>
+                </a:rPr>
+                <a:t>Employee</a:t>
+              </a:r>
+              <a:endParaRPr kumimoji="1" lang="ko-Kore-KR" altLang="en-US" sz="1200" b="1" dirty="0">
+                <a:solidFill>
+                  <a:srgbClr val="5DA2C5"/>
+                </a:solidFill>
+                <a:latin typeface="SHeadG" panose="02030600000101010101" pitchFamily="18" charset="-127"/>
+                <a:ea typeface="SHeadG" panose="02030600000101010101" pitchFamily="18" charset="-127"/>
+              </a:endParaRPr>
+            </a:p>
+          </p:txBody>
+        </p:sp>
+        <p:sp>
+          <p:nvSpPr>
+            <p:cNvPr id="172" name="직사각형 171">
+              <a:extLst>
+                <a:ext uri="{FF2B5EF4-FFF2-40B4-BE49-F238E27FC236}">
+                  <a16:creationId xmlns:a16="http://schemas.microsoft.com/office/drawing/2014/main" id="{4CC0B00C-BB27-E043-9F67-EAD0781A9073}"/>
+                </a:ext>
+              </a:extLst>
+            </p:cNvPr>
+            <p:cNvSpPr/>
+            <p:nvPr/>
+          </p:nvSpPr>
+          <p:spPr>
+            <a:xfrm>
+              <a:off x="5166808" y="4656463"/>
+              <a:ext cx="1858384" cy="764537"/>
+            </a:xfrm>
+            <a:prstGeom prst="rect">
+              <a:avLst/>
+            </a:prstGeom>
+            <a:ln w="25400">
+              <a:solidFill>
+                <a:srgbClr val="5DA2C5"/>
+              </a:solidFill>
+            </a:ln>
+          </p:spPr>
+          <p:style>
+            <a:lnRef idx="1">
+              <a:schemeClr val="accent1"/>
+            </a:lnRef>
+            <a:fillRef idx="0">
+              <a:schemeClr val="accent1"/>
+            </a:fillRef>
+            <a:effectRef idx="0">
+              <a:schemeClr val="accent1"/>
+            </a:effectRef>
+            <a:fontRef idx="minor">
+              <a:schemeClr val="tx1"/>
+            </a:fontRef>
+          </p:style>
+          <p:txBody>
+            <a:bodyPr rtlCol="0" anchor="ctr"/>
+            <a:lstStyle/>
+            <a:p>
+              <a:pPr algn="ctr"/>
+              <a:endParaRPr kumimoji="1" lang="ko-Kore-KR" altLang="en-US"/>
+            </a:p>
+          </p:txBody>
+        </p:sp>
+        <p:sp>
+          <p:nvSpPr>
+            <p:cNvPr id="173" name="TextBox 172">
+              <a:extLst>
+                <a:ext uri="{FF2B5EF4-FFF2-40B4-BE49-F238E27FC236}">
+                  <a16:creationId xmlns:a16="http://schemas.microsoft.com/office/drawing/2014/main" id="{18124CF7-01CB-1549-8096-4300B36522FC}"/>
+                </a:ext>
+              </a:extLst>
+            </p:cNvPr>
+            <p:cNvSpPr txBox="1"/>
+            <p:nvPr/>
+          </p:nvSpPr>
+          <p:spPr>
+            <a:xfrm>
+              <a:off x="5550722" y="4689309"/>
+              <a:ext cx="1474470" cy="646331"/>
+            </a:xfrm>
+            <a:prstGeom prst="rect">
+              <a:avLst/>
+            </a:prstGeom>
+            <a:noFill/>
+          </p:spPr>
+          <p:txBody>
+            <a:bodyPr wrap="square" rtlCol="0">
+              <a:spAutoFit/>
+            </a:bodyPr>
+            <a:lstStyle/>
+            <a:p>
+              <a:r>
+                <a:rPr kumimoji="1" lang="en-US" altLang="ko-Kore-KR" sz="1200" dirty="0">
+                  <a:solidFill>
+                    <a:srgbClr val="5DA2C5"/>
+                  </a:solidFill>
+                  <a:latin typeface="SHeadG" panose="02030600000101010101" pitchFamily="18" charset="-127"/>
+                  <a:ea typeface="SHeadG" panose="02030600000101010101" pitchFamily="18" charset="-127"/>
+                </a:rPr>
+                <a:t>+ </a:t>
+              </a:r>
+              <a:r>
+                <a:rPr kumimoji="1" lang="en-US" altLang="ko-Kore-KR" sz="1200" dirty="0" err="1">
+                  <a:solidFill>
+                    <a:srgbClr val="5DA2C5"/>
+                  </a:solidFill>
+                  <a:latin typeface="SHeadG" panose="02030600000101010101" pitchFamily="18" charset="-127"/>
+                  <a:ea typeface="SHeadG" panose="02030600000101010101" pitchFamily="18" charset="-127"/>
+                </a:rPr>
+                <a:t>calculatePay</a:t>
+              </a:r>
+              <a:endParaRPr kumimoji="1" lang="en-US" altLang="ko-Kore-KR" sz="1200" dirty="0">
+                <a:solidFill>
+                  <a:srgbClr val="5DA2C5"/>
+                </a:solidFill>
+                <a:latin typeface="SHeadG" panose="02030600000101010101" pitchFamily="18" charset="-127"/>
+                <a:ea typeface="SHeadG" panose="02030600000101010101" pitchFamily="18" charset="-127"/>
+              </a:endParaRPr>
+            </a:p>
+            <a:p>
+              <a:r>
+                <a:rPr kumimoji="1" lang="en-US" altLang="ko-Kore-KR" sz="1200" dirty="0">
+                  <a:solidFill>
+                    <a:srgbClr val="5DA2C5"/>
+                  </a:solidFill>
+                  <a:latin typeface="SHeadG" panose="02030600000101010101" pitchFamily="18" charset="-127"/>
+                  <a:ea typeface="SHeadG" panose="02030600000101010101" pitchFamily="18" charset="-127"/>
+                </a:rPr>
+                <a:t>+ </a:t>
+              </a:r>
+              <a:r>
+                <a:rPr kumimoji="1" lang="en-US" altLang="ko-Kore-KR" sz="1200" dirty="0" err="1">
+                  <a:solidFill>
+                    <a:srgbClr val="5DA2C5"/>
+                  </a:solidFill>
+                  <a:latin typeface="SHeadG" panose="02030600000101010101" pitchFamily="18" charset="-127"/>
+                  <a:ea typeface="SHeadG" panose="02030600000101010101" pitchFamily="18" charset="-127"/>
+                </a:rPr>
+                <a:t>reportHours</a:t>
+              </a:r>
+              <a:endParaRPr kumimoji="1" lang="en-US" altLang="ko-Kore-KR" sz="1200" dirty="0">
+                <a:solidFill>
+                  <a:srgbClr val="5DA2C5"/>
+                </a:solidFill>
+                <a:latin typeface="SHeadG" panose="02030600000101010101" pitchFamily="18" charset="-127"/>
+                <a:ea typeface="SHeadG" panose="02030600000101010101" pitchFamily="18" charset="-127"/>
+              </a:endParaRPr>
+            </a:p>
+            <a:p>
+              <a:r>
+                <a:rPr kumimoji="1" lang="en-US" altLang="ko-Kore-KR" sz="1200" dirty="0">
+                  <a:solidFill>
+                    <a:srgbClr val="5DA2C5"/>
+                  </a:solidFill>
+                  <a:latin typeface="SHeadG" panose="02030600000101010101" pitchFamily="18" charset="-127"/>
+                  <a:ea typeface="SHeadG" panose="02030600000101010101" pitchFamily="18" charset="-127"/>
+                </a:rPr>
+                <a:t>+ save</a:t>
+              </a:r>
+              <a:endParaRPr kumimoji="1" lang="ko-Kore-KR" altLang="en-US" sz="1200" dirty="0">
+                <a:solidFill>
+                  <a:srgbClr val="5DA2C5"/>
+                </a:solidFill>
+                <a:latin typeface="SHeadG" panose="02030600000101010101" pitchFamily="18" charset="-127"/>
+                <a:ea typeface="SHeadG" panose="02030600000101010101" pitchFamily="18" charset="-127"/>
+              </a:endParaRPr>
+            </a:p>
+          </p:txBody>
+        </p:sp>
+      </p:grpSp>
+      <p:cxnSp>
+        <p:nvCxnSpPr>
+          <p:cNvPr id="175" name="꺾인 연결선[E] 174">
+            <a:extLst>
+              <a:ext uri="{FF2B5EF4-FFF2-40B4-BE49-F238E27FC236}">
+                <a16:creationId xmlns:a16="http://schemas.microsoft.com/office/drawing/2014/main" id="{21BF7B0D-0817-0C46-83B2-E82D510FD075}"/>
+              </a:ext>
+            </a:extLst>
+          </p:cNvPr>
+          <p:cNvCxnSpPr>
+            <a:cxnSpLocks/>
+            <a:stCxn id="173" idx="3"/>
+            <a:endCxn id="152" idx="1"/>
+          </p:cNvCxnSpPr>
+          <p:nvPr/>
+        </p:nvCxnSpPr>
+        <p:spPr>
+          <a:xfrm flipV="1">
+            <a:off x="6901209" y="4387346"/>
+            <a:ext cx="919495" cy="832525"/>
+          </a:xfrm>
+          <a:prstGeom prst="bentConnector3">
+            <a:avLst>
+              <a:gd name="adj1" fmla="val 50000"/>
+            </a:avLst>
+          </a:prstGeom>
+          <a:ln w="19050">
+            <a:tailEnd type="stealth" w="lg" len="lg"/>
+          </a:ln>
+        </p:spPr>
+        <p:style>
+          <a:lnRef idx="1">
+            <a:schemeClr val="accent1"/>
+          </a:lnRef>
+          <a:fillRef idx="0">
+            <a:schemeClr val="accent1"/>
+          </a:fillRef>
+          <a:effectRef idx="0">
+            <a:schemeClr val="accent1"/>
+          </a:effectRef>
+          <a:fontRef idx="minor">
+            <a:schemeClr val="tx1"/>
+          </a:fontRef>
+        </p:style>
+      </p:cxnSp>
+      <p:cxnSp>
+        <p:nvCxnSpPr>
+          <p:cNvPr id="178" name="꺾인 연결선[E] 177">
+            <a:extLst>
+              <a:ext uri="{FF2B5EF4-FFF2-40B4-BE49-F238E27FC236}">
+                <a16:creationId xmlns:a16="http://schemas.microsoft.com/office/drawing/2014/main" id="{7C35E095-BE80-3F42-8C98-BD3CF07B6407}"/>
+              </a:ext>
+            </a:extLst>
+          </p:cNvPr>
+          <p:cNvCxnSpPr>
+            <a:cxnSpLocks/>
+            <a:stCxn id="173" idx="3"/>
+            <a:endCxn id="157" idx="1"/>
+          </p:cNvCxnSpPr>
+          <p:nvPr/>
+        </p:nvCxnSpPr>
+        <p:spPr>
+          <a:xfrm>
+            <a:off x="6901209" y="5219871"/>
+            <a:ext cx="919495" cy="464"/>
+          </a:xfrm>
+          <a:prstGeom prst="bentConnector3">
+            <a:avLst>
+              <a:gd name="adj1" fmla="val 50000"/>
+            </a:avLst>
+          </a:prstGeom>
+          <a:ln w="19050">
+            <a:tailEnd type="stealth" w="lg" len="lg"/>
+          </a:ln>
+        </p:spPr>
+        <p:style>
+          <a:lnRef idx="1">
+            <a:schemeClr val="accent1"/>
+          </a:lnRef>
+          <a:fillRef idx="0">
+            <a:schemeClr val="accent1"/>
+          </a:fillRef>
+          <a:effectRef idx="0">
+            <a:schemeClr val="accent1"/>
+          </a:effectRef>
+          <a:fontRef idx="minor">
+            <a:schemeClr val="tx1"/>
+          </a:fontRef>
+        </p:style>
+      </p:cxnSp>
+      <p:cxnSp>
+        <p:nvCxnSpPr>
+          <p:cNvPr id="181" name="꺾인 연결선[E] 180">
+            <a:extLst>
+              <a:ext uri="{FF2B5EF4-FFF2-40B4-BE49-F238E27FC236}">
+                <a16:creationId xmlns:a16="http://schemas.microsoft.com/office/drawing/2014/main" id="{B54B413D-C803-BF4B-B1A1-BE5E6064668A}"/>
+              </a:ext>
+            </a:extLst>
+          </p:cNvPr>
+          <p:cNvCxnSpPr>
+            <a:cxnSpLocks/>
+            <a:stCxn id="173" idx="3"/>
+            <a:endCxn id="162" idx="1"/>
+          </p:cNvCxnSpPr>
+          <p:nvPr/>
+        </p:nvCxnSpPr>
+        <p:spPr>
+          <a:xfrm>
+            <a:off x="6901209" y="5219871"/>
+            <a:ext cx="919495" cy="833453"/>
+          </a:xfrm>
+          <a:prstGeom prst="bentConnector3">
+            <a:avLst>
+              <a:gd name="adj1" fmla="val 50000"/>
+            </a:avLst>
+          </a:prstGeom>
+          <a:ln w="19050">
+            <a:tailEnd type="stealth" w="lg" len="lg"/>
+          </a:ln>
+        </p:spPr>
+        <p:style>
+          <a:lnRef idx="1">
+            <a:schemeClr val="accent1"/>
+          </a:lnRef>
+          <a:fillRef idx="0">
+            <a:schemeClr val="accent1"/>
+          </a:fillRef>
+          <a:effectRef idx="0">
+            <a:schemeClr val="accent1"/>
+          </a:effectRef>
+          <a:fontRef idx="minor">
+            <a:schemeClr val="tx1"/>
+          </a:fontRef>
+        </p:style>
+      </p:cxnSp>
+    </p:spTree>
+    <p:extLst>
+      <p:ext uri="{BB962C8B-B14F-4D97-AF65-F5344CB8AC3E}">
+        <p14:creationId xmlns:p14="http://schemas.microsoft.com/office/powerpoint/2010/main" val="4158608075"/>
+      </p:ext>
+    </p:extLst>
+  </p:cSld>
+  <p:clrMapOvr>
+    <a:masterClrMapping/>
+  </p:clrMapOvr>
+</p:sld>
+</file>
+
 <file path=ppt/theme/theme1.xml><?xml version="1.0" encoding="utf-8"?>
 <a:theme xmlns:a="http://schemas.openxmlformats.org/drawingml/2006/main" name="Office 테마">
   <a:themeElements>

--- a/Clean Architecture/ref/프레젠테이션1.pptx
+++ b/Clean Architecture/ref/프레젠테이션1.pptx
@@ -13564,6 +13564,9 @@
             <a:avLst/>
           </a:prstGeom>
           <a:ln w="19050">
+            <a:solidFill>
+              <a:srgbClr val="5DA2C5"/>
+            </a:solidFill>
             <a:prstDash val="dash"/>
             <a:tailEnd type="stealth" w="lg" len="lg"/>
           </a:ln>
@@ -13907,6 +13910,9 @@
             <a:avLst/>
           </a:prstGeom>
           <a:ln w="19050">
+            <a:solidFill>
+              <a:srgbClr val="5DA2C5"/>
+            </a:solidFill>
             <a:prstDash val="dash"/>
             <a:tailEnd type="stealth" w="lg" len="lg"/>
           </a:ln>
@@ -13950,6 +13956,9 @@
             <a:avLst/>
           </a:prstGeom>
           <a:ln w="19050">
+            <a:solidFill>
+              <a:srgbClr val="5DA2C5"/>
+            </a:solidFill>
             <a:prstDash val="dash"/>
             <a:tailEnd type="stealth" w="lg" len="lg"/>
           </a:ln>
@@ -14287,6 +14296,9 @@
             <a:avLst/>
           </a:prstGeom>
           <a:ln w="19050">
+            <a:solidFill>
+              <a:srgbClr val="5DA2C5"/>
+            </a:solidFill>
             <a:tailEnd type="stealth" w="lg" len="lg"/>
           </a:ln>
         </p:spPr>
@@ -14329,6 +14341,9 @@
             <a:avLst/>
           </a:prstGeom>
           <a:ln w="19050">
+            <a:solidFill>
+              <a:srgbClr val="5DA2C5"/>
+            </a:solidFill>
             <a:tailEnd type="stealth" w="lg" len="lg"/>
           </a:ln>
         </p:spPr>
@@ -15199,6 +15214,9 @@
             </a:avLst>
           </a:prstGeom>
           <a:ln w="19050">
+            <a:solidFill>
+              <a:srgbClr val="5DA2C5"/>
+            </a:solidFill>
             <a:tailEnd type="stealth" w="lg" len="lg"/>
           </a:ln>
         </p:spPr>
@@ -15244,6 +15262,9 @@
             </a:avLst>
           </a:prstGeom>
           <a:ln w="19050">
+            <a:solidFill>
+              <a:srgbClr val="5DA2C5"/>
+            </a:solidFill>
             <a:tailEnd type="stealth" w="lg" len="lg"/>
           </a:ln>
         </p:spPr>
@@ -15289,6 +15310,9 @@
             </a:avLst>
           </a:prstGeom>
           <a:ln w="19050">
+            <a:solidFill>
+              <a:srgbClr val="5DA2C5"/>
+            </a:solidFill>
             <a:tailEnd type="stealth" w="lg" len="lg"/>
           </a:ln>
         </p:spPr>
@@ -16159,6 +16183,9 @@
             </a:avLst>
           </a:prstGeom>
           <a:ln w="19050">
+            <a:solidFill>
+              <a:srgbClr val="5DA2C5"/>
+            </a:solidFill>
             <a:tailEnd type="stealth" w="lg" len="lg"/>
           </a:ln>
         </p:spPr>
@@ -16204,6 +16231,9 @@
             </a:avLst>
           </a:prstGeom>
           <a:ln w="19050">
+            <a:solidFill>
+              <a:srgbClr val="5DA2C5"/>
+            </a:solidFill>
             <a:tailEnd type="stealth" w="lg" len="lg"/>
           </a:ln>
         </p:spPr>
@@ -16249,6 +16279,9 @@
             </a:avLst>
           </a:prstGeom>
           <a:ln w="19050">
+            <a:solidFill>
+              <a:srgbClr val="5DA2C5"/>
+            </a:solidFill>
             <a:tailEnd type="stealth" w="lg" len="lg"/>
           </a:ln>
         </p:spPr>
@@ -16269,10 +16302,10 @@
       </p:cxnSp>
       <p:grpSp>
         <p:nvGrpSpPr>
-          <p:cNvPr id="76" name="그룹 75">
-            <a:extLst>
-              <a:ext uri="{FF2B5EF4-FFF2-40B4-BE49-F238E27FC236}">
-                <a16:creationId xmlns:a16="http://schemas.microsoft.com/office/drawing/2014/main" id="{BB2B18E6-5966-3349-A023-BA14D5E08EB4}"/>
+          <p:cNvPr id="85" name="그룹 84">
+            <a:extLst>
+              <a:ext uri="{FF2B5EF4-FFF2-40B4-BE49-F238E27FC236}">
+                <a16:creationId xmlns:a16="http://schemas.microsoft.com/office/drawing/2014/main" id="{572B8F8A-D10B-5F48-9714-710C7016DE49}"/>
               </a:ext>
             </a:extLst>
           </p:cNvPr>
@@ -16281,10 +16314,10 @@
         </p:nvGrpSpPr>
         <p:grpSpPr>
           <a:xfrm>
-            <a:off x="5042825" y="4521170"/>
-            <a:ext cx="1858384" cy="1107226"/>
-            <a:chOff x="5166808" y="4313774"/>
-            <a:chExt cx="1858384" cy="1107226"/>
+            <a:off x="5042825" y="4402195"/>
+            <a:ext cx="1858384" cy="1226201"/>
+            <a:chOff x="5042825" y="4402195"/>
+            <a:chExt cx="1858384" cy="1226201"/>
           </a:xfrm>
         </p:grpSpPr>
         <p:sp>
@@ -16301,8 +16334,8 @@
           </p:nvSpPr>
           <p:spPr>
             <a:xfrm>
-              <a:off x="5166808" y="4313774"/>
-              <a:ext cx="1858384" cy="342690"/>
+              <a:off x="5042825" y="4402195"/>
+              <a:ext cx="1858384" cy="461665"/>
             </a:xfrm>
             <a:prstGeom prst="rect">
               <a:avLst/>
@@ -16350,8 +16383,8 @@
           </p:nvSpPr>
           <p:spPr>
             <a:xfrm>
-              <a:off x="5281108" y="4346619"/>
-              <a:ext cx="1629784" cy="276999"/>
+              <a:off x="5157125" y="4405425"/>
+              <a:ext cx="1629784" cy="461665"/>
             </a:xfrm>
             <a:prstGeom prst="rect">
               <a:avLst/>
@@ -16374,6 +16407,19 @@
                   <a:ea typeface="SHeadG" panose="02030600000101010101" pitchFamily="18" charset="-127"/>
                 </a:rPr>
                 <a:t>Employee</a:t>
+              </a:r>
+            </a:p>
+            <a:p>
+              <a:pPr algn="ctr"/>
+              <a:r>
+                <a:rPr kumimoji="1" lang="en-US" altLang="ko-Kore-KR" sz="1200" b="1" dirty="0">
+                  <a:solidFill>
+                    <a:srgbClr val="5DA2C5"/>
+                  </a:solidFill>
+                  <a:latin typeface="SHeadG" panose="02030600000101010101" pitchFamily="18" charset="-127"/>
+                  <a:ea typeface="SHeadG" panose="02030600000101010101" pitchFamily="18" charset="-127"/>
+                </a:rPr>
+                <a:t>Facade</a:t>
               </a:r>
               <a:endParaRPr kumimoji="1" lang="ko-Kore-KR" altLang="en-US" sz="1200" b="1" dirty="0">
                 <a:solidFill>
@@ -16399,7 +16445,7 @@
           </p:nvSpPr>
           <p:spPr>
             <a:xfrm>
-              <a:off x="5166808" y="4656463"/>
+              <a:off x="5042825" y="4863859"/>
               <a:ext cx="1858384" cy="764537"/>
             </a:xfrm>
             <a:prstGeom prst="rect">
@@ -16448,7 +16494,7 @@
           </p:nvSpPr>
           <p:spPr>
             <a:xfrm>
-              <a:off x="5550722" y="4689309"/>
+              <a:off x="5426739" y="4896705"/>
               <a:ext cx="1474470" cy="646331"/>
             </a:xfrm>
             <a:prstGeom prst="rect">
@@ -16568,6 +16614,9 @@
             </a:avLst>
           </a:prstGeom>
           <a:ln w="19050">
+            <a:solidFill>
+              <a:srgbClr val="5DA2C5"/>
+            </a:solidFill>
             <a:tailEnd type="stealth" w="lg" len="lg"/>
           </a:ln>
         </p:spPr>
@@ -16613,6 +16662,9 @@
             </a:avLst>
           </a:prstGeom>
           <a:ln w="19050">
+            <a:solidFill>
+              <a:srgbClr val="5DA2C5"/>
+            </a:solidFill>
             <a:tailEnd type="stealth" w="lg" len="lg"/>
           </a:ln>
         </p:spPr>
@@ -16658,6 +16710,9 @@
             </a:avLst>
           </a:prstGeom>
           <a:ln w="19050">
+            <a:solidFill>
+              <a:srgbClr val="5DA2C5"/>
+            </a:solidFill>
             <a:tailEnd type="stealth" w="lg" len="lg"/>
           </a:ln>
         </p:spPr>

--- a/Clean Architecture/ref/프레젠테이션1.pptx
+++ b/Clean Architecture/ref/프레젠테이션1.pptx
@@ -8,6 +8,9 @@
     <p:sldId id="256" r:id="rId2"/>
     <p:sldId id="257" r:id="rId3"/>
     <p:sldId id="258" r:id="rId4"/>
+    <p:sldId id="259" r:id="rId5"/>
+    <p:sldId id="260" r:id="rId6"/>
+    <p:sldId id="261" r:id="rId7"/>
   </p:sldIdLst>
   <p:sldSz cx="12192000" cy="6858000"/>
   <p:notesSz cx="6858000" cy="9144000"/>
@@ -16744,6 +16747,5697 @@
 </p:sld>
 </file>
 
+<file path=ppt/slides/slide4.xml><?xml version="1.0" encoding="utf-8"?>
+<p:sld xmlns:a="http://schemas.openxmlformats.org/drawingml/2006/main" xmlns:r="http://schemas.openxmlformats.org/officeDocument/2006/relationships" xmlns:p="http://schemas.openxmlformats.org/presentationml/2006/main">
+  <p:cSld>
+    <p:spTree>
+      <p:nvGrpSpPr>
+        <p:cNvPr id="1" name=""/>
+        <p:cNvGrpSpPr/>
+        <p:nvPr/>
+      </p:nvGrpSpPr>
+      <p:grpSpPr>
+        <a:xfrm>
+          <a:off x="0" y="0"/>
+          <a:ext cx="0" cy="0"/>
+          <a:chOff x="0" y="0"/>
+          <a:chExt cx="0" cy="0"/>
+        </a:xfrm>
+      </p:grpSpPr>
+      <p:grpSp>
+        <p:nvGrpSpPr>
+          <p:cNvPr id="9" name="그룹 8">
+            <a:extLst>
+              <a:ext uri="{FF2B5EF4-FFF2-40B4-BE49-F238E27FC236}">
+                <a16:creationId xmlns:a16="http://schemas.microsoft.com/office/drawing/2014/main" id="{0E2D6F37-D84B-FE42-8B15-4F990E696FB6}"/>
+              </a:ext>
+            </a:extLst>
+          </p:cNvPr>
+          <p:cNvGrpSpPr/>
+          <p:nvPr/>
+        </p:nvGrpSpPr>
+        <p:grpSpPr>
+          <a:xfrm>
+            <a:off x="716534" y="1043429"/>
+            <a:ext cx="1408101" cy="539735"/>
+            <a:chOff x="3737640" y="1066800"/>
+            <a:chExt cx="1408101" cy="539735"/>
+          </a:xfrm>
+        </p:grpSpPr>
+        <p:sp>
+          <p:nvSpPr>
+            <p:cNvPr id="79" name="직사각형 78">
+              <a:extLst>
+                <a:ext uri="{FF2B5EF4-FFF2-40B4-BE49-F238E27FC236}">
+                  <a16:creationId xmlns:a16="http://schemas.microsoft.com/office/drawing/2014/main" id="{7D70D49A-F084-EB47-8457-596B651650E3}"/>
+                </a:ext>
+              </a:extLst>
+            </p:cNvPr>
+            <p:cNvSpPr/>
+            <p:nvPr/>
+          </p:nvSpPr>
+          <p:spPr>
+            <a:xfrm>
+              <a:off x="3737640" y="1066800"/>
+              <a:ext cx="1408101" cy="539735"/>
+            </a:xfrm>
+            <a:prstGeom prst="rect">
+              <a:avLst/>
+            </a:prstGeom>
+            <a:ln w="25400">
+              <a:solidFill>
+                <a:srgbClr val="5DA2C5"/>
+              </a:solidFill>
+            </a:ln>
+          </p:spPr>
+          <p:style>
+            <a:lnRef idx="1">
+              <a:schemeClr val="accent1"/>
+            </a:lnRef>
+            <a:fillRef idx="0">
+              <a:schemeClr val="accent1"/>
+            </a:fillRef>
+            <a:effectRef idx="0">
+              <a:schemeClr val="accent1"/>
+            </a:effectRef>
+            <a:fontRef idx="minor">
+              <a:schemeClr val="tx1"/>
+            </a:fontRef>
+          </p:style>
+          <p:txBody>
+            <a:bodyPr rtlCol="0" anchor="ctr"/>
+            <a:lstStyle/>
+            <a:p>
+              <a:pPr algn="ctr"/>
+              <a:endParaRPr kumimoji="1" lang="ko-Kore-KR" altLang="en-US"/>
+            </a:p>
+          </p:txBody>
+        </p:sp>
+        <p:sp>
+          <p:nvSpPr>
+            <p:cNvPr id="80" name="TextBox 79">
+              <a:extLst>
+                <a:ext uri="{FF2B5EF4-FFF2-40B4-BE49-F238E27FC236}">
+                  <a16:creationId xmlns:a16="http://schemas.microsoft.com/office/drawing/2014/main" id="{20ACFF1F-FA4D-B948-BA72-C7152AB14B1F}"/>
+                </a:ext>
+              </a:extLst>
+            </p:cNvPr>
+            <p:cNvSpPr txBox="1"/>
+            <p:nvPr/>
+          </p:nvSpPr>
+          <p:spPr>
+            <a:xfrm>
+              <a:off x="3737640" y="1198167"/>
+              <a:ext cx="1408101" cy="276999"/>
+            </a:xfrm>
+            <a:prstGeom prst="rect">
+              <a:avLst/>
+            </a:prstGeom>
+            <a:noFill/>
+          </p:spPr>
+          <p:txBody>
+            <a:bodyPr wrap="square" rtlCol="0">
+              <a:spAutoFit/>
+            </a:bodyPr>
+            <a:lstStyle/>
+            <a:p>
+              <a:pPr algn="ctr"/>
+              <a:r>
+                <a:rPr kumimoji="1" lang="en-US" altLang="ko-Kore-KR" sz="1200" b="1" dirty="0">
+                  <a:solidFill>
+                    <a:srgbClr val="5DA2C5"/>
+                  </a:solidFill>
+                  <a:latin typeface="SHeadG" panose="02030600000101010101" pitchFamily="18" charset="-127"/>
+                  <a:ea typeface="SHeadG" panose="02030600000101010101" pitchFamily="18" charset="-127"/>
+                </a:rPr>
+                <a:t>Billing</a:t>
+              </a:r>
+              <a:endParaRPr kumimoji="1" lang="ko-Kore-KR" altLang="en-US" sz="1200" b="1" dirty="0">
+                <a:solidFill>
+                  <a:srgbClr val="5DA2C5"/>
+                </a:solidFill>
+                <a:latin typeface="SHeadG" panose="02030600000101010101" pitchFamily="18" charset="-127"/>
+                <a:ea typeface="SHeadG" panose="02030600000101010101" pitchFamily="18" charset="-127"/>
+              </a:endParaRPr>
+            </a:p>
+          </p:txBody>
+        </p:sp>
+      </p:grpSp>
+      <p:grpSp>
+        <p:nvGrpSpPr>
+          <p:cNvPr id="5" name="그룹 4">
+            <a:extLst>
+              <a:ext uri="{FF2B5EF4-FFF2-40B4-BE49-F238E27FC236}">
+                <a16:creationId xmlns:a16="http://schemas.microsoft.com/office/drawing/2014/main" id="{885E4E37-0B32-2A46-BF9B-052D3E728E50}"/>
+              </a:ext>
+            </a:extLst>
+          </p:cNvPr>
+          <p:cNvGrpSpPr/>
+          <p:nvPr/>
+        </p:nvGrpSpPr>
+        <p:grpSpPr>
+          <a:xfrm>
+            <a:off x="2823239" y="1061359"/>
+            <a:ext cx="1408103" cy="816734"/>
+            <a:chOff x="5969850" y="1066800"/>
+            <a:chExt cx="1408103" cy="816734"/>
+          </a:xfrm>
+        </p:grpSpPr>
+        <p:sp>
+          <p:nvSpPr>
+            <p:cNvPr id="82" name="직사각형 81">
+              <a:extLst>
+                <a:ext uri="{FF2B5EF4-FFF2-40B4-BE49-F238E27FC236}">
+                  <a16:creationId xmlns:a16="http://schemas.microsoft.com/office/drawing/2014/main" id="{332185BF-5B56-AF4A-B7E3-EF098504C6D6}"/>
+                </a:ext>
+              </a:extLst>
+            </p:cNvPr>
+            <p:cNvSpPr/>
+            <p:nvPr/>
+          </p:nvSpPr>
+          <p:spPr>
+            <a:xfrm>
+              <a:off x="5969852" y="1066800"/>
+              <a:ext cx="1408101" cy="539735"/>
+            </a:xfrm>
+            <a:prstGeom prst="rect">
+              <a:avLst/>
+            </a:prstGeom>
+            <a:ln w="25400">
+              <a:solidFill>
+                <a:srgbClr val="5DA2C5"/>
+              </a:solidFill>
+            </a:ln>
+          </p:spPr>
+          <p:style>
+            <a:lnRef idx="1">
+              <a:schemeClr val="accent1"/>
+            </a:lnRef>
+            <a:fillRef idx="0">
+              <a:schemeClr val="accent1"/>
+            </a:fillRef>
+            <a:effectRef idx="0">
+              <a:schemeClr val="accent1"/>
+            </a:effectRef>
+            <a:fontRef idx="minor">
+              <a:schemeClr val="tx1"/>
+            </a:fontRef>
+          </p:style>
+          <p:txBody>
+            <a:bodyPr rtlCol="0" anchor="ctr"/>
+            <a:lstStyle/>
+            <a:p>
+              <a:pPr algn="ctr"/>
+              <a:endParaRPr kumimoji="1" lang="ko-Kore-KR" altLang="en-US"/>
+            </a:p>
+          </p:txBody>
+        </p:sp>
+        <p:sp>
+          <p:nvSpPr>
+            <p:cNvPr id="83" name="TextBox 82">
+              <a:extLst>
+                <a:ext uri="{FF2B5EF4-FFF2-40B4-BE49-F238E27FC236}">
+                  <a16:creationId xmlns:a16="http://schemas.microsoft.com/office/drawing/2014/main" id="{B6F72CDC-A68C-4A42-9237-4F629E2EDC79}"/>
+                </a:ext>
+              </a:extLst>
+            </p:cNvPr>
+            <p:cNvSpPr txBox="1"/>
+            <p:nvPr/>
+          </p:nvSpPr>
+          <p:spPr>
+            <a:xfrm>
+              <a:off x="5969850" y="1176630"/>
+              <a:ext cx="1408101" cy="276999"/>
+            </a:xfrm>
+            <a:prstGeom prst="rect">
+              <a:avLst/>
+            </a:prstGeom>
+            <a:noFill/>
+          </p:spPr>
+          <p:txBody>
+            <a:bodyPr wrap="square" rtlCol="0">
+              <a:spAutoFit/>
+            </a:bodyPr>
+            <a:lstStyle/>
+            <a:p>
+              <a:pPr algn="ctr"/>
+              <a:r>
+                <a:rPr kumimoji="1" lang="en-US" altLang="ko-Kore-KR" sz="1200" b="1" dirty="0">
+                  <a:solidFill>
+                    <a:srgbClr val="5DA2C5"/>
+                  </a:solidFill>
+                  <a:latin typeface="SHeadG" panose="02030600000101010101" pitchFamily="18" charset="-127"/>
+                  <a:ea typeface="SHeadG" panose="02030600000101010101" pitchFamily="18" charset="-127"/>
+                </a:rPr>
+                <a:t>License</a:t>
+              </a:r>
+              <a:endParaRPr kumimoji="1" lang="ko-Kore-KR" altLang="en-US" sz="1200" b="1" dirty="0">
+                <a:solidFill>
+                  <a:srgbClr val="5DA2C5"/>
+                </a:solidFill>
+                <a:latin typeface="SHeadG" panose="02030600000101010101" pitchFamily="18" charset="-127"/>
+                <a:ea typeface="SHeadG" panose="02030600000101010101" pitchFamily="18" charset="-127"/>
+              </a:endParaRPr>
+            </a:p>
+          </p:txBody>
+        </p:sp>
+        <p:sp>
+          <p:nvSpPr>
+            <p:cNvPr id="84" name="직사각형 83">
+              <a:extLst>
+                <a:ext uri="{FF2B5EF4-FFF2-40B4-BE49-F238E27FC236}">
+                  <a16:creationId xmlns:a16="http://schemas.microsoft.com/office/drawing/2014/main" id="{C00849DA-049E-454D-BB0B-306D1D2907FE}"/>
+                </a:ext>
+              </a:extLst>
+            </p:cNvPr>
+            <p:cNvSpPr/>
+            <p:nvPr/>
+          </p:nvSpPr>
+          <p:spPr>
+            <a:xfrm>
+              <a:off x="5969851" y="1606535"/>
+              <a:ext cx="1408101" cy="276999"/>
+            </a:xfrm>
+            <a:prstGeom prst="rect">
+              <a:avLst/>
+            </a:prstGeom>
+            <a:ln w="25400">
+              <a:solidFill>
+                <a:srgbClr val="5DA2C5"/>
+              </a:solidFill>
+            </a:ln>
+          </p:spPr>
+          <p:style>
+            <a:lnRef idx="1">
+              <a:schemeClr val="accent1"/>
+            </a:lnRef>
+            <a:fillRef idx="0">
+              <a:schemeClr val="accent1"/>
+            </a:fillRef>
+            <a:effectRef idx="0">
+              <a:schemeClr val="accent1"/>
+            </a:effectRef>
+            <a:fontRef idx="minor">
+              <a:schemeClr val="tx1"/>
+            </a:fontRef>
+          </p:style>
+          <p:txBody>
+            <a:bodyPr rtlCol="0" anchor="ctr"/>
+            <a:lstStyle/>
+            <a:p>
+              <a:pPr algn="ctr"/>
+              <a:endParaRPr kumimoji="1" lang="ko-Kore-KR" altLang="en-US"/>
+            </a:p>
+          </p:txBody>
+        </p:sp>
+        <p:sp>
+          <p:nvSpPr>
+            <p:cNvPr id="86" name="TextBox 85">
+              <a:extLst>
+                <a:ext uri="{FF2B5EF4-FFF2-40B4-BE49-F238E27FC236}">
+                  <a16:creationId xmlns:a16="http://schemas.microsoft.com/office/drawing/2014/main" id="{C370B341-EAD6-DA46-AC93-C5B932C072D5}"/>
+                </a:ext>
+              </a:extLst>
+            </p:cNvPr>
+            <p:cNvSpPr txBox="1"/>
+            <p:nvPr/>
+          </p:nvSpPr>
+          <p:spPr>
+            <a:xfrm>
+              <a:off x="5969850" y="1592129"/>
+              <a:ext cx="1408101" cy="261610"/>
+            </a:xfrm>
+            <a:prstGeom prst="rect">
+              <a:avLst/>
+            </a:prstGeom>
+            <a:noFill/>
+          </p:spPr>
+          <p:txBody>
+            <a:bodyPr wrap="square" rtlCol="0">
+              <a:spAutoFit/>
+            </a:bodyPr>
+            <a:lstStyle/>
+            <a:p>
+              <a:pPr algn="ctr"/>
+              <a:r>
+                <a:rPr kumimoji="1" lang="en-US" altLang="ko-KR" sz="1050" dirty="0">
+                  <a:solidFill>
+                    <a:srgbClr val="5DA2C5"/>
+                  </a:solidFill>
+                  <a:latin typeface="SHeadG" panose="02030600000101010101" pitchFamily="18" charset="-127"/>
+                  <a:ea typeface="SHeadG" panose="02030600000101010101" pitchFamily="18" charset="-127"/>
+                </a:rPr>
+                <a:t>+ </a:t>
+              </a:r>
+              <a:r>
+                <a:rPr kumimoji="1" lang="en-US" altLang="ko-KR" sz="1050" dirty="0" err="1">
+                  <a:solidFill>
+                    <a:srgbClr val="5DA2C5"/>
+                  </a:solidFill>
+                  <a:latin typeface="SHeadG" panose="02030600000101010101" pitchFamily="18" charset="-127"/>
+                  <a:ea typeface="SHeadG" panose="02030600000101010101" pitchFamily="18" charset="-127"/>
+                </a:rPr>
+                <a:t>calcFee</a:t>
+              </a:r>
+              <a:r>
+                <a:rPr kumimoji="1" lang="en-US" altLang="ko-KR" sz="1050" dirty="0">
+                  <a:solidFill>
+                    <a:srgbClr val="5DA2C5"/>
+                  </a:solidFill>
+                  <a:latin typeface="SHeadG" panose="02030600000101010101" pitchFamily="18" charset="-127"/>
+                  <a:ea typeface="SHeadG" panose="02030600000101010101" pitchFamily="18" charset="-127"/>
+                </a:rPr>
+                <a:t>()</a:t>
+              </a:r>
+              <a:endParaRPr kumimoji="1" lang="ko-Kore-KR" altLang="en-US" sz="1050" dirty="0">
+                <a:solidFill>
+                  <a:srgbClr val="5DA2C5"/>
+                </a:solidFill>
+                <a:latin typeface="SHeadG" panose="02030600000101010101" pitchFamily="18" charset="-127"/>
+                <a:ea typeface="SHeadG" panose="02030600000101010101" pitchFamily="18" charset="-127"/>
+              </a:endParaRPr>
+            </a:p>
+          </p:txBody>
+        </p:sp>
+      </p:grpSp>
+      <p:cxnSp>
+        <p:nvCxnSpPr>
+          <p:cNvPr id="90" name="꺾인 연결선[E] 89">
+            <a:extLst>
+              <a:ext uri="{FF2B5EF4-FFF2-40B4-BE49-F238E27FC236}">
+                <a16:creationId xmlns:a16="http://schemas.microsoft.com/office/drawing/2014/main" id="{2377CFB0-498E-E949-BB63-DA380166CBE9}"/>
+              </a:ext>
+            </a:extLst>
+          </p:cNvPr>
+          <p:cNvCxnSpPr>
+            <a:cxnSpLocks/>
+            <a:stCxn id="80" idx="3"/>
+            <a:endCxn id="83" idx="1"/>
+          </p:cNvCxnSpPr>
+          <p:nvPr/>
+        </p:nvCxnSpPr>
+        <p:spPr>
+          <a:xfrm flipV="1">
+            <a:off x="2124635" y="1309689"/>
+            <a:ext cx="698604" cy="3607"/>
+          </a:xfrm>
+          <a:prstGeom prst="bentConnector3">
+            <a:avLst>
+              <a:gd name="adj1" fmla="val 50000"/>
+            </a:avLst>
+          </a:prstGeom>
+          <a:ln w="19050">
+            <a:solidFill>
+              <a:srgbClr val="5DA2C5"/>
+            </a:solidFill>
+            <a:tailEnd type="stealth" w="lg" len="lg"/>
+          </a:ln>
+        </p:spPr>
+        <p:style>
+          <a:lnRef idx="1">
+            <a:schemeClr val="accent1"/>
+          </a:lnRef>
+          <a:fillRef idx="0">
+            <a:schemeClr val="accent1"/>
+          </a:fillRef>
+          <a:effectRef idx="0">
+            <a:schemeClr val="accent1"/>
+          </a:effectRef>
+          <a:fontRef idx="minor">
+            <a:schemeClr val="tx1"/>
+          </a:fontRef>
+        </p:style>
+      </p:cxnSp>
+      <p:grpSp>
+        <p:nvGrpSpPr>
+          <p:cNvPr id="97" name="그룹 96">
+            <a:extLst>
+              <a:ext uri="{FF2B5EF4-FFF2-40B4-BE49-F238E27FC236}">
+                <a16:creationId xmlns:a16="http://schemas.microsoft.com/office/drawing/2014/main" id="{C0A72603-0409-4C43-B045-64EABF901117}"/>
+              </a:ext>
+            </a:extLst>
+          </p:cNvPr>
+          <p:cNvGrpSpPr/>
+          <p:nvPr/>
+        </p:nvGrpSpPr>
+        <p:grpSpPr>
+          <a:xfrm>
+            <a:off x="1769886" y="2889265"/>
+            <a:ext cx="1408101" cy="539735"/>
+            <a:chOff x="3737640" y="1066800"/>
+            <a:chExt cx="1408101" cy="539735"/>
+          </a:xfrm>
+        </p:grpSpPr>
+        <p:sp>
+          <p:nvSpPr>
+            <p:cNvPr id="98" name="직사각형 97">
+              <a:extLst>
+                <a:ext uri="{FF2B5EF4-FFF2-40B4-BE49-F238E27FC236}">
+                  <a16:creationId xmlns:a16="http://schemas.microsoft.com/office/drawing/2014/main" id="{F6497F10-29F4-CB46-A0C5-8867CE0F986C}"/>
+                </a:ext>
+              </a:extLst>
+            </p:cNvPr>
+            <p:cNvSpPr/>
+            <p:nvPr/>
+          </p:nvSpPr>
+          <p:spPr>
+            <a:xfrm>
+              <a:off x="3737640" y="1066800"/>
+              <a:ext cx="1408101" cy="539735"/>
+            </a:xfrm>
+            <a:prstGeom prst="rect">
+              <a:avLst/>
+            </a:prstGeom>
+            <a:ln w="25400">
+              <a:solidFill>
+                <a:srgbClr val="5DA2C5"/>
+              </a:solidFill>
+            </a:ln>
+          </p:spPr>
+          <p:style>
+            <a:lnRef idx="1">
+              <a:schemeClr val="accent1"/>
+            </a:lnRef>
+            <a:fillRef idx="0">
+              <a:schemeClr val="accent1"/>
+            </a:fillRef>
+            <a:effectRef idx="0">
+              <a:schemeClr val="accent1"/>
+            </a:effectRef>
+            <a:fontRef idx="minor">
+              <a:schemeClr val="tx1"/>
+            </a:fontRef>
+          </p:style>
+          <p:txBody>
+            <a:bodyPr rtlCol="0" anchor="ctr"/>
+            <a:lstStyle/>
+            <a:p>
+              <a:pPr algn="ctr"/>
+              <a:endParaRPr kumimoji="1" lang="ko-Kore-KR" altLang="en-US"/>
+            </a:p>
+          </p:txBody>
+        </p:sp>
+        <p:sp>
+          <p:nvSpPr>
+            <p:cNvPr id="99" name="TextBox 98">
+              <a:extLst>
+                <a:ext uri="{FF2B5EF4-FFF2-40B4-BE49-F238E27FC236}">
+                  <a16:creationId xmlns:a16="http://schemas.microsoft.com/office/drawing/2014/main" id="{539D8AE0-79BB-8144-BDF9-17A29F1507E1}"/>
+                </a:ext>
+              </a:extLst>
+            </p:cNvPr>
+            <p:cNvSpPr txBox="1"/>
+            <p:nvPr/>
+          </p:nvSpPr>
+          <p:spPr>
+            <a:xfrm>
+              <a:off x="3737640" y="1112966"/>
+              <a:ext cx="1408101" cy="461665"/>
+            </a:xfrm>
+            <a:prstGeom prst="rect">
+              <a:avLst/>
+            </a:prstGeom>
+            <a:noFill/>
+          </p:spPr>
+          <p:txBody>
+            <a:bodyPr wrap="square" rtlCol="0">
+              <a:spAutoFit/>
+            </a:bodyPr>
+            <a:lstStyle/>
+            <a:p>
+              <a:pPr algn="ctr"/>
+              <a:r>
+                <a:rPr kumimoji="1" lang="en-US" altLang="ko-Kore-KR" sz="1200" b="1" dirty="0">
+                  <a:solidFill>
+                    <a:srgbClr val="5DA2C5"/>
+                  </a:solidFill>
+                  <a:latin typeface="SHeadG" panose="02030600000101010101" pitchFamily="18" charset="-127"/>
+                  <a:ea typeface="SHeadG" panose="02030600000101010101" pitchFamily="18" charset="-127"/>
+                </a:rPr>
+                <a:t>Personal</a:t>
+              </a:r>
+            </a:p>
+            <a:p>
+              <a:pPr algn="ctr"/>
+              <a:r>
+                <a:rPr kumimoji="1" lang="en-US" altLang="ko-Kore-KR" sz="1200" b="1" dirty="0">
+                  <a:solidFill>
+                    <a:srgbClr val="5DA2C5"/>
+                  </a:solidFill>
+                  <a:latin typeface="SHeadG" panose="02030600000101010101" pitchFamily="18" charset="-127"/>
+                  <a:ea typeface="SHeadG" panose="02030600000101010101" pitchFamily="18" charset="-127"/>
+                </a:rPr>
+                <a:t>License</a:t>
+              </a:r>
+              <a:endParaRPr kumimoji="1" lang="ko-Kore-KR" altLang="en-US" sz="1200" b="1" dirty="0">
+                <a:solidFill>
+                  <a:srgbClr val="5DA2C5"/>
+                </a:solidFill>
+                <a:latin typeface="SHeadG" panose="02030600000101010101" pitchFamily="18" charset="-127"/>
+                <a:ea typeface="SHeadG" panose="02030600000101010101" pitchFamily="18" charset="-127"/>
+              </a:endParaRPr>
+            </a:p>
+          </p:txBody>
+        </p:sp>
+      </p:grpSp>
+      <p:grpSp>
+        <p:nvGrpSpPr>
+          <p:cNvPr id="105" name="그룹 104">
+            <a:extLst>
+              <a:ext uri="{FF2B5EF4-FFF2-40B4-BE49-F238E27FC236}">
+                <a16:creationId xmlns:a16="http://schemas.microsoft.com/office/drawing/2014/main" id="{DDAEC46A-4ED5-5F46-87BB-451D53632241}"/>
+              </a:ext>
+            </a:extLst>
+          </p:cNvPr>
+          <p:cNvGrpSpPr/>
+          <p:nvPr/>
+        </p:nvGrpSpPr>
+        <p:grpSpPr>
+          <a:xfrm>
+            <a:off x="3961757" y="2889265"/>
+            <a:ext cx="1408103" cy="816734"/>
+            <a:chOff x="5969850" y="1066800"/>
+            <a:chExt cx="1408103" cy="816734"/>
+          </a:xfrm>
+        </p:grpSpPr>
+        <p:sp>
+          <p:nvSpPr>
+            <p:cNvPr id="106" name="직사각형 105">
+              <a:extLst>
+                <a:ext uri="{FF2B5EF4-FFF2-40B4-BE49-F238E27FC236}">
+                  <a16:creationId xmlns:a16="http://schemas.microsoft.com/office/drawing/2014/main" id="{0FA42265-0BE6-5746-89C8-B7A16AD3807A}"/>
+                </a:ext>
+              </a:extLst>
+            </p:cNvPr>
+            <p:cNvSpPr/>
+            <p:nvPr/>
+          </p:nvSpPr>
+          <p:spPr>
+            <a:xfrm>
+              <a:off x="5969852" y="1066800"/>
+              <a:ext cx="1408101" cy="539735"/>
+            </a:xfrm>
+            <a:prstGeom prst="rect">
+              <a:avLst/>
+            </a:prstGeom>
+            <a:ln w="25400">
+              <a:solidFill>
+                <a:srgbClr val="5DA2C5"/>
+              </a:solidFill>
+            </a:ln>
+          </p:spPr>
+          <p:style>
+            <a:lnRef idx="1">
+              <a:schemeClr val="accent1"/>
+            </a:lnRef>
+            <a:fillRef idx="0">
+              <a:schemeClr val="accent1"/>
+            </a:fillRef>
+            <a:effectRef idx="0">
+              <a:schemeClr val="accent1"/>
+            </a:effectRef>
+            <a:fontRef idx="minor">
+              <a:schemeClr val="tx1"/>
+            </a:fontRef>
+          </p:style>
+          <p:txBody>
+            <a:bodyPr rtlCol="0" anchor="ctr"/>
+            <a:lstStyle/>
+            <a:p>
+              <a:pPr algn="ctr"/>
+              <a:endParaRPr kumimoji="1" lang="ko-Kore-KR" altLang="en-US"/>
+            </a:p>
+          </p:txBody>
+        </p:sp>
+        <p:sp>
+          <p:nvSpPr>
+            <p:cNvPr id="107" name="TextBox 106">
+              <a:extLst>
+                <a:ext uri="{FF2B5EF4-FFF2-40B4-BE49-F238E27FC236}">
+                  <a16:creationId xmlns:a16="http://schemas.microsoft.com/office/drawing/2014/main" id="{67C0F500-FC46-EB4B-AD2F-65BFEE82542F}"/>
+                </a:ext>
+              </a:extLst>
+            </p:cNvPr>
+            <p:cNvSpPr txBox="1"/>
+            <p:nvPr/>
+          </p:nvSpPr>
+          <p:spPr>
+            <a:xfrm>
+              <a:off x="5969850" y="1105834"/>
+              <a:ext cx="1408101" cy="461665"/>
+            </a:xfrm>
+            <a:prstGeom prst="rect">
+              <a:avLst/>
+            </a:prstGeom>
+            <a:noFill/>
+          </p:spPr>
+          <p:txBody>
+            <a:bodyPr wrap="square" rtlCol="0">
+              <a:spAutoFit/>
+            </a:bodyPr>
+            <a:lstStyle/>
+            <a:p>
+              <a:pPr algn="ctr"/>
+              <a:r>
+                <a:rPr kumimoji="1" lang="en-US" altLang="ko-Kore-KR" sz="1200" b="1" dirty="0">
+                  <a:solidFill>
+                    <a:srgbClr val="5DA2C5"/>
+                  </a:solidFill>
+                  <a:latin typeface="SHeadG" panose="02030600000101010101" pitchFamily="18" charset="-127"/>
+                  <a:ea typeface="SHeadG" panose="02030600000101010101" pitchFamily="18" charset="-127"/>
+                </a:rPr>
+                <a:t>Business</a:t>
+              </a:r>
+            </a:p>
+            <a:p>
+              <a:pPr algn="ctr"/>
+              <a:r>
+                <a:rPr kumimoji="1" lang="en-US" altLang="ko-Kore-KR" sz="1200" b="1" dirty="0">
+                  <a:solidFill>
+                    <a:srgbClr val="5DA2C5"/>
+                  </a:solidFill>
+                  <a:latin typeface="SHeadG" panose="02030600000101010101" pitchFamily="18" charset="-127"/>
+                  <a:ea typeface="SHeadG" panose="02030600000101010101" pitchFamily="18" charset="-127"/>
+                </a:rPr>
+                <a:t>License</a:t>
+              </a:r>
+              <a:endParaRPr kumimoji="1" lang="ko-Kore-KR" altLang="en-US" sz="1200" b="1" dirty="0">
+                <a:solidFill>
+                  <a:srgbClr val="5DA2C5"/>
+                </a:solidFill>
+                <a:latin typeface="SHeadG" panose="02030600000101010101" pitchFamily="18" charset="-127"/>
+                <a:ea typeface="SHeadG" panose="02030600000101010101" pitchFamily="18" charset="-127"/>
+              </a:endParaRPr>
+            </a:p>
+          </p:txBody>
+        </p:sp>
+        <p:sp>
+          <p:nvSpPr>
+            <p:cNvPr id="108" name="직사각형 107">
+              <a:extLst>
+                <a:ext uri="{FF2B5EF4-FFF2-40B4-BE49-F238E27FC236}">
+                  <a16:creationId xmlns:a16="http://schemas.microsoft.com/office/drawing/2014/main" id="{DBF97E9A-80FD-2241-BCAD-83081F0B746E}"/>
+                </a:ext>
+              </a:extLst>
+            </p:cNvPr>
+            <p:cNvSpPr/>
+            <p:nvPr/>
+          </p:nvSpPr>
+          <p:spPr>
+            <a:xfrm>
+              <a:off x="5969851" y="1606535"/>
+              <a:ext cx="1408101" cy="276999"/>
+            </a:xfrm>
+            <a:prstGeom prst="rect">
+              <a:avLst/>
+            </a:prstGeom>
+            <a:ln w="25400">
+              <a:solidFill>
+                <a:srgbClr val="5DA2C5"/>
+              </a:solidFill>
+            </a:ln>
+          </p:spPr>
+          <p:style>
+            <a:lnRef idx="1">
+              <a:schemeClr val="accent1"/>
+            </a:lnRef>
+            <a:fillRef idx="0">
+              <a:schemeClr val="accent1"/>
+            </a:fillRef>
+            <a:effectRef idx="0">
+              <a:schemeClr val="accent1"/>
+            </a:effectRef>
+            <a:fontRef idx="minor">
+              <a:schemeClr val="tx1"/>
+            </a:fontRef>
+          </p:style>
+          <p:txBody>
+            <a:bodyPr rtlCol="0" anchor="ctr"/>
+            <a:lstStyle/>
+            <a:p>
+              <a:pPr algn="ctr"/>
+              <a:endParaRPr kumimoji="1" lang="ko-Kore-KR" altLang="en-US"/>
+            </a:p>
+          </p:txBody>
+        </p:sp>
+        <p:sp>
+          <p:nvSpPr>
+            <p:cNvPr id="109" name="TextBox 108">
+              <a:extLst>
+                <a:ext uri="{FF2B5EF4-FFF2-40B4-BE49-F238E27FC236}">
+                  <a16:creationId xmlns:a16="http://schemas.microsoft.com/office/drawing/2014/main" id="{C7A436BA-C3EC-B249-8F19-C68A77EB600A}"/>
+                </a:ext>
+              </a:extLst>
+            </p:cNvPr>
+            <p:cNvSpPr txBox="1"/>
+            <p:nvPr/>
+          </p:nvSpPr>
+          <p:spPr>
+            <a:xfrm>
+              <a:off x="5969850" y="1592129"/>
+              <a:ext cx="1408101" cy="261610"/>
+            </a:xfrm>
+            <a:prstGeom prst="rect">
+              <a:avLst/>
+            </a:prstGeom>
+            <a:noFill/>
+          </p:spPr>
+          <p:txBody>
+            <a:bodyPr wrap="square" rtlCol="0">
+              <a:spAutoFit/>
+            </a:bodyPr>
+            <a:lstStyle/>
+            <a:p>
+              <a:pPr algn="ctr"/>
+              <a:r>
+                <a:rPr kumimoji="1" lang="en-US" altLang="ko-KR" sz="1050" dirty="0">
+                  <a:solidFill>
+                    <a:srgbClr val="5DA2C5"/>
+                  </a:solidFill>
+                  <a:latin typeface="SHeadG" panose="02030600000101010101" pitchFamily="18" charset="-127"/>
+                  <a:ea typeface="SHeadG" panose="02030600000101010101" pitchFamily="18" charset="-127"/>
+                </a:rPr>
+                <a:t>- users</a:t>
+              </a:r>
+              <a:endParaRPr kumimoji="1" lang="ko-Kore-KR" altLang="en-US" sz="1050" dirty="0">
+                <a:solidFill>
+                  <a:srgbClr val="5DA2C5"/>
+                </a:solidFill>
+                <a:latin typeface="SHeadG" panose="02030600000101010101" pitchFamily="18" charset="-127"/>
+                <a:ea typeface="SHeadG" panose="02030600000101010101" pitchFamily="18" charset="-127"/>
+              </a:endParaRPr>
+            </a:p>
+          </p:txBody>
+        </p:sp>
+      </p:grpSp>
+      <p:cxnSp>
+        <p:nvCxnSpPr>
+          <p:cNvPr id="110" name="꺾인 연결선[E] 109">
+            <a:extLst>
+              <a:ext uri="{FF2B5EF4-FFF2-40B4-BE49-F238E27FC236}">
+                <a16:creationId xmlns:a16="http://schemas.microsoft.com/office/drawing/2014/main" id="{84457A36-1568-4343-9F39-D027B542E341}"/>
+              </a:ext>
+            </a:extLst>
+          </p:cNvPr>
+          <p:cNvCxnSpPr>
+            <a:cxnSpLocks/>
+            <a:stCxn id="98" idx="0"/>
+            <a:endCxn id="84" idx="2"/>
+          </p:cNvCxnSpPr>
+          <p:nvPr/>
+        </p:nvCxnSpPr>
+        <p:spPr>
+          <a:xfrm rot="5400000" flipH="1" flipV="1">
+            <a:off x="2495028" y="1857002"/>
+            <a:ext cx="1011172" cy="1053354"/>
+          </a:xfrm>
+          <a:prstGeom prst="bentConnector3">
+            <a:avLst>
+              <a:gd name="adj1" fmla="val 50000"/>
+            </a:avLst>
+          </a:prstGeom>
+          <a:ln w="19050">
+            <a:solidFill>
+              <a:srgbClr val="5DA2C5"/>
+            </a:solidFill>
+            <a:tailEnd type="stealth" w="lg" len="lg"/>
+          </a:ln>
+        </p:spPr>
+        <p:style>
+          <a:lnRef idx="1">
+            <a:schemeClr val="accent1"/>
+          </a:lnRef>
+          <a:fillRef idx="0">
+            <a:schemeClr val="accent1"/>
+          </a:fillRef>
+          <a:effectRef idx="0">
+            <a:schemeClr val="accent1"/>
+          </a:effectRef>
+          <a:fontRef idx="minor">
+            <a:schemeClr val="tx1"/>
+          </a:fontRef>
+        </p:style>
+      </p:cxnSp>
+      <p:cxnSp>
+        <p:nvCxnSpPr>
+          <p:cNvPr id="113" name="꺾인 연결선[E] 112">
+            <a:extLst>
+              <a:ext uri="{FF2B5EF4-FFF2-40B4-BE49-F238E27FC236}">
+                <a16:creationId xmlns:a16="http://schemas.microsoft.com/office/drawing/2014/main" id="{A0819E5D-1E4B-DC42-8F84-6823745AE629}"/>
+              </a:ext>
+            </a:extLst>
+          </p:cNvPr>
+          <p:cNvCxnSpPr>
+            <a:cxnSpLocks/>
+            <a:stCxn id="106" idx="0"/>
+            <a:endCxn id="84" idx="2"/>
+          </p:cNvCxnSpPr>
+          <p:nvPr/>
+        </p:nvCxnSpPr>
+        <p:spPr>
+          <a:xfrm rot="16200000" flipV="1">
+            <a:off x="3590965" y="1814419"/>
+            <a:ext cx="1011172" cy="1138519"/>
+          </a:xfrm>
+          <a:prstGeom prst="bentConnector3">
+            <a:avLst>
+              <a:gd name="adj1" fmla="val 50000"/>
+            </a:avLst>
+          </a:prstGeom>
+          <a:ln w="19050">
+            <a:solidFill>
+              <a:srgbClr val="5DA2C5"/>
+            </a:solidFill>
+            <a:tailEnd type="stealth" w="lg" len="lg"/>
+          </a:ln>
+        </p:spPr>
+        <p:style>
+          <a:lnRef idx="1">
+            <a:schemeClr val="accent1"/>
+          </a:lnRef>
+          <a:fillRef idx="0">
+            <a:schemeClr val="accent1"/>
+          </a:fillRef>
+          <a:effectRef idx="0">
+            <a:schemeClr val="accent1"/>
+          </a:effectRef>
+          <a:fontRef idx="minor">
+            <a:schemeClr val="tx1"/>
+          </a:fontRef>
+        </p:style>
+      </p:cxnSp>
+      <p:grpSp>
+        <p:nvGrpSpPr>
+          <p:cNvPr id="125" name="그룹 124">
+            <a:extLst>
+              <a:ext uri="{FF2B5EF4-FFF2-40B4-BE49-F238E27FC236}">
+                <a16:creationId xmlns:a16="http://schemas.microsoft.com/office/drawing/2014/main" id="{E76C3CE2-8F5D-E34E-BEAC-2440BF444A51}"/>
+              </a:ext>
+            </a:extLst>
+          </p:cNvPr>
+          <p:cNvGrpSpPr/>
+          <p:nvPr/>
+        </p:nvGrpSpPr>
+        <p:grpSpPr>
+          <a:xfrm>
+            <a:off x="6822138" y="1039820"/>
+            <a:ext cx="1408101" cy="539735"/>
+            <a:chOff x="3737640" y="1066800"/>
+            <a:chExt cx="1408101" cy="539735"/>
+          </a:xfrm>
+        </p:grpSpPr>
+        <p:sp>
+          <p:nvSpPr>
+            <p:cNvPr id="126" name="직사각형 125">
+              <a:extLst>
+                <a:ext uri="{FF2B5EF4-FFF2-40B4-BE49-F238E27FC236}">
+                  <a16:creationId xmlns:a16="http://schemas.microsoft.com/office/drawing/2014/main" id="{0D134267-2C59-2940-AA50-EAFFE47EF284}"/>
+                </a:ext>
+              </a:extLst>
+            </p:cNvPr>
+            <p:cNvSpPr/>
+            <p:nvPr/>
+          </p:nvSpPr>
+          <p:spPr>
+            <a:xfrm>
+              <a:off x="3737640" y="1066800"/>
+              <a:ext cx="1408101" cy="539735"/>
+            </a:xfrm>
+            <a:prstGeom prst="rect">
+              <a:avLst/>
+            </a:prstGeom>
+            <a:ln w="25400">
+              <a:solidFill>
+                <a:srgbClr val="5DA2C5"/>
+              </a:solidFill>
+            </a:ln>
+          </p:spPr>
+          <p:style>
+            <a:lnRef idx="1">
+              <a:schemeClr val="accent1"/>
+            </a:lnRef>
+            <a:fillRef idx="0">
+              <a:schemeClr val="accent1"/>
+            </a:fillRef>
+            <a:effectRef idx="0">
+              <a:schemeClr val="accent1"/>
+            </a:effectRef>
+            <a:fontRef idx="minor">
+              <a:schemeClr val="tx1"/>
+            </a:fontRef>
+          </p:style>
+          <p:txBody>
+            <a:bodyPr rtlCol="0" anchor="ctr"/>
+            <a:lstStyle/>
+            <a:p>
+              <a:pPr algn="ctr"/>
+              <a:endParaRPr kumimoji="1" lang="ko-Kore-KR" altLang="en-US"/>
+            </a:p>
+          </p:txBody>
+        </p:sp>
+        <p:sp>
+          <p:nvSpPr>
+            <p:cNvPr id="127" name="TextBox 126">
+              <a:extLst>
+                <a:ext uri="{FF2B5EF4-FFF2-40B4-BE49-F238E27FC236}">
+                  <a16:creationId xmlns:a16="http://schemas.microsoft.com/office/drawing/2014/main" id="{2E60044E-930B-1742-9CBA-4C4235233C53}"/>
+                </a:ext>
+              </a:extLst>
+            </p:cNvPr>
+            <p:cNvSpPr txBox="1"/>
+            <p:nvPr/>
+          </p:nvSpPr>
+          <p:spPr>
+            <a:xfrm>
+              <a:off x="3737640" y="1198167"/>
+              <a:ext cx="1408101" cy="276999"/>
+            </a:xfrm>
+            <a:prstGeom prst="rect">
+              <a:avLst/>
+            </a:prstGeom>
+            <a:noFill/>
+          </p:spPr>
+          <p:txBody>
+            <a:bodyPr wrap="square" rtlCol="0">
+              <a:spAutoFit/>
+            </a:bodyPr>
+            <a:lstStyle/>
+            <a:p>
+              <a:pPr algn="ctr"/>
+              <a:r>
+                <a:rPr kumimoji="1" lang="en-US" altLang="ko-Kore-KR" sz="1200" b="1" dirty="0">
+                  <a:solidFill>
+                    <a:srgbClr val="5DA2C5"/>
+                  </a:solidFill>
+                  <a:latin typeface="SHeadG" panose="02030600000101010101" pitchFamily="18" charset="-127"/>
+                  <a:ea typeface="SHeadG" panose="02030600000101010101" pitchFamily="18" charset="-127"/>
+                </a:rPr>
+                <a:t>User</a:t>
+              </a:r>
+              <a:endParaRPr kumimoji="1" lang="ko-Kore-KR" altLang="en-US" sz="1200" b="1" dirty="0">
+                <a:solidFill>
+                  <a:srgbClr val="5DA2C5"/>
+                </a:solidFill>
+                <a:latin typeface="SHeadG" panose="02030600000101010101" pitchFamily="18" charset="-127"/>
+                <a:ea typeface="SHeadG" panose="02030600000101010101" pitchFamily="18" charset="-127"/>
+              </a:endParaRPr>
+            </a:p>
+          </p:txBody>
+        </p:sp>
+      </p:grpSp>
+      <p:grpSp>
+        <p:nvGrpSpPr>
+          <p:cNvPr id="128" name="그룹 127">
+            <a:extLst>
+              <a:ext uri="{FF2B5EF4-FFF2-40B4-BE49-F238E27FC236}">
+                <a16:creationId xmlns:a16="http://schemas.microsoft.com/office/drawing/2014/main" id="{343C2AE8-9098-D549-978D-97397716F58E}"/>
+              </a:ext>
+            </a:extLst>
+          </p:cNvPr>
+          <p:cNvGrpSpPr/>
+          <p:nvPr/>
+        </p:nvGrpSpPr>
+        <p:grpSpPr>
+          <a:xfrm>
+            <a:off x="9363313" y="1061359"/>
+            <a:ext cx="1408103" cy="816734"/>
+            <a:chOff x="5969850" y="1066800"/>
+            <a:chExt cx="1408103" cy="816734"/>
+          </a:xfrm>
+        </p:grpSpPr>
+        <p:sp>
+          <p:nvSpPr>
+            <p:cNvPr id="129" name="직사각형 128">
+              <a:extLst>
+                <a:ext uri="{FF2B5EF4-FFF2-40B4-BE49-F238E27FC236}">
+                  <a16:creationId xmlns:a16="http://schemas.microsoft.com/office/drawing/2014/main" id="{1E158368-662E-834F-8A8E-8DECB5E04987}"/>
+                </a:ext>
+              </a:extLst>
+            </p:cNvPr>
+            <p:cNvSpPr/>
+            <p:nvPr/>
+          </p:nvSpPr>
+          <p:spPr>
+            <a:xfrm>
+              <a:off x="5969852" y="1066800"/>
+              <a:ext cx="1408101" cy="539735"/>
+            </a:xfrm>
+            <a:prstGeom prst="rect">
+              <a:avLst/>
+            </a:prstGeom>
+            <a:ln w="25400">
+              <a:solidFill>
+                <a:srgbClr val="5DA2C5"/>
+              </a:solidFill>
+            </a:ln>
+          </p:spPr>
+          <p:style>
+            <a:lnRef idx="1">
+              <a:schemeClr val="accent1"/>
+            </a:lnRef>
+            <a:fillRef idx="0">
+              <a:schemeClr val="accent1"/>
+            </a:fillRef>
+            <a:effectRef idx="0">
+              <a:schemeClr val="accent1"/>
+            </a:effectRef>
+            <a:fontRef idx="minor">
+              <a:schemeClr val="tx1"/>
+            </a:fontRef>
+          </p:style>
+          <p:txBody>
+            <a:bodyPr rtlCol="0" anchor="ctr"/>
+            <a:lstStyle/>
+            <a:p>
+              <a:pPr algn="ctr"/>
+              <a:endParaRPr kumimoji="1" lang="ko-Kore-KR" altLang="en-US"/>
+            </a:p>
+          </p:txBody>
+        </p:sp>
+        <p:sp>
+          <p:nvSpPr>
+            <p:cNvPr id="130" name="TextBox 129">
+              <a:extLst>
+                <a:ext uri="{FF2B5EF4-FFF2-40B4-BE49-F238E27FC236}">
+                  <a16:creationId xmlns:a16="http://schemas.microsoft.com/office/drawing/2014/main" id="{3E926772-1A24-824B-8F70-40A713C56172}"/>
+                </a:ext>
+              </a:extLst>
+            </p:cNvPr>
+            <p:cNvSpPr txBox="1"/>
+            <p:nvPr/>
+          </p:nvSpPr>
+          <p:spPr>
+            <a:xfrm>
+              <a:off x="5969850" y="1176630"/>
+              <a:ext cx="1408101" cy="276999"/>
+            </a:xfrm>
+            <a:prstGeom prst="rect">
+              <a:avLst/>
+            </a:prstGeom>
+            <a:noFill/>
+          </p:spPr>
+          <p:txBody>
+            <a:bodyPr wrap="square" rtlCol="0">
+              <a:spAutoFit/>
+            </a:bodyPr>
+            <a:lstStyle/>
+            <a:p>
+              <a:pPr algn="ctr"/>
+              <a:r>
+                <a:rPr kumimoji="1" lang="en-US" altLang="ko-Kore-KR" sz="1200" b="1" dirty="0">
+                  <a:solidFill>
+                    <a:srgbClr val="5DA2C5"/>
+                  </a:solidFill>
+                  <a:latin typeface="SHeadG" panose="02030600000101010101" pitchFamily="18" charset="-127"/>
+                  <a:ea typeface="SHeadG" panose="02030600000101010101" pitchFamily="18" charset="-127"/>
+                </a:rPr>
+                <a:t>Rectangle</a:t>
+              </a:r>
+              <a:endParaRPr kumimoji="1" lang="ko-Kore-KR" altLang="en-US" sz="1200" b="1" dirty="0">
+                <a:solidFill>
+                  <a:srgbClr val="5DA2C5"/>
+                </a:solidFill>
+                <a:latin typeface="SHeadG" panose="02030600000101010101" pitchFamily="18" charset="-127"/>
+                <a:ea typeface="SHeadG" panose="02030600000101010101" pitchFamily="18" charset="-127"/>
+              </a:endParaRPr>
+            </a:p>
+          </p:txBody>
+        </p:sp>
+        <p:sp>
+          <p:nvSpPr>
+            <p:cNvPr id="131" name="직사각형 130">
+              <a:extLst>
+                <a:ext uri="{FF2B5EF4-FFF2-40B4-BE49-F238E27FC236}">
+                  <a16:creationId xmlns:a16="http://schemas.microsoft.com/office/drawing/2014/main" id="{E72A213C-C494-4246-A206-AEB094F21283}"/>
+                </a:ext>
+              </a:extLst>
+            </p:cNvPr>
+            <p:cNvSpPr/>
+            <p:nvPr/>
+          </p:nvSpPr>
+          <p:spPr>
+            <a:xfrm>
+              <a:off x="5969851" y="1606535"/>
+              <a:ext cx="1408101" cy="276999"/>
+            </a:xfrm>
+            <a:prstGeom prst="rect">
+              <a:avLst/>
+            </a:prstGeom>
+            <a:ln w="25400">
+              <a:solidFill>
+                <a:srgbClr val="5DA2C5"/>
+              </a:solidFill>
+            </a:ln>
+          </p:spPr>
+          <p:style>
+            <a:lnRef idx="1">
+              <a:schemeClr val="accent1"/>
+            </a:lnRef>
+            <a:fillRef idx="0">
+              <a:schemeClr val="accent1"/>
+            </a:fillRef>
+            <a:effectRef idx="0">
+              <a:schemeClr val="accent1"/>
+            </a:effectRef>
+            <a:fontRef idx="minor">
+              <a:schemeClr val="tx1"/>
+            </a:fontRef>
+          </p:style>
+          <p:txBody>
+            <a:bodyPr rtlCol="0" anchor="ctr"/>
+            <a:lstStyle/>
+            <a:p>
+              <a:pPr algn="ctr"/>
+              <a:endParaRPr kumimoji="1" lang="ko-Kore-KR" altLang="en-US"/>
+            </a:p>
+          </p:txBody>
+        </p:sp>
+        <p:sp>
+          <p:nvSpPr>
+            <p:cNvPr id="132" name="TextBox 131">
+              <a:extLst>
+                <a:ext uri="{FF2B5EF4-FFF2-40B4-BE49-F238E27FC236}">
+                  <a16:creationId xmlns:a16="http://schemas.microsoft.com/office/drawing/2014/main" id="{1476DC93-8DFD-CE45-9A17-9993F6D29EEA}"/>
+                </a:ext>
+              </a:extLst>
+            </p:cNvPr>
+            <p:cNvSpPr txBox="1"/>
+            <p:nvPr/>
+          </p:nvSpPr>
+          <p:spPr>
+            <a:xfrm>
+              <a:off x="5969850" y="1592129"/>
+              <a:ext cx="1408101" cy="261610"/>
+            </a:xfrm>
+            <a:prstGeom prst="rect">
+              <a:avLst/>
+            </a:prstGeom>
+            <a:noFill/>
+          </p:spPr>
+          <p:txBody>
+            <a:bodyPr wrap="square" rtlCol="0">
+              <a:spAutoFit/>
+            </a:bodyPr>
+            <a:lstStyle/>
+            <a:p>
+              <a:pPr algn="ctr"/>
+              <a:r>
+                <a:rPr kumimoji="1" lang="en-US" altLang="ko-KR" sz="1050" dirty="0">
+                  <a:solidFill>
+                    <a:srgbClr val="5DA2C5"/>
+                  </a:solidFill>
+                  <a:latin typeface="SHeadG" panose="02030600000101010101" pitchFamily="18" charset="-127"/>
+                  <a:ea typeface="SHeadG" panose="02030600000101010101" pitchFamily="18" charset="-127"/>
+                </a:rPr>
+                <a:t>+ </a:t>
+              </a:r>
+              <a:r>
+                <a:rPr kumimoji="1" lang="en-US" altLang="ko-KR" sz="1050" dirty="0" err="1">
+                  <a:solidFill>
+                    <a:srgbClr val="5DA2C5"/>
+                  </a:solidFill>
+                  <a:latin typeface="SHeadG" panose="02030600000101010101" pitchFamily="18" charset="-127"/>
+                  <a:ea typeface="SHeadG" panose="02030600000101010101" pitchFamily="18" charset="-127"/>
+                </a:rPr>
+                <a:t>setH</a:t>
+              </a:r>
+              <a:r>
+                <a:rPr kumimoji="1" lang="en-US" altLang="ko-KR" sz="1050" dirty="0">
+                  <a:solidFill>
+                    <a:srgbClr val="5DA2C5"/>
+                  </a:solidFill>
+                  <a:latin typeface="SHeadG" panose="02030600000101010101" pitchFamily="18" charset="-127"/>
+                  <a:ea typeface="SHeadG" panose="02030600000101010101" pitchFamily="18" charset="-127"/>
+                </a:rPr>
+                <a:t>, +</a:t>
+              </a:r>
+              <a:r>
+                <a:rPr kumimoji="1" lang="en-US" altLang="ko-KR" sz="1050" dirty="0" err="1">
+                  <a:solidFill>
+                    <a:srgbClr val="5DA2C5"/>
+                  </a:solidFill>
+                  <a:latin typeface="SHeadG" panose="02030600000101010101" pitchFamily="18" charset="-127"/>
+                  <a:ea typeface="SHeadG" panose="02030600000101010101" pitchFamily="18" charset="-127"/>
+                </a:rPr>
+                <a:t>setW</a:t>
+              </a:r>
+              <a:endParaRPr kumimoji="1" lang="ko-Kore-KR" altLang="en-US" sz="1050" dirty="0">
+                <a:solidFill>
+                  <a:srgbClr val="5DA2C5"/>
+                </a:solidFill>
+                <a:latin typeface="SHeadG" panose="02030600000101010101" pitchFamily="18" charset="-127"/>
+                <a:ea typeface="SHeadG" panose="02030600000101010101" pitchFamily="18" charset="-127"/>
+              </a:endParaRPr>
+            </a:p>
+          </p:txBody>
+        </p:sp>
+      </p:grpSp>
+      <p:grpSp>
+        <p:nvGrpSpPr>
+          <p:cNvPr id="133" name="그룹 132">
+            <a:extLst>
+              <a:ext uri="{FF2B5EF4-FFF2-40B4-BE49-F238E27FC236}">
+                <a16:creationId xmlns:a16="http://schemas.microsoft.com/office/drawing/2014/main" id="{0165C888-D3F0-C242-BA6F-86ABCCA8518E}"/>
+              </a:ext>
+            </a:extLst>
+          </p:cNvPr>
+          <p:cNvGrpSpPr/>
+          <p:nvPr/>
+        </p:nvGrpSpPr>
+        <p:grpSpPr>
+          <a:xfrm>
+            <a:off x="9363313" y="2573230"/>
+            <a:ext cx="1408103" cy="816734"/>
+            <a:chOff x="5969850" y="1066800"/>
+            <a:chExt cx="1408103" cy="816734"/>
+          </a:xfrm>
+        </p:grpSpPr>
+        <p:sp>
+          <p:nvSpPr>
+            <p:cNvPr id="134" name="직사각형 133">
+              <a:extLst>
+                <a:ext uri="{FF2B5EF4-FFF2-40B4-BE49-F238E27FC236}">
+                  <a16:creationId xmlns:a16="http://schemas.microsoft.com/office/drawing/2014/main" id="{9C0EF632-FD85-324B-9C05-2525428FB118}"/>
+                </a:ext>
+              </a:extLst>
+            </p:cNvPr>
+            <p:cNvSpPr/>
+            <p:nvPr/>
+          </p:nvSpPr>
+          <p:spPr>
+            <a:xfrm>
+              <a:off x="5969852" y="1066800"/>
+              <a:ext cx="1408101" cy="539735"/>
+            </a:xfrm>
+            <a:prstGeom prst="rect">
+              <a:avLst/>
+            </a:prstGeom>
+            <a:ln w="25400">
+              <a:solidFill>
+                <a:srgbClr val="5DA2C5"/>
+              </a:solidFill>
+            </a:ln>
+          </p:spPr>
+          <p:style>
+            <a:lnRef idx="1">
+              <a:schemeClr val="accent1"/>
+            </a:lnRef>
+            <a:fillRef idx="0">
+              <a:schemeClr val="accent1"/>
+            </a:fillRef>
+            <a:effectRef idx="0">
+              <a:schemeClr val="accent1"/>
+            </a:effectRef>
+            <a:fontRef idx="minor">
+              <a:schemeClr val="tx1"/>
+            </a:fontRef>
+          </p:style>
+          <p:txBody>
+            <a:bodyPr rtlCol="0" anchor="ctr"/>
+            <a:lstStyle/>
+            <a:p>
+              <a:pPr algn="ctr"/>
+              <a:endParaRPr kumimoji="1" lang="ko-Kore-KR" altLang="en-US"/>
+            </a:p>
+          </p:txBody>
+        </p:sp>
+        <p:sp>
+          <p:nvSpPr>
+            <p:cNvPr id="135" name="TextBox 134">
+              <a:extLst>
+                <a:ext uri="{FF2B5EF4-FFF2-40B4-BE49-F238E27FC236}">
+                  <a16:creationId xmlns:a16="http://schemas.microsoft.com/office/drawing/2014/main" id="{79574858-57F2-0C43-9A3D-6C0FF717DCA2}"/>
+                </a:ext>
+              </a:extLst>
+            </p:cNvPr>
+            <p:cNvSpPr txBox="1"/>
+            <p:nvPr/>
+          </p:nvSpPr>
+          <p:spPr>
+            <a:xfrm>
+              <a:off x="5969850" y="1176630"/>
+              <a:ext cx="1408101" cy="276999"/>
+            </a:xfrm>
+            <a:prstGeom prst="rect">
+              <a:avLst/>
+            </a:prstGeom>
+            <a:noFill/>
+          </p:spPr>
+          <p:txBody>
+            <a:bodyPr wrap="square" rtlCol="0">
+              <a:spAutoFit/>
+            </a:bodyPr>
+            <a:lstStyle/>
+            <a:p>
+              <a:pPr algn="ctr"/>
+              <a:r>
+                <a:rPr kumimoji="1" lang="en-US" altLang="ko-Kore-KR" sz="1200" b="1" dirty="0">
+                  <a:solidFill>
+                    <a:srgbClr val="5DA2C5"/>
+                  </a:solidFill>
+                  <a:latin typeface="SHeadG" panose="02030600000101010101" pitchFamily="18" charset="-127"/>
+                  <a:ea typeface="SHeadG" panose="02030600000101010101" pitchFamily="18" charset="-127"/>
+                </a:rPr>
+                <a:t>Square</a:t>
+              </a:r>
+              <a:endParaRPr kumimoji="1" lang="ko-Kore-KR" altLang="en-US" sz="1200" b="1" dirty="0">
+                <a:solidFill>
+                  <a:srgbClr val="5DA2C5"/>
+                </a:solidFill>
+                <a:latin typeface="SHeadG" panose="02030600000101010101" pitchFamily="18" charset="-127"/>
+                <a:ea typeface="SHeadG" panose="02030600000101010101" pitchFamily="18" charset="-127"/>
+              </a:endParaRPr>
+            </a:p>
+          </p:txBody>
+        </p:sp>
+        <p:sp>
+          <p:nvSpPr>
+            <p:cNvPr id="136" name="직사각형 135">
+              <a:extLst>
+                <a:ext uri="{FF2B5EF4-FFF2-40B4-BE49-F238E27FC236}">
+                  <a16:creationId xmlns:a16="http://schemas.microsoft.com/office/drawing/2014/main" id="{B157304A-41D9-B840-99BE-D342148191FD}"/>
+                </a:ext>
+              </a:extLst>
+            </p:cNvPr>
+            <p:cNvSpPr/>
+            <p:nvPr/>
+          </p:nvSpPr>
+          <p:spPr>
+            <a:xfrm>
+              <a:off x="5969851" y="1606535"/>
+              <a:ext cx="1408101" cy="276999"/>
+            </a:xfrm>
+            <a:prstGeom prst="rect">
+              <a:avLst/>
+            </a:prstGeom>
+            <a:ln w="25400">
+              <a:solidFill>
+                <a:srgbClr val="5DA2C5"/>
+              </a:solidFill>
+            </a:ln>
+          </p:spPr>
+          <p:style>
+            <a:lnRef idx="1">
+              <a:schemeClr val="accent1"/>
+            </a:lnRef>
+            <a:fillRef idx="0">
+              <a:schemeClr val="accent1"/>
+            </a:fillRef>
+            <a:effectRef idx="0">
+              <a:schemeClr val="accent1"/>
+            </a:effectRef>
+            <a:fontRef idx="minor">
+              <a:schemeClr val="tx1"/>
+            </a:fontRef>
+          </p:style>
+          <p:txBody>
+            <a:bodyPr rtlCol="0" anchor="ctr"/>
+            <a:lstStyle/>
+            <a:p>
+              <a:pPr algn="ctr"/>
+              <a:endParaRPr kumimoji="1" lang="ko-Kore-KR" altLang="en-US"/>
+            </a:p>
+          </p:txBody>
+        </p:sp>
+        <p:sp>
+          <p:nvSpPr>
+            <p:cNvPr id="137" name="TextBox 136">
+              <a:extLst>
+                <a:ext uri="{FF2B5EF4-FFF2-40B4-BE49-F238E27FC236}">
+                  <a16:creationId xmlns:a16="http://schemas.microsoft.com/office/drawing/2014/main" id="{6C62793E-7760-974C-A0CB-9541822B8956}"/>
+                </a:ext>
+              </a:extLst>
+            </p:cNvPr>
+            <p:cNvSpPr txBox="1"/>
+            <p:nvPr/>
+          </p:nvSpPr>
+          <p:spPr>
+            <a:xfrm>
+              <a:off x="5969850" y="1592129"/>
+              <a:ext cx="1408101" cy="261610"/>
+            </a:xfrm>
+            <a:prstGeom prst="rect">
+              <a:avLst/>
+            </a:prstGeom>
+            <a:noFill/>
+          </p:spPr>
+          <p:txBody>
+            <a:bodyPr wrap="square" rtlCol="0">
+              <a:spAutoFit/>
+            </a:bodyPr>
+            <a:lstStyle/>
+            <a:p>
+              <a:pPr algn="ctr"/>
+              <a:r>
+                <a:rPr kumimoji="1" lang="en-US" altLang="ko-KR" sz="1050" dirty="0">
+                  <a:solidFill>
+                    <a:srgbClr val="5DA2C5"/>
+                  </a:solidFill>
+                  <a:latin typeface="SHeadG" panose="02030600000101010101" pitchFamily="18" charset="-127"/>
+                  <a:ea typeface="SHeadG" panose="02030600000101010101" pitchFamily="18" charset="-127"/>
+                </a:rPr>
+                <a:t>+ </a:t>
+              </a:r>
+              <a:r>
+                <a:rPr kumimoji="1" lang="en-US" altLang="ko-KR" sz="1050" dirty="0" err="1">
+                  <a:solidFill>
+                    <a:srgbClr val="5DA2C5"/>
+                  </a:solidFill>
+                  <a:latin typeface="SHeadG" panose="02030600000101010101" pitchFamily="18" charset="-127"/>
+                  <a:ea typeface="SHeadG" panose="02030600000101010101" pitchFamily="18" charset="-127"/>
+                </a:rPr>
+                <a:t>setSide</a:t>
+              </a:r>
+              <a:endParaRPr kumimoji="1" lang="ko-Kore-KR" altLang="en-US" sz="1050" dirty="0">
+                <a:solidFill>
+                  <a:srgbClr val="5DA2C5"/>
+                </a:solidFill>
+                <a:latin typeface="SHeadG" panose="02030600000101010101" pitchFamily="18" charset="-127"/>
+                <a:ea typeface="SHeadG" panose="02030600000101010101" pitchFamily="18" charset="-127"/>
+              </a:endParaRPr>
+            </a:p>
+          </p:txBody>
+        </p:sp>
+      </p:grpSp>
+      <p:cxnSp>
+        <p:nvCxnSpPr>
+          <p:cNvPr id="30" name="직선 화살표 연결선 29">
+            <a:extLst>
+              <a:ext uri="{FF2B5EF4-FFF2-40B4-BE49-F238E27FC236}">
+                <a16:creationId xmlns:a16="http://schemas.microsoft.com/office/drawing/2014/main" id="{E53DF12E-A656-F64C-BB9C-8443B6D15F24}"/>
+              </a:ext>
+            </a:extLst>
+          </p:cNvPr>
+          <p:cNvCxnSpPr>
+            <a:cxnSpLocks/>
+            <a:stCxn id="127" idx="3"/>
+            <a:endCxn id="130" idx="1"/>
+          </p:cNvCxnSpPr>
+          <p:nvPr/>
+        </p:nvCxnSpPr>
+        <p:spPr>
+          <a:xfrm>
+            <a:off x="8230239" y="1309687"/>
+            <a:ext cx="1133074" cy="2"/>
+          </a:xfrm>
+          <a:prstGeom prst="straightConnector1">
+            <a:avLst/>
+          </a:prstGeom>
+          <a:ln w="19050">
+            <a:solidFill>
+              <a:srgbClr val="5DA2C5"/>
+            </a:solidFill>
+            <a:tailEnd type="stealth" w="lg" len="lg"/>
+          </a:ln>
+        </p:spPr>
+        <p:style>
+          <a:lnRef idx="1">
+            <a:schemeClr val="accent1"/>
+          </a:lnRef>
+          <a:fillRef idx="0">
+            <a:schemeClr val="accent1"/>
+          </a:fillRef>
+          <a:effectRef idx="0">
+            <a:schemeClr val="accent1"/>
+          </a:effectRef>
+          <a:fontRef idx="minor">
+            <a:schemeClr val="tx1"/>
+          </a:fontRef>
+        </p:style>
+      </p:cxnSp>
+      <p:cxnSp>
+        <p:nvCxnSpPr>
+          <p:cNvPr id="145" name="직선 화살표 연결선 144">
+            <a:extLst>
+              <a:ext uri="{FF2B5EF4-FFF2-40B4-BE49-F238E27FC236}">
+                <a16:creationId xmlns:a16="http://schemas.microsoft.com/office/drawing/2014/main" id="{9A3755C9-4BE8-A643-96D4-75C7B801DB5F}"/>
+              </a:ext>
+            </a:extLst>
+          </p:cNvPr>
+          <p:cNvCxnSpPr>
+            <a:cxnSpLocks/>
+            <a:stCxn id="134" idx="0"/>
+            <a:endCxn id="131" idx="2"/>
+          </p:cNvCxnSpPr>
+          <p:nvPr/>
+        </p:nvCxnSpPr>
+        <p:spPr>
+          <a:xfrm flipH="1" flipV="1">
+            <a:off x="10067365" y="1878093"/>
+            <a:ext cx="1" cy="695137"/>
+          </a:xfrm>
+          <a:prstGeom prst="straightConnector1">
+            <a:avLst/>
+          </a:prstGeom>
+          <a:ln w="19050">
+            <a:solidFill>
+              <a:srgbClr val="5DA2C5"/>
+            </a:solidFill>
+            <a:tailEnd type="stealth" w="lg" len="lg"/>
+          </a:ln>
+        </p:spPr>
+        <p:style>
+          <a:lnRef idx="1">
+            <a:schemeClr val="accent1"/>
+          </a:lnRef>
+          <a:fillRef idx="0">
+            <a:schemeClr val="accent1"/>
+          </a:fillRef>
+          <a:effectRef idx="0">
+            <a:schemeClr val="accent1"/>
+          </a:effectRef>
+          <a:fontRef idx="minor">
+            <a:schemeClr val="tx1"/>
+          </a:fontRef>
+        </p:style>
+      </p:cxnSp>
+    </p:spTree>
+    <p:extLst>
+      <p:ext uri="{BB962C8B-B14F-4D97-AF65-F5344CB8AC3E}">
+        <p14:creationId xmlns:p14="http://schemas.microsoft.com/office/powerpoint/2010/main" val="2116868383"/>
+      </p:ext>
+    </p:extLst>
+  </p:cSld>
+  <p:clrMapOvr>
+    <a:masterClrMapping/>
+  </p:clrMapOvr>
+</p:sld>
+</file>
+
+<file path=ppt/slides/slide5.xml><?xml version="1.0" encoding="utf-8"?>
+<p:sld xmlns:a="http://schemas.openxmlformats.org/drawingml/2006/main" xmlns:r="http://schemas.openxmlformats.org/officeDocument/2006/relationships" xmlns:p="http://schemas.openxmlformats.org/presentationml/2006/main">
+  <p:cSld>
+    <p:spTree>
+      <p:nvGrpSpPr>
+        <p:cNvPr id="1" name=""/>
+        <p:cNvGrpSpPr/>
+        <p:nvPr/>
+      </p:nvGrpSpPr>
+      <p:grpSpPr>
+        <a:xfrm>
+          <a:off x="0" y="0"/>
+          <a:ext cx="0" cy="0"/>
+          <a:chOff x="0" y="0"/>
+          <a:chExt cx="0" cy="0"/>
+        </a:xfrm>
+      </p:grpSpPr>
+      <p:grpSp>
+        <p:nvGrpSpPr>
+          <p:cNvPr id="9" name="그룹 8">
+            <a:extLst>
+              <a:ext uri="{FF2B5EF4-FFF2-40B4-BE49-F238E27FC236}">
+                <a16:creationId xmlns:a16="http://schemas.microsoft.com/office/drawing/2014/main" id="{0E2D6F37-D84B-FE42-8B15-4F990E696FB6}"/>
+              </a:ext>
+            </a:extLst>
+          </p:cNvPr>
+          <p:cNvGrpSpPr/>
+          <p:nvPr/>
+        </p:nvGrpSpPr>
+        <p:grpSpPr>
+          <a:xfrm>
+            <a:off x="716534" y="1043429"/>
+            <a:ext cx="1408101" cy="539735"/>
+            <a:chOff x="3737640" y="1066800"/>
+            <a:chExt cx="1408101" cy="539735"/>
+          </a:xfrm>
+        </p:grpSpPr>
+        <p:sp>
+          <p:nvSpPr>
+            <p:cNvPr id="79" name="직사각형 78">
+              <a:extLst>
+                <a:ext uri="{FF2B5EF4-FFF2-40B4-BE49-F238E27FC236}">
+                  <a16:creationId xmlns:a16="http://schemas.microsoft.com/office/drawing/2014/main" id="{7D70D49A-F084-EB47-8457-596B651650E3}"/>
+                </a:ext>
+              </a:extLst>
+            </p:cNvPr>
+            <p:cNvSpPr/>
+            <p:nvPr/>
+          </p:nvSpPr>
+          <p:spPr>
+            <a:xfrm>
+              <a:off x="3737640" y="1066800"/>
+              <a:ext cx="1408101" cy="539735"/>
+            </a:xfrm>
+            <a:prstGeom prst="rect">
+              <a:avLst/>
+            </a:prstGeom>
+            <a:ln w="25400">
+              <a:solidFill>
+                <a:srgbClr val="5DA2C5"/>
+              </a:solidFill>
+            </a:ln>
+          </p:spPr>
+          <p:style>
+            <a:lnRef idx="1">
+              <a:schemeClr val="accent1"/>
+            </a:lnRef>
+            <a:fillRef idx="0">
+              <a:schemeClr val="accent1"/>
+            </a:fillRef>
+            <a:effectRef idx="0">
+              <a:schemeClr val="accent1"/>
+            </a:effectRef>
+            <a:fontRef idx="minor">
+              <a:schemeClr val="tx1"/>
+            </a:fontRef>
+          </p:style>
+          <p:txBody>
+            <a:bodyPr rtlCol="0" anchor="ctr"/>
+            <a:lstStyle/>
+            <a:p>
+              <a:pPr algn="ctr"/>
+              <a:endParaRPr kumimoji="1" lang="ko-Kore-KR" altLang="en-US"/>
+            </a:p>
+          </p:txBody>
+        </p:sp>
+        <p:sp>
+          <p:nvSpPr>
+            <p:cNvPr id="80" name="TextBox 79">
+              <a:extLst>
+                <a:ext uri="{FF2B5EF4-FFF2-40B4-BE49-F238E27FC236}">
+                  <a16:creationId xmlns:a16="http://schemas.microsoft.com/office/drawing/2014/main" id="{20ACFF1F-FA4D-B948-BA72-C7152AB14B1F}"/>
+                </a:ext>
+              </a:extLst>
+            </p:cNvPr>
+            <p:cNvSpPr txBox="1"/>
+            <p:nvPr/>
+          </p:nvSpPr>
+          <p:spPr>
+            <a:xfrm>
+              <a:off x="3737640" y="1198167"/>
+              <a:ext cx="1408101" cy="276999"/>
+            </a:xfrm>
+            <a:prstGeom prst="rect">
+              <a:avLst/>
+            </a:prstGeom>
+            <a:noFill/>
+          </p:spPr>
+          <p:txBody>
+            <a:bodyPr wrap="square" rtlCol="0">
+              <a:spAutoFit/>
+            </a:bodyPr>
+            <a:lstStyle/>
+            <a:p>
+              <a:pPr algn="ctr"/>
+              <a:r>
+                <a:rPr kumimoji="1" lang="en-US" altLang="ko-Kore-KR" sz="1200" b="1" dirty="0">
+                  <a:solidFill>
+                    <a:srgbClr val="5DA2C5"/>
+                  </a:solidFill>
+                  <a:latin typeface="SHeadG" panose="02030600000101010101" pitchFamily="18" charset="-127"/>
+                  <a:ea typeface="SHeadG" panose="02030600000101010101" pitchFamily="18" charset="-127"/>
+                </a:rPr>
+                <a:t>User1</a:t>
+              </a:r>
+              <a:endParaRPr kumimoji="1" lang="ko-Kore-KR" altLang="en-US" sz="1200" b="1" dirty="0">
+                <a:solidFill>
+                  <a:srgbClr val="5DA2C5"/>
+                </a:solidFill>
+                <a:latin typeface="SHeadG" panose="02030600000101010101" pitchFamily="18" charset="-127"/>
+                <a:ea typeface="SHeadG" panose="02030600000101010101" pitchFamily="18" charset="-127"/>
+              </a:endParaRPr>
+            </a:p>
+          </p:txBody>
+        </p:sp>
+      </p:grpSp>
+      <p:cxnSp>
+        <p:nvCxnSpPr>
+          <p:cNvPr id="90" name="꺾인 연결선[E] 89">
+            <a:extLst>
+              <a:ext uri="{FF2B5EF4-FFF2-40B4-BE49-F238E27FC236}">
+                <a16:creationId xmlns:a16="http://schemas.microsoft.com/office/drawing/2014/main" id="{2377CFB0-498E-E949-BB63-DA380166CBE9}"/>
+              </a:ext>
+            </a:extLst>
+          </p:cNvPr>
+          <p:cNvCxnSpPr>
+            <a:cxnSpLocks/>
+            <a:stCxn id="79" idx="2"/>
+            <a:endCxn id="37" idx="1"/>
+          </p:cNvCxnSpPr>
+          <p:nvPr/>
+        </p:nvCxnSpPr>
+        <p:spPr>
+          <a:xfrm rot="16200000" flipH="1">
+            <a:off x="1414611" y="1589137"/>
+            <a:ext cx="1029120" cy="1017173"/>
+          </a:xfrm>
+          <a:prstGeom prst="bentConnector2">
+            <a:avLst/>
+          </a:prstGeom>
+          <a:ln w="19050">
+            <a:solidFill>
+              <a:srgbClr val="5DA2C5"/>
+            </a:solidFill>
+            <a:tailEnd type="stealth" w="lg" len="lg"/>
+          </a:ln>
+        </p:spPr>
+        <p:style>
+          <a:lnRef idx="1">
+            <a:schemeClr val="accent1"/>
+          </a:lnRef>
+          <a:fillRef idx="0">
+            <a:schemeClr val="accent1"/>
+          </a:fillRef>
+          <a:effectRef idx="0">
+            <a:schemeClr val="accent1"/>
+          </a:effectRef>
+          <a:fontRef idx="minor">
+            <a:schemeClr val="tx1"/>
+          </a:fontRef>
+        </p:style>
+      </p:cxnSp>
+      <p:grpSp>
+        <p:nvGrpSpPr>
+          <p:cNvPr id="36" name="그룹 35">
+            <a:extLst>
+              <a:ext uri="{FF2B5EF4-FFF2-40B4-BE49-F238E27FC236}">
+                <a16:creationId xmlns:a16="http://schemas.microsoft.com/office/drawing/2014/main" id="{72D8A0F5-2E1B-8840-9EFC-A2C54E5520D9}"/>
+              </a:ext>
+            </a:extLst>
+          </p:cNvPr>
+          <p:cNvGrpSpPr/>
+          <p:nvPr/>
+        </p:nvGrpSpPr>
+        <p:grpSpPr>
+          <a:xfrm>
+            <a:off x="2437756" y="2342416"/>
+            <a:ext cx="1408103" cy="816734"/>
+            <a:chOff x="5969850" y="1066800"/>
+            <a:chExt cx="1408103" cy="816734"/>
+          </a:xfrm>
+        </p:grpSpPr>
+        <p:sp>
+          <p:nvSpPr>
+            <p:cNvPr id="37" name="직사각형 36">
+              <a:extLst>
+                <a:ext uri="{FF2B5EF4-FFF2-40B4-BE49-F238E27FC236}">
+                  <a16:creationId xmlns:a16="http://schemas.microsoft.com/office/drawing/2014/main" id="{52B682B5-234A-2A4D-8DEE-BB6F309D29E0}"/>
+                </a:ext>
+              </a:extLst>
+            </p:cNvPr>
+            <p:cNvSpPr/>
+            <p:nvPr/>
+          </p:nvSpPr>
+          <p:spPr>
+            <a:xfrm>
+              <a:off x="5969852" y="1066800"/>
+              <a:ext cx="1408101" cy="539735"/>
+            </a:xfrm>
+            <a:prstGeom prst="rect">
+              <a:avLst/>
+            </a:prstGeom>
+            <a:ln w="25400">
+              <a:solidFill>
+                <a:srgbClr val="5DA2C5"/>
+              </a:solidFill>
+            </a:ln>
+          </p:spPr>
+          <p:style>
+            <a:lnRef idx="1">
+              <a:schemeClr val="accent1"/>
+            </a:lnRef>
+            <a:fillRef idx="0">
+              <a:schemeClr val="accent1"/>
+            </a:fillRef>
+            <a:effectRef idx="0">
+              <a:schemeClr val="accent1"/>
+            </a:effectRef>
+            <a:fontRef idx="minor">
+              <a:schemeClr val="tx1"/>
+            </a:fontRef>
+          </p:style>
+          <p:txBody>
+            <a:bodyPr rtlCol="0" anchor="ctr"/>
+            <a:lstStyle/>
+            <a:p>
+              <a:pPr algn="ctr"/>
+              <a:endParaRPr kumimoji="1" lang="ko-Kore-KR" altLang="en-US"/>
+            </a:p>
+          </p:txBody>
+        </p:sp>
+        <p:sp>
+          <p:nvSpPr>
+            <p:cNvPr id="38" name="TextBox 37">
+              <a:extLst>
+                <a:ext uri="{FF2B5EF4-FFF2-40B4-BE49-F238E27FC236}">
+                  <a16:creationId xmlns:a16="http://schemas.microsoft.com/office/drawing/2014/main" id="{92DCC1B3-28A1-2F44-B176-AE7A64E61A16}"/>
+                </a:ext>
+              </a:extLst>
+            </p:cNvPr>
+            <p:cNvSpPr txBox="1"/>
+            <p:nvPr/>
+          </p:nvSpPr>
+          <p:spPr>
+            <a:xfrm>
+              <a:off x="6113930" y="1206425"/>
+              <a:ext cx="1165411" cy="276999"/>
+            </a:xfrm>
+            <a:prstGeom prst="rect">
+              <a:avLst/>
+            </a:prstGeom>
+            <a:noFill/>
+          </p:spPr>
+          <p:txBody>
+            <a:bodyPr wrap="square" rtlCol="0">
+              <a:spAutoFit/>
+            </a:bodyPr>
+            <a:lstStyle/>
+            <a:p>
+              <a:pPr algn="ctr"/>
+              <a:r>
+                <a:rPr kumimoji="1" lang="en-US" altLang="ko-Kore-KR" sz="1200" b="1" dirty="0">
+                  <a:solidFill>
+                    <a:srgbClr val="5DA2C5"/>
+                  </a:solidFill>
+                  <a:latin typeface="SHeadG" panose="02030600000101010101" pitchFamily="18" charset="-127"/>
+                  <a:ea typeface="SHeadG" panose="02030600000101010101" pitchFamily="18" charset="-127"/>
+                </a:rPr>
+                <a:t>OPS</a:t>
+              </a:r>
+              <a:endParaRPr kumimoji="1" lang="ko-Kore-KR" altLang="en-US" sz="1200" b="1" dirty="0">
+                <a:solidFill>
+                  <a:srgbClr val="5DA2C5"/>
+                </a:solidFill>
+                <a:latin typeface="SHeadG" panose="02030600000101010101" pitchFamily="18" charset="-127"/>
+                <a:ea typeface="SHeadG" panose="02030600000101010101" pitchFamily="18" charset="-127"/>
+              </a:endParaRPr>
+            </a:p>
+          </p:txBody>
+        </p:sp>
+        <p:sp>
+          <p:nvSpPr>
+            <p:cNvPr id="39" name="직사각형 38">
+              <a:extLst>
+                <a:ext uri="{FF2B5EF4-FFF2-40B4-BE49-F238E27FC236}">
+                  <a16:creationId xmlns:a16="http://schemas.microsoft.com/office/drawing/2014/main" id="{C604A2D6-2C66-F84C-9BEF-B2B65D0ED06A}"/>
+                </a:ext>
+              </a:extLst>
+            </p:cNvPr>
+            <p:cNvSpPr/>
+            <p:nvPr/>
+          </p:nvSpPr>
+          <p:spPr>
+            <a:xfrm>
+              <a:off x="5969851" y="1606535"/>
+              <a:ext cx="1408101" cy="276999"/>
+            </a:xfrm>
+            <a:prstGeom prst="rect">
+              <a:avLst/>
+            </a:prstGeom>
+            <a:ln w="25400">
+              <a:solidFill>
+                <a:srgbClr val="5DA2C5"/>
+              </a:solidFill>
+            </a:ln>
+          </p:spPr>
+          <p:style>
+            <a:lnRef idx="1">
+              <a:schemeClr val="accent1"/>
+            </a:lnRef>
+            <a:fillRef idx="0">
+              <a:schemeClr val="accent1"/>
+            </a:fillRef>
+            <a:effectRef idx="0">
+              <a:schemeClr val="accent1"/>
+            </a:effectRef>
+            <a:fontRef idx="minor">
+              <a:schemeClr val="tx1"/>
+            </a:fontRef>
+          </p:style>
+          <p:txBody>
+            <a:bodyPr rtlCol="0" anchor="ctr"/>
+            <a:lstStyle/>
+            <a:p>
+              <a:pPr algn="ctr"/>
+              <a:endParaRPr kumimoji="1" lang="ko-Kore-KR" altLang="en-US"/>
+            </a:p>
+          </p:txBody>
+        </p:sp>
+        <p:sp>
+          <p:nvSpPr>
+            <p:cNvPr id="40" name="TextBox 39">
+              <a:extLst>
+                <a:ext uri="{FF2B5EF4-FFF2-40B4-BE49-F238E27FC236}">
+                  <a16:creationId xmlns:a16="http://schemas.microsoft.com/office/drawing/2014/main" id="{4DBFB341-5C27-9049-8F8D-46EF3309D2AF}"/>
+                </a:ext>
+              </a:extLst>
+            </p:cNvPr>
+            <p:cNvSpPr txBox="1"/>
+            <p:nvPr/>
+          </p:nvSpPr>
+          <p:spPr>
+            <a:xfrm>
+              <a:off x="5969850" y="1592129"/>
+              <a:ext cx="1408101" cy="261610"/>
+            </a:xfrm>
+            <a:prstGeom prst="rect">
+              <a:avLst/>
+            </a:prstGeom>
+            <a:noFill/>
+          </p:spPr>
+          <p:txBody>
+            <a:bodyPr wrap="square" rtlCol="0">
+              <a:spAutoFit/>
+            </a:bodyPr>
+            <a:lstStyle/>
+            <a:p>
+              <a:pPr algn="ctr"/>
+              <a:r>
+                <a:rPr kumimoji="1" lang="en-US" altLang="ko-KR" sz="1050" dirty="0">
+                  <a:solidFill>
+                    <a:srgbClr val="5DA2C5"/>
+                  </a:solidFill>
+                  <a:latin typeface="SHeadG" panose="02030600000101010101" pitchFamily="18" charset="-127"/>
+                  <a:ea typeface="SHeadG" panose="02030600000101010101" pitchFamily="18" charset="-127"/>
+                </a:rPr>
+                <a:t>+op1  +op2  +op3</a:t>
+              </a:r>
+              <a:endParaRPr kumimoji="1" lang="ko-Kore-KR" altLang="en-US" sz="1050" dirty="0">
+                <a:solidFill>
+                  <a:srgbClr val="5DA2C5"/>
+                </a:solidFill>
+                <a:latin typeface="SHeadG" panose="02030600000101010101" pitchFamily="18" charset="-127"/>
+                <a:ea typeface="SHeadG" panose="02030600000101010101" pitchFamily="18" charset="-127"/>
+              </a:endParaRPr>
+            </a:p>
+          </p:txBody>
+        </p:sp>
+      </p:grpSp>
+      <p:grpSp>
+        <p:nvGrpSpPr>
+          <p:cNvPr id="43" name="그룹 42">
+            <a:extLst>
+              <a:ext uri="{FF2B5EF4-FFF2-40B4-BE49-F238E27FC236}">
+                <a16:creationId xmlns:a16="http://schemas.microsoft.com/office/drawing/2014/main" id="{3E4C8662-9803-E044-A0A5-2A7241FE40C5}"/>
+              </a:ext>
+            </a:extLst>
+          </p:cNvPr>
+          <p:cNvGrpSpPr/>
+          <p:nvPr/>
+        </p:nvGrpSpPr>
+        <p:grpSpPr>
+          <a:xfrm>
+            <a:off x="2428793" y="1043429"/>
+            <a:ext cx="1408101" cy="539735"/>
+            <a:chOff x="3737640" y="1066800"/>
+            <a:chExt cx="1408101" cy="539735"/>
+          </a:xfrm>
+        </p:grpSpPr>
+        <p:sp>
+          <p:nvSpPr>
+            <p:cNvPr id="44" name="직사각형 43">
+              <a:extLst>
+                <a:ext uri="{FF2B5EF4-FFF2-40B4-BE49-F238E27FC236}">
+                  <a16:creationId xmlns:a16="http://schemas.microsoft.com/office/drawing/2014/main" id="{20266DEA-0CCF-0847-B751-C98AA23D078A}"/>
+                </a:ext>
+              </a:extLst>
+            </p:cNvPr>
+            <p:cNvSpPr/>
+            <p:nvPr/>
+          </p:nvSpPr>
+          <p:spPr>
+            <a:xfrm>
+              <a:off x="3737640" y="1066800"/>
+              <a:ext cx="1408101" cy="539735"/>
+            </a:xfrm>
+            <a:prstGeom prst="rect">
+              <a:avLst/>
+            </a:prstGeom>
+            <a:ln w="25400">
+              <a:solidFill>
+                <a:srgbClr val="5DA2C5"/>
+              </a:solidFill>
+            </a:ln>
+          </p:spPr>
+          <p:style>
+            <a:lnRef idx="1">
+              <a:schemeClr val="accent1"/>
+            </a:lnRef>
+            <a:fillRef idx="0">
+              <a:schemeClr val="accent1"/>
+            </a:fillRef>
+            <a:effectRef idx="0">
+              <a:schemeClr val="accent1"/>
+            </a:effectRef>
+            <a:fontRef idx="minor">
+              <a:schemeClr val="tx1"/>
+            </a:fontRef>
+          </p:style>
+          <p:txBody>
+            <a:bodyPr rtlCol="0" anchor="ctr"/>
+            <a:lstStyle/>
+            <a:p>
+              <a:pPr algn="ctr"/>
+              <a:endParaRPr kumimoji="1" lang="ko-Kore-KR" altLang="en-US"/>
+            </a:p>
+          </p:txBody>
+        </p:sp>
+        <p:sp>
+          <p:nvSpPr>
+            <p:cNvPr id="45" name="TextBox 44">
+              <a:extLst>
+                <a:ext uri="{FF2B5EF4-FFF2-40B4-BE49-F238E27FC236}">
+                  <a16:creationId xmlns:a16="http://schemas.microsoft.com/office/drawing/2014/main" id="{9CD5A895-CBF8-7443-B45F-41B0C2D85DF8}"/>
+                </a:ext>
+              </a:extLst>
+            </p:cNvPr>
+            <p:cNvSpPr txBox="1"/>
+            <p:nvPr/>
+          </p:nvSpPr>
+          <p:spPr>
+            <a:xfrm>
+              <a:off x="3737640" y="1198167"/>
+              <a:ext cx="1408101" cy="276999"/>
+            </a:xfrm>
+            <a:prstGeom prst="rect">
+              <a:avLst/>
+            </a:prstGeom>
+            <a:noFill/>
+          </p:spPr>
+          <p:txBody>
+            <a:bodyPr wrap="square" rtlCol="0">
+              <a:spAutoFit/>
+            </a:bodyPr>
+            <a:lstStyle/>
+            <a:p>
+              <a:pPr algn="ctr"/>
+              <a:r>
+                <a:rPr kumimoji="1" lang="en-US" altLang="ko-Kore-KR" sz="1200" b="1" dirty="0">
+                  <a:solidFill>
+                    <a:srgbClr val="5DA2C5"/>
+                  </a:solidFill>
+                  <a:latin typeface="SHeadG" panose="02030600000101010101" pitchFamily="18" charset="-127"/>
+                  <a:ea typeface="SHeadG" panose="02030600000101010101" pitchFamily="18" charset="-127"/>
+                </a:rPr>
+                <a:t>User2</a:t>
+              </a:r>
+              <a:endParaRPr kumimoji="1" lang="ko-Kore-KR" altLang="en-US" sz="1200" b="1" dirty="0">
+                <a:solidFill>
+                  <a:srgbClr val="5DA2C5"/>
+                </a:solidFill>
+                <a:latin typeface="SHeadG" panose="02030600000101010101" pitchFamily="18" charset="-127"/>
+                <a:ea typeface="SHeadG" panose="02030600000101010101" pitchFamily="18" charset="-127"/>
+              </a:endParaRPr>
+            </a:p>
+          </p:txBody>
+        </p:sp>
+      </p:grpSp>
+      <p:grpSp>
+        <p:nvGrpSpPr>
+          <p:cNvPr id="46" name="그룹 45">
+            <a:extLst>
+              <a:ext uri="{FF2B5EF4-FFF2-40B4-BE49-F238E27FC236}">
+                <a16:creationId xmlns:a16="http://schemas.microsoft.com/office/drawing/2014/main" id="{7DB9E74C-2D39-8B4A-8C29-8C9E9E592B36}"/>
+              </a:ext>
+            </a:extLst>
+          </p:cNvPr>
+          <p:cNvGrpSpPr/>
+          <p:nvPr/>
+        </p:nvGrpSpPr>
+        <p:grpSpPr>
+          <a:xfrm>
+            <a:off x="4141052" y="1037984"/>
+            <a:ext cx="1408101" cy="539735"/>
+            <a:chOff x="3737640" y="1066800"/>
+            <a:chExt cx="1408101" cy="539735"/>
+          </a:xfrm>
+        </p:grpSpPr>
+        <p:sp>
+          <p:nvSpPr>
+            <p:cNvPr id="47" name="직사각형 46">
+              <a:extLst>
+                <a:ext uri="{FF2B5EF4-FFF2-40B4-BE49-F238E27FC236}">
+                  <a16:creationId xmlns:a16="http://schemas.microsoft.com/office/drawing/2014/main" id="{876A0AC6-BF4F-5B47-9A46-4EF41F9D4088}"/>
+                </a:ext>
+              </a:extLst>
+            </p:cNvPr>
+            <p:cNvSpPr/>
+            <p:nvPr/>
+          </p:nvSpPr>
+          <p:spPr>
+            <a:xfrm>
+              <a:off x="3737640" y="1066800"/>
+              <a:ext cx="1408101" cy="539735"/>
+            </a:xfrm>
+            <a:prstGeom prst="rect">
+              <a:avLst/>
+            </a:prstGeom>
+            <a:ln w="25400">
+              <a:solidFill>
+                <a:srgbClr val="5DA2C5"/>
+              </a:solidFill>
+            </a:ln>
+          </p:spPr>
+          <p:style>
+            <a:lnRef idx="1">
+              <a:schemeClr val="accent1"/>
+            </a:lnRef>
+            <a:fillRef idx="0">
+              <a:schemeClr val="accent1"/>
+            </a:fillRef>
+            <a:effectRef idx="0">
+              <a:schemeClr val="accent1"/>
+            </a:effectRef>
+            <a:fontRef idx="minor">
+              <a:schemeClr val="tx1"/>
+            </a:fontRef>
+          </p:style>
+          <p:txBody>
+            <a:bodyPr rtlCol="0" anchor="ctr"/>
+            <a:lstStyle/>
+            <a:p>
+              <a:pPr algn="ctr"/>
+              <a:endParaRPr kumimoji="1" lang="ko-Kore-KR" altLang="en-US"/>
+            </a:p>
+          </p:txBody>
+        </p:sp>
+        <p:sp>
+          <p:nvSpPr>
+            <p:cNvPr id="48" name="TextBox 47">
+              <a:extLst>
+                <a:ext uri="{FF2B5EF4-FFF2-40B4-BE49-F238E27FC236}">
+                  <a16:creationId xmlns:a16="http://schemas.microsoft.com/office/drawing/2014/main" id="{F2326B6E-F9A4-704C-9B4E-DE548C72FC71}"/>
+                </a:ext>
+              </a:extLst>
+            </p:cNvPr>
+            <p:cNvSpPr txBox="1"/>
+            <p:nvPr/>
+          </p:nvSpPr>
+          <p:spPr>
+            <a:xfrm>
+              <a:off x="3737640" y="1198167"/>
+              <a:ext cx="1408101" cy="276999"/>
+            </a:xfrm>
+            <a:prstGeom prst="rect">
+              <a:avLst/>
+            </a:prstGeom>
+            <a:noFill/>
+          </p:spPr>
+          <p:txBody>
+            <a:bodyPr wrap="square" rtlCol="0">
+              <a:spAutoFit/>
+            </a:bodyPr>
+            <a:lstStyle/>
+            <a:p>
+              <a:pPr algn="ctr"/>
+              <a:r>
+                <a:rPr kumimoji="1" lang="en-US" altLang="ko-Kore-KR" sz="1200" b="1" dirty="0">
+                  <a:solidFill>
+                    <a:srgbClr val="5DA2C5"/>
+                  </a:solidFill>
+                  <a:latin typeface="SHeadG" panose="02030600000101010101" pitchFamily="18" charset="-127"/>
+                  <a:ea typeface="SHeadG" panose="02030600000101010101" pitchFamily="18" charset="-127"/>
+                </a:rPr>
+                <a:t>User3</a:t>
+              </a:r>
+              <a:endParaRPr kumimoji="1" lang="ko-Kore-KR" altLang="en-US" sz="1200" b="1" dirty="0">
+                <a:solidFill>
+                  <a:srgbClr val="5DA2C5"/>
+                </a:solidFill>
+                <a:latin typeface="SHeadG" panose="02030600000101010101" pitchFamily="18" charset="-127"/>
+                <a:ea typeface="SHeadG" panose="02030600000101010101" pitchFamily="18" charset="-127"/>
+              </a:endParaRPr>
+            </a:p>
+          </p:txBody>
+        </p:sp>
+      </p:grpSp>
+      <p:cxnSp>
+        <p:nvCxnSpPr>
+          <p:cNvPr id="49" name="꺾인 연결선[E] 48">
+            <a:extLst>
+              <a:ext uri="{FF2B5EF4-FFF2-40B4-BE49-F238E27FC236}">
+                <a16:creationId xmlns:a16="http://schemas.microsoft.com/office/drawing/2014/main" id="{810EAAD6-A6F3-2D44-858C-CB21D3B16FBB}"/>
+              </a:ext>
+            </a:extLst>
+          </p:cNvPr>
+          <p:cNvCxnSpPr>
+            <a:cxnSpLocks/>
+            <a:stCxn id="47" idx="2"/>
+            <a:endCxn id="37" idx="3"/>
+          </p:cNvCxnSpPr>
+          <p:nvPr/>
+        </p:nvCxnSpPr>
+        <p:spPr>
+          <a:xfrm rot="5400000">
+            <a:off x="3828199" y="1595379"/>
+            <a:ext cx="1034565" cy="999244"/>
+          </a:xfrm>
+          <a:prstGeom prst="bentConnector2">
+            <a:avLst/>
+          </a:prstGeom>
+          <a:ln w="19050">
+            <a:solidFill>
+              <a:srgbClr val="5DA2C5"/>
+            </a:solidFill>
+            <a:tailEnd type="stealth" w="lg" len="lg"/>
+          </a:ln>
+        </p:spPr>
+        <p:style>
+          <a:lnRef idx="1">
+            <a:schemeClr val="accent1"/>
+          </a:lnRef>
+          <a:fillRef idx="0">
+            <a:schemeClr val="accent1"/>
+          </a:fillRef>
+          <a:effectRef idx="0">
+            <a:schemeClr val="accent1"/>
+          </a:effectRef>
+          <a:fontRef idx="minor">
+            <a:schemeClr val="tx1"/>
+          </a:fontRef>
+        </p:style>
+      </p:cxnSp>
+      <p:cxnSp>
+        <p:nvCxnSpPr>
+          <p:cNvPr id="66" name="직선 화살표 연결선 65">
+            <a:extLst>
+              <a:ext uri="{FF2B5EF4-FFF2-40B4-BE49-F238E27FC236}">
+                <a16:creationId xmlns:a16="http://schemas.microsoft.com/office/drawing/2014/main" id="{83B718C8-C512-5440-ABFE-95158D7017FE}"/>
+              </a:ext>
+            </a:extLst>
+          </p:cNvPr>
+          <p:cNvCxnSpPr>
+            <a:cxnSpLocks/>
+            <a:stCxn id="44" idx="2"/>
+            <a:endCxn id="37" idx="0"/>
+          </p:cNvCxnSpPr>
+          <p:nvPr/>
+        </p:nvCxnSpPr>
+        <p:spPr>
+          <a:xfrm>
+            <a:off x="3132844" y="1583164"/>
+            <a:ext cx="8965" cy="759252"/>
+          </a:xfrm>
+          <a:prstGeom prst="straightConnector1">
+            <a:avLst/>
+          </a:prstGeom>
+          <a:ln w="19050">
+            <a:solidFill>
+              <a:srgbClr val="5DA2C5"/>
+            </a:solidFill>
+            <a:tailEnd type="stealth" w="lg" len="lg"/>
+          </a:ln>
+        </p:spPr>
+        <p:style>
+          <a:lnRef idx="1">
+            <a:schemeClr val="accent1"/>
+          </a:lnRef>
+          <a:fillRef idx="0">
+            <a:schemeClr val="accent1"/>
+          </a:fillRef>
+          <a:effectRef idx="0">
+            <a:schemeClr val="accent1"/>
+          </a:effectRef>
+          <a:fontRef idx="minor">
+            <a:schemeClr val="tx1"/>
+          </a:fontRef>
+        </p:style>
+      </p:cxnSp>
+      <p:grpSp>
+        <p:nvGrpSpPr>
+          <p:cNvPr id="94" name="그룹 93">
+            <a:extLst>
+              <a:ext uri="{FF2B5EF4-FFF2-40B4-BE49-F238E27FC236}">
+                <a16:creationId xmlns:a16="http://schemas.microsoft.com/office/drawing/2014/main" id="{634963CF-7588-A64C-A53D-B0B8DD0CD573}"/>
+              </a:ext>
+            </a:extLst>
+          </p:cNvPr>
+          <p:cNvGrpSpPr/>
+          <p:nvPr/>
+        </p:nvGrpSpPr>
+        <p:grpSpPr>
+          <a:xfrm>
+            <a:off x="6579451" y="1037984"/>
+            <a:ext cx="1408101" cy="539735"/>
+            <a:chOff x="3737640" y="1066800"/>
+            <a:chExt cx="1408101" cy="539735"/>
+          </a:xfrm>
+        </p:grpSpPr>
+        <p:sp>
+          <p:nvSpPr>
+            <p:cNvPr id="95" name="직사각형 94">
+              <a:extLst>
+                <a:ext uri="{FF2B5EF4-FFF2-40B4-BE49-F238E27FC236}">
+                  <a16:creationId xmlns:a16="http://schemas.microsoft.com/office/drawing/2014/main" id="{477F12F4-8482-7342-8C8E-3D1D1765FAFF}"/>
+                </a:ext>
+              </a:extLst>
+            </p:cNvPr>
+            <p:cNvSpPr/>
+            <p:nvPr/>
+          </p:nvSpPr>
+          <p:spPr>
+            <a:xfrm>
+              <a:off x="3737640" y="1066800"/>
+              <a:ext cx="1408101" cy="539735"/>
+            </a:xfrm>
+            <a:prstGeom prst="rect">
+              <a:avLst/>
+            </a:prstGeom>
+            <a:ln w="25400">
+              <a:solidFill>
+                <a:srgbClr val="5DA2C5"/>
+              </a:solidFill>
+            </a:ln>
+          </p:spPr>
+          <p:style>
+            <a:lnRef idx="1">
+              <a:schemeClr val="accent1"/>
+            </a:lnRef>
+            <a:fillRef idx="0">
+              <a:schemeClr val="accent1"/>
+            </a:fillRef>
+            <a:effectRef idx="0">
+              <a:schemeClr val="accent1"/>
+            </a:effectRef>
+            <a:fontRef idx="minor">
+              <a:schemeClr val="tx1"/>
+            </a:fontRef>
+          </p:style>
+          <p:txBody>
+            <a:bodyPr rtlCol="0" anchor="ctr"/>
+            <a:lstStyle/>
+            <a:p>
+              <a:pPr algn="ctr"/>
+              <a:endParaRPr kumimoji="1" lang="ko-Kore-KR" altLang="en-US"/>
+            </a:p>
+          </p:txBody>
+        </p:sp>
+        <p:sp>
+          <p:nvSpPr>
+            <p:cNvPr id="96" name="TextBox 95">
+              <a:extLst>
+                <a:ext uri="{FF2B5EF4-FFF2-40B4-BE49-F238E27FC236}">
+                  <a16:creationId xmlns:a16="http://schemas.microsoft.com/office/drawing/2014/main" id="{DD377C46-0E83-A041-9F86-078CA00B6D9C}"/>
+                </a:ext>
+              </a:extLst>
+            </p:cNvPr>
+            <p:cNvSpPr txBox="1"/>
+            <p:nvPr/>
+          </p:nvSpPr>
+          <p:spPr>
+            <a:xfrm>
+              <a:off x="3737640" y="1198167"/>
+              <a:ext cx="1408101" cy="276999"/>
+            </a:xfrm>
+            <a:prstGeom prst="rect">
+              <a:avLst/>
+            </a:prstGeom>
+            <a:noFill/>
+          </p:spPr>
+          <p:txBody>
+            <a:bodyPr wrap="square" rtlCol="0">
+              <a:spAutoFit/>
+            </a:bodyPr>
+            <a:lstStyle/>
+            <a:p>
+              <a:pPr algn="ctr"/>
+              <a:r>
+                <a:rPr kumimoji="1" lang="en-US" altLang="ko-Kore-KR" sz="1200" b="1" dirty="0">
+                  <a:solidFill>
+                    <a:srgbClr val="5DA2C5"/>
+                  </a:solidFill>
+                  <a:latin typeface="SHeadG" panose="02030600000101010101" pitchFamily="18" charset="-127"/>
+                  <a:ea typeface="SHeadG" panose="02030600000101010101" pitchFamily="18" charset="-127"/>
+                </a:rPr>
+                <a:t>User1</a:t>
+              </a:r>
+              <a:endParaRPr kumimoji="1" lang="ko-Kore-KR" altLang="en-US" sz="1200" b="1" dirty="0">
+                <a:solidFill>
+                  <a:srgbClr val="5DA2C5"/>
+                </a:solidFill>
+                <a:latin typeface="SHeadG" panose="02030600000101010101" pitchFamily="18" charset="-127"/>
+                <a:ea typeface="SHeadG" panose="02030600000101010101" pitchFamily="18" charset="-127"/>
+              </a:endParaRPr>
+            </a:p>
+          </p:txBody>
+        </p:sp>
+      </p:grpSp>
+      <p:cxnSp>
+        <p:nvCxnSpPr>
+          <p:cNvPr id="100" name="꺾인 연결선[E] 99">
+            <a:extLst>
+              <a:ext uri="{FF2B5EF4-FFF2-40B4-BE49-F238E27FC236}">
+                <a16:creationId xmlns:a16="http://schemas.microsoft.com/office/drawing/2014/main" id="{3A5BB4F1-3B58-8F48-8B62-550B82518575}"/>
+              </a:ext>
+            </a:extLst>
+          </p:cNvPr>
+          <p:cNvCxnSpPr>
+            <a:cxnSpLocks/>
+            <a:stCxn id="102" idx="1"/>
+            <a:endCxn id="124" idx="2"/>
+          </p:cNvCxnSpPr>
+          <p:nvPr/>
+        </p:nvCxnSpPr>
+        <p:spPr>
+          <a:xfrm rot="10800000">
+            <a:off x="7280134" y="2934189"/>
+            <a:ext cx="1011575" cy="773659"/>
+          </a:xfrm>
+          <a:prstGeom prst="bentConnector2">
+            <a:avLst/>
+          </a:prstGeom>
+          <a:ln w="19050">
+            <a:solidFill>
+              <a:srgbClr val="5DA2C5"/>
+            </a:solidFill>
+            <a:tailEnd type="stealth" w="lg" len="lg"/>
+          </a:ln>
+        </p:spPr>
+        <p:style>
+          <a:lnRef idx="1">
+            <a:schemeClr val="accent1"/>
+          </a:lnRef>
+          <a:fillRef idx="0">
+            <a:schemeClr val="accent1"/>
+          </a:fillRef>
+          <a:effectRef idx="0">
+            <a:schemeClr val="accent1"/>
+          </a:effectRef>
+          <a:fontRef idx="minor">
+            <a:schemeClr val="tx1"/>
+          </a:fontRef>
+        </p:style>
+      </p:cxnSp>
+      <p:grpSp>
+        <p:nvGrpSpPr>
+          <p:cNvPr id="101" name="그룹 100">
+            <a:extLst>
+              <a:ext uri="{FF2B5EF4-FFF2-40B4-BE49-F238E27FC236}">
+                <a16:creationId xmlns:a16="http://schemas.microsoft.com/office/drawing/2014/main" id="{3552C108-6763-6347-86EF-03C4930315FB}"/>
+              </a:ext>
+            </a:extLst>
+          </p:cNvPr>
+          <p:cNvGrpSpPr/>
+          <p:nvPr/>
+        </p:nvGrpSpPr>
+        <p:grpSpPr>
+          <a:xfrm>
+            <a:off x="8291706" y="3437979"/>
+            <a:ext cx="1408103" cy="816734"/>
+            <a:chOff x="5969850" y="1066800"/>
+            <a:chExt cx="1408103" cy="816734"/>
+          </a:xfrm>
+        </p:grpSpPr>
+        <p:sp>
+          <p:nvSpPr>
+            <p:cNvPr id="102" name="직사각형 101">
+              <a:extLst>
+                <a:ext uri="{FF2B5EF4-FFF2-40B4-BE49-F238E27FC236}">
+                  <a16:creationId xmlns:a16="http://schemas.microsoft.com/office/drawing/2014/main" id="{02B9CEDD-2C62-8640-B039-BC085A5D1587}"/>
+                </a:ext>
+              </a:extLst>
+            </p:cNvPr>
+            <p:cNvSpPr/>
+            <p:nvPr/>
+          </p:nvSpPr>
+          <p:spPr>
+            <a:xfrm>
+              <a:off x="5969852" y="1066800"/>
+              <a:ext cx="1408101" cy="539735"/>
+            </a:xfrm>
+            <a:prstGeom prst="rect">
+              <a:avLst/>
+            </a:prstGeom>
+            <a:ln w="25400">
+              <a:solidFill>
+                <a:srgbClr val="5DA2C5"/>
+              </a:solidFill>
+            </a:ln>
+          </p:spPr>
+          <p:style>
+            <a:lnRef idx="1">
+              <a:schemeClr val="accent1"/>
+            </a:lnRef>
+            <a:fillRef idx="0">
+              <a:schemeClr val="accent1"/>
+            </a:fillRef>
+            <a:effectRef idx="0">
+              <a:schemeClr val="accent1"/>
+            </a:effectRef>
+            <a:fontRef idx="minor">
+              <a:schemeClr val="tx1"/>
+            </a:fontRef>
+          </p:style>
+          <p:txBody>
+            <a:bodyPr rtlCol="0" anchor="ctr"/>
+            <a:lstStyle/>
+            <a:p>
+              <a:pPr algn="ctr"/>
+              <a:endParaRPr kumimoji="1" lang="ko-Kore-KR" altLang="en-US"/>
+            </a:p>
+          </p:txBody>
+        </p:sp>
+        <p:sp>
+          <p:nvSpPr>
+            <p:cNvPr id="103" name="TextBox 102">
+              <a:extLst>
+                <a:ext uri="{FF2B5EF4-FFF2-40B4-BE49-F238E27FC236}">
+                  <a16:creationId xmlns:a16="http://schemas.microsoft.com/office/drawing/2014/main" id="{DDECB2BA-836B-044B-9E72-D2CD5748A9BD}"/>
+                </a:ext>
+              </a:extLst>
+            </p:cNvPr>
+            <p:cNvSpPr txBox="1"/>
+            <p:nvPr/>
+          </p:nvSpPr>
+          <p:spPr>
+            <a:xfrm>
+              <a:off x="6113930" y="1206425"/>
+              <a:ext cx="1165411" cy="276999"/>
+            </a:xfrm>
+            <a:prstGeom prst="rect">
+              <a:avLst/>
+            </a:prstGeom>
+            <a:noFill/>
+          </p:spPr>
+          <p:txBody>
+            <a:bodyPr wrap="square" rtlCol="0">
+              <a:spAutoFit/>
+            </a:bodyPr>
+            <a:lstStyle/>
+            <a:p>
+              <a:pPr algn="ctr"/>
+              <a:r>
+                <a:rPr kumimoji="1" lang="en-US" altLang="ko-Kore-KR" sz="1200" b="1" dirty="0">
+                  <a:solidFill>
+                    <a:srgbClr val="5DA2C5"/>
+                  </a:solidFill>
+                  <a:latin typeface="SHeadG" panose="02030600000101010101" pitchFamily="18" charset="-127"/>
+                  <a:ea typeface="SHeadG" panose="02030600000101010101" pitchFamily="18" charset="-127"/>
+                </a:rPr>
+                <a:t>OPS</a:t>
+              </a:r>
+              <a:endParaRPr kumimoji="1" lang="ko-Kore-KR" altLang="en-US" sz="1200" b="1" dirty="0">
+                <a:solidFill>
+                  <a:srgbClr val="5DA2C5"/>
+                </a:solidFill>
+                <a:latin typeface="SHeadG" panose="02030600000101010101" pitchFamily="18" charset="-127"/>
+                <a:ea typeface="SHeadG" panose="02030600000101010101" pitchFamily="18" charset="-127"/>
+              </a:endParaRPr>
+            </a:p>
+          </p:txBody>
+        </p:sp>
+        <p:sp>
+          <p:nvSpPr>
+            <p:cNvPr id="104" name="직사각형 103">
+              <a:extLst>
+                <a:ext uri="{FF2B5EF4-FFF2-40B4-BE49-F238E27FC236}">
+                  <a16:creationId xmlns:a16="http://schemas.microsoft.com/office/drawing/2014/main" id="{61ED6523-7D25-8E49-B636-DF16153D03D7}"/>
+                </a:ext>
+              </a:extLst>
+            </p:cNvPr>
+            <p:cNvSpPr/>
+            <p:nvPr/>
+          </p:nvSpPr>
+          <p:spPr>
+            <a:xfrm>
+              <a:off x="5969851" y="1606535"/>
+              <a:ext cx="1408101" cy="276999"/>
+            </a:xfrm>
+            <a:prstGeom prst="rect">
+              <a:avLst/>
+            </a:prstGeom>
+            <a:ln w="25400">
+              <a:solidFill>
+                <a:srgbClr val="5DA2C5"/>
+              </a:solidFill>
+            </a:ln>
+          </p:spPr>
+          <p:style>
+            <a:lnRef idx="1">
+              <a:schemeClr val="accent1"/>
+            </a:lnRef>
+            <a:fillRef idx="0">
+              <a:schemeClr val="accent1"/>
+            </a:fillRef>
+            <a:effectRef idx="0">
+              <a:schemeClr val="accent1"/>
+            </a:effectRef>
+            <a:fontRef idx="minor">
+              <a:schemeClr val="tx1"/>
+            </a:fontRef>
+          </p:style>
+          <p:txBody>
+            <a:bodyPr rtlCol="0" anchor="ctr"/>
+            <a:lstStyle/>
+            <a:p>
+              <a:pPr algn="ctr"/>
+              <a:endParaRPr kumimoji="1" lang="ko-Kore-KR" altLang="en-US"/>
+            </a:p>
+          </p:txBody>
+        </p:sp>
+        <p:sp>
+          <p:nvSpPr>
+            <p:cNvPr id="111" name="TextBox 110">
+              <a:extLst>
+                <a:ext uri="{FF2B5EF4-FFF2-40B4-BE49-F238E27FC236}">
+                  <a16:creationId xmlns:a16="http://schemas.microsoft.com/office/drawing/2014/main" id="{E44BF244-EF35-C241-9B8A-43409F91B31C}"/>
+                </a:ext>
+              </a:extLst>
+            </p:cNvPr>
+            <p:cNvSpPr txBox="1"/>
+            <p:nvPr/>
+          </p:nvSpPr>
+          <p:spPr>
+            <a:xfrm>
+              <a:off x="5969850" y="1592129"/>
+              <a:ext cx="1408101" cy="261610"/>
+            </a:xfrm>
+            <a:prstGeom prst="rect">
+              <a:avLst/>
+            </a:prstGeom>
+            <a:noFill/>
+          </p:spPr>
+          <p:txBody>
+            <a:bodyPr wrap="square" rtlCol="0">
+              <a:spAutoFit/>
+            </a:bodyPr>
+            <a:lstStyle/>
+            <a:p>
+              <a:pPr algn="ctr"/>
+              <a:r>
+                <a:rPr kumimoji="1" lang="en-US" altLang="ko-KR" sz="1050" dirty="0">
+                  <a:solidFill>
+                    <a:srgbClr val="5DA2C5"/>
+                  </a:solidFill>
+                  <a:latin typeface="SHeadG" panose="02030600000101010101" pitchFamily="18" charset="-127"/>
+                  <a:ea typeface="SHeadG" panose="02030600000101010101" pitchFamily="18" charset="-127"/>
+                </a:rPr>
+                <a:t>+op1  +op2  +op3</a:t>
+              </a:r>
+              <a:endParaRPr kumimoji="1" lang="ko-Kore-KR" altLang="en-US" sz="1050" dirty="0">
+                <a:solidFill>
+                  <a:srgbClr val="5DA2C5"/>
+                </a:solidFill>
+                <a:latin typeface="SHeadG" panose="02030600000101010101" pitchFamily="18" charset="-127"/>
+                <a:ea typeface="SHeadG" panose="02030600000101010101" pitchFamily="18" charset="-127"/>
+              </a:endParaRPr>
+            </a:p>
+          </p:txBody>
+        </p:sp>
+      </p:grpSp>
+      <p:grpSp>
+        <p:nvGrpSpPr>
+          <p:cNvPr id="112" name="그룹 111">
+            <a:extLst>
+              <a:ext uri="{FF2B5EF4-FFF2-40B4-BE49-F238E27FC236}">
+                <a16:creationId xmlns:a16="http://schemas.microsoft.com/office/drawing/2014/main" id="{B26FAAF1-E553-2C46-901B-06E6F5961DEE}"/>
+              </a:ext>
+            </a:extLst>
+          </p:cNvPr>
+          <p:cNvGrpSpPr/>
+          <p:nvPr/>
+        </p:nvGrpSpPr>
+        <p:grpSpPr>
+          <a:xfrm>
+            <a:off x="8291710" y="1037984"/>
+            <a:ext cx="1408101" cy="539735"/>
+            <a:chOff x="3737640" y="1066800"/>
+            <a:chExt cx="1408101" cy="539735"/>
+          </a:xfrm>
+        </p:grpSpPr>
+        <p:sp>
+          <p:nvSpPr>
+            <p:cNvPr id="114" name="직사각형 113">
+              <a:extLst>
+                <a:ext uri="{FF2B5EF4-FFF2-40B4-BE49-F238E27FC236}">
+                  <a16:creationId xmlns:a16="http://schemas.microsoft.com/office/drawing/2014/main" id="{53D70902-9D47-BF4B-96B3-8336B4F542A4}"/>
+                </a:ext>
+              </a:extLst>
+            </p:cNvPr>
+            <p:cNvSpPr/>
+            <p:nvPr/>
+          </p:nvSpPr>
+          <p:spPr>
+            <a:xfrm>
+              <a:off x="3737640" y="1066800"/>
+              <a:ext cx="1408101" cy="539735"/>
+            </a:xfrm>
+            <a:prstGeom prst="rect">
+              <a:avLst/>
+            </a:prstGeom>
+            <a:ln w="25400">
+              <a:solidFill>
+                <a:srgbClr val="5DA2C5"/>
+              </a:solidFill>
+            </a:ln>
+          </p:spPr>
+          <p:style>
+            <a:lnRef idx="1">
+              <a:schemeClr val="accent1"/>
+            </a:lnRef>
+            <a:fillRef idx="0">
+              <a:schemeClr val="accent1"/>
+            </a:fillRef>
+            <a:effectRef idx="0">
+              <a:schemeClr val="accent1"/>
+            </a:effectRef>
+            <a:fontRef idx="minor">
+              <a:schemeClr val="tx1"/>
+            </a:fontRef>
+          </p:style>
+          <p:txBody>
+            <a:bodyPr rtlCol="0" anchor="ctr"/>
+            <a:lstStyle/>
+            <a:p>
+              <a:pPr algn="ctr"/>
+              <a:endParaRPr kumimoji="1" lang="ko-Kore-KR" altLang="en-US"/>
+            </a:p>
+          </p:txBody>
+        </p:sp>
+        <p:sp>
+          <p:nvSpPr>
+            <p:cNvPr id="115" name="TextBox 114">
+              <a:extLst>
+                <a:ext uri="{FF2B5EF4-FFF2-40B4-BE49-F238E27FC236}">
+                  <a16:creationId xmlns:a16="http://schemas.microsoft.com/office/drawing/2014/main" id="{4E8B4241-3982-BF43-9781-A5AC262A88BA}"/>
+                </a:ext>
+              </a:extLst>
+            </p:cNvPr>
+            <p:cNvSpPr txBox="1"/>
+            <p:nvPr/>
+          </p:nvSpPr>
+          <p:spPr>
+            <a:xfrm>
+              <a:off x="3737640" y="1198167"/>
+              <a:ext cx="1408101" cy="276999"/>
+            </a:xfrm>
+            <a:prstGeom prst="rect">
+              <a:avLst/>
+            </a:prstGeom>
+            <a:noFill/>
+          </p:spPr>
+          <p:txBody>
+            <a:bodyPr wrap="square" rtlCol="0">
+              <a:spAutoFit/>
+            </a:bodyPr>
+            <a:lstStyle/>
+            <a:p>
+              <a:pPr algn="ctr"/>
+              <a:r>
+                <a:rPr kumimoji="1" lang="en-US" altLang="ko-Kore-KR" sz="1200" b="1" dirty="0">
+                  <a:solidFill>
+                    <a:srgbClr val="5DA2C5"/>
+                  </a:solidFill>
+                  <a:latin typeface="SHeadG" panose="02030600000101010101" pitchFamily="18" charset="-127"/>
+                  <a:ea typeface="SHeadG" panose="02030600000101010101" pitchFamily="18" charset="-127"/>
+                </a:rPr>
+                <a:t>User2</a:t>
+              </a:r>
+              <a:endParaRPr kumimoji="1" lang="ko-Kore-KR" altLang="en-US" sz="1200" b="1" dirty="0">
+                <a:solidFill>
+                  <a:srgbClr val="5DA2C5"/>
+                </a:solidFill>
+                <a:latin typeface="SHeadG" panose="02030600000101010101" pitchFamily="18" charset="-127"/>
+                <a:ea typeface="SHeadG" panose="02030600000101010101" pitchFamily="18" charset="-127"/>
+              </a:endParaRPr>
+            </a:p>
+          </p:txBody>
+        </p:sp>
+      </p:grpSp>
+      <p:grpSp>
+        <p:nvGrpSpPr>
+          <p:cNvPr id="116" name="그룹 115">
+            <a:extLst>
+              <a:ext uri="{FF2B5EF4-FFF2-40B4-BE49-F238E27FC236}">
+                <a16:creationId xmlns:a16="http://schemas.microsoft.com/office/drawing/2014/main" id="{D7A999E4-3609-5B46-B8D8-BA21C4ECD18A}"/>
+              </a:ext>
+            </a:extLst>
+          </p:cNvPr>
+          <p:cNvGrpSpPr/>
+          <p:nvPr/>
+        </p:nvGrpSpPr>
+        <p:grpSpPr>
+          <a:xfrm>
+            <a:off x="10003969" y="1032539"/>
+            <a:ext cx="1408101" cy="539735"/>
+            <a:chOff x="3737640" y="1066800"/>
+            <a:chExt cx="1408101" cy="539735"/>
+          </a:xfrm>
+        </p:grpSpPr>
+        <p:sp>
+          <p:nvSpPr>
+            <p:cNvPr id="117" name="직사각형 116">
+              <a:extLst>
+                <a:ext uri="{FF2B5EF4-FFF2-40B4-BE49-F238E27FC236}">
+                  <a16:creationId xmlns:a16="http://schemas.microsoft.com/office/drawing/2014/main" id="{3E7C6777-F5C6-FE47-AB6F-5ED7EF2BE09B}"/>
+                </a:ext>
+              </a:extLst>
+            </p:cNvPr>
+            <p:cNvSpPr/>
+            <p:nvPr/>
+          </p:nvSpPr>
+          <p:spPr>
+            <a:xfrm>
+              <a:off x="3737640" y="1066800"/>
+              <a:ext cx="1408101" cy="539735"/>
+            </a:xfrm>
+            <a:prstGeom prst="rect">
+              <a:avLst/>
+            </a:prstGeom>
+            <a:ln w="25400">
+              <a:solidFill>
+                <a:srgbClr val="5DA2C5"/>
+              </a:solidFill>
+            </a:ln>
+          </p:spPr>
+          <p:style>
+            <a:lnRef idx="1">
+              <a:schemeClr val="accent1"/>
+            </a:lnRef>
+            <a:fillRef idx="0">
+              <a:schemeClr val="accent1"/>
+            </a:fillRef>
+            <a:effectRef idx="0">
+              <a:schemeClr val="accent1"/>
+            </a:effectRef>
+            <a:fontRef idx="minor">
+              <a:schemeClr val="tx1"/>
+            </a:fontRef>
+          </p:style>
+          <p:txBody>
+            <a:bodyPr rtlCol="0" anchor="ctr"/>
+            <a:lstStyle/>
+            <a:p>
+              <a:pPr algn="ctr"/>
+              <a:endParaRPr kumimoji="1" lang="ko-Kore-KR" altLang="en-US"/>
+            </a:p>
+          </p:txBody>
+        </p:sp>
+        <p:sp>
+          <p:nvSpPr>
+            <p:cNvPr id="118" name="TextBox 117">
+              <a:extLst>
+                <a:ext uri="{FF2B5EF4-FFF2-40B4-BE49-F238E27FC236}">
+                  <a16:creationId xmlns:a16="http://schemas.microsoft.com/office/drawing/2014/main" id="{8664F65B-CC18-214F-82DC-DF727D534CCD}"/>
+                </a:ext>
+              </a:extLst>
+            </p:cNvPr>
+            <p:cNvSpPr txBox="1"/>
+            <p:nvPr/>
+          </p:nvSpPr>
+          <p:spPr>
+            <a:xfrm>
+              <a:off x="3737640" y="1198167"/>
+              <a:ext cx="1408101" cy="276999"/>
+            </a:xfrm>
+            <a:prstGeom prst="rect">
+              <a:avLst/>
+            </a:prstGeom>
+            <a:noFill/>
+          </p:spPr>
+          <p:txBody>
+            <a:bodyPr wrap="square" rtlCol="0">
+              <a:spAutoFit/>
+            </a:bodyPr>
+            <a:lstStyle/>
+            <a:p>
+              <a:pPr algn="ctr"/>
+              <a:r>
+                <a:rPr kumimoji="1" lang="en-US" altLang="ko-Kore-KR" sz="1200" b="1" dirty="0">
+                  <a:solidFill>
+                    <a:srgbClr val="5DA2C5"/>
+                  </a:solidFill>
+                  <a:latin typeface="SHeadG" panose="02030600000101010101" pitchFamily="18" charset="-127"/>
+                  <a:ea typeface="SHeadG" panose="02030600000101010101" pitchFamily="18" charset="-127"/>
+                </a:rPr>
+                <a:t>User3</a:t>
+              </a:r>
+              <a:endParaRPr kumimoji="1" lang="ko-Kore-KR" altLang="en-US" sz="1200" b="1" dirty="0">
+                <a:solidFill>
+                  <a:srgbClr val="5DA2C5"/>
+                </a:solidFill>
+                <a:latin typeface="SHeadG" panose="02030600000101010101" pitchFamily="18" charset="-127"/>
+                <a:ea typeface="SHeadG" panose="02030600000101010101" pitchFamily="18" charset="-127"/>
+              </a:endParaRPr>
+            </a:p>
+          </p:txBody>
+        </p:sp>
+      </p:grpSp>
+      <p:cxnSp>
+        <p:nvCxnSpPr>
+          <p:cNvPr id="119" name="꺾인 연결선[E] 118">
+            <a:extLst>
+              <a:ext uri="{FF2B5EF4-FFF2-40B4-BE49-F238E27FC236}">
+                <a16:creationId xmlns:a16="http://schemas.microsoft.com/office/drawing/2014/main" id="{67D21C42-AE87-924B-A663-F9B12B18FDEF}"/>
+              </a:ext>
+            </a:extLst>
+          </p:cNvPr>
+          <p:cNvCxnSpPr>
+            <a:cxnSpLocks/>
+            <a:stCxn id="102" idx="3"/>
+            <a:endCxn id="149" idx="2"/>
+          </p:cNvCxnSpPr>
+          <p:nvPr/>
+        </p:nvCxnSpPr>
+        <p:spPr>
+          <a:xfrm flipV="1">
+            <a:off x="9699809" y="2934186"/>
+            <a:ext cx="1008206" cy="773661"/>
+          </a:xfrm>
+          <a:prstGeom prst="bentConnector2">
+            <a:avLst/>
+          </a:prstGeom>
+          <a:ln w="19050">
+            <a:solidFill>
+              <a:srgbClr val="5DA2C5"/>
+            </a:solidFill>
+            <a:tailEnd type="stealth" w="lg" len="lg"/>
+          </a:ln>
+        </p:spPr>
+        <p:style>
+          <a:lnRef idx="1">
+            <a:schemeClr val="accent1"/>
+          </a:lnRef>
+          <a:fillRef idx="0">
+            <a:schemeClr val="accent1"/>
+          </a:fillRef>
+          <a:effectRef idx="0">
+            <a:schemeClr val="accent1"/>
+          </a:effectRef>
+          <a:fontRef idx="minor">
+            <a:schemeClr val="tx1"/>
+          </a:fontRef>
+        </p:style>
+      </p:cxnSp>
+      <p:cxnSp>
+        <p:nvCxnSpPr>
+          <p:cNvPr id="120" name="직선 화살표 연결선 119">
+            <a:extLst>
+              <a:ext uri="{FF2B5EF4-FFF2-40B4-BE49-F238E27FC236}">
+                <a16:creationId xmlns:a16="http://schemas.microsoft.com/office/drawing/2014/main" id="{164F9304-BA8A-8F4B-9F63-ECC2510458FE}"/>
+              </a:ext>
+            </a:extLst>
+          </p:cNvPr>
+          <p:cNvCxnSpPr>
+            <a:cxnSpLocks/>
+            <a:stCxn id="114" idx="2"/>
+            <a:endCxn id="141" idx="0"/>
+          </p:cNvCxnSpPr>
+          <p:nvPr/>
+        </p:nvCxnSpPr>
+        <p:spPr>
+          <a:xfrm flipH="1">
+            <a:off x="8995759" y="1577719"/>
+            <a:ext cx="2" cy="547992"/>
+          </a:xfrm>
+          <a:prstGeom prst="straightConnector1">
+            <a:avLst/>
+          </a:prstGeom>
+          <a:ln w="19050">
+            <a:solidFill>
+              <a:srgbClr val="5DA2C5"/>
+            </a:solidFill>
+            <a:tailEnd type="stealth" w="lg" len="lg"/>
+          </a:ln>
+        </p:spPr>
+        <p:style>
+          <a:lnRef idx="1">
+            <a:schemeClr val="accent1"/>
+          </a:lnRef>
+          <a:fillRef idx="0">
+            <a:schemeClr val="accent1"/>
+          </a:fillRef>
+          <a:effectRef idx="0">
+            <a:schemeClr val="accent1"/>
+          </a:effectRef>
+          <a:fontRef idx="minor">
+            <a:schemeClr val="tx1"/>
+          </a:fontRef>
+        </p:style>
+      </p:cxnSp>
+      <p:grpSp>
+        <p:nvGrpSpPr>
+          <p:cNvPr id="121" name="그룹 120">
+            <a:extLst>
+              <a:ext uri="{FF2B5EF4-FFF2-40B4-BE49-F238E27FC236}">
+                <a16:creationId xmlns:a16="http://schemas.microsoft.com/office/drawing/2014/main" id="{86A128C4-32FF-0D47-A449-E291AA78A426}"/>
+              </a:ext>
+            </a:extLst>
+          </p:cNvPr>
+          <p:cNvGrpSpPr/>
+          <p:nvPr/>
+        </p:nvGrpSpPr>
+        <p:grpSpPr>
+          <a:xfrm>
+            <a:off x="6576081" y="2117454"/>
+            <a:ext cx="1408103" cy="816734"/>
+            <a:chOff x="5969850" y="1066800"/>
+            <a:chExt cx="1408103" cy="816734"/>
+          </a:xfrm>
+        </p:grpSpPr>
+        <p:sp>
+          <p:nvSpPr>
+            <p:cNvPr id="122" name="직사각형 121">
+              <a:extLst>
+                <a:ext uri="{FF2B5EF4-FFF2-40B4-BE49-F238E27FC236}">
+                  <a16:creationId xmlns:a16="http://schemas.microsoft.com/office/drawing/2014/main" id="{7FEF531F-CE4C-A44D-947E-D2A16F00C5BC}"/>
+                </a:ext>
+              </a:extLst>
+            </p:cNvPr>
+            <p:cNvSpPr/>
+            <p:nvPr/>
+          </p:nvSpPr>
+          <p:spPr>
+            <a:xfrm>
+              <a:off x="5969852" y="1066800"/>
+              <a:ext cx="1408101" cy="539735"/>
+            </a:xfrm>
+            <a:prstGeom prst="rect">
+              <a:avLst/>
+            </a:prstGeom>
+            <a:ln w="25400">
+              <a:solidFill>
+                <a:srgbClr val="5DA2C5"/>
+              </a:solidFill>
+            </a:ln>
+          </p:spPr>
+          <p:style>
+            <a:lnRef idx="1">
+              <a:schemeClr val="accent1"/>
+            </a:lnRef>
+            <a:fillRef idx="0">
+              <a:schemeClr val="accent1"/>
+            </a:fillRef>
+            <a:effectRef idx="0">
+              <a:schemeClr val="accent1"/>
+            </a:effectRef>
+            <a:fontRef idx="minor">
+              <a:schemeClr val="tx1"/>
+            </a:fontRef>
+          </p:style>
+          <p:txBody>
+            <a:bodyPr rtlCol="0" anchor="ctr"/>
+            <a:lstStyle/>
+            <a:p>
+              <a:pPr algn="ctr"/>
+              <a:endParaRPr kumimoji="1" lang="ko-Kore-KR" altLang="en-US"/>
+            </a:p>
+          </p:txBody>
+        </p:sp>
+        <p:sp>
+          <p:nvSpPr>
+            <p:cNvPr id="123" name="TextBox 122">
+              <a:extLst>
+                <a:ext uri="{FF2B5EF4-FFF2-40B4-BE49-F238E27FC236}">
+                  <a16:creationId xmlns:a16="http://schemas.microsoft.com/office/drawing/2014/main" id="{97B0D6F5-19AF-FA48-8164-049417573ACB}"/>
+                </a:ext>
+              </a:extLst>
+            </p:cNvPr>
+            <p:cNvSpPr txBox="1"/>
+            <p:nvPr/>
+          </p:nvSpPr>
+          <p:spPr>
+            <a:xfrm>
+              <a:off x="6113930" y="1206425"/>
+              <a:ext cx="1165411" cy="276999"/>
+            </a:xfrm>
+            <a:prstGeom prst="rect">
+              <a:avLst/>
+            </a:prstGeom>
+            <a:noFill/>
+          </p:spPr>
+          <p:txBody>
+            <a:bodyPr wrap="square" rtlCol="0">
+              <a:spAutoFit/>
+            </a:bodyPr>
+            <a:lstStyle/>
+            <a:p>
+              <a:pPr algn="ctr"/>
+              <a:r>
+                <a:rPr kumimoji="1" lang="en-US" altLang="ko-Kore-KR" sz="1200" b="1" dirty="0">
+                  <a:solidFill>
+                    <a:srgbClr val="5DA2C5"/>
+                  </a:solidFill>
+                  <a:latin typeface="SHeadG" panose="02030600000101010101" pitchFamily="18" charset="-127"/>
+                  <a:ea typeface="SHeadG" panose="02030600000101010101" pitchFamily="18" charset="-127"/>
+                </a:rPr>
+                <a:t>U1Ops</a:t>
+              </a:r>
+              <a:endParaRPr kumimoji="1" lang="ko-Kore-KR" altLang="en-US" sz="1200" b="1" dirty="0">
+                <a:solidFill>
+                  <a:srgbClr val="5DA2C5"/>
+                </a:solidFill>
+                <a:latin typeface="SHeadG" panose="02030600000101010101" pitchFamily="18" charset="-127"/>
+                <a:ea typeface="SHeadG" panose="02030600000101010101" pitchFamily="18" charset="-127"/>
+              </a:endParaRPr>
+            </a:p>
+          </p:txBody>
+        </p:sp>
+        <p:sp>
+          <p:nvSpPr>
+            <p:cNvPr id="124" name="직사각형 123">
+              <a:extLst>
+                <a:ext uri="{FF2B5EF4-FFF2-40B4-BE49-F238E27FC236}">
+                  <a16:creationId xmlns:a16="http://schemas.microsoft.com/office/drawing/2014/main" id="{0118C7F3-7520-C247-AEED-B24B0C0D98DB}"/>
+                </a:ext>
+              </a:extLst>
+            </p:cNvPr>
+            <p:cNvSpPr/>
+            <p:nvPr/>
+          </p:nvSpPr>
+          <p:spPr>
+            <a:xfrm>
+              <a:off x="5969851" y="1606535"/>
+              <a:ext cx="1408101" cy="276999"/>
+            </a:xfrm>
+            <a:prstGeom prst="rect">
+              <a:avLst/>
+            </a:prstGeom>
+            <a:ln w="25400">
+              <a:solidFill>
+                <a:srgbClr val="5DA2C5"/>
+              </a:solidFill>
+            </a:ln>
+          </p:spPr>
+          <p:style>
+            <a:lnRef idx="1">
+              <a:schemeClr val="accent1"/>
+            </a:lnRef>
+            <a:fillRef idx="0">
+              <a:schemeClr val="accent1"/>
+            </a:fillRef>
+            <a:effectRef idx="0">
+              <a:schemeClr val="accent1"/>
+            </a:effectRef>
+            <a:fontRef idx="minor">
+              <a:schemeClr val="tx1"/>
+            </a:fontRef>
+          </p:style>
+          <p:txBody>
+            <a:bodyPr rtlCol="0" anchor="ctr"/>
+            <a:lstStyle/>
+            <a:p>
+              <a:pPr algn="ctr"/>
+              <a:endParaRPr kumimoji="1" lang="ko-Kore-KR" altLang="en-US"/>
+            </a:p>
+          </p:txBody>
+        </p:sp>
+        <p:sp>
+          <p:nvSpPr>
+            <p:cNvPr id="138" name="TextBox 137">
+              <a:extLst>
+                <a:ext uri="{FF2B5EF4-FFF2-40B4-BE49-F238E27FC236}">
+                  <a16:creationId xmlns:a16="http://schemas.microsoft.com/office/drawing/2014/main" id="{06AFA6E0-71F1-434F-917C-93473AAD01E6}"/>
+                </a:ext>
+              </a:extLst>
+            </p:cNvPr>
+            <p:cNvSpPr txBox="1"/>
+            <p:nvPr/>
+          </p:nvSpPr>
+          <p:spPr>
+            <a:xfrm>
+              <a:off x="5969850" y="1592129"/>
+              <a:ext cx="1408101" cy="261610"/>
+            </a:xfrm>
+            <a:prstGeom prst="rect">
+              <a:avLst/>
+            </a:prstGeom>
+            <a:noFill/>
+          </p:spPr>
+          <p:txBody>
+            <a:bodyPr wrap="square" rtlCol="0">
+              <a:spAutoFit/>
+            </a:bodyPr>
+            <a:lstStyle/>
+            <a:p>
+              <a:pPr algn="ctr"/>
+              <a:r>
+                <a:rPr kumimoji="1" lang="en-US" altLang="ko-KR" sz="1050" dirty="0">
+                  <a:solidFill>
+                    <a:srgbClr val="5DA2C5"/>
+                  </a:solidFill>
+                  <a:latin typeface="SHeadG" panose="02030600000101010101" pitchFamily="18" charset="-127"/>
+                  <a:ea typeface="SHeadG" panose="02030600000101010101" pitchFamily="18" charset="-127"/>
+                </a:rPr>
+                <a:t>+op1</a:t>
+              </a:r>
+              <a:endParaRPr kumimoji="1" lang="ko-Kore-KR" altLang="en-US" sz="1050" dirty="0">
+                <a:solidFill>
+                  <a:srgbClr val="5DA2C5"/>
+                </a:solidFill>
+                <a:latin typeface="SHeadG" panose="02030600000101010101" pitchFamily="18" charset="-127"/>
+                <a:ea typeface="SHeadG" panose="02030600000101010101" pitchFamily="18" charset="-127"/>
+              </a:endParaRPr>
+            </a:p>
+          </p:txBody>
+        </p:sp>
+      </p:grpSp>
+      <p:cxnSp>
+        <p:nvCxnSpPr>
+          <p:cNvPr id="139" name="직선 화살표 연결선 138">
+            <a:extLst>
+              <a:ext uri="{FF2B5EF4-FFF2-40B4-BE49-F238E27FC236}">
+                <a16:creationId xmlns:a16="http://schemas.microsoft.com/office/drawing/2014/main" id="{3E52F7E7-9B99-104E-ACC4-F96E2AEFB08F}"/>
+              </a:ext>
+            </a:extLst>
+          </p:cNvPr>
+          <p:cNvCxnSpPr>
+            <a:cxnSpLocks/>
+            <a:stCxn id="95" idx="2"/>
+            <a:endCxn id="122" idx="0"/>
+          </p:cNvCxnSpPr>
+          <p:nvPr/>
+        </p:nvCxnSpPr>
+        <p:spPr>
+          <a:xfrm flipH="1">
+            <a:off x="7280134" y="1577719"/>
+            <a:ext cx="3368" cy="539735"/>
+          </a:xfrm>
+          <a:prstGeom prst="straightConnector1">
+            <a:avLst/>
+          </a:prstGeom>
+          <a:ln w="19050">
+            <a:solidFill>
+              <a:srgbClr val="5DA2C5"/>
+            </a:solidFill>
+            <a:tailEnd type="stealth" w="lg" len="lg"/>
+          </a:ln>
+        </p:spPr>
+        <p:style>
+          <a:lnRef idx="1">
+            <a:schemeClr val="accent1"/>
+          </a:lnRef>
+          <a:fillRef idx="0">
+            <a:schemeClr val="accent1"/>
+          </a:fillRef>
+          <a:effectRef idx="0">
+            <a:schemeClr val="accent1"/>
+          </a:effectRef>
+          <a:fontRef idx="minor">
+            <a:schemeClr val="tx1"/>
+          </a:fontRef>
+        </p:style>
+      </p:cxnSp>
+      <p:grpSp>
+        <p:nvGrpSpPr>
+          <p:cNvPr id="140" name="그룹 139">
+            <a:extLst>
+              <a:ext uri="{FF2B5EF4-FFF2-40B4-BE49-F238E27FC236}">
+                <a16:creationId xmlns:a16="http://schemas.microsoft.com/office/drawing/2014/main" id="{94ACC505-25C4-4D4F-B7FC-359A83AF0F0F}"/>
+              </a:ext>
+            </a:extLst>
+          </p:cNvPr>
+          <p:cNvGrpSpPr/>
+          <p:nvPr/>
+        </p:nvGrpSpPr>
+        <p:grpSpPr>
+          <a:xfrm>
+            <a:off x="8291706" y="2125711"/>
+            <a:ext cx="1408103" cy="816734"/>
+            <a:chOff x="5969850" y="1066800"/>
+            <a:chExt cx="1408103" cy="816734"/>
+          </a:xfrm>
+        </p:grpSpPr>
+        <p:sp>
+          <p:nvSpPr>
+            <p:cNvPr id="141" name="직사각형 140">
+              <a:extLst>
+                <a:ext uri="{FF2B5EF4-FFF2-40B4-BE49-F238E27FC236}">
+                  <a16:creationId xmlns:a16="http://schemas.microsoft.com/office/drawing/2014/main" id="{28DF5AD1-CEA0-BE43-B2DC-981824D56D83}"/>
+                </a:ext>
+              </a:extLst>
+            </p:cNvPr>
+            <p:cNvSpPr/>
+            <p:nvPr/>
+          </p:nvSpPr>
+          <p:spPr>
+            <a:xfrm>
+              <a:off x="5969852" y="1066800"/>
+              <a:ext cx="1408101" cy="539735"/>
+            </a:xfrm>
+            <a:prstGeom prst="rect">
+              <a:avLst/>
+            </a:prstGeom>
+            <a:ln w="25400">
+              <a:solidFill>
+                <a:srgbClr val="5DA2C5"/>
+              </a:solidFill>
+            </a:ln>
+          </p:spPr>
+          <p:style>
+            <a:lnRef idx="1">
+              <a:schemeClr val="accent1"/>
+            </a:lnRef>
+            <a:fillRef idx="0">
+              <a:schemeClr val="accent1"/>
+            </a:fillRef>
+            <a:effectRef idx="0">
+              <a:schemeClr val="accent1"/>
+            </a:effectRef>
+            <a:fontRef idx="minor">
+              <a:schemeClr val="tx1"/>
+            </a:fontRef>
+          </p:style>
+          <p:txBody>
+            <a:bodyPr rtlCol="0" anchor="ctr"/>
+            <a:lstStyle/>
+            <a:p>
+              <a:pPr algn="ctr"/>
+              <a:endParaRPr kumimoji="1" lang="ko-Kore-KR" altLang="en-US"/>
+            </a:p>
+          </p:txBody>
+        </p:sp>
+        <p:sp>
+          <p:nvSpPr>
+            <p:cNvPr id="142" name="TextBox 141">
+              <a:extLst>
+                <a:ext uri="{FF2B5EF4-FFF2-40B4-BE49-F238E27FC236}">
+                  <a16:creationId xmlns:a16="http://schemas.microsoft.com/office/drawing/2014/main" id="{24CDEAD7-772E-9B4E-B81E-4F83A9493308}"/>
+                </a:ext>
+              </a:extLst>
+            </p:cNvPr>
+            <p:cNvSpPr txBox="1"/>
+            <p:nvPr/>
+          </p:nvSpPr>
+          <p:spPr>
+            <a:xfrm>
+              <a:off x="6113930" y="1206425"/>
+              <a:ext cx="1165411" cy="276999"/>
+            </a:xfrm>
+            <a:prstGeom prst="rect">
+              <a:avLst/>
+            </a:prstGeom>
+            <a:noFill/>
+          </p:spPr>
+          <p:txBody>
+            <a:bodyPr wrap="square" rtlCol="0">
+              <a:spAutoFit/>
+            </a:bodyPr>
+            <a:lstStyle/>
+            <a:p>
+              <a:pPr algn="ctr"/>
+              <a:r>
+                <a:rPr kumimoji="1" lang="en-US" altLang="ko-Kore-KR" sz="1200" b="1" dirty="0">
+                  <a:solidFill>
+                    <a:srgbClr val="5DA2C5"/>
+                  </a:solidFill>
+                  <a:latin typeface="SHeadG" panose="02030600000101010101" pitchFamily="18" charset="-127"/>
+                  <a:ea typeface="SHeadG" panose="02030600000101010101" pitchFamily="18" charset="-127"/>
+                </a:rPr>
+                <a:t>U2Ops</a:t>
+              </a:r>
+              <a:endParaRPr kumimoji="1" lang="ko-Kore-KR" altLang="en-US" sz="1200" b="1" dirty="0">
+                <a:solidFill>
+                  <a:srgbClr val="5DA2C5"/>
+                </a:solidFill>
+                <a:latin typeface="SHeadG" panose="02030600000101010101" pitchFamily="18" charset="-127"/>
+                <a:ea typeface="SHeadG" panose="02030600000101010101" pitchFamily="18" charset="-127"/>
+              </a:endParaRPr>
+            </a:p>
+          </p:txBody>
+        </p:sp>
+        <p:sp>
+          <p:nvSpPr>
+            <p:cNvPr id="143" name="직사각형 142">
+              <a:extLst>
+                <a:ext uri="{FF2B5EF4-FFF2-40B4-BE49-F238E27FC236}">
+                  <a16:creationId xmlns:a16="http://schemas.microsoft.com/office/drawing/2014/main" id="{7CCF5AD6-3F54-4F4E-BEFC-32000AA45165}"/>
+                </a:ext>
+              </a:extLst>
+            </p:cNvPr>
+            <p:cNvSpPr/>
+            <p:nvPr/>
+          </p:nvSpPr>
+          <p:spPr>
+            <a:xfrm>
+              <a:off x="5969851" y="1606535"/>
+              <a:ext cx="1408101" cy="276999"/>
+            </a:xfrm>
+            <a:prstGeom prst="rect">
+              <a:avLst/>
+            </a:prstGeom>
+            <a:ln w="25400">
+              <a:solidFill>
+                <a:srgbClr val="5DA2C5"/>
+              </a:solidFill>
+            </a:ln>
+          </p:spPr>
+          <p:style>
+            <a:lnRef idx="1">
+              <a:schemeClr val="accent1"/>
+            </a:lnRef>
+            <a:fillRef idx="0">
+              <a:schemeClr val="accent1"/>
+            </a:fillRef>
+            <a:effectRef idx="0">
+              <a:schemeClr val="accent1"/>
+            </a:effectRef>
+            <a:fontRef idx="minor">
+              <a:schemeClr val="tx1"/>
+            </a:fontRef>
+          </p:style>
+          <p:txBody>
+            <a:bodyPr rtlCol="0" anchor="ctr"/>
+            <a:lstStyle/>
+            <a:p>
+              <a:pPr algn="ctr"/>
+              <a:endParaRPr kumimoji="1" lang="ko-Kore-KR" altLang="en-US"/>
+            </a:p>
+          </p:txBody>
+        </p:sp>
+        <p:sp>
+          <p:nvSpPr>
+            <p:cNvPr id="144" name="TextBox 143">
+              <a:extLst>
+                <a:ext uri="{FF2B5EF4-FFF2-40B4-BE49-F238E27FC236}">
+                  <a16:creationId xmlns:a16="http://schemas.microsoft.com/office/drawing/2014/main" id="{54D7FD49-F8F5-5D49-9B61-4ED4BF3D42EE}"/>
+                </a:ext>
+              </a:extLst>
+            </p:cNvPr>
+            <p:cNvSpPr txBox="1"/>
+            <p:nvPr/>
+          </p:nvSpPr>
+          <p:spPr>
+            <a:xfrm>
+              <a:off x="5969850" y="1592129"/>
+              <a:ext cx="1408101" cy="261610"/>
+            </a:xfrm>
+            <a:prstGeom prst="rect">
+              <a:avLst/>
+            </a:prstGeom>
+            <a:noFill/>
+          </p:spPr>
+          <p:txBody>
+            <a:bodyPr wrap="square" rtlCol="0">
+              <a:spAutoFit/>
+            </a:bodyPr>
+            <a:lstStyle/>
+            <a:p>
+              <a:pPr algn="ctr"/>
+              <a:r>
+                <a:rPr kumimoji="1" lang="en-US" altLang="ko-KR" sz="1050" dirty="0">
+                  <a:solidFill>
+                    <a:srgbClr val="5DA2C5"/>
+                  </a:solidFill>
+                  <a:latin typeface="SHeadG" panose="02030600000101010101" pitchFamily="18" charset="-127"/>
+                  <a:ea typeface="SHeadG" panose="02030600000101010101" pitchFamily="18" charset="-127"/>
+                </a:rPr>
+                <a:t>+op2</a:t>
+              </a:r>
+              <a:endParaRPr kumimoji="1" lang="ko-Kore-KR" altLang="en-US" sz="1050" dirty="0">
+                <a:solidFill>
+                  <a:srgbClr val="5DA2C5"/>
+                </a:solidFill>
+                <a:latin typeface="SHeadG" panose="02030600000101010101" pitchFamily="18" charset="-127"/>
+                <a:ea typeface="SHeadG" panose="02030600000101010101" pitchFamily="18" charset="-127"/>
+              </a:endParaRPr>
+            </a:p>
+          </p:txBody>
+        </p:sp>
+      </p:grpSp>
+      <p:grpSp>
+        <p:nvGrpSpPr>
+          <p:cNvPr id="146" name="그룹 145">
+            <a:extLst>
+              <a:ext uri="{FF2B5EF4-FFF2-40B4-BE49-F238E27FC236}">
+                <a16:creationId xmlns:a16="http://schemas.microsoft.com/office/drawing/2014/main" id="{492D4558-B051-F340-B416-8FB8EFC86F6E}"/>
+              </a:ext>
+            </a:extLst>
+          </p:cNvPr>
+          <p:cNvGrpSpPr/>
+          <p:nvPr/>
+        </p:nvGrpSpPr>
+        <p:grpSpPr>
+          <a:xfrm>
+            <a:off x="10003963" y="2117452"/>
+            <a:ext cx="1408103" cy="816734"/>
+            <a:chOff x="5969850" y="1066800"/>
+            <a:chExt cx="1408103" cy="816734"/>
+          </a:xfrm>
+        </p:grpSpPr>
+        <p:sp>
+          <p:nvSpPr>
+            <p:cNvPr id="147" name="직사각형 146">
+              <a:extLst>
+                <a:ext uri="{FF2B5EF4-FFF2-40B4-BE49-F238E27FC236}">
+                  <a16:creationId xmlns:a16="http://schemas.microsoft.com/office/drawing/2014/main" id="{488AF9FD-96C3-554E-B536-14254E57B182}"/>
+                </a:ext>
+              </a:extLst>
+            </p:cNvPr>
+            <p:cNvSpPr/>
+            <p:nvPr/>
+          </p:nvSpPr>
+          <p:spPr>
+            <a:xfrm>
+              <a:off x="5969852" y="1066800"/>
+              <a:ext cx="1408101" cy="539735"/>
+            </a:xfrm>
+            <a:prstGeom prst="rect">
+              <a:avLst/>
+            </a:prstGeom>
+            <a:ln w="25400">
+              <a:solidFill>
+                <a:srgbClr val="5DA2C5"/>
+              </a:solidFill>
+            </a:ln>
+          </p:spPr>
+          <p:style>
+            <a:lnRef idx="1">
+              <a:schemeClr val="accent1"/>
+            </a:lnRef>
+            <a:fillRef idx="0">
+              <a:schemeClr val="accent1"/>
+            </a:fillRef>
+            <a:effectRef idx="0">
+              <a:schemeClr val="accent1"/>
+            </a:effectRef>
+            <a:fontRef idx="minor">
+              <a:schemeClr val="tx1"/>
+            </a:fontRef>
+          </p:style>
+          <p:txBody>
+            <a:bodyPr rtlCol="0" anchor="ctr"/>
+            <a:lstStyle/>
+            <a:p>
+              <a:pPr algn="ctr"/>
+              <a:endParaRPr kumimoji="1" lang="ko-Kore-KR" altLang="en-US"/>
+            </a:p>
+          </p:txBody>
+        </p:sp>
+        <p:sp>
+          <p:nvSpPr>
+            <p:cNvPr id="148" name="TextBox 147">
+              <a:extLst>
+                <a:ext uri="{FF2B5EF4-FFF2-40B4-BE49-F238E27FC236}">
+                  <a16:creationId xmlns:a16="http://schemas.microsoft.com/office/drawing/2014/main" id="{743C3C3A-2E6E-874F-8E29-9A91D32D697E}"/>
+                </a:ext>
+              </a:extLst>
+            </p:cNvPr>
+            <p:cNvSpPr txBox="1"/>
+            <p:nvPr/>
+          </p:nvSpPr>
+          <p:spPr>
+            <a:xfrm>
+              <a:off x="6113930" y="1206425"/>
+              <a:ext cx="1165411" cy="276999"/>
+            </a:xfrm>
+            <a:prstGeom prst="rect">
+              <a:avLst/>
+            </a:prstGeom>
+            <a:noFill/>
+          </p:spPr>
+          <p:txBody>
+            <a:bodyPr wrap="square" rtlCol="0">
+              <a:spAutoFit/>
+            </a:bodyPr>
+            <a:lstStyle/>
+            <a:p>
+              <a:pPr algn="ctr"/>
+              <a:r>
+                <a:rPr kumimoji="1" lang="en-US" altLang="ko-Kore-KR" sz="1200" b="1" dirty="0">
+                  <a:solidFill>
+                    <a:srgbClr val="5DA2C5"/>
+                  </a:solidFill>
+                  <a:latin typeface="SHeadG" panose="02030600000101010101" pitchFamily="18" charset="-127"/>
+                  <a:ea typeface="SHeadG" panose="02030600000101010101" pitchFamily="18" charset="-127"/>
+                </a:rPr>
+                <a:t>U3Ops</a:t>
+              </a:r>
+              <a:endParaRPr kumimoji="1" lang="ko-Kore-KR" altLang="en-US" sz="1200" b="1" dirty="0">
+                <a:solidFill>
+                  <a:srgbClr val="5DA2C5"/>
+                </a:solidFill>
+                <a:latin typeface="SHeadG" panose="02030600000101010101" pitchFamily="18" charset="-127"/>
+                <a:ea typeface="SHeadG" panose="02030600000101010101" pitchFamily="18" charset="-127"/>
+              </a:endParaRPr>
+            </a:p>
+          </p:txBody>
+        </p:sp>
+        <p:sp>
+          <p:nvSpPr>
+            <p:cNvPr id="149" name="직사각형 148">
+              <a:extLst>
+                <a:ext uri="{FF2B5EF4-FFF2-40B4-BE49-F238E27FC236}">
+                  <a16:creationId xmlns:a16="http://schemas.microsoft.com/office/drawing/2014/main" id="{93AECF68-7E68-AE4F-8EF0-5F6367CD78B3}"/>
+                </a:ext>
+              </a:extLst>
+            </p:cNvPr>
+            <p:cNvSpPr/>
+            <p:nvPr/>
+          </p:nvSpPr>
+          <p:spPr>
+            <a:xfrm>
+              <a:off x="5969851" y="1606535"/>
+              <a:ext cx="1408101" cy="276999"/>
+            </a:xfrm>
+            <a:prstGeom prst="rect">
+              <a:avLst/>
+            </a:prstGeom>
+            <a:ln w="25400">
+              <a:solidFill>
+                <a:srgbClr val="5DA2C5"/>
+              </a:solidFill>
+            </a:ln>
+          </p:spPr>
+          <p:style>
+            <a:lnRef idx="1">
+              <a:schemeClr val="accent1"/>
+            </a:lnRef>
+            <a:fillRef idx="0">
+              <a:schemeClr val="accent1"/>
+            </a:fillRef>
+            <a:effectRef idx="0">
+              <a:schemeClr val="accent1"/>
+            </a:effectRef>
+            <a:fontRef idx="minor">
+              <a:schemeClr val="tx1"/>
+            </a:fontRef>
+          </p:style>
+          <p:txBody>
+            <a:bodyPr rtlCol="0" anchor="ctr"/>
+            <a:lstStyle/>
+            <a:p>
+              <a:pPr algn="ctr"/>
+              <a:endParaRPr kumimoji="1" lang="ko-Kore-KR" altLang="en-US"/>
+            </a:p>
+          </p:txBody>
+        </p:sp>
+        <p:sp>
+          <p:nvSpPr>
+            <p:cNvPr id="150" name="TextBox 149">
+              <a:extLst>
+                <a:ext uri="{FF2B5EF4-FFF2-40B4-BE49-F238E27FC236}">
+                  <a16:creationId xmlns:a16="http://schemas.microsoft.com/office/drawing/2014/main" id="{A1747015-A1CA-624F-B45C-0C699E868AAA}"/>
+                </a:ext>
+              </a:extLst>
+            </p:cNvPr>
+            <p:cNvSpPr txBox="1"/>
+            <p:nvPr/>
+          </p:nvSpPr>
+          <p:spPr>
+            <a:xfrm>
+              <a:off x="5969850" y="1592129"/>
+              <a:ext cx="1408101" cy="261610"/>
+            </a:xfrm>
+            <a:prstGeom prst="rect">
+              <a:avLst/>
+            </a:prstGeom>
+            <a:noFill/>
+          </p:spPr>
+          <p:txBody>
+            <a:bodyPr wrap="square" rtlCol="0">
+              <a:spAutoFit/>
+            </a:bodyPr>
+            <a:lstStyle/>
+            <a:p>
+              <a:pPr algn="ctr"/>
+              <a:r>
+                <a:rPr kumimoji="1" lang="en-US" altLang="ko-KR" sz="1050" dirty="0">
+                  <a:solidFill>
+                    <a:srgbClr val="5DA2C5"/>
+                  </a:solidFill>
+                  <a:latin typeface="SHeadG" panose="02030600000101010101" pitchFamily="18" charset="-127"/>
+                  <a:ea typeface="SHeadG" panose="02030600000101010101" pitchFamily="18" charset="-127"/>
+                </a:rPr>
+                <a:t>+op3</a:t>
+              </a:r>
+              <a:endParaRPr kumimoji="1" lang="ko-Kore-KR" altLang="en-US" sz="1050" dirty="0">
+                <a:solidFill>
+                  <a:srgbClr val="5DA2C5"/>
+                </a:solidFill>
+                <a:latin typeface="SHeadG" panose="02030600000101010101" pitchFamily="18" charset="-127"/>
+                <a:ea typeface="SHeadG" panose="02030600000101010101" pitchFamily="18" charset="-127"/>
+              </a:endParaRPr>
+            </a:p>
+          </p:txBody>
+        </p:sp>
+      </p:grpSp>
+      <p:cxnSp>
+        <p:nvCxnSpPr>
+          <p:cNvPr id="151" name="직선 화살표 연결선 150">
+            <a:extLst>
+              <a:ext uri="{FF2B5EF4-FFF2-40B4-BE49-F238E27FC236}">
+                <a16:creationId xmlns:a16="http://schemas.microsoft.com/office/drawing/2014/main" id="{CFBCF20F-85B0-F344-9EC0-0D279D70D00E}"/>
+              </a:ext>
+            </a:extLst>
+          </p:cNvPr>
+          <p:cNvCxnSpPr>
+            <a:cxnSpLocks/>
+            <a:stCxn id="102" idx="0"/>
+            <a:endCxn id="143" idx="2"/>
+          </p:cNvCxnSpPr>
+          <p:nvPr/>
+        </p:nvCxnSpPr>
+        <p:spPr>
+          <a:xfrm flipH="1" flipV="1">
+            <a:off x="8995758" y="2942445"/>
+            <a:ext cx="1" cy="495534"/>
+          </a:xfrm>
+          <a:prstGeom prst="straightConnector1">
+            <a:avLst/>
+          </a:prstGeom>
+          <a:ln w="19050">
+            <a:solidFill>
+              <a:srgbClr val="5DA2C5"/>
+            </a:solidFill>
+            <a:tailEnd type="stealth" w="lg" len="lg"/>
+          </a:ln>
+        </p:spPr>
+        <p:style>
+          <a:lnRef idx="1">
+            <a:schemeClr val="accent1"/>
+          </a:lnRef>
+          <a:fillRef idx="0">
+            <a:schemeClr val="accent1"/>
+          </a:fillRef>
+          <a:effectRef idx="0">
+            <a:schemeClr val="accent1"/>
+          </a:effectRef>
+          <a:fontRef idx="minor">
+            <a:schemeClr val="tx1"/>
+          </a:fontRef>
+        </p:style>
+      </p:cxnSp>
+      <p:cxnSp>
+        <p:nvCxnSpPr>
+          <p:cNvPr id="152" name="직선 화살표 연결선 151">
+            <a:extLst>
+              <a:ext uri="{FF2B5EF4-FFF2-40B4-BE49-F238E27FC236}">
+                <a16:creationId xmlns:a16="http://schemas.microsoft.com/office/drawing/2014/main" id="{8CC8FCF3-6AAB-6042-BC2A-5DD6702DD986}"/>
+              </a:ext>
+            </a:extLst>
+          </p:cNvPr>
+          <p:cNvCxnSpPr>
+            <a:cxnSpLocks/>
+            <a:stCxn id="117" idx="2"/>
+            <a:endCxn id="147" idx="0"/>
+          </p:cNvCxnSpPr>
+          <p:nvPr/>
+        </p:nvCxnSpPr>
+        <p:spPr>
+          <a:xfrm flipH="1">
+            <a:off x="10708016" y="1572274"/>
+            <a:ext cx="4" cy="545178"/>
+          </a:xfrm>
+          <a:prstGeom prst="straightConnector1">
+            <a:avLst/>
+          </a:prstGeom>
+          <a:ln w="19050">
+            <a:solidFill>
+              <a:srgbClr val="5DA2C5"/>
+            </a:solidFill>
+            <a:tailEnd type="stealth" w="lg" len="lg"/>
+          </a:ln>
+        </p:spPr>
+        <p:style>
+          <a:lnRef idx="1">
+            <a:schemeClr val="accent1"/>
+          </a:lnRef>
+          <a:fillRef idx="0">
+            <a:schemeClr val="accent1"/>
+          </a:fillRef>
+          <a:effectRef idx="0">
+            <a:schemeClr val="accent1"/>
+          </a:effectRef>
+          <a:fontRef idx="minor">
+            <a:schemeClr val="tx1"/>
+          </a:fontRef>
+        </p:style>
+      </p:cxnSp>
+      <p:sp>
+        <p:nvSpPr>
+          <p:cNvPr id="56" name="직사각형 55">
+            <a:extLst>
+              <a:ext uri="{FF2B5EF4-FFF2-40B4-BE49-F238E27FC236}">
+                <a16:creationId xmlns:a16="http://schemas.microsoft.com/office/drawing/2014/main" id="{14F174C8-9B9A-AD4A-BD35-A9F007DED8C9}"/>
+              </a:ext>
+            </a:extLst>
+          </p:cNvPr>
+          <p:cNvSpPr/>
+          <p:nvPr/>
+        </p:nvSpPr>
+        <p:spPr>
+          <a:xfrm>
+            <a:off x="7584676" y="2061836"/>
+            <a:ext cx="450764" cy="369332"/>
+          </a:xfrm>
+          <a:prstGeom prst="rect">
+            <a:avLst/>
+          </a:prstGeom>
+        </p:spPr>
+        <p:txBody>
+          <a:bodyPr wrap="none">
+            <a:spAutoFit/>
+          </a:bodyPr>
+          <a:lstStyle/>
+          <a:p>
+            <a:r>
+              <a:rPr kumimoji="1" lang="en-US" altLang="ko-Kore-KR" b="1" dirty="0">
+                <a:solidFill>
+                  <a:srgbClr val="5DA2C5"/>
+                </a:solidFill>
+                <a:latin typeface="SHeadG" panose="02030600000101010101" pitchFamily="18" charset="-127"/>
+                <a:ea typeface="SHeadG" panose="02030600000101010101" pitchFamily="18" charset="-127"/>
+              </a:rPr>
+              <a:t>&lt;I&gt;</a:t>
+            </a:r>
+            <a:endParaRPr lang="ko-Kore-KR" altLang="en-US" dirty="0"/>
+          </a:p>
+        </p:txBody>
+      </p:sp>
+      <p:sp>
+        <p:nvSpPr>
+          <p:cNvPr id="153" name="직사각형 152">
+            <a:extLst>
+              <a:ext uri="{FF2B5EF4-FFF2-40B4-BE49-F238E27FC236}">
+                <a16:creationId xmlns:a16="http://schemas.microsoft.com/office/drawing/2014/main" id="{B7783E7F-1D80-DD44-A2F7-F9163FA7BA71}"/>
+              </a:ext>
+            </a:extLst>
+          </p:cNvPr>
+          <p:cNvSpPr/>
+          <p:nvPr/>
+        </p:nvSpPr>
+        <p:spPr>
+          <a:xfrm>
+            <a:off x="9305364" y="2070946"/>
+            <a:ext cx="450764" cy="369332"/>
+          </a:xfrm>
+          <a:prstGeom prst="rect">
+            <a:avLst/>
+          </a:prstGeom>
+        </p:spPr>
+        <p:txBody>
+          <a:bodyPr wrap="none">
+            <a:spAutoFit/>
+          </a:bodyPr>
+          <a:lstStyle/>
+          <a:p>
+            <a:r>
+              <a:rPr kumimoji="1" lang="en-US" altLang="ko-Kore-KR" b="1" dirty="0">
+                <a:solidFill>
+                  <a:srgbClr val="5DA2C5"/>
+                </a:solidFill>
+                <a:latin typeface="SHeadG" panose="02030600000101010101" pitchFamily="18" charset="-127"/>
+                <a:ea typeface="SHeadG" panose="02030600000101010101" pitchFamily="18" charset="-127"/>
+              </a:rPr>
+              <a:t>&lt;I&gt;</a:t>
+            </a:r>
+            <a:endParaRPr lang="ko-Kore-KR" altLang="en-US" dirty="0"/>
+          </a:p>
+        </p:txBody>
+      </p:sp>
+      <p:sp>
+        <p:nvSpPr>
+          <p:cNvPr id="154" name="직사각형 153">
+            <a:extLst>
+              <a:ext uri="{FF2B5EF4-FFF2-40B4-BE49-F238E27FC236}">
+                <a16:creationId xmlns:a16="http://schemas.microsoft.com/office/drawing/2014/main" id="{95C42607-D69E-A949-9EC9-7206E41AFED1}"/>
+              </a:ext>
+            </a:extLst>
+          </p:cNvPr>
+          <p:cNvSpPr/>
+          <p:nvPr/>
+        </p:nvSpPr>
+        <p:spPr>
+          <a:xfrm>
+            <a:off x="11010608" y="2070946"/>
+            <a:ext cx="450764" cy="369332"/>
+          </a:xfrm>
+          <a:prstGeom prst="rect">
+            <a:avLst/>
+          </a:prstGeom>
+        </p:spPr>
+        <p:txBody>
+          <a:bodyPr wrap="none">
+            <a:spAutoFit/>
+          </a:bodyPr>
+          <a:lstStyle/>
+          <a:p>
+            <a:r>
+              <a:rPr kumimoji="1" lang="en-US" altLang="ko-Kore-KR" b="1" dirty="0">
+                <a:solidFill>
+                  <a:srgbClr val="5DA2C5"/>
+                </a:solidFill>
+                <a:latin typeface="SHeadG" panose="02030600000101010101" pitchFamily="18" charset="-127"/>
+                <a:ea typeface="SHeadG" panose="02030600000101010101" pitchFamily="18" charset="-127"/>
+              </a:rPr>
+              <a:t>&lt;I&gt;</a:t>
+            </a:r>
+            <a:endParaRPr lang="ko-Kore-KR" altLang="en-US" dirty="0"/>
+          </a:p>
+        </p:txBody>
+      </p:sp>
+      <p:grpSp>
+        <p:nvGrpSpPr>
+          <p:cNvPr id="164" name="그룹 163">
+            <a:extLst>
+              <a:ext uri="{FF2B5EF4-FFF2-40B4-BE49-F238E27FC236}">
+                <a16:creationId xmlns:a16="http://schemas.microsoft.com/office/drawing/2014/main" id="{61661ECB-F114-5F4E-94CD-FA55477DDE5E}"/>
+              </a:ext>
+            </a:extLst>
+          </p:cNvPr>
+          <p:cNvGrpSpPr/>
+          <p:nvPr/>
+        </p:nvGrpSpPr>
+        <p:grpSpPr>
+          <a:xfrm>
+            <a:off x="727846" y="4735101"/>
+            <a:ext cx="1408101" cy="539735"/>
+            <a:chOff x="3737640" y="1066800"/>
+            <a:chExt cx="1408101" cy="539735"/>
+          </a:xfrm>
+        </p:grpSpPr>
+        <p:sp>
+          <p:nvSpPr>
+            <p:cNvPr id="165" name="직사각형 164">
+              <a:extLst>
+                <a:ext uri="{FF2B5EF4-FFF2-40B4-BE49-F238E27FC236}">
+                  <a16:creationId xmlns:a16="http://schemas.microsoft.com/office/drawing/2014/main" id="{256B8A9B-F7C1-9F43-910B-82C5BC192B13}"/>
+                </a:ext>
+              </a:extLst>
+            </p:cNvPr>
+            <p:cNvSpPr/>
+            <p:nvPr/>
+          </p:nvSpPr>
+          <p:spPr>
+            <a:xfrm>
+              <a:off x="3737640" y="1066800"/>
+              <a:ext cx="1408101" cy="539735"/>
+            </a:xfrm>
+            <a:prstGeom prst="rect">
+              <a:avLst/>
+            </a:prstGeom>
+            <a:ln w="25400">
+              <a:solidFill>
+                <a:srgbClr val="5DA2C5"/>
+              </a:solidFill>
+            </a:ln>
+          </p:spPr>
+          <p:style>
+            <a:lnRef idx="1">
+              <a:schemeClr val="accent1"/>
+            </a:lnRef>
+            <a:fillRef idx="0">
+              <a:schemeClr val="accent1"/>
+            </a:fillRef>
+            <a:effectRef idx="0">
+              <a:schemeClr val="accent1"/>
+            </a:effectRef>
+            <a:fontRef idx="minor">
+              <a:schemeClr val="tx1"/>
+            </a:fontRef>
+          </p:style>
+          <p:txBody>
+            <a:bodyPr rtlCol="0" anchor="ctr"/>
+            <a:lstStyle/>
+            <a:p>
+              <a:pPr algn="ctr"/>
+              <a:endParaRPr kumimoji="1" lang="ko-Kore-KR" altLang="en-US"/>
+            </a:p>
+          </p:txBody>
+        </p:sp>
+        <p:sp>
+          <p:nvSpPr>
+            <p:cNvPr id="166" name="TextBox 165">
+              <a:extLst>
+                <a:ext uri="{FF2B5EF4-FFF2-40B4-BE49-F238E27FC236}">
+                  <a16:creationId xmlns:a16="http://schemas.microsoft.com/office/drawing/2014/main" id="{21C5DFCB-AE35-F046-A8B9-6DBCFAB4231A}"/>
+                </a:ext>
+              </a:extLst>
+            </p:cNvPr>
+            <p:cNvSpPr txBox="1"/>
+            <p:nvPr/>
+          </p:nvSpPr>
+          <p:spPr>
+            <a:xfrm>
+              <a:off x="3737640" y="1198167"/>
+              <a:ext cx="1408101" cy="276999"/>
+            </a:xfrm>
+            <a:prstGeom prst="rect">
+              <a:avLst/>
+            </a:prstGeom>
+            <a:noFill/>
+          </p:spPr>
+          <p:txBody>
+            <a:bodyPr wrap="square" rtlCol="0">
+              <a:spAutoFit/>
+            </a:bodyPr>
+            <a:lstStyle/>
+            <a:p>
+              <a:pPr algn="ctr"/>
+              <a:r>
+                <a:rPr kumimoji="1" lang="en-US" altLang="ko-Kore-KR" sz="1200" b="1" dirty="0">
+                  <a:solidFill>
+                    <a:srgbClr val="5DA2C5"/>
+                  </a:solidFill>
+                  <a:latin typeface="SHeadG" panose="02030600000101010101" pitchFamily="18" charset="-127"/>
+                  <a:ea typeface="SHeadG" panose="02030600000101010101" pitchFamily="18" charset="-127"/>
+                </a:rPr>
+                <a:t>System S</a:t>
+              </a:r>
+              <a:endParaRPr kumimoji="1" lang="ko-Kore-KR" altLang="en-US" sz="1200" b="1" dirty="0">
+                <a:solidFill>
+                  <a:srgbClr val="5DA2C5"/>
+                </a:solidFill>
+                <a:latin typeface="SHeadG" panose="02030600000101010101" pitchFamily="18" charset="-127"/>
+                <a:ea typeface="SHeadG" panose="02030600000101010101" pitchFamily="18" charset="-127"/>
+              </a:endParaRPr>
+            </a:p>
+          </p:txBody>
+        </p:sp>
+      </p:grpSp>
+      <p:grpSp>
+        <p:nvGrpSpPr>
+          <p:cNvPr id="167" name="그룹 166">
+            <a:extLst>
+              <a:ext uri="{FF2B5EF4-FFF2-40B4-BE49-F238E27FC236}">
+                <a16:creationId xmlns:a16="http://schemas.microsoft.com/office/drawing/2014/main" id="{14B89F27-03EF-4847-B185-51B229EA366C}"/>
+              </a:ext>
+            </a:extLst>
+          </p:cNvPr>
+          <p:cNvGrpSpPr/>
+          <p:nvPr/>
+        </p:nvGrpSpPr>
+        <p:grpSpPr>
+          <a:xfrm>
+            <a:off x="2707872" y="4735101"/>
+            <a:ext cx="1408101" cy="539735"/>
+            <a:chOff x="3737640" y="1066800"/>
+            <a:chExt cx="1408101" cy="539735"/>
+          </a:xfrm>
+        </p:grpSpPr>
+        <p:sp>
+          <p:nvSpPr>
+            <p:cNvPr id="168" name="직사각형 167">
+              <a:extLst>
+                <a:ext uri="{FF2B5EF4-FFF2-40B4-BE49-F238E27FC236}">
+                  <a16:creationId xmlns:a16="http://schemas.microsoft.com/office/drawing/2014/main" id="{DAD67279-A1A9-9041-B592-CB2975AEC4C2}"/>
+                </a:ext>
+              </a:extLst>
+            </p:cNvPr>
+            <p:cNvSpPr/>
+            <p:nvPr/>
+          </p:nvSpPr>
+          <p:spPr>
+            <a:xfrm>
+              <a:off x="3737640" y="1066800"/>
+              <a:ext cx="1408101" cy="539735"/>
+            </a:xfrm>
+            <a:prstGeom prst="rect">
+              <a:avLst/>
+            </a:prstGeom>
+            <a:ln w="25400">
+              <a:solidFill>
+                <a:srgbClr val="5DA2C5"/>
+              </a:solidFill>
+            </a:ln>
+          </p:spPr>
+          <p:style>
+            <a:lnRef idx="1">
+              <a:schemeClr val="accent1"/>
+            </a:lnRef>
+            <a:fillRef idx="0">
+              <a:schemeClr val="accent1"/>
+            </a:fillRef>
+            <a:effectRef idx="0">
+              <a:schemeClr val="accent1"/>
+            </a:effectRef>
+            <a:fontRef idx="minor">
+              <a:schemeClr val="tx1"/>
+            </a:fontRef>
+          </p:style>
+          <p:txBody>
+            <a:bodyPr rtlCol="0" anchor="ctr"/>
+            <a:lstStyle/>
+            <a:p>
+              <a:pPr algn="ctr"/>
+              <a:endParaRPr kumimoji="1" lang="ko-Kore-KR" altLang="en-US"/>
+            </a:p>
+          </p:txBody>
+        </p:sp>
+        <p:sp>
+          <p:nvSpPr>
+            <p:cNvPr id="169" name="TextBox 168">
+              <a:extLst>
+                <a:ext uri="{FF2B5EF4-FFF2-40B4-BE49-F238E27FC236}">
+                  <a16:creationId xmlns:a16="http://schemas.microsoft.com/office/drawing/2014/main" id="{5576E2D5-3EEF-2D43-A1A2-0769DF2124CE}"/>
+                </a:ext>
+              </a:extLst>
+            </p:cNvPr>
+            <p:cNvSpPr txBox="1"/>
+            <p:nvPr/>
+          </p:nvSpPr>
+          <p:spPr>
+            <a:xfrm>
+              <a:off x="3737640" y="1198167"/>
+              <a:ext cx="1408101" cy="276999"/>
+            </a:xfrm>
+            <a:prstGeom prst="rect">
+              <a:avLst/>
+            </a:prstGeom>
+            <a:noFill/>
+          </p:spPr>
+          <p:txBody>
+            <a:bodyPr wrap="square" rtlCol="0">
+              <a:spAutoFit/>
+            </a:bodyPr>
+            <a:lstStyle/>
+            <a:p>
+              <a:pPr algn="ctr"/>
+              <a:r>
+                <a:rPr kumimoji="1" lang="en-US" altLang="ko-Kore-KR" sz="1200" b="1" dirty="0">
+                  <a:solidFill>
+                    <a:srgbClr val="5DA2C5"/>
+                  </a:solidFill>
+                  <a:latin typeface="SHeadG" panose="02030600000101010101" pitchFamily="18" charset="-127"/>
+                  <a:ea typeface="SHeadG" panose="02030600000101010101" pitchFamily="18" charset="-127"/>
+                </a:rPr>
+                <a:t>Framework F</a:t>
+              </a:r>
+              <a:endParaRPr kumimoji="1" lang="ko-Kore-KR" altLang="en-US" sz="1200" b="1" dirty="0">
+                <a:solidFill>
+                  <a:srgbClr val="5DA2C5"/>
+                </a:solidFill>
+                <a:latin typeface="SHeadG" panose="02030600000101010101" pitchFamily="18" charset="-127"/>
+                <a:ea typeface="SHeadG" panose="02030600000101010101" pitchFamily="18" charset="-127"/>
+              </a:endParaRPr>
+            </a:p>
+          </p:txBody>
+        </p:sp>
+      </p:grpSp>
+      <p:grpSp>
+        <p:nvGrpSpPr>
+          <p:cNvPr id="170" name="그룹 169">
+            <a:extLst>
+              <a:ext uri="{FF2B5EF4-FFF2-40B4-BE49-F238E27FC236}">
+                <a16:creationId xmlns:a16="http://schemas.microsoft.com/office/drawing/2014/main" id="{33F48C23-17B9-4C49-9785-9AF080701A23}"/>
+              </a:ext>
+            </a:extLst>
+          </p:cNvPr>
+          <p:cNvGrpSpPr/>
+          <p:nvPr/>
+        </p:nvGrpSpPr>
+        <p:grpSpPr>
+          <a:xfrm>
+            <a:off x="4687899" y="4735101"/>
+            <a:ext cx="1408101" cy="539735"/>
+            <a:chOff x="3737640" y="1066800"/>
+            <a:chExt cx="1408101" cy="539735"/>
+          </a:xfrm>
+        </p:grpSpPr>
+        <p:sp>
+          <p:nvSpPr>
+            <p:cNvPr id="171" name="직사각형 170">
+              <a:extLst>
+                <a:ext uri="{FF2B5EF4-FFF2-40B4-BE49-F238E27FC236}">
+                  <a16:creationId xmlns:a16="http://schemas.microsoft.com/office/drawing/2014/main" id="{A0C539BE-EDCE-324A-90E1-6C0722A5C989}"/>
+                </a:ext>
+              </a:extLst>
+            </p:cNvPr>
+            <p:cNvSpPr/>
+            <p:nvPr/>
+          </p:nvSpPr>
+          <p:spPr>
+            <a:xfrm>
+              <a:off x="3737640" y="1066800"/>
+              <a:ext cx="1408101" cy="539735"/>
+            </a:xfrm>
+            <a:prstGeom prst="rect">
+              <a:avLst/>
+            </a:prstGeom>
+            <a:ln w="25400">
+              <a:solidFill>
+                <a:srgbClr val="5DA2C5"/>
+              </a:solidFill>
+            </a:ln>
+          </p:spPr>
+          <p:style>
+            <a:lnRef idx="1">
+              <a:schemeClr val="accent1"/>
+            </a:lnRef>
+            <a:fillRef idx="0">
+              <a:schemeClr val="accent1"/>
+            </a:fillRef>
+            <a:effectRef idx="0">
+              <a:schemeClr val="accent1"/>
+            </a:effectRef>
+            <a:fontRef idx="minor">
+              <a:schemeClr val="tx1"/>
+            </a:fontRef>
+          </p:style>
+          <p:txBody>
+            <a:bodyPr rtlCol="0" anchor="ctr"/>
+            <a:lstStyle/>
+            <a:p>
+              <a:pPr algn="ctr"/>
+              <a:endParaRPr kumimoji="1" lang="ko-Kore-KR" altLang="en-US"/>
+            </a:p>
+          </p:txBody>
+        </p:sp>
+        <p:sp>
+          <p:nvSpPr>
+            <p:cNvPr id="172" name="TextBox 171">
+              <a:extLst>
+                <a:ext uri="{FF2B5EF4-FFF2-40B4-BE49-F238E27FC236}">
+                  <a16:creationId xmlns:a16="http://schemas.microsoft.com/office/drawing/2014/main" id="{4B92786C-CD80-554C-B942-3BD44FEC0C68}"/>
+                </a:ext>
+              </a:extLst>
+            </p:cNvPr>
+            <p:cNvSpPr txBox="1"/>
+            <p:nvPr/>
+          </p:nvSpPr>
+          <p:spPr>
+            <a:xfrm>
+              <a:off x="3737640" y="1198167"/>
+              <a:ext cx="1408101" cy="276999"/>
+            </a:xfrm>
+            <a:prstGeom prst="rect">
+              <a:avLst/>
+            </a:prstGeom>
+            <a:noFill/>
+          </p:spPr>
+          <p:txBody>
+            <a:bodyPr wrap="square" rtlCol="0">
+              <a:spAutoFit/>
+            </a:bodyPr>
+            <a:lstStyle/>
+            <a:p>
+              <a:pPr algn="ctr"/>
+              <a:r>
+                <a:rPr kumimoji="1" lang="en-US" altLang="ko-Kore-KR" sz="1200" b="1" dirty="0">
+                  <a:solidFill>
+                    <a:srgbClr val="5DA2C5"/>
+                  </a:solidFill>
+                  <a:latin typeface="SHeadG" panose="02030600000101010101" pitchFamily="18" charset="-127"/>
+                  <a:ea typeface="SHeadG" panose="02030600000101010101" pitchFamily="18" charset="-127"/>
+                </a:rPr>
+                <a:t>Database D</a:t>
+              </a:r>
+              <a:endParaRPr kumimoji="1" lang="ko-Kore-KR" altLang="en-US" sz="1200" b="1" dirty="0">
+                <a:solidFill>
+                  <a:srgbClr val="5DA2C5"/>
+                </a:solidFill>
+                <a:latin typeface="SHeadG" panose="02030600000101010101" pitchFamily="18" charset="-127"/>
+                <a:ea typeface="SHeadG" panose="02030600000101010101" pitchFamily="18" charset="-127"/>
+              </a:endParaRPr>
+            </a:p>
+          </p:txBody>
+        </p:sp>
+      </p:grpSp>
+      <p:cxnSp>
+        <p:nvCxnSpPr>
+          <p:cNvPr id="173" name="직선 화살표 연결선 172">
+            <a:extLst>
+              <a:ext uri="{FF2B5EF4-FFF2-40B4-BE49-F238E27FC236}">
+                <a16:creationId xmlns:a16="http://schemas.microsoft.com/office/drawing/2014/main" id="{8C538854-3E95-A84D-AE58-4413086C4B24}"/>
+              </a:ext>
+            </a:extLst>
+          </p:cNvPr>
+          <p:cNvCxnSpPr>
+            <a:cxnSpLocks/>
+            <a:stCxn id="166" idx="3"/>
+            <a:endCxn id="169" idx="1"/>
+          </p:cNvCxnSpPr>
+          <p:nvPr/>
+        </p:nvCxnSpPr>
+        <p:spPr>
+          <a:xfrm>
+            <a:off x="2135947" y="5004968"/>
+            <a:ext cx="571925" cy="0"/>
+          </a:xfrm>
+          <a:prstGeom prst="straightConnector1">
+            <a:avLst/>
+          </a:prstGeom>
+          <a:ln w="19050">
+            <a:solidFill>
+              <a:srgbClr val="5DA2C5"/>
+            </a:solidFill>
+            <a:tailEnd type="stealth" w="lg" len="lg"/>
+          </a:ln>
+        </p:spPr>
+        <p:style>
+          <a:lnRef idx="1">
+            <a:schemeClr val="accent1"/>
+          </a:lnRef>
+          <a:fillRef idx="0">
+            <a:schemeClr val="accent1"/>
+          </a:fillRef>
+          <a:effectRef idx="0">
+            <a:schemeClr val="accent1"/>
+          </a:effectRef>
+          <a:fontRef idx="minor">
+            <a:schemeClr val="tx1"/>
+          </a:fontRef>
+        </p:style>
+      </p:cxnSp>
+      <p:cxnSp>
+        <p:nvCxnSpPr>
+          <p:cNvPr id="174" name="직선 화살표 연결선 173">
+            <a:extLst>
+              <a:ext uri="{FF2B5EF4-FFF2-40B4-BE49-F238E27FC236}">
+                <a16:creationId xmlns:a16="http://schemas.microsoft.com/office/drawing/2014/main" id="{E8BE80CC-EF77-BA4C-B790-646F3EF305CB}"/>
+              </a:ext>
+            </a:extLst>
+          </p:cNvPr>
+          <p:cNvCxnSpPr>
+            <a:cxnSpLocks/>
+            <a:stCxn id="169" idx="3"/>
+            <a:endCxn id="172" idx="1"/>
+          </p:cNvCxnSpPr>
+          <p:nvPr/>
+        </p:nvCxnSpPr>
+        <p:spPr>
+          <a:xfrm>
+            <a:off x="4115973" y="5004968"/>
+            <a:ext cx="571926" cy="0"/>
+          </a:xfrm>
+          <a:prstGeom prst="straightConnector1">
+            <a:avLst/>
+          </a:prstGeom>
+          <a:ln w="19050">
+            <a:solidFill>
+              <a:srgbClr val="5DA2C5"/>
+            </a:solidFill>
+            <a:tailEnd type="stealth" w="lg" len="lg"/>
+          </a:ln>
+        </p:spPr>
+        <p:style>
+          <a:lnRef idx="1">
+            <a:schemeClr val="accent1"/>
+          </a:lnRef>
+          <a:fillRef idx="0">
+            <a:schemeClr val="accent1"/>
+          </a:fillRef>
+          <a:effectRef idx="0">
+            <a:schemeClr val="accent1"/>
+          </a:effectRef>
+          <a:fontRef idx="minor">
+            <a:schemeClr val="tx1"/>
+          </a:fontRef>
+        </p:style>
+      </p:cxnSp>
+    </p:spTree>
+    <p:extLst>
+      <p:ext uri="{BB962C8B-B14F-4D97-AF65-F5344CB8AC3E}">
+        <p14:creationId xmlns:p14="http://schemas.microsoft.com/office/powerpoint/2010/main" val="540776378"/>
+      </p:ext>
+    </p:extLst>
+  </p:cSld>
+  <p:clrMapOvr>
+    <a:masterClrMapping/>
+  </p:clrMapOvr>
+</p:sld>
+</file>
+
+<file path=ppt/slides/slide6.xml><?xml version="1.0" encoding="utf-8"?>
+<p:sld xmlns:a="http://schemas.openxmlformats.org/drawingml/2006/main" xmlns:r="http://schemas.openxmlformats.org/officeDocument/2006/relationships" xmlns:p="http://schemas.openxmlformats.org/presentationml/2006/main">
+  <p:cSld>
+    <p:spTree>
+      <p:nvGrpSpPr>
+        <p:cNvPr id="1" name=""/>
+        <p:cNvGrpSpPr/>
+        <p:nvPr/>
+      </p:nvGrpSpPr>
+      <p:grpSpPr>
+        <a:xfrm>
+          <a:off x="0" y="0"/>
+          <a:ext cx="0" cy="0"/>
+          <a:chOff x="0" y="0"/>
+          <a:chExt cx="0" cy="0"/>
+        </a:xfrm>
+      </p:grpSpPr>
+      <p:grpSp>
+        <p:nvGrpSpPr>
+          <p:cNvPr id="9" name="그룹 8">
+            <a:extLst>
+              <a:ext uri="{FF2B5EF4-FFF2-40B4-BE49-F238E27FC236}">
+                <a16:creationId xmlns:a16="http://schemas.microsoft.com/office/drawing/2014/main" id="{0E2D6F37-D84B-FE42-8B15-4F990E696FB6}"/>
+              </a:ext>
+            </a:extLst>
+          </p:cNvPr>
+          <p:cNvGrpSpPr/>
+          <p:nvPr/>
+        </p:nvGrpSpPr>
+        <p:grpSpPr>
+          <a:xfrm>
+            <a:off x="716534" y="1043429"/>
+            <a:ext cx="1408101" cy="539735"/>
+            <a:chOff x="3737640" y="1066800"/>
+            <a:chExt cx="1408101" cy="539735"/>
+          </a:xfrm>
+        </p:grpSpPr>
+        <p:sp>
+          <p:nvSpPr>
+            <p:cNvPr id="79" name="직사각형 78">
+              <a:extLst>
+                <a:ext uri="{FF2B5EF4-FFF2-40B4-BE49-F238E27FC236}">
+                  <a16:creationId xmlns:a16="http://schemas.microsoft.com/office/drawing/2014/main" id="{7D70D49A-F084-EB47-8457-596B651650E3}"/>
+                </a:ext>
+              </a:extLst>
+            </p:cNvPr>
+            <p:cNvSpPr/>
+            <p:nvPr/>
+          </p:nvSpPr>
+          <p:spPr>
+            <a:xfrm>
+              <a:off x="3737640" y="1066800"/>
+              <a:ext cx="1408101" cy="539735"/>
+            </a:xfrm>
+            <a:prstGeom prst="rect">
+              <a:avLst/>
+            </a:prstGeom>
+            <a:ln w="25400">
+              <a:solidFill>
+                <a:srgbClr val="5DA2C5"/>
+              </a:solidFill>
+            </a:ln>
+          </p:spPr>
+          <p:style>
+            <a:lnRef idx="1">
+              <a:schemeClr val="accent1"/>
+            </a:lnRef>
+            <a:fillRef idx="0">
+              <a:schemeClr val="accent1"/>
+            </a:fillRef>
+            <a:effectRef idx="0">
+              <a:schemeClr val="accent1"/>
+            </a:effectRef>
+            <a:fontRef idx="minor">
+              <a:schemeClr val="tx1"/>
+            </a:fontRef>
+          </p:style>
+          <p:txBody>
+            <a:bodyPr rtlCol="0" anchor="ctr"/>
+            <a:lstStyle/>
+            <a:p>
+              <a:pPr algn="ctr"/>
+              <a:endParaRPr kumimoji="1" lang="ko-Kore-KR" altLang="en-US"/>
+            </a:p>
+          </p:txBody>
+        </p:sp>
+        <p:sp>
+          <p:nvSpPr>
+            <p:cNvPr id="80" name="TextBox 79">
+              <a:extLst>
+                <a:ext uri="{FF2B5EF4-FFF2-40B4-BE49-F238E27FC236}">
+                  <a16:creationId xmlns:a16="http://schemas.microsoft.com/office/drawing/2014/main" id="{20ACFF1F-FA4D-B948-BA72-C7152AB14B1F}"/>
+                </a:ext>
+              </a:extLst>
+            </p:cNvPr>
+            <p:cNvSpPr txBox="1"/>
+            <p:nvPr/>
+          </p:nvSpPr>
+          <p:spPr>
+            <a:xfrm>
+              <a:off x="3737640" y="1198167"/>
+              <a:ext cx="1408101" cy="276999"/>
+            </a:xfrm>
+            <a:prstGeom prst="rect">
+              <a:avLst/>
+            </a:prstGeom>
+            <a:noFill/>
+          </p:spPr>
+          <p:txBody>
+            <a:bodyPr wrap="square" rtlCol="0">
+              <a:spAutoFit/>
+            </a:bodyPr>
+            <a:lstStyle/>
+            <a:p>
+              <a:pPr algn="ctr"/>
+              <a:r>
+                <a:rPr kumimoji="1" lang="en-US" altLang="ko-Kore-KR" sz="1200" b="1" dirty="0">
+                  <a:solidFill>
+                    <a:srgbClr val="5DA2C5"/>
+                  </a:solidFill>
+                  <a:latin typeface="SHeadG" panose="02030600000101010101" pitchFamily="18" charset="-127"/>
+                  <a:ea typeface="SHeadG" panose="02030600000101010101" pitchFamily="18" charset="-127"/>
+                </a:rPr>
+                <a:t>Application</a:t>
+              </a:r>
+              <a:endParaRPr kumimoji="1" lang="ko-Kore-KR" altLang="en-US" sz="1200" b="1" dirty="0">
+                <a:solidFill>
+                  <a:srgbClr val="5DA2C5"/>
+                </a:solidFill>
+                <a:latin typeface="SHeadG" panose="02030600000101010101" pitchFamily="18" charset="-127"/>
+                <a:ea typeface="SHeadG" panose="02030600000101010101" pitchFamily="18" charset="-127"/>
+              </a:endParaRPr>
+            </a:p>
+          </p:txBody>
+        </p:sp>
+      </p:grpSp>
+      <p:grpSp>
+        <p:nvGrpSpPr>
+          <p:cNvPr id="43" name="그룹 42">
+            <a:extLst>
+              <a:ext uri="{FF2B5EF4-FFF2-40B4-BE49-F238E27FC236}">
+                <a16:creationId xmlns:a16="http://schemas.microsoft.com/office/drawing/2014/main" id="{3E4C8662-9803-E044-A0A5-2A7241FE40C5}"/>
+              </a:ext>
+            </a:extLst>
+          </p:cNvPr>
+          <p:cNvGrpSpPr/>
+          <p:nvPr/>
+        </p:nvGrpSpPr>
+        <p:grpSpPr>
+          <a:xfrm>
+            <a:off x="3641430" y="1045186"/>
+            <a:ext cx="1408101" cy="539735"/>
+            <a:chOff x="3737640" y="1066800"/>
+            <a:chExt cx="1408101" cy="539735"/>
+          </a:xfrm>
+        </p:grpSpPr>
+        <p:sp>
+          <p:nvSpPr>
+            <p:cNvPr id="44" name="직사각형 43">
+              <a:extLst>
+                <a:ext uri="{FF2B5EF4-FFF2-40B4-BE49-F238E27FC236}">
+                  <a16:creationId xmlns:a16="http://schemas.microsoft.com/office/drawing/2014/main" id="{20266DEA-0CCF-0847-B751-C98AA23D078A}"/>
+                </a:ext>
+              </a:extLst>
+            </p:cNvPr>
+            <p:cNvSpPr/>
+            <p:nvPr/>
+          </p:nvSpPr>
+          <p:spPr>
+            <a:xfrm>
+              <a:off x="3737640" y="1066800"/>
+              <a:ext cx="1408101" cy="539735"/>
+            </a:xfrm>
+            <a:prstGeom prst="rect">
+              <a:avLst/>
+            </a:prstGeom>
+            <a:ln w="25400">
+              <a:solidFill>
+                <a:srgbClr val="5DA2C5"/>
+              </a:solidFill>
+            </a:ln>
+          </p:spPr>
+          <p:style>
+            <a:lnRef idx="1">
+              <a:schemeClr val="accent1"/>
+            </a:lnRef>
+            <a:fillRef idx="0">
+              <a:schemeClr val="accent1"/>
+            </a:fillRef>
+            <a:effectRef idx="0">
+              <a:schemeClr val="accent1"/>
+            </a:effectRef>
+            <a:fontRef idx="minor">
+              <a:schemeClr val="tx1"/>
+            </a:fontRef>
+          </p:style>
+          <p:txBody>
+            <a:bodyPr rtlCol="0" anchor="ctr"/>
+            <a:lstStyle/>
+            <a:p>
+              <a:pPr algn="ctr"/>
+              <a:endParaRPr kumimoji="1" lang="ko-Kore-KR" altLang="en-US"/>
+            </a:p>
+          </p:txBody>
+        </p:sp>
+        <p:sp>
+          <p:nvSpPr>
+            <p:cNvPr id="45" name="TextBox 44">
+              <a:extLst>
+                <a:ext uri="{FF2B5EF4-FFF2-40B4-BE49-F238E27FC236}">
+                  <a16:creationId xmlns:a16="http://schemas.microsoft.com/office/drawing/2014/main" id="{9CD5A895-CBF8-7443-B45F-41B0C2D85DF8}"/>
+                </a:ext>
+              </a:extLst>
+            </p:cNvPr>
+            <p:cNvSpPr txBox="1"/>
+            <p:nvPr/>
+          </p:nvSpPr>
+          <p:spPr>
+            <a:xfrm>
+              <a:off x="3737640" y="1198167"/>
+              <a:ext cx="1408101" cy="276999"/>
+            </a:xfrm>
+            <a:prstGeom prst="rect">
+              <a:avLst/>
+            </a:prstGeom>
+            <a:noFill/>
+          </p:spPr>
+          <p:txBody>
+            <a:bodyPr wrap="square" rtlCol="0">
+              <a:spAutoFit/>
+            </a:bodyPr>
+            <a:lstStyle/>
+            <a:p>
+              <a:pPr algn="ctr"/>
+              <a:r>
+                <a:rPr kumimoji="1" lang="en-US" altLang="ko-Kore-KR" sz="1200" b="1" dirty="0">
+                  <a:solidFill>
+                    <a:srgbClr val="5DA2C5"/>
+                  </a:solidFill>
+                  <a:latin typeface="SHeadG" panose="02030600000101010101" pitchFamily="18" charset="-127"/>
+                  <a:ea typeface="SHeadG" panose="02030600000101010101" pitchFamily="18" charset="-127"/>
+                </a:rPr>
+                <a:t>Service</a:t>
+              </a:r>
+              <a:endParaRPr kumimoji="1" lang="ko-Kore-KR" altLang="en-US" sz="1200" b="1" dirty="0">
+                <a:solidFill>
+                  <a:srgbClr val="5DA2C5"/>
+                </a:solidFill>
+                <a:latin typeface="SHeadG" panose="02030600000101010101" pitchFamily="18" charset="-127"/>
+                <a:ea typeface="SHeadG" panose="02030600000101010101" pitchFamily="18" charset="-127"/>
+              </a:endParaRPr>
+            </a:p>
+          </p:txBody>
+        </p:sp>
+      </p:grpSp>
+      <p:cxnSp>
+        <p:nvCxnSpPr>
+          <p:cNvPr id="49" name="꺾인 연결선[E] 48">
+            <a:extLst>
+              <a:ext uri="{FF2B5EF4-FFF2-40B4-BE49-F238E27FC236}">
+                <a16:creationId xmlns:a16="http://schemas.microsoft.com/office/drawing/2014/main" id="{810EAAD6-A6F3-2D44-858C-CB21D3B16FBB}"/>
+              </a:ext>
+            </a:extLst>
+          </p:cNvPr>
+          <p:cNvCxnSpPr>
+            <a:cxnSpLocks/>
+            <a:stCxn id="76" idx="3"/>
+            <a:endCxn id="83" idx="2"/>
+          </p:cNvCxnSpPr>
+          <p:nvPr/>
+        </p:nvCxnSpPr>
+        <p:spPr>
+          <a:xfrm flipV="1">
+            <a:off x="2124635" y="2542270"/>
+            <a:ext cx="2220846" cy="1037035"/>
+          </a:xfrm>
+          <a:prstGeom prst="bentConnector2">
+            <a:avLst/>
+          </a:prstGeom>
+          <a:ln w="19050">
+            <a:solidFill>
+              <a:srgbClr val="5DA2C5"/>
+            </a:solidFill>
+            <a:tailEnd type="stealth" w="lg" len="lg"/>
+          </a:ln>
+        </p:spPr>
+        <p:style>
+          <a:lnRef idx="1">
+            <a:schemeClr val="accent1"/>
+          </a:lnRef>
+          <a:fillRef idx="0">
+            <a:schemeClr val="accent1"/>
+          </a:fillRef>
+          <a:effectRef idx="0">
+            <a:schemeClr val="accent1"/>
+          </a:effectRef>
+          <a:fontRef idx="minor">
+            <a:schemeClr val="tx1"/>
+          </a:fontRef>
+        </p:style>
+      </p:cxnSp>
+      <p:cxnSp>
+        <p:nvCxnSpPr>
+          <p:cNvPr id="66" name="직선 화살표 연결선 65">
+            <a:extLst>
+              <a:ext uri="{FF2B5EF4-FFF2-40B4-BE49-F238E27FC236}">
+                <a16:creationId xmlns:a16="http://schemas.microsoft.com/office/drawing/2014/main" id="{83B718C8-C512-5440-ABFE-95158D7017FE}"/>
+              </a:ext>
+            </a:extLst>
+          </p:cNvPr>
+          <p:cNvCxnSpPr>
+            <a:cxnSpLocks/>
+            <a:stCxn id="80" idx="3"/>
+            <a:endCxn id="45" idx="1"/>
+          </p:cNvCxnSpPr>
+          <p:nvPr/>
+        </p:nvCxnSpPr>
+        <p:spPr>
+          <a:xfrm>
+            <a:off x="2124635" y="1313296"/>
+            <a:ext cx="1516795" cy="1757"/>
+          </a:xfrm>
+          <a:prstGeom prst="straightConnector1">
+            <a:avLst/>
+          </a:prstGeom>
+          <a:ln w="19050">
+            <a:solidFill>
+              <a:srgbClr val="5DA2C5"/>
+            </a:solidFill>
+            <a:tailEnd type="stealth" w="lg" len="lg"/>
+          </a:ln>
+        </p:spPr>
+        <p:style>
+          <a:lnRef idx="1">
+            <a:schemeClr val="accent1"/>
+          </a:lnRef>
+          <a:fillRef idx="0">
+            <a:schemeClr val="accent1"/>
+          </a:fillRef>
+          <a:effectRef idx="0">
+            <a:schemeClr val="accent1"/>
+          </a:effectRef>
+          <a:fontRef idx="minor">
+            <a:schemeClr val="tx1"/>
+          </a:fontRef>
+        </p:style>
+      </p:cxnSp>
+      <p:grpSp>
+        <p:nvGrpSpPr>
+          <p:cNvPr id="70" name="그룹 69">
+            <a:extLst>
+              <a:ext uri="{FF2B5EF4-FFF2-40B4-BE49-F238E27FC236}">
+                <a16:creationId xmlns:a16="http://schemas.microsoft.com/office/drawing/2014/main" id="{DE58880C-C941-8C45-A231-2288B4D6A394}"/>
+              </a:ext>
+            </a:extLst>
+          </p:cNvPr>
+          <p:cNvGrpSpPr/>
+          <p:nvPr/>
+        </p:nvGrpSpPr>
+        <p:grpSpPr>
+          <a:xfrm>
+            <a:off x="716534" y="2048702"/>
+            <a:ext cx="1408103" cy="816734"/>
+            <a:chOff x="5969850" y="1066800"/>
+            <a:chExt cx="1408103" cy="816734"/>
+          </a:xfrm>
+        </p:grpSpPr>
+        <p:sp>
+          <p:nvSpPr>
+            <p:cNvPr id="71" name="직사각형 70">
+              <a:extLst>
+                <a:ext uri="{FF2B5EF4-FFF2-40B4-BE49-F238E27FC236}">
+                  <a16:creationId xmlns:a16="http://schemas.microsoft.com/office/drawing/2014/main" id="{10F1C8CC-F1C0-0C44-B67C-078F87D18F4A}"/>
+                </a:ext>
+              </a:extLst>
+            </p:cNvPr>
+            <p:cNvSpPr/>
+            <p:nvPr/>
+          </p:nvSpPr>
+          <p:spPr>
+            <a:xfrm>
+              <a:off x="5969852" y="1066800"/>
+              <a:ext cx="1408101" cy="539735"/>
+            </a:xfrm>
+            <a:prstGeom prst="rect">
+              <a:avLst/>
+            </a:prstGeom>
+            <a:ln w="25400">
+              <a:solidFill>
+                <a:srgbClr val="5DA2C5"/>
+              </a:solidFill>
+            </a:ln>
+          </p:spPr>
+          <p:style>
+            <a:lnRef idx="1">
+              <a:schemeClr val="accent1"/>
+            </a:lnRef>
+            <a:fillRef idx="0">
+              <a:schemeClr val="accent1"/>
+            </a:fillRef>
+            <a:effectRef idx="0">
+              <a:schemeClr val="accent1"/>
+            </a:effectRef>
+            <a:fontRef idx="minor">
+              <a:schemeClr val="tx1"/>
+            </a:fontRef>
+          </p:style>
+          <p:txBody>
+            <a:bodyPr rtlCol="0" anchor="ctr"/>
+            <a:lstStyle/>
+            <a:p>
+              <a:pPr algn="ctr"/>
+              <a:endParaRPr kumimoji="1" lang="ko-Kore-KR" altLang="en-US"/>
+            </a:p>
+          </p:txBody>
+        </p:sp>
+        <p:sp>
+          <p:nvSpPr>
+            <p:cNvPr id="72" name="TextBox 71">
+              <a:extLst>
+                <a:ext uri="{FF2B5EF4-FFF2-40B4-BE49-F238E27FC236}">
+                  <a16:creationId xmlns:a16="http://schemas.microsoft.com/office/drawing/2014/main" id="{99609352-CB62-FE4C-81F3-E802299623A6}"/>
+                </a:ext>
+              </a:extLst>
+            </p:cNvPr>
+            <p:cNvSpPr txBox="1"/>
+            <p:nvPr/>
+          </p:nvSpPr>
+          <p:spPr>
+            <a:xfrm>
+              <a:off x="6113928" y="1098703"/>
+              <a:ext cx="1165411" cy="461665"/>
+            </a:xfrm>
+            <a:prstGeom prst="rect">
+              <a:avLst/>
+            </a:prstGeom>
+            <a:noFill/>
+          </p:spPr>
+          <p:txBody>
+            <a:bodyPr wrap="square" rtlCol="0">
+              <a:spAutoFit/>
+            </a:bodyPr>
+            <a:lstStyle/>
+            <a:p>
+              <a:pPr algn="ctr"/>
+              <a:r>
+                <a:rPr kumimoji="1" lang="en-US" altLang="ko-Kore-KR" sz="1200" b="1" dirty="0">
+                  <a:solidFill>
+                    <a:srgbClr val="5DA2C5"/>
+                  </a:solidFill>
+                  <a:latin typeface="SHeadG" panose="02030600000101010101" pitchFamily="18" charset="-127"/>
+                  <a:ea typeface="SHeadG" panose="02030600000101010101" pitchFamily="18" charset="-127"/>
+                </a:rPr>
+                <a:t>Service</a:t>
+              </a:r>
+            </a:p>
+            <a:p>
+              <a:pPr algn="ctr"/>
+              <a:r>
+                <a:rPr kumimoji="1" lang="en-US" altLang="ko-Kore-KR" sz="1200" b="1" dirty="0">
+                  <a:solidFill>
+                    <a:srgbClr val="5DA2C5"/>
+                  </a:solidFill>
+                  <a:latin typeface="SHeadG" panose="02030600000101010101" pitchFamily="18" charset="-127"/>
+                  <a:ea typeface="SHeadG" panose="02030600000101010101" pitchFamily="18" charset="-127"/>
+                </a:rPr>
+                <a:t>Factory</a:t>
+              </a:r>
+              <a:endParaRPr kumimoji="1" lang="ko-Kore-KR" altLang="en-US" sz="1200" b="1" dirty="0">
+                <a:solidFill>
+                  <a:srgbClr val="5DA2C5"/>
+                </a:solidFill>
+                <a:latin typeface="SHeadG" panose="02030600000101010101" pitchFamily="18" charset="-127"/>
+                <a:ea typeface="SHeadG" panose="02030600000101010101" pitchFamily="18" charset="-127"/>
+              </a:endParaRPr>
+            </a:p>
+          </p:txBody>
+        </p:sp>
+        <p:sp>
+          <p:nvSpPr>
+            <p:cNvPr id="73" name="직사각형 72">
+              <a:extLst>
+                <a:ext uri="{FF2B5EF4-FFF2-40B4-BE49-F238E27FC236}">
+                  <a16:creationId xmlns:a16="http://schemas.microsoft.com/office/drawing/2014/main" id="{09B08286-5CE5-1E42-A0C3-DC42967FF78C}"/>
+                </a:ext>
+              </a:extLst>
+            </p:cNvPr>
+            <p:cNvSpPr/>
+            <p:nvPr/>
+          </p:nvSpPr>
+          <p:spPr>
+            <a:xfrm>
+              <a:off x="5969851" y="1606535"/>
+              <a:ext cx="1408101" cy="276999"/>
+            </a:xfrm>
+            <a:prstGeom prst="rect">
+              <a:avLst/>
+            </a:prstGeom>
+            <a:ln w="25400">
+              <a:solidFill>
+                <a:srgbClr val="5DA2C5"/>
+              </a:solidFill>
+            </a:ln>
+          </p:spPr>
+          <p:style>
+            <a:lnRef idx="1">
+              <a:schemeClr val="accent1"/>
+            </a:lnRef>
+            <a:fillRef idx="0">
+              <a:schemeClr val="accent1"/>
+            </a:fillRef>
+            <a:effectRef idx="0">
+              <a:schemeClr val="accent1"/>
+            </a:effectRef>
+            <a:fontRef idx="minor">
+              <a:schemeClr val="tx1"/>
+            </a:fontRef>
+          </p:style>
+          <p:txBody>
+            <a:bodyPr rtlCol="0" anchor="ctr"/>
+            <a:lstStyle/>
+            <a:p>
+              <a:pPr algn="ctr"/>
+              <a:endParaRPr kumimoji="1" lang="ko-Kore-KR" altLang="en-US"/>
+            </a:p>
+          </p:txBody>
+        </p:sp>
+        <p:sp>
+          <p:nvSpPr>
+            <p:cNvPr id="74" name="TextBox 73">
+              <a:extLst>
+                <a:ext uri="{FF2B5EF4-FFF2-40B4-BE49-F238E27FC236}">
+                  <a16:creationId xmlns:a16="http://schemas.microsoft.com/office/drawing/2014/main" id="{AABA1AD2-F9DF-5642-9443-E714AECC7A3D}"/>
+                </a:ext>
+              </a:extLst>
+            </p:cNvPr>
+            <p:cNvSpPr txBox="1"/>
+            <p:nvPr/>
+          </p:nvSpPr>
+          <p:spPr>
+            <a:xfrm>
+              <a:off x="5969850" y="1592129"/>
+              <a:ext cx="1408101" cy="261610"/>
+            </a:xfrm>
+            <a:prstGeom prst="rect">
+              <a:avLst/>
+            </a:prstGeom>
+            <a:noFill/>
+          </p:spPr>
+          <p:txBody>
+            <a:bodyPr wrap="square" rtlCol="0">
+              <a:spAutoFit/>
+            </a:bodyPr>
+            <a:lstStyle/>
+            <a:p>
+              <a:pPr algn="ctr"/>
+              <a:r>
+                <a:rPr kumimoji="1" lang="en-US" altLang="ko-KR" sz="1050" dirty="0">
+                  <a:solidFill>
+                    <a:srgbClr val="5DA2C5"/>
+                  </a:solidFill>
+                  <a:latin typeface="SHeadG" panose="02030600000101010101" pitchFamily="18" charset="-127"/>
+                  <a:ea typeface="SHeadG" panose="02030600000101010101" pitchFamily="18" charset="-127"/>
+                </a:rPr>
+                <a:t>+ </a:t>
+              </a:r>
+              <a:r>
+                <a:rPr kumimoji="1" lang="en-US" altLang="ko-KR" sz="1050" dirty="0" err="1">
+                  <a:solidFill>
+                    <a:srgbClr val="5DA2C5"/>
+                  </a:solidFill>
+                  <a:latin typeface="SHeadG" panose="02030600000101010101" pitchFamily="18" charset="-127"/>
+                  <a:ea typeface="SHeadG" panose="02030600000101010101" pitchFamily="18" charset="-127"/>
+                </a:rPr>
+                <a:t>makeSvc</a:t>
+              </a:r>
+              <a:endParaRPr kumimoji="1" lang="ko-Kore-KR" altLang="en-US" sz="1050" dirty="0">
+                <a:solidFill>
+                  <a:srgbClr val="5DA2C5"/>
+                </a:solidFill>
+                <a:latin typeface="SHeadG" panose="02030600000101010101" pitchFamily="18" charset="-127"/>
+                <a:ea typeface="SHeadG" panose="02030600000101010101" pitchFamily="18" charset="-127"/>
+              </a:endParaRPr>
+            </a:p>
+          </p:txBody>
+        </p:sp>
+      </p:grpSp>
+      <p:grpSp>
+        <p:nvGrpSpPr>
+          <p:cNvPr id="75" name="그룹 74">
+            <a:extLst>
+              <a:ext uri="{FF2B5EF4-FFF2-40B4-BE49-F238E27FC236}">
+                <a16:creationId xmlns:a16="http://schemas.microsoft.com/office/drawing/2014/main" id="{ABADE767-CB61-9342-A398-14E1AD87FCBE}"/>
+              </a:ext>
+            </a:extLst>
+          </p:cNvPr>
+          <p:cNvGrpSpPr/>
+          <p:nvPr/>
+        </p:nvGrpSpPr>
+        <p:grpSpPr>
+          <a:xfrm>
+            <a:off x="716532" y="3309437"/>
+            <a:ext cx="1408103" cy="816734"/>
+            <a:chOff x="5969850" y="1066800"/>
+            <a:chExt cx="1408103" cy="816734"/>
+          </a:xfrm>
+        </p:grpSpPr>
+        <p:sp>
+          <p:nvSpPr>
+            <p:cNvPr id="76" name="직사각형 75">
+              <a:extLst>
+                <a:ext uri="{FF2B5EF4-FFF2-40B4-BE49-F238E27FC236}">
+                  <a16:creationId xmlns:a16="http://schemas.microsoft.com/office/drawing/2014/main" id="{ED9E7DA7-39BE-D747-AEA2-D2DA28869052}"/>
+                </a:ext>
+              </a:extLst>
+            </p:cNvPr>
+            <p:cNvSpPr/>
+            <p:nvPr/>
+          </p:nvSpPr>
+          <p:spPr>
+            <a:xfrm>
+              <a:off x="5969852" y="1066800"/>
+              <a:ext cx="1408101" cy="539735"/>
+            </a:xfrm>
+            <a:prstGeom prst="rect">
+              <a:avLst/>
+            </a:prstGeom>
+            <a:ln w="25400">
+              <a:solidFill>
+                <a:srgbClr val="5DA2C5"/>
+              </a:solidFill>
+            </a:ln>
+          </p:spPr>
+          <p:style>
+            <a:lnRef idx="1">
+              <a:schemeClr val="accent1"/>
+            </a:lnRef>
+            <a:fillRef idx="0">
+              <a:schemeClr val="accent1"/>
+            </a:fillRef>
+            <a:effectRef idx="0">
+              <a:schemeClr val="accent1"/>
+            </a:effectRef>
+            <a:fontRef idx="minor">
+              <a:schemeClr val="tx1"/>
+            </a:fontRef>
+          </p:style>
+          <p:txBody>
+            <a:bodyPr rtlCol="0" anchor="ctr"/>
+            <a:lstStyle/>
+            <a:p>
+              <a:pPr algn="ctr"/>
+              <a:endParaRPr kumimoji="1" lang="ko-Kore-KR" altLang="en-US"/>
+            </a:p>
+          </p:txBody>
+        </p:sp>
+        <p:sp>
+          <p:nvSpPr>
+            <p:cNvPr id="77" name="TextBox 76">
+              <a:extLst>
+                <a:ext uri="{FF2B5EF4-FFF2-40B4-BE49-F238E27FC236}">
+                  <a16:creationId xmlns:a16="http://schemas.microsoft.com/office/drawing/2014/main" id="{52298F9B-B6B6-4347-9E88-BE6B74B7B816}"/>
+                </a:ext>
+              </a:extLst>
+            </p:cNvPr>
+            <p:cNvSpPr txBox="1"/>
+            <p:nvPr/>
+          </p:nvSpPr>
+          <p:spPr>
+            <a:xfrm>
+              <a:off x="6113930" y="1079623"/>
+              <a:ext cx="1165411" cy="461665"/>
+            </a:xfrm>
+            <a:prstGeom prst="rect">
+              <a:avLst/>
+            </a:prstGeom>
+            <a:noFill/>
+          </p:spPr>
+          <p:txBody>
+            <a:bodyPr wrap="square" rtlCol="0">
+              <a:spAutoFit/>
+            </a:bodyPr>
+            <a:lstStyle/>
+            <a:p>
+              <a:pPr algn="ctr"/>
+              <a:r>
+                <a:rPr kumimoji="1" lang="en-US" altLang="ko-Kore-KR" sz="1200" b="1" dirty="0" err="1">
+                  <a:solidFill>
+                    <a:srgbClr val="5DA2C5"/>
+                  </a:solidFill>
+                  <a:latin typeface="SHeadG" panose="02030600000101010101" pitchFamily="18" charset="-127"/>
+                  <a:ea typeface="SHeadG" panose="02030600000101010101" pitchFamily="18" charset="-127"/>
+                </a:rPr>
+                <a:t>Serivce</a:t>
+              </a:r>
+              <a:endParaRPr kumimoji="1" lang="en-US" altLang="ko-Kore-KR" sz="1200" b="1" dirty="0">
+                <a:solidFill>
+                  <a:srgbClr val="5DA2C5"/>
+                </a:solidFill>
+                <a:latin typeface="SHeadG" panose="02030600000101010101" pitchFamily="18" charset="-127"/>
+                <a:ea typeface="SHeadG" panose="02030600000101010101" pitchFamily="18" charset="-127"/>
+              </a:endParaRPr>
+            </a:p>
+            <a:p>
+              <a:pPr algn="ctr"/>
+              <a:r>
+                <a:rPr kumimoji="1" lang="en-US" altLang="ko-Kore-KR" sz="1200" b="1" dirty="0" err="1">
+                  <a:solidFill>
+                    <a:srgbClr val="5DA2C5"/>
+                  </a:solidFill>
+                  <a:latin typeface="SHeadG" panose="02030600000101010101" pitchFamily="18" charset="-127"/>
+                  <a:ea typeface="SHeadG" panose="02030600000101010101" pitchFamily="18" charset="-127"/>
+                </a:rPr>
+                <a:t>FactoryImpl</a:t>
+              </a:r>
+              <a:endParaRPr kumimoji="1" lang="ko-Kore-KR" altLang="en-US" sz="1200" b="1" dirty="0">
+                <a:solidFill>
+                  <a:srgbClr val="5DA2C5"/>
+                </a:solidFill>
+                <a:latin typeface="SHeadG" panose="02030600000101010101" pitchFamily="18" charset="-127"/>
+                <a:ea typeface="SHeadG" panose="02030600000101010101" pitchFamily="18" charset="-127"/>
+              </a:endParaRPr>
+            </a:p>
+          </p:txBody>
+        </p:sp>
+        <p:sp>
+          <p:nvSpPr>
+            <p:cNvPr id="78" name="직사각형 77">
+              <a:extLst>
+                <a:ext uri="{FF2B5EF4-FFF2-40B4-BE49-F238E27FC236}">
+                  <a16:creationId xmlns:a16="http://schemas.microsoft.com/office/drawing/2014/main" id="{D47BB246-31A4-2C4F-8510-CE44CB6A38F2}"/>
+                </a:ext>
+              </a:extLst>
+            </p:cNvPr>
+            <p:cNvSpPr/>
+            <p:nvPr/>
+          </p:nvSpPr>
+          <p:spPr>
+            <a:xfrm>
+              <a:off x="5969851" y="1606535"/>
+              <a:ext cx="1408101" cy="276999"/>
+            </a:xfrm>
+            <a:prstGeom prst="rect">
+              <a:avLst/>
+            </a:prstGeom>
+            <a:ln w="25400">
+              <a:solidFill>
+                <a:srgbClr val="5DA2C5"/>
+              </a:solidFill>
+            </a:ln>
+          </p:spPr>
+          <p:style>
+            <a:lnRef idx="1">
+              <a:schemeClr val="accent1"/>
+            </a:lnRef>
+            <a:fillRef idx="0">
+              <a:schemeClr val="accent1"/>
+            </a:fillRef>
+            <a:effectRef idx="0">
+              <a:schemeClr val="accent1"/>
+            </a:effectRef>
+            <a:fontRef idx="minor">
+              <a:schemeClr val="tx1"/>
+            </a:fontRef>
+          </p:style>
+          <p:txBody>
+            <a:bodyPr rtlCol="0" anchor="ctr"/>
+            <a:lstStyle/>
+            <a:p>
+              <a:pPr algn="ctr"/>
+              <a:endParaRPr kumimoji="1" lang="ko-Kore-KR" altLang="en-US"/>
+            </a:p>
+          </p:txBody>
+        </p:sp>
+        <p:sp>
+          <p:nvSpPr>
+            <p:cNvPr id="81" name="TextBox 80">
+              <a:extLst>
+                <a:ext uri="{FF2B5EF4-FFF2-40B4-BE49-F238E27FC236}">
+                  <a16:creationId xmlns:a16="http://schemas.microsoft.com/office/drawing/2014/main" id="{8C0CE0B1-889A-BA42-B3C5-822DD9148E57}"/>
+                </a:ext>
+              </a:extLst>
+            </p:cNvPr>
+            <p:cNvSpPr txBox="1"/>
+            <p:nvPr/>
+          </p:nvSpPr>
+          <p:spPr>
+            <a:xfrm>
+              <a:off x="5969850" y="1592129"/>
+              <a:ext cx="1408101" cy="261610"/>
+            </a:xfrm>
+            <a:prstGeom prst="rect">
+              <a:avLst/>
+            </a:prstGeom>
+            <a:noFill/>
+          </p:spPr>
+          <p:txBody>
+            <a:bodyPr wrap="square" rtlCol="0">
+              <a:spAutoFit/>
+            </a:bodyPr>
+            <a:lstStyle/>
+            <a:p>
+              <a:pPr algn="ctr"/>
+              <a:r>
+                <a:rPr kumimoji="1" lang="en-US" altLang="ko-KR" sz="1050" dirty="0">
+                  <a:solidFill>
+                    <a:srgbClr val="5DA2C5"/>
+                  </a:solidFill>
+                  <a:latin typeface="SHeadG" panose="02030600000101010101" pitchFamily="18" charset="-127"/>
+                  <a:ea typeface="SHeadG" panose="02030600000101010101" pitchFamily="18" charset="-127"/>
+                </a:rPr>
+                <a:t>+ </a:t>
+              </a:r>
+              <a:r>
+                <a:rPr kumimoji="1" lang="en-US" altLang="ko-KR" sz="1050" dirty="0" err="1">
+                  <a:solidFill>
+                    <a:srgbClr val="5DA2C5"/>
+                  </a:solidFill>
+                  <a:latin typeface="SHeadG" panose="02030600000101010101" pitchFamily="18" charset="-127"/>
+                  <a:ea typeface="SHeadG" panose="02030600000101010101" pitchFamily="18" charset="-127"/>
+                </a:rPr>
+                <a:t>makeSvc</a:t>
+              </a:r>
+              <a:endParaRPr kumimoji="1" lang="ko-Kore-KR" altLang="en-US" sz="1050" dirty="0">
+                <a:solidFill>
+                  <a:srgbClr val="5DA2C5"/>
+                </a:solidFill>
+                <a:latin typeface="SHeadG" panose="02030600000101010101" pitchFamily="18" charset="-127"/>
+                <a:ea typeface="SHeadG" panose="02030600000101010101" pitchFamily="18" charset="-127"/>
+              </a:endParaRPr>
+            </a:p>
+          </p:txBody>
+        </p:sp>
+      </p:grpSp>
+      <p:grpSp>
+        <p:nvGrpSpPr>
+          <p:cNvPr id="82" name="그룹 81">
+            <a:extLst>
+              <a:ext uri="{FF2B5EF4-FFF2-40B4-BE49-F238E27FC236}">
+                <a16:creationId xmlns:a16="http://schemas.microsoft.com/office/drawing/2014/main" id="{1297994A-1BD6-C440-A667-C518CB3BA60C}"/>
+              </a:ext>
+            </a:extLst>
+          </p:cNvPr>
+          <p:cNvGrpSpPr/>
+          <p:nvPr/>
+        </p:nvGrpSpPr>
+        <p:grpSpPr>
+          <a:xfrm>
+            <a:off x="3641430" y="2002535"/>
+            <a:ext cx="1408101" cy="539735"/>
+            <a:chOff x="3737640" y="1066800"/>
+            <a:chExt cx="1408101" cy="539735"/>
+          </a:xfrm>
+        </p:grpSpPr>
+        <p:sp>
+          <p:nvSpPr>
+            <p:cNvPr id="83" name="직사각형 82">
+              <a:extLst>
+                <a:ext uri="{FF2B5EF4-FFF2-40B4-BE49-F238E27FC236}">
+                  <a16:creationId xmlns:a16="http://schemas.microsoft.com/office/drawing/2014/main" id="{387BC36E-8A41-A248-8F59-486ADBB7E146}"/>
+                </a:ext>
+              </a:extLst>
+            </p:cNvPr>
+            <p:cNvSpPr/>
+            <p:nvPr/>
+          </p:nvSpPr>
+          <p:spPr>
+            <a:xfrm>
+              <a:off x="3737640" y="1066800"/>
+              <a:ext cx="1408101" cy="539735"/>
+            </a:xfrm>
+            <a:prstGeom prst="rect">
+              <a:avLst/>
+            </a:prstGeom>
+            <a:ln w="25400">
+              <a:solidFill>
+                <a:srgbClr val="5DA2C5"/>
+              </a:solidFill>
+            </a:ln>
+          </p:spPr>
+          <p:style>
+            <a:lnRef idx="1">
+              <a:schemeClr val="accent1"/>
+            </a:lnRef>
+            <a:fillRef idx="0">
+              <a:schemeClr val="accent1"/>
+            </a:fillRef>
+            <a:effectRef idx="0">
+              <a:schemeClr val="accent1"/>
+            </a:effectRef>
+            <a:fontRef idx="minor">
+              <a:schemeClr val="tx1"/>
+            </a:fontRef>
+          </p:style>
+          <p:txBody>
+            <a:bodyPr rtlCol="0" anchor="ctr"/>
+            <a:lstStyle/>
+            <a:p>
+              <a:pPr algn="ctr"/>
+              <a:endParaRPr kumimoji="1" lang="ko-Kore-KR" altLang="en-US"/>
+            </a:p>
+          </p:txBody>
+        </p:sp>
+        <p:sp>
+          <p:nvSpPr>
+            <p:cNvPr id="84" name="TextBox 83">
+              <a:extLst>
+                <a:ext uri="{FF2B5EF4-FFF2-40B4-BE49-F238E27FC236}">
+                  <a16:creationId xmlns:a16="http://schemas.microsoft.com/office/drawing/2014/main" id="{9673EF75-0D78-014E-BD28-A59527075D65}"/>
+                </a:ext>
+              </a:extLst>
+            </p:cNvPr>
+            <p:cNvSpPr txBox="1"/>
+            <p:nvPr/>
+          </p:nvSpPr>
+          <p:spPr>
+            <a:xfrm>
+              <a:off x="3737640" y="1105834"/>
+              <a:ext cx="1408101" cy="461665"/>
+            </a:xfrm>
+            <a:prstGeom prst="rect">
+              <a:avLst/>
+            </a:prstGeom>
+            <a:noFill/>
+          </p:spPr>
+          <p:txBody>
+            <a:bodyPr wrap="square" rtlCol="0">
+              <a:spAutoFit/>
+            </a:bodyPr>
+            <a:lstStyle/>
+            <a:p>
+              <a:pPr algn="ctr"/>
+              <a:r>
+                <a:rPr kumimoji="1" lang="en-US" altLang="ko-Kore-KR" sz="1200" b="1" dirty="0">
+                  <a:solidFill>
+                    <a:srgbClr val="5DA2C5"/>
+                  </a:solidFill>
+                  <a:latin typeface="SHeadG" panose="02030600000101010101" pitchFamily="18" charset="-127"/>
+                  <a:ea typeface="SHeadG" panose="02030600000101010101" pitchFamily="18" charset="-127"/>
+                </a:rPr>
+                <a:t>Concrete</a:t>
+              </a:r>
+            </a:p>
+            <a:p>
+              <a:pPr algn="ctr"/>
+              <a:r>
+                <a:rPr kumimoji="1" lang="en-US" altLang="ko-Kore-KR" sz="1200" b="1" dirty="0" err="1">
+                  <a:solidFill>
+                    <a:srgbClr val="5DA2C5"/>
+                  </a:solidFill>
+                  <a:latin typeface="SHeadG" panose="02030600000101010101" pitchFamily="18" charset="-127"/>
+                  <a:ea typeface="SHeadG" panose="02030600000101010101" pitchFamily="18" charset="-127"/>
+                </a:rPr>
+                <a:t>Impl</a:t>
+              </a:r>
+              <a:endParaRPr kumimoji="1" lang="ko-Kore-KR" altLang="en-US" sz="1200" b="1" dirty="0">
+                <a:solidFill>
+                  <a:srgbClr val="5DA2C5"/>
+                </a:solidFill>
+                <a:latin typeface="SHeadG" panose="02030600000101010101" pitchFamily="18" charset="-127"/>
+                <a:ea typeface="SHeadG" panose="02030600000101010101" pitchFamily="18" charset="-127"/>
+              </a:endParaRPr>
+            </a:p>
+          </p:txBody>
+        </p:sp>
+      </p:grpSp>
+      <p:cxnSp>
+        <p:nvCxnSpPr>
+          <p:cNvPr id="86" name="직선 화살표 연결선 85">
+            <a:extLst>
+              <a:ext uri="{FF2B5EF4-FFF2-40B4-BE49-F238E27FC236}">
+                <a16:creationId xmlns:a16="http://schemas.microsoft.com/office/drawing/2014/main" id="{7FF4D1B7-2F52-FD47-BA10-F65B1FAE0B4C}"/>
+              </a:ext>
+            </a:extLst>
+          </p:cNvPr>
+          <p:cNvCxnSpPr>
+            <a:cxnSpLocks/>
+            <a:stCxn id="71" idx="3"/>
+          </p:cNvCxnSpPr>
+          <p:nvPr/>
+        </p:nvCxnSpPr>
+        <p:spPr>
+          <a:xfrm flipV="1">
+            <a:off x="2124637" y="1597570"/>
+            <a:ext cx="1516793" cy="721000"/>
+          </a:xfrm>
+          <a:prstGeom prst="straightConnector1">
+            <a:avLst/>
+          </a:prstGeom>
+          <a:ln w="19050">
+            <a:solidFill>
+              <a:srgbClr val="5DA2C5"/>
+            </a:solidFill>
+            <a:prstDash val="dash"/>
+            <a:tailEnd type="stealth" w="lg" len="lg"/>
+          </a:ln>
+        </p:spPr>
+        <p:style>
+          <a:lnRef idx="1">
+            <a:schemeClr val="accent1"/>
+          </a:lnRef>
+          <a:fillRef idx="0">
+            <a:schemeClr val="accent1"/>
+          </a:fillRef>
+          <a:effectRef idx="0">
+            <a:schemeClr val="accent1"/>
+          </a:effectRef>
+          <a:fontRef idx="minor">
+            <a:schemeClr val="tx1"/>
+          </a:fontRef>
+        </p:style>
+      </p:cxnSp>
+      <p:cxnSp>
+        <p:nvCxnSpPr>
+          <p:cNvPr id="89" name="직선 화살표 연결선 88">
+            <a:extLst>
+              <a:ext uri="{FF2B5EF4-FFF2-40B4-BE49-F238E27FC236}">
+                <a16:creationId xmlns:a16="http://schemas.microsoft.com/office/drawing/2014/main" id="{B9A6E7D0-4B93-924B-9B04-1977013F29DD}"/>
+              </a:ext>
+            </a:extLst>
+          </p:cNvPr>
+          <p:cNvCxnSpPr>
+            <a:cxnSpLocks/>
+            <a:stCxn id="79" idx="2"/>
+            <a:endCxn id="71" idx="0"/>
+          </p:cNvCxnSpPr>
+          <p:nvPr/>
+        </p:nvCxnSpPr>
+        <p:spPr>
+          <a:xfrm>
+            <a:off x="1420585" y="1583164"/>
+            <a:ext cx="2" cy="465538"/>
+          </a:xfrm>
+          <a:prstGeom prst="straightConnector1">
+            <a:avLst/>
+          </a:prstGeom>
+          <a:ln w="19050">
+            <a:solidFill>
+              <a:srgbClr val="5DA2C5"/>
+            </a:solidFill>
+            <a:tailEnd type="stealth" w="lg" len="lg"/>
+          </a:ln>
+        </p:spPr>
+        <p:style>
+          <a:lnRef idx="1">
+            <a:schemeClr val="accent1"/>
+          </a:lnRef>
+          <a:fillRef idx="0">
+            <a:schemeClr val="accent1"/>
+          </a:fillRef>
+          <a:effectRef idx="0">
+            <a:schemeClr val="accent1"/>
+          </a:effectRef>
+          <a:fontRef idx="minor">
+            <a:schemeClr val="tx1"/>
+          </a:fontRef>
+        </p:style>
+      </p:cxnSp>
+      <p:cxnSp>
+        <p:nvCxnSpPr>
+          <p:cNvPr id="92" name="직선 화살표 연결선 91">
+            <a:extLst>
+              <a:ext uri="{FF2B5EF4-FFF2-40B4-BE49-F238E27FC236}">
+                <a16:creationId xmlns:a16="http://schemas.microsoft.com/office/drawing/2014/main" id="{F150CBCB-0320-D040-8076-B4C6A954765D}"/>
+              </a:ext>
+            </a:extLst>
+          </p:cNvPr>
+          <p:cNvCxnSpPr>
+            <a:cxnSpLocks/>
+            <a:stCxn id="73" idx="2"/>
+            <a:endCxn id="76" idx="0"/>
+          </p:cNvCxnSpPr>
+          <p:nvPr/>
+        </p:nvCxnSpPr>
+        <p:spPr>
+          <a:xfrm flipH="1">
+            <a:off x="1420585" y="2865436"/>
+            <a:ext cx="1" cy="444001"/>
+          </a:xfrm>
+          <a:prstGeom prst="straightConnector1">
+            <a:avLst/>
+          </a:prstGeom>
+          <a:ln w="19050">
+            <a:solidFill>
+              <a:srgbClr val="5DA2C5"/>
+            </a:solidFill>
+            <a:tailEnd type="stealth" w="lg" len="lg"/>
+          </a:ln>
+        </p:spPr>
+        <p:style>
+          <a:lnRef idx="1">
+            <a:schemeClr val="accent1"/>
+          </a:lnRef>
+          <a:fillRef idx="0">
+            <a:schemeClr val="accent1"/>
+          </a:fillRef>
+          <a:effectRef idx="0">
+            <a:schemeClr val="accent1"/>
+          </a:effectRef>
+          <a:fontRef idx="minor">
+            <a:schemeClr val="tx1"/>
+          </a:fontRef>
+        </p:style>
+      </p:cxnSp>
+      <p:sp>
+        <p:nvSpPr>
+          <p:cNvPr id="97" name="직사각형 96">
+            <a:extLst>
+              <a:ext uri="{FF2B5EF4-FFF2-40B4-BE49-F238E27FC236}">
+                <a16:creationId xmlns:a16="http://schemas.microsoft.com/office/drawing/2014/main" id="{C1BF416D-BDAA-4548-BE1F-F9BD55490C39}"/>
+              </a:ext>
+            </a:extLst>
+          </p:cNvPr>
+          <p:cNvSpPr/>
+          <p:nvPr/>
+        </p:nvSpPr>
+        <p:spPr>
+          <a:xfrm>
+            <a:off x="4598767" y="1032103"/>
+            <a:ext cx="450764" cy="369332"/>
+          </a:xfrm>
+          <a:prstGeom prst="rect">
+            <a:avLst/>
+          </a:prstGeom>
+        </p:spPr>
+        <p:txBody>
+          <a:bodyPr wrap="none">
+            <a:spAutoFit/>
+          </a:bodyPr>
+          <a:lstStyle/>
+          <a:p>
+            <a:r>
+              <a:rPr kumimoji="1" lang="en-US" altLang="ko-Kore-KR" b="1" dirty="0">
+                <a:solidFill>
+                  <a:srgbClr val="5DA2C5"/>
+                </a:solidFill>
+                <a:latin typeface="SHeadG" panose="02030600000101010101" pitchFamily="18" charset="-127"/>
+                <a:ea typeface="SHeadG" panose="02030600000101010101" pitchFamily="18" charset="-127"/>
+              </a:rPr>
+              <a:t>&lt;I&gt;</a:t>
+            </a:r>
+            <a:endParaRPr lang="ko-Kore-KR" altLang="en-US" dirty="0"/>
+          </a:p>
+        </p:txBody>
+      </p:sp>
+      <p:sp>
+        <p:nvSpPr>
+          <p:cNvPr id="98" name="직사각형 97">
+            <a:extLst>
+              <a:ext uri="{FF2B5EF4-FFF2-40B4-BE49-F238E27FC236}">
+                <a16:creationId xmlns:a16="http://schemas.microsoft.com/office/drawing/2014/main" id="{02395B8C-6C6E-B34F-92B0-E3FA61F50130}"/>
+              </a:ext>
+            </a:extLst>
+          </p:cNvPr>
+          <p:cNvSpPr/>
+          <p:nvPr/>
+        </p:nvSpPr>
+        <p:spPr>
+          <a:xfrm>
+            <a:off x="1723179" y="2013995"/>
+            <a:ext cx="450764" cy="369332"/>
+          </a:xfrm>
+          <a:prstGeom prst="rect">
+            <a:avLst/>
+          </a:prstGeom>
+        </p:spPr>
+        <p:txBody>
+          <a:bodyPr wrap="none">
+            <a:spAutoFit/>
+          </a:bodyPr>
+          <a:lstStyle/>
+          <a:p>
+            <a:r>
+              <a:rPr kumimoji="1" lang="en-US" altLang="ko-Kore-KR" b="1" dirty="0">
+                <a:solidFill>
+                  <a:srgbClr val="5DA2C5"/>
+                </a:solidFill>
+                <a:latin typeface="SHeadG" panose="02030600000101010101" pitchFamily="18" charset="-127"/>
+                <a:ea typeface="SHeadG" panose="02030600000101010101" pitchFamily="18" charset="-127"/>
+              </a:rPr>
+              <a:t>&lt;I&gt;</a:t>
+            </a:r>
+            <a:endParaRPr lang="ko-Kore-KR" altLang="en-US" dirty="0"/>
+          </a:p>
+        </p:txBody>
+      </p:sp>
+      <p:sp>
+        <p:nvSpPr>
+          <p:cNvPr id="15" name="자유형 14">
+            <a:extLst>
+              <a:ext uri="{FF2B5EF4-FFF2-40B4-BE49-F238E27FC236}">
+                <a16:creationId xmlns:a16="http://schemas.microsoft.com/office/drawing/2014/main" id="{E8A6178B-CEE6-E64F-B61A-3E829B81D7D3}"/>
+              </a:ext>
+            </a:extLst>
+          </p:cNvPr>
+          <p:cNvSpPr/>
+          <p:nvPr/>
+        </p:nvSpPr>
+        <p:spPr>
+          <a:xfrm>
+            <a:off x="392080" y="1721662"/>
+            <a:ext cx="4981903" cy="1447210"/>
+          </a:xfrm>
+          <a:custGeom>
+            <a:avLst/>
+            <a:gdLst>
+              <a:gd name="connsiteX0" fmla="*/ 0 w 4981903"/>
+              <a:gd name="connsiteY0" fmla="*/ 1366345 h 1447210"/>
+              <a:gd name="connsiteX1" fmla="*/ 2333296 w 4981903"/>
+              <a:gd name="connsiteY1" fmla="*/ 1324304 h 1447210"/>
+              <a:gd name="connsiteX2" fmla="*/ 2984937 w 4981903"/>
+              <a:gd name="connsiteY2" fmla="*/ 199697 h 1447210"/>
+              <a:gd name="connsiteX3" fmla="*/ 4981903 w 4981903"/>
+              <a:gd name="connsiteY3" fmla="*/ 0 h 1447210"/>
+            </a:gdLst>
+            <a:ahLst/>
+            <a:cxnLst>
+              <a:cxn ang="0">
+                <a:pos x="connsiteX0" y="connsiteY0"/>
+              </a:cxn>
+              <a:cxn ang="0">
+                <a:pos x="connsiteX1" y="connsiteY1"/>
+              </a:cxn>
+              <a:cxn ang="0">
+                <a:pos x="connsiteX2" y="connsiteY2"/>
+              </a:cxn>
+              <a:cxn ang="0">
+                <a:pos x="connsiteX3" y="connsiteY3"/>
+              </a:cxn>
+            </a:cxnLst>
+            <a:rect l="l" t="t" r="r" b="b"/>
+            <a:pathLst>
+              <a:path w="4981903" h="1447210">
+                <a:moveTo>
+                  <a:pt x="0" y="1366345"/>
+                </a:moveTo>
+                <a:cubicBezTo>
+                  <a:pt x="917903" y="1442545"/>
+                  <a:pt x="1835807" y="1518745"/>
+                  <a:pt x="2333296" y="1324304"/>
+                </a:cubicBezTo>
+                <a:cubicBezTo>
+                  <a:pt x="2830785" y="1129863"/>
+                  <a:pt x="2543503" y="420414"/>
+                  <a:pt x="2984937" y="199697"/>
+                </a:cubicBezTo>
+                <a:cubicBezTo>
+                  <a:pt x="3426372" y="-21020"/>
+                  <a:pt x="4640317" y="14014"/>
+                  <a:pt x="4981903" y="0"/>
+                </a:cubicBezTo>
+              </a:path>
+            </a:pathLst>
+          </a:custGeom>
+          <a:noFill/>
+          <a:ln w="38100">
+            <a:solidFill>
+              <a:srgbClr val="5DA2C5"/>
+            </a:solidFill>
+          </a:ln>
+        </p:spPr>
+        <p:style>
+          <a:lnRef idx="2">
+            <a:schemeClr val="accent1">
+              <a:shade val="50000"/>
+            </a:schemeClr>
+          </a:lnRef>
+          <a:fillRef idx="1">
+            <a:schemeClr val="accent1"/>
+          </a:fillRef>
+          <a:effectRef idx="0">
+            <a:schemeClr val="accent1"/>
+          </a:effectRef>
+          <a:fontRef idx="minor">
+            <a:schemeClr val="lt1"/>
+          </a:fontRef>
+        </p:style>
+        <p:txBody>
+          <a:bodyPr rtlCol="0" anchor="ctr"/>
+          <a:lstStyle/>
+          <a:p>
+            <a:pPr algn="ctr"/>
+            <a:endParaRPr kumimoji="1" lang="ko-Kore-KR" altLang="en-US"/>
+          </a:p>
+        </p:txBody>
+      </p:sp>
+    </p:spTree>
+    <p:extLst>
+      <p:ext uri="{BB962C8B-B14F-4D97-AF65-F5344CB8AC3E}">
+        <p14:creationId xmlns:p14="http://schemas.microsoft.com/office/powerpoint/2010/main" val="3411747016"/>
+      </p:ext>
+    </p:extLst>
+  </p:cSld>
+  <p:clrMapOvr>
+    <a:masterClrMapping/>
+  </p:clrMapOvr>
+</p:sld>
+</file>
+
 <file path=ppt/theme/theme1.xml><?xml version="1.0" encoding="utf-8"?>
 <a:theme xmlns:a="http://schemas.openxmlformats.org/drawingml/2006/main" name="Office 테마">
   <a:themeElements>

--- a/Clean Architecture/ref/프레젠테이션1.pptx
+++ b/Clean Architecture/ref/프레젠테이션1.pptx
@@ -11,6 +11,7 @@
     <p:sldId id="259" r:id="rId5"/>
     <p:sldId id="260" r:id="rId6"/>
     <p:sldId id="261" r:id="rId7"/>
+    <p:sldId id="262" r:id="rId8"/>
   </p:sldIdLst>
   <p:sldSz cx="12192000" cy="6858000"/>
   <p:notesSz cx="6858000" cy="9144000"/>
@@ -22208,15 +22209,15 @@
           </p:cNvPr>
           <p:cNvCxnSpPr>
             <a:cxnSpLocks/>
-            <a:stCxn id="73" idx="2"/>
-            <a:endCxn id="76" idx="0"/>
+            <a:stCxn id="76" idx="0"/>
+            <a:endCxn id="74" idx="2"/>
           </p:cNvCxnSpPr>
           <p:nvPr/>
         </p:nvCxnSpPr>
         <p:spPr>
-          <a:xfrm flipH="1">
-            <a:off x="1420585" y="2865436"/>
-            <a:ext cx="1" cy="444001"/>
+          <a:xfrm flipV="1">
+            <a:off x="1420585" y="2835641"/>
+            <a:ext cx="0" cy="473796"/>
           </a:xfrm>
           <a:prstGeom prst="straightConnector1">
             <a:avLst/>
@@ -22425,10 +22426,906 @@
           </a:p>
         </p:txBody>
       </p:sp>
+      <p:cxnSp>
+        <p:nvCxnSpPr>
+          <p:cNvPr id="105" name="직선 화살표 연결선 104">
+            <a:extLst>
+              <a:ext uri="{FF2B5EF4-FFF2-40B4-BE49-F238E27FC236}">
+                <a16:creationId xmlns:a16="http://schemas.microsoft.com/office/drawing/2014/main" id="{2D3DC2A1-3603-2447-BFD3-A3C2ED907900}"/>
+              </a:ext>
+            </a:extLst>
+          </p:cNvPr>
+          <p:cNvCxnSpPr>
+            <a:cxnSpLocks/>
+            <a:stCxn id="83" idx="0"/>
+            <a:endCxn id="44" idx="2"/>
+          </p:cNvCxnSpPr>
+          <p:nvPr/>
+        </p:nvCxnSpPr>
+        <p:spPr>
+          <a:xfrm flipV="1">
+            <a:off x="4345481" y="1584921"/>
+            <a:ext cx="0" cy="417614"/>
+          </a:xfrm>
+          <a:prstGeom prst="straightConnector1">
+            <a:avLst/>
+          </a:prstGeom>
+          <a:ln w="19050">
+            <a:solidFill>
+              <a:srgbClr val="5DA2C5"/>
+            </a:solidFill>
+            <a:tailEnd type="stealth" w="lg" len="lg"/>
+          </a:ln>
+        </p:spPr>
+        <p:style>
+          <a:lnRef idx="1">
+            <a:schemeClr val="accent1"/>
+          </a:lnRef>
+          <a:fillRef idx="0">
+            <a:schemeClr val="accent1"/>
+          </a:fillRef>
+          <a:effectRef idx="0">
+            <a:schemeClr val="accent1"/>
+          </a:effectRef>
+          <a:fontRef idx="minor">
+            <a:schemeClr val="tx1"/>
+          </a:fontRef>
+        </p:style>
+      </p:cxnSp>
     </p:spTree>
     <p:extLst>
       <p:ext uri="{BB962C8B-B14F-4D97-AF65-F5344CB8AC3E}">
         <p14:creationId xmlns:p14="http://schemas.microsoft.com/office/powerpoint/2010/main" val="3411747016"/>
+      </p:ext>
+    </p:extLst>
+  </p:cSld>
+  <p:clrMapOvr>
+    <a:masterClrMapping/>
+  </p:clrMapOvr>
+</p:sld>
+</file>
+
+<file path=ppt/slides/slide7.xml><?xml version="1.0" encoding="utf-8"?>
+<p:sld xmlns:a="http://schemas.openxmlformats.org/drawingml/2006/main" xmlns:r="http://schemas.openxmlformats.org/officeDocument/2006/relationships" xmlns:p="http://schemas.openxmlformats.org/presentationml/2006/main">
+  <p:cSld>
+    <p:spTree>
+      <p:nvGrpSpPr>
+        <p:cNvPr id="1" name=""/>
+        <p:cNvGrpSpPr/>
+        <p:nvPr/>
+      </p:nvGrpSpPr>
+      <p:grpSpPr>
+        <a:xfrm>
+          <a:off x="0" y="0"/>
+          <a:ext cx="0" cy="0"/>
+          <a:chOff x="0" y="0"/>
+          <a:chExt cx="0" cy="0"/>
+        </a:xfrm>
+      </p:grpSpPr>
+      <p:grpSp>
+        <p:nvGrpSpPr>
+          <p:cNvPr id="3" name="그룹 2">
+            <a:extLst>
+              <a:ext uri="{FF2B5EF4-FFF2-40B4-BE49-F238E27FC236}">
+                <a16:creationId xmlns:a16="http://schemas.microsoft.com/office/drawing/2014/main" id="{00E13168-44F3-F146-8341-5EA573E5B1CA}"/>
+              </a:ext>
+            </a:extLst>
+          </p:cNvPr>
+          <p:cNvGrpSpPr/>
+          <p:nvPr/>
+        </p:nvGrpSpPr>
+        <p:grpSpPr>
+          <a:xfrm>
+            <a:off x="1250731" y="767255"/>
+            <a:ext cx="1366345" cy="1345324"/>
+            <a:chOff x="1250731" y="767255"/>
+            <a:chExt cx="1366345" cy="1345324"/>
+          </a:xfrm>
+        </p:grpSpPr>
+        <p:sp>
+          <p:nvSpPr>
+            <p:cNvPr id="2" name="타원 1">
+              <a:extLst>
+                <a:ext uri="{FF2B5EF4-FFF2-40B4-BE49-F238E27FC236}">
+                  <a16:creationId xmlns:a16="http://schemas.microsoft.com/office/drawing/2014/main" id="{AAC165CA-FDF1-F744-9191-2041FB798761}"/>
+                </a:ext>
+              </a:extLst>
+            </p:cNvPr>
+            <p:cNvSpPr/>
+            <p:nvPr/>
+          </p:nvSpPr>
+          <p:spPr>
+            <a:xfrm>
+              <a:off x="1250731" y="767255"/>
+              <a:ext cx="1366345" cy="1345324"/>
+            </a:xfrm>
+            <a:prstGeom prst="ellipse">
+              <a:avLst/>
+            </a:prstGeom>
+            <a:solidFill>
+              <a:srgbClr val="5DA2C5"/>
+            </a:solidFill>
+            <a:ln>
+              <a:noFill/>
+            </a:ln>
+          </p:spPr>
+          <p:style>
+            <a:lnRef idx="2">
+              <a:schemeClr val="accent1">
+                <a:shade val="50000"/>
+              </a:schemeClr>
+            </a:lnRef>
+            <a:fillRef idx="1">
+              <a:schemeClr val="accent1"/>
+            </a:fillRef>
+            <a:effectRef idx="0">
+              <a:schemeClr val="accent1"/>
+            </a:effectRef>
+            <a:fontRef idx="minor">
+              <a:schemeClr val="lt1"/>
+            </a:fontRef>
+          </p:style>
+          <p:txBody>
+            <a:bodyPr rtlCol="0" anchor="ctr"/>
+            <a:lstStyle/>
+            <a:p>
+              <a:pPr algn="ctr"/>
+              <a:endParaRPr kumimoji="1" lang="ko-Kore-KR" altLang="en-US" dirty="0"/>
+            </a:p>
+          </p:txBody>
+        </p:sp>
+        <p:sp>
+          <p:nvSpPr>
+            <p:cNvPr id="31" name="TextBox 30">
+              <a:extLst>
+                <a:ext uri="{FF2B5EF4-FFF2-40B4-BE49-F238E27FC236}">
+                  <a16:creationId xmlns:a16="http://schemas.microsoft.com/office/drawing/2014/main" id="{9E0E9078-2BCC-7240-AD30-05A24F19AB9E}"/>
+                </a:ext>
+              </a:extLst>
+            </p:cNvPr>
+            <p:cNvSpPr txBox="1"/>
+            <p:nvPr/>
+          </p:nvSpPr>
+          <p:spPr>
+            <a:xfrm>
+              <a:off x="1324304" y="1085974"/>
+              <a:ext cx="1219199" cy="707886"/>
+            </a:xfrm>
+            <a:prstGeom prst="rect">
+              <a:avLst/>
+            </a:prstGeom>
+            <a:noFill/>
+          </p:spPr>
+          <p:txBody>
+            <a:bodyPr wrap="square" rtlCol="0">
+              <a:spAutoFit/>
+            </a:bodyPr>
+            <a:lstStyle/>
+            <a:p>
+              <a:pPr algn="ctr"/>
+              <a:r>
+                <a:rPr kumimoji="1" lang="en-US" altLang="ko-Kore-KR" sz="1600" b="1" dirty="0">
+                  <a:solidFill>
+                    <a:schemeClr val="bg1"/>
+                  </a:solidFill>
+                  <a:latin typeface="SHeadG" panose="02030600000101010101" pitchFamily="18" charset="-127"/>
+                  <a:ea typeface="SHeadG" panose="02030600000101010101" pitchFamily="18" charset="-127"/>
+                </a:rPr>
+                <a:t>REP</a:t>
+              </a:r>
+              <a:endParaRPr kumimoji="1" lang="en-US" altLang="ko-Kore-KR" sz="1200" b="1" dirty="0">
+                <a:solidFill>
+                  <a:schemeClr val="bg1"/>
+                </a:solidFill>
+                <a:latin typeface="SHeadG" panose="02030600000101010101" pitchFamily="18" charset="-127"/>
+                <a:ea typeface="SHeadG" panose="02030600000101010101" pitchFamily="18" charset="-127"/>
+              </a:endParaRPr>
+            </a:p>
+            <a:p>
+              <a:pPr algn="ctr"/>
+              <a:r>
+                <a:rPr kumimoji="1" lang="ko-KR" altLang="en-US" sz="1200" b="1" dirty="0">
+                  <a:solidFill>
+                    <a:schemeClr val="bg1"/>
+                  </a:solidFill>
+                  <a:latin typeface="SHeadG" panose="02030600000101010101" pitchFamily="18" charset="-127"/>
+                  <a:ea typeface="SHeadG" panose="02030600000101010101" pitchFamily="18" charset="-127"/>
+                </a:rPr>
+                <a:t>재 사용성을 </a:t>
+              </a:r>
+              <a:endParaRPr kumimoji="1" lang="en-US" altLang="ko-KR" sz="1200" b="1" dirty="0">
+                <a:solidFill>
+                  <a:schemeClr val="bg1"/>
+                </a:solidFill>
+                <a:latin typeface="SHeadG" panose="02030600000101010101" pitchFamily="18" charset="-127"/>
+                <a:ea typeface="SHeadG" panose="02030600000101010101" pitchFamily="18" charset="-127"/>
+              </a:endParaRPr>
+            </a:p>
+            <a:p>
+              <a:pPr algn="ctr"/>
+              <a:r>
+                <a:rPr kumimoji="1" lang="ko-KR" altLang="en-US" sz="1200" b="1" dirty="0">
+                  <a:solidFill>
+                    <a:schemeClr val="bg1"/>
+                  </a:solidFill>
+                  <a:latin typeface="SHeadG" panose="02030600000101010101" pitchFamily="18" charset="-127"/>
+                  <a:ea typeface="SHeadG" panose="02030600000101010101" pitchFamily="18" charset="-127"/>
+                </a:rPr>
+                <a:t>위한 그룹</a:t>
+              </a:r>
+              <a:endParaRPr kumimoji="1" lang="ko-Kore-KR" altLang="en-US" sz="1200" b="1" dirty="0">
+                <a:solidFill>
+                  <a:schemeClr val="bg1"/>
+                </a:solidFill>
+                <a:latin typeface="SHeadG" panose="02030600000101010101" pitchFamily="18" charset="-127"/>
+                <a:ea typeface="SHeadG" panose="02030600000101010101" pitchFamily="18" charset="-127"/>
+              </a:endParaRPr>
+            </a:p>
+          </p:txBody>
+        </p:sp>
+      </p:grpSp>
+      <p:grpSp>
+        <p:nvGrpSpPr>
+          <p:cNvPr id="33" name="그룹 32">
+            <a:extLst>
+              <a:ext uri="{FF2B5EF4-FFF2-40B4-BE49-F238E27FC236}">
+                <a16:creationId xmlns:a16="http://schemas.microsoft.com/office/drawing/2014/main" id="{398ACC52-6861-8F4F-9AC4-BCAD8D14A36E}"/>
+              </a:ext>
+            </a:extLst>
+          </p:cNvPr>
+          <p:cNvGrpSpPr/>
+          <p:nvPr/>
+        </p:nvGrpSpPr>
+        <p:grpSpPr>
+          <a:xfrm>
+            <a:off x="5922579" y="767255"/>
+            <a:ext cx="1366345" cy="1345324"/>
+            <a:chOff x="1250731" y="767255"/>
+            <a:chExt cx="1366345" cy="1345324"/>
+          </a:xfrm>
+        </p:grpSpPr>
+        <p:sp>
+          <p:nvSpPr>
+            <p:cNvPr id="34" name="타원 33">
+              <a:extLst>
+                <a:ext uri="{FF2B5EF4-FFF2-40B4-BE49-F238E27FC236}">
+                  <a16:creationId xmlns:a16="http://schemas.microsoft.com/office/drawing/2014/main" id="{082F7151-CFFA-EC4A-B977-0487BC2C8420}"/>
+                </a:ext>
+              </a:extLst>
+            </p:cNvPr>
+            <p:cNvSpPr/>
+            <p:nvPr/>
+          </p:nvSpPr>
+          <p:spPr>
+            <a:xfrm>
+              <a:off x="1250731" y="767255"/>
+              <a:ext cx="1366345" cy="1345324"/>
+            </a:xfrm>
+            <a:prstGeom prst="ellipse">
+              <a:avLst/>
+            </a:prstGeom>
+            <a:solidFill>
+              <a:srgbClr val="5DA2C5"/>
+            </a:solidFill>
+            <a:ln>
+              <a:noFill/>
+            </a:ln>
+          </p:spPr>
+          <p:style>
+            <a:lnRef idx="2">
+              <a:schemeClr val="accent1">
+                <a:shade val="50000"/>
+              </a:schemeClr>
+            </a:lnRef>
+            <a:fillRef idx="1">
+              <a:schemeClr val="accent1"/>
+            </a:fillRef>
+            <a:effectRef idx="0">
+              <a:schemeClr val="accent1"/>
+            </a:effectRef>
+            <a:fontRef idx="minor">
+              <a:schemeClr val="lt1"/>
+            </a:fontRef>
+          </p:style>
+          <p:txBody>
+            <a:bodyPr rtlCol="0" anchor="ctr"/>
+            <a:lstStyle/>
+            <a:p>
+              <a:pPr algn="ctr"/>
+              <a:endParaRPr kumimoji="1" lang="ko-Kore-KR" altLang="en-US" dirty="0"/>
+            </a:p>
+          </p:txBody>
+        </p:sp>
+        <p:sp>
+          <p:nvSpPr>
+            <p:cNvPr id="35" name="TextBox 34">
+              <a:extLst>
+                <a:ext uri="{FF2B5EF4-FFF2-40B4-BE49-F238E27FC236}">
+                  <a16:creationId xmlns:a16="http://schemas.microsoft.com/office/drawing/2014/main" id="{E4AA7BA1-E2F8-8640-924A-1F03EE6CBF0A}"/>
+                </a:ext>
+              </a:extLst>
+            </p:cNvPr>
+            <p:cNvSpPr txBox="1"/>
+            <p:nvPr/>
+          </p:nvSpPr>
+          <p:spPr>
+            <a:xfrm>
+              <a:off x="1324304" y="1085974"/>
+              <a:ext cx="1219199" cy="707886"/>
+            </a:xfrm>
+            <a:prstGeom prst="rect">
+              <a:avLst/>
+            </a:prstGeom>
+            <a:noFill/>
+          </p:spPr>
+          <p:txBody>
+            <a:bodyPr wrap="square" rtlCol="0">
+              <a:spAutoFit/>
+            </a:bodyPr>
+            <a:lstStyle/>
+            <a:p>
+              <a:pPr algn="ctr"/>
+              <a:r>
+                <a:rPr kumimoji="1" lang="en-US" altLang="ko-Kore-KR" sz="1600" b="1" dirty="0">
+                  <a:solidFill>
+                    <a:schemeClr val="bg1"/>
+                  </a:solidFill>
+                  <a:latin typeface="SHeadG" panose="02030600000101010101" pitchFamily="18" charset="-127"/>
+                  <a:ea typeface="SHeadG" panose="02030600000101010101" pitchFamily="18" charset="-127"/>
+                </a:rPr>
+                <a:t>CCP</a:t>
+              </a:r>
+              <a:endParaRPr kumimoji="1" lang="en-US" altLang="ko-Kore-KR" sz="1200" b="1" dirty="0">
+                <a:solidFill>
+                  <a:schemeClr val="bg1"/>
+                </a:solidFill>
+                <a:latin typeface="SHeadG" panose="02030600000101010101" pitchFamily="18" charset="-127"/>
+                <a:ea typeface="SHeadG" panose="02030600000101010101" pitchFamily="18" charset="-127"/>
+              </a:endParaRPr>
+            </a:p>
+            <a:p>
+              <a:pPr algn="ctr"/>
+              <a:r>
+                <a:rPr kumimoji="1" lang="ko-KR" altLang="en-US" sz="1200" b="1" dirty="0">
+                  <a:solidFill>
+                    <a:schemeClr val="bg1"/>
+                  </a:solidFill>
+                  <a:latin typeface="SHeadG" panose="02030600000101010101" pitchFamily="18" charset="-127"/>
+                  <a:ea typeface="SHeadG" panose="02030600000101010101" pitchFamily="18" charset="-127"/>
+                </a:rPr>
+                <a:t>유지보수성을 위한 그룹</a:t>
+              </a:r>
+              <a:endParaRPr kumimoji="1" lang="ko-Kore-KR" altLang="en-US" sz="1200" b="1" dirty="0">
+                <a:solidFill>
+                  <a:schemeClr val="bg1"/>
+                </a:solidFill>
+                <a:latin typeface="SHeadG" panose="02030600000101010101" pitchFamily="18" charset="-127"/>
+                <a:ea typeface="SHeadG" panose="02030600000101010101" pitchFamily="18" charset="-127"/>
+              </a:endParaRPr>
+            </a:p>
+          </p:txBody>
+        </p:sp>
+      </p:grpSp>
+      <p:grpSp>
+        <p:nvGrpSpPr>
+          <p:cNvPr id="36" name="그룹 35">
+            <a:extLst>
+              <a:ext uri="{FF2B5EF4-FFF2-40B4-BE49-F238E27FC236}">
+                <a16:creationId xmlns:a16="http://schemas.microsoft.com/office/drawing/2014/main" id="{B5F821E2-FC41-F647-B030-C6EDE182FA19}"/>
+              </a:ext>
+            </a:extLst>
+          </p:cNvPr>
+          <p:cNvGrpSpPr/>
+          <p:nvPr/>
+        </p:nvGrpSpPr>
+        <p:grpSpPr>
+          <a:xfrm>
+            <a:off x="3555124" y="3618186"/>
+            <a:ext cx="1366345" cy="1345324"/>
+            <a:chOff x="1250731" y="767255"/>
+            <a:chExt cx="1366345" cy="1345324"/>
+          </a:xfrm>
+        </p:grpSpPr>
+        <p:sp>
+          <p:nvSpPr>
+            <p:cNvPr id="37" name="타원 36">
+              <a:extLst>
+                <a:ext uri="{FF2B5EF4-FFF2-40B4-BE49-F238E27FC236}">
+                  <a16:creationId xmlns:a16="http://schemas.microsoft.com/office/drawing/2014/main" id="{F7D3285E-7984-6948-9087-0B4CF6ACF93C}"/>
+                </a:ext>
+              </a:extLst>
+            </p:cNvPr>
+            <p:cNvSpPr/>
+            <p:nvPr/>
+          </p:nvSpPr>
+          <p:spPr>
+            <a:xfrm>
+              <a:off x="1250731" y="767255"/>
+              <a:ext cx="1366345" cy="1345324"/>
+            </a:xfrm>
+            <a:prstGeom prst="ellipse">
+              <a:avLst/>
+            </a:prstGeom>
+            <a:solidFill>
+              <a:srgbClr val="5DA2C5"/>
+            </a:solidFill>
+            <a:ln>
+              <a:noFill/>
+            </a:ln>
+          </p:spPr>
+          <p:style>
+            <a:lnRef idx="2">
+              <a:schemeClr val="accent1">
+                <a:shade val="50000"/>
+              </a:schemeClr>
+            </a:lnRef>
+            <a:fillRef idx="1">
+              <a:schemeClr val="accent1"/>
+            </a:fillRef>
+            <a:effectRef idx="0">
+              <a:schemeClr val="accent1"/>
+            </a:effectRef>
+            <a:fontRef idx="minor">
+              <a:schemeClr val="lt1"/>
+            </a:fontRef>
+          </p:style>
+          <p:txBody>
+            <a:bodyPr rtlCol="0" anchor="ctr"/>
+            <a:lstStyle/>
+            <a:p>
+              <a:pPr algn="ctr"/>
+              <a:endParaRPr kumimoji="1" lang="ko-Kore-KR" altLang="en-US" dirty="0"/>
+            </a:p>
+          </p:txBody>
+        </p:sp>
+        <p:sp>
+          <p:nvSpPr>
+            <p:cNvPr id="38" name="TextBox 37">
+              <a:extLst>
+                <a:ext uri="{FF2B5EF4-FFF2-40B4-BE49-F238E27FC236}">
+                  <a16:creationId xmlns:a16="http://schemas.microsoft.com/office/drawing/2014/main" id="{237706B5-ACF6-5047-A4CC-97C4A19A3CC5}"/>
+                </a:ext>
+              </a:extLst>
+            </p:cNvPr>
+            <p:cNvSpPr txBox="1"/>
+            <p:nvPr/>
+          </p:nvSpPr>
+          <p:spPr>
+            <a:xfrm>
+              <a:off x="1324304" y="993640"/>
+              <a:ext cx="1219199" cy="892552"/>
+            </a:xfrm>
+            <a:prstGeom prst="rect">
+              <a:avLst/>
+            </a:prstGeom>
+            <a:noFill/>
+          </p:spPr>
+          <p:txBody>
+            <a:bodyPr wrap="square" rtlCol="0">
+              <a:spAutoFit/>
+            </a:bodyPr>
+            <a:lstStyle/>
+            <a:p>
+              <a:pPr algn="ctr"/>
+              <a:r>
+                <a:rPr kumimoji="1" lang="en-US" altLang="ko-Kore-KR" sz="1600" b="1" dirty="0">
+                  <a:solidFill>
+                    <a:schemeClr val="bg1"/>
+                  </a:solidFill>
+                  <a:latin typeface="SHeadG" panose="02030600000101010101" pitchFamily="18" charset="-127"/>
+                  <a:ea typeface="SHeadG" panose="02030600000101010101" pitchFamily="18" charset="-127"/>
+                </a:rPr>
+                <a:t>CRP</a:t>
+              </a:r>
+              <a:endParaRPr kumimoji="1" lang="en-US" altLang="ko-Kore-KR" sz="1200" b="1" dirty="0">
+                <a:solidFill>
+                  <a:schemeClr val="bg1"/>
+                </a:solidFill>
+                <a:latin typeface="SHeadG" panose="02030600000101010101" pitchFamily="18" charset="-127"/>
+                <a:ea typeface="SHeadG" panose="02030600000101010101" pitchFamily="18" charset="-127"/>
+              </a:endParaRPr>
+            </a:p>
+            <a:p>
+              <a:pPr algn="ctr"/>
+              <a:r>
+                <a:rPr kumimoji="1" lang="ko-KR" altLang="en-US" sz="1200" b="1" dirty="0">
+                  <a:solidFill>
+                    <a:schemeClr val="bg1"/>
+                  </a:solidFill>
+                  <a:latin typeface="SHeadG" panose="02030600000101010101" pitchFamily="18" charset="-127"/>
+                  <a:ea typeface="SHeadG" panose="02030600000101010101" pitchFamily="18" charset="-127"/>
+                </a:rPr>
+                <a:t>불필요한 릴리스를 피하기 위해 분리하기</a:t>
+              </a:r>
+              <a:endParaRPr kumimoji="1" lang="ko-Kore-KR" altLang="en-US" sz="1200" b="1" dirty="0">
+                <a:solidFill>
+                  <a:schemeClr val="bg1"/>
+                </a:solidFill>
+                <a:latin typeface="SHeadG" panose="02030600000101010101" pitchFamily="18" charset="-127"/>
+                <a:ea typeface="SHeadG" panose="02030600000101010101" pitchFamily="18" charset="-127"/>
+              </a:endParaRPr>
+            </a:p>
+          </p:txBody>
+        </p:sp>
+      </p:grpSp>
+      <p:cxnSp>
+        <p:nvCxnSpPr>
+          <p:cNvPr id="39" name="직선 화살표 연결선 38">
+            <a:extLst>
+              <a:ext uri="{FF2B5EF4-FFF2-40B4-BE49-F238E27FC236}">
+                <a16:creationId xmlns:a16="http://schemas.microsoft.com/office/drawing/2014/main" id="{765D20B0-0DB7-8345-B1DE-28A6AAE3843C}"/>
+              </a:ext>
+            </a:extLst>
+          </p:cNvPr>
+          <p:cNvCxnSpPr>
+            <a:cxnSpLocks/>
+            <a:stCxn id="2" idx="6"/>
+            <a:endCxn id="34" idx="2"/>
+          </p:cNvCxnSpPr>
+          <p:nvPr/>
+        </p:nvCxnSpPr>
+        <p:spPr>
+          <a:xfrm>
+            <a:off x="2617076" y="1439917"/>
+            <a:ext cx="3305503" cy="0"/>
+          </a:xfrm>
+          <a:prstGeom prst="straightConnector1">
+            <a:avLst/>
+          </a:prstGeom>
+          <a:ln w="19050">
+            <a:solidFill>
+              <a:srgbClr val="5DA2C5"/>
+            </a:solidFill>
+            <a:tailEnd type="none" w="lg" len="lg"/>
+          </a:ln>
+        </p:spPr>
+        <p:style>
+          <a:lnRef idx="1">
+            <a:schemeClr val="accent1"/>
+          </a:lnRef>
+          <a:fillRef idx="0">
+            <a:schemeClr val="accent1"/>
+          </a:fillRef>
+          <a:effectRef idx="0">
+            <a:schemeClr val="accent1"/>
+          </a:effectRef>
+          <a:fontRef idx="minor">
+            <a:schemeClr val="tx1"/>
+          </a:fontRef>
+        </p:style>
+      </p:cxnSp>
+      <p:cxnSp>
+        <p:nvCxnSpPr>
+          <p:cNvPr id="42" name="직선 화살표 연결선 41">
+            <a:extLst>
+              <a:ext uri="{FF2B5EF4-FFF2-40B4-BE49-F238E27FC236}">
+                <a16:creationId xmlns:a16="http://schemas.microsoft.com/office/drawing/2014/main" id="{E42FF280-6429-F94B-BC57-CAF2C7923654}"/>
+              </a:ext>
+            </a:extLst>
+          </p:cNvPr>
+          <p:cNvCxnSpPr>
+            <a:cxnSpLocks/>
+            <a:stCxn id="2" idx="5"/>
+            <a:endCxn id="37" idx="1"/>
+          </p:cNvCxnSpPr>
+          <p:nvPr/>
+        </p:nvCxnSpPr>
+        <p:spPr>
+          <a:xfrm>
+            <a:off x="2416979" y="1915561"/>
+            <a:ext cx="1338242" cy="1899643"/>
+          </a:xfrm>
+          <a:prstGeom prst="straightConnector1">
+            <a:avLst/>
+          </a:prstGeom>
+          <a:ln w="19050">
+            <a:solidFill>
+              <a:srgbClr val="5DA2C5"/>
+            </a:solidFill>
+            <a:tailEnd type="none" w="lg" len="lg"/>
+          </a:ln>
+        </p:spPr>
+        <p:style>
+          <a:lnRef idx="1">
+            <a:schemeClr val="accent1"/>
+          </a:lnRef>
+          <a:fillRef idx="0">
+            <a:schemeClr val="accent1"/>
+          </a:fillRef>
+          <a:effectRef idx="0">
+            <a:schemeClr val="accent1"/>
+          </a:effectRef>
+          <a:fontRef idx="minor">
+            <a:schemeClr val="tx1"/>
+          </a:fontRef>
+        </p:style>
+      </p:cxnSp>
+      <p:cxnSp>
+        <p:nvCxnSpPr>
+          <p:cNvPr id="50" name="직선 화살표 연결선 49">
+            <a:extLst>
+              <a:ext uri="{FF2B5EF4-FFF2-40B4-BE49-F238E27FC236}">
+                <a16:creationId xmlns:a16="http://schemas.microsoft.com/office/drawing/2014/main" id="{C91F7E99-9E37-CA49-8A64-F894D14D141D}"/>
+              </a:ext>
+            </a:extLst>
+          </p:cNvPr>
+          <p:cNvCxnSpPr>
+            <a:cxnSpLocks/>
+            <a:stCxn id="34" idx="3"/>
+            <a:endCxn id="37" idx="7"/>
+          </p:cNvCxnSpPr>
+          <p:nvPr/>
+        </p:nvCxnSpPr>
+        <p:spPr>
+          <a:xfrm flipH="1">
+            <a:off x="4721372" y="1915561"/>
+            <a:ext cx="1401304" cy="1899643"/>
+          </a:xfrm>
+          <a:prstGeom prst="straightConnector1">
+            <a:avLst/>
+          </a:prstGeom>
+          <a:ln w="19050">
+            <a:solidFill>
+              <a:srgbClr val="5DA2C5"/>
+            </a:solidFill>
+            <a:tailEnd type="none" w="lg" len="lg"/>
+          </a:ln>
+        </p:spPr>
+        <p:style>
+          <a:lnRef idx="1">
+            <a:schemeClr val="accent1"/>
+          </a:lnRef>
+          <a:fillRef idx="0">
+            <a:schemeClr val="accent1"/>
+          </a:fillRef>
+          <a:effectRef idx="0">
+            <a:schemeClr val="accent1"/>
+          </a:effectRef>
+          <a:fontRef idx="minor">
+            <a:schemeClr val="tx1"/>
+          </a:fontRef>
+        </p:style>
+      </p:cxnSp>
+      <p:sp>
+        <p:nvSpPr>
+          <p:cNvPr id="51" name="TextBox 50">
+            <a:extLst>
+              <a:ext uri="{FF2B5EF4-FFF2-40B4-BE49-F238E27FC236}">
+                <a16:creationId xmlns:a16="http://schemas.microsoft.com/office/drawing/2014/main" id="{8290349E-0CCE-B348-8E76-151B343B5AA3}"/>
+              </a:ext>
+            </a:extLst>
+          </p:cNvPr>
+          <p:cNvSpPr txBox="1"/>
+          <p:nvPr/>
+        </p:nvSpPr>
+        <p:spPr>
+          <a:xfrm>
+            <a:off x="3154287" y="1090271"/>
+            <a:ext cx="2231079" cy="276999"/>
+          </a:xfrm>
+          <a:prstGeom prst="rect">
+            <a:avLst/>
+          </a:prstGeom>
+          <a:noFill/>
+        </p:spPr>
+        <p:txBody>
+          <a:bodyPr wrap="square" rtlCol="0">
+            <a:spAutoFit/>
+          </a:bodyPr>
+          <a:lstStyle/>
+          <a:p>
+            <a:pPr algn="ctr"/>
+            <a:r>
+              <a:rPr kumimoji="1" lang="ko-KR" altLang="en-US" sz="1200" b="1" dirty="0">
+                <a:solidFill>
+                  <a:srgbClr val="5DA2C5"/>
+                </a:solidFill>
+                <a:latin typeface="SHeadG" panose="02030600000101010101" pitchFamily="18" charset="-127"/>
+                <a:ea typeface="SHeadG" panose="02030600000101010101" pitchFamily="18" charset="-127"/>
+              </a:rPr>
+              <a:t>불필요한 릴리스가 너무 빈번함</a:t>
+            </a:r>
+            <a:endParaRPr kumimoji="1" lang="ko-Kore-KR" altLang="en-US" sz="1200" b="1" dirty="0">
+              <a:solidFill>
+                <a:srgbClr val="5DA2C5"/>
+              </a:solidFill>
+              <a:latin typeface="SHeadG" panose="02030600000101010101" pitchFamily="18" charset="-127"/>
+              <a:ea typeface="SHeadG" panose="02030600000101010101" pitchFamily="18" charset="-127"/>
+            </a:endParaRPr>
+          </a:p>
+        </p:txBody>
+      </p:sp>
+      <p:sp>
+        <p:nvSpPr>
+          <p:cNvPr id="52" name="TextBox 51">
+            <a:extLst>
+              <a:ext uri="{FF2B5EF4-FFF2-40B4-BE49-F238E27FC236}">
+                <a16:creationId xmlns:a16="http://schemas.microsoft.com/office/drawing/2014/main" id="{B36776CB-69CB-364D-90C0-68A130D31369}"/>
+              </a:ext>
+            </a:extLst>
+          </p:cNvPr>
+          <p:cNvSpPr txBox="1"/>
+          <p:nvPr/>
+        </p:nvSpPr>
+        <p:spPr>
+          <a:xfrm rot="3284784">
+            <a:off x="1796699" y="2817509"/>
+            <a:ext cx="2231079" cy="276999"/>
+          </a:xfrm>
+          <a:prstGeom prst="rect">
+            <a:avLst/>
+          </a:prstGeom>
+          <a:noFill/>
+        </p:spPr>
+        <p:txBody>
+          <a:bodyPr wrap="square" rtlCol="0">
+            <a:spAutoFit/>
+          </a:bodyPr>
+          <a:lstStyle/>
+          <a:p>
+            <a:pPr algn="ctr"/>
+            <a:r>
+              <a:rPr kumimoji="1" lang="ko-KR" altLang="en-US" sz="1200" b="1" dirty="0">
+                <a:solidFill>
+                  <a:srgbClr val="5DA2C5"/>
+                </a:solidFill>
+                <a:latin typeface="SHeadG" panose="02030600000101010101" pitchFamily="18" charset="-127"/>
+                <a:ea typeface="SHeadG" panose="02030600000101010101" pitchFamily="18" charset="-127"/>
+              </a:rPr>
+              <a:t>컴포넌트 변경이 너무 빈번함</a:t>
+            </a:r>
+            <a:endParaRPr kumimoji="1" lang="ko-Kore-KR" altLang="en-US" sz="1200" b="1" dirty="0">
+              <a:solidFill>
+                <a:srgbClr val="5DA2C5"/>
+              </a:solidFill>
+              <a:latin typeface="SHeadG" panose="02030600000101010101" pitchFamily="18" charset="-127"/>
+              <a:ea typeface="SHeadG" panose="02030600000101010101" pitchFamily="18" charset="-127"/>
+            </a:endParaRPr>
+          </a:p>
+        </p:txBody>
+      </p:sp>
+      <p:sp>
+        <p:nvSpPr>
+          <p:cNvPr id="53" name="TextBox 52">
+            <a:extLst>
+              <a:ext uri="{FF2B5EF4-FFF2-40B4-BE49-F238E27FC236}">
+                <a16:creationId xmlns:a16="http://schemas.microsoft.com/office/drawing/2014/main" id="{28F3E9FB-DB4F-A245-9F3A-F67B617AC0F8}"/>
+              </a:ext>
+            </a:extLst>
+          </p:cNvPr>
+          <p:cNvSpPr txBox="1"/>
+          <p:nvPr/>
+        </p:nvSpPr>
+        <p:spPr>
+          <a:xfrm rot="18385822">
+            <a:off x="4493784" y="2873129"/>
+            <a:ext cx="2231079" cy="276999"/>
+          </a:xfrm>
+          <a:prstGeom prst="rect">
+            <a:avLst/>
+          </a:prstGeom>
+          <a:noFill/>
+        </p:spPr>
+        <p:txBody>
+          <a:bodyPr wrap="square" rtlCol="0">
+            <a:spAutoFit/>
+          </a:bodyPr>
+          <a:lstStyle/>
+          <a:p>
+            <a:pPr algn="ctr"/>
+            <a:r>
+              <a:rPr kumimoji="1" lang="ko-KR" altLang="en-US" sz="1200" b="1" dirty="0">
+                <a:solidFill>
+                  <a:srgbClr val="5DA2C5"/>
+                </a:solidFill>
+                <a:latin typeface="SHeadG" panose="02030600000101010101" pitchFamily="18" charset="-127"/>
+                <a:ea typeface="SHeadG" panose="02030600000101010101" pitchFamily="18" charset="-127"/>
+              </a:rPr>
+              <a:t>재사용이 어려움</a:t>
+            </a:r>
+            <a:endParaRPr kumimoji="1" lang="ko-Kore-KR" altLang="en-US" sz="1200" b="1" dirty="0">
+              <a:solidFill>
+                <a:srgbClr val="5DA2C5"/>
+              </a:solidFill>
+              <a:latin typeface="SHeadG" panose="02030600000101010101" pitchFamily="18" charset="-127"/>
+              <a:ea typeface="SHeadG" panose="02030600000101010101" pitchFamily="18" charset="-127"/>
+            </a:endParaRPr>
+          </a:p>
+        </p:txBody>
+      </p:sp>
+      <p:sp>
+        <p:nvSpPr>
+          <p:cNvPr id="54" name="TextBox 53">
+            <a:extLst>
+              <a:ext uri="{FF2B5EF4-FFF2-40B4-BE49-F238E27FC236}">
+                <a16:creationId xmlns:a16="http://schemas.microsoft.com/office/drawing/2014/main" id="{872F7ACE-6CD3-6846-988D-DE273D2705BD}"/>
+              </a:ext>
+            </a:extLst>
+          </p:cNvPr>
+          <p:cNvSpPr txBox="1"/>
+          <p:nvPr/>
+        </p:nvSpPr>
+        <p:spPr>
+          <a:xfrm>
+            <a:off x="3086100" y="1965111"/>
+            <a:ext cx="2539748" cy="584775"/>
+          </a:xfrm>
+          <a:prstGeom prst="rect">
+            <a:avLst/>
+          </a:prstGeom>
+          <a:noFill/>
+        </p:spPr>
+        <p:txBody>
+          <a:bodyPr wrap="square" rtlCol="0">
+            <a:spAutoFit/>
+          </a:bodyPr>
+          <a:lstStyle/>
+          <a:p>
+            <a:pPr algn="ctr"/>
+            <a:r>
+              <a:rPr kumimoji="1" lang="ko-KR" altLang="en-US" sz="1600" b="1" dirty="0">
+                <a:solidFill>
+                  <a:schemeClr val="accent4">
+                    <a:lumMod val="75000"/>
+                  </a:schemeClr>
+                </a:solidFill>
+                <a:latin typeface="SHeadG" panose="02030600000101010101" pitchFamily="18" charset="-127"/>
+                <a:ea typeface="SHeadG" panose="02030600000101010101" pitchFamily="18" charset="-127"/>
+              </a:rPr>
+              <a:t>이 공간의 어디에 </a:t>
+            </a:r>
+            <a:endParaRPr kumimoji="1" lang="en-US" altLang="ko-KR" sz="1600" b="1" dirty="0">
+              <a:solidFill>
+                <a:schemeClr val="accent4">
+                  <a:lumMod val="75000"/>
+                </a:schemeClr>
+              </a:solidFill>
+              <a:latin typeface="SHeadG" panose="02030600000101010101" pitchFamily="18" charset="-127"/>
+              <a:ea typeface="SHeadG" panose="02030600000101010101" pitchFamily="18" charset="-127"/>
+            </a:endParaRPr>
+          </a:p>
+          <a:p>
+            <a:pPr algn="ctr"/>
+            <a:r>
+              <a:rPr kumimoji="1" lang="ko-KR" altLang="en-US" sz="1600" b="1" dirty="0">
+                <a:solidFill>
+                  <a:schemeClr val="accent4">
+                    <a:lumMod val="75000"/>
+                  </a:schemeClr>
+                </a:solidFill>
+                <a:latin typeface="SHeadG" panose="02030600000101010101" pitchFamily="18" charset="-127"/>
+                <a:ea typeface="SHeadG" panose="02030600000101010101" pitchFamily="18" charset="-127"/>
+              </a:rPr>
+              <a:t>컴포넌트를 위치시켜야 할까</a:t>
+            </a:r>
+            <a:r>
+              <a:rPr kumimoji="1" lang="en-US" altLang="ko-KR" sz="1600" b="1" dirty="0">
+                <a:solidFill>
+                  <a:schemeClr val="accent4">
+                    <a:lumMod val="75000"/>
+                  </a:schemeClr>
+                </a:solidFill>
+                <a:latin typeface="SHeadG" panose="02030600000101010101" pitchFamily="18" charset="-127"/>
+                <a:ea typeface="SHeadG" panose="02030600000101010101" pitchFamily="18" charset="-127"/>
+              </a:rPr>
+              <a:t>?</a:t>
+            </a:r>
+            <a:endParaRPr kumimoji="1" lang="ko-Kore-KR" altLang="en-US" sz="1600" b="1" dirty="0">
+              <a:solidFill>
+                <a:schemeClr val="accent4">
+                  <a:lumMod val="75000"/>
+                </a:schemeClr>
+              </a:solidFill>
+              <a:latin typeface="SHeadG" panose="02030600000101010101" pitchFamily="18" charset="-127"/>
+              <a:ea typeface="SHeadG" panose="02030600000101010101" pitchFamily="18" charset="-127"/>
+            </a:endParaRPr>
+          </a:p>
+        </p:txBody>
+      </p:sp>
+    </p:spTree>
+    <p:extLst>
+      <p:ext uri="{BB962C8B-B14F-4D97-AF65-F5344CB8AC3E}">
+        <p14:creationId xmlns:p14="http://schemas.microsoft.com/office/powerpoint/2010/main" val="1171718583"/>
       </p:ext>
     </p:extLst>
   </p:cSld>

--- a/Clean Architecture/ref/프레젠테이션1.pptx
+++ b/Clean Architecture/ref/프레젠테이션1.pptx
@@ -12,6 +12,8 @@
     <p:sldId id="260" r:id="rId6"/>
     <p:sldId id="261" r:id="rId7"/>
     <p:sldId id="262" r:id="rId8"/>
+    <p:sldId id="263" r:id="rId9"/>
+    <p:sldId id="264" r:id="rId10"/>
   </p:sldIdLst>
   <p:sldSz cx="12192000" cy="6858000"/>
   <p:notesSz cx="6858000" cy="9144000"/>
@@ -249,7 +251,7 @@
           <a:p>
             <a:fld id="{3083E1A9-A397-4745-BD5D-6E8E767939EE}" type="datetimeFigureOut">
               <a:rPr kumimoji="1" lang="ko-Kore-KR" altLang="en-US" smtClean="0"/>
-              <a:t>2020. 12. 17.</a:t>
+              <a:t>2020. 12. 19.</a:t>
             </a:fld>
             <a:endParaRPr kumimoji="1" lang="ko-Kore-KR" altLang="en-US"/>
           </a:p>
@@ -419,7 +421,7 @@
           <a:p>
             <a:fld id="{3083E1A9-A397-4745-BD5D-6E8E767939EE}" type="datetimeFigureOut">
               <a:rPr kumimoji="1" lang="ko-Kore-KR" altLang="en-US" smtClean="0"/>
-              <a:t>2020. 12. 17.</a:t>
+              <a:t>2020. 12. 19.</a:t>
             </a:fld>
             <a:endParaRPr kumimoji="1" lang="ko-Kore-KR" altLang="en-US"/>
           </a:p>
@@ -599,7 +601,7 @@
           <a:p>
             <a:fld id="{3083E1A9-A397-4745-BD5D-6E8E767939EE}" type="datetimeFigureOut">
               <a:rPr kumimoji="1" lang="ko-Kore-KR" altLang="en-US" smtClean="0"/>
-              <a:t>2020. 12. 17.</a:t>
+              <a:t>2020. 12. 19.</a:t>
             </a:fld>
             <a:endParaRPr kumimoji="1" lang="ko-Kore-KR" altLang="en-US"/>
           </a:p>
@@ -769,7 +771,7 @@
           <a:p>
             <a:fld id="{3083E1A9-A397-4745-BD5D-6E8E767939EE}" type="datetimeFigureOut">
               <a:rPr kumimoji="1" lang="ko-Kore-KR" altLang="en-US" smtClean="0"/>
-              <a:t>2020. 12. 17.</a:t>
+              <a:t>2020. 12. 19.</a:t>
             </a:fld>
             <a:endParaRPr kumimoji="1" lang="ko-Kore-KR" altLang="en-US"/>
           </a:p>
@@ -1015,7 +1017,7 @@
           <a:p>
             <a:fld id="{3083E1A9-A397-4745-BD5D-6E8E767939EE}" type="datetimeFigureOut">
               <a:rPr kumimoji="1" lang="ko-Kore-KR" altLang="en-US" smtClean="0"/>
-              <a:t>2020. 12. 17.</a:t>
+              <a:t>2020. 12. 19.</a:t>
             </a:fld>
             <a:endParaRPr kumimoji="1" lang="ko-Kore-KR" altLang="en-US"/>
           </a:p>
@@ -1247,7 +1249,7 @@
           <a:p>
             <a:fld id="{3083E1A9-A397-4745-BD5D-6E8E767939EE}" type="datetimeFigureOut">
               <a:rPr kumimoji="1" lang="ko-Kore-KR" altLang="en-US" smtClean="0"/>
-              <a:t>2020. 12. 17.</a:t>
+              <a:t>2020. 12. 19.</a:t>
             </a:fld>
             <a:endParaRPr kumimoji="1" lang="ko-Kore-KR" altLang="en-US"/>
           </a:p>
@@ -1614,7 +1616,7 @@
           <a:p>
             <a:fld id="{3083E1A9-A397-4745-BD5D-6E8E767939EE}" type="datetimeFigureOut">
               <a:rPr kumimoji="1" lang="ko-Kore-KR" altLang="en-US" smtClean="0"/>
-              <a:t>2020. 12. 17.</a:t>
+              <a:t>2020. 12. 19.</a:t>
             </a:fld>
             <a:endParaRPr kumimoji="1" lang="ko-Kore-KR" altLang="en-US"/>
           </a:p>
@@ -1732,7 +1734,7 @@
           <a:p>
             <a:fld id="{3083E1A9-A397-4745-BD5D-6E8E767939EE}" type="datetimeFigureOut">
               <a:rPr kumimoji="1" lang="ko-Kore-KR" altLang="en-US" smtClean="0"/>
-              <a:t>2020. 12. 17.</a:t>
+              <a:t>2020. 12. 19.</a:t>
             </a:fld>
             <a:endParaRPr kumimoji="1" lang="ko-Kore-KR" altLang="en-US"/>
           </a:p>
@@ -1827,7 +1829,7 @@
           <a:p>
             <a:fld id="{3083E1A9-A397-4745-BD5D-6E8E767939EE}" type="datetimeFigureOut">
               <a:rPr kumimoji="1" lang="ko-Kore-KR" altLang="en-US" smtClean="0"/>
-              <a:t>2020. 12. 17.</a:t>
+              <a:t>2020. 12. 19.</a:t>
             </a:fld>
             <a:endParaRPr kumimoji="1" lang="ko-Kore-KR" altLang="en-US"/>
           </a:p>
@@ -2104,7 +2106,7 @@
           <a:p>
             <a:fld id="{3083E1A9-A397-4745-BD5D-6E8E767939EE}" type="datetimeFigureOut">
               <a:rPr kumimoji="1" lang="ko-Kore-KR" altLang="en-US" smtClean="0"/>
-              <a:t>2020. 12. 17.</a:t>
+              <a:t>2020. 12. 19.</a:t>
             </a:fld>
             <a:endParaRPr kumimoji="1" lang="ko-Kore-KR" altLang="en-US"/>
           </a:p>
@@ -2361,7 +2363,7 @@
           <a:p>
             <a:fld id="{3083E1A9-A397-4745-BD5D-6E8E767939EE}" type="datetimeFigureOut">
               <a:rPr kumimoji="1" lang="ko-Kore-KR" altLang="en-US" smtClean="0"/>
-              <a:t>2020. 12. 17.</a:t>
+              <a:t>2020. 12. 19.</a:t>
             </a:fld>
             <a:endParaRPr kumimoji="1" lang="ko-Kore-KR" altLang="en-US"/>
           </a:p>
@@ -2574,7 +2576,7 @@
           <a:p>
             <a:fld id="{3083E1A9-A397-4745-BD5D-6E8E767939EE}" type="datetimeFigureOut">
               <a:rPr kumimoji="1" lang="ko-Kore-KR" altLang="en-US" smtClean="0"/>
-              <a:t>2020. 12. 17.</a:t>
+              <a:t>2020. 12. 19.</a:t>
             </a:fld>
             <a:endParaRPr kumimoji="1" lang="ko-Kore-KR" altLang="en-US"/>
           </a:p>
@@ -23335,6 +23337,3976 @@
 </p:sld>
 </file>
 
+<file path=ppt/slides/slide8.xml><?xml version="1.0" encoding="utf-8"?>
+<p:sld xmlns:a="http://schemas.openxmlformats.org/drawingml/2006/main" xmlns:r="http://schemas.openxmlformats.org/officeDocument/2006/relationships" xmlns:p="http://schemas.openxmlformats.org/presentationml/2006/main">
+  <p:cSld>
+    <p:spTree>
+      <p:nvGrpSpPr>
+        <p:cNvPr id="1" name=""/>
+        <p:cNvGrpSpPr/>
+        <p:nvPr/>
+      </p:nvGrpSpPr>
+      <p:grpSpPr>
+        <a:xfrm>
+          <a:off x="0" y="0"/>
+          <a:ext cx="0" cy="0"/>
+          <a:chOff x="0" y="0"/>
+          <a:chExt cx="0" cy="0"/>
+        </a:xfrm>
+      </p:grpSpPr>
+      <p:sp>
+        <p:nvSpPr>
+          <p:cNvPr id="18" name="직사각형 17">
+            <a:extLst>
+              <a:ext uri="{FF2B5EF4-FFF2-40B4-BE49-F238E27FC236}">
+                <a16:creationId xmlns:a16="http://schemas.microsoft.com/office/drawing/2014/main" id="{2F4D08C5-20A2-954F-8B07-F7B8AA897004}"/>
+              </a:ext>
+            </a:extLst>
+          </p:cNvPr>
+          <p:cNvSpPr/>
+          <p:nvPr/>
+        </p:nvSpPr>
+        <p:spPr>
+          <a:xfrm>
+            <a:off x="791101" y="393006"/>
+            <a:ext cx="2614495" cy="1230053"/>
+          </a:xfrm>
+          <a:prstGeom prst="rect">
+            <a:avLst/>
+          </a:prstGeom>
+          <a:ln w="25400">
+            <a:solidFill>
+              <a:srgbClr val="5DA2C5"/>
+            </a:solidFill>
+          </a:ln>
+        </p:spPr>
+        <p:style>
+          <a:lnRef idx="1">
+            <a:schemeClr val="accent1"/>
+          </a:lnRef>
+          <a:fillRef idx="0">
+            <a:schemeClr val="accent1"/>
+          </a:fillRef>
+          <a:effectRef idx="0">
+            <a:schemeClr val="accent1"/>
+          </a:effectRef>
+          <a:fontRef idx="minor">
+            <a:schemeClr val="tx1"/>
+          </a:fontRef>
+        </p:style>
+        <p:txBody>
+          <a:bodyPr rtlCol="0" anchor="ctr"/>
+          <a:lstStyle/>
+          <a:p>
+            <a:pPr algn="ctr"/>
+            <a:endParaRPr kumimoji="1" lang="ko-Kore-KR" altLang="en-US"/>
+          </a:p>
+        </p:txBody>
+      </p:sp>
+      <p:grpSp>
+        <p:nvGrpSpPr>
+          <p:cNvPr id="4" name="그룹 3">
+            <a:extLst>
+              <a:ext uri="{FF2B5EF4-FFF2-40B4-BE49-F238E27FC236}">
+                <a16:creationId xmlns:a16="http://schemas.microsoft.com/office/drawing/2014/main" id="{557DB173-B1C8-924F-9858-4FCDF22C7B47}"/>
+              </a:ext>
+            </a:extLst>
+          </p:cNvPr>
+          <p:cNvGrpSpPr/>
+          <p:nvPr/>
+        </p:nvGrpSpPr>
+        <p:grpSpPr>
+          <a:xfrm>
+            <a:off x="1008814" y="513550"/>
+            <a:ext cx="2179067" cy="468000"/>
+            <a:chOff x="2175218" y="1251857"/>
+            <a:chExt cx="2179067" cy="468000"/>
+          </a:xfrm>
+        </p:grpSpPr>
+        <p:sp>
+          <p:nvSpPr>
+            <p:cNvPr id="19" name="직사각형 18">
+              <a:extLst>
+                <a:ext uri="{FF2B5EF4-FFF2-40B4-BE49-F238E27FC236}">
+                  <a16:creationId xmlns:a16="http://schemas.microsoft.com/office/drawing/2014/main" id="{E1813ED5-051B-F845-A11D-03E652A4C6AD}"/>
+                </a:ext>
+              </a:extLst>
+            </p:cNvPr>
+            <p:cNvSpPr/>
+            <p:nvPr/>
+          </p:nvSpPr>
+          <p:spPr>
+            <a:xfrm>
+              <a:off x="2175218" y="1251857"/>
+              <a:ext cx="2179067" cy="468000"/>
+            </a:xfrm>
+            <a:prstGeom prst="rect">
+              <a:avLst/>
+            </a:prstGeom>
+            <a:ln w="19050">
+              <a:solidFill>
+                <a:srgbClr val="5DA2C5"/>
+              </a:solidFill>
+            </a:ln>
+          </p:spPr>
+          <p:style>
+            <a:lnRef idx="1">
+              <a:schemeClr val="accent1"/>
+            </a:lnRef>
+            <a:fillRef idx="0">
+              <a:schemeClr val="accent1"/>
+            </a:fillRef>
+            <a:effectRef idx="0">
+              <a:schemeClr val="accent1"/>
+            </a:effectRef>
+            <a:fontRef idx="minor">
+              <a:schemeClr val="tx1"/>
+            </a:fontRef>
+          </p:style>
+          <p:txBody>
+            <a:bodyPr rtlCol="0" anchor="ctr"/>
+            <a:lstStyle/>
+            <a:p>
+              <a:pPr algn="ctr"/>
+              <a:endParaRPr kumimoji="1" lang="ko-Kore-KR" altLang="en-US" dirty="0"/>
+            </a:p>
+          </p:txBody>
+        </p:sp>
+        <p:sp>
+          <p:nvSpPr>
+            <p:cNvPr id="20" name="TextBox 19">
+              <a:extLst>
+                <a:ext uri="{FF2B5EF4-FFF2-40B4-BE49-F238E27FC236}">
+                  <a16:creationId xmlns:a16="http://schemas.microsoft.com/office/drawing/2014/main" id="{70A8CE01-BF74-5742-B73F-D52402354039}"/>
+                </a:ext>
+              </a:extLst>
+            </p:cNvPr>
+            <p:cNvSpPr txBox="1"/>
+            <p:nvPr/>
+          </p:nvSpPr>
+          <p:spPr>
+            <a:xfrm>
+              <a:off x="2324416" y="1345621"/>
+              <a:ext cx="1880670" cy="276999"/>
+            </a:xfrm>
+            <a:prstGeom prst="rect">
+              <a:avLst/>
+            </a:prstGeom>
+            <a:noFill/>
+          </p:spPr>
+          <p:txBody>
+            <a:bodyPr wrap="square" rtlCol="0">
+              <a:spAutoFit/>
+            </a:bodyPr>
+            <a:lstStyle/>
+            <a:p>
+              <a:pPr algn="ctr"/>
+              <a:r>
+                <a:rPr kumimoji="1" lang="en-US" altLang="ko-Kore-KR" sz="1200" b="1" dirty="0" err="1">
+                  <a:solidFill>
+                    <a:srgbClr val="5DA2C5"/>
+                  </a:solidFill>
+                  <a:latin typeface="SHeadG" panose="02030600000101010101" pitchFamily="18" charset="-127"/>
+                  <a:ea typeface="SHeadG" panose="02030600000101010101" pitchFamily="18" charset="-127"/>
+                </a:rPr>
+                <a:t>OrdersController</a:t>
+              </a:r>
+              <a:endParaRPr kumimoji="1" lang="ko-Kore-KR" altLang="en-US" sz="1200" b="1" dirty="0">
+                <a:solidFill>
+                  <a:srgbClr val="5DA2C5"/>
+                </a:solidFill>
+                <a:latin typeface="SHeadG" panose="02030600000101010101" pitchFamily="18" charset="-127"/>
+                <a:ea typeface="SHeadG" panose="02030600000101010101" pitchFamily="18" charset="-127"/>
+              </a:endParaRPr>
+            </a:p>
+          </p:txBody>
+        </p:sp>
+      </p:grpSp>
+      <p:sp>
+        <p:nvSpPr>
+          <p:cNvPr id="22" name="TextBox 21">
+            <a:extLst>
+              <a:ext uri="{FF2B5EF4-FFF2-40B4-BE49-F238E27FC236}">
+                <a16:creationId xmlns:a16="http://schemas.microsoft.com/office/drawing/2014/main" id="{B5D1FACC-F52E-744D-B6D8-8F22434AFCE2}"/>
+              </a:ext>
+            </a:extLst>
+          </p:cNvPr>
+          <p:cNvSpPr txBox="1"/>
+          <p:nvPr/>
+        </p:nvSpPr>
+        <p:spPr>
+          <a:xfrm>
+            <a:off x="859615" y="1290077"/>
+            <a:ext cx="2455085" cy="246221"/>
+          </a:xfrm>
+          <a:prstGeom prst="rect">
+            <a:avLst/>
+          </a:prstGeom>
+          <a:noFill/>
+        </p:spPr>
+        <p:txBody>
+          <a:bodyPr wrap="square" rtlCol="0">
+            <a:spAutoFit/>
+          </a:bodyPr>
+          <a:lstStyle/>
+          <a:p>
+            <a:pPr algn="ctr"/>
+            <a:r>
+              <a:rPr kumimoji="1" lang="en-US" altLang="ko-Kore-KR" sz="1000" b="1" dirty="0" err="1">
+                <a:solidFill>
+                  <a:srgbClr val="5DA2C5"/>
+                </a:solidFill>
+                <a:latin typeface="SHeadG" panose="02030600000101010101" pitchFamily="18" charset="-127"/>
+                <a:ea typeface="SHeadG" panose="02030600000101010101" pitchFamily="18" charset="-127"/>
+              </a:rPr>
+              <a:t>com.mycompany.myapp.web</a:t>
+            </a:r>
+            <a:endParaRPr kumimoji="1" lang="ko-Kore-KR" altLang="en-US" sz="1000" b="1" dirty="0">
+              <a:solidFill>
+                <a:srgbClr val="5DA2C5"/>
+              </a:solidFill>
+              <a:latin typeface="SHeadG" panose="02030600000101010101" pitchFamily="18" charset="-127"/>
+              <a:ea typeface="SHeadG" panose="02030600000101010101" pitchFamily="18" charset="-127"/>
+            </a:endParaRPr>
+          </a:p>
+        </p:txBody>
+      </p:sp>
+      <p:sp>
+        <p:nvSpPr>
+          <p:cNvPr id="23" name="직사각형 22">
+            <a:extLst>
+              <a:ext uri="{FF2B5EF4-FFF2-40B4-BE49-F238E27FC236}">
+                <a16:creationId xmlns:a16="http://schemas.microsoft.com/office/drawing/2014/main" id="{9345D094-A023-0146-B73B-44CB91D6590F}"/>
+              </a:ext>
+            </a:extLst>
+          </p:cNvPr>
+          <p:cNvSpPr/>
+          <p:nvPr/>
+        </p:nvSpPr>
+        <p:spPr>
+          <a:xfrm>
+            <a:off x="791101" y="146785"/>
+            <a:ext cx="1300589" cy="246221"/>
+          </a:xfrm>
+          <a:prstGeom prst="rect">
+            <a:avLst/>
+          </a:prstGeom>
+          <a:ln w="25400">
+            <a:solidFill>
+              <a:srgbClr val="5DA2C5"/>
+            </a:solidFill>
+          </a:ln>
+        </p:spPr>
+        <p:style>
+          <a:lnRef idx="1">
+            <a:schemeClr val="accent1"/>
+          </a:lnRef>
+          <a:fillRef idx="0">
+            <a:schemeClr val="accent1"/>
+          </a:fillRef>
+          <a:effectRef idx="0">
+            <a:schemeClr val="accent1"/>
+          </a:effectRef>
+          <a:fontRef idx="minor">
+            <a:schemeClr val="tx1"/>
+          </a:fontRef>
+        </p:style>
+        <p:txBody>
+          <a:bodyPr rtlCol="0" anchor="ctr"/>
+          <a:lstStyle/>
+          <a:p>
+            <a:pPr algn="ctr"/>
+            <a:endParaRPr kumimoji="1" lang="ko-Kore-KR" altLang="en-US"/>
+          </a:p>
+        </p:txBody>
+      </p:sp>
+      <p:sp>
+        <p:nvSpPr>
+          <p:cNvPr id="24" name="직사각형 23">
+            <a:extLst>
+              <a:ext uri="{FF2B5EF4-FFF2-40B4-BE49-F238E27FC236}">
+                <a16:creationId xmlns:a16="http://schemas.microsoft.com/office/drawing/2014/main" id="{EACABB2A-ABE4-DC42-8158-D34A665BBA21}"/>
+              </a:ext>
+            </a:extLst>
+          </p:cNvPr>
+          <p:cNvSpPr/>
+          <p:nvPr/>
+        </p:nvSpPr>
+        <p:spPr>
+          <a:xfrm>
+            <a:off x="791100" y="2370191"/>
+            <a:ext cx="2614495" cy="1808084"/>
+          </a:xfrm>
+          <a:prstGeom prst="rect">
+            <a:avLst/>
+          </a:prstGeom>
+          <a:ln w="25400">
+            <a:solidFill>
+              <a:srgbClr val="5DA2C5"/>
+            </a:solidFill>
+          </a:ln>
+        </p:spPr>
+        <p:style>
+          <a:lnRef idx="1">
+            <a:schemeClr val="accent1"/>
+          </a:lnRef>
+          <a:fillRef idx="0">
+            <a:schemeClr val="accent1"/>
+          </a:fillRef>
+          <a:effectRef idx="0">
+            <a:schemeClr val="accent1"/>
+          </a:effectRef>
+          <a:fontRef idx="minor">
+            <a:schemeClr val="tx1"/>
+          </a:fontRef>
+        </p:style>
+        <p:txBody>
+          <a:bodyPr rtlCol="0" anchor="ctr"/>
+          <a:lstStyle/>
+          <a:p>
+            <a:pPr algn="ctr"/>
+            <a:endParaRPr kumimoji="1" lang="ko-Kore-KR" altLang="en-US"/>
+          </a:p>
+        </p:txBody>
+      </p:sp>
+      <p:sp>
+        <p:nvSpPr>
+          <p:cNvPr id="28" name="TextBox 27">
+            <a:extLst>
+              <a:ext uri="{FF2B5EF4-FFF2-40B4-BE49-F238E27FC236}">
+                <a16:creationId xmlns:a16="http://schemas.microsoft.com/office/drawing/2014/main" id="{D093C0FB-5C03-6345-9474-6E9E3BAF6239}"/>
+              </a:ext>
+            </a:extLst>
+          </p:cNvPr>
+          <p:cNvSpPr txBox="1"/>
+          <p:nvPr/>
+        </p:nvSpPr>
+        <p:spPr>
+          <a:xfrm>
+            <a:off x="859613" y="3799234"/>
+            <a:ext cx="2455085" cy="246221"/>
+          </a:xfrm>
+          <a:prstGeom prst="rect">
+            <a:avLst/>
+          </a:prstGeom>
+          <a:noFill/>
+        </p:spPr>
+        <p:txBody>
+          <a:bodyPr wrap="square" rtlCol="0">
+            <a:spAutoFit/>
+          </a:bodyPr>
+          <a:lstStyle/>
+          <a:p>
+            <a:pPr algn="ctr"/>
+            <a:r>
+              <a:rPr kumimoji="1" lang="en-US" altLang="ko-Kore-KR" sz="1000" b="1" dirty="0" err="1">
+                <a:solidFill>
+                  <a:srgbClr val="5DA2C5"/>
+                </a:solidFill>
+                <a:latin typeface="SHeadG" panose="02030600000101010101" pitchFamily="18" charset="-127"/>
+                <a:ea typeface="SHeadG" panose="02030600000101010101" pitchFamily="18" charset="-127"/>
+              </a:rPr>
+              <a:t>com.mycompany.myapp.service</a:t>
+            </a:r>
+            <a:endParaRPr kumimoji="1" lang="ko-Kore-KR" altLang="en-US" sz="1000" b="1" dirty="0">
+              <a:solidFill>
+                <a:srgbClr val="5DA2C5"/>
+              </a:solidFill>
+              <a:latin typeface="SHeadG" panose="02030600000101010101" pitchFamily="18" charset="-127"/>
+              <a:ea typeface="SHeadG" panose="02030600000101010101" pitchFamily="18" charset="-127"/>
+            </a:endParaRPr>
+          </a:p>
+        </p:txBody>
+      </p:sp>
+      <p:sp>
+        <p:nvSpPr>
+          <p:cNvPr id="29" name="직사각형 28">
+            <a:extLst>
+              <a:ext uri="{FF2B5EF4-FFF2-40B4-BE49-F238E27FC236}">
+                <a16:creationId xmlns:a16="http://schemas.microsoft.com/office/drawing/2014/main" id="{57DE3D13-99CA-EA41-A3F8-3C9088ED89FE}"/>
+              </a:ext>
+            </a:extLst>
+          </p:cNvPr>
+          <p:cNvSpPr/>
+          <p:nvPr/>
+        </p:nvSpPr>
+        <p:spPr>
+          <a:xfrm>
+            <a:off x="791100" y="2123970"/>
+            <a:ext cx="1426320" cy="246221"/>
+          </a:xfrm>
+          <a:prstGeom prst="rect">
+            <a:avLst/>
+          </a:prstGeom>
+          <a:ln w="25400">
+            <a:solidFill>
+              <a:srgbClr val="5DA2C5"/>
+            </a:solidFill>
+          </a:ln>
+        </p:spPr>
+        <p:style>
+          <a:lnRef idx="1">
+            <a:schemeClr val="accent1"/>
+          </a:lnRef>
+          <a:fillRef idx="0">
+            <a:schemeClr val="accent1"/>
+          </a:fillRef>
+          <a:effectRef idx="0">
+            <a:schemeClr val="accent1"/>
+          </a:effectRef>
+          <a:fontRef idx="minor">
+            <a:schemeClr val="tx1"/>
+          </a:fontRef>
+        </p:style>
+        <p:txBody>
+          <a:bodyPr rtlCol="0" anchor="ctr"/>
+          <a:lstStyle/>
+          <a:p>
+            <a:pPr algn="ctr"/>
+            <a:endParaRPr kumimoji="1" lang="ko-Kore-KR" altLang="en-US"/>
+          </a:p>
+        </p:txBody>
+      </p:sp>
+      <p:grpSp>
+        <p:nvGrpSpPr>
+          <p:cNvPr id="6" name="그룹 5">
+            <a:extLst>
+              <a:ext uri="{FF2B5EF4-FFF2-40B4-BE49-F238E27FC236}">
+                <a16:creationId xmlns:a16="http://schemas.microsoft.com/office/drawing/2014/main" id="{9AE79FBB-B43E-7241-98C1-4128F30D65F5}"/>
+              </a:ext>
+            </a:extLst>
+          </p:cNvPr>
+          <p:cNvGrpSpPr/>
+          <p:nvPr/>
+        </p:nvGrpSpPr>
+        <p:grpSpPr>
+          <a:xfrm>
+            <a:off x="997621" y="2550107"/>
+            <a:ext cx="2179067" cy="468000"/>
+            <a:chOff x="4453054" y="3151014"/>
+            <a:chExt cx="2179067" cy="468000"/>
+          </a:xfrm>
+        </p:grpSpPr>
+        <p:sp>
+          <p:nvSpPr>
+            <p:cNvPr id="32" name="직사각형 31">
+              <a:extLst>
+                <a:ext uri="{FF2B5EF4-FFF2-40B4-BE49-F238E27FC236}">
+                  <a16:creationId xmlns:a16="http://schemas.microsoft.com/office/drawing/2014/main" id="{CB5D0C6C-3A3F-CA4C-8BB0-9AE873EACBAA}"/>
+                </a:ext>
+              </a:extLst>
+            </p:cNvPr>
+            <p:cNvSpPr/>
+            <p:nvPr/>
+          </p:nvSpPr>
+          <p:spPr>
+            <a:xfrm>
+              <a:off x="4453054" y="3151014"/>
+              <a:ext cx="2179067" cy="468000"/>
+            </a:xfrm>
+            <a:prstGeom prst="rect">
+              <a:avLst/>
+            </a:prstGeom>
+            <a:ln w="19050">
+              <a:solidFill>
+                <a:srgbClr val="5DA2C5"/>
+              </a:solidFill>
+            </a:ln>
+          </p:spPr>
+          <p:style>
+            <a:lnRef idx="1">
+              <a:schemeClr val="accent1"/>
+            </a:lnRef>
+            <a:fillRef idx="0">
+              <a:schemeClr val="accent1"/>
+            </a:fillRef>
+            <a:effectRef idx="0">
+              <a:schemeClr val="accent1"/>
+            </a:effectRef>
+            <a:fontRef idx="minor">
+              <a:schemeClr val="tx1"/>
+            </a:fontRef>
+          </p:style>
+          <p:txBody>
+            <a:bodyPr rtlCol="0" anchor="ctr"/>
+            <a:lstStyle/>
+            <a:p>
+              <a:pPr algn="ctr"/>
+              <a:endParaRPr kumimoji="1" lang="ko-Kore-KR" altLang="en-US" dirty="0"/>
+            </a:p>
+          </p:txBody>
+        </p:sp>
+        <p:sp>
+          <p:nvSpPr>
+            <p:cNvPr id="40" name="TextBox 39">
+              <a:extLst>
+                <a:ext uri="{FF2B5EF4-FFF2-40B4-BE49-F238E27FC236}">
+                  <a16:creationId xmlns:a16="http://schemas.microsoft.com/office/drawing/2014/main" id="{0998622C-2E32-AD43-9DAD-AA38984B728A}"/>
+                </a:ext>
+              </a:extLst>
+            </p:cNvPr>
+            <p:cNvSpPr txBox="1"/>
+            <p:nvPr/>
+          </p:nvSpPr>
+          <p:spPr>
+            <a:xfrm>
+              <a:off x="4602252" y="3169676"/>
+              <a:ext cx="1880670" cy="438582"/>
+            </a:xfrm>
+            <a:prstGeom prst="rect">
+              <a:avLst/>
+            </a:prstGeom>
+            <a:noFill/>
+          </p:spPr>
+          <p:txBody>
+            <a:bodyPr wrap="square" rtlCol="0">
+              <a:spAutoFit/>
+            </a:bodyPr>
+            <a:lstStyle/>
+            <a:p>
+              <a:pPr algn="ctr"/>
+              <a:r>
+                <a:rPr kumimoji="1" lang="en-US" altLang="ko-Kore-KR" sz="1000" b="1" dirty="0">
+                  <a:solidFill>
+                    <a:srgbClr val="5DA2C5"/>
+                  </a:solidFill>
+                  <a:latin typeface="SHeadG" panose="02030600000101010101" pitchFamily="18" charset="-127"/>
+                  <a:ea typeface="SHeadG" panose="02030600000101010101" pitchFamily="18" charset="-127"/>
+                </a:rPr>
+                <a:t>&lt;&lt;interface&gt;&gt;</a:t>
+              </a:r>
+            </a:p>
+            <a:p>
+              <a:pPr algn="ctr"/>
+              <a:r>
+                <a:rPr kumimoji="1" lang="en-US" altLang="ko-Kore-KR" sz="1200" b="1" dirty="0" err="1">
+                  <a:solidFill>
+                    <a:srgbClr val="5DA2C5"/>
+                  </a:solidFill>
+                  <a:latin typeface="SHeadG" panose="02030600000101010101" pitchFamily="18" charset="-127"/>
+                  <a:ea typeface="SHeadG" panose="02030600000101010101" pitchFamily="18" charset="-127"/>
+                </a:rPr>
+                <a:t>OrdersService</a:t>
+              </a:r>
+              <a:endParaRPr kumimoji="1" lang="ko-Kore-KR" altLang="en-US" sz="1200" b="1" dirty="0">
+                <a:solidFill>
+                  <a:srgbClr val="5DA2C5"/>
+                </a:solidFill>
+                <a:latin typeface="SHeadG" panose="02030600000101010101" pitchFamily="18" charset="-127"/>
+                <a:ea typeface="SHeadG" panose="02030600000101010101" pitchFamily="18" charset="-127"/>
+              </a:endParaRPr>
+            </a:p>
+          </p:txBody>
+        </p:sp>
+      </p:grpSp>
+      <p:grpSp>
+        <p:nvGrpSpPr>
+          <p:cNvPr id="41" name="그룹 40">
+            <a:extLst>
+              <a:ext uri="{FF2B5EF4-FFF2-40B4-BE49-F238E27FC236}">
+                <a16:creationId xmlns:a16="http://schemas.microsoft.com/office/drawing/2014/main" id="{D8CB9B9B-A8E1-3540-9681-3D967A7D365C}"/>
+              </a:ext>
+            </a:extLst>
+          </p:cNvPr>
+          <p:cNvGrpSpPr/>
+          <p:nvPr/>
+        </p:nvGrpSpPr>
+        <p:grpSpPr>
+          <a:xfrm>
+            <a:off x="997620" y="3288315"/>
+            <a:ext cx="2179067" cy="468000"/>
+            <a:chOff x="2175218" y="1251857"/>
+            <a:chExt cx="2179067" cy="468000"/>
+          </a:xfrm>
+        </p:grpSpPr>
+        <p:sp>
+          <p:nvSpPr>
+            <p:cNvPr id="43" name="직사각형 42">
+              <a:extLst>
+                <a:ext uri="{FF2B5EF4-FFF2-40B4-BE49-F238E27FC236}">
+                  <a16:creationId xmlns:a16="http://schemas.microsoft.com/office/drawing/2014/main" id="{648C103C-C36B-D04A-AA5B-C4CE30CF3729}"/>
+                </a:ext>
+              </a:extLst>
+            </p:cNvPr>
+            <p:cNvSpPr/>
+            <p:nvPr/>
+          </p:nvSpPr>
+          <p:spPr>
+            <a:xfrm>
+              <a:off x="2175218" y="1251857"/>
+              <a:ext cx="2179067" cy="468000"/>
+            </a:xfrm>
+            <a:prstGeom prst="rect">
+              <a:avLst/>
+            </a:prstGeom>
+            <a:ln w="19050">
+              <a:solidFill>
+                <a:srgbClr val="5DA2C5"/>
+              </a:solidFill>
+            </a:ln>
+          </p:spPr>
+          <p:style>
+            <a:lnRef idx="1">
+              <a:schemeClr val="accent1"/>
+            </a:lnRef>
+            <a:fillRef idx="0">
+              <a:schemeClr val="accent1"/>
+            </a:fillRef>
+            <a:effectRef idx="0">
+              <a:schemeClr val="accent1"/>
+            </a:effectRef>
+            <a:fontRef idx="minor">
+              <a:schemeClr val="tx1"/>
+            </a:fontRef>
+          </p:style>
+          <p:txBody>
+            <a:bodyPr rtlCol="0" anchor="ctr"/>
+            <a:lstStyle/>
+            <a:p>
+              <a:pPr algn="ctr"/>
+              <a:endParaRPr kumimoji="1" lang="ko-Kore-KR" altLang="en-US" dirty="0"/>
+            </a:p>
+          </p:txBody>
+        </p:sp>
+        <p:sp>
+          <p:nvSpPr>
+            <p:cNvPr id="44" name="TextBox 43">
+              <a:extLst>
+                <a:ext uri="{FF2B5EF4-FFF2-40B4-BE49-F238E27FC236}">
+                  <a16:creationId xmlns:a16="http://schemas.microsoft.com/office/drawing/2014/main" id="{8CF72376-0645-064D-BCFB-61A191FB25C2}"/>
+                </a:ext>
+              </a:extLst>
+            </p:cNvPr>
+            <p:cNvSpPr txBox="1"/>
+            <p:nvPr/>
+          </p:nvSpPr>
+          <p:spPr>
+            <a:xfrm>
+              <a:off x="2324416" y="1345621"/>
+              <a:ext cx="1880670" cy="276999"/>
+            </a:xfrm>
+            <a:prstGeom prst="rect">
+              <a:avLst/>
+            </a:prstGeom>
+            <a:noFill/>
+          </p:spPr>
+          <p:txBody>
+            <a:bodyPr wrap="square" rtlCol="0">
+              <a:spAutoFit/>
+            </a:bodyPr>
+            <a:lstStyle/>
+            <a:p>
+              <a:pPr algn="ctr"/>
+              <a:r>
+                <a:rPr kumimoji="1" lang="en-US" altLang="ko-Kore-KR" sz="1200" b="1" dirty="0" err="1">
+                  <a:solidFill>
+                    <a:srgbClr val="5DA2C5"/>
+                  </a:solidFill>
+                  <a:latin typeface="SHeadG" panose="02030600000101010101" pitchFamily="18" charset="-127"/>
+                  <a:ea typeface="SHeadG" panose="02030600000101010101" pitchFamily="18" charset="-127"/>
+                </a:rPr>
+                <a:t>OrdersServiceImpl</a:t>
+              </a:r>
+              <a:endParaRPr kumimoji="1" lang="ko-Kore-KR" altLang="en-US" sz="1200" b="1" dirty="0">
+                <a:solidFill>
+                  <a:srgbClr val="5DA2C5"/>
+                </a:solidFill>
+                <a:latin typeface="SHeadG" panose="02030600000101010101" pitchFamily="18" charset="-127"/>
+                <a:ea typeface="SHeadG" panose="02030600000101010101" pitchFamily="18" charset="-127"/>
+              </a:endParaRPr>
+            </a:p>
+          </p:txBody>
+        </p:sp>
+      </p:grpSp>
+      <p:sp>
+        <p:nvSpPr>
+          <p:cNvPr id="45" name="직사각형 44">
+            <a:extLst>
+              <a:ext uri="{FF2B5EF4-FFF2-40B4-BE49-F238E27FC236}">
+                <a16:creationId xmlns:a16="http://schemas.microsoft.com/office/drawing/2014/main" id="{36C625C1-892E-B54C-85C1-AB99AFF88A63}"/>
+              </a:ext>
+            </a:extLst>
+          </p:cNvPr>
+          <p:cNvSpPr/>
+          <p:nvPr/>
+        </p:nvSpPr>
+        <p:spPr>
+          <a:xfrm>
+            <a:off x="791100" y="4925407"/>
+            <a:ext cx="2614495" cy="1808084"/>
+          </a:xfrm>
+          <a:prstGeom prst="rect">
+            <a:avLst/>
+          </a:prstGeom>
+          <a:ln w="25400">
+            <a:solidFill>
+              <a:srgbClr val="5DA2C5"/>
+            </a:solidFill>
+          </a:ln>
+        </p:spPr>
+        <p:style>
+          <a:lnRef idx="1">
+            <a:schemeClr val="accent1"/>
+          </a:lnRef>
+          <a:fillRef idx="0">
+            <a:schemeClr val="accent1"/>
+          </a:fillRef>
+          <a:effectRef idx="0">
+            <a:schemeClr val="accent1"/>
+          </a:effectRef>
+          <a:fontRef idx="minor">
+            <a:schemeClr val="tx1"/>
+          </a:fontRef>
+        </p:style>
+        <p:txBody>
+          <a:bodyPr rtlCol="0" anchor="ctr"/>
+          <a:lstStyle/>
+          <a:p>
+            <a:pPr algn="ctr"/>
+            <a:endParaRPr kumimoji="1" lang="ko-Kore-KR" altLang="en-US"/>
+          </a:p>
+        </p:txBody>
+      </p:sp>
+      <p:sp>
+        <p:nvSpPr>
+          <p:cNvPr id="46" name="TextBox 45">
+            <a:extLst>
+              <a:ext uri="{FF2B5EF4-FFF2-40B4-BE49-F238E27FC236}">
+                <a16:creationId xmlns:a16="http://schemas.microsoft.com/office/drawing/2014/main" id="{5DB4F544-FC93-0C44-9672-14CB9014ADEA}"/>
+              </a:ext>
+            </a:extLst>
+          </p:cNvPr>
+          <p:cNvSpPr txBox="1"/>
+          <p:nvPr/>
+        </p:nvSpPr>
+        <p:spPr>
+          <a:xfrm>
+            <a:off x="859613" y="6354450"/>
+            <a:ext cx="2455085" cy="246221"/>
+          </a:xfrm>
+          <a:prstGeom prst="rect">
+            <a:avLst/>
+          </a:prstGeom>
+          <a:noFill/>
+        </p:spPr>
+        <p:txBody>
+          <a:bodyPr wrap="square" rtlCol="0">
+            <a:spAutoFit/>
+          </a:bodyPr>
+          <a:lstStyle/>
+          <a:p>
+            <a:pPr algn="ctr"/>
+            <a:r>
+              <a:rPr kumimoji="1" lang="en-US" altLang="ko-Kore-KR" sz="1000" b="1" dirty="0" err="1">
+                <a:solidFill>
+                  <a:srgbClr val="5DA2C5"/>
+                </a:solidFill>
+                <a:latin typeface="SHeadG" panose="02030600000101010101" pitchFamily="18" charset="-127"/>
+                <a:ea typeface="SHeadG" panose="02030600000101010101" pitchFamily="18" charset="-127"/>
+              </a:rPr>
+              <a:t>com.mycompany.myapp.data</a:t>
+            </a:r>
+            <a:endParaRPr kumimoji="1" lang="ko-Kore-KR" altLang="en-US" sz="1000" b="1" dirty="0">
+              <a:solidFill>
+                <a:srgbClr val="5DA2C5"/>
+              </a:solidFill>
+              <a:latin typeface="SHeadG" panose="02030600000101010101" pitchFamily="18" charset="-127"/>
+              <a:ea typeface="SHeadG" panose="02030600000101010101" pitchFamily="18" charset="-127"/>
+            </a:endParaRPr>
+          </a:p>
+        </p:txBody>
+      </p:sp>
+      <p:sp>
+        <p:nvSpPr>
+          <p:cNvPr id="47" name="직사각형 46">
+            <a:extLst>
+              <a:ext uri="{FF2B5EF4-FFF2-40B4-BE49-F238E27FC236}">
+                <a16:creationId xmlns:a16="http://schemas.microsoft.com/office/drawing/2014/main" id="{9382603F-EED2-C241-AC00-3D804A775D37}"/>
+              </a:ext>
+            </a:extLst>
+          </p:cNvPr>
+          <p:cNvSpPr/>
+          <p:nvPr/>
+        </p:nvSpPr>
+        <p:spPr>
+          <a:xfrm>
+            <a:off x="791100" y="4674440"/>
+            <a:ext cx="1426320" cy="250968"/>
+          </a:xfrm>
+          <a:prstGeom prst="rect">
+            <a:avLst/>
+          </a:prstGeom>
+          <a:ln w="25400">
+            <a:solidFill>
+              <a:srgbClr val="5DA2C5"/>
+            </a:solidFill>
+          </a:ln>
+        </p:spPr>
+        <p:style>
+          <a:lnRef idx="1">
+            <a:schemeClr val="accent1"/>
+          </a:lnRef>
+          <a:fillRef idx="0">
+            <a:schemeClr val="accent1"/>
+          </a:fillRef>
+          <a:effectRef idx="0">
+            <a:schemeClr val="accent1"/>
+          </a:effectRef>
+          <a:fontRef idx="minor">
+            <a:schemeClr val="tx1"/>
+          </a:fontRef>
+        </p:style>
+        <p:txBody>
+          <a:bodyPr rtlCol="0" anchor="ctr"/>
+          <a:lstStyle/>
+          <a:p>
+            <a:pPr algn="ctr"/>
+            <a:endParaRPr kumimoji="1" lang="ko-Kore-KR" altLang="en-US"/>
+          </a:p>
+        </p:txBody>
+      </p:sp>
+      <p:grpSp>
+        <p:nvGrpSpPr>
+          <p:cNvPr id="48" name="그룹 47">
+            <a:extLst>
+              <a:ext uri="{FF2B5EF4-FFF2-40B4-BE49-F238E27FC236}">
+                <a16:creationId xmlns:a16="http://schemas.microsoft.com/office/drawing/2014/main" id="{B9033813-47D8-374C-9CD8-DA27FD7DAD45}"/>
+              </a:ext>
+            </a:extLst>
+          </p:cNvPr>
+          <p:cNvGrpSpPr/>
+          <p:nvPr/>
+        </p:nvGrpSpPr>
+        <p:grpSpPr>
+          <a:xfrm>
+            <a:off x="997621" y="5105323"/>
+            <a:ext cx="2179067" cy="468000"/>
+            <a:chOff x="4453054" y="3151014"/>
+            <a:chExt cx="2179067" cy="468000"/>
+          </a:xfrm>
+        </p:grpSpPr>
+        <p:sp>
+          <p:nvSpPr>
+            <p:cNvPr id="49" name="직사각형 48">
+              <a:extLst>
+                <a:ext uri="{FF2B5EF4-FFF2-40B4-BE49-F238E27FC236}">
+                  <a16:creationId xmlns:a16="http://schemas.microsoft.com/office/drawing/2014/main" id="{6892EE39-D6BC-E34B-AE72-CC234854E72F}"/>
+                </a:ext>
+              </a:extLst>
+            </p:cNvPr>
+            <p:cNvSpPr/>
+            <p:nvPr/>
+          </p:nvSpPr>
+          <p:spPr>
+            <a:xfrm>
+              <a:off x="4453054" y="3151014"/>
+              <a:ext cx="2179067" cy="468000"/>
+            </a:xfrm>
+            <a:prstGeom prst="rect">
+              <a:avLst/>
+            </a:prstGeom>
+            <a:ln w="19050">
+              <a:solidFill>
+                <a:srgbClr val="5DA2C5"/>
+              </a:solidFill>
+            </a:ln>
+          </p:spPr>
+          <p:style>
+            <a:lnRef idx="1">
+              <a:schemeClr val="accent1"/>
+            </a:lnRef>
+            <a:fillRef idx="0">
+              <a:schemeClr val="accent1"/>
+            </a:fillRef>
+            <a:effectRef idx="0">
+              <a:schemeClr val="accent1"/>
+            </a:effectRef>
+            <a:fontRef idx="minor">
+              <a:schemeClr val="tx1"/>
+            </a:fontRef>
+          </p:style>
+          <p:txBody>
+            <a:bodyPr rtlCol="0" anchor="ctr"/>
+            <a:lstStyle/>
+            <a:p>
+              <a:pPr algn="ctr"/>
+              <a:endParaRPr kumimoji="1" lang="ko-Kore-KR" altLang="en-US" dirty="0"/>
+            </a:p>
+          </p:txBody>
+        </p:sp>
+        <p:sp>
+          <p:nvSpPr>
+            <p:cNvPr id="55" name="TextBox 54">
+              <a:extLst>
+                <a:ext uri="{FF2B5EF4-FFF2-40B4-BE49-F238E27FC236}">
+                  <a16:creationId xmlns:a16="http://schemas.microsoft.com/office/drawing/2014/main" id="{EF5B80D2-CA5E-9043-89C6-6ED7BADE2BA8}"/>
+                </a:ext>
+              </a:extLst>
+            </p:cNvPr>
+            <p:cNvSpPr txBox="1"/>
+            <p:nvPr/>
+          </p:nvSpPr>
+          <p:spPr>
+            <a:xfrm>
+              <a:off x="4602252" y="3169676"/>
+              <a:ext cx="1880670" cy="438582"/>
+            </a:xfrm>
+            <a:prstGeom prst="rect">
+              <a:avLst/>
+            </a:prstGeom>
+            <a:noFill/>
+          </p:spPr>
+          <p:txBody>
+            <a:bodyPr wrap="square" rtlCol="0">
+              <a:spAutoFit/>
+            </a:bodyPr>
+            <a:lstStyle/>
+            <a:p>
+              <a:pPr algn="ctr"/>
+              <a:r>
+                <a:rPr kumimoji="1" lang="en-US" altLang="ko-Kore-KR" sz="1000" b="1" dirty="0">
+                  <a:solidFill>
+                    <a:srgbClr val="5DA2C5"/>
+                  </a:solidFill>
+                  <a:latin typeface="SHeadG" panose="02030600000101010101" pitchFamily="18" charset="-127"/>
+                  <a:ea typeface="SHeadG" panose="02030600000101010101" pitchFamily="18" charset="-127"/>
+                </a:rPr>
+                <a:t>&lt;&lt;interface&gt;&gt;</a:t>
+              </a:r>
+            </a:p>
+            <a:p>
+              <a:pPr algn="ctr"/>
+              <a:r>
+                <a:rPr kumimoji="1" lang="en-US" altLang="ko-Kore-KR" sz="1200" b="1" dirty="0" err="1">
+                  <a:solidFill>
+                    <a:srgbClr val="5DA2C5"/>
+                  </a:solidFill>
+                  <a:latin typeface="SHeadG" panose="02030600000101010101" pitchFamily="18" charset="-127"/>
+                  <a:ea typeface="SHeadG" panose="02030600000101010101" pitchFamily="18" charset="-127"/>
+                </a:rPr>
+                <a:t>OrdersRepository</a:t>
+              </a:r>
+              <a:endParaRPr kumimoji="1" lang="ko-Kore-KR" altLang="en-US" sz="1200" b="1" dirty="0">
+                <a:solidFill>
+                  <a:srgbClr val="5DA2C5"/>
+                </a:solidFill>
+                <a:latin typeface="SHeadG" panose="02030600000101010101" pitchFamily="18" charset="-127"/>
+                <a:ea typeface="SHeadG" panose="02030600000101010101" pitchFamily="18" charset="-127"/>
+              </a:endParaRPr>
+            </a:p>
+          </p:txBody>
+        </p:sp>
+      </p:grpSp>
+      <p:grpSp>
+        <p:nvGrpSpPr>
+          <p:cNvPr id="56" name="그룹 55">
+            <a:extLst>
+              <a:ext uri="{FF2B5EF4-FFF2-40B4-BE49-F238E27FC236}">
+                <a16:creationId xmlns:a16="http://schemas.microsoft.com/office/drawing/2014/main" id="{FA7DE4A8-F185-6948-862A-F7DDED72CF20}"/>
+              </a:ext>
+            </a:extLst>
+          </p:cNvPr>
+          <p:cNvGrpSpPr/>
+          <p:nvPr/>
+        </p:nvGrpSpPr>
+        <p:grpSpPr>
+          <a:xfrm>
+            <a:off x="997620" y="5843531"/>
+            <a:ext cx="2179067" cy="468000"/>
+            <a:chOff x="2175218" y="1251857"/>
+            <a:chExt cx="2179067" cy="468000"/>
+          </a:xfrm>
+        </p:grpSpPr>
+        <p:sp>
+          <p:nvSpPr>
+            <p:cNvPr id="57" name="직사각형 56">
+              <a:extLst>
+                <a:ext uri="{FF2B5EF4-FFF2-40B4-BE49-F238E27FC236}">
+                  <a16:creationId xmlns:a16="http://schemas.microsoft.com/office/drawing/2014/main" id="{A75C7CBF-E312-DC40-A005-8F56EDFAF9AA}"/>
+                </a:ext>
+              </a:extLst>
+            </p:cNvPr>
+            <p:cNvSpPr/>
+            <p:nvPr/>
+          </p:nvSpPr>
+          <p:spPr>
+            <a:xfrm>
+              <a:off x="2175218" y="1251857"/>
+              <a:ext cx="2179067" cy="468000"/>
+            </a:xfrm>
+            <a:prstGeom prst="rect">
+              <a:avLst/>
+            </a:prstGeom>
+            <a:ln w="19050">
+              <a:solidFill>
+                <a:srgbClr val="5DA2C5"/>
+              </a:solidFill>
+            </a:ln>
+          </p:spPr>
+          <p:style>
+            <a:lnRef idx="1">
+              <a:schemeClr val="accent1"/>
+            </a:lnRef>
+            <a:fillRef idx="0">
+              <a:schemeClr val="accent1"/>
+            </a:fillRef>
+            <a:effectRef idx="0">
+              <a:schemeClr val="accent1"/>
+            </a:effectRef>
+            <a:fontRef idx="minor">
+              <a:schemeClr val="tx1"/>
+            </a:fontRef>
+          </p:style>
+          <p:txBody>
+            <a:bodyPr rtlCol="0" anchor="ctr"/>
+            <a:lstStyle/>
+            <a:p>
+              <a:pPr algn="ctr"/>
+              <a:endParaRPr kumimoji="1" lang="ko-Kore-KR" altLang="en-US" dirty="0"/>
+            </a:p>
+          </p:txBody>
+        </p:sp>
+        <p:sp>
+          <p:nvSpPr>
+            <p:cNvPr id="58" name="TextBox 57">
+              <a:extLst>
+                <a:ext uri="{FF2B5EF4-FFF2-40B4-BE49-F238E27FC236}">
+                  <a16:creationId xmlns:a16="http://schemas.microsoft.com/office/drawing/2014/main" id="{C07A24F9-654D-654B-A73C-2D79172D18DD}"/>
+                </a:ext>
+              </a:extLst>
+            </p:cNvPr>
+            <p:cNvSpPr txBox="1"/>
+            <p:nvPr/>
+          </p:nvSpPr>
+          <p:spPr>
+            <a:xfrm>
+              <a:off x="2324416" y="1345621"/>
+              <a:ext cx="1880670" cy="276999"/>
+            </a:xfrm>
+            <a:prstGeom prst="rect">
+              <a:avLst/>
+            </a:prstGeom>
+            <a:noFill/>
+          </p:spPr>
+          <p:txBody>
+            <a:bodyPr wrap="square" rtlCol="0">
+              <a:spAutoFit/>
+            </a:bodyPr>
+            <a:lstStyle/>
+            <a:p>
+              <a:pPr algn="ctr"/>
+              <a:r>
+                <a:rPr kumimoji="1" lang="en-US" altLang="ko-Kore-KR" sz="1200" b="1" dirty="0" err="1">
+                  <a:solidFill>
+                    <a:srgbClr val="5DA2C5"/>
+                  </a:solidFill>
+                  <a:latin typeface="SHeadG" panose="02030600000101010101" pitchFamily="18" charset="-127"/>
+                  <a:ea typeface="SHeadG" panose="02030600000101010101" pitchFamily="18" charset="-127"/>
+                </a:rPr>
+                <a:t>JdbcOrdersRepository</a:t>
+              </a:r>
+              <a:endParaRPr kumimoji="1" lang="ko-Kore-KR" altLang="en-US" sz="1200" b="1" dirty="0">
+                <a:solidFill>
+                  <a:srgbClr val="5DA2C5"/>
+                </a:solidFill>
+                <a:latin typeface="SHeadG" panose="02030600000101010101" pitchFamily="18" charset="-127"/>
+                <a:ea typeface="SHeadG" panose="02030600000101010101" pitchFamily="18" charset="-127"/>
+              </a:endParaRPr>
+            </a:p>
+          </p:txBody>
+        </p:sp>
+      </p:grpSp>
+      <p:cxnSp>
+        <p:nvCxnSpPr>
+          <p:cNvPr id="59" name="직선 화살표 연결선 58">
+            <a:extLst>
+              <a:ext uri="{FF2B5EF4-FFF2-40B4-BE49-F238E27FC236}">
+                <a16:creationId xmlns:a16="http://schemas.microsoft.com/office/drawing/2014/main" id="{68971F23-1EEE-834B-B960-5777E24E55F1}"/>
+              </a:ext>
+            </a:extLst>
+          </p:cNvPr>
+          <p:cNvCxnSpPr>
+            <a:cxnSpLocks/>
+            <a:stCxn id="19" idx="2"/>
+            <a:endCxn id="40" idx="0"/>
+          </p:cNvCxnSpPr>
+          <p:nvPr/>
+        </p:nvCxnSpPr>
+        <p:spPr>
+          <a:xfrm flipH="1">
+            <a:off x="2087154" y="981550"/>
+            <a:ext cx="11194" cy="1587219"/>
+          </a:xfrm>
+          <a:prstGeom prst="straightConnector1">
+            <a:avLst/>
+          </a:prstGeom>
+          <a:ln w="19050">
+            <a:solidFill>
+              <a:srgbClr val="5DA2C5"/>
+            </a:solidFill>
+            <a:prstDash val="dash"/>
+            <a:tailEnd type="stealth" w="lg" len="lg"/>
+          </a:ln>
+        </p:spPr>
+        <p:style>
+          <a:lnRef idx="1">
+            <a:schemeClr val="accent1"/>
+          </a:lnRef>
+          <a:fillRef idx="0">
+            <a:schemeClr val="accent1"/>
+          </a:fillRef>
+          <a:effectRef idx="0">
+            <a:schemeClr val="accent1"/>
+          </a:effectRef>
+          <a:fontRef idx="minor">
+            <a:schemeClr val="tx1"/>
+          </a:fontRef>
+        </p:style>
+      </p:cxnSp>
+      <p:sp>
+        <p:nvSpPr>
+          <p:cNvPr id="9" name="직사각형 8">
+            <a:extLst>
+              <a:ext uri="{FF2B5EF4-FFF2-40B4-BE49-F238E27FC236}">
+                <a16:creationId xmlns:a16="http://schemas.microsoft.com/office/drawing/2014/main" id="{D3FAC4C1-0D5F-AA4F-86A0-53BD03709F3E}"/>
+              </a:ext>
+            </a:extLst>
+          </p:cNvPr>
+          <p:cNvSpPr/>
+          <p:nvPr/>
+        </p:nvSpPr>
+        <p:spPr>
+          <a:xfrm>
+            <a:off x="1415174" y="1653452"/>
+            <a:ext cx="671979" cy="246221"/>
+          </a:xfrm>
+          <a:prstGeom prst="rect">
+            <a:avLst/>
+          </a:prstGeom>
+        </p:spPr>
+        <p:txBody>
+          <a:bodyPr wrap="none">
+            <a:spAutoFit/>
+          </a:bodyPr>
+          <a:lstStyle/>
+          <a:p>
+            <a:r>
+              <a:rPr kumimoji="1" lang="en-US" altLang="ko-Kore-KR" sz="1000" dirty="0">
+                <a:solidFill>
+                  <a:srgbClr val="5DA2C5"/>
+                </a:solidFill>
+                <a:latin typeface="SHeadG" panose="02030600000101010101" pitchFamily="18" charset="-127"/>
+                <a:ea typeface="SHeadG" panose="02030600000101010101" pitchFamily="18" charset="-127"/>
+              </a:rPr>
+              <a:t>&lt;&lt;uses&gt;&gt;</a:t>
+            </a:r>
+            <a:endParaRPr lang="ko-Kore-KR" altLang="en-US" sz="1000" dirty="0"/>
+          </a:p>
+        </p:txBody>
+      </p:sp>
+      <p:sp>
+        <p:nvSpPr>
+          <p:cNvPr id="60" name="직사각형 59">
+            <a:extLst>
+              <a:ext uri="{FF2B5EF4-FFF2-40B4-BE49-F238E27FC236}">
+                <a16:creationId xmlns:a16="http://schemas.microsoft.com/office/drawing/2014/main" id="{DA50F44B-F87E-2645-A2EB-943215AE4CF8}"/>
+              </a:ext>
+            </a:extLst>
+          </p:cNvPr>
+          <p:cNvSpPr/>
+          <p:nvPr/>
+        </p:nvSpPr>
+        <p:spPr>
+          <a:xfrm>
+            <a:off x="1415173" y="4203180"/>
+            <a:ext cx="671979" cy="246221"/>
+          </a:xfrm>
+          <a:prstGeom prst="rect">
+            <a:avLst/>
+          </a:prstGeom>
+        </p:spPr>
+        <p:txBody>
+          <a:bodyPr wrap="none">
+            <a:spAutoFit/>
+          </a:bodyPr>
+          <a:lstStyle/>
+          <a:p>
+            <a:r>
+              <a:rPr kumimoji="1" lang="en-US" altLang="ko-Kore-KR" sz="1000" dirty="0">
+                <a:solidFill>
+                  <a:srgbClr val="5DA2C5"/>
+                </a:solidFill>
+                <a:latin typeface="SHeadG" panose="02030600000101010101" pitchFamily="18" charset="-127"/>
+                <a:ea typeface="SHeadG" panose="02030600000101010101" pitchFamily="18" charset="-127"/>
+              </a:rPr>
+              <a:t>&lt;&lt;uses&gt;&gt;</a:t>
+            </a:r>
+            <a:endParaRPr lang="ko-Kore-KR" altLang="en-US" sz="1000" dirty="0"/>
+          </a:p>
+        </p:txBody>
+      </p:sp>
+      <p:cxnSp>
+        <p:nvCxnSpPr>
+          <p:cNvPr id="61" name="직선 화살표 연결선 60">
+            <a:extLst>
+              <a:ext uri="{FF2B5EF4-FFF2-40B4-BE49-F238E27FC236}">
+                <a16:creationId xmlns:a16="http://schemas.microsoft.com/office/drawing/2014/main" id="{121C2FB9-DFBE-D44A-8764-497BED8E2419}"/>
+              </a:ext>
+            </a:extLst>
+          </p:cNvPr>
+          <p:cNvCxnSpPr>
+            <a:cxnSpLocks/>
+            <a:stCxn id="43" idx="2"/>
+            <a:endCxn id="55" idx="0"/>
+          </p:cNvCxnSpPr>
+          <p:nvPr/>
+        </p:nvCxnSpPr>
+        <p:spPr>
+          <a:xfrm>
+            <a:off x="2087154" y="3756315"/>
+            <a:ext cx="0" cy="1367670"/>
+          </a:xfrm>
+          <a:prstGeom prst="straightConnector1">
+            <a:avLst/>
+          </a:prstGeom>
+          <a:ln w="19050">
+            <a:solidFill>
+              <a:srgbClr val="5DA2C5"/>
+            </a:solidFill>
+            <a:prstDash val="dash"/>
+            <a:tailEnd type="stealth" w="lg" len="lg"/>
+          </a:ln>
+        </p:spPr>
+        <p:style>
+          <a:lnRef idx="1">
+            <a:schemeClr val="accent1"/>
+          </a:lnRef>
+          <a:fillRef idx="0">
+            <a:schemeClr val="accent1"/>
+          </a:fillRef>
+          <a:effectRef idx="0">
+            <a:schemeClr val="accent1"/>
+          </a:effectRef>
+          <a:fontRef idx="minor">
+            <a:schemeClr val="tx1"/>
+          </a:fontRef>
+        </p:style>
+      </p:cxnSp>
+      <p:cxnSp>
+        <p:nvCxnSpPr>
+          <p:cNvPr id="62" name="직선 화살표 연결선 61">
+            <a:extLst>
+              <a:ext uri="{FF2B5EF4-FFF2-40B4-BE49-F238E27FC236}">
+                <a16:creationId xmlns:a16="http://schemas.microsoft.com/office/drawing/2014/main" id="{AF0A530F-953A-F243-AF06-BBCB1E4D9AB9}"/>
+              </a:ext>
+            </a:extLst>
+          </p:cNvPr>
+          <p:cNvCxnSpPr>
+            <a:cxnSpLocks/>
+            <a:stCxn id="43" idx="0"/>
+            <a:endCxn id="40" idx="2"/>
+          </p:cNvCxnSpPr>
+          <p:nvPr/>
+        </p:nvCxnSpPr>
+        <p:spPr>
+          <a:xfrm flipV="1">
+            <a:off x="2087154" y="3007351"/>
+            <a:ext cx="0" cy="280964"/>
+          </a:xfrm>
+          <a:prstGeom prst="straightConnector1">
+            <a:avLst/>
+          </a:prstGeom>
+          <a:ln w="19050" cap="rnd">
+            <a:solidFill>
+              <a:srgbClr val="5DA2C5"/>
+            </a:solidFill>
+            <a:prstDash val="dash"/>
+            <a:miter lim="800000"/>
+            <a:tailEnd type="triangle" w="lg" len="lg"/>
+          </a:ln>
+        </p:spPr>
+        <p:style>
+          <a:lnRef idx="1">
+            <a:schemeClr val="accent1"/>
+          </a:lnRef>
+          <a:fillRef idx="0">
+            <a:schemeClr val="accent1"/>
+          </a:fillRef>
+          <a:effectRef idx="0">
+            <a:schemeClr val="accent1"/>
+          </a:effectRef>
+          <a:fontRef idx="minor">
+            <a:schemeClr val="tx1"/>
+          </a:fontRef>
+        </p:style>
+      </p:cxnSp>
+      <p:cxnSp>
+        <p:nvCxnSpPr>
+          <p:cNvPr id="63" name="직선 화살표 연결선 62">
+            <a:extLst>
+              <a:ext uri="{FF2B5EF4-FFF2-40B4-BE49-F238E27FC236}">
+                <a16:creationId xmlns:a16="http://schemas.microsoft.com/office/drawing/2014/main" id="{35A1C35C-BC11-FA4F-907F-51B44F51F70D}"/>
+              </a:ext>
+            </a:extLst>
+          </p:cNvPr>
+          <p:cNvCxnSpPr>
+            <a:cxnSpLocks/>
+            <a:stCxn id="57" idx="0"/>
+            <a:endCxn id="55" idx="2"/>
+          </p:cNvCxnSpPr>
+          <p:nvPr/>
+        </p:nvCxnSpPr>
+        <p:spPr>
+          <a:xfrm flipV="1">
+            <a:off x="2087154" y="5562567"/>
+            <a:ext cx="0" cy="280964"/>
+          </a:xfrm>
+          <a:prstGeom prst="straightConnector1">
+            <a:avLst/>
+          </a:prstGeom>
+          <a:ln w="19050" cap="rnd">
+            <a:solidFill>
+              <a:srgbClr val="5DA2C5"/>
+            </a:solidFill>
+            <a:prstDash val="dash"/>
+            <a:miter lim="800000"/>
+            <a:tailEnd type="triangle" w="lg" len="lg"/>
+          </a:ln>
+        </p:spPr>
+        <p:style>
+          <a:lnRef idx="1">
+            <a:schemeClr val="accent1"/>
+          </a:lnRef>
+          <a:fillRef idx="0">
+            <a:schemeClr val="accent1"/>
+          </a:fillRef>
+          <a:effectRef idx="0">
+            <a:schemeClr val="accent1"/>
+          </a:effectRef>
+          <a:fontRef idx="minor">
+            <a:schemeClr val="tx1"/>
+          </a:fontRef>
+        </p:style>
+      </p:cxnSp>
+      <p:sp>
+        <p:nvSpPr>
+          <p:cNvPr id="64" name="직사각형 63">
+            <a:extLst>
+              <a:ext uri="{FF2B5EF4-FFF2-40B4-BE49-F238E27FC236}">
+                <a16:creationId xmlns:a16="http://schemas.microsoft.com/office/drawing/2014/main" id="{CA8276B7-3332-C24D-80AF-2B0EC4A88FF1}"/>
+              </a:ext>
+            </a:extLst>
+          </p:cNvPr>
+          <p:cNvSpPr/>
+          <p:nvPr/>
+        </p:nvSpPr>
+        <p:spPr>
+          <a:xfrm>
+            <a:off x="5218321" y="366523"/>
+            <a:ext cx="2614495" cy="5206800"/>
+          </a:xfrm>
+          <a:prstGeom prst="rect">
+            <a:avLst/>
+          </a:prstGeom>
+          <a:ln w="25400">
+            <a:solidFill>
+              <a:srgbClr val="5DA2C5"/>
+            </a:solidFill>
+          </a:ln>
+        </p:spPr>
+        <p:style>
+          <a:lnRef idx="1">
+            <a:schemeClr val="accent1"/>
+          </a:lnRef>
+          <a:fillRef idx="0">
+            <a:schemeClr val="accent1"/>
+          </a:fillRef>
+          <a:effectRef idx="0">
+            <a:schemeClr val="accent1"/>
+          </a:effectRef>
+          <a:fontRef idx="minor">
+            <a:schemeClr val="tx1"/>
+          </a:fontRef>
+        </p:style>
+        <p:txBody>
+          <a:bodyPr rtlCol="0" anchor="ctr"/>
+          <a:lstStyle/>
+          <a:p>
+            <a:pPr algn="ctr"/>
+            <a:endParaRPr kumimoji="1" lang="ko-Kore-KR" altLang="en-US"/>
+          </a:p>
+        </p:txBody>
+      </p:sp>
+      <p:grpSp>
+        <p:nvGrpSpPr>
+          <p:cNvPr id="65" name="그룹 64">
+            <a:extLst>
+              <a:ext uri="{FF2B5EF4-FFF2-40B4-BE49-F238E27FC236}">
+                <a16:creationId xmlns:a16="http://schemas.microsoft.com/office/drawing/2014/main" id="{C4FC7945-B1B3-2D49-B4A3-583E7F05A14D}"/>
+              </a:ext>
+            </a:extLst>
+          </p:cNvPr>
+          <p:cNvGrpSpPr/>
+          <p:nvPr/>
+        </p:nvGrpSpPr>
+        <p:grpSpPr>
+          <a:xfrm>
+            <a:off x="5436034" y="487067"/>
+            <a:ext cx="2179067" cy="468000"/>
+            <a:chOff x="2175218" y="1251857"/>
+            <a:chExt cx="2179067" cy="468000"/>
+          </a:xfrm>
+        </p:grpSpPr>
+        <p:sp>
+          <p:nvSpPr>
+            <p:cNvPr id="66" name="직사각형 65">
+              <a:extLst>
+                <a:ext uri="{FF2B5EF4-FFF2-40B4-BE49-F238E27FC236}">
+                  <a16:creationId xmlns:a16="http://schemas.microsoft.com/office/drawing/2014/main" id="{2D601C0D-2D15-BE46-8E8C-D4B3FEBEBE5E}"/>
+                </a:ext>
+              </a:extLst>
+            </p:cNvPr>
+            <p:cNvSpPr/>
+            <p:nvPr/>
+          </p:nvSpPr>
+          <p:spPr>
+            <a:xfrm>
+              <a:off x="2175218" y="1251857"/>
+              <a:ext cx="2179067" cy="468000"/>
+            </a:xfrm>
+            <a:prstGeom prst="rect">
+              <a:avLst/>
+            </a:prstGeom>
+            <a:ln w="19050">
+              <a:solidFill>
+                <a:srgbClr val="5DA2C5"/>
+              </a:solidFill>
+            </a:ln>
+          </p:spPr>
+          <p:style>
+            <a:lnRef idx="1">
+              <a:schemeClr val="accent1"/>
+            </a:lnRef>
+            <a:fillRef idx="0">
+              <a:schemeClr val="accent1"/>
+            </a:fillRef>
+            <a:effectRef idx="0">
+              <a:schemeClr val="accent1"/>
+            </a:effectRef>
+            <a:fontRef idx="minor">
+              <a:schemeClr val="tx1"/>
+            </a:fontRef>
+          </p:style>
+          <p:txBody>
+            <a:bodyPr rtlCol="0" anchor="ctr"/>
+            <a:lstStyle/>
+            <a:p>
+              <a:pPr algn="ctr"/>
+              <a:endParaRPr kumimoji="1" lang="ko-Kore-KR" altLang="en-US" dirty="0"/>
+            </a:p>
+          </p:txBody>
+        </p:sp>
+        <p:sp>
+          <p:nvSpPr>
+            <p:cNvPr id="67" name="TextBox 66">
+              <a:extLst>
+                <a:ext uri="{FF2B5EF4-FFF2-40B4-BE49-F238E27FC236}">
+                  <a16:creationId xmlns:a16="http://schemas.microsoft.com/office/drawing/2014/main" id="{CA72A826-626E-1547-B63D-317EA7DC1C8C}"/>
+                </a:ext>
+              </a:extLst>
+            </p:cNvPr>
+            <p:cNvSpPr txBox="1"/>
+            <p:nvPr/>
+          </p:nvSpPr>
+          <p:spPr>
+            <a:xfrm>
+              <a:off x="2324416" y="1345621"/>
+              <a:ext cx="1880670" cy="276999"/>
+            </a:xfrm>
+            <a:prstGeom prst="rect">
+              <a:avLst/>
+            </a:prstGeom>
+            <a:noFill/>
+          </p:spPr>
+          <p:txBody>
+            <a:bodyPr wrap="square" rtlCol="0">
+              <a:spAutoFit/>
+            </a:bodyPr>
+            <a:lstStyle/>
+            <a:p>
+              <a:pPr algn="ctr"/>
+              <a:r>
+                <a:rPr kumimoji="1" lang="en-US" altLang="ko-Kore-KR" sz="1200" b="1" dirty="0" err="1">
+                  <a:solidFill>
+                    <a:srgbClr val="5DA2C5"/>
+                  </a:solidFill>
+                  <a:latin typeface="SHeadG" panose="02030600000101010101" pitchFamily="18" charset="-127"/>
+                  <a:ea typeface="SHeadG" panose="02030600000101010101" pitchFamily="18" charset="-127"/>
+                </a:rPr>
+                <a:t>OrdersController</a:t>
+              </a:r>
+              <a:endParaRPr kumimoji="1" lang="ko-Kore-KR" altLang="en-US" sz="1200" b="1" dirty="0">
+                <a:solidFill>
+                  <a:srgbClr val="5DA2C5"/>
+                </a:solidFill>
+                <a:latin typeface="SHeadG" panose="02030600000101010101" pitchFamily="18" charset="-127"/>
+                <a:ea typeface="SHeadG" panose="02030600000101010101" pitchFamily="18" charset="-127"/>
+              </a:endParaRPr>
+            </a:p>
+          </p:txBody>
+        </p:sp>
+      </p:grpSp>
+      <p:sp>
+        <p:nvSpPr>
+          <p:cNvPr id="69" name="직사각형 68">
+            <a:extLst>
+              <a:ext uri="{FF2B5EF4-FFF2-40B4-BE49-F238E27FC236}">
+                <a16:creationId xmlns:a16="http://schemas.microsoft.com/office/drawing/2014/main" id="{C91C84F2-8456-D94E-8C1E-14CC5346E3E9}"/>
+              </a:ext>
+            </a:extLst>
+          </p:cNvPr>
+          <p:cNvSpPr/>
+          <p:nvPr/>
+        </p:nvSpPr>
+        <p:spPr>
+          <a:xfrm>
+            <a:off x="5218321" y="120302"/>
+            <a:ext cx="1300589" cy="246221"/>
+          </a:xfrm>
+          <a:prstGeom prst="rect">
+            <a:avLst/>
+          </a:prstGeom>
+          <a:ln w="25400">
+            <a:solidFill>
+              <a:srgbClr val="5DA2C5"/>
+            </a:solidFill>
+          </a:ln>
+        </p:spPr>
+        <p:style>
+          <a:lnRef idx="1">
+            <a:schemeClr val="accent1"/>
+          </a:lnRef>
+          <a:fillRef idx="0">
+            <a:schemeClr val="accent1"/>
+          </a:fillRef>
+          <a:effectRef idx="0">
+            <a:schemeClr val="accent1"/>
+          </a:effectRef>
+          <a:fontRef idx="minor">
+            <a:schemeClr val="tx1"/>
+          </a:fontRef>
+        </p:style>
+        <p:txBody>
+          <a:bodyPr rtlCol="0" anchor="ctr"/>
+          <a:lstStyle/>
+          <a:p>
+            <a:pPr algn="ctr"/>
+            <a:endParaRPr kumimoji="1" lang="ko-Kore-KR" altLang="en-US"/>
+          </a:p>
+        </p:txBody>
+      </p:sp>
+      <p:sp>
+        <p:nvSpPr>
+          <p:cNvPr id="70" name="TextBox 69">
+            <a:extLst>
+              <a:ext uri="{FF2B5EF4-FFF2-40B4-BE49-F238E27FC236}">
+                <a16:creationId xmlns:a16="http://schemas.microsoft.com/office/drawing/2014/main" id="{27D5585C-38ED-E24F-82BA-203B63CA2EB3}"/>
+              </a:ext>
+            </a:extLst>
+          </p:cNvPr>
+          <p:cNvSpPr txBox="1"/>
+          <p:nvPr/>
+        </p:nvSpPr>
+        <p:spPr>
+          <a:xfrm>
+            <a:off x="5291366" y="5246690"/>
+            <a:ext cx="2455085" cy="246221"/>
+          </a:xfrm>
+          <a:prstGeom prst="rect">
+            <a:avLst/>
+          </a:prstGeom>
+          <a:noFill/>
+        </p:spPr>
+        <p:txBody>
+          <a:bodyPr wrap="square" rtlCol="0">
+            <a:spAutoFit/>
+          </a:bodyPr>
+          <a:lstStyle/>
+          <a:p>
+            <a:pPr algn="ctr"/>
+            <a:r>
+              <a:rPr kumimoji="1" lang="en-US" altLang="ko-Kore-KR" sz="1000" b="1" dirty="0" err="1">
+                <a:solidFill>
+                  <a:srgbClr val="5DA2C5"/>
+                </a:solidFill>
+                <a:latin typeface="SHeadG" panose="02030600000101010101" pitchFamily="18" charset="-127"/>
+                <a:ea typeface="SHeadG" panose="02030600000101010101" pitchFamily="18" charset="-127"/>
+              </a:rPr>
+              <a:t>com.mycompany.myapp.orders</a:t>
+            </a:r>
+            <a:endParaRPr kumimoji="1" lang="ko-Kore-KR" altLang="en-US" sz="1000" b="1" dirty="0">
+              <a:solidFill>
+                <a:srgbClr val="5DA2C5"/>
+              </a:solidFill>
+              <a:latin typeface="SHeadG" panose="02030600000101010101" pitchFamily="18" charset="-127"/>
+              <a:ea typeface="SHeadG" panose="02030600000101010101" pitchFamily="18" charset="-127"/>
+            </a:endParaRPr>
+          </a:p>
+        </p:txBody>
+      </p:sp>
+      <p:grpSp>
+        <p:nvGrpSpPr>
+          <p:cNvPr id="71" name="그룹 70">
+            <a:extLst>
+              <a:ext uri="{FF2B5EF4-FFF2-40B4-BE49-F238E27FC236}">
+                <a16:creationId xmlns:a16="http://schemas.microsoft.com/office/drawing/2014/main" id="{AA202016-1022-B247-95C4-EF81E0276BFB}"/>
+              </a:ext>
+            </a:extLst>
+          </p:cNvPr>
+          <p:cNvGrpSpPr/>
+          <p:nvPr/>
+        </p:nvGrpSpPr>
+        <p:grpSpPr>
+          <a:xfrm>
+            <a:off x="5442693" y="1535723"/>
+            <a:ext cx="2179067" cy="468000"/>
+            <a:chOff x="4453054" y="3151014"/>
+            <a:chExt cx="2179067" cy="468000"/>
+          </a:xfrm>
+        </p:grpSpPr>
+        <p:sp>
+          <p:nvSpPr>
+            <p:cNvPr id="72" name="직사각형 71">
+              <a:extLst>
+                <a:ext uri="{FF2B5EF4-FFF2-40B4-BE49-F238E27FC236}">
+                  <a16:creationId xmlns:a16="http://schemas.microsoft.com/office/drawing/2014/main" id="{6F5AF4D3-3441-4540-89DE-5D0198B0B57C}"/>
+                </a:ext>
+              </a:extLst>
+            </p:cNvPr>
+            <p:cNvSpPr/>
+            <p:nvPr/>
+          </p:nvSpPr>
+          <p:spPr>
+            <a:xfrm>
+              <a:off x="4453054" y="3151014"/>
+              <a:ext cx="2179067" cy="468000"/>
+            </a:xfrm>
+            <a:prstGeom prst="rect">
+              <a:avLst/>
+            </a:prstGeom>
+            <a:ln w="19050">
+              <a:solidFill>
+                <a:srgbClr val="5DA2C5"/>
+              </a:solidFill>
+            </a:ln>
+          </p:spPr>
+          <p:style>
+            <a:lnRef idx="1">
+              <a:schemeClr val="accent1"/>
+            </a:lnRef>
+            <a:fillRef idx="0">
+              <a:schemeClr val="accent1"/>
+            </a:fillRef>
+            <a:effectRef idx="0">
+              <a:schemeClr val="accent1"/>
+            </a:effectRef>
+            <a:fontRef idx="minor">
+              <a:schemeClr val="tx1"/>
+            </a:fontRef>
+          </p:style>
+          <p:txBody>
+            <a:bodyPr rtlCol="0" anchor="ctr"/>
+            <a:lstStyle/>
+            <a:p>
+              <a:pPr algn="ctr"/>
+              <a:endParaRPr kumimoji="1" lang="ko-Kore-KR" altLang="en-US" dirty="0"/>
+            </a:p>
+          </p:txBody>
+        </p:sp>
+        <p:sp>
+          <p:nvSpPr>
+            <p:cNvPr id="73" name="TextBox 72">
+              <a:extLst>
+                <a:ext uri="{FF2B5EF4-FFF2-40B4-BE49-F238E27FC236}">
+                  <a16:creationId xmlns:a16="http://schemas.microsoft.com/office/drawing/2014/main" id="{F1DAEA9B-CC57-9B44-8C81-D907721E832C}"/>
+                </a:ext>
+              </a:extLst>
+            </p:cNvPr>
+            <p:cNvSpPr txBox="1"/>
+            <p:nvPr/>
+          </p:nvSpPr>
+          <p:spPr>
+            <a:xfrm>
+              <a:off x="4602252" y="3169676"/>
+              <a:ext cx="1880670" cy="438582"/>
+            </a:xfrm>
+            <a:prstGeom prst="rect">
+              <a:avLst/>
+            </a:prstGeom>
+            <a:noFill/>
+          </p:spPr>
+          <p:txBody>
+            <a:bodyPr wrap="square" rtlCol="0">
+              <a:spAutoFit/>
+            </a:bodyPr>
+            <a:lstStyle/>
+            <a:p>
+              <a:pPr algn="ctr"/>
+              <a:r>
+                <a:rPr kumimoji="1" lang="en-US" altLang="ko-Kore-KR" sz="1000" b="1" dirty="0">
+                  <a:solidFill>
+                    <a:srgbClr val="5DA2C5"/>
+                  </a:solidFill>
+                  <a:latin typeface="SHeadG" panose="02030600000101010101" pitchFamily="18" charset="-127"/>
+                  <a:ea typeface="SHeadG" panose="02030600000101010101" pitchFamily="18" charset="-127"/>
+                </a:rPr>
+                <a:t>&lt;&lt;interface&gt;&gt;</a:t>
+              </a:r>
+            </a:p>
+            <a:p>
+              <a:pPr algn="ctr"/>
+              <a:r>
+                <a:rPr kumimoji="1" lang="en-US" altLang="ko-Kore-KR" sz="1200" b="1" dirty="0" err="1">
+                  <a:solidFill>
+                    <a:srgbClr val="5DA2C5"/>
+                  </a:solidFill>
+                  <a:latin typeface="SHeadG" panose="02030600000101010101" pitchFamily="18" charset="-127"/>
+                  <a:ea typeface="SHeadG" panose="02030600000101010101" pitchFamily="18" charset="-127"/>
+                </a:rPr>
+                <a:t>OrdersService</a:t>
+              </a:r>
+              <a:endParaRPr kumimoji="1" lang="ko-Kore-KR" altLang="en-US" sz="1200" b="1" dirty="0">
+                <a:solidFill>
+                  <a:srgbClr val="5DA2C5"/>
+                </a:solidFill>
+                <a:latin typeface="SHeadG" panose="02030600000101010101" pitchFamily="18" charset="-127"/>
+                <a:ea typeface="SHeadG" panose="02030600000101010101" pitchFamily="18" charset="-127"/>
+              </a:endParaRPr>
+            </a:p>
+          </p:txBody>
+        </p:sp>
+      </p:grpSp>
+      <p:grpSp>
+        <p:nvGrpSpPr>
+          <p:cNvPr id="74" name="그룹 73">
+            <a:extLst>
+              <a:ext uri="{FF2B5EF4-FFF2-40B4-BE49-F238E27FC236}">
+                <a16:creationId xmlns:a16="http://schemas.microsoft.com/office/drawing/2014/main" id="{73449F8D-F829-924E-9570-E7BD1D460373}"/>
+              </a:ext>
+            </a:extLst>
+          </p:cNvPr>
+          <p:cNvGrpSpPr/>
+          <p:nvPr/>
+        </p:nvGrpSpPr>
+        <p:grpSpPr>
+          <a:xfrm>
+            <a:off x="5442693" y="2568769"/>
+            <a:ext cx="2179067" cy="468000"/>
+            <a:chOff x="2175218" y="1251857"/>
+            <a:chExt cx="2179067" cy="468000"/>
+          </a:xfrm>
+        </p:grpSpPr>
+        <p:sp>
+          <p:nvSpPr>
+            <p:cNvPr id="75" name="직사각형 74">
+              <a:extLst>
+                <a:ext uri="{FF2B5EF4-FFF2-40B4-BE49-F238E27FC236}">
+                  <a16:creationId xmlns:a16="http://schemas.microsoft.com/office/drawing/2014/main" id="{52CBD591-2514-EE4A-A9DB-458D64F88D4E}"/>
+                </a:ext>
+              </a:extLst>
+            </p:cNvPr>
+            <p:cNvSpPr/>
+            <p:nvPr/>
+          </p:nvSpPr>
+          <p:spPr>
+            <a:xfrm>
+              <a:off x="2175218" y="1251857"/>
+              <a:ext cx="2179067" cy="468000"/>
+            </a:xfrm>
+            <a:prstGeom prst="rect">
+              <a:avLst/>
+            </a:prstGeom>
+            <a:ln w="19050">
+              <a:solidFill>
+                <a:srgbClr val="5DA2C5"/>
+              </a:solidFill>
+            </a:ln>
+          </p:spPr>
+          <p:style>
+            <a:lnRef idx="1">
+              <a:schemeClr val="accent1"/>
+            </a:lnRef>
+            <a:fillRef idx="0">
+              <a:schemeClr val="accent1"/>
+            </a:fillRef>
+            <a:effectRef idx="0">
+              <a:schemeClr val="accent1"/>
+            </a:effectRef>
+            <a:fontRef idx="minor">
+              <a:schemeClr val="tx1"/>
+            </a:fontRef>
+          </p:style>
+          <p:txBody>
+            <a:bodyPr rtlCol="0" anchor="ctr"/>
+            <a:lstStyle/>
+            <a:p>
+              <a:pPr algn="ctr"/>
+              <a:endParaRPr kumimoji="1" lang="ko-Kore-KR" altLang="en-US" dirty="0"/>
+            </a:p>
+          </p:txBody>
+        </p:sp>
+        <p:sp>
+          <p:nvSpPr>
+            <p:cNvPr id="76" name="TextBox 75">
+              <a:extLst>
+                <a:ext uri="{FF2B5EF4-FFF2-40B4-BE49-F238E27FC236}">
+                  <a16:creationId xmlns:a16="http://schemas.microsoft.com/office/drawing/2014/main" id="{1545729E-F915-DF4C-B1AD-1B773E062900}"/>
+                </a:ext>
+              </a:extLst>
+            </p:cNvPr>
+            <p:cNvSpPr txBox="1"/>
+            <p:nvPr/>
+          </p:nvSpPr>
+          <p:spPr>
+            <a:xfrm>
+              <a:off x="2324416" y="1345621"/>
+              <a:ext cx="1880670" cy="276999"/>
+            </a:xfrm>
+            <a:prstGeom prst="rect">
+              <a:avLst/>
+            </a:prstGeom>
+            <a:noFill/>
+          </p:spPr>
+          <p:txBody>
+            <a:bodyPr wrap="square" rtlCol="0">
+              <a:spAutoFit/>
+            </a:bodyPr>
+            <a:lstStyle/>
+            <a:p>
+              <a:pPr algn="ctr"/>
+              <a:r>
+                <a:rPr kumimoji="1" lang="en-US" altLang="ko-Kore-KR" sz="1200" b="1" dirty="0" err="1">
+                  <a:solidFill>
+                    <a:srgbClr val="5DA2C5"/>
+                  </a:solidFill>
+                  <a:latin typeface="SHeadG" panose="02030600000101010101" pitchFamily="18" charset="-127"/>
+                  <a:ea typeface="SHeadG" panose="02030600000101010101" pitchFamily="18" charset="-127"/>
+                </a:rPr>
+                <a:t>OrdersServiceImpl</a:t>
+              </a:r>
+              <a:endParaRPr kumimoji="1" lang="ko-Kore-KR" altLang="en-US" sz="1200" b="1" dirty="0">
+                <a:solidFill>
+                  <a:srgbClr val="5DA2C5"/>
+                </a:solidFill>
+                <a:latin typeface="SHeadG" panose="02030600000101010101" pitchFamily="18" charset="-127"/>
+                <a:ea typeface="SHeadG" panose="02030600000101010101" pitchFamily="18" charset="-127"/>
+              </a:endParaRPr>
+            </a:p>
+          </p:txBody>
+        </p:sp>
+      </p:grpSp>
+      <p:grpSp>
+        <p:nvGrpSpPr>
+          <p:cNvPr id="77" name="그룹 76">
+            <a:extLst>
+              <a:ext uri="{FF2B5EF4-FFF2-40B4-BE49-F238E27FC236}">
+                <a16:creationId xmlns:a16="http://schemas.microsoft.com/office/drawing/2014/main" id="{0D6CE092-78F3-CC40-B7C3-AC33CFCF8153}"/>
+              </a:ext>
+            </a:extLst>
+          </p:cNvPr>
+          <p:cNvGrpSpPr/>
+          <p:nvPr/>
+        </p:nvGrpSpPr>
+        <p:grpSpPr>
+          <a:xfrm>
+            <a:off x="5436034" y="3601815"/>
+            <a:ext cx="2179067" cy="468000"/>
+            <a:chOff x="4453054" y="3151014"/>
+            <a:chExt cx="2179067" cy="468000"/>
+          </a:xfrm>
+        </p:grpSpPr>
+        <p:sp>
+          <p:nvSpPr>
+            <p:cNvPr id="78" name="직사각형 77">
+              <a:extLst>
+                <a:ext uri="{FF2B5EF4-FFF2-40B4-BE49-F238E27FC236}">
+                  <a16:creationId xmlns:a16="http://schemas.microsoft.com/office/drawing/2014/main" id="{548AE2BE-1442-9C41-A865-3B004CCA6B4C}"/>
+                </a:ext>
+              </a:extLst>
+            </p:cNvPr>
+            <p:cNvSpPr/>
+            <p:nvPr/>
+          </p:nvSpPr>
+          <p:spPr>
+            <a:xfrm>
+              <a:off x="4453054" y="3151014"/>
+              <a:ext cx="2179067" cy="468000"/>
+            </a:xfrm>
+            <a:prstGeom prst="rect">
+              <a:avLst/>
+            </a:prstGeom>
+            <a:ln w="19050">
+              <a:solidFill>
+                <a:srgbClr val="5DA2C5"/>
+              </a:solidFill>
+            </a:ln>
+          </p:spPr>
+          <p:style>
+            <a:lnRef idx="1">
+              <a:schemeClr val="accent1"/>
+            </a:lnRef>
+            <a:fillRef idx="0">
+              <a:schemeClr val="accent1"/>
+            </a:fillRef>
+            <a:effectRef idx="0">
+              <a:schemeClr val="accent1"/>
+            </a:effectRef>
+            <a:fontRef idx="minor">
+              <a:schemeClr val="tx1"/>
+            </a:fontRef>
+          </p:style>
+          <p:txBody>
+            <a:bodyPr rtlCol="0" anchor="ctr"/>
+            <a:lstStyle/>
+            <a:p>
+              <a:pPr algn="ctr"/>
+              <a:endParaRPr kumimoji="1" lang="ko-Kore-KR" altLang="en-US" dirty="0"/>
+            </a:p>
+          </p:txBody>
+        </p:sp>
+        <p:sp>
+          <p:nvSpPr>
+            <p:cNvPr id="79" name="TextBox 78">
+              <a:extLst>
+                <a:ext uri="{FF2B5EF4-FFF2-40B4-BE49-F238E27FC236}">
+                  <a16:creationId xmlns:a16="http://schemas.microsoft.com/office/drawing/2014/main" id="{7201AE41-17F8-0C49-B0FF-AAAE2C173F5C}"/>
+                </a:ext>
+              </a:extLst>
+            </p:cNvPr>
+            <p:cNvSpPr txBox="1"/>
+            <p:nvPr/>
+          </p:nvSpPr>
+          <p:spPr>
+            <a:xfrm>
+              <a:off x="4602252" y="3169676"/>
+              <a:ext cx="1880670" cy="438582"/>
+            </a:xfrm>
+            <a:prstGeom prst="rect">
+              <a:avLst/>
+            </a:prstGeom>
+            <a:noFill/>
+          </p:spPr>
+          <p:txBody>
+            <a:bodyPr wrap="square" rtlCol="0">
+              <a:spAutoFit/>
+            </a:bodyPr>
+            <a:lstStyle/>
+            <a:p>
+              <a:pPr algn="ctr"/>
+              <a:r>
+                <a:rPr kumimoji="1" lang="en-US" altLang="ko-Kore-KR" sz="1000" b="1" dirty="0">
+                  <a:solidFill>
+                    <a:srgbClr val="5DA2C5"/>
+                  </a:solidFill>
+                  <a:latin typeface="SHeadG" panose="02030600000101010101" pitchFamily="18" charset="-127"/>
+                  <a:ea typeface="SHeadG" panose="02030600000101010101" pitchFamily="18" charset="-127"/>
+                </a:rPr>
+                <a:t>&lt;&lt;interface&gt;&gt;</a:t>
+              </a:r>
+            </a:p>
+            <a:p>
+              <a:pPr algn="ctr"/>
+              <a:r>
+                <a:rPr kumimoji="1" lang="en-US" altLang="ko-Kore-KR" sz="1200" b="1" dirty="0" err="1">
+                  <a:solidFill>
+                    <a:srgbClr val="5DA2C5"/>
+                  </a:solidFill>
+                  <a:latin typeface="SHeadG" panose="02030600000101010101" pitchFamily="18" charset="-127"/>
+                  <a:ea typeface="SHeadG" panose="02030600000101010101" pitchFamily="18" charset="-127"/>
+                </a:rPr>
+                <a:t>OrdersRepository</a:t>
+              </a:r>
+              <a:endParaRPr kumimoji="1" lang="ko-Kore-KR" altLang="en-US" sz="1200" b="1" dirty="0">
+                <a:solidFill>
+                  <a:srgbClr val="5DA2C5"/>
+                </a:solidFill>
+                <a:latin typeface="SHeadG" panose="02030600000101010101" pitchFamily="18" charset="-127"/>
+                <a:ea typeface="SHeadG" panose="02030600000101010101" pitchFamily="18" charset="-127"/>
+              </a:endParaRPr>
+            </a:p>
+          </p:txBody>
+        </p:sp>
+      </p:grpSp>
+      <p:grpSp>
+        <p:nvGrpSpPr>
+          <p:cNvPr id="80" name="그룹 79">
+            <a:extLst>
+              <a:ext uri="{FF2B5EF4-FFF2-40B4-BE49-F238E27FC236}">
+                <a16:creationId xmlns:a16="http://schemas.microsoft.com/office/drawing/2014/main" id="{E22F011A-757D-5847-8E33-BD7905A0B474}"/>
+              </a:ext>
+            </a:extLst>
+          </p:cNvPr>
+          <p:cNvGrpSpPr/>
+          <p:nvPr/>
+        </p:nvGrpSpPr>
+        <p:grpSpPr>
+          <a:xfrm>
+            <a:off x="5429376" y="4637323"/>
+            <a:ext cx="2179067" cy="468000"/>
+            <a:chOff x="2175218" y="1251857"/>
+            <a:chExt cx="2179067" cy="468000"/>
+          </a:xfrm>
+        </p:grpSpPr>
+        <p:sp>
+          <p:nvSpPr>
+            <p:cNvPr id="81" name="직사각형 80">
+              <a:extLst>
+                <a:ext uri="{FF2B5EF4-FFF2-40B4-BE49-F238E27FC236}">
+                  <a16:creationId xmlns:a16="http://schemas.microsoft.com/office/drawing/2014/main" id="{5E2525F6-BBC3-A74B-8A95-9129B346EDC4}"/>
+                </a:ext>
+              </a:extLst>
+            </p:cNvPr>
+            <p:cNvSpPr/>
+            <p:nvPr/>
+          </p:nvSpPr>
+          <p:spPr>
+            <a:xfrm>
+              <a:off x="2175218" y="1251857"/>
+              <a:ext cx="2179067" cy="468000"/>
+            </a:xfrm>
+            <a:prstGeom prst="rect">
+              <a:avLst/>
+            </a:prstGeom>
+            <a:ln w="19050">
+              <a:solidFill>
+                <a:srgbClr val="5DA2C5"/>
+              </a:solidFill>
+            </a:ln>
+          </p:spPr>
+          <p:style>
+            <a:lnRef idx="1">
+              <a:schemeClr val="accent1"/>
+            </a:lnRef>
+            <a:fillRef idx="0">
+              <a:schemeClr val="accent1"/>
+            </a:fillRef>
+            <a:effectRef idx="0">
+              <a:schemeClr val="accent1"/>
+            </a:effectRef>
+            <a:fontRef idx="minor">
+              <a:schemeClr val="tx1"/>
+            </a:fontRef>
+          </p:style>
+          <p:txBody>
+            <a:bodyPr rtlCol="0" anchor="ctr"/>
+            <a:lstStyle/>
+            <a:p>
+              <a:pPr algn="ctr"/>
+              <a:endParaRPr kumimoji="1" lang="ko-Kore-KR" altLang="en-US" dirty="0"/>
+            </a:p>
+          </p:txBody>
+        </p:sp>
+        <p:sp>
+          <p:nvSpPr>
+            <p:cNvPr id="82" name="TextBox 81">
+              <a:extLst>
+                <a:ext uri="{FF2B5EF4-FFF2-40B4-BE49-F238E27FC236}">
+                  <a16:creationId xmlns:a16="http://schemas.microsoft.com/office/drawing/2014/main" id="{F17D8211-2C81-9A46-ABB1-963A2570351E}"/>
+                </a:ext>
+              </a:extLst>
+            </p:cNvPr>
+            <p:cNvSpPr txBox="1"/>
+            <p:nvPr/>
+          </p:nvSpPr>
+          <p:spPr>
+            <a:xfrm>
+              <a:off x="2324416" y="1345621"/>
+              <a:ext cx="1880670" cy="276999"/>
+            </a:xfrm>
+            <a:prstGeom prst="rect">
+              <a:avLst/>
+            </a:prstGeom>
+            <a:noFill/>
+          </p:spPr>
+          <p:txBody>
+            <a:bodyPr wrap="square" rtlCol="0">
+              <a:spAutoFit/>
+            </a:bodyPr>
+            <a:lstStyle/>
+            <a:p>
+              <a:pPr algn="ctr"/>
+              <a:r>
+                <a:rPr kumimoji="1" lang="en-US" altLang="ko-Kore-KR" sz="1200" b="1" dirty="0" err="1">
+                  <a:solidFill>
+                    <a:srgbClr val="5DA2C5"/>
+                  </a:solidFill>
+                  <a:latin typeface="SHeadG" panose="02030600000101010101" pitchFamily="18" charset="-127"/>
+                  <a:ea typeface="SHeadG" panose="02030600000101010101" pitchFamily="18" charset="-127"/>
+                </a:rPr>
+                <a:t>JdbcOrdersRepository</a:t>
+              </a:r>
+              <a:endParaRPr kumimoji="1" lang="ko-Kore-KR" altLang="en-US" sz="1200" b="1" dirty="0">
+                <a:solidFill>
+                  <a:srgbClr val="5DA2C5"/>
+                </a:solidFill>
+                <a:latin typeface="SHeadG" panose="02030600000101010101" pitchFamily="18" charset="-127"/>
+                <a:ea typeface="SHeadG" panose="02030600000101010101" pitchFamily="18" charset="-127"/>
+              </a:endParaRPr>
+            </a:p>
+          </p:txBody>
+        </p:sp>
+      </p:grpSp>
+      <p:cxnSp>
+        <p:nvCxnSpPr>
+          <p:cNvPr id="83" name="직선 화살표 연결선 82">
+            <a:extLst>
+              <a:ext uri="{FF2B5EF4-FFF2-40B4-BE49-F238E27FC236}">
+                <a16:creationId xmlns:a16="http://schemas.microsoft.com/office/drawing/2014/main" id="{1F5B3329-DF02-D54F-B5A1-A2F1226272D5}"/>
+              </a:ext>
+            </a:extLst>
+          </p:cNvPr>
+          <p:cNvCxnSpPr>
+            <a:cxnSpLocks/>
+            <a:stCxn id="66" idx="2"/>
+            <a:endCxn id="72" idx="0"/>
+          </p:cNvCxnSpPr>
+          <p:nvPr/>
+        </p:nvCxnSpPr>
+        <p:spPr>
+          <a:xfrm>
+            <a:off x="6525568" y="955067"/>
+            <a:ext cx="6659" cy="580656"/>
+          </a:xfrm>
+          <a:prstGeom prst="straightConnector1">
+            <a:avLst/>
+          </a:prstGeom>
+          <a:ln w="19050">
+            <a:solidFill>
+              <a:srgbClr val="5DA2C5"/>
+            </a:solidFill>
+            <a:prstDash val="dash"/>
+            <a:tailEnd type="stealth" w="lg" len="lg"/>
+          </a:ln>
+        </p:spPr>
+        <p:style>
+          <a:lnRef idx="1">
+            <a:schemeClr val="accent1"/>
+          </a:lnRef>
+          <a:fillRef idx="0">
+            <a:schemeClr val="accent1"/>
+          </a:fillRef>
+          <a:effectRef idx="0">
+            <a:schemeClr val="accent1"/>
+          </a:effectRef>
+          <a:fontRef idx="minor">
+            <a:schemeClr val="tx1"/>
+          </a:fontRef>
+        </p:style>
+      </p:cxnSp>
+      <p:cxnSp>
+        <p:nvCxnSpPr>
+          <p:cNvPr id="84" name="직선 화살표 연결선 83">
+            <a:extLst>
+              <a:ext uri="{FF2B5EF4-FFF2-40B4-BE49-F238E27FC236}">
+                <a16:creationId xmlns:a16="http://schemas.microsoft.com/office/drawing/2014/main" id="{FBC9075D-4000-DE45-B94E-9D5C36BAAD5A}"/>
+              </a:ext>
+            </a:extLst>
+          </p:cNvPr>
+          <p:cNvCxnSpPr>
+            <a:cxnSpLocks/>
+            <a:stCxn id="75" idx="2"/>
+            <a:endCxn id="79" idx="0"/>
+          </p:cNvCxnSpPr>
+          <p:nvPr/>
+        </p:nvCxnSpPr>
+        <p:spPr>
+          <a:xfrm flipH="1">
+            <a:off x="6525567" y="3036769"/>
+            <a:ext cx="6660" cy="583708"/>
+          </a:xfrm>
+          <a:prstGeom prst="straightConnector1">
+            <a:avLst/>
+          </a:prstGeom>
+          <a:ln w="19050">
+            <a:solidFill>
+              <a:srgbClr val="5DA2C5"/>
+            </a:solidFill>
+            <a:prstDash val="dash"/>
+            <a:tailEnd type="stealth" w="lg" len="lg"/>
+          </a:ln>
+        </p:spPr>
+        <p:style>
+          <a:lnRef idx="1">
+            <a:schemeClr val="accent1"/>
+          </a:lnRef>
+          <a:fillRef idx="0">
+            <a:schemeClr val="accent1"/>
+          </a:fillRef>
+          <a:effectRef idx="0">
+            <a:schemeClr val="accent1"/>
+          </a:effectRef>
+          <a:fontRef idx="minor">
+            <a:schemeClr val="tx1"/>
+          </a:fontRef>
+        </p:style>
+      </p:cxnSp>
+      <p:cxnSp>
+        <p:nvCxnSpPr>
+          <p:cNvPr id="88" name="직선 화살표 연결선 87">
+            <a:extLst>
+              <a:ext uri="{FF2B5EF4-FFF2-40B4-BE49-F238E27FC236}">
+                <a16:creationId xmlns:a16="http://schemas.microsoft.com/office/drawing/2014/main" id="{30F5C563-D33C-994F-82B9-FECA4C38B76B}"/>
+              </a:ext>
+            </a:extLst>
+          </p:cNvPr>
+          <p:cNvCxnSpPr>
+            <a:cxnSpLocks/>
+            <a:stCxn id="81" idx="0"/>
+            <a:endCxn id="79" idx="2"/>
+          </p:cNvCxnSpPr>
+          <p:nvPr/>
+        </p:nvCxnSpPr>
+        <p:spPr>
+          <a:xfrm flipV="1">
+            <a:off x="6518910" y="4059059"/>
+            <a:ext cx="6657" cy="578264"/>
+          </a:xfrm>
+          <a:prstGeom prst="straightConnector1">
+            <a:avLst/>
+          </a:prstGeom>
+          <a:ln w="19050" cap="rnd">
+            <a:solidFill>
+              <a:srgbClr val="5DA2C5"/>
+            </a:solidFill>
+            <a:prstDash val="dash"/>
+            <a:miter lim="800000"/>
+            <a:tailEnd type="triangle" w="lg" len="lg"/>
+          </a:ln>
+        </p:spPr>
+        <p:style>
+          <a:lnRef idx="1">
+            <a:schemeClr val="accent1"/>
+          </a:lnRef>
+          <a:fillRef idx="0">
+            <a:schemeClr val="accent1"/>
+          </a:fillRef>
+          <a:effectRef idx="0">
+            <a:schemeClr val="accent1"/>
+          </a:effectRef>
+          <a:fontRef idx="minor">
+            <a:schemeClr val="tx1"/>
+          </a:fontRef>
+        </p:style>
+      </p:cxnSp>
+      <p:cxnSp>
+        <p:nvCxnSpPr>
+          <p:cNvPr id="91" name="직선 화살표 연결선 90">
+            <a:extLst>
+              <a:ext uri="{FF2B5EF4-FFF2-40B4-BE49-F238E27FC236}">
+                <a16:creationId xmlns:a16="http://schemas.microsoft.com/office/drawing/2014/main" id="{A8046402-9715-BD49-BB49-9C15613914D1}"/>
+              </a:ext>
+            </a:extLst>
+          </p:cNvPr>
+          <p:cNvCxnSpPr>
+            <a:cxnSpLocks/>
+            <a:stCxn id="75" idx="0"/>
+            <a:endCxn id="73" idx="2"/>
+          </p:cNvCxnSpPr>
+          <p:nvPr/>
+        </p:nvCxnSpPr>
+        <p:spPr>
+          <a:xfrm flipH="1" flipV="1">
+            <a:off x="6532226" y="1992967"/>
+            <a:ext cx="1" cy="575802"/>
+          </a:xfrm>
+          <a:prstGeom prst="straightConnector1">
+            <a:avLst/>
+          </a:prstGeom>
+          <a:ln w="19050" cap="rnd">
+            <a:solidFill>
+              <a:srgbClr val="5DA2C5"/>
+            </a:solidFill>
+            <a:prstDash val="dash"/>
+            <a:miter lim="800000"/>
+            <a:tailEnd type="triangle" w="lg" len="lg"/>
+          </a:ln>
+        </p:spPr>
+        <p:style>
+          <a:lnRef idx="1">
+            <a:schemeClr val="accent1"/>
+          </a:lnRef>
+          <a:fillRef idx="0">
+            <a:schemeClr val="accent1"/>
+          </a:fillRef>
+          <a:effectRef idx="0">
+            <a:schemeClr val="accent1"/>
+          </a:effectRef>
+          <a:fontRef idx="minor">
+            <a:schemeClr val="tx1"/>
+          </a:fontRef>
+        </p:style>
+      </p:cxnSp>
+      <p:sp>
+        <p:nvSpPr>
+          <p:cNvPr id="94" name="직사각형 93">
+            <a:extLst>
+              <a:ext uri="{FF2B5EF4-FFF2-40B4-BE49-F238E27FC236}">
+                <a16:creationId xmlns:a16="http://schemas.microsoft.com/office/drawing/2014/main" id="{ADE65AFC-3013-9C4E-984A-C67A43B1C227}"/>
+              </a:ext>
+            </a:extLst>
+          </p:cNvPr>
+          <p:cNvSpPr/>
+          <p:nvPr/>
+        </p:nvSpPr>
+        <p:spPr>
+          <a:xfrm>
+            <a:off x="5776244" y="1088873"/>
+            <a:ext cx="671979" cy="246221"/>
+          </a:xfrm>
+          <a:prstGeom prst="rect">
+            <a:avLst/>
+          </a:prstGeom>
+        </p:spPr>
+        <p:txBody>
+          <a:bodyPr wrap="none">
+            <a:spAutoFit/>
+          </a:bodyPr>
+          <a:lstStyle/>
+          <a:p>
+            <a:r>
+              <a:rPr kumimoji="1" lang="en-US" altLang="ko-Kore-KR" sz="1000" dirty="0">
+                <a:solidFill>
+                  <a:srgbClr val="5DA2C5"/>
+                </a:solidFill>
+                <a:latin typeface="SHeadG" panose="02030600000101010101" pitchFamily="18" charset="-127"/>
+                <a:ea typeface="SHeadG" panose="02030600000101010101" pitchFamily="18" charset="-127"/>
+              </a:rPr>
+              <a:t>&lt;&lt;uses&gt;&gt;</a:t>
+            </a:r>
+            <a:endParaRPr lang="ko-Kore-KR" altLang="en-US" sz="1000" dirty="0"/>
+          </a:p>
+        </p:txBody>
+      </p:sp>
+      <p:sp>
+        <p:nvSpPr>
+          <p:cNvPr id="95" name="직사각형 94">
+            <a:extLst>
+              <a:ext uri="{FF2B5EF4-FFF2-40B4-BE49-F238E27FC236}">
+                <a16:creationId xmlns:a16="http://schemas.microsoft.com/office/drawing/2014/main" id="{53AEA59E-957C-7246-A2FD-5C61B7FF74A4}"/>
+              </a:ext>
+            </a:extLst>
+          </p:cNvPr>
+          <p:cNvSpPr/>
+          <p:nvPr/>
+        </p:nvSpPr>
+        <p:spPr>
+          <a:xfrm>
+            <a:off x="5853588" y="3099942"/>
+            <a:ext cx="671979" cy="246221"/>
+          </a:xfrm>
+          <a:prstGeom prst="rect">
+            <a:avLst/>
+          </a:prstGeom>
+        </p:spPr>
+        <p:txBody>
+          <a:bodyPr wrap="none">
+            <a:spAutoFit/>
+          </a:bodyPr>
+          <a:lstStyle/>
+          <a:p>
+            <a:r>
+              <a:rPr kumimoji="1" lang="en-US" altLang="ko-Kore-KR" sz="1000" dirty="0">
+                <a:solidFill>
+                  <a:srgbClr val="5DA2C5"/>
+                </a:solidFill>
+                <a:latin typeface="SHeadG" panose="02030600000101010101" pitchFamily="18" charset="-127"/>
+                <a:ea typeface="SHeadG" panose="02030600000101010101" pitchFamily="18" charset="-127"/>
+              </a:rPr>
+              <a:t>&lt;&lt;uses&gt;&gt;</a:t>
+            </a:r>
+            <a:endParaRPr lang="ko-Kore-KR" altLang="en-US" sz="1000" dirty="0"/>
+          </a:p>
+        </p:txBody>
+      </p:sp>
+    </p:spTree>
+    <p:extLst>
+      <p:ext uri="{BB962C8B-B14F-4D97-AF65-F5344CB8AC3E}">
+        <p14:creationId xmlns:p14="http://schemas.microsoft.com/office/powerpoint/2010/main" val="458789575"/>
+      </p:ext>
+    </p:extLst>
+  </p:cSld>
+  <p:clrMapOvr>
+    <a:masterClrMapping/>
+  </p:clrMapOvr>
+</p:sld>
+</file>
+
+<file path=ppt/slides/slide9.xml><?xml version="1.0" encoding="utf-8"?>
+<p:sld xmlns:a="http://schemas.openxmlformats.org/drawingml/2006/main" xmlns:r="http://schemas.openxmlformats.org/officeDocument/2006/relationships" xmlns:p="http://schemas.openxmlformats.org/presentationml/2006/main">
+  <p:cSld>
+    <p:spTree>
+      <p:nvGrpSpPr>
+        <p:cNvPr id="1" name=""/>
+        <p:cNvGrpSpPr/>
+        <p:nvPr/>
+      </p:nvGrpSpPr>
+      <p:grpSpPr>
+        <a:xfrm>
+          <a:off x="0" y="0"/>
+          <a:ext cx="0" cy="0"/>
+          <a:chOff x="0" y="0"/>
+          <a:chExt cx="0" cy="0"/>
+        </a:xfrm>
+      </p:grpSpPr>
+      <p:sp>
+        <p:nvSpPr>
+          <p:cNvPr id="85" name="타원 84">
+            <a:extLst>
+              <a:ext uri="{FF2B5EF4-FFF2-40B4-BE49-F238E27FC236}">
+                <a16:creationId xmlns:a16="http://schemas.microsoft.com/office/drawing/2014/main" id="{8C91C235-4F74-FF4E-B208-CBD64908DDEC}"/>
+              </a:ext>
+            </a:extLst>
+          </p:cNvPr>
+          <p:cNvSpPr/>
+          <p:nvPr/>
+        </p:nvSpPr>
+        <p:spPr>
+          <a:xfrm>
+            <a:off x="1250731" y="767254"/>
+            <a:ext cx="2669759" cy="2570305"/>
+          </a:xfrm>
+          <a:prstGeom prst="ellipse">
+            <a:avLst/>
+          </a:prstGeom>
+          <a:noFill/>
+          <a:ln w="25400">
+            <a:solidFill>
+              <a:srgbClr val="5DA2C5"/>
+            </a:solidFill>
+          </a:ln>
+        </p:spPr>
+        <p:style>
+          <a:lnRef idx="2">
+            <a:schemeClr val="accent1">
+              <a:shade val="50000"/>
+            </a:schemeClr>
+          </a:lnRef>
+          <a:fillRef idx="1">
+            <a:schemeClr val="accent1"/>
+          </a:fillRef>
+          <a:effectRef idx="0">
+            <a:schemeClr val="accent1"/>
+          </a:effectRef>
+          <a:fontRef idx="minor">
+            <a:schemeClr val="lt1"/>
+          </a:fontRef>
+        </p:style>
+        <p:txBody>
+          <a:bodyPr rtlCol="0" anchor="ctr"/>
+          <a:lstStyle/>
+          <a:p>
+            <a:pPr algn="ctr"/>
+            <a:endParaRPr kumimoji="1" lang="ko-Kore-KR" altLang="en-US" dirty="0"/>
+          </a:p>
+        </p:txBody>
+      </p:sp>
+      <p:sp>
+        <p:nvSpPr>
+          <p:cNvPr id="87" name="TextBox 86">
+            <a:extLst>
+              <a:ext uri="{FF2B5EF4-FFF2-40B4-BE49-F238E27FC236}">
+                <a16:creationId xmlns:a16="http://schemas.microsoft.com/office/drawing/2014/main" id="{BEEF7569-022A-2D4F-B929-BEEA8FD1570F}"/>
+              </a:ext>
+            </a:extLst>
+          </p:cNvPr>
+          <p:cNvSpPr txBox="1"/>
+          <p:nvPr/>
+        </p:nvSpPr>
+        <p:spPr>
+          <a:xfrm>
+            <a:off x="1964584" y="850326"/>
+            <a:ext cx="1242052" cy="276999"/>
+          </a:xfrm>
+          <a:prstGeom prst="rect">
+            <a:avLst/>
+          </a:prstGeom>
+          <a:noFill/>
+        </p:spPr>
+        <p:txBody>
+          <a:bodyPr wrap="square" rtlCol="0">
+            <a:spAutoFit/>
+          </a:bodyPr>
+          <a:lstStyle/>
+          <a:p>
+            <a:pPr algn="ctr"/>
+            <a:r>
+              <a:rPr kumimoji="1" lang="ko-KR" altLang="en-US" sz="1200" b="1" dirty="0">
+                <a:solidFill>
+                  <a:srgbClr val="5DA2C5"/>
+                </a:solidFill>
+                <a:latin typeface="SHeadG" panose="02030600000101010101" pitchFamily="18" charset="-127"/>
+                <a:ea typeface="SHeadG" panose="02030600000101010101" pitchFamily="18" charset="-127"/>
+              </a:rPr>
+              <a:t>인프라</a:t>
+            </a:r>
+            <a:endParaRPr kumimoji="1" lang="ko-Kore-KR" altLang="en-US" sz="1200" b="1" dirty="0">
+              <a:solidFill>
+                <a:srgbClr val="5DA2C5"/>
+              </a:solidFill>
+              <a:latin typeface="SHeadG" panose="02030600000101010101" pitchFamily="18" charset="-127"/>
+              <a:ea typeface="SHeadG" panose="02030600000101010101" pitchFamily="18" charset="-127"/>
+            </a:endParaRPr>
+          </a:p>
+        </p:txBody>
+      </p:sp>
+      <p:sp>
+        <p:nvSpPr>
+          <p:cNvPr id="89" name="타원 88">
+            <a:extLst>
+              <a:ext uri="{FF2B5EF4-FFF2-40B4-BE49-F238E27FC236}">
+                <a16:creationId xmlns:a16="http://schemas.microsoft.com/office/drawing/2014/main" id="{4792860A-F287-D443-842F-8D5A53E9838E}"/>
+              </a:ext>
+            </a:extLst>
+          </p:cNvPr>
+          <p:cNvSpPr/>
+          <p:nvPr/>
+        </p:nvSpPr>
+        <p:spPr>
+          <a:xfrm>
+            <a:off x="1715025" y="1210396"/>
+            <a:ext cx="1741170" cy="1684019"/>
+          </a:xfrm>
+          <a:prstGeom prst="ellipse">
+            <a:avLst/>
+          </a:prstGeom>
+          <a:noFill/>
+          <a:ln w="25400">
+            <a:solidFill>
+              <a:srgbClr val="5DA2C5"/>
+            </a:solidFill>
+          </a:ln>
+        </p:spPr>
+        <p:style>
+          <a:lnRef idx="2">
+            <a:schemeClr val="accent1">
+              <a:shade val="50000"/>
+            </a:schemeClr>
+          </a:lnRef>
+          <a:fillRef idx="1">
+            <a:schemeClr val="accent1"/>
+          </a:fillRef>
+          <a:effectRef idx="0">
+            <a:schemeClr val="accent1"/>
+          </a:effectRef>
+          <a:fontRef idx="minor">
+            <a:schemeClr val="lt1"/>
+          </a:fontRef>
+        </p:style>
+        <p:txBody>
+          <a:bodyPr rtlCol="0" anchor="ctr"/>
+          <a:lstStyle/>
+          <a:p>
+            <a:pPr algn="ctr"/>
+            <a:endParaRPr kumimoji="1" lang="ko-Kore-KR" altLang="en-US" dirty="0"/>
+          </a:p>
+        </p:txBody>
+      </p:sp>
+      <p:sp>
+        <p:nvSpPr>
+          <p:cNvPr id="90" name="TextBox 89">
+            <a:extLst>
+              <a:ext uri="{FF2B5EF4-FFF2-40B4-BE49-F238E27FC236}">
+                <a16:creationId xmlns:a16="http://schemas.microsoft.com/office/drawing/2014/main" id="{5836683E-A833-4E4A-BD39-979A12954ABC}"/>
+              </a:ext>
+            </a:extLst>
+          </p:cNvPr>
+          <p:cNvSpPr txBox="1"/>
+          <p:nvPr/>
+        </p:nvSpPr>
+        <p:spPr>
+          <a:xfrm>
+            <a:off x="1964584" y="1913905"/>
+            <a:ext cx="1242052" cy="276999"/>
+          </a:xfrm>
+          <a:prstGeom prst="rect">
+            <a:avLst/>
+          </a:prstGeom>
+          <a:noFill/>
+        </p:spPr>
+        <p:txBody>
+          <a:bodyPr wrap="square" rtlCol="0">
+            <a:spAutoFit/>
+          </a:bodyPr>
+          <a:lstStyle/>
+          <a:p>
+            <a:pPr algn="ctr"/>
+            <a:r>
+              <a:rPr kumimoji="1" lang="ko-KR" altLang="en-US" sz="1200" b="1" dirty="0">
+                <a:solidFill>
+                  <a:srgbClr val="5DA2C5"/>
+                </a:solidFill>
+                <a:latin typeface="SHeadG" panose="02030600000101010101" pitchFamily="18" charset="-127"/>
+                <a:ea typeface="SHeadG" panose="02030600000101010101" pitchFamily="18" charset="-127"/>
+              </a:rPr>
+              <a:t>도메인</a:t>
+            </a:r>
+            <a:endParaRPr kumimoji="1" lang="ko-Kore-KR" altLang="en-US" sz="1200" b="1" dirty="0">
+              <a:solidFill>
+                <a:srgbClr val="5DA2C5"/>
+              </a:solidFill>
+              <a:latin typeface="SHeadG" panose="02030600000101010101" pitchFamily="18" charset="-127"/>
+              <a:ea typeface="SHeadG" panose="02030600000101010101" pitchFamily="18" charset="-127"/>
+            </a:endParaRPr>
+          </a:p>
+        </p:txBody>
+      </p:sp>
+      <p:sp>
+        <p:nvSpPr>
+          <p:cNvPr id="92" name="직사각형 91">
+            <a:extLst>
+              <a:ext uri="{FF2B5EF4-FFF2-40B4-BE49-F238E27FC236}">
+                <a16:creationId xmlns:a16="http://schemas.microsoft.com/office/drawing/2014/main" id="{CA81E700-4F80-844E-B70B-69EAFB913D9D}"/>
+              </a:ext>
+            </a:extLst>
+          </p:cNvPr>
+          <p:cNvSpPr/>
+          <p:nvPr/>
+        </p:nvSpPr>
+        <p:spPr>
+          <a:xfrm>
+            <a:off x="4384785" y="347286"/>
+            <a:ext cx="2614495" cy="1230053"/>
+          </a:xfrm>
+          <a:prstGeom prst="rect">
+            <a:avLst/>
+          </a:prstGeom>
+          <a:ln w="25400">
+            <a:solidFill>
+              <a:srgbClr val="5DA2C5"/>
+            </a:solidFill>
+          </a:ln>
+        </p:spPr>
+        <p:style>
+          <a:lnRef idx="1">
+            <a:schemeClr val="accent1"/>
+          </a:lnRef>
+          <a:fillRef idx="0">
+            <a:schemeClr val="accent1"/>
+          </a:fillRef>
+          <a:effectRef idx="0">
+            <a:schemeClr val="accent1"/>
+          </a:effectRef>
+          <a:fontRef idx="minor">
+            <a:schemeClr val="tx1"/>
+          </a:fontRef>
+        </p:style>
+        <p:txBody>
+          <a:bodyPr rtlCol="0" anchor="ctr"/>
+          <a:lstStyle/>
+          <a:p>
+            <a:pPr algn="ctr"/>
+            <a:endParaRPr kumimoji="1" lang="ko-Kore-KR" altLang="en-US"/>
+          </a:p>
+        </p:txBody>
+      </p:sp>
+      <p:grpSp>
+        <p:nvGrpSpPr>
+          <p:cNvPr id="93" name="그룹 92">
+            <a:extLst>
+              <a:ext uri="{FF2B5EF4-FFF2-40B4-BE49-F238E27FC236}">
+                <a16:creationId xmlns:a16="http://schemas.microsoft.com/office/drawing/2014/main" id="{C478C445-D099-2A4E-90B3-C05B6830F856}"/>
+              </a:ext>
+            </a:extLst>
+          </p:cNvPr>
+          <p:cNvGrpSpPr/>
+          <p:nvPr/>
+        </p:nvGrpSpPr>
+        <p:grpSpPr>
+          <a:xfrm>
+            <a:off x="4602498" y="467830"/>
+            <a:ext cx="2179067" cy="468000"/>
+            <a:chOff x="2175218" y="1251857"/>
+            <a:chExt cx="2179067" cy="468000"/>
+          </a:xfrm>
+        </p:grpSpPr>
+        <p:sp>
+          <p:nvSpPr>
+            <p:cNvPr id="96" name="직사각형 95">
+              <a:extLst>
+                <a:ext uri="{FF2B5EF4-FFF2-40B4-BE49-F238E27FC236}">
+                  <a16:creationId xmlns:a16="http://schemas.microsoft.com/office/drawing/2014/main" id="{94B344A3-CD6A-724B-8C16-00C5EF3ED295}"/>
+                </a:ext>
+              </a:extLst>
+            </p:cNvPr>
+            <p:cNvSpPr/>
+            <p:nvPr/>
+          </p:nvSpPr>
+          <p:spPr>
+            <a:xfrm>
+              <a:off x="2175218" y="1251857"/>
+              <a:ext cx="2179067" cy="468000"/>
+            </a:xfrm>
+            <a:prstGeom prst="rect">
+              <a:avLst/>
+            </a:prstGeom>
+            <a:ln w="19050">
+              <a:solidFill>
+                <a:srgbClr val="5DA2C5"/>
+              </a:solidFill>
+            </a:ln>
+          </p:spPr>
+          <p:style>
+            <a:lnRef idx="1">
+              <a:schemeClr val="accent1"/>
+            </a:lnRef>
+            <a:fillRef idx="0">
+              <a:schemeClr val="accent1"/>
+            </a:fillRef>
+            <a:effectRef idx="0">
+              <a:schemeClr val="accent1"/>
+            </a:effectRef>
+            <a:fontRef idx="minor">
+              <a:schemeClr val="tx1"/>
+            </a:fontRef>
+          </p:style>
+          <p:txBody>
+            <a:bodyPr rtlCol="0" anchor="ctr"/>
+            <a:lstStyle/>
+            <a:p>
+              <a:pPr algn="ctr"/>
+              <a:endParaRPr kumimoji="1" lang="ko-Kore-KR" altLang="en-US" dirty="0"/>
+            </a:p>
+          </p:txBody>
+        </p:sp>
+        <p:sp>
+          <p:nvSpPr>
+            <p:cNvPr id="97" name="TextBox 96">
+              <a:extLst>
+                <a:ext uri="{FF2B5EF4-FFF2-40B4-BE49-F238E27FC236}">
+                  <a16:creationId xmlns:a16="http://schemas.microsoft.com/office/drawing/2014/main" id="{D9C05F9B-F782-B644-A9A2-FF78DA7B0416}"/>
+                </a:ext>
+              </a:extLst>
+            </p:cNvPr>
+            <p:cNvSpPr txBox="1"/>
+            <p:nvPr/>
+          </p:nvSpPr>
+          <p:spPr>
+            <a:xfrm>
+              <a:off x="2324416" y="1345621"/>
+              <a:ext cx="1880670" cy="276999"/>
+            </a:xfrm>
+            <a:prstGeom prst="rect">
+              <a:avLst/>
+            </a:prstGeom>
+            <a:noFill/>
+          </p:spPr>
+          <p:txBody>
+            <a:bodyPr wrap="square" rtlCol="0">
+              <a:spAutoFit/>
+            </a:bodyPr>
+            <a:lstStyle/>
+            <a:p>
+              <a:pPr algn="ctr"/>
+              <a:r>
+                <a:rPr kumimoji="1" lang="en-US" altLang="ko-Kore-KR" sz="1200" b="1" dirty="0" err="1">
+                  <a:solidFill>
+                    <a:srgbClr val="5DA2C5"/>
+                  </a:solidFill>
+                  <a:latin typeface="SHeadG" panose="02030600000101010101" pitchFamily="18" charset="-127"/>
+                  <a:ea typeface="SHeadG" panose="02030600000101010101" pitchFamily="18" charset="-127"/>
+                </a:rPr>
+                <a:t>OrdersController</a:t>
+              </a:r>
+              <a:endParaRPr kumimoji="1" lang="ko-Kore-KR" altLang="en-US" sz="1200" b="1" dirty="0">
+                <a:solidFill>
+                  <a:srgbClr val="5DA2C5"/>
+                </a:solidFill>
+                <a:latin typeface="SHeadG" panose="02030600000101010101" pitchFamily="18" charset="-127"/>
+                <a:ea typeface="SHeadG" panose="02030600000101010101" pitchFamily="18" charset="-127"/>
+              </a:endParaRPr>
+            </a:p>
+          </p:txBody>
+        </p:sp>
+      </p:grpSp>
+      <p:sp>
+        <p:nvSpPr>
+          <p:cNvPr id="98" name="TextBox 97">
+            <a:extLst>
+              <a:ext uri="{FF2B5EF4-FFF2-40B4-BE49-F238E27FC236}">
+                <a16:creationId xmlns:a16="http://schemas.microsoft.com/office/drawing/2014/main" id="{4C08417E-975F-D741-BBAA-13B111C1179E}"/>
+              </a:ext>
+            </a:extLst>
+          </p:cNvPr>
+          <p:cNvSpPr txBox="1"/>
+          <p:nvPr/>
+        </p:nvSpPr>
+        <p:spPr>
+          <a:xfrm>
+            <a:off x="4453299" y="1244357"/>
+            <a:ext cx="2455085" cy="246221"/>
+          </a:xfrm>
+          <a:prstGeom prst="rect">
+            <a:avLst/>
+          </a:prstGeom>
+          <a:noFill/>
+        </p:spPr>
+        <p:txBody>
+          <a:bodyPr wrap="square" rtlCol="0">
+            <a:spAutoFit/>
+          </a:bodyPr>
+          <a:lstStyle/>
+          <a:p>
+            <a:pPr algn="ctr"/>
+            <a:r>
+              <a:rPr kumimoji="1" lang="en-US" altLang="ko-Kore-KR" sz="1000" b="1" dirty="0" err="1">
+                <a:solidFill>
+                  <a:srgbClr val="5DA2C5"/>
+                </a:solidFill>
+                <a:latin typeface="SHeadG" panose="02030600000101010101" pitchFamily="18" charset="-127"/>
+                <a:ea typeface="SHeadG" panose="02030600000101010101" pitchFamily="18" charset="-127"/>
+              </a:rPr>
+              <a:t>com.mycompany.myapp.web</a:t>
+            </a:r>
+            <a:endParaRPr kumimoji="1" lang="ko-Kore-KR" altLang="en-US" sz="1000" b="1" dirty="0">
+              <a:solidFill>
+                <a:srgbClr val="5DA2C5"/>
+              </a:solidFill>
+              <a:latin typeface="SHeadG" panose="02030600000101010101" pitchFamily="18" charset="-127"/>
+              <a:ea typeface="SHeadG" panose="02030600000101010101" pitchFamily="18" charset="-127"/>
+            </a:endParaRPr>
+          </a:p>
+        </p:txBody>
+      </p:sp>
+      <p:sp>
+        <p:nvSpPr>
+          <p:cNvPr id="99" name="직사각형 98">
+            <a:extLst>
+              <a:ext uri="{FF2B5EF4-FFF2-40B4-BE49-F238E27FC236}">
+                <a16:creationId xmlns:a16="http://schemas.microsoft.com/office/drawing/2014/main" id="{57BD7E54-C467-C141-9CC2-DBDCC3EA6783}"/>
+              </a:ext>
+            </a:extLst>
+          </p:cNvPr>
+          <p:cNvSpPr/>
+          <p:nvPr/>
+        </p:nvSpPr>
+        <p:spPr>
+          <a:xfrm>
+            <a:off x="4384785" y="101065"/>
+            <a:ext cx="1300589" cy="246221"/>
+          </a:xfrm>
+          <a:prstGeom prst="rect">
+            <a:avLst/>
+          </a:prstGeom>
+          <a:ln w="25400">
+            <a:solidFill>
+              <a:srgbClr val="5DA2C5"/>
+            </a:solidFill>
+          </a:ln>
+        </p:spPr>
+        <p:style>
+          <a:lnRef idx="1">
+            <a:schemeClr val="accent1"/>
+          </a:lnRef>
+          <a:fillRef idx="0">
+            <a:schemeClr val="accent1"/>
+          </a:fillRef>
+          <a:effectRef idx="0">
+            <a:schemeClr val="accent1"/>
+          </a:effectRef>
+          <a:fontRef idx="minor">
+            <a:schemeClr val="tx1"/>
+          </a:fontRef>
+        </p:style>
+        <p:txBody>
+          <a:bodyPr rtlCol="0" anchor="ctr"/>
+          <a:lstStyle/>
+          <a:p>
+            <a:pPr algn="ctr"/>
+            <a:endParaRPr kumimoji="1" lang="ko-Kore-KR" altLang="en-US"/>
+          </a:p>
+        </p:txBody>
+      </p:sp>
+      <p:sp>
+        <p:nvSpPr>
+          <p:cNvPr id="100" name="직사각형 99">
+            <a:extLst>
+              <a:ext uri="{FF2B5EF4-FFF2-40B4-BE49-F238E27FC236}">
+                <a16:creationId xmlns:a16="http://schemas.microsoft.com/office/drawing/2014/main" id="{FD13270D-7295-664F-BF5E-8C69B2BB3C91}"/>
+              </a:ext>
+            </a:extLst>
+          </p:cNvPr>
+          <p:cNvSpPr/>
+          <p:nvPr/>
+        </p:nvSpPr>
+        <p:spPr>
+          <a:xfrm>
+            <a:off x="4384784" y="2324470"/>
+            <a:ext cx="2614495" cy="2693300"/>
+          </a:xfrm>
+          <a:prstGeom prst="rect">
+            <a:avLst/>
+          </a:prstGeom>
+          <a:ln w="25400">
+            <a:solidFill>
+              <a:srgbClr val="5DA2C5"/>
+            </a:solidFill>
+          </a:ln>
+        </p:spPr>
+        <p:style>
+          <a:lnRef idx="1">
+            <a:schemeClr val="accent1"/>
+          </a:lnRef>
+          <a:fillRef idx="0">
+            <a:schemeClr val="accent1"/>
+          </a:fillRef>
+          <a:effectRef idx="0">
+            <a:schemeClr val="accent1"/>
+          </a:effectRef>
+          <a:fontRef idx="minor">
+            <a:schemeClr val="tx1"/>
+          </a:fontRef>
+        </p:style>
+        <p:txBody>
+          <a:bodyPr rtlCol="0" anchor="ctr"/>
+          <a:lstStyle/>
+          <a:p>
+            <a:pPr algn="ctr"/>
+            <a:endParaRPr kumimoji="1" lang="ko-Kore-KR" altLang="en-US"/>
+          </a:p>
+        </p:txBody>
+      </p:sp>
+      <p:sp>
+        <p:nvSpPr>
+          <p:cNvPr id="101" name="TextBox 100">
+            <a:extLst>
+              <a:ext uri="{FF2B5EF4-FFF2-40B4-BE49-F238E27FC236}">
+                <a16:creationId xmlns:a16="http://schemas.microsoft.com/office/drawing/2014/main" id="{23414575-2DF3-7147-BF82-5A00C8F5EFA1}"/>
+              </a:ext>
+            </a:extLst>
+          </p:cNvPr>
+          <p:cNvSpPr txBox="1"/>
+          <p:nvPr/>
+        </p:nvSpPr>
+        <p:spPr>
+          <a:xfrm>
+            <a:off x="4464488" y="4680329"/>
+            <a:ext cx="2455085" cy="246221"/>
+          </a:xfrm>
+          <a:prstGeom prst="rect">
+            <a:avLst/>
+          </a:prstGeom>
+          <a:noFill/>
+        </p:spPr>
+        <p:txBody>
+          <a:bodyPr wrap="square" rtlCol="0">
+            <a:spAutoFit/>
+          </a:bodyPr>
+          <a:lstStyle/>
+          <a:p>
+            <a:pPr algn="ctr"/>
+            <a:r>
+              <a:rPr kumimoji="1" lang="en-US" altLang="ko-Kore-KR" sz="1000" b="1" dirty="0" err="1">
+                <a:solidFill>
+                  <a:srgbClr val="5DA2C5"/>
+                </a:solidFill>
+                <a:latin typeface="SHeadG" panose="02030600000101010101" pitchFamily="18" charset="-127"/>
+                <a:ea typeface="SHeadG" panose="02030600000101010101" pitchFamily="18" charset="-127"/>
+              </a:rPr>
+              <a:t>com.mycompany.myapp.domain</a:t>
+            </a:r>
+            <a:endParaRPr kumimoji="1" lang="ko-Kore-KR" altLang="en-US" sz="1000" b="1" dirty="0">
+              <a:solidFill>
+                <a:srgbClr val="5DA2C5"/>
+              </a:solidFill>
+              <a:latin typeface="SHeadG" panose="02030600000101010101" pitchFamily="18" charset="-127"/>
+              <a:ea typeface="SHeadG" panose="02030600000101010101" pitchFamily="18" charset="-127"/>
+            </a:endParaRPr>
+          </a:p>
+        </p:txBody>
+      </p:sp>
+      <p:sp>
+        <p:nvSpPr>
+          <p:cNvPr id="102" name="직사각형 101">
+            <a:extLst>
+              <a:ext uri="{FF2B5EF4-FFF2-40B4-BE49-F238E27FC236}">
+                <a16:creationId xmlns:a16="http://schemas.microsoft.com/office/drawing/2014/main" id="{BD842966-C0A2-B240-AFAC-2EE6AA80B74E}"/>
+              </a:ext>
+            </a:extLst>
+          </p:cNvPr>
+          <p:cNvSpPr/>
+          <p:nvPr/>
+        </p:nvSpPr>
+        <p:spPr>
+          <a:xfrm>
+            <a:off x="4384784" y="2078250"/>
+            <a:ext cx="1426320" cy="246221"/>
+          </a:xfrm>
+          <a:prstGeom prst="rect">
+            <a:avLst/>
+          </a:prstGeom>
+          <a:ln w="25400">
+            <a:solidFill>
+              <a:srgbClr val="5DA2C5"/>
+            </a:solidFill>
+          </a:ln>
+        </p:spPr>
+        <p:style>
+          <a:lnRef idx="1">
+            <a:schemeClr val="accent1"/>
+          </a:lnRef>
+          <a:fillRef idx="0">
+            <a:schemeClr val="accent1"/>
+          </a:fillRef>
+          <a:effectRef idx="0">
+            <a:schemeClr val="accent1"/>
+          </a:effectRef>
+          <a:fontRef idx="minor">
+            <a:schemeClr val="tx1"/>
+          </a:fontRef>
+        </p:style>
+        <p:txBody>
+          <a:bodyPr rtlCol="0" anchor="ctr"/>
+          <a:lstStyle/>
+          <a:p>
+            <a:pPr algn="ctr"/>
+            <a:endParaRPr kumimoji="1" lang="ko-Kore-KR" altLang="en-US"/>
+          </a:p>
+        </p:txBody>
+      </p:sp>
+      <p:grpSp>
+        <p:nvGrpSpPr>
+          <p:cNvPr id="103" name="그룹 102">
+            <a:extLst>
+              <a:ext uri="{FF2B5EF4-FFF2-40B4-BE49-F238E27FC236}">
+                <a16:creationId xmlns:a16="http://schemas.microsoft.com/office/drawing/2014/main" id="{FAD3EA5A-33EF-4F4C-A254-025A54B974ED}"/>
+              </a:ext>
+            </a:extLst>
+          </p:cNvPr>
+          <p:cNvGrpSpPr/>
+          <p:nvPr/>
+        </p:nvGrpSpPr>
+        <p:grpSpPr>
+          <a:xfrm>
+            <a:off x="4591305" y="2504387"/>
+            <a:ext cx="2179067" cy="468000"/>
+            <a:chOff x="4453054" y="3151014"/>
+            <a:chExt cx="2179067" cy="468000"/>
+          </a:xfrm>
+        </p:grpSpPr>
+        <p:sp>
+          <p:nvSpPr>
+            <p:cNvPr id="104" name="직사각형 103">
+              <a:extLst>
+                <a:ext uri="{FF2B5EF4-FFF2-40B4-BE49-F238E27FC236}">
+                  <a16:creationId xmlns:a16="http://schemas.microsoft.com/office/drawing/2014/main" id="{E577FFB9-C6EA-CE42-AF21-9BD08ABE07EA}"/>
+                </a:ext>
+              </a:extLst>
+            </p:cNvPr>
+            <p:cNvSpPr/>
+            <p:nvPr/>
+          </p:nvSpPr>
+          <p:spPr>
+            <a:xfrm>
+              <a:off x="4453054" y="3151014"/>
+              <a:ext cx="2179067" cy="468000"/>
+            </a:xfrm>
+            <a:prstGeom prst="rect">
+              <a:avLst/>
+            </a:prstGeom>
+            <a:ln w="19050">
+              <a:solidFill>
+                <a:srgbClr val="5DA2C5"/>
+              </a:solidFill>
+            </a:ln>
+          </p:spPr>
+          <p:style>
+            <a:lnRef idx="1">
+              <a:schemeClr val="accent1"/>
+            </a:lnRef>
+            <a:fillRef idx="0">
+              <a:schemeClr val="accent1"/>
+            </a:fillRef>
+            <a:effectRef idx="0">
+              <a:schemeClr val="accent1"/>
+            </a:effectRef>
+            <a:fontRef idx="minor">
+              <a:schemeClr val="tx1"/>
+            </a:fontRef>
+          </p:style>
+          <p:txBody>
+            <a:bodyPr rtlCol="0" anchor="ctr"/>
+            <a:lstStyle/>
+            <a:p>
+              <a:pPr algn="ctr"/>
+              <a:endParaRPr kumimoji="1" lang="ko-Kore-KR" altLang="en-US" dirty="0"/>
+            </a:p>
+          </p:txBody>
+        </p:sp>
+        <p:sp>
+          <p:nvSpPr>
+            <p:cNvPr id="105" name="TextBox 104">
+              <a:extLst>
+                <a:ext uri="{FF2B5EF4-FFF2-40B4-BE49-F238E27FC236}">
+                  <a16:creationId xmlns:a16="http://schemas.microsoft.com/office/drawing/2014/main" id="{6E7BC20E-A42E-5A42-A599-8E142DAB9900}"/>
+                </a:ext>
+              </a:extLst>
+            </p:cNvPr>
+            <p:cNvSpPr txBox="1"/>
+            <p:nvPr/>
+          </p:nvSpPr>
+          <p:spPr>
+            <a:xfrm>
+              <a:off x="4602252" y="3169676"/>
+              <a:ext cx="1880670" cy="438582"/>
+            </a:xfrm>
+            <a:prstGeom prst="rect">
+              <a:avLst/>
+            </a:prstGeom>
+            <a:noFill/>
+          </p:spPr>
+          <p:txBody>
+            <a:bodyPr wrap="square" rtlCol="0">
+              <a:spAutoFit/>
+            </a:bodyPr>
+            <a:lstStyle/>
+            <a:p>
+              <a:pPr algn="ctr"/>
+              <a:r>
+                <a:rPr kumimoji="1" lang="en-US" altLang="ko-Kore-KR" sz="1000" b="1" dirty="0">
+                  <a:solidFill>
+                    <a:srgbClr val="5DA2C5"/>
+                  </a:solidFill>
+                  <a:latin typeface="SHeadG" panose="02030600000101010101" pitchFamily="18" charset="-127"/>
+                  <a:ea typeface="SHeadG" panose="02030600000101010101" pitchFamily="18" charset="-127"/>
+                </a:rPr>
+                <a:t>&lt;&lt;interface&gt;&gt;</a:t>
+              </a:r>
+            </a:p>
+            <a:p>
+              <a:pPr algn="ctr"/>
+              <a:r>
+                <a:rPr kumimoji="1" lang="en-US" altLang="ko-Kore-KR" sz="1200" b="1" dirty="0" err="1">
+                  <a:solidFill>
+                    <a:srgbClr val="5DA2C5"/>
+                  </a:solidFill>
+                  <a:latin typeface="SHeadG" panose="02030600000101010101" pitchFamily="18" charset="-127"/>
+                  <a:ea typeface="SHeadG" panose="02030600000101010101" pitchFamily="18" charset="-127"/>
+                </a:rPr>
+                <a:t>OrdersService</a:t>
+              </a:r>
+              <a:endParaRPr kumimoji="1" lang="ko-Kore-KR" altLang="en-US" sz="1200" b="1" dirty="0">
+                <a:solidFill>
+                  <a:srgbClr val="5DA2C5"/>
+                </a:solidFill>
+                <a:latin typeface="SHeadG" panose="02030600000101010101" pitchFamily="18" charset="-127"/>
+                <a:ea typeface="SHeadG" panose="02030600000101010101" pitchFamily="18" charset="-127"/>
+              </a:endParaRPr>
+            </a:p>
+          </p:txBody>
+        </p:sp>
+      </p:grpSp>
+      <p:grpSp>
+        <p:nvGrpSpPr>
+          <p:cNvPr id="106" name="그룹 105">
+            <a:extLst>
+              <a:ext uri="{FF2B5EF4-FFF2-40B4-BE49-F238E27FC236}">
+                <a16:creationId xmlns:a16="http://schemas.microsoft.com/office/drawing/2014/main" id="{740CBE11-D7B2-F24C-AD8A-BE5A69CD9525}"/>
+              </a:ext>
+            </a:extLst>
+          </p:cNvPr>
+          <p:cNvGrpSpPr/>
+          <p:nvPr/>
+        </p:nvGrpSpPr>
+        <p:grpSpPr>
+          <a:xfrm>
+            <a:off x="4591304" y="3242595"/>
+            <a:ext cx="2179067" cy="468000"/>
+            <a:chOff x="2175218" y="1251857"/>
+            <a:chExt cx="2179067" cy="468000"/>
+          </a:xfrm>
+        </p:grpSpPr>
+        <p:sp>
+          <p:nvSpPr>
+            <p:cNvPr id="107" name="직사각형 106">
+              <a:extLst>
+                <a:ext uri="{FF2B5EF4-FFF2-40B4-BE49-F238E27FC236}">
+                  <a16:creationId xmlns:a16="http://schemas.microsoft.com/office/drawing/2014/main" id="{7AAEFCD0-33FC-F647-ADCB-D018BC6E8D0F}"/>
+                </a:ext>
+              </a:extLst>
+            </p:cNvPr>
+            <p:cNvSpPr/>
+            <p:nvPr/>
+          </p:nvSpPr>
+          <p:spPr>
+            <a:xfrm>
+              <a:off x="2175218" y="1251857"/>
+              <a:ext cx="2179067" cy="468000"/>
+            </a:xfrm>
+            <a:prstGeom prst="rect">
+              <a:avLst/>
+            </a:prstGeom>
+            <a:ln w="19050">
+              <a:solidFill>
+                <a:srgbClr val="5DA2C5"/>
+              </a:solidFill>
+            </a:ln>
+          </p:spPr>
+          <p:style>
+            <a:lnRef idx="1">
+              <a:schemeClr val="accent1"/>
+            </a:lnRef>
+            <a:fillRef idx="0">
+              <a:schemeClr val="accent1"/>
+            </a:fillRef>
+            <a:effectRef idx="0">
+              <a:schemeClr val="accent1"/>
+            </a:effectRef>
+            <a:fontRef idx="minor">
+              <a:schemeClr val="tx1"/>
+            </a:fontRef>
+          </p:style>
+          <p:txBody>
+            <a:bodyPr rtlCol="0" anchor="ctr"/>
+            <a:lstStyle/>
+            <a:p>
+              <a:pPr algn="ctr"/>
+              <a:endParaRPr kumimoji="1" lang="ko-Kore-KR" altLang="en-US" dirty="0"/>
+            </a:p>
+          </p:txBody>
+        </p:sp>
+        <p:sp>
+          <p:nvSpPr>
+            <p:cNvPr id="108" name="TextBox 107">
+              <a:extLst>
+                <a:ext uri="{FF2B5EF4-FFF2-40B4-BE49-F238E27FC236}">
+                  <a16:creationId xmlns:a16="http://schemas.microsoft.com/office/drawing/2014/main" id="{5B1F961D-308C-0F4E-9FE6-5F25347ACE6A}"/>
+                </a:ext>
+              </a:extLst>
+            </p:cNvPr>
+            <p:cNvSpPr txBox="1"/>
+            <p:nvPr/>
+          </p:nvSpPr>
+          <p:spPr>
+            <a:xfrm>
+              <a:off x="2324416" y="1345621"/>
+              <a:ext cx="1880670" cy="276999"/>
+            </a:xfrm>
+            <a:prstGeom prst="rect">
+              <a:avLst/>
+            </a:prstGeom>
+            <a:noFill/>
+          </p:spPr>
+          <p:txBody>
+            <a:bodyPr wrap="square" rtlCol="0">
+              <a:spAutoFit/>
+            </a:bodyPr>
+            <a:lstStyle/>
+            <a:p>
+              <a:pPr algn="ctr"/>
+              <a:r>
+                <a:rPr kumimoji="1" lang="en-US" altLang="ko-Kore-KR" sz="1200" b="1" dirty="0" err="1">
+                  <a:solidFill>
+                    <a:srgbClr val="5DA2C5"/>
+                  </a:solidFill>
+                  <a:latin typeface="SHeadG" panose="02030600000101010101" pitchFamily="18" charset="-127"/>
+                  <a:ea typeface="SHeadG" panose="02030600000101010101" pitchFamily="18" charset="-127"/>
+                </a:rPr>
+                <a:t>OrdersServiceImpl</a:t>
+              </a:r>
+              <a:endParaRPr kumimoji="1" lang="ko-Kore-KR" altLang="en-US" sz="1200" b="1" dirty="0">
+                <a:solidFill>
+                  <a:srgbClr val="5DA2C5"/>
+                </a:solidFill>
+                <a:latin typeface="SHeadG" panose="02030600000101010101" pitchFamily="18" charset="-127"/>
+                <a:ea typeface="SHeadG" panose="02030600000101010101" pitchFamily="18" charset="-127"/>
+              </a:endParaRPr>
+            </a:p>
+          </p:txBody>
+        </p:sp>
+      </p:grpSp>
+      <p:sp>
+        <p:nvSpPr>
+          <p:cNvPr id="109" name="직사각형 108">
+            <a:extLst>
+              <a:ext uri="{FF2B5EF4-FFF2-40B4-BE49-F238E27FC236}">
+                <a16:creationId xmlns:a16="http://schemas.microsoft.com/office/drawing/2014/main" id="{3B566DB4-68E3-1D4B-8D55-CAF779006DF8}"/>
+              </a:ext>
+            </a:extLst>
+          </p:cNvPr>
+          <p:cNvSpPr/>
+          <p:nvPr/>
+        </p:nvSpPr>
+        <p:spPr>
+          <a:xfrm>
+            <a:off x="4384784" y="5613643"/>
+            <a:ext cx="2614495" cy="1074128"/>
+          </a:xfrm>
+          <a:prstGeom prst="rect">
+            <a:avLst/>
+          </a:prstGeom>
+          <a:ln w="25400">
+            <a:solidFill>
+              <a:srgbClr val="5DA2C5"/>
+            </a:solidFill>
+          </a:ln>
+        </p:spPr>
+        <p:style>
+          <a:lnRef idx="1">
+            <a:schemeClr val="accent1"/>
+          </a:lnRef>
+          <a:fillRef idx="0">
+            <a:schemeClr val="accent1"/>
+          </a:fillRef>
+          <a:effectRef idx="0">
+            <a:schemeClr val="accent1"/>
+          </a:effectRef>
+          <a:fontRef idx="minor">
+            <a:schemeClr val="tx1"/>
+          </a:fontRef>
+        </p:style>
+        <p:txBody>
+          <a:bodyPr rtlCol="0" anchor="ctr"/>
+          <a:lstStyle/>
+          <a:p>
+            <a:pPr algn="ctr"/>
+            <a:endParaRPr kumimoji="1" lang="ko-Kore-KR" altLang="en-US"/>
+          </a:p>
+        </p:txBody>
+      </p:sp>
+      <p:sp>
+        <p:nvSpPr>
+          <p:cNvPr id="110" name="TextBox 109">
+            <a:extLst>
+              <a:ext uri="{FF2B5EF4-FFF2-40B4-BE49-F238E27FC236}">
+                <a16:creationId xmlns:a16="http://schemas.microsoft.com/office/drawing/2014/main" id="{B50C0A97-C2E0-944F-8228-762647A20EBB}"/>
+              </a:ext>
+            </a:extLst>
+          </p:cNvPr>
+          <p:cNvSpPr txBox="1"/>
+          <p:nvPr/>
+        </p:nvSpPr>
+        <p:spPr>
+          <a:xfrm>
+            <a:off x="4453297" y="6308730"/>
+            <a:ext cx="2455085" cy="246221"/>
+          </a:xfrm>
+          <a:prstGeom prst="rect">
+            <a:avLst/>
+          </a:prstGeom>
+          <a:noFill/>
+        </p:spPr>
+        <p:txBody>
+          <a:bodyPr wrap="square" rtlCol="0">
+            <a:spAutoFit/>
+          </a:bodyPr>
+          <a:lstStyle/>
+          <a:p>
+            <a:pPr algn="ctr"/>
+            <a:r>
+              <a:rPr kumimoji="1" lang="en-US" altLang="ko-Kore-KR" sz="1000" b="1" dirty="0" err="1">
+                <a:solidFill>
+                  <a:srgbClr val="5DA2C5"/>
+                </a:solidFill>
+                <a:latin typeface="SHeadG" panose="02030600000101010101" pitchFamily="18" charset="-127"/>
+                <a:ea typeface="SHeadG" panose="02030600000101010101" pitchFamily="18" charset="-127"/>
+              </a:rPr>
+              <a:t>com.mycompany.myapp.data</a:t>
+            </a:r>
+            <a:endParaRPr kumimoji="1" lang="ko-Kore-KR" altLang="en-US" sz="1000" b="1" dirty="0">
+              <a:solidFill>
+                <a:srgbClr val="5DA2C5"/>
+              </a:solidFill>
+              <a:latin typeface="SHeadG" panose="02030600000101010101" pitchFamily="18" charset="-127"/>
+              <a:ea typeface="SHeadG" panose="02030600000101010101" pitchFamily="18" charset="-127"/>
+            </a:endParaRPr>
+          </a:p>
+        </p:txBody>
+      </p:sp>
+      <p:sp>
+        <p:nvSpPr>
+          <p:cNvPr id="111" name="직사각형 110">
+            <a:extLst>
+              <a:ext uri="{FF2B5EF4-FFF2-40B4-BE49-F238E27FC236}">
+                <a16:creationId xmlns:a16="http://schemas.microsoft.com/office/drawing/2014/main" id="{3530EBB6-AA08-B74C-A6EA-C5C67CC0C047}"/>
+              </a:ext>
+            </a:extLst>
+          </p:cNvPr>
+          <p:cNvSpPr/>
+          <p:nvPr/>
+        </p:nvSpPr>
+        <p:spPr>
+          <a:xfrm>
+            <a:off x="4384784" y="5361451"/>
+            <a:ext cx="1426320" cy="250968"/>
+          </a:xfrm>
+          <a:prstGeom prst="rect">
+            <a:avLst/>
+          </a:prstGeom>
+          <a:ln w="25400">
+            <a:solidFill>
+              <a:srgbClr val="5DA2C5"/>
+            </a:solidFill>
+          </a:ln>
+        </p:spPr>
+        <p:style>
+          <a:lnRef idx="1">
+            <a:schemeClr val="accent1"/>
+          </a:lnRef>
+          <a:fillRef idx="0">
+            <a:schemeClr val="accent1"/>
+          </a:fillRef>
+          <a:effectRef idx="0">
+            <a:schemeClr val="accent1"/>
+          </a:effectRef>
+          <a:fontRef idx="minor">
+            <a:schemeClr val="tx1"/>
+          </a:fontRef>
+        </p:style>
+        <p:txBody>
+          <a:bodyPr rtlCol="0" anchor="ctr"/>
+          <a:lstStyle/>
+          <a:p>
+            <a:pPr algn="ctr"/>
+            <a:endParaRPr kumimoji="1" lang="ko-Kore-KR" altLang="en-US"/>
+          </a:p>
+        </p:txBody>
+      </p:sp>
+      <p:grpSp>
+        <p:nvGrpSpPr>
+          <p:cNvPr id="112" name="그룹 111">
+            <a:extLst>
+              <a:ext uri="{FF2B5EF4-FFF2-40B4-BE49-F238E27FC236}">
+                <a16:creationId xmlns:a16="http://schemas.microsoft.com/office/drawing/2014/main" id="{61043B69-6110-1C4F-ACD4-0962055C9950}"/>
+              </a:ext>
+            </a:extLst>
+          </p:cNvPr>
+          <p:cNvGrpSpPr/>
+          <p:nvPr/>
+        </p:nvGrpSpPr>
+        <p:grpSpPr>
+          <a:xfrm>
+            <a:off x="4602498" y="4047594"/>
+            <a:ext cx="2179067" cy="468000"/>
+            <a:chOff x="4453054" y="3151014"/>
+            <a:chExt cx="2179067" cy="468000"/>
+          </a:xfrm>
+        </p:grpSpPr>
+        <p:sp>
+          <p:nvSpPr>
+            <p:cNvPr id="113" name="직사각형 112">
+              <a:extLst>
+                <a:ext uri="{FF2B5EF4-FFF2-40B4-BE49-F238E27FC236}">
+                  <a16:creationId xmlns:a16="http://schemas.microsoft.com/office/drawing/2014/main" id="{075214A7-71B0-AD41-801D-B968FD4573F5}"/>
+                </a:ext>
+              </a:extLst>
+            </p:cNvPr>
+            <p:cNvSpPr/>
+            <p:nvPr/>
+          </p:nvSpPr>
+          <p:spPr>
+            <a:xfrm>
+              <a:off x="4453054" y="3151014"/>
+              <a:ext cx="2179067" cy="468000"/>
+            </a:xfrm>
+            <a:prstGeom prst="rect">
+              <a:avLst/>
+            </a:prstGeom>
+            <a:ln w="19050">
+              <a:solidFill>
+                <a:srgbClr val="5DA2C5"/>
+              </a:solidFill>
+            </a:ln>
+          </p:spPr>
+          <p:style>
+            <a:lnRef idx="1">
+              <a:schemeClr val="accent1"/>
+            </a:lnRef>
+            <a:fillRef idx="0">
+              <a:schemeClr val="accent1"/>
+            </a:fillRef>
+            <a:effectRef idx="0">
+              <a:schemeClr val="accent1"/>
+            </a:effectRef>
+            <a:fontRef idx="minor">
+              <a:schemeClr val="tx1"/>
+            </a:fontRef>
+          </p:style>
+          <p:txBody>
+            <a:bodyPr rtlCol="0" anchor="ctr"/>
+            <a:lstStyle/>
+            <a:p>
+              <a:pPr algn="ctr"/>
+              <a:endParaRPr kumimoji="1" lang="ko-Kore-KR" altLang="en-US" dirty="0"/>
+            </a:p>
+          </p:txBody>
+        </p:sp>
+        <p:sp>
+          <p:nvSpPr>
+            <p:cNvPr id="114" name="TextBox 113">
+              <a:extLst>
+                <a:ext uri="{FF2B5EF4-FFF2-40B4-BE49-F238E27FC236}">
+                  <a16:creationId xmlns:a16="http://schemas.microsoft.com/office/drawing/2014/main" id="{C2AC49A1-DB10-1E4E-87E8-45A8BDDC9059}"/>
+                </a:ext>
+              </a:extLst>
+            </p:cNvPr>
+            <p:cNvSpPr txBox="1"/>
+            <p:nvPr/>
+          </p:nvSpPr>
+          <p:spPr>
+            <a:xfrm>
+              <a:off x="4602252" y="3169676"/>
+              <a:ext cx="1880670" cy="438582"/>
+            </a:xfrm>
+            <a:prstGeom prst="rect">
+              <a:avLst/>
+            </a:prstGeom>
+            <a:noFill/>
+          </p:spPr>
+          <p:txBody>
+            <a:bodyPr wrap="square" rtlCol="0">
+              <a:spAutoFit/>
+            </a:bodyPr>
+            <a:lstStyle/>
+            <a:p>
+              <a:pPr algn="ctr"/>
+              <a:r>
+                <a:rPr kumimoji="1" lang="en-US" altLang="ko-Kore-KR" sz="1000" b="1" dirty="0">
+                  <a:solidFill>
+                    <a:srgbClr val="5DA2C5"/>
+                  </a:solidFill>
+                  <a:latin typeface="SHeadG" panose="02030600000101010101" pitchFamily="18" charset="-127"/>
+                  <a:ea typeface="SHeadG" panose="02030600000101010101" pitchFamily="18" charset="-127"/>
+                </a:rPr>
+                <a:t>&lt;&lt;interface&gt;&gt;</a:t>
+              </a:r>
+            </a:p>
+            <a:p>
+              <a:pPr algn="ctr"/>
+              <a:r>
+                <a:rPr kumimoji="1" lang="en-US" altLang="ko-Kore-KR" sz="1200" b="1" dirty="0">
+                  <a:solidFill>
+                    <a:srgbClr val="5DA2C5"/>
+                  </a:solidFill>
+                  <a:latin typeface="SHeadG" panose="02030600000101010101" pitchFamily="18" charset="-127"/>
+                  <a:ea typeface="SHeadG" panose="02030600000101010101" pitchFamily="18" charset="-127"/>
+                </a:rPr>
+                <a:t>Orders</a:t>
+              </a:r>
+              <a:endParaRPr kumimoji="1" lang="ko-Kore-KR" altLang="en-US" sz="1200" b="1" dirty="0">
+                <a:solidFill>
+                  <a:srgbClr val="5DA2C5"/>
+                </a:solidFill>
+                <a:latin typeface="SHeadG" panose="02030600000101010101" pitchFamily="18" charset="-127"/>
+                <a:ea typeface="SHeadG" panose="02030600000101010101" pitchFamily="18" charset="-127"/>
+              </a:endParaRPr>
+            </a:p>
+          </p:txBody>
+        </p:sp>
+      </p:grpSp>
+      <p:grpSp>
+        <p:nvGrpSpPr>
+          <p:cNvPr id="115" name="그룹 114">
+            <a:extLst>
+              <a:ext uri="{FF2B5EF4-FFF2-40B4-BE49-F238E27FC236}">
+                <a16:creationId xmlns:a16="http://schemas.microsoft.com/office/drawing/2014/main" id="{3A24AE13-5280-6040-BE92-619AB3219B5F}"/>
+              </a:ext>
+            </a:extLst>
+          </p:cNvPr>
+          <p:cNvGrpSpPr/>
+          <p:nvPr/>
+        </p:nvGrpSpPr>
+        <p:grpSpPr>
+          <a:xfrm>
+            <a:off x="4591304" y="5797811"/>
+            <a:ext cx="2179067" cy="468000"/>
+            <a:chOff x="2175218" y="1251857"/>
+            <a:chExt cx="2179067" cy="468000"/>
+          </a:xfrm>
+        </p:grpSpPr>
+        <p:sp>
+          <p:nvSpPr>
+            <p:cNvPr id="116" name="직사각형 115">
+              <a:extLst>
+                <a:ext uri="{FF2B5EF4-FFF2-40B4-BE49-F238E27FC236}">
+                  <a16:creationId xmlns:a16="http://schemas.microsoft.com/office/drawing/2014/main" id="{418CB1F2-DE84-E346-B0DC-AE9E4C9F3C99}"/>
+                </a:ext>
+              </a:extLst>
+            </p:cNvPr>
+            <p:cNvSpPr/>
+            <p:nvPr/>
+          </p:nvSpPr>
+          <p:spPr>
+            <a:xfrm>
+              <a:off x="2175218" y="1251857"/>
+              <a:ext cx="2179067" cy="468000"/>
+            </a:xfrm>
+            <a:prstGeom prst="rect">
+              <a:avLst/>
+            </a:prstGeom>
+            <a:ln w="19050">
+              <a:solidFill>
+                <a:srgbClr val="5DA2C5"/>
+              </a:solidFill>
+            </a:ln>
+          </p:spPr>
+          <p:style>
+            <a:lnRef idx="1">
+              <a:schemeClr val="accent1"/>
+            </a:lnRef>
+            <a:fillRef idx="0">
+              <a:schemeClr val="accent1"/>
+            </a:fillRef>
+            <a:effectRef idx="0">
+              <a:schemeClr val="accent1"/>
+            </a:effectRef>
+            <a:fontRef idx="minor">
+              <a:schemeClr val="tx1"/>
+            </a:fontRef>
+          </p:style>
+          <p:txBody>
+            <a:bodyPr rtlCol="0" anchor="ctr"/>
+            <a:lstStyle/>
+            <a:p>
+              <a:pPr algn="ctr"/>
+              <a:endParaRPr kumimoji="1" lang="ko-Kore-KR" altLang="en-US" dirty="0"/>
+            </a:p>
+          </p:txBody>
+        </p:sp>
+        <p:sp>
+          <p:nvSpPr>
+            <p:cNvPr id="117" name="TextBox 116">
+              <a:extLst>
+                <a:ext uri="{FF2B5EF4-FFF2-40B4-BE49-F238E27FC236}">
+                  <a16:creationId xmlns:a16="http://schemas.microsoft.com/office/drawing/2014/main" id="{D640A173-D321-4B4C-A003-ADEF15EB6FEB}"/>
+                </a:ext>
+              </a:extLst>
+            </p:cNvPr>
+            <p:cNvSpPr txBox="1"/>
+            <p:nvPr/>
+          </p:nvSpPr>
+          <p:spPr>
+            <a:xfrm>
+              <a:off x="2324416" y="1345621"/>
+              <a:ext cx="1880670" cy="276999"/>
+            </a:xfrm>
+            <a:prstGeom prst="rect">
+              <a:avLst/>
+            </a:prstGeom>
+            <a:noFill/>
+          </p:spPr>
+          <p:txBody>
+            <a:bodyPr wrap="square" rtlCol="0">
+              <a:spAutoFit/>
+            </a:bodyPr>
+            <a:lstStyle/>
+            <a:p>
+              <a:pPr algn="ctr"/>
+              <a:r>
+                <a:rPr kumimoji="1" lang="en-US" altLang="ko-Kore-KR" sz="1200" b="1" dirty="0" err="1">
+                  <a:solidFill>
+                    <a:srgbClr val="5DA2C5"/>
+                  </a:solidFill>
+                  <a:latin typeface="SHeadG" panose="02030600000101010101" pitchFamily="18" charset="-127"/>
+                  <a:ea typeface="SHeadG" panose="02030600000101010101" pitchFamily="18" charset="-127"/>
+                </a:rPr>
+                <a:t>JdbcOrdersRepository</a:t>
+              </a:r>
+              <a:endParaRPr kumimoji="1" lang="ko-Kore-KR" altLang="en-US" sz="1200" b="1" dirty="0">
+                <a:solidFill>
+                  <a:srgbClr val="5DA2C5"/>
+                </a:solidFill>
+                <a:latin typeface="SHeadG" panose="02030600000101010101" pitchFamily="18" charset="-127"/>
+                <a:ea typeface="SHeadG" panose="02030600000101010101" pitchFamily="18" charset="-127"/>
+              </a:endParaRPr>
+            </a:p>
+          </p:txBody>
+        </p:sp>
+      </p:grpSp>
+      <p:cxnSp>
+        <p:nvCxnSpPr>
+          <p:cNvPr id="118" name="직선 화살표 연결선 117">
+            <a:extLst>
+              <a:ext uri="{FF2B5EF4-FFF2-40B4-BE49-F238E27FC236}">
+                <a16:creationId xmlns:a16="http://schemas.microsoft.com/office/drawing/2014/main" id="{C59BDDCF-036A-E949-A489-A2F1F3A2DA51}"/>
+              </a:ext>
+            </a:extLst>
+          </p:cNvPr>
+          <p:cNvCxnSpPr>
+            <a:cxnSpLocks/>
+            <a:stCxn id="96" idx="2"/>
+            <a:endCxn id="105" idx="0"/>
+          </p:cNvCxnSpPr>
+          <p:nvPr/>
+        </p:nvCxnSpPr>
+        <p:spPr>
+          <a:xfrm flipH="1">
+            <a:off x="5680838" y="935830"/>
+            <a:ext cx="11194" cy="1587219"/>
+          </a:xfrm>
+          <a:prstGeom prst="straightConnector1">
+            <a:avLst/>
+          </a:prstGeom>
+          <a:ln w="19050">
+            <a:solidFill>
+              <a:srgbClr val="5DA2C5"/>
+            </a:solidFill>
+            <a:prstDash val="dash"/>
+            <a:tailEnd type="stealth" w="lg" len="lg"/>
+          </a:ln>
+        </p:spPr>
+        <p:style>
+          <a:lnRef idx="1">
+            <a:schemeClr val="accent1"/>
+          </a:lnRef>
+          <a:fillRef idx="0">
+            <a:schemeClr val="accent1"/>
+          </a:fillRef>
+          <a:effectRef idx="0">
+            <a:schemeClr val="accent1"/>
+          </a:effectRef>
+          <a:fontRef idx="minor">
+            <a:schemeClr val="tx1"/>
+          </a:fontRef>
+        </p:style>
+      </p:cxnSp>
+      <p:sp>
+        <p:nvSpPr>
+          <p:cNvPr id="119" name="직사각형 118">
+            <a:extLst>
+              <a:ext uri="{FF2B5EF4-FFF2-40B4-BE49-F238E27FC236}">
+                <a16:creationId xmlns:a16="http://schemas.microsoft.com/office/drawing/2014/main" id="{5FCFFDA9-1E7B-2D42-BC87-51EDE216DBA7}"/>
+              </a:ext>
+            </a:extLst>
+          </p:cNvPr>
+          <p:cNvSpPr/>
+          <p:nvPr/>
+        </p:nvSpPr>
+        <p:spPr>
+          <a:xfrm>
+            <a:off x="5008858" y="1607732"/>
+            <a:ext cx="671979" cy="246221"/>
+          </a:xfrm>
+          <a:prstGeom prst="rect">
+            <a:avLst/>
+          </a:prstGeom>
+        </p:spPr>
+        <p:txBody>
+          <a:bodyPr wrap="none">
+            <a:spAutoFit/>
+          </a:bodyPr>
+          <a:lstStyle/>
+          <a:p>
+            <a:r>
+              <a:rPr kumimoji="1" lang="en-US" altLang="ko-Kore-KR" sz="1000" dirty="0">
+                <a:solidFill>
+                  <a:srgbClr val="5DA2C5"/>
+                </a:solidFill>
+                <a:latin typeface="SHeadG" panose="02030600000101010101" pitchFamily="18" charset="-127"/>
+                <a:ea typeface="SHeadG" panose="02030600000101010101" pitchFamily="18" charset="-127"/>
+              </a:rPr>
+              <a:t>&lt;&lt;uses&gt;&gt;</a:t>
+            </a:r>
+            <a:endParaRPr lang="ko-Kore-KR" altLang="en-US" sz="1000" dirty="0"/>
+          </a:p>
+        </p:txBody>
+      </p:sp>
+      <p:sp>
+        <p:nvSpPr>
+          <p:cNvPr id="120" name="직사각형 119">
+            <a:extLst>
+              <a:ext uri="{FF2B5EF4-FFF2-40B4-BE49-F238E27FC236}">
+                <a16:creationId xmlns:a16="http://schemas.microsoft.com/office/drawing/2014/main" id="{35F51CA1-C9C3-D54F-A905-07C75FEE1C6A}"/>
+              </a:ext>
+            </a:extLst>
+          </p:cNvPr>
+          <p:cNvSpPr/>
+          <p:nvPr/>
+        </p:nvSpPr>
+        <p:spPr>
+          <a:xfrm>
+            <a:off x="5705890" y="3719518"/>
+            <a:ext cx="671979" cy="246221"/>
+          </a:xfrm>
+          <a:prstGeom prst="rect">
+            <a:avLst/>
+          </a:prstGeom>
+        </p:spPr>
+        <p:txBody>
+          <a:bodyPr wrap="none">
+            <a:spAutoFit/>
+          </a:bodyPr>
+          <a:lstStyle/>
+          <a:p>
+            <a:r>
+              <a:rPr kumimoji="1" lang="en-US" altLang="ko-Kore-KR" sz="1000" dirty="0">
+                <a:solidFill>
+                  <a:srgbClr val="5DA2C5"/>
+                </a:solidFill>
+                <a:latin typeface="SHeadG" panose="02030600000101010101" pitchFamily="18" charset="-127"/>
+                <a:ea typeface="SHeadG" panose="02030600000101010101" pitchFamily="18" charset="-127"/>
+              </a:rPr>
+              <a:t>&lt;&lt;uses&gt;&gt;</a:t>
+            </a:r>
+            <a:endParaRPr lang="ko-Kore-KR" altLang="en-US" sz="1000" dirty="0"/>
+          </a:p>
+        </p:txBody>
+      </p:sp>
+      <p:cxnSp>
+        <p:nvCxnSpPr>
+          <p:cNvPr id="121" name="직선 화살표 연결선 120">
+            <a:extLst>
+              <a:ext uri="{FF2B5EF4-FFF2-40B4-BE49-F238E27FC236}">
+                <a16:creationId xmlns:a16="http://schemas.microsoft.com/office/drawing/2014/main" id="{E7042D14-5CDD-E24E-B615-28E6472FB646}"/>
+              </a:ext>
+            </a:extLst>
+          </p:cNvPr>
+          <p:cNvCxnSpPr>
+            <a:cxnSpLocks/>
+            <a:stCxn id="107" idx="2"/>
+            <a:endCxn id="114" idx="0"/>
+          </p:cNvCxnSpPr>
+          <p:nvPr/>
+        </p:nvCxnSpPr>
+        <p:spPr>
+          <a:xfrm>
+            <a:off x="5680838" y="3710595"/>
+            <a:ext cx="11193" cy="355661"/>
+          </a:xfrm>
+          <a:prstGeom prst="straightConnector1">
+            <a:avLst/>
+          </a:prstGeom>
+          <a:ln w="19050">
+            <a:solidFill>
+              <a:srgbClr val="5DA2C5"/>
+            </a:solidFill>
+            <a:prstDash val="dash"/>
+            <a:tailEnd type="stealth" w="lg" len="lg"/>
+          </a:ln>
+        </p:spPr>
+        <p:style>
+          <a:lnRef idx="1">
+            <a:schemeClr val="accent1"/>
+          </a:lnRef>
+          <a:fillRef idx="0">
+            <a:schemeClr val="accent1"/>
+          </a:fillRef>
+          <a:effectRef idx="0">
+            <a:schemeClr val="accent1"/>
+          </a:effectRef>
+          <a:fontRef idx="minor">
+            <a:schemeClr val="tx1"/>
+          </a:fontRef>
+        </p:style>
+      </p:cxnSp>
+      <p:cxnSp>
+        <p:nvCxnSpPr>
+          <p:cNvPr id="122" name="직선 화살표 연결선 121">
+            <a:extLst>
+              <a:ext uri="{FF2B5EF4-FFF2-40B4-BE49-F238E27FC236}">
+                <a16:creationId xmlns:a16="http://schemas.microsoft.com/office/drawing/2014/main" id="{C3F93749-F1CD-1141-9C99-39020CA16BE7}"/>
+              </a:ext>
+            </a:extLst>
+          </p:cNvPr>
+          <p:cNvCxnSpPr>
+            <a:cxnSpLocks/>
+            <a:stCxn id="107" idx="0"/>
+            <a:endCxn id="105" idx="2"/>
+          </p:cNvCxnSpPr>
+          <p:nvPr/>
+        </p:nvCxnSpPr>
+        <p:spPr>
+          <a:xfrm flipV="1">
+            <a:off x="5680838" y="2961631"/>
+            <a:ext cx="0" cy="280964"/>
+          </a:xfrm>
+          <a:prstGeom prst="straightConnector1">
+            <a:avLst/>
+          </a:prstGeom>
+          <a:ln w="19050" cap="rnd">
+            <a:solidFill>
+              <a:srgbClr val="5DA2C5"/>
+            </a:solidFill>
+            <a:prstDash val="dash"/>
+            <a:miter lim="800000"/>
+            <a:tailEnd type="triangle" w="lg" len="lg"/>
+          </a:ln>
+        </p:spPr>
+        <p:style>
+          <a:lnRef idx="1">
+            <a:schemeClr val="accent1"/>
+          </a:lnRef>
+          <a:fillRef idx="0">
+            <a:schemeClr val="accent1"/>
+          </a:fillRef>
+          <a:effectRef idx="0">
+            <a:schemeClr val="accent1"/>
+          </a:effectRef>
+          <a:fontRef idx="minor">
+            <a:schemeClr val="tx1"/>
+          </a:fontRef>
+        </p:style>
+      </p:cxnSp>
+      <p:cxnSp>
+        <p:nvCxnSpPr>
+          <p:cNvPr id="123" name="직선 화살표 연결선 122">
+            <a:extLst>
+              <a:ext uri="{FF2B5EF4-FFF2-40B4-BE49-F238E27FC236}">
+                <a16:creationId xmlns:a16="http://schemas.microsoft.com/office/drawing/2014/main" id="{F6F0EFB9-FCC9-6540-8163-5D17587CDF56}"/>
+              </a:ext>
+            </a:extLst>
+          </p:cNvPr>
+          <p:cNvCxnSpPr>
+            <a:cxnSpLocks/>
+            <a:stCxn id="116" idx="0"/>
+            <a:endCxn id="114" idx="2"/>
+          </p:cNvCxnSpPr>
+          <p:nvPr/>
+        </p:nvCxnSpPr>
+        <p:spPr>
+          <a:xfrm flipV="1">
+            <a:off x="5680838" y="4504838"/>
+            <a:ext cx="11193" cy="1292973"/>
+          </a:xfrm>
+          <a:prstGeom prst="straightConnector1">
+            <a:avLst/>
+          </a:prstGeom>
+          <a:ln w="19050" cap="rnd">
+            <a:solidFill>
+              <a:srgbClr val="5DA2C5"/>
+            </a:solidFill>
+            <a:prstDash val="dash"/>
+            <a:miter lim="800000"/>
+            <a:tailEnd type="triangle" w="lg" len="lg"/>
+          </a:ln>
+        </p:spPr>
+        <p:style>
+          <a:lnRef idx="1">
+            <a:schemeClr val="accent1"/>
+          </a:lnRef>
+          <a:fillRef idx="0">
+            <a:schemeClr val="accent1"/>
+          </a:fillRef>
+          <a:effectRef idx="0">
+            <a:schemeClr val="accent1"/>
+          </a:effectRef>
+          <a:fontRef idx="minor">
+            <a:schemeClr val="tx1"/>
+          </a:fontRef>
+        </p:style>
+      </p:cxnSp>
+    </p:spTree>
+    <p:extLst>
+      <p:ext uri="{BB962C8B-B14F-4D97-AF65-F5344CB8AC3E}">
+        <p14:creationId xmlns:p14="http://schemas.microsoft.com/office/powerpoint/2010/main" val="4096962720"/>
+      </p:ext>
+    </p:extLst>
+  </p:cSld>
+  <p:clrMapOvr>
+    <a:masterClrMapping/>
+  </p:clrMapOvr>
+</p:sld>
+</file>
+
 <file path=ppt/theme/theme1.xml><?xml version="1.0" encoding="utf-8"?>
 <a:theme xmlns:a="http://schemas.openxmlformats.org/drawingml/2006/main" name="Office 테마">
   <a:themeElements>

--- a/Clean Architecture/ref/프레젠테이션1.pptx
+++ b/Clean Architecture/ref/프레젠테이션1.pptx
@@ -17,6 +17,10 @@
     <p:sldId id="265" r:id="rId11"/>
     <p:sldId id="266" r:id="rId12"/>
     <p:sldId id="267" r:id="rId13"/>
+    <p:sldId id="268" r:id="rId14"/>
+    <p:sldId id="269" r:id="rId15"/>
+    <p:sldId id="271" r:id="rId16"/>
+    <p:sldId id="272" r:id="rId17"/>
   </p:sldIdLst>
   <p:sldSz cx="12192000" cy="6858000"/>
   <p:notesSz cx="6858000" cy="9144000"/>
@@ -254,7 +258,7 @@
           <a:p>
             <a:fld id="{3083E1A9-A397-4745-BD5D-6E8E767939EE}" type="datetimeFigureOut">
               <a:rPr kumimoji="1" lang="ko-Kore-KR" altLang="en-US" smtClean="0"/>
-              <a:t>2020. 12. 20.</a:t>
+              <a:t>2020. 12. 21.</a:t>
             </a:fld>
             <a:endParaRPr kumimoji="1" lang="ko-Kore-KR" altLang="en-US"/>
           </a:p>
@@ -424,7 +428,7 @@
           <a:p>
             <a:fld id="{3083E1A9-A397-4745-BD5D-6E8E767939EE}" type="datetimeFigureOut">
               <a:rPr kumimoji="1" lang="ko-Kore-KR" altLang="en-US" smtClean="0"/>
-              <a:t>2020. 12. 20.</a:t>
+              <a:t>2020. 12. 21.</a:t>
             </a:fld>
             <a:endParaRPr kumimoji="1" lang="ko-Kore-KR" altLang="en-US"/>
           </a:p>
@@ -604,7 +608,7 @@
           <a:p>
             <a:fld id="{3083E1A9-A397-4745-BD5D-6E8E767939EE}" type="datetimeFigureOut">
               <a:rPr kumimoji="1" lang="ko-Kore-KR" altLang="en-US" smtClean="0"/>
-              <a:t>2020. 12. 20.</a:t>
+              <a:t>2020. 12. 21.</a:t>
             </a:fld>
             <a:endParaRPr kumimoji="1" lang="ko-Kore-KR" altLang="en-US"/>
           </a:p>
@@ -774,7 +778,7 @@
           <a:p>
             <a:fld id="{3083E1A9-A397-4745-BD5D-6E8E767939EE}" type="datetimeFigureOut">
               <a:rPr kumimoji="1" lang="ko-Kore-KR" altLang="en-US" smtClean="0"/>
-              <a:t>2020. 12. 20.</a:t>
+              <a:t>2020. 12. 21.</a:t>
             </a:fld>
             <a:endParaRPr kumimoji="1" lang="ko-Kore-KR" altLang="en-US"/>
           </a:p>
@@ -1020,7 +1024,7 @@
           <a:p>
             <a:fld id="{3083E1A9-A397-4745-BD5D-6E8E767939EE}" type="datetimeFigureOut">
               <a:rPr kumimoji="1" lang="ko-Kore-KR" altLang="en-US" smtClean="0"/>
-              <a:t>2020. 12. 20.</a:t>
+              <a:t>2020. 12. 21.</a:t>
             </a:fld>
             <a:endParaRPr kumimoji="1" lang="ko-Kore-KR" altLang="en-US"/>
           </a:p>
@@ -1252,7 +1256,7 @@
           <a:p>
             <a:fld id="{3083E1A9-A397-4745-BD5D-6E8E767939EE}" type="datetimeFigureOut">
               <a:rPr kumimoji="1" lang="ko-Kore-KR" altLang="en-US" smtClean="0"/>
-              <a:t>2020. 12. 20.</a:t>
+              <a:t>2020. 12. 21.</a:t>
             </a:fld>
             <a:endParaRPr kumimoji="1" lang="ko-Kore-KR" altLang="en-US"/>
           </a:p>
@@ -1619,7 +1623,7 @@
           <a:p>
             <a:fld id="{3083E1A9-A397-4745-BD5D-6E8E767939EE}" type="datetimeFigureOut">
               <a:rPr kumimoji="1" lang="ko-Kore-KR" altLang="en-US" smtClean="0"/>
-              <a:t>2020. 12. 20.</a:t>
+              <a:t>2020. 12. 21.</a:t>
             </a:fld>
             <a:endParaRPr kumimoji="1" lang="ko-Kore-KR" altLang="en-US"/>
           </a:p>
@@ -1737,7 +1741,7 @@
           <a:p>
             <a:fld id="{3083E1A9-A397-4745-BD5D-6E8E767939EE}" type="datetimeFigureOut">
               <a:rPr kumimoji="1" lang="ko-Kore-KR" altLang="en-US" smtClean="0"/>
-              <a:t>2020. 12. 20.</a:t>
+              <a:t>2020. 12. 21.</a:t>
             </a:fld>
             <a:endParaRPr kumimoji="1" lang="ko-Kore-KR" altLang="en-US"/>
           </a:p>
@@ -1832,7 +1836,7 @@
           <a:p>
             <a:fld id="{3083E1A9-A397-4745-BD5D-6E8E767939EE}" type="datetimeFigureOut">
               <a:rPr kumimoji="1" lang="ko-Kore-KR" altLang="en-US" smtClean="0"/>
-              <a:t>2020. 12. 20.</a:t>
+              <a:t>2020. 12. 21.</a:t>
             </a:fld>
             <a:endParaRPr kumimoji="1" lang="ko-Kore-KR" altLang="en-US"/>
           </a:p>
@@ -2109,7 +2113,7 @@
           <a:p>
             <a:fld id="{3083E1A9-A397-4745-BD5D-6E8E767939EE}" type="datetimeFigureOut">
               <a:rPr kumimoji="1" lang="ko-Kore-KR" altLang="en-US" smtClean="0"/>
-              <a:t>2020. 12. 20.</a:t>
+              <a:t>2020. 12. 21.</a:t>
             </a:fld>
             <a:endParaRPr kumimoji="1" lang="ko-Kore-KR" altLang="en-US"/>
           </a:p>
@@ -2366,7 +2370,7 @@
           <a:p>
             <a:fld id="{3083E1A9-A397-4745-BD5D-6E8E767939EE}" type="datetimeFigureOut">
               <a:rPr kumimoji="1" lang="ko-Kore-KR" altLang="en-US" smtClean="0"/>
-              <a:t>2020. 12. 20.</a:t>
+              <a:t>2020. 12. 21.</a:t>
             </a:fld>
             <a:endParaRPr kumimoji="1" lang="ko-Kore-KR" altLang="en-US"/>
           </a:p>
@@ -2579,7 +2583,7 @@
           <a:p>
             <a:fld id="{3083E1A9-A397-4745-BD5D-6E8E767939EE}" type="datetimeFigureOut">
               <a:rPr kumimoji="1" lang="ko-Kore-KR" altLang="en-US" smtClean="0"/>
-              <a:t>2020. 12. 20.</a:t>
+              <a:t>2020. 12. 21.</a:t>
             </a:fld>
             <a:endParaRPr kumimoji="1" lang="ko-Kore-KR" altLang="en-US"/>
           </a:p>
@@ -23871,6 +23875,7739 @@
 </p:sld>
 </file>
 
+<file path=ppt/slides/slide13.xml><?xml version="1.0" encoding="utf-8"?>
+<p:sld xmlns:a="http://schemas.openxmlformats.org/drawingml/2006/main" xmlns:r="http://schemas.openxmlformats.org/officeDocument/2006/relationships" xmlns:p="http://schemas.openxmlformats.org/presentationml/2006/main">
+  <p:cSld>
+    <p:spTree>
+      <p:nvGrpSpPr>
+        <p:cNvPr id="1" name=""/>
+        <p:cNvGrpSpPr/>
+        <p:nvPr/>
+      </p:nvGrpSpPr>
+      <p:grpSpPr>
+        <a:xfrm>
+          <a:off x="0" y="0"/>
+          <a:ext cx="0" cy="0"/>
+          <a:chOff x="0" y="0"/>
+          <a:chExt cx="0" cy="0"/>
+        </a:xfrm>
+      </p:grpSpPr>
+      <p:grpSp>
+        <p:nvGrpSpPr>
+          <p:cNvPr id="2" name="그룹 1">
+            <a:extLst>
+              <a:ext uri="{FF2B5EF4-FFF2-40B4-BE49-F238E27FC236}">
+                <a16:creationId xmlns:a16="http://schemas.microsoft.com/office/drawing/2014/main" id="{8EA36249-4C4E-4242-9A7D-267A7E32C314}"/>
+              </a:ext>
+            </a:extLst>
+          </p:cNvPr>
+          <p:cNvGrpSpPr/>
+          <p:nvPr/>
+        </p:nvGrpSpPr>
+        <p:grpSpPr>
+          <a:xfrm>
+            <a:off x="1008815" y="2796987"/>
+            <a:ext cx="1302870" cy="434703"/>
+            <a:chOff x="1008815" y="2796987"/>
+            <a:chExt cx="1779210" cy="434703"/>
+          </a:xfrm>
+        </p:grpSpPr>
+        <p:sp>
+          <p:nvSpPr>
+            <p:cNvPr id="114" name="직사각형 113">
+              <a:extLst>
+                <a:ext uri="{FF2B5EF4-FFF2-40B4-BE49-F238E27FC236}">
+                  <a16:creationId xmlns:a16="http://schemas.microsoft.com/office/drawing/2014/main" id="{6AAE3566-CC19-FC41-B2B1-902F9E2FCB91}"/>
+                </a:ext>
+              </a:extLst>
+            </p:cNvPr>
+            <p:cNvSpPr/>
+            <p:nvPr/>
+          </p:nvSpPr>
+          <p:spPr>
+            <a:xfrm>
+              <a:off x="1008815" y="2796987"/>
+              <a:ext cx="1779210" cy="434703"/>
+            </a:xfrm>
+            <a:prstGeom prst="rect">
+              <a:avLst/>
+            </a:prstGeom>
+            <a:ln w="19050">
+              <a:solidFill>
+                <a:srgbClr val="5DA2C5"/>
+              </a:solidFill>
+            </a:ln>
+          </p:spPr>
+          <p:style>
+            <a:lnRef idx="1">
+              <a:schemeClr val="accent1"/>
+            </a:lnRef>
+            <a:fillRef idx="0">
+              <a:schemeClr val="accent1"/>
+            </a:fillRef>
+            <a:effectRef idx="0">
+              <a:schemeClr val="accent1"/>
+            </a:effectRef>
+            <a:fontRef idx="minor">
+              <a:schemeClr val="tx1"/>
+            </a:fontRef>
+          </p:style>
+          <p:txBody>
+            <a:bodyPr rtlCol="0" anchor="ctr"/>
+            <a:lstStyle/>
+            <a:p>
+              <a:pPr algn="ctr"/>
+              <a:endParaRPr kumimoji="1" lang="ko-Kore-KR" altLang="en-US" dirty="0"/>
+            </a:p>
+          </p:txBody>
+        </p:sp>
+        <p:sp>
+          <p:nvSpPr>
+            <p:cNvPr id="115" name="TextBox 114">
+              <a:extLst>
+                <a:ext uri="{FF2B5EF4-FFF2-40B4-BE49-F238E27FC236}">
+                  <a16:creationId xmlns:a16="http://schemas.microsoft.com/office/drawing/2014/main" id="{00F2057A-6820-6844-9CC7-62597D82A013}"/>
+                </a:ext>
+              </a:extLst>
+            </p:cNvPr>
+            <p:cNvSpPr txBox="1"/>
+            <p:nvPr/>
+          </p:nvSpPr>
+          <p:spPr>
+            <a:xfrm>
+              <a:off x="1084730" y="2877671"/>
+              <a:ext cx="1640542" cy="276999"/>
+            </a:xfrm>
+            <a:prstGeom prst="rect">
+              <a:avLst/>
+            </a:prstGeom>
+            <a:noFill/>
+          </p:spPr>
+          <p:txBody>
+            <a:bodyPr wrap="square" rtlCol="0">
+              <a:spAutoFit/>
+            </a:bodyPr>
+            <a:lstStyle/>
+            <a:p>
+              <a:pPr algn="ctr"/>
+              <a:r>
+                <a:rPr kumimoji="1" lang="en-US" altLang="ko-Kore-KR" sz="1200" b="1" dirty="0">
+                  <a:solidFill>
+                    <a:srgbClr val="5DA2C5"/>
+                  </a:solidFill>
+                  <a:latin typeface="SHeadG" panose="02030600000101010101" pitchFamily="18" charset="-127"/>
+                  <a:ea typeface="SHeadG" panose="02030600000101010101" pitchFamily="18" charset="-127"/>
+                </a:rPr>
+                <a:t>Taxi UI</a:t>
+              </a:r>
+              <a:endParaRPr kumimoji="1" lang="ko-Kore-KR" altLang="en-US" sz="1200" b="1" dirty="0">
+                <a:solidFill>
+                  <a:srgbClr val="5DA2C5"/>
+                </a:solidFill>
+                <a:latin typeface="SHeadG" panose="02030600000101010101" pitchFamily="18" charset="-127"/>
+                <a:ea typeface="SHeadG" panose="02030600000101010101" pitchFamily="18" charset="-127"/>
+              </a:endParaRPr>
+            </a:p>
+          </p:txBody>
+        </p:sp>
+      </p:grpSp>
+      <p:grpSp>
+        <p:nvGrpSpPr>
+          <p:cNvPr id="118" name="그룹 117">
+            <a:extLst>
+              <a:ext uri="{FF2B5EF4-FFF2-40B4-BE49-F238E27FC236}">
+                <a16:creationId xmlns:a16="http://schemas.microsoft.com/office/drawing/2014/main" id="{8E5251B0-6B68-7441-879A-C11C709AAE9B}"/>
+              </a:ext>
+            </a:extLst>
+          </p:cNvPr>
+          <p:cNvGrpSpPr/>
+          <p:nvPr/>
+        </p:nvGrpSpPr>
+        <p:grpSpPr>
+          <a:xfrm>
+            <a:off x="3375498" y="1918446"/>
+            <a:ext cx="1412259" cy="434703"/>
+            <a:chOff x="1008815" y="2796987"/>
+            <a:chExt cx="1779210" cy="434703"/>
+          </a:xfrm>
+        </p:grpSpPr>
+        <p:sp>
+          <p:nvSpPr>
+            <p:cNvPr id="119" name="직사각형 118">
+              <a:extLst>
+                <a:ext uri="{FF2B5EF4-FFF2-40B4-BE49-F238E27FC236}">
+                  <a16:creationId xmlns:a16="http://schemas.microsoft.com/office/drawing/2014/main" id="{9CED595B-53CE-B042-A1F9-FB4249857F79}"/>
+                </a:ext>
+              </a:extLst>
+            </p:cNvPr>
+            <p:cNvSpPr/>
+            <p:nvPr/>
+          </p:nvSpPr>
+          <p:spPr>
+            <a:xfrm>
+              <a:off x="1008815" y="2796987"/>
+              <a:ext cx="1779210" cy="434703"/>
+            </a:xfrm>
+            <a:prstGeom prst="rect">
+              <a:avLst/>
+            </a:prstGeom>
+            <a:ln w="19050">
+              <a:solidFill>
+                <a:srgbClr val="5DA2C5"/>
+              </a:solidFill>
+            </a:ln>
+          </p:spPr>
+          <p:style>
+            <a:lnRef idx="1">
+              <a:schemeClr val="accent1"/>
+            </a:lnRef>
+            <a:fillRef idx="0">
+              <a:schemeClr val="accent1"/>
+            </a:fillRef>
+            <a:effectRef idx="0">
+              <a:schemeClr val="accent1"/>
+            </a:effectRef>
+            <a:fontRef idx="minor">
+              <a:schemeClr val="tx1"/>
+            </a:fontRef>
+          </p:style>
+          <p:txBody>
+            <a:bodyPr rtlCol="0" anchor="ctr"/>
+            <a:lstStyle/>
+            <a:p>
+              <a:pPr algn="ctr"/>
+              <a:endParaRPr kumimoji="1" lang="ko-Kore-KR" altLang="en-US" dirty="0"/>
+            </a:p>
+          </p:txBody>
+        </p:sp>
+        <p:sp>
+          <p:nvSpPr>
+            <p:cNvPr id="120" name="TextBox 119">
+              <a:extLst>
+                <a:ext uri="{FF2B5EF4-FFF2-40B4-BE49-F238E27FC236}">
+                  <a16:creationId xmlns:a16="http://schemas.microsoft.com/office/drawing/2014/main" id="{21E4C780-FFFA-3D43-BA8A-888971935264}"/>
+                </a:ext>
+              </a:extLst>
+            </p:cNvPr>
+            <p:cNvSpPr txBox="1"/>
+            <p:nvPr/>
+          </p:nvSpPr>
+          <p:spPr>
+            <a:xfrm>
+              <a:off x="1084730" y="2877671"/>
+              <a:ext cx="1640542" cy="276999"/>
+            </a:xfrm>
+            <a:prstGeom prst="rect">
+              <a:avLst/>
+            </a:prstGeom>
+            <a:noFill/>
+          </p:spPr>
+          <p:txBody>
+            <a:bodyPr wrap="square" rtlCol="0">
+              <a:spAutoFit/>
+            </a:bodyPr>
+            <a:lstStyle/>
+            <a:p>
+              <a:pPr algn="ctr"/>
+              <a:r>
+                <a:rPr kumimoji="1" lang="en-US" altLang="ko-Kore-KR" sz="1200" b="1" dirty="0">
+                  <a:solidFill>
+                    <a:srgbClr val="5DA2C5"/>
+                  </a:solidFill>
+                  <a:latin typeface="SHeadG" panose="02030600000101010101" pitchFamily="18" charset="-127"/>
+                  <a:ea typeface="SHeadG" panose="02030600000101010101" pitchFamily="18" charset="-127"/>
+                </a:rPr>
+                <a:t>Taxi Finder</a:t>
+              </a:r>
+              <a:endParaRPr kumimoji="1" lang="ko-Kore-KR" altLang="en-US" sz="1200" b="1" dirty="0">
+                <a:solidFill>
+                  <a:srgbClr val="5DA2C5"/>
+                </a:solidFill>
+                <a:latin typeface="SHeadG" panose="02030600000101010101" pitchFamily="18" charset="-127"/>
+                <a:ea typeface="SHeadG" panose="02030600000101010101" pitchFamily="18" charset="-127"/>
+              </a:endParaRPr>
+            </a:p>
+          </p:txBody>
+        </p:sp>
+      </p:grpSp>
+      <p:grpSp>
+        <p:nvGrpSpPr>
+          <p:cNvPr id="121" name="그룹 120">
+            <a:extLst>
+              <a:ext uri="{FF2B5EF4-FFF2-40B4-BE49-F238E27FC236}">
+                <a16:creationId xmlns:a16="http://schemas.microsoft.com/office/drawing/2014/main" id="{C904C683-A66B-B44A-8EBB-854E6E97B561}"/>
+              </a:ext>
+            </a:extLst>
+          </p:cNvPr>
+          <p:cNvGrpSpPr/>
+          <p:nvPr/>
+        </p:nvGrpSpPr>
+        <p:grpSpPr>
+          <a:xfrm>
+            <a:off x="3375498" y="3657599"/>
+            <a:ext cx="1412259" cy="434703"/>
+            <a:chOff x="1008815" y="2796987"/>
+            <a:chExt cx="1779210" cy="434703"/>
+          </a:xfrm>
+        </p:grpSpPr>
+        <p:sp>
+          <p:nvSpPr>
+            <p:cNvPr id="122" name="직사각형 121">
+              <a:extLst>
+                <a:ext uri="{FF2B5EF4-FFF2-40B4-BE49-F238E27FC236}">
+                  <a16:creationId xmlns:a16="http://schemas.microsoft.com/office/drawing/2014/main" id="{6412D02D-289A-9D46-B227-8C6921AB0CB2}"/>
+                </a:ext>
+              </a:extLst>
+            </p:cNvPr>
+            <p:cNvSpPr/>
+            <p:nvPr/>
+          </p:nvSpPr>
+          <p:spPr>
+            <a:xfrm>
+              <a:off x="1008815" y="2796987"/>
+              <a:ext cx="1779210" cy="434703"/>
+            </a:xfrm>
+            <a:prstGeom prst="rect">
+              <a:avLst/>
+            </a:prstGeom>
+            <a:ln w="19050">
+              <a:solidFill>
+                <a:srgbClr val="5DA2C5"/>
+              </a:solidFill>
+            </a:ln>
+          </p:spPr>
+          <p:style>
+            <a:lnRef idx="1">
+              <a:schemeClr val="accent1"/>
+            </a:lnRef>
+            <a:fillRef idx="0">
+              <a:schemeClr val="accent1"/>
+            </a:fillRef>
+            <a:effectRef idx="0">
+              <a:schemeClr val="accent1"/>
+            </a:effectRef>
+            <a:fontRef idx="minor">
+              <a:schemeClr val="tx1"/>
+            </a:fontRef>
+          </p:style>
+          <p:txBody>
+            <a:bodyPr rtlCol="0" anchor="ctr"/>
+            <a:lstStyle/>
+            <a:p>
+              <a:pPr algn="ctr"/>
+              <a:endParaRPr kumimoji="1" lang="ko-Kore-KR" altLang="en-US" dirty="0"/>
+            </a:p>
+          </p:txBody>
+        </p:sp>
+        <p:sp>
+          <p:nvSpPr>
+            <p:cNvPr id="123" name="TextBox 122">
+              <a:extLst>
+                <a:ext uri="{FF2B5EF4-FFF2-40B4-BE49-F238E27FC236}">
+                  <a16:creationId xmlns:a16="http://schemas.microsoft.com/office/drawing/2014/main" id="{2DFFF236-948A-D043-A293-90243FBB5212}"/>
+                </a:ext>
+              </a:extLst>
+            </p:cNvPr>
+            <p:cNvSpPr txBox="1"/>
+            <p:nvPr/>
+          </p:nvSpPr>
+          <p:spPr>
+            <a:xfrm>
+              <a:off x="1084730" y="2877671"/>
+              <a:ext cx="1640542" cy="276999"/>
+            </a:xfrm>
+            <a:prstGeom prst="rect">
+              <a:avLst/>
+            </a:prstGeom>
+            <a:noFill/>
+          </p:spPr>
+          <p:txBody>
+            <a:bodyPr wrap="square" rtlCol="0">
+              <a:spAutoFit/>
+            </a:bodyPr>
+            <a:lstStyle/>
+            <a:p>
+              <a:pPr algn="ctr"/>
+              <a:r>
+                <a:rPr kumimoji="1" lang="en-US" altLang="ko-Kore-KR" sz="1200" b="1" dirty="0">
+                  <a:solidFill>
+                    <a:srgbClr val="5DA2C5"/>
+                  </a:solidFill>
+                  <a:latin typeface="SHeadG" panose="02030600000101010101" pitchFamily="18" charset="-127"/>
+                  <a:ea typeface="SHeadG" panose="02030600000101010101" pitchFamily="18" charset="-127"/>
+                </a:rPr>
+                <a:t>Taxi Selector</a:t>
+              </a:r>
+              <a:endParaRPr kumimoji="1" lang="ko-Kore-KR" altLang="en-US" sz="1200" b="1" dirty="0">
+                <a:solidFill>
+                  <a:srgbClr val="5DA2C5"/>
+                </a:solidFill>
+                <a:latin typeface="SHeadG" panose="02030600000101010101" pitchFamily="18" charset="-127"/>
+                <a:ea typeface="SHeadG" panose="02030600000101010101" pitchFamily="18" charset="-127"/>
+              </a:endParaRPr>
+            </a:p>
+          </p:txBody>
+        </p:sp>
+      </p:grpSp>
+      <p:grpSp>
+        <p:nvGrpSpPr>
+          <p:cNvPr id="140" name="그룹 139">
+            <a:extLst>
+              <a:ext uri="{FF2B5EF4-FFF2-40B4-BE49-F238E27FC236}">
+                <a16:creationId xmlns:a16="http://schemas.microsoft.com/office/drawing/2014/main" id="{86491C30-75B3-5943-B5A0-42B3020B3D1A}"/>
+              </a:ext>
+            </a:extLst>
+          </p:cNvPr>
+          <p:cNvGrpSpPr/>
+          <p:nvPr/>
+        </p:nvGrpSpPr>
+        <p:grpSpPr>
+          <a:xfrm>
+            <a:off x="6897015" y="3990388"/>
+            <a:ext cx="1527794" cy="434703"/>
+            <a:chOff x="1008815" y="2796987"/>
+            <a:chExt cx="1779210" cy="434703"/>
+          </a:xfrm>
+        </p:grpSpPr>
+        <p:sp>
+          <p:nvSpPr>
+            <p:cNvPr id="141" name="직사각형 140">
+              <a:extLst>
+                <a:ext uri="{FF2B5EF4-FFF2-40B4-BE49-F238E27FC236}">
+                  <a16:creationId xmlns:a16="http://schemas.microsoft.com/office/drawing/2014/main" id="{7C2DB551-4D0A-4D4F-B0DE-FC7F92D6F6C3}"/>
+                </a:ext>
+              </a:extLst>
+            </p:cNvPr>
+            <p:cNvSpPr/>
+            <p:nvPr/>
+          </p:nvSpPr>
+          <p:spPr>
+            <a:xfrm>
+              <a:off x="1008815" y="2796987"/>
+              <a:ext cx="1779210" cy="434703"/>
+            </a:xfrm>
+            <a:prstGeom prst="rect">
+              <a:avLst/>
+            </a:prstGeom>
+            <a:ln w="19050">
+              <a:solidFill>
+                <a:srgbClr val="5DA2C5"/>
+              </a:solidFill>
+            </a:ln>
+          </p:spPr>
+          <p:style>
+            <a:lnRef idx="1">
+              <a:schemeClr val="accent1"/>
+            </a:lnRef>
+            <a:fillRef idx="0">
+              <a:schemeClr val="accent1"/>
+            </a:fillRef>
+            <a:effectRef idx="0">
+              <a:schemeClr val="accent1"/>
+            </a:effectRef>
+            <a:fontRef idx="minor">
+              <a:schemeClr val="tx1"/>
+            </a:fontRef>
+          </p:style>
+          <p:txBody>
+            <a:bodyPr rtlCol="0" anchor="ctr"/>
+            <a:lstStyle/>
+            <a:p>
+              <a:pPr algn="ctr"/>
+              <a:endParaRPr kumimoji="1" lang="ko-Kore-KR" altLang="en-US" dirty="0"/>
+            </a:p>
+          </p:txBody>
+        </p:sp>
+        <p:sp>
+          <p:nvSpPr>
+            <p:cNvPr id="142" name="TextBox 141">
+              <a:extLst>
+                <a:ext uri="{FF2B5EF4-FFF2-40B4-BE49-F238E27FC236}">
+                  <a16:creationId xmlns:a16="http://schemas.microsoft.com/office/drawing/2014/main" id="{7ABFEC5F-EACA-0944-B9F1-65B009671BE1}"/>
+                </a:ext>
+              </a:extLst>
+            </p:cNvPr>
+            <p:cNvSpPr txBox="1"/>
+            <p:nvPr/>
+          </p:nvSpPr>
+          <p:spPr>
+            <a:xfrm>
+              <a:off x="1084730" y="2877671"/>
+              <a:ext cx="1640542" cy="276999"/>
+            </a:xfrm>
+            <a:prstGeom prst="rect">
+              <a:avLst/>
+            </a:prstGeom>
+            <a:noFill/>
+          </p:spPr>
+          <p:txBody>
+            <a:bodyPr wrap="square" rtlCol="0">
+              <a:spAutoFit/>
+            </a:bodyPr>
+            <a:lstStyle/>
+            <a:p>
+              <a:pPr algn="ctr"/>
+              <a:r>
+                <a:rPr kumimoji="1" lang="en-US" altLang="ko-Kore-KR" sz="1200" b="1" dirty="0">
+                  <a:solidFill>
+                    <a:srgbClr val="5DA2C5"/>
+                  </a:solidFill>
+                  <a:latin typeface="SHeadG" panose="02030600000101010101" pitchFamily="18" charset="-127"/>
+                  <a:ea typeface="SHeadG" panose="02030600000101010101" pitchFamily="18" charset="-127"/>
+                </a:rPr>
+                <a:t>Taxi Dispatcher</a:t>
+              </a:r>
+              <a:endParaRPr kumimoji="1" lang="ko-Kore-KR" altLang="en-US" sz="1200" b="1" dirty="0">
+                <a:solidFill>
+                  <a:srgbClr val="5DA2C5"/>
+                </a:solidFill>
+                <a:latin typeface="SHeadG" panose="02030600000101010101" pitchFamily="18" charset="-127"/>
+                <a:ea typeface="SHeadG" panose="02030600000101010101" pitchFamily="18" charset="-127"/>
+              </a:endParaRPr>
+            </a:p>
+          </p:txBody>
+        </p:sp>
+      </p:grpSp>
+      <p:cxnSp>
+        <p:nvCxnSpPr>
+          <p:cNvPr id="5" name="구부러진 연결선[U] 4">
+            <a:extLst>
+              <a:ext uri="{FF2B5EF4-FFF2-40B4-BE49-F238E27FC236}">
+                <a16:creationId xmlns:a16="http://schemas.microsoft.com/office/drawing/2014/main" id="{D2EA75D9-1677-394E-B9F1-FD26ACBBC2E7}"/>
+              </a:ext>
+            </a:extLst>
+          </p:cNvPr>
+          <p:cNvCxnSpPr>
+            <a:stCxn id="114" idx="0"/>
+            <a:endCxn id="119" idx="1"/>
+          </p:cNvCxnSpPr>
+          <p:nvPr/>
+        </p:nvCxnSpPr>
+        <p:spPr>
+          <a:xfrm rot="5400000" flipH="1" flipV="1">
+            <a:off x="2187280" y="1608769"/>
+            <a:ext cx="661189" cy="1715248"/>
+          </a:xfrm>
+          <a:prstGeom prst="curvedConnector2">
+            <a:avLst/>
+          </a:prstGeom>
+          <a:ln w="12700">
+            <a:solidFill>
+              <a:srgbClr val="5DA2C5"/>
+            </a:solidFill>
+            <a:tailEnd type="arrow" w="lg" len="lg"/>
+          </a:ln>
+        </p:spPr>
+        <p:style>
+          <a:lnRef idx="1">
+            <a:schemeClr val="accent1"/>
+          </a:lnRef>
+          <a:fillRef idx="0">
+            <a:schemeClr val="accent1"/>
+          </a:fillRef>
+          <a:effectRef idx="0">
+            <a:schemeClr val="accent1"/>
+          </a:effectRef>
+          <a:fontRef idx="minor">
+            <a:schemeClr val="tx1"/>
+          </a:fontRef>
+        </p:style>
+      </p:cxnSp>
+      <p:cxnSp>
+        <p:nvCxnSpPr>
+          <p:cNvPr id="143" name="구부러진 연결선[U] 142">
+            <a:extLst>
+              <a:ext uri="{FF2B5EF4-FFF2-40B4-BE49-F238E27FC236}">
+                <a16:creationId xmlns:a16="http://schemas.microsoft.com/office/drawing/2014/main" id="{0338D33A-3912-7F44-82A8-729523A59D41}"/>
+              </a:ext>
+            </a:extLst>
+          </p:cNvPr>
+          <p:cNvCxnSpPr>
+            <a:cxnSpLocks/>
+            <a:stCxn id="114" idx="2"/>
+            <a:endCxn id="122" idx="1"/>
+          </p:cNvCxnSpPr>
+          <p:nvPr/>
+        </p:nvCxnSpPr>
+        <p:spPr>
+          <a:xfrm rot="16200000" flipH="1">
+            <a:off x="2196244" y="2695696"/>
+            <a:ext cx="643261" cy="1715248"/>
+          </a:xfrm>
+          <a:prstGeom prst="curvedConnector2">
+            <a:avLst/>
+          </a:prstGeom>
+          <a:ln w="12700">
+            <a:solidFill>
+              <a:srgbClr val="5DA2C5"/>
+            </a:solidFill>
+            <a:tailEnd type="arrow" w="lg" len="lg"/>
+          </a:ln>
+        </p:spPr>
+        <p:style>
+          <a:lnRef idx="1">
+            <a:schemeClr val="accent1"/>
+          </a:lnRef>
+          <a:fillRef idx="0">
+            <a:schemeClr val="accent1"/>
+          </a:fillRef>
+          <a:effectRef idx="0">
+            <a:schemeClr val="accent1"/>
+          </a:effectRef>
+          <a:fontRef idx="minor">
+            <a:schemeClr val="tx1"/>
+          </a:fontRef>
+        </p:style>
+      </p:cxnSp>
+      <p:cxnSp>
+        <p:nvCxnSpPr>
+          <p:cNvPr id="144" name="구부러진 연결선[U] 143">
+            <a:extLst>
+              <a:ext uri="{FF2B5EF4-FFF2-40B4-BE49-F238E27FC236}">
+                <a16:creationId xmlns:a16="http://schemas.microsoft.com/office/drawing/2014/main" id="{31514A14-BD7D-1D40-AA6F-BAD633459D0F}"/>
+              </a:ext>
+            </a:extLst>
+          </p:cNvPr>
+          <p:cNvCxnSpPr>
+            <a:cxnSpLocks/>
+            <a:stCxn id="119" idx="3"/>
+            <a:endCxn id="146" idx="0"/>
+          </p:cNvCxnSpPr>
+          <p:nvPr/>
+        </p:nvCxnSpPr>
+        <p:spPr>
+          <a:xfrm>
+            <a:off x="4787757" y="2135798"/>
+            <a:ext cx="1587357" cy="484645"/>
+          </a:xfrm>
+          <a:prstGeom prst="curvedConnector2">
+            <a:avLst/>
+          </a:prstGeom>
+          <a:ln w="12700">
+            <a:solidFill>
+              <a:srgbClr val="5DA2C5"/>
+            </a:solidFill>
+            <a:tailEnd type="arrow" w="lg" len="lg"/>
+          </a:ln>
+        </p:spPr>
+        <p:style>
+          <a:lnRef idx="1">
+            <a:schemeClr val="accent1"/>
+          </a:lnRef>
+          <a:fillRef idx="0">
+            <a:schemeClr val="accent1"/>
+          </a:fillRef>
+          <a:effectRef idx="0">
+            <a:schemeClr val="accent1"/>
+          </a:effectRef>
+          <a:fontRef idx="minor">
+            <a:schemeClr val="tx1"/>
+          </a:fontRef>
+        </p:style>
+      </p:cxnSp>
+      <p:grpSp>
+        <p:nvGrpSpPr>
+          <p:cNvPr id="10" name="그룹 9">
+            <a:extLst>
+              <a:ext uri="{FF2B5EF4-FFF2-40B4-BE49-F238E27FC236}">
+                <a16:creationId xmlns:a16="http://schemas.microsoft.com/office/drawing/2014/main" id="{9A5DE69A-4513-4F48-9E94-0CD61F4B10ED}"/>
+              </a:ext>
+            </a:extLst>
+          </p:cNvPr>
+          <p:cNvGrpSpPr/>
+          <p:nvPr/>
+        </p:nvGrpSpPr>
+        <p:grpSpPr>
+          <a:xfrm>
+            <a:off x="5712431" y="2650260"/>
+            <a:ext cx="1325367" cy="327061"/>
+            <a:chOff x="5712431" y="2353149"/>
+            <a:chExt cx="1325367" cy="327061"/>
+          </a:xfrm>
+        </p:grpSpPr>
+        <p:cxnSp>
+          <p:nvCxnSpPr>
+            <p:cNvPr id="9" name="직선 연결선[R] 8">
+              <a:extLst>
+                <a:ext uri="{FF2B5EF4-FFF2-40B4-BE49-F238E27FC236}">
+                  <a16:creationId xmlns:a16="http://schemas.microsoft.com/office/drawing/2014/main" id="{2E0D6FE7-607D-DB42-B876-6256140894F1}"/>
+                </a:ext>
+              </a:extLst>
+            </p:cNvPr>
+            <p:cNvCxnSpPr/>
+            <p:nvPr/>
+          </p:nvCxnSpPr>
+          <p:spPr>
+            <a:xfrm>
+              <a:off x="5712431" y="2353149"/>
+              <a:ext cx="1325367" cy="0"/>
+            </a:xfrm>
+            <a:prstGeom prst="line">
+              <a:avLst/>
+            </a:prstGeom>
+            <a:ln w="12700">
+              <a:solidFill>
+                <a:srgbClr val="5DA2C5"/>
+              </a:solidFill>
+            </a:ln>
+          </p:spPr>
+          <p:style>
+            <a:lnRef idx="1">
+              <a:schemeClr val="accent1"/>
+            </a:lnRef>
+            <a:fillRef idx="0">
+              <a:schemeClr val="accent1"/>
+            </a:fillRef>
+            <a:effectRef idx="0">
+              <a:schemeClr val="accent1"/>
+            </a:effectRef>
+            <a:fontRef idx="minor">
+              <a:schemeClr val="tx1"/>
+            </a:fontRef>
+          </p:style>
+        </p:cxnSp>
+        <p:cxnSp>
+          <p:nvCxnSpPr>
+            <p:cNvPr id="145" name="직선 연결선[R] 144">
+              <a:extLst>
+                <a:ext uri="{FF2B5EF4-FFF2-40B4-BE49-F238E27FC236}">
+                  <a16:creationId xmlns:a16="http://schemas.microsoft.com/office/drawing/2014/main" id="{CA299792-5A1E-8B4F-8E34-C6BE3620F330}"/>
+                </a:ext>
+              </a:extLst>
+            </p:cNvPr>
+            <p:cNvCxnSpPr/>
+            <p:nvPr/>
+          </p:nvCxnSpPr>
+          <p:spPr>
+            <a:xfrm>
+              <a:off x="5712431" y="2680210"/>
+              <a:ext cx="1325367" cy="0"/>
+            </a:xfrm>
+            <a:prstGeom prst="line">
+              <a:avLst/>
+            </a:prstGeom>
+            <a:ln w="12700">
+              <a:solidFill>
+                <a:srgbClr val="5DA2C5"/>
+              </a:solidFill>
+            </a:ln>
+          </p:spPr>
+          <p:style>
+            <a:lnRef idx="1">
+              <a:schemeClr val="accent1"/>
+            </a:lnRef>
+            <a:fillRef idx="0">
+              <a:schemeClr val="accent1"/>
+            </a:fillRef>
+            <a:effectRef idx="0">
+              <a:schemeClr val="accent1"/>
+            </a:effectRef>
+            <a:fontRef idx="minor">
+              <a:schemeClr val="tx1"/>
+            </a:fontRef>
+          </p:style>
+        </p:cxnSp>
+        <p:sp>
+          <p:nvSpPr>
+            <p:cNvPr id="146" name="TextBox 145">
+              <a:extLst>
+                <a:ext uri="{FF2B5EF4-FFF2-40B4-BE49-F238E27FC236}">
+                  <a16:creationId xmlns:a16="http://schemas.microsoft.com/office/drawing/2014/main" id="{B12CEB58-F809-614C-BD91-CA8A02610156}"/>
+                </a:ext>
+              </a:extLst>
+            </p:cNvPr>
+            <p:cNvSpPr txBox="1"/>
+            <p:nvPr/>
+          </p:nvSpPr>
+          <p:spPr>
+            <a:xfrm>
+              <a:off x="5724019" y="2381436"/>
+              <a:ext cx="1302190" cy="276999"/>
+            </a:xfrm>
+            <a:prstGeom prst="rect">
+              <a:avLst/>
+            </a:prstGeom>
+            <a:noFill/>
+          </p:spPr>
+          <p:txBody>
+            <a:bodyPr wrap="square" rtlCol="0">
+              <a:spAutoFit/>
+            </a:bodyPr>
+            <a:lstStyle/>
+            <a:p>
+              <a:pPr algn="ctr"/>
+              <a:r>
+                <a:rPr kumimoji="1" lang="ko-KR" altLang="en-US" sz="1200" b="1" dirty="0">
+                  <a:solidFill>
+                    <a:srgbClr val="5DA2C5"/>
+                  </a:solidFill>
+                  <a:latin typeface="SHeadG" panose="02030600000101010101" pitchFamily="18" charset="-127"/>
+                  <a:ea typeface="SHeadG" panose="02030600000101010101" pitchFamily="18" charset="-127"/>
+                </a:rPr>
+                <a:t>후보 택시들</a:t>
+              </a:r>
+              <a:endParaRPr kumimoji="1" lang="ko-Kore-KR" altLang="en-US" sz="1200" b="1" dirty="0">
+                <a:solidFill>
+                  <a:srgbClr val="5DA2C5"/>
+                </a:solidFill>
+                <a:latin typeface="SHeadG" panose="02030600000101010101" pitchFamily="18" charset="-127"/>
+                <a:ea typeface="SHeadG" panose="02030600000101010101" pitchFamily="18" charset="-127"/>
+              </a:endParaRPr>
+            </a:p>
+          </p:txBody>
+        </p:sp>
+      </p:grpSp>
+      <p:cxnSp>
+        <p:nvCxnSpPr>
+          <p:cNvPr id="147" name="구부러진 연결선[U] 146">
+            <a:extLst>
+              <a:ext uri="{FF2B5EF4-FFF2-40B4-BE49-F238E27FC236}">
+                <a16:creationId xmlns:a16="http://schemas.microsoft.com/office/drawing/2014/main" id="{260A14C3-D11B-6C40-9347-2F185126BCBF}"/>
+              </a:ext>
+            </a:extLst>
+          </p:cNvPr>
+          <p:cNvCxnSpPr>
+            <a:cxnSpLocks/>
+            <a:stCxn id="146" idx="2"/>
+          </p:cNvCxnSpPr>
+          <p:nvPr/>
+        </p:nvCxnSpPr>
+        <p:spPr>
+          <a:xfrm rot="5400000">
+            <a:off x="5187527" y="2550694"/>
+            <a:ext cx="782735" cy="1592441"/>
+          </a:xfrm>
+          <a:prstGeom prst="curvedConnector2">
+            <a:avLst/>
+          </a:prstGeom>
+          <a:ln w="12700">
+            <a:solidFill>
+              <a:srgbClr val="5DA2C5"/>
+            </a:solidFill>
+            <a:tailEnd type="arrow" w="lg" len="lg"/>
+          </a:ln>
+        </p:spPr>
+        <p:style>
+          <a:lnRef idx="1">
+            <a:schemeClr val="accent1"/>
+          </a:lnRef>
+          <a:fillRef idx="0">
+            <a:schemeClr val="accent1"/>
+          </a:fillRef>
+          <a:effectRef idx="0">
+            <a:schemeClr val="accent1"/>
+          </a:effectRef>
+          <a:fontRef idx="minor">
+            <a:schemeClr val="tx1"/>
+          </a:fontRef>
+        </p:style>
+      </p:cxnSp>
+      <p:cxnSp>
+        <p:nvCxnSpPr>
+          <p:cNvPr id="148" name="구부러진 연결선[U] 147">
+            <a:extLst>
+              <a:ext uri="{FF2B5EF4-FFF2-40B4-BE49-F238E27FC236}">
+                <a16:creationId xmlns:a16="http://schemas.microsoft.com/office/drawing/2014/main" id="{309C408B-8824-9848-800D-65F77B93D873}"/>
+              </a:ext>
+            </a:extLst>
+          </p:cNvPr>
+          <p:cNvCxnSpPr>
+            <a:cxnSpLocks/>
+            <a:stCxn id="122" idx="3"/>
+            <a:endCxn id="141" idx="1"/>
+          </p:cNvCxnSpPr>
+          <p:nvPr/>
+        </p:nvCxnSpPr>
+        <p:spPr>
+          <a:xfrm>
+            <a:off x="4787757" y="3874951"/>
+            <a:ext cx="2109258" cy="332789"/>
+          </a:xfrm>
+          <a:prstGeom prst="curvedConnector3">
+            <a:avLst>
+              <a:gd name="adj1" fmla="val 50000"/>
+            </a:avLst>
+          </a:prstGeom>
+          <a:ln w="12700">
+            <a:solidFill>
+              <a:srgbClr val="5DA2C5"/>
+            </a:solidFill>
+            <a:tailEnd type="arrow" w="lg" len="lg"/>
+          </a:ln>
+        </p:spPr>
+        <p:style>
+          <a:lnRef idx="1">
+            <a:schemeClr val="accent1"/>
+          </a:lnRef>
+          <a:fillRef idx="0">
+            <a:schemeClr val="accent1"/>
+          </a:fillRef>
+          <a:effectRef idx="0">
+            <a:schemeClr val="accent1"/>
+          </a:effectRef>
+          <a:fontRef idx="minor">
+            <a:schemeClr val="tx1"/>
+          </a:fontRef>
+        </p:style>
+      </p:cxnSp>
+      <p:grpSp>
+        <p:nvGrpSpPr>
+          <p:cNvPr id="158" name="그룹 157">
+            <a:extLst>
+              <a:ext uri="{FF2B5EF4-FFF2-40B4-BE49-F238E27FC236}">
+                <a16:creationId xmlns:a16="http://schemas.microsoft.com/office/drawing/2014/main" id="{225B45D6-F9BB-BE43-A80A-2FA45D8CE5C4}"/>
+              </a:ext>
+            </a:extLst>
+          </p:cNvPr>
+          <p:cNvGrpSpPr/>
+          <p:nvPr/>
+        </p:nvGrpSpPr>
+        <p:grpSpPr>
+          <a:xfrm>
+            <a:off x="7607027" y="834509"/>
+            <a:ext cx="1527794" cy="434703"/>
+            <a:chOff x="1008815" y="2796987"/>
+            <a:chExt cx="1779210" cy="434703"/>
+          </a:xfrm>
+        </p:grpSpPr>
+        <p:sp>
+          <p:nvSpPr>
+            <p:cNvPr id="159" name="직사각형 158">
+              <a:extLst>
+                <a:ext uri="{FF2B5EF4-FFF2-40B4-BE49-F238E27FC236}">
+                  <a16:creationId xmlns:a16="http://schemas.microsoft.com/office/drawing/2014/main" id="{216AEB69-55A1-D24B-B5E4-218415A2F46E}"/>
+                </a:ext>
+              </a:extLst>
+            </p:cNvPr>
+            <p:cNvSpPr/>
+            <p:nvPr/>
+          </p:nvSpPr>
+          <p:spPr>
+            <a:xfrm>
+              <a:off x="1008815" y="2796987"/>
+              <a:ext cx="1779210" cy="434703"/>
+            </a:xfrm>
+            <a:prstGeom prst="rect">
+              <a:avLst/>
+            </a:prstGeom>
+            <a:ln w="19050">
+              <a:solidFill>
+                <a:srgbClr val="5DA2C5"/>
+              </a:solidFill>
+            </a:ln>
+          </p:spPr>
+          <p:style>
+            <a:lnRef idx="1">
+              <a:schemeClr val="accent1"/>
+            </a:lnRef>
+            <a:fillRef idx="0">
+              <a:schemeClr val="accent1"/>
+            </a:fillRef>
+            <a:effectRef idx="0">
+              <a:schemeClr val="accent1"/>
+            </a:effectRef>
+            <a:fontRef idx="minor">
+              <a:schemeClr val="tx1"/>
+            </a:fontRef>
+          </p:style>
+          <p:txBody>
+            <a:bodyPr rtlCol="0" anchor="ctr"/>
+            <a:lstStyle/>
+            <a:p>
+              <a:pPr algn="ctr"/>
+              <a:endParaRPr kumimoji="1" lang="ko-Kore-KR" altLang="en-US" dirty="0"/>
+            </a:p>
+          </p:txBody>
+        </p:sp>
+        <p:sp>
+          <p:nvSpPr>
+            <p:cNvPr id="160" name="TextBox 159">
+              <a:extLst>
+                <a:ext uri="{FF2B5EF4-FFF2-40B4-BE49-F238E27FC236}">
+                  <a16:creationId xmlns:a16="http://schemas.microsoft.com/office/drawing/2014/main" id="{A22E4037-C95B-3E4D-84FC-C51C2076F37F}"/>
+                </a:ext>
+              </a:extLst>
+            </p:cNvPr>
+            <p:cNvSpPr txBox="1"/>
+            <p:nvPr/>
+          </p:nvSpPr>
+          <p:spPr>
+            <a:xfrm>
+              <a:off x="1084730" y="2877671"/>
+              <a:ext cx="1640542" cy="276999"/>
+            </a:xfrm>
+            <a:prstGeom prst="rect">
+              <a:avLst/>
+            </a:prstGeom>
+            <a:noFill/>
+          </p:spPr>
+          <p:txBody>
+            <a:bodyPr wrap="square" rtlCol="0">
+              <a:spAutoFit/>
+            </a:bodyPr>
+            <a:lstStyle/>
+            <a:p>
+              <a:pPr algn="ctr"/>
+              <a:r>
+                <a:rPr kumimoji="1" lang="en-US" altLang="ko-Kore-KR" sz="1200" b="1" dirty="0">
+                  <a:solidFill>
+                    <a:srgbClr val="5DA2C5"/>
+                  </a:solidFill>
+                  <a:latin typeface="SHeadG" panose="02030600000101010101" pitchFamily="18" charset="-127"/>
+                  <a:ea typeface="SHeadG" panose="02030600000101010101" pitchFamily="18" charset="-127"/>
+                </a:rPr>
+                <a:t>Taxi Supplier 1</a:t>
+              </a:r>
+              <a:endParaRPr kumimoji="1" lang="ko-Kore-KR" altLang="en-US" sz="1200" b="1" dirty="0">
+                <a:solidFill>
+                  <a:srgbClr val="5DA2C5"/>
+                </a:solidFill>
+                <a:latin typeface="SHeadG" panose="02030600000101010101" pitchFamily="18" charset="-127"/>
+                <a:ea typeface="SHeadG" panose="02030600000101010101" pitchFamily="18" charset="-127"/>
+              </a:endParaRPr>
+            </a:p>
+          </p:txBody>
+        </p:sp>
+      </p:grpSp>
+      <p:grpSp>
+        <p:nvGrpSpPr>
+          <p:cNvPr id="161" name="그룹 160">
+            <a:extLst>
+              <a:ext uri="{FF2B5EF4-FFF2-40B4-BE49-F238E27FC236}">
+                <a16:creationId xmlns:a16="http://schemas.microsoft.com/office/drawing/2014/main" id="{FEA4D042-6CD1-CE44-8BE9-1D6CE7298CBC}"/>
+              </a:ext>
+            </a:extLst>
+          </p:cNvPr>
+          <p:cNvGrpSpPr/>
+          <p:nvPr/>
+        </p:nvGrpSpPr>
+        <p:grpSpPr>
+          <a:xfrm>
+            <a:off x="7872443" y="1192192"/>
+            <a:ext cx="1527794" cy="434703"/>
+            <a:chOff x="1008815" y="2796987"/>
+            <a:chExt cx="1779210" cy="434703"/>
+          </a:xfrm>
+        </p:grpSpPr>
+        <p:sp>
+          <p:nvSpPr>
+            <p:cNvPr id="162" name="직사각형 161">
+              <a:extLst>
+                <a:ext uri="{FF2B5EF4-FFF2-40B4-BE49-F238E27FC236}">
+                  <a16:creationId xmlns:a16="http://schemas.microsoft.com/office/drawing/2014/main" id="{F29DF5B4-38EB-9A4C-8A09-02BBA7E5154C}"/>
+                </a:ext>
+              </a:extLst>
+            </p:cNvPr>
+            <p:cNvSpPr/>
+            <p:nvPr/>
+          </p:nvSpPr>
+          <p:spPr>
+            <a:xfrm>
+              <a:off x="1008815" y="2796987"/>
+              <a:ext cx="1779210" cy="434703"/>
+            </a:xfrm>
+            <a:prstGeom prst="rect">
+              <a:avLst/>
+            </a:prstGeom>
+            <a:solidFill>
+              <a:schemeClr val="bg1"/>
+            </a:solidFill>
+            <a:ln w="19050">
+              <a:solidFill>
+                <a:srgbClr val="5DA2C5"/>
+              </a:solidFill>
+            </a:ln>
+          </p:spPr>
+          <p:style>
+            <a:lnRef idx="1">
+              <a:schemeClr val="accent1"/>
+            </a:lnRef>
+            <a:fillRef idx="0">
+              <a:schemeClr val="accent1"/>
+            </a:fillRef>
+            <a:effectRef idx="0">
+              <a:schemeClr val="accent1"/>
+            </a:effectRef>
+            <a:fontRef idx="minor">
+              <a:schemeClr val="tx1"/>
+            </a:fontRef>
+          </p:style>
+          <p:txBody>
+            <a:bodyPr rtlCol="0" anchor="ctr"/>
+            <a:lstStyle/>
+            <a:p>
+              <a:pPr algn="ctr"/>
+              <a:endParaRPr kumimoji="1" lang="ko-Kore-KR" altLang="en-US" dirty="0"/>
+            </a:p>
+          </p:txBody>
+        </p:sp>
+        <p:sp>
+          <p:nvSpPr>
+            <p:cNvPr id="163" name="TextBox 162">
+              <a:extLst>
+                <a:ext uri="{FF2B5EF4-FFF2-40B4-BE49-F238E27FC236}">
+                  <a16:creationId xmlns:a16="http://schemas.microsoft.com/office/drawing/2014/main" id="{DF3B1AA2-0F8F-2E4B-8D28-F73D0601F93A}"/>
+                </a:ext>
+              </a:extLst>
+            </p:cNvPr>
+            <p:cNvSpPr txBox="1"/>
+            <p:nvPr/>
+          </p:nvSpPr>
+          <p:spPr>
+            <a:xfrm>
+              <a:off x="1084730" y="2877671"/>
+              <a:ext cx="1640542" cy="276999"/>
+            </a:xfrm>
+            <a:prstGeom prst="rect">
+              <a:avLst/>
+            </a:prstGeom>
+            <a:noFill/>
+          </p:spPr>
+          <p:txBody>
+            <a:bodyPr wrap="square" rtlCol="0">
+              <a:spAutoFit/>
+            </a:bodyPr>
+            <a:lstStyle/>
+            <a:p>
+              <a:pPr algn="ctr"/>
+              <a:r>
+                <a:rPr kumimoji="1" lang="en-US" altLang="ko-Kore-KR" sz="1200" b="1" dirty="0">
+                  <a:solidFill>
+                    <a:srgbClr val="5DA2C5"/>
+                  </a:solidFill>
+                  <a:latin typeface="SHeadG" panose="02030600000101010101" pitchFamily="18" charset="-127"/>
+                  <a:ea typeface="SHeadG" panose="02030600000101010101" pitchFamily="18" charset="-127"/>
+                </a:rPr>
+                <a:t>Taxi Supplier 2</a:t>
+              </a:r>
+              <a:endParaRPr kumimoji="1" lang="ko-Kore-KR" altLang="en-US" sz="1200" b="1" dirty="0">
+                <a:solidFill>
+                  <a:srgbClr val="5DA2C5"/>
+                </a:solidFill>
+                <a:latin typeface="SHeadG" panose="02030600000101010101" pitchFamily="18" charset="-127"/>
+                <a:ea typeface="SHeadG" panose="02030600000101010101" pitchFamily="18" charset="-127"/>
+              </a:endParaRPr>
+            </a:p>
+          </p:txBody>
+        </p:sp>
+      </p:grpSp>
+      <p:grpSp>
+        <p:nvGrpSpPr>
+          <p:cNvPr id="167" name="그룹 166">
+            <a:extLst>
+              <a:ext uri="{FF2B5EF4-FFF2-40B4-BE49-F238E27FC236}">
+                <a16:creationId xmlns:a16="http://schemas.microsoft.com/office/drawing/2014/main" id="{B1142BDE-25BE-4C4E-828D-723EFC771764}"/>
+              </a:ext>
+            </a:extLst>
+          </p:cNvPr>
+          <p:cNvGrpSpPr/>
+          <p:nvPr/>
+        </p:nvGrpSpPr>
+        <p:grpSpPr>
+          <a:xfrm>
+            <a:off x="8129472" y="1538278"/>
+            <a:ext cx="1527794" cy="434703"/>
+            <a:chOff x="1008815" y="2796987"/>
+            <a:chExt cx="1779210" cy="434703"/>
+          </a:xfrm>
+        </p:grpSpPr>
+        <p:sp>
+          <p:nvSpPr>
+            <p:cNvPr id="168" name="직사각형 167">
+              <a:extLst>
+                <a:ext uri="{FF2B5EF4-FFF2-40B4-BE49-F238E27FC236}">
+                  <a16:creationId xmlns:a16="http://schemas.microsoft.com/office/drawing/2014/main" id="{6509C4E7-0061-5040-90C2-9DD2CB6C6B0A}"/>
+                </a:ext>
+              </a:extLst>
+            </p:cNvPr>
+            <p:cNvSpPr/>
+            <p:nvPr/>
+          </p:nvSpPr>
+          <p:spPr>
+            <a:xfrm>
+              <a:off x="1008815" y="2796987"/>
+              <a:ext cx="1779210" cy="434703"/>
+            </a:xfrm>
+            <a:prstGeom prst="rect">
+              <a:avLst/>
+            </a:prstGeom>
+            <a:solidFill>
+              <a:schemeClr val="bg1"/>
+            </a:solidFill>
+            <a:ln w="19050">
+              <a:solidFill>
+                <a:srgbClr val="5DA2C5"/>
+              </a:solidFill>
+            </a:ln>
+          </p:spPr>
+          <p:style>
+            <a:lnRef idx="1">
+              <a:schemeClr val="accent1"/>
+            </a:lnRef>
+            <a:fillRef idx="0">
+              <a:schemeClr val="accent1"/>
+            </a:fillRef>
+            <a:effectRef idx="0">
+              <a:schemeClr val="accent1"/>
+            </a:effectRef>
+            <a:fontRef idx="minor">
+              <a:schemeClr val="tx1"/>
+            </a:fontRef>
+          </p:style>
+          <p:txBody>
+            <a:bodyPr rtlCol="0" anchor="ctr"/>
+            <a:lstStyle/>
+            <a:p>
+              <a:pPr algn="ctr"/>
+              <a:endParaRPr kumimoji="1" lang="ko-Kore-KR" altLang="en-US" dirty="0"/>
+            </a:p>
+          </p:txBody>
+        </p:sp>
+        <p:sp>
+          <p:nvSpPr>
+            <p:cNvPr id="169" name="TextBox 168">
+              <a:extLst>
+                <a:ext uri="{FF2B5EF4-FFF2-40B4-BE49-F238E27FC236}">
+                  <a16:creationId xmlns:a16="http://schemas.microsoft.com/office/drawing/2014/main" id="{2B06A142-DE55-6340-ADE1-9E248132FD7F}"/>
+                </a:ext>
+              </a:extLst>
+            </p:cNvPr>
+            <p:cNvSpPr txBox="1"/>
+            <p:nvPr/>
+          </p:nvSpPr>
+          <p:spPr>
+            <a:xfrm>
+              <a:off x="1084730" y="2877671"/>
+              <a:ext cx="1640542" cy="276999"/>
+            </a:xfrm>
+            <a:prstGeom prst="rect">
+              <a:avLst/>
+            </a:prstGeom>
+            <a:noFill/>
+          </p:spPr>
+          <p:txBody>
+            <a:bodyPr wrap="square" rtlCol="0">
+              <a:spAutoFit/>
+            </a:bodyPr>
+            <a:lstStyle/>
+            <a:p>
+              <a:pPr algn="ctr"/>
+              <a:r>
+                <a:rPr kumimoji="1" lang="en-US" altLang="ko-Kore-KR" sz="1200" b="1" dirty="0">
+                  <a:solidFill>
+                    <a:srgbClr val="5DA2C5"/>
+                  </a:solidFill>
+                  <a:latin typeface="SHeadG" panose="02030600000101010101" pitchFamily="18" charset="-127"/>
+                  <a:ea typeface="SHeadG" panose="02030600000101010101" pitchFamily="18" charset="-127"/>
+                </a:rPr>
+                <a:t>Taxi Supplier 3</a:t>
+              </a:r>
+              <a:endParaRPr kumimoji="1" lang="ko-Kore-KR" altLang="en-US" sz="1200" b="1" dirty="0">
+                <a:solidFill>
+                  <a:srgbClr val="5DA2C5"/>
+                </a:solidFill>
+                <a:latin typeface="SHeadG" panose="02030600000101010101" pitchFamily="18" charset="-127"/>
+                <a:ea typeface="SHeadG" panose="02030600000101010101" pitchFamily="18" charset="-127"/>
+              </a:endParaRPr>
+            </a:p>
+          </p:txBody>
+        </p:sp>
+      </p:grpSp>
+      <p:cxnSp>
+        <p:nvCxnSpPr>
+          <p:cNvPr id="170" name="구부러진 연결선[U] 169">
+            <a:extLst>
+              <a:ext uri="{FF2B5EF4-FFF2-40B4-BE49-F238E27FC236}">
+                <a16:creationId xmlns:a16="http://schemas.microsoft.com/office/drawing/2014/main" id="{ADE3840E-822E-2A4A-BE4D-04378AE7DD9D}"/>
+              </a:ext>
+            </a:extLst>
+          </p:cNvPr>
+          <p:cNvCxnSpPr>
+            <a:cxnSpLocks/>
+            <a:stCxn id="141" idx="3"/>
+            <a:endCxn id="168" idx="3"/>
+          </p:cNvCxnSpPr>
+          <p:nvPr/>
+        </p:nvCxnSpPr>
+        <p:spPr>
+          <a:xfrm flipV="1">
+            <a:off x="8424809" y="1755630"/>
+            <a:ext cx="1232457" cy="2452110"/>
+          </a:xfrm>
+          <a:prstGeom prst="curvedConnector3">
+            <a:avLst>
+              <a:gd name="adj1" fmla="val 131053"/>
+            </a:avLst>
+          </a:prstGeom>
+          <a:ln w="12700">
+            <a:solidFill>
+              <a:srgbClr val="5DA2C5"/>
+            </a:solidFill>
+            <a:tailEnd type="arrow" w="lg" len="lg"/>
+          </a:ln>
+        </p:spPr>
+        <p:style>
+          <a:lnRef idx="1">
+            <a:schemeClr val="accent1"/>
+          </a:lnRef>
+          <a:fillRef idx="0">
+            <a:schemeClr val="accent1"/>
+          </a:fillRef>
+          <a:effectRef idx="0">
+            <a:schemeClr val="accent1"/>
+          </a:effectRef>
+          <a:fontRef idx="minor">
+            <a:schemeClr val="tx1"/>
+          </a:fontRef>
+        </p:style>
+      </p:cxnSp>
+      <p:cxnSp>
+        <p:nvCxnSpPr>
+          <p:cNvPr id="171" name="구부러진 연결선[U] 170">
+            <a:extLst>
+              <a:ext uri="{FF2B5EF4-FFF2-40B4-BE49-F238E27FC236}">
+                <a16:creationId xmlns:a16="http://schemas.microsoft.com/office/drawing/2014/main" id="{56AE05E6-1E98-7C41-BFB3-E4F650D69A08}"/>
+              </a:ext>
+            </a:extLst>
+          </p:cNvPr>
+          <p:cNvCxnSpPr>
+            <a:cxnSpLocks/>
+            <a:stCxn id="141" idx="3"/>
+            <a:endCxn id="162" idx="3"/>
+          </p:cNvCxnSpPr>
+          <p:nvPr/>
+        </p:nvCxnSpPr>
+        <p:spPr>
+          <a:xfrm flipV="1">
+            <a:off x="8424809" y="1409544"/>
+            <a:ext cx="975428" cy="2798196"/>
+          </a:xfrm>
+          <a:prstGeom prst="curvedConnector3">
+            <a:avLst>
+              <a:gd name="adj1" fmla="val 209806"/>
+            </a:avLst>
+          </a:prstGeom>
+          <a:ln w="12700">
+            <a:solidFill>
+              <a:srgbClr val="5DA2C5"/>
+            </a:solidFill>
+            <a:tailEnd type="arrow" w="lg" len="lg"/>
+          </a:ln>
+        </p:spPr>
+        <p:style>
+          <a:lnRef idx="1">
+            <a:schemeClr val="accent1"/>
+          </a:lnRef>
+          <a:fillRef idx="0">
+            <a:schemeClr val="accent1"/>
+          </a:fillRef>
+          <a:effectRef idx="0">
+            <a:schemeClr val="accent1"/>
+          </a:effectRef>
+          <a:fontRef idx="minor">
+            <a:schemeClr val="tx1"/>
+          </a:fontRef>
+        </p:style>
+      </p:cxnSp>
+      <p:cxnSp>
+        <p:nvCxnSpPr>
+          <p:cNvPr id="172" name="구부러진 연결선[U] 171">
+            <a:extLst>
+              <a:ext uri="{FF2B5EF4-FFF2-40B4-BE49-F238E27FC236}">
+                <a16:creationId xmlns:a16="http://schemas.microsoft.com/office/drawing/2014/main" id="{0FBCEF0E-CAEA-9E48-AC46-70A708C4E73F}"/>
+              </a:ext>
+            </a:extLst>
+          </p:cNvPr>
+          <p:cNvCxnSpPr>
+            <a:cxnSpLocks/>
+            <a:stCxn id="141" idx="3"/>
+            <a:endCxn id="159" idx="3"/>
+          </p:cNvCxnSpPr>
+          <p:nvPr/>
+        </p:nvCxnSpPr>
+        <p:spPr>
+          <a:xfrm flipV="1">
+            <a:off x="8424809" y="1051861"/>
+            <a:ext cx="710012" cy="3155879"/>
+          </a:xfrm>
+          <a:prstGeom prst="curvedConnector3">
+            <a:avLst>
+              <a:gd name="adj1" fmla="val 347806"/>
+            </a:avLst>
+          </a:prstGeom>
+          <a:ln w="12700">
+            <a:solidFill>
+              <a:srgbClr val="5DA2C5"/>
+            </a:solidFill>
+            <a:tailEnd type="arrow" w="lg" len="lg"/>
+          </a:ln>
+        </p:spPr>
+        <p:style>
+          <a:lnRef idx="1">
+            <a:schemeClr val="accent1"/>
+          </a:lnRef>
+          <a:fillRef idx="0">
+            <a:schemeClr val="accent1"/>
+          </a:fillRef>
+          <a:effectRef idx="0">
+            <a:schemeClr val="accent1"/>
+          </a:effectRef>
+          <a:fontRef idx="minor">
+            <a:schemeClr val="tx1"/>
+          </a:fontRef>
+        </p:style>
+      </p:cxnSp>
+      <p:cxnSp>
+        <p:nvCxnSpPr>
+          <p:cNvPr id="173" name="구부러진 연결선[U] 172">
+            <a:extLst>
+              <a:ext uri="{FF2B5EF4-FFF2-40B4-BE49-F238E27FC236}">
+                <a16:creationId xmlns:a16="http://schemas.microsoft.com/office/drawing/2014/main" id="{3A482272-DCFD-F248-8640-3D49A24BBBF6}"/>
+              </a:ext>
+            </a:extLst>
+          </p:cNvPr>
+          <p:cNvCxnSpPr>
+            <a:cxnSpLocks/>
+            <a:stCxn id="119" idx="0"/>
+            <a:endCxn id="168" idx="1"/>
+          </p:cNvCxnSpPr>
+          <p:nvPr/>
+        </p:nvCxnSpPr>
+        <p:spPr>
+          <a:xfrm rot="5400000" flipH="1" flipV="1">
+            <a:off x="6024142" y="-186884"/>
+            <a:ext cx="162816" cy="4047844"/>
+          </a:xfrm>
+          <a:prstGeom prst="curvedConnector2">
+            <a:avLst/>
+          </a:prstGeom>
+          <a:ln w="12700">
+            <a:solidFill>
+              <a:srgbClr val="5DA2C5"/>
+            </a:solidFill>
+            <a:tailEnd type="arrow" w="lg" len="lg"/>
+          </a:ln>
+        </p:spPr>
+        <p:style>
+          <a:lnRef idx="1">
+            <a:schemeClr val="accent1"/>
+          </a:lnRef>
+          <a:fillRef idx="0">
+            <a:schemeClr val="accent1"/>
+          </a:fillRef>
+          <a:effectRef idx="0">
+            <a:schemeClr val="accent1"/>
+          </a:effectRef>
+          <a:fontRef idx="minor">
+            <a:schemeClr val="tx1"/>
+          </a:fontRef>
+        </p:style>
+      </p:cxnSp>
+      <p:cxnSp>
+        <p:nvCxnSpPr>
+          <p:cNvPr id="174" name="구부러진 연결선[U] 173">
+            <a:extLst>
+              <a:ext uri="{FF2B5EF4-FFF2-40B4-BE49-F238E27FC236}">
+                <a16:creationId xmlns:a16="http://schemas.microsoft.com/office/drawing/2014/main" id="{E242A56F-F625-8F45-8BB5-A2626C39BD43}"/>
+              </a:ext>
+            </a:extLst>
+          </p:cNvPr>
+          <p:cNvCxnSpPr>
+            <a:cxnSpLocks/>
+            <a:stCxn id="119" idx="0"/>
+            <a:endCxn id="162" idx="1"/>
+          </p:cNvCxnSpPr>
+          <p:nvPr/>
+        </p:nvCxnSpPr>
+        <p:spPr>
+          <a:xfrm rot="5400000" flipH="1" flipV="1">
+            <a:off x="5722584" y="-231412"/>
+            <a:ext cx="508902" cy="3790815"/>
+          </a:xfrm>
+          <a:prstGeom prst="curvedConnector2">
+            <a:avLst/>
+          </a:prstGeom>
+          <a:ln w="12700">
+            <a:solidFill>
+              <a:srgbClr val="5DA2C5"/>
+            </a:solidFill>
+            <a:tailEnd type="arrow" w="lg" len="lg"/>
+          </a:ln>
+        </p:spPr>
+        <p:style>
+          <a:lnRef idx="1">
+            <a:schemeClr val="accent1"/>
+          </a:lnRef>
+          <a:fillRef idx="0">
+            <a:schemeClr val="accent1"/>
+          </a:fillRef>
+          <a:effectRef idx="0">
+            <a:schemeClr val="accent1"/>
+          </a:effectRef>
+          <a:fontRef idx="minor">
+            <a:schemeClr val="tx1"/>
+          </a:fontRef>
+        </p:style>
+      </p:cxnSp>
+      <p:cxnSp>
+        <p:nvCxnSpPr>
+          <p:cNvPr id="177" name="구부러진 연결선[U] 176">
+            <a:extLst>
+              <a:ext uri="{FF2B5EF4-FFF2-40B4-BE49-F238E27FC236}">
+                <a16:creationId xmlns:a16="http://schemas.microsoft.com/office/drawing/2014/main" id="{5256A0C5-9F3C-2C49-92D7-0301BE2555C6}"/>
+              </a:ext>
+            </a:extLst>
+          </p:cNvPr>
+          <p:cNvCxnSpPr>
+            <a:cxnSpLocks/>
+            <a:stCxn id="119" idx="0"/>
+            <a:endCxn id="159" idx="1"/>
+          </p:cNvCxnSpPr>
+          <p:nvPr/>
+        </p:nvCxnSpPr>
+        <p:spPr>
+          <a:xfrm rot="5400000" flipH="1" flipV="1">
+            <a:off x="5411035" y="-277545"/>
+            <a:ext cx="866585" cy="3525399"/>
+          </a:xfrm>
+          <a:prstGeom prst="curvedConnector2">
+            <a:avLst/>
+          </a:prstGeom>
+          <a:ln w="12700">
+            <a:solidFill>
+              <a:srgbClr val="5DA2C5"/>
+            </a:solidFill>
+            <a:tailEnd type="arrow" w="lg" len="lg"/>
+          </a:ln>
+        </p:spPr>
+        <p:style>
+          <a:lnRef idx="1">
+            <a:schemeClr val="accent1"/>
+          </a:lnRef>
+          <a:fillRef idx="0">
+            <a:schemeClr val="accent1"/>
+          </a:fillRef>
+          <a:effectRef idx="0">
+            <a:schemeClr val="accent1"/>
+          </a:effectRef>
+          <a:fontRef idx="minor">
+            <a:schemeClr val="tx1"/>
+          </a:fontRef>
+        </p:style>
+      </p:cxnSp>
+    </p:spTree>
+    <p:extLst>
+      <p:ext uri="{BB962C8B-B14F-4D97-AF65-F5344CB8AC3E}">
+        <p14:creationId xmlns:p14="http://schemas.microsoft.com/office/powerpoint/2010/main" val="642075112"/>
+      </p:ext>
+    </p:extLst>
+  </p:cSld>
+  <p:clrMapOvr>
+    <a:masterClrMapping/>
+  </p:clrMapOvr>
+</p:sld>
+</file>
+
+<file path=ppt/slides/slide14.xml><?xml version="1.0" encoding="utf-8"?>
+<p:sld xmlns:a="http://schemas.openxmlformats.org/drawingml/2006/main" xmlns:r="http://schemas.openxmlformats.org/officeDocument/2006/relationships" xmlns:p="http://schemas.openxmlformats.org/presentationml/2006/main">
+  <p:cSld>
+    <p:spTree>
+      <p:nvGrpSpPr>
+        <p:cNvPr id="1" name=""/>
+        <p:cNvGrpSpPr/>
+        <p:nvPr/>
+      </p:nvGrpSpPr>
+      <p:grpSpPr>
+        <a:xfrm>
+          <a:off x="0" y="0"/>
+          <a:ext cx="0" cy="0"/>
+          <a:chOff x="0" y="0"/>
+          <a:chExt cx="0" cy="0"/>
+        </a:xfrm>
+      </p:grpSpPr>
+      <p:cxnSp>
+        <p:nvCxnSpPr>
+          <p:cNvPr id="106" name="직선 화살표 연결선 105">
+            <a:extLst>
+              <a:ext uri="{FF2B5EF4-FFF2-40B4-BE49-F238E27FC236}">
+                <a16:creationId xmlns:a16="http://schemas.microsoft.com/office/drawing/2014/main" id="{44619E2B-8BB3-CB4F-BC5D-9A5D7F8ED9C1}"/>
+              </a:ext>
+            </a:extLst>
+          </p:cNvPr>
+          <p:cNvCxnSpPr>
+            <a:cxnSpLocks/>
+          </p:cNvCxnSpPr>
+          <p:nvPr/>
+        </p:nvCxnSpPr>
+        <p:spPr>
+          <a:xfrm flipV="1">
+            <a:off x="6379615" y="1269211"/>
+            <a:ext cx="432152" cy="2640766"/>
+          </a:xfrm>
+          <a:prstGeom prst="straightConnector1">
+            <a:avLst/>
+          </a:prstGeom>
+          <a:ln w="25400">
+            <a:solidFill>
+              <a:srgbClr val="5DA2C5"/>
+            </a:solidFill>
+            <a:tailEnd type="stealth" w="lg" len="lg"/>
+          </a:ln>
+        </p:spPr>
+        <p:style>
+          <a:lnRef idx="1">
+            <a:schemeClr val="accent1"/>
+          </a:lnRef>
+          <a:fillRef idx="0">
+            <a:schemeClr val="accent1"/>
+          </a:fillRef>
+          <a:effectRef idx="0">
+            <a:schemeClr val="accent1"/>
+          </a:effectRef>
+          <a:fontRef idx="minor">
+            <a:schemeClr val="tx1"/>
+          </a:fontRef>
+        </p:style>
+      </p:cxnSp>
+      <p:grpSp>
+        <p:nvGrpSpPr>
+          <p:cNvPr id="3" name="그룹 2">
+            <a:extLst>
+              <a:ext uri="{FF2B5EF4-FFF2-40B4-BE49-F238E27FC236}">
+                <a16:creationId xmlns:a16="http://schemas.microsoft.com/office/drawing/2014/main" id="{B40383AB-D702-0F4A-9D23-0B42D0735B7F}"/>
+              </a:ext>
+            </a:extLst>
+          </p:cNvPr>
+          <p:cNvGrpSpPr/>
+          <p:nvPr/>
+        </p:nvGrpSpPr>
+        <p:grpSpPr>
+          <a:xfrm>
+            <a:off x="1231864" y="1320926"/>
+            <a:ext cx="1302870" cy="575035"/>
+            <a:chOff x="1231864" y="1320926"/>
+            <a:chExt cx="1302870" cy="575035"/>
+          </a:xfrm>
+        </p:grpSpPr>
+        <p:sp>
+          <p:nvSpPr>
+            <p:cNvPr id="114" name="직사각형 113">
+              <a:extLst>
+                <a:ext uri="{FF2B5EF4-FFF2-40B4-BE49-F238E27FC236}">
+                  <a16:creationId xmlns:a16="http://schemas.microsoft.com/office/drawing/2014/main" id="{6AAE3566-CC19-FC41-B2B1-902F9E2FCB91}"/>
+                </a:ext>
+              </a:extLst>
+            </p:cNvPr>
+            <p:cNvSpPr/>
+            <p:nvPr/>
+          </p:nvSpPr>
+          <p:spPr>
+            <a:xfrm>
+              <a:off x="1231864" y="1320926"/>
+              <a:ext cx="1302870" cy="575035"/>
+            </a:xfrm>
+            <a:prstGeom prst="rect">
+              <a:avLst/>
+            </a:prstGeom>
+            <a:ln w="19050">
+              <a:solidFill>
+                <a:srgbClr val="5DA2C5"/>
+              </a:solidFill>
+            </a:ln>
+          </p:spPr>
+          <p:style>
+            <a:lnRef idx="1">
+              <a:schemeClr val="accent1"/>
+            </a:lnRef>
+            <a:fillRef idx="0">
+              <a:schemeClr val="accent1"/>
+            </a:fillRef>
+            <a:effectRef idx="0">
+              <a:schemeClr val="accent1"/>
+            </a:effectRef>
+            <a:fontRef idx="minor">
+              <a:schemeClr val="tx1"/>
+            </a:fontRef>
+          </p:style>
+          <p:txBody>
+            <a:bodyPr rtlCol="0" anchor="ctr"/>
+            <a:lstStyle/>
+            <a:p>
+              <a:pPr algn="ctr"/>
+              <a:endParaRPr kumimoji="1" lang="ko-Kore-KR" altLang="en-US" dirty="0"/>
+            </a:p>
+          </p:txBody>
+        </p:sp>
+        <p:sp>
+          <p:nvSpPr>
+            <p:cNvPr id="115" name="TextBox 114">
+              <a:extLst>
+                <a:ext uri="{FF2B5EF4-FFF2-40B4-BE49-F238E27FC236}">
+                  <a16:creationId xmlns:a16="http://schemas.microsoft.com/office/drawing/2014/main" id="{00F2057A-6820-6844-9CC7-62597D82A013}"/>
+                </a:ext>
+              </a:extLst>
+            </p:cNvPr>
+            <p:cNvSpPr txBox="1"/>
+            <p:nvPr/>
+          </p:nvSpPr>
+          <p:spPr>
+            <a:xfrm>
+              <a:off x="1282635" y="1377610"/>
+              <a:ext cx="1201327" cy="461665"/>
+            </a:xfrm>
+            <a:prstGeom prst="rect">
+              <a:avLst/>
+            </a:prstGeom>
+            <a:noFill/>
+          </p:spPr>
+          <p:txBody>
+            <a:bodyPr wrap="square" rtlCol="0">
+              <a:spAutoFit/>
+            </a:bodyPr>
+            <a:lstStyle/>
+            <a:p>
+              <a:pPr algn="ctr"/>
+              <a:r>
+                <a:rPr kumimoji="1" lang="en-US" altLang="ko-Kore-KR" sz="1200" b="1" dirty="0">
+                  <a:solidFill>
+                    <a:srgbClr val="5DA2C5"/>
+                  </a:solidFill>
+                  <a:latin typeface="SHeadG" panose="02030600000101010101" pitchFamily="18" charset="-127"/>
+                  <a:ea typeface="SHeadG" panose="02030600000101010101" pitchFamily="18" charset="-127"/>
+                </a:rPr>
+                <a:t>Taxi </a:t>
+              </a:r>
+            </a:p>
+            <a:p>
+              <a:pPr algn="ctr"/>
+              <a:r>
+                <a:rPr kumimoji="1" lang="en-US" altLang="ko-Kore-KR" sz="1200" b="1" dirty="0">
+                  <a:solidFill>
+                    <a:srgbClr val="5DA2C5"/>
+                  </a:solidFill>
+                  <a:latin typeface="SHeadG" panose="02030600000101010101" pitchFamily="18" charset="-127"/>
+                  <a:ea typeface="SHeadG" panose="02030600000101010101" pitchFamily="18" charset="-127"/>
+                </a:rPr>
+                <a:t>UI</a:t>
+              </a:r>
+              <a:endParaRPr kumimoji="1" lang="ko-Kore-KR" altLang="en-US" sz="1200" b="1" dirty="0">
+                <a:solidFill>
+                  <a:srgbClr val="5DA2C5"/>
+                </a:solidFill>
+                <a:latin typeface="SHeadG" panose="02030600000101010101" pitchFamily="18" charset="-127"/>
+                <a:ea typeface="SHeadG" panose="02030600000101010101" pitchFamily="18" charset="-127"/>
+              </a:endParaRPr>
+            </a:p>
+          </p:txBody>
+        </p:sp>
+      </p:grpSp>
+      <p:grpSp>
+        <p:nvGrpSpPr>
+          <p:cNvPr id="42" name="그룹 41">
+            <a:extLst>
+              <a:ext uri="{FF2B5EF4-FFF2-40B4-BE49-F238E27FC236}">
+                <a16:creationId xmlns:a16="http://schemas.microsoft.com/office/drawing/2014/main" id="{950FF38F-C31A-3C44-8DD9-96E2E5E996C3}"/>
+              </a:ext>
+            </a:extLst>
+          </p:cNvPr>
+          <p:cNvGrpSpPr/>
+          <p:nvPr/>
+        </p:nvGrpSpPr>
+        <p:grpSpPr>
+          <a:xfrm>
+            <a:off x="3375498" y="694177"/>
+            <a:ext cx="1302870" cy="575035"/>
+            <a:chOff x="1231864" y="1320926"/>
+            <a:chExt cx="1302870" cy="575035"/>
+          </a:xfrm>
+        </p:grpSpPr>
+        <p:sp>
+          <p:nvSpPr>
+            <p:cNvPr id="43" name="직사각형 42">
+              <a:extLst>
+                <a:ext uri="{FF2B5EF4-FFF2-40B4-BE49-F238E27FC236}">
+                  <a16:creationId xmlns:a16="http://schemas.microsoft.com/office/drawing/2014/main" id="{89EEDE68-E79B-9D44-BDD6-4156EB340D54}"/>
+                </a:ext>
+              </a:extLst>
+            </p:cNvPr>
+            <p:cNvSpPr/>
+            <p:nvPr/>
+          </p:nvSpPr>
+          <p:spPr>
+            <a:xfrm>
+              <a:off x="1231864" y="1320926"/>
+              <a:ext cx="1302870" cy="575035"/>
+            </a:xfrm>
+            <a:prstGeom prst="rect">
+              <a:avLst/>
+            </a:prstGeom>
+            <a:ln w="19050">
+              <a:solidFill>
+                <a:srgbClr val="5DA2C5"/>
+              </a:solidFill>
+            </a:ln>
+          </p:spPr>
+          <p:style>
+            <a:lnRef idx="1">
+              <a:schemeClr val="accent1"/>
+            </a:lnRef>
+            <a:fillRef idx="0">
+              <a:schemeClr val="accent1"/>
+            </a:fillRef>
+            <a:effectRef idx="0">
+              <a:schemeClr val="accent1"/>
+            </a:effectRef>
+            <a:fontRef idx="minor">
+              <a:schemeClr val="tx1"/>
+            </a:fontRef>
+          </p:style>
+          <p:txBody>
+            <a:bodyPr rtlCol="0" anchor="ctr"/>
+            <a:lstStyle/>
+            <a:p>
+              <a:pPr algn="ctr"/>
+              <a:endParaRPr kumimoji="1" lang="ko-Kore-KR" altLang="en-US" dirty="0"/>
+            </a:p>
+          </p:txBody>
+        </p:sp>
+        <p:sp>
+          <p:nvSpPr>
+            <p:cNvPr id="44" name="TextBox 43">
+              <a:extLst>
+                <a:ext uri="{FF2B5EF4-FFF2-40B4-BE49-F238E27FC236}">
+                  <a16:creationId xmlns:a16="http://schemas.microsoft.com/office/drawing/2014/main" id="{F84A4754-483C-F948-BE4F-273E71D2B8B9}"/>
+                </a:ext>
+              </a:extLst>
+            </p:cNvPr>
+            <p:cNvSpPr txBox="1"/>
+            <p:nvPr/>
+          </p:nvSpPr>
+          <p:spPr>
+            <a:xfrm>
+              <a:off x="1282635" y="1377610"/>
+              <a:ext cx="1201327" cy="461665"/>
+            </a:xfrm>
+            <a:prstGeom prst="rect">
+              <a:avLst/>
+            </a:prstGeom>
+            <a:noFill/>
+          </p:spPr>
+          <p:txBody>
+            <a:bodyPr wrap="square" rtlCol="0">
+              <a:spAutoFit/>
+            </a:bodyPr>
+            <a:lstStyle/>
+            <a:p>
+              <a:pPr algn="ctr"/>
+              <a:r>
+                <a:rPr kumimoji="1" lang="en-US" altLang="ko-Kore-KR" sz="1200" b="1" dirty="0">
+                  <a:solidFill>
+                    <a:srgbClr val="5DA2C5"/>
+                  </a:solidFill>
+                  <a:latin typeface="SHeadG" panose="02030600000101010101" pitchFamily="18" charset="-127"/>
+                  <a:ea typeface="SHeadG" panose="02030600000101010101" pitchFamily="18" charset="-127"/>
+                </a:rPr>
+                <a:t>Taxi </a:t>
+              </a:r>
+            </a:p>
+            <a:p>
+              <a:pPr algn="ctr"/>
+              <a:r>
+                <a:rPr kumimoji="1" lang="en-US" altLang="ko-Kore-KR" sz="1200" b="1" dirty="0">
+                  <a:solidFill>
+                    <a:srgbClr val="5DA2C5"/>
+                  </a:solidFill>
+                  <a:latin typeface="SHeadG" panose="02030600000101010101" pitchFamily="18" charset="-127"/>
+                  <a:ea typeface="SHeadG" panose="02030600000101010101" pitchFamily="18" charset="-127"/>
+                </a:rPr>
+                <a:t>Finder</a:t>
+              </a:r>
+              <a:endParaRPr kumimoji="1" lang="ko-Kore-KR" altLang="en-US" sz="1200" b="1" dirty="0">
+                <a:solidFill>
+                  <a:srgbClr val="5DA2C5"/>
+                </a:solidFill>
+                <a:latin typeface="SHeadG" panose="02030600000101010101" pitchFamily="18" charset="-127"/>
+                <a:ea typeface="SHeadG" panose="02030600000101010101" pitchFamily="18" charset="-127"/>
+              </a:endParaRPr>
+            </a:p>
+          </p:txBody>
+        </p:sp>
+      </p:grpSp>
+      <p:grpSp>
+        <p:nvGrpSpPr>
+          <p:cNvPr id="45" name="그룹 44">
+            <a:extLst>
+              <a:ext uri="{FF2B5EF4-FFF2-40B4-BE49-F238E27FC236}">
+                <a16:creationId xmlns:a16="http://schemas.microsoft.com/office/drawing/2014/main" id="{2F77D5B5-F389-D241-8019-87282ACA39A8}"/>
+              </a:ext>
+            </a:extLst>
+          </p:cNvPr>
+          <p:cNvGrpSpPr/>
+          <p:nvPr/>
+        </p:nvGrpSpPr>
+        <p:grpSpPr>
+          <a:xfrm>
+            <a:off x="5818024" y="694175"/>
+            <a:ext cx="1302870" cy="575035"/>
+            <a:chOff x="1231864" y="1320926"/>
+            <a:chExt cx="1302870" cy="575035"/>
+          </a:xfrm>
+        </p:grpSpPr>
+        <p:sp>
+          <p:nvSpPr>
+            <p:cNvPr id="46" name="직사각형 45">
+              <a:extLst>
+                <a:ext uri="{FF2B5EF4-FFF2-40B4-BE49-F238E27FC236}">
+                  <a16:creationId xmlns:a16="http://schemas.microsoft.com/office/drawing/2014/main" id="{84E30544-023C-B747-AE74-71A02086B212}"/>
+                </a:ext>
+              </a:extLst>
+            </p:cNvPr>
+            <p:cNvSpPr/>
+            <p:nvPr/>
+          </p:nvSpPr>
+          <p:spPr>
+            <a:xfrm>
+              <a:off x="1231864" y="1320926"/>
+              <a:ext cx="1302870" cy="575035"/>
+            </a:xfrm>
+            <a:prstGeom prst="rect">
+              <a:avLst/>
+            </a:prstGeom>
+            <a:ln w="19050">
+              <a:solidFill>
+                <a:srgbClr val="5DA2C5"/>
+              </a:solidFill>
+            </a:ln>
+          </p:spPr>
+          <p:style>
+            <a:lnRef idx="1">
+              <a:schemeClr val="accent1"/>
+            </a:lnRef>
+            <a:fillRef idx="0">
+              <a:schemeClr val="accent1"/>
+            </a:fillRef>
+            <a:effectRef idx="0">
+              <a:schemeClr val="accent1"/>
+            </a:effectRef>
+            <a:fontRef idx="minor">
+              <a:schemeClr val="tx1"/>
+            </a:fontRef>
+          </p:style>
+          <p:txBody>
+            <a:bodyPr rtlCol="0" anchor="ctr"/>
+            <a:lstStyle/>
+            <a:p>
+              <a:pPr algn="ctr"/>
+              <a:endParaRPr kumimoji="1" lang="ko-Kore-KR" altLang="en-US" dirty="0"/>
+            </a:p>
+          </p:txBody>
+        </p:sp>
+        <p:sp>
+          <p:nvSpPr>
+            <p:cNvPr id="47" name="TextBox 46">
+              <a:extLst>
+                <a:ext uri="{FF2B5EF4-FFF2-40B4-BE49-F238E27FC236}">
+                  <a16:creationId xmlns:a16="http://schemas.microsoft.com/office/drawing/2014/main" id="{33A9214E-4863-1E42-9FAF-3DE3A7445F39}"/>
+                </a:ext>
+              </a:extLst>
+            </p:cNvPr>
+            <p:cNvSpPr txBox="1"/>
+            <p:nvPr/>
+          </p:nvSpPr>
+          <p:spPr>
+            <a:xfrm>
+              <a:off x="1282635" y="1377610"/>
+              <a:ext cx="1201327" cy="461665"/>
+            </a:xfrm>
+            <a:prstGeom prst="rect">
+              <a:avLst/>
+            </a:prstGeom>
+            <a:noFill/>
+          </p:spPr>
+          <p:txBody>
+            <a:bodyPr wrap="square" rtlCol="0">
+              <a:spAutoFit/>
+            </a:bodyPr>
+            <a:lstStyle/>
+            <a:p>
+              <a:pPr algn="ctr"/>
+              <a:r>
+                <a:rPr kumimoji="1" lang="en-US" altLang="ko-Kore-KR" sz="1200" b="1" dirty="0">
+                  <a:solidFill>
+                    <a:srgbClr val="5DA2C5"/>
+                  </a:solidFill>
+                  <a:latin typeface="SHeadG" panose="02030600000101010101" pitchFamily="18" charset="-127"/>
+                  <a:ea typeface="SHeadG" panose="02030600000101010101" pitchFamily="18" charset="-127"/>
+                </a:rPr>
+                <a:t>Taxi </a:t>
+              </a:r>
+            </a:p>
+            <a:p>
+              <a:pPr algn="ctr"/>
+              <a:r>
+                <a:rPr kumimoji="1" lang="en-US" altLang="ko-Kore-KR" sz="1200" b="1" dirty="0">
+                  <a:solidFill>
+                    <a:srgbClr val="5DA2C5"/>
+                  </a:solidFill>
+                  <a:latin typeface="SHeadG" panose="02030600000101010101" pitchFamily="18" charset="-127"/>
+                  <a:ea typeface="SHeadG" panose="02030600000101010101" pitchFamily="18" charset="-127"/>
+                </a:rPr>
+                <a:t>Supplier</a:t>
+              </a:r>
+              <a:endParaRPr kumimoji="1" lang="ko-Kore-KR" altLang="en-US" sz="1200" b="1" dirty="0">
+                <a:solidFill>
+                  <a:srgbClr val="5DA2C5"/>
+                </a:solidFill>
+                <a:latin typeface="SHeadG" panose="02030600000101010101" pitchFamily="18" charset="-127"/>
+                <a:ea typeface="SHeadG" panose="02030600000101010101" pitchFamily="18" charset="-127"/>
+              </a:endParaRPr>
+            </a:p>
+          </p:txBody>
+        </p:sp>
+      </p:grpSp>
+      <p:grpSp>
+        <p:nvGrpSpPr>
+          <p:cNvPr id="48" name="그룹 47">
+            <a:extLst>
+              <a:ext uri="{FF2B5EF4-FFF2-40B4-BE49-F238E27FC236}">
+                <a16:creationId xmlns:a16="http://schemas.microsoft.com/office/drawing/2014/main" id="{B5173740-C375-FA40-8EED-29D80D8227E4}"/>
+              </a:ext>
+            </a:extLst>
+          </p:cNvPr>
+          <p:cNvGrpSpPr/>
+          <p:nvPr/>
+        </p:nvGrpSpPr>
+        <p:grpSpPr>
+          <a:xfrm>
+            <a:off x="3375497" y="2069202"/>
+            <a:ext cx="1302870" cy="575035"/>
+            <a:chOff x="1231864" y="1320926"/>
+            <a:chExt cx="1302870" cy="575035"/>
+          </a:xfrm>
+        </p:grpSpPr>
+        <p:sp>
+          <p:nvSpPr>
+            <p:cNvPr id="49" name="직사각형 48">
+              <a:extLst>
+                <a:ext uri="{FF2B5EF4-FFF2-40B4-BE49-F238E27FC236}">
+                  <a16:creationId xmlns:a16="http://schemas.microsoft.com/office/drawing/2014/main" id="{B9C5C980-6ABB-8440-A017-437860B12B97}"/>
+                </a:ext>
+              </a:extLst>
+            </p:cNvPr>
+            <p:cNvSpPr/>
+            <p:nvPr/>
+          </p:nvSpPr>
+          <p:spPr>
+            <a:xfrm>
+              <a:off x="1231864" y="1320926"/>
+              <a:ext cx="1302870" cy="575035"/>
+            </a:xfrm>
+            <a:prstGeom prst="rect">
+              <a:avLst/>
+            </a:prstGeom>
+            <a:ln w="19050">
+              <a:solidFill>
+                <a:srgbClr val="5DA2C5"/>
+              </a:solidFill>
+            </a:ln>
+          </p:spPr>
+          <p:style>
+            <a:lnRef idx="1">
+              <a:schemeClr val="accent1"/>
+            </a:lnRef>
+            <a:fillRef idx="0">
+              <a:schemeClr val="accent1"/>
+            </a:fillRef>
+            <a:effectRef idx="0">
+              <a:schemeClr val="accent1"/>
+            </a:effectRef>
+            <a:fontRef idx="minor">
+              <a:schemeClr val="tx1"/>
+            </a:fontRef>
+          </p:style>
+          <p:txBody>
+            <a:bodyPr rtlCol="0" anchor="ctr"/>
+            <a:lstStyle/>
+            <a:p>
+              <a:pPr algn="ctr"/>
+              <a:endParaRPr kumimoji="1" lang="ko-Kore-KR" altLang="en-US" dirty="0"/>
+            </a:p>
+          </p:txBody>
+        </p:sp>
+        <p:sp>
+          <p:nvSpPr>
+            <p:cNvPr id="50" name="TextBox 49">
+              <a:extLst>
+                <a:ext uri="{FF2B5EF4-FFF2-40B4-BE49-F238E27FC236}">
+                  <a16:creationId xmlns:a16="http://schemas.microsoft.com/office/drawing/2014/main" id="{9ACEE69F-1DAC-704A-BC6F-61F9E1EC9DD5}"/>
+                </a:ext>
+              </a:extLst>
+            </p:cNvPr>
+            <p:cNvSpPr txBox="1"/>
+            <p:nvPr/>
+          </p:nvSpPr>
+          <p:spPr>
+            <a:xfrm>
+              <a:off x="1282635" y="1377610"/>
+              <a:ext cx="1201327" cy="461665"/>
+            </a:xfrm>
+            <a:prstGeom prst="rect">
+              <a:avLst/>
+            </a:prstGeom>
+            <a:noFill/>
+          </p:spPr>
+          <p:txBody>
+            <a:bodyPr wrap="square" rtlCol="0">
+              <a:spAutoFit/>
+            </a:bodyPr>
+            <a:lstStyle/>
+            <a:p>
+              <a:pPr algn="ctr"/>
+              <a:r>
+                <a:rPr kumimoji="1" lang="en-US" altLang="ko-Kore-KR" sz="1200" b="1" dirty="0">
+                  <a:solidFill>
+                    <a:srgbClr val="5DA2C5"/>
+                  </a:solidFill>
+                  <a:latin typeface="SHeadG" panose="02030600000101010101" pitchFamily="18" charset="-127"/>
+                  <a:ea typeface="SHeadG" panose="02030600000101010101" pitchFamily="18" charset="-127"/>
+                </a:rPr>
+                <a:t>Taxi </a:t>
+              </a:r>
+            </a:p>
+            <a:p>
+              <a:pPr algn="ctr"/>
+              <a:r>
+                <a:rPr kumimoji="1" lang="en-US" altLang="ko-Kore-KR" sz="1200" b="1" dirty="0">
+                  <a:solidFill>
+                    <a:srgbClr val="5DA2C5"/>
+                  </a:solidFill>
+                  <a:latin typeface="SHeadG" panose="02030600000101010101" pitchFamily="18" charset="-127"/>
+                  <a:ea typeface="SHeadG" panose="02030600000101010101" pitchFamily="18" charset="-127"/>
+                </a:rPr>
+                <a:t>Selector</a:t>
+              </a:r>
+              <a:endParaRPr kumimoji="1" lang="ko-Kore-KR" altLang="en-US" sz="1200" b="1" dirty="0">
+                <a:solidFill>
+                  <a:srgbClr val="5DA2C5"/>
+                </a:solidFill>
+                <a:latin typeface="SHeadG" panose="02030600000101010101" pitchFamily="18" charset="-127"/>
+                <a:ea typeface="SHeadG" panose="02030600000101010101" pitchFamily="18" charset="-127"/>
+              </a:endParaRPr>
+            </a:p>
+          </p:txBody>
+        </p:sp>
+      </p:grpSp>
+      <p:grpSp>
+        <p:nvGrpSpPr>
+          <p:cNvPr id="51" name="그룹 50">
+            <a:extLst>
+              <a:ext uri="{FF2B5EF4-FFF2-40B4-BE49-F238E27FC236}">
+                <a16:creationId xmlns:a16="http://schemas.microsoft.com/office/drawing/2014/main" id="{B595326A-DE72-0D43-9312-CE799B82A7D6}"/>
+              </a:ext>
+            </a:extLst>
+          </p:cNvPr>
+          <p:cNvGrpSpPr/>
+          <p:nvPr/>
+        </p:nvGrpSpPr>
+        <p:grpSpPr>
+          <a:xfrm>
+            <a:off x="5818024" y="2069200"/>
+            <a:ext cx="1302870" cy="575035"/>
+            <a:chOff x="1231864" y="1320926"/>
+            <a:chExt cx="1302870" cy="575035"/>
+          </a:xfrm>
+        </p:grpSpPr>
+        <p:sp>
+          <p:nvSpPr>
+            <p:cNvPr id="52" name="직사각형 51">
+              <a:extLst>
+                <a:ext uri="{FF2B5EF4-FFF2-40B4-BE49-F238E27FC236}">
+                  <a16:creationId xmlns:a16="http://schemas.microsoft.com/office/drawing/2014/main" id="{E4380371-E802-0848-A5AB-C781F38F36F6}"/>
+                </a:ext>
+              </a:extLst>
+            </p:cNvPr>
+            <p:cNvSpPr/>
+            <p:nvPr/>
+          </p:nvSpPr>
+          <p:spPr>
+            <a:xfrm>
+              <a:off x="1231864" y="1320926"/>
+              <a:ext cx="1302870" cy="575035"/>
+            </a:xfrm>
+            <a:prstGeom prst="rect">
+              <a:avLst/>
+            </a:prstGeom>
+            <a:solidFill>
+              <a:schemeClr val="bg1"/>
+            </a:solidFill>
+            <a:ln w="19050">
+              <a:solidFill>
+                <a:srgbClr val="5DA2C5"/>
+              </a:solidFill>
+            </a:ln>
+          </p:spPr>
+          <p:style>
+            <a:lnRef idx="1">
+              <a:schemeClr val="accent1"/>
+            </a:lnRef>
+            <a:fillRef idx="0">
+              <a:schemeClr val="accent1"/>
+            </a:fillRef>
+            <a:effectRef idx="0">
+              <a:schemeClr val="accent1"/>
+            </a:effectRef>
+            <a:fontRef idx="minor">
+              <a:schemeClr val="tx1"/>
+            </a:fontRef>
+          </p:style>
+          <p:txBody>
+            <a:bodyPr rtlCol="0" anchor="ctr"/>
+            <a:lstStyle/>
+            <a:p>
+              <a:pPr algn="ctr"/>
+              <a:endParaRPr kumimoji="1" lang="ko-Kore-KR" altLang="en-US" dirty="0"/>
+            </a:p>
+          </p:txBody>
+        </p:sp>
+        <p:sp>
+          <p:nvSpPr>
+            <p:cNvPr id="53" name="TextBox 52">
+              <a:extLst>
+                <a:ext uri="{FF2B5EF4-FFF2-40B4-BE49-F238E27FC236}">
+                  <a16:creationId xmlns:a16="http://schemas.microsoft.com/office/drawing/2014/main" id="{DF4C21AB-A6D4-714B-8B98-755DB7BF6769}"/>
+                </a:ext>
+              </a:extLst>
+            </p:cNvPr>
+            <p:cNvSpPr txBox="1"/>
+            <p:nvPr/>
+          </p:nvSpPr>
+          <p:spPr>
+            <a:xfrm>
+              <a:off x="1282635" y="1377610"/>
+              <a:ext cx="1201327" cy="461665"/>
+            </a:xfrm>
+            <a:prstGeom prst="rect">
+              <a:avLst/>
+            </a:prstGeom>
+            <a:noFill/>
+          </p:spPr>
+          <p:txBody>
+            <a:bodyPr wrap="square" rtlCol="0">
+              <a:spAutoFit/>
+            </a:bodyPr>
+            <a:lstStyle/>
+            <a:p>
+              <a:pPr algn="ctr"/>
+              <a:r>
+                <a:rPr kumimoji="1" lang="en-US" altLang="ko-Kore-KR" sz="1200" b="1" dirty="0">
+                  <a:solidFill>
+                    <a:srgbClr val="5DA2C5"/>
+                  </a:solidFill>
+                  <a:latin typeface="SHeadG" panose="02030600000101010101" pitchFamily="18" charset="-127"/>
+                  <a:ea typeface="SHeadG" panose="02030600000101010101" pitchFamily="18" charset="-127"/>
+                </a:rPr>
+                <a:t>Taxi </a:t>
+              </a:r>
+            </a:p>
+            <a:p>
+              <a:pPr algn="ctr"/>
+              <a:r>
+                <a:rPr kumimoji="1" lang="en-US" altLang="ko-Kore-KR" sz="1200" b="1" dirty="0">
+                  <a:solidFill>
+                    <a:srgbClr val="5DA2C5"/>
+                  </a:solidFill>
+                  <a:latin typeface="SHeadG" panose="02030600000101010101" pitchFamily="18" charset="-127"/>
+                  <a:ea typeface="SHeadG" panose="02030600000101010101" pitchFamily="18" charset="-127"/>
+                </a:rPr>
+                <a:t>Dispatcher</a:t>
+              </a:r>
+              <a:endParaRPr kumimoji="1" lang="ko-Kore-KR" altLang="en-US" sz="1200" b="1" dirty="0">
+                <a:solidFill>
+                  <a:srgbClr val="5DA2C5"/>
+                </a:solidFill>
+                <a:latin typeface="SHeadG" panose="02030600000101010101" pitchFamily="18" charset="-127"/>
+                <a:ea typeface="SHeadG" panose="02030600000101010101" pitchFamily="18" charset="-127"/>
+              </a:endParaRPr>
+            </a:p>
+          </p:txBody>
+        </p:sp>
+      </p:grpSp>
+      <p:grpSp>
+        <p:nvGrpSpPr>
+          <p:cNvPr id="4" name="그룹 3">
+            <a:extLst>
+              <a:ext uri="{FF2B5EF4-FFF2-40B4-BE49-F238E27FC236}">
+                <a16:creationId xmlns:a16="http://schemas.microsoft.com/office/drawing/2014/main" id="{77121439-B586-3847-83C8-3B630C053316}"/>
+              </a:ext>
+            </a:extLst>
+          </p:cNvPr>
+          <p:cNvGrpSpPr/>
+          <p:nvPr/>
+        </p:nvGrpSpPr>
+        <p:grpSpPr>
+          <a:xfrm>
+            <a:off x="3883656" y="5244584"/>
+            <a:ext cx="1364540" cy="631723"/>
+            <a:chOff x="4565925" y="4569065"/>
+            <a:chExt cx="1364540" cy="631723"/>
+          </a:xfrm>
+        </p:grpSpPr>
+        <p:sp>
+          <p:nvSpPr>
+            <p:cNvPr id="58" name="직사각형 57">
+              <a:extLst>
+                <a:ext uri="{FF2B5EF4-FFF2-40B4-BE49-F238E27FC236}">
+                  <a16:creationId xmlns:a16="http://schemas.microsoft.com/office/drawing/2014/main" id="{E26C29C8-2AC4-124B-BC48-15063E756AC6}"/>
+                </a:ext>
+              </a:extLst>
+            </p:cNvPr>
+            <p:cNvSpPr/>
+            <p:nvPr/>
+          </p:nvSpPr>
+          <p:spPr>
+            <a:xfrm>
+              <a:off x="4627595" y="4569065"/>
+              <a:ext cx="1302870" cy="575035"/>
+            </a:xfrm>
+            <a:prstGeom prst="rect">
+              <a:avLst/>
+            </a:prstGeom>
+            <a:ln w="19050">
+              <a:solidFill>
+                <a:srgbClr val="5DA2C5"/>
+              </a:solidFill>
+            </a:ln>
+          </p:spPr>
+          <p:style>
+            <a:lnRef idx="1">
+              <a:schemeClr val="accent1"/>
+            </a:lnRef>
+            <a:fillRef idx="0">
+              <a:schemeClr val="accent1"/>
+            </a:fillRef>
+            <a:effectRef idx="0">
+              <a:schemeClr val="accent1"/>
+            </a:effectRef>
+            <a:fontRef idx="minor">
+              <a:schemeClr val="tx1"/>
+            </a:fontRef>
+          </p:style>
+          <p:txBody>
+            <a:bodyPr rtlCol="0" anchor="ctr"/>
+            <a:lstStyle/>
+            <a:p>
+              <a:pPr algn="ctr"/>
+              <a:endParaRPr kumimoji="1" lang="ko-Kore-KR" altLang="en-US" dirty="0"/>
+            </a:p>
+          </p:txBody>
+        </p:sp>
+        <p:grpSp>
+          <p:nvGrpSpPr>
+            <p:cNvPr id="54" name="그룹 53">
+              <a:extLst>
+                <a:ext uri="{FF2B5EF4-FFF2-40B4-BE49-F238E27FC236}">
+                  <a16:creationId xmlns:a16="http://schemas.microsoft.com/office/drawing/2014/main" id="{0DB80CAB-24EE-594D-9333-E119AE619D3F}"/>
+                </a:ext>
+              </a:extLst>
+            </p:cNvPr>
+            <p:cNvGrpSpPr/>
+            <p:nvPr/>
+          </p:nvGrpSpPr>
+          <p:grpSpPr>
+            <a:xfrm>
+              <a:off x="4565925" y="4625753"/>
+              <a:ext cx="1302870" cy="575035"/>
+              <a:chOff x="1231864" y="1320926"/>
+              <a:chExt cx="1302870" cy="575035"/>
+            </a:xfrm>
+          </p:grpSpPr>
+          <p:sp>
+            <p:nvSpPr>
+              <p:cNvPr id="55" name="직사각형 54">
+                <a:extLst>
+                  <a:ext uri="{FF2B5EF4-FFF2-40B4-BE49-F238E27FC236}">
+                    <a16:creationId xmlns:a16="http://schemas.microsoft.com/office/drawing/2014/main" id="{A86A2757-2727-C247-8C54-2F99A309D5E0}"/>
+                  </a:ext>
+                </a:extLst>
+              </p:cNvPr>
+              <p:cNvSpPr/>
+              <p:nvPr/>
+            </p:nvSpPr>
+            <p:spPr>
+              <a:xfrm>
+                <a:off x="1231864" y="1320926"/>
+                <a:ext cx="1302870" cy="575035"/>
+              </a:xfrm>
+              <a:prstGeom prst="rect">
+                <a:avLst/>
+              </a:prstGeom>
+              <a:solidFill>
+                <a:schemeClr val="bg1"/>
+              </a:solidFill>
+              <a:ln w="19050">
+                <a:solidFill>
+                  <a:srgbClr val="5DA2C5"/>
+                </a:solidFill>
+              </a:ln>
+            </p:spPr>
+            <p:style>
+              <a:lnRef idx="1">
+                <a:schemeClr val="accent1"/>
+              </a:lnRef>
+              <a:fillRef idx="0">
+                <a:schemeClr val="accent1"/>
+              </a:fillRef>
+              <a:effectRef idx="0">
+                <a:schemeClr val="accent1"/>
+              </a:effectRef>
+              <a:fontRef idx="minor">
+                <a:schemeClr val="tx1"/>
+              </a:fontRef>
+            </p:style>
+            <p:txBody>
+              <a:bodyPr rtlCol="0" anchor="ctr"/>
+              <a:lstStyle/>
+              <a:p>
+                <a:pPr algn="ctr"/>
+                <a:endParaRPr kumimoji="1" lang="ko-Kore-KR" altLang="en-US" dirty="0"/>
+              </a:p>
+            </p:txBody>
+          </p:sp>
+          <p:sp>
+            <p:nvSpPr>
+              <p:cNvPr id="56" name="TextBox 55">
+                <a:extLst>
+                  <a:ext uri="{FF2B5EF4-FFF2-40B4-BE49-F238E27FC236}">
+                    <a16:creationId xmlns:a16="http://schemas.microsoft.com/office/drawing/2014/main" id="{9A2742F3-3F5C-444F-ADDE-8241C2D5FE89}"/>
+                  </a:ext>
+                </a:extLst>
+              </p:cNvPr>
+              <p:cNvSpPr txBox="1"/>
+              <p:nvPr/>
+            </p:nvSpPr>
+            <p:spPr>
+              <a:xfrm>
+                <a:off x="1282635" y="1377610"/>
+                <a:ext cx="1201327" cy="461665"/>
+              </a:xfrm>
+              <a:prstGeom prst="rect">
+                <a:avLst/>
+              </a:prstGeom>
+              <a:noFill/>
+            </p:spPr>
+            <p:txBody>
+              <a:bodyPr wrap="square" rtlCol="0">
+                <a:spAutoFit/>
+              </a:bodyPr>
+              <a:lstStyle/>
+              <a:p>
+                <a:pPr algn="ctr"/>
+                <a:r>
+                  <a:rPr kumimoji="1" lang="en-US" altLang="ko-Kore-KR" sz="1200" b="1" dirty="0">
+                    <a:solidFill>
+                      <a:srgbClr val="5DA2C5"/>
+                    </a:solidFill>
+                    <a:latin typeface="SHeadG" panose="02030600000101010101" pitchFamily="18" charset="-127"/>
+                    <a:ea typeface="SHeadG" panose="02030600000101010101" pitchFamily="18" charset="-127"/>
+                  </a:rPr>
+                  <a:t>Component</a:t>
+                </a:r>
+              </a:p>
+              <a:p>
+                <a:pPr algn="ctr"/>
+                <a:r>
+                  <a:rPr kumimoji="1" lang="en-US" altLang="ko-Kore-KR" sz="1200" b="1" dirty="0">
+                    <a:solidFill>
+                      <a:srgbClr val="5DA2C5"/>
+                    </a:solidFill>
+                    <a:latin typeface="SHeadG" panose="02030600000101010101" pitchFamily="18" charset="-127"/>
+                    <a:ea typeface="SHeadG" panose="02030600000101010101" pitchFamily="18" charset="-127"/>
+                  </a:rPr>
+                  <a:t>Factories</a:t>
+                </a:r>
+                <a:endParaRPr kumimoji="1" lang="ko-Kore-KR" altLang="en-US" sz="1200" b="1" dirty="0">
+                  <a:solidFill>
+                    <a:srgbClr val="5DA2C5"/>
+                  </a:solidFill>
+                  <a:latin typeface="SHeadG" panose="02030600000101010101" pitchFamily="18" charset="-127"/>
+                  <a:ea typeface="SHeadG" panose="02030600000101010101" pitchFamily="18" charset="-127"/>
+                </a:endParaRPr>
+              </a:p>
+            </p:txBody>
+          </p:sp>
+        </p:grpSp>
+      </p:grpSp>
+      <p:cxnSp>
+        <p:nvCxnSpPr>
+          <p:cNvPr id="7" name="꺾인 연결선[E] 6">
+            <a:extLst>
+              <a:ext uri="{FF2B5EF4-FFF2-40B4-BE49-F238E27FC236}">
+                <a16:creationId xmlns:a16="http://schemas.microsoft.com/office/drawing/2014/main" id="{9CA71B6E-BD78-E544-90DB-632229D96E03}"/>
+              </a:ext>
+            </a:extLst>
+          </p:cNvPr>
+          <p:cNvCxnSpPr>
+            <a:stCxn id="114" idx="0"/>
+            <a:endCxn id="43" idx="1"/>
+          </p:cNvCxnSpPr>
+          <p:nvPr/>
+        </p:nvCxnSpPr>
+        <p:spPr>
+          <a:xfrm rot="5400000" flipH="1" flipV="1">
+            <a:off x="2459783" y="405212"/>
+            <a:ext cx="339231" cy="1492199"/>
+          </a:xfrm>
+          <a:prstGeom prst="bentConnector2">
+            <a:avLst/>
+          </a:prstGeom>
+          <a:ln w="25400">
+            <a:solidFill>
+              <a:srgbClr val="5DA2C5"/>
+            </a:solidFill>
+            <a:tailEnd type="stealth" w="lg" len="lg"/>
+          </a:ln>
+        </p:spPr>
+        <p:style>
+          <a:lnRef idx="1">
+            <a:schemeClr val="accent1"/>
+          </a:lnRef>
+          <a:fillRef idx="0">
+            <a:schemeClr val="accent1"/>
+          </a:fillRef>
+          <a:effectRef idx="0">
+            <a:schemeClr val="accent1"/>
+          </a:effectRef>
+          <a:fontRef idx="minor">
+            <a:schemeClr val="tx1"/>
+          </a:fontRef>
+        </p:style>
+      </p:cxnSp>
+      <p:cxnSp>
+        <p:nvCxnSpPr>
+          <p:cNvPr id="63" name="꺾인 연결선[E] 62">
+            <a:extLst>
+              <a:ext uri="{FF2B5EF4-FFF2-40B4-BE49-F238E27FC236}">
+                <a16:creationId xmlns:a16="http://schemas.microsoft.com/office/drawing/2014/main" id="{F9B0578B-FA2C-F643-A7A6-16A19450CA93}"/>
+              </a:ext>
+            </a:extLst>
+          </p:cNvPr>
+          <p:cNvCxnSpPr>
+            <a:cxnSpLocks/>
+            <a:stCxn id="114" idx="2"/>
+            <a:endCxn id="49" idx="1"/>
+          </p:cNvCxnSpPr>
+          <p:nvPr/>
+        </p:nvCxnSpPr>
+        <p:spPr>
+          <a:xfrm rot="16200000" flipH="1">
+            <a:off x="2399019" y="1380241"/>
+            <a:ext cx="460759" cy="1492198"/>
+          </a:xfrm>
+          <a:prstGeom prst="bentConnector2">
+            <a:avLst/>
+          </a:prstGeom>
+          <a:ln w="25400">
+            <a:solidFill>
+              <a:srgbClr val="5DA2C5"/>
+            </a:solidFill>
+            <a:tailEnd type="stealth" w="lg" len="lg"/>
+          </a:ln>
+        </p:spPr>
+        <p:style>
+          <a:lnRef idx="1">
+            <a:schemeClr val="accent1"/>
+          </a:lnRef>
+          <a:fillRef idx="0">
+            <a:schemeClr val="accent1"/>
+          </a:fillRef>
+          <a:effectRef idx="0">
+            <a:schemeClr val="accent1"/>
+          </a:effectRef>
+          <a:fontRef idx="minor">
+            <a:schemeClr val="tx1"/>
+          </a:fontRef>
+        </p:style>
+      </p:cxnSp>
+      <p:cxnSp>
+        <p:nvCxnSpPr>
+          <p:cNvPr id="13" name="직선 화살표 연결선 12">
+            <a:extLst>
+              <a:ext uri="{FF2B5EF4-FFF2-40B4-BE49-F238E27FC236}">
+                <a16:creationId xmlns:a16="http://schemas.microsoft.com/office/drawing/2014/main" id="{D33A6732-FA34-B34C-9EA5-951B9470A105}"/>
+              </a:ext>
+            </a:extLst>
+          </p:cNvPr>
+          <p:cNvCxnSpPr>
+            <a:cxnSpLocks/>
+            <a:stCxn id="46" idx="1"/>
+            <a:endCxn id="43" idx="3"/>
+          </p:cNvCxnSpPr>
+          <p:nvPr/>
+        </p:nvCxnSpPr>
+        <p:spPr>
+          <a:xfrm flipH="1">
+            <a:off x="4678368" y="981693"/>
+            <a:ext cx="1139656" cy="2"/>
+          </a:xfrm>
+          <a:prstGeom prst="straightConnector1">
+            <a:avLst/>
+          </a:prstGeom>
+          <a:ln w="25400">
+            <a:solidFill>
+              <a:srgbClr val="5DA2C5"/>
+            </a:solidFill>
+            <a:tailEnd type="stealth" w="lg" len="lg"/>
+          </a:ln>
+        </p:spPr>
+        <p:style>
+          <a:lnRef idx="1">
+            <a:schemeClr val="accent1"/>
+          </a:lnRef>
+          <a:fillRef idx="0">
+            <a:schemeClr val="accent1"/>
+          </a:fillRef>
+          <a:effectRef idx="0">
+            <a:schemeClr val="accent1"/>
+          </a:effectRef>
+          <a:fontRef idx="minor">
+            <a:schemeClr val="tx1"/>
+          </a:fontRef>
+        </p:style>
+      </p:cxnSp>
+      <p:grpSp>
+        <p:nvGrpSpPr>
+          <p:cNvPr id="17" name="그룹 16">
+            <a:extLst>
+              <a:ext uri="{FF2B5EF4-FFF2-40B4-BE49-F238E27FC236}">
+                <a16:creationId xmlns:a16="http://schemas.microsoft.com/office/drawing/2014/main" id="{F0C5CF16-D7A4-8748-B1E7-6B55E2EAB3E4}"/>
+              </a:ext>
+            </a:extLst>
+          </p:cNvPr>
+          <p:cNvGrpSpPr/>
+          <p:nvPr/>
+        </p:nvGrpSpPr>
+        <p:grpSpPr>
+          <a:xfrm>
+            <a:off x="2624479" y="3557242"/>
+            <a:ext cx="1162256" cy="549845"/>
+            <a:chOff x="2870351" y="3557242"/>
+            <a:chExt cx="1162256" cy="549845"/>
+          </a:xfrm>
+        </p:grpSpPr>
+        <p:sp>
+          <p:nvSpPr>
+            <p:cNvPr id="71" name="직사각형 70">
+              <a:extLst>
+                <a:ext uri="{FF2B5EF4-FFF2-40B4-BE49-F238E27FC236}">
+                  <a16:creationId xmlns:a16="http://schemas.microsoft.com/office/drawing/2014/main" id="{EEBBADF3-D419-484E-A7FD-9C1FE91721C4}"/>
+                </a:ext>
+              </a:extLst>
+            </p:cNvPr>
+            <p:cNvSpPr/>
+            <p:nvPr/>
+          </p:nvSpPr>
+          <p:spPr>
+            <a:xfrm>
+              <a:off x="2870351" y="3557242"/>
+              <a:ext cx="705056" cy="285293"/>
+            </a:xfrm>
+            <a:prstGeom prst="rect">
+              <a:avLst/>
+            </a:prstGeom>
+            <a:solidFill>
+              <a:schemeClr val="bg1"/>
+            </a:solidFill>
+            <a:ln w="19050">
+              <a:solidFill>
+                <a:srgbClr val="5DA2C5"/>
+              </a:solidFill>
+            </a:ln>
+          </p:spPr>
+          <p:style>
+            <a:lnRef idx="1">
+              <a:schemeClr val="accent1"/>
+            </a:lnRef>
+            <a:fillRef idx="0">
+              <a:schemeClr val="accent1"/>
+            </a:fillRef>
+            <a:effectRef idx="0">
+              <a:schemeClr val="accent1"/>
+            </a:effectRef>
+            <a:fontRef idx="minor">
+              <a:schemeClr val="tx1"/>
+            </a:fontRef>
+          </p:style>
+          <p:txBody>
+            <a:bodyPr rtlCol="0" anchor="ctr"/>
+            <a:lstStyle/>
+            <a:p>
+              <a:pPr algn="ctr"/>
+              <a:endParaRPr kumimoji="1" lang="ko-Kore-KR" altLang="en-US" dirty="0"/>
+            </a:p>
+          </p:txBody>
+        </p:sp>
+        <p:sp>
+          <p:nvSpPr>
+            <p:cNvPr id="72" name="직사각형 71">
+              <a:extLst>
+                <a:ext uri="{FF2B5EF4-FFF2-40B4-BE49-F238E27FC236}">
+                  <a16:creationId xmlns:a16="http://schemas.microsoft.com/office/drawing/2014/main" id="{879ECA54-0EB3-A74D-9C4A-92A158CA9924}"/>
+                </a:ext>
+              </a:extLst>
+            </p:cNvPr>
+            <p:cNvSpPr/>
+            <p:nvPr/>
+          </p:nvSpPr>
+          <p:spPr>
+            <a:xfrm>
+              <a:off x="3022751" y="3645426"/>
+              <a:ext cx="705056" cy="285293"/>
+            </a:xfrm>
+            <a:prstGeom prst="rect">
+              <a:avLst/>
+            </a:prstGeom>
+            <a:solidFill>
+              <a:schemeClr val="bg1"/>
+            </a:solidFill>
+            <a:ln w="19050">
+              <a:solidFill>
+                <a:srgbClr val="5DA2C5"/>
+              </a:solidFill>
+            </a:ln>
+          </p:spPr>
+          <p:style>
+            <a:lnRef idx="1">
+              <a:schemeClr val="accent1"/>
+            </a:lnRef>
+            <a:fillRef idx="0">
+              <a:schemeClr val="accent1"/>
+            </a:fillRef>
+            <a:effectRef idx="0">
+              <a:schemeClr val="accent1"/>
+            </a:effectRef>
+            <a:fontRef idx="minor">
+              <a:schemeClr val="tx1"/>
+            </a:fontRef>
+          </p:style>
+          <p:txBody>
+            <a:bodyPr rtlCol="0" anchor="ctr"/>
+            <a:lstStyle/>
+            <a:p>
+              <a:pPr algn="ctr"/>
+              <a:endParaRPr kumimoji="1" lang="ko-Kore-KR" altLang="en-US" dirty="0"/>
+            </a:p>
+          </p:txBody>
+        </p:sp>
+        <p:sp>
+          <p:nvSpPr>
+            <p:cNvPr id="73" name="직사각형 72">
+              <a:extLst>
+                <a:ext uri="{FF2B5EF4-FFF2-40B4-BE49-F238E27FC236}">
+                  <a16:creationId xmlns:a16="http://schemas.microsoft.com/office/drawing/2014/main" id="{AE89DBDD-4A79-6047-A1C5-4A05AF8FB297}"/>
+                </a:ext>
+              </a:extLst>
+            </p:cNvPr>
+            <p:cNvSpPr/>
+            <p:nvPr/>
+          </p:nvSpPr>
+          <p:spPr>
+            <a:xfrm>
+              <a:off x="3175151" y="3733610"/>
+              <a:ext cx="705056" cy="285293"/>
+            </a:xfrm>
+            <a:prstGeom prst="rect">
+              <a:avLst/>
+            </a:prstGeom>
+            <a:solidFill>
+              <a:schemeClr val="bg1"/>
+            </a:solidFill>
+            <a:ln w="19050">
+              <a:solidFill>
+                <a:srgbClr val="5DA2C5"/>
+              </a:solidFill>
+            </a:ln>
+          </p:spPr>
+          <p:style>
+            <a:lnRef idx="1">
+              <a:schemeClr val="accent1"/>
+            </a:lnRef>
+            <a:fillRef idx="0">
+              <a:schemeClr val="accent1"/>
+            </a:fillRef>
+            <a:effectRef idx="0">
+              <a:schemeClr val="accent1"/>
+            </a:effectRef>
+            <a:fontRef idx="minor">
+              <a:schemeClr val="tx1"/>
+            </a:fontRef>
+          </p:style>
+          <p:txBody>
+            <a:bodyPr rtlCol="0" anchor="ctr"/>
+            <a:lstStyle/>
+            <a:p>
+              <a:pPr algn="ctr"/>
+              <a:endParaRPr kumimoji="1" lang="ko-Kore-KR" altLang="en-US" dirty="0"/>
+            </a:p>
+          </p:txBody>
+        </p:sp>
+        <p:sp>
+          <p:nvSpPr>
+            <p:cNvPr id="74" name="직사각형 73">
+              <a:extLst>
+                <a:ext uri="{FF2B5EF4-FFF2-40B4-BE49-F238E27FC236}">
+                  <a16:creationId xmlns:a16="http://schemas.microsoft.com/office/drawing/2014/main" id="{DB0B6FF3-3233-D440-91C9-FA863EFEA77D}"/>
+                </a:ext>
+              </a:extLst>
+            </p:cNvPr>
+            <p:cNvSpPr/>
+            <p:nvPr/>
+          </p:nvSpPr>
+          <p:spPr>
+            <a:xfrm>
+              <a:off x="3327551" y="3821794"/>
+              <a:ext cx="705056" cy="285293"/>
+            </a:xfrm>
+            <a:prstGeom prst="rect">
+              <a:avLst/>
+            </a:prstGeom>
+            <a:solidFill>
+              <a:schemeClr val="bg1"/>
+            </a:solidFill>
+            <a:ln w="19050">
+              <a:solidFill>
+                <a:srgbClr val="5DA2C5"/>
+              </a:solidFill>
+            </a:ln>
+          </p:spPr>
+          <p:style>
+            <a:lnRef idx="1">
+              <a:schemeClr val="accent1"/>
+            </a:lnRef>
+            <a:fillRef idx="0">
+              <a:schemeClr val="accent1"/>
+            </a:fillRef>
+            <a:effectRef idx="0">
+              <a:schemeClr val="accent1"/>
+            </a:effectRef>
+            <a:fontRef idx="minor">
+              <a:schemeClr val="tx1"/>
+            </a:fontRef>
+          </p:style>
+          <p:txBody>
+            <a:bodyPr rtlCol="0" anchor="ctr"/>
+            <a:lstStyle/>
+            <a:p>
+              <a:pPr algn="ctr"/>
+              <a:endParaRPr kumimoji="1" lang="ko-Kore-KR" altLang="en-US" dirty="0"/>
+            </a:p>
+          </p:txBody>
+        </p:sp>
+      </p:grpSp>
+      <p:grpSp>
+        <p:nvGrpSpPr>
+          <p:cNvPr id="76" name="그룹 75">
+            <a:extLst>
+              <a:ext uri="{FF2B5EF4-FFF2-40B4-BE49-F238E27FC236}">
+                <a16:creationId xmlns:a16="http://schemas.microsoft.com/office/drawing/2014/main" id="{AD5166DE-A35C-DE4D-A026-523EE0320426}"/>
+              </a:ext>
+            </a:extLst>
+          </p:cNvPr>
+          <p:cNvGrpSpPr/>
+          <p:nvPr/>
+        </p:nvGrpSpPr>
+        <p:grpSpPr>
+          <a:xfrm>
+            <a:off x="5217359" y="3645426"/>
+            <a:ext cx="1162256" cy="549845"/>
+            <a:chOff x="2870351" y="3557242"/>
+            <a:chExt cx="1162256" cy="549845"/>
+          </a:xfrm>
+        </p:grpSpPr>
+        <p:sp>
+          <p:nvSpPr>
+            <p:cNvPr id="77" name="직사각형 76">
+              <a:extLst>
+                <a:ext uri="{FF2B5EF4-FFF2-40B4-BE49-F238E27FC236}">
+                  <a16:creationId xmlns:a16="http://schemas.microsoft.com/office/drawing/2014/main" id="{470F56BB-7526-0E46-80C9-21E337102304}"/>
+                </a:ext>
+              </a:extLst>
+            </p:cNvPr>
+            <p:cNvSpPr/>
+            <p:nvPr/>
+          </p:nvSpPr>
+          <p:spPr>
+            <a:xfrm>
+              <a:off x="2870351" y="3557242"/>
+              <a:ext cx="705056" cy="285293"/>
+            </a:xfrm>
+            <a:prstGeom prst="rect">
+              <a:avLst/>
+            </a:prstGeom>
+            <a:solidFill>
+              <a:schemeClr val="bg1"/>
+            </a:solidFill>
+            <a:ln w="19050">
+              <a:solidFill>
+                <a:srgbClr val="5DA2C5"/>
+              </a:solidFill>
+            </a:ln>
+          </p:spPr>
+          <p:style>
+            <a:lnRef idx="1">
+              <a:schemeClr val="accent1"/>
+            </a:lnRef>
+            <a:fillRef idx="0">
+              <a:schemeClr val="accent1"/>
+            </a:fillRef>
+            <a:effectRef idx="0">
+              <a:schemeClr val="accent1"/>
+            </a:effectRef>
+            <a:fontRef idx="minor">
+              <a:schemeClr val="tx1"/>
+            </a:fontRef>
+          </p:style>
+          <p:txBody>
+            <a:bodyPr rtlCol="0" anchor="ctr"/>
+            <a:lstStyle/>
+            <a:p>
+              <a:pPr algn="ctr"/>
+              <a:endParaRPr kumimoji="1" lang="ko-Kore-KR" altLang="en-US" dirty="0"/>
+            </a:p>
+          </p:txBody>
+        </p:sp>
+        <p:sp>
+          <p:nvSpPr>
+            <p:cNvPr id="78" name="직사각형 77">
+              <a:extLst>
+                <a:ext uri="{FF2B5EF4-FFF2-40B4-BE49-F238E27FC236}">
+                  <a16:creationId xmlns:a16="http://schemas.microsoft.com/office/drawing/2014/main" id="{189849FA-35D5-6842-9596-1DEFC52C7D96}"/>
+                </a:ext>
+              </a:extLst>
+            </p:cNvPr>
+            <p:cNvSpPr/>
+            <p:nvPr/>
+          </p:nvSpPr>
+          <p:spPr>
+            <a:xfrm>
+              <a:off x="3022751" y="3645426"/>
+              <a:ext cx="705056" cy="285293"/>
+            </a:xfrm>
+            <a:prstGeom prst="rect">
+              <a:avLst/>
+            </a:prstGeom>
+            <a:solidFill>
+              <a:schemeClr val="bg1"/>
+            </a:solidFill>
+            <a:ln w="19050">
+              <a:solidFill>
+                <a:srgbClr val="5DA2C5"/>
+              </a:solidFill>
+            </a:ln>
+          </p:spPr>
+          <p:style>
+            <a:lnRef idx="1">
+              <a:schemeClr val="accent1"/>
+            </a:lnRef>
+            <a:fillRef idx="0">
+              <a:schemeClr val="accent1"/>
+            </a:fillRef>
+            <a:effectRef idx="0">
+              <a:schemeClr val="accent1"/>
+            </a:effectRef>
+            <a:fontRef idx="minor">
+              <a:schemeClr val="tx1"/>
+            </a:fontRef>
+          </p:style>
+          <p:txBody>
+            <a:bodyPr rtlCol="0" anchor="ctr"/>
+            <a:lstStyle/>
+            <a:p>
+              <a:pPr algn="ctr"/>
+              <a:endParaRPr kumimoji="1" lang="ko-Kore-KR" altLang="en-US" dirty="0"/>
+            </a:p>
+          </p:txBody>
+        </p:sp>
+        <p:sp>
+          <p:nvSpPr>
+            <p:cNvPr id="79" name="직사각형 78">
+              <a:extLst>
+                <a:ext uri="{FF2B5EF4-FFF2-40B4-BE49-F238E27FC236}">
+                  <a16:creationId xmlns:a16="http://schemas.microsoft.com/office/drawing/2014/main" id="{68F6E147-9A60-2843-B341-8C3EA45653A6}"/>
+                </a:ext>
+              </a:extLst>
+            </p:cNvPr>
+            <p:cNvSpPr/>
+            <p:nvPr/>
+          </p:nvSpPr>
+          <p:spPr>
+            <a:xfrm>
+              <a:off x="3175151" y="3733610"/>
+              <a:ext cx="705056" cy="285293"/>
+            </a:xfrm>
+            <a:prstGeom prst="rect">
+              <a:avLst/>
+            </a:prstGeom>
+            <a:solidFill>
+              <a:schemeClr val="bg1"/>
+            </a:solidFill>
+            <a:ln w="19050">
+              <a:solidFill>
+                <a:srgbClr val="5DA2C5"/>
+              </a:solidFill>
+            </a:ln>
+          </p:spPr>
+          <p:style>
+            <a:lnRef idx="1">
+              <a:schemeClr val="accent1"/>
+            </a:lnRef>
+            <a:fillRef idx="0">
+              <a:schemeClr val="accent1"/>
+            </a:fillRef>
+            <a:effectRef idx="0">
+              <a:schemeClr val="accent1"/>
+            </a:effectRef>
+            <a:fontRef idx="minor">
+              <a:schemeClr val="tx1"/>
+            </a:fontRef>
+          </p:style>
+          <p:txBody>
+            <a:bodyPr rtlCol="0" anchor="ctr"/>
+            <a:lstStyle/>
+            <a:p>
+              <a:pPr algn="ctr"/>
+              <a:endParaRPr kumimoji="1" lang="ko-Kore-KR" altLang="en-US" dirty="0"/>
+            </a:p>
+          </p:txBody>
+        </p:sp>
+        <p:sp>
+          <p:nvSpPr>
+            <p:cNvPr id="80" name="직사각형 79">
+              <a:extLst>
+                <a:ext uri="{FF2B5EF4-FFF2-40B4-BE49-F238E27FC236}">
+                  <a16:creationId xmlns:a16="http://schemas.microsoft.com/office/drawing/2014/main" id="{290E53B7-3A85-3840-BEA7-B9BA7A774E4C}"/>
+                </a:ext>
+              </a:extLst>
+            </p:cNvPr>
+            <p:cNvSpPr/>
+            <p:nvPr/>
+          </p:nvSpPr>
+          <p:spPr>
+            <a:xfrm>
+              <a:off x="3327551" y="3821794"/>
+              <a:ext cx="705056" cy="285293"/>
+            </a:xfrm>
+            <a:prstGeom prst="rect">
+              <a:avLst/>
+            </a:prstGeom>
+            <a:solidFill>
+              <a:schemeClr val="bg1"/>
+            </a:solidFill>
+            <a:ln w="19050">
+              <a:solidFill>
+                <a:srgbClr val="5DA2C5"/>
+              </a:solidFill>
+            </a:ln>
+          </p:spPr>
+          <p:style>
+            <a:lnRef idx="1">
+              <a:schemeClr val="accent1"/>
+            </a:lnRef>
+            <a:fillRef idx="0">
+              <a:schemeClr val="accent1"/>
+            </a:fillRef>
+            <a:effectRef idx="0">
+              <a:schemeClr val="accent1"/>
+            </a:effectRef>
+            <a:fontRef idx="minor">
+              <a:schemeClr val="tx1"/>
+            </a:fontRef>
+          </p:style>
+          <p:txBody>
+            <a:bodyPr rtlCol="0" anchor="ctr"/>
+            <a:lstStyle/>
+            <a:p>
+              <a:pPr algn="ctr"/>
+              <a:endParaRPr kumimoji="1" lang="ko-Kore-KR" altLang="en-US" dirty="0"/>
+            </a:p>
+          </p:txBody>
+        </p:sp>
+      </p:grpSp>
+      <p:cxnSp>
+        <p:nvCxnSpPr>
+          <p:cNvPr id="81" name="꺾인 연결선[E] 80">
+            <a:extLst>
+              <a:ext uri="{FF2B5EF4-FFF2-40B4-BE49-F238E27FC236}">
+                <a16:creationId xmlns:a16="http://schemas.microsoft.com/office/drawing/2014/main" id="{C80508F5-6839-C643-BBBA-DA359EB4050B}"/>
+              </a:ext>
+            </a:extLst>
+          </p:cNvPr>
+          <p:cNvCxnSpPr>
+            <a:cxnSpLocks/>
+            <a:endCxn id="80" idx="2"/>
+          </p:cNvCxnSpPr>
+          <p:nvPr/>
+        </p:nvCxnSpPr>
+        <p:spPr>
+          <a:xfrm rot="5400000" flipH="1" flipV="1">
+            <a:off x="4997789" y="4215285"/>
+            <a:ext cx="1049311" cy="1009285"/>
+          </a:xfrm>
+          <a:prstGeom prst="bentConnector3">
+            <a:avLst>
+              <a:gd name="adj1" fmla="val 50000"/>
+            </a:avLst>
+          </a:prstGeom>
+          <a:ln w="25400">
+            <a:solidFill>
+              <a:srgbClr val="5DA2C5"/>
+            </a:solidFill>
+            <a:tailEnd type="stealth" w="lg" len="lg"/>
+          </a:ln>
+        </p:spPr>
+        <p:style>
+          <a:lnRef idx="1">
+            <a:schemeClr val="accent1"/>
+          </a:lnRef>
+          <a:fillRef idx="0">
+            <a:schemeClr val="accent1"/>
+          </a:fillRef>
+          <a:effectRef idx="0">
+            <a:schemeClr val="accent1"/>
+          </a:effectRef>
+          <a:fontRef idx="minor">
+            <a:schemeClr val="tx1"/>
+          </a:fontRef>
+        </p:style>
+      </p:cxnSp>
+      <p:cxnSp>
+        <p:nvCxnSpPr>
+          <p:cNvPr id="85" name="꺾인 연결선[E] 84">
+            <a:extLst>
+              <a:ext uri="{FF2B5EF4-FFF2-40B4-BE49-F238E27FC236}">
+                <a16:creationId xmlns:a16="http://schemas.microsoft.com/office/drawing/2014/main" id="{356145E9-4FCF-E043-8904-DF6EE4A72CF1}"/>
+              </a:ext>
+            </a:extLst>
+          </p:cNvPr>
+          <p:cNvCxnSpPr>
+            <a:cxnSpLocks/>
+            <a:endCxn id="74" idx="2"/>
+          </p:cNvCxnSpPr>
+          <p:nvPr/>
+        </p:nvCxnSpPr>
+        <p:spPr>
+          <a:xfrm rot="16200000" flipV="1">
+            <a:off x="3325783" y="4215512"/>
+            <a:ext cx="1137495" cy="920645"/>
+          </a:xfrm>
+          <a:prstGeom prst="bentConnector3">
+            <a:avLst>
+              <a:gd name="adj1" fmla="val 50000"/>
+            </a:avLst>
+          </a:prstGeom>
+          <a:ln w="25400">
+            <a:solidFill>
+              <a:srgbClr val="5DA2C5"/>
+            </a:solidFill>
+            <a:tailEnd type="stealth" w="lg" len="lg"/>
+          </a:ln>
+        </p:spPr>
+        <p:style>
+          <a:lnRef idx="1">
+            <a:schemeClr val="accent1"/>
+          </a:lnRef>
+          <a:fillRef idx="0">
+            <a:schemeClr val="accent1"/>
+          </a:fillRef>
+          <a:effectRef idx="0">
+            <a:schemeClr val="accent1"/>
+          </a:effectRef>
+          <a:fontRef idx="minor">
+            <a:schemeClr val="tx1"/>
+          </a:fontRef>
+        </p:style>
+      </p:cxnSp>
+      <p:cxnSp>
+        <p:nvCxnSpPr>
+          <p:cNvPr id="95" name="꺾인 연결선[E] 94">
+            <a:extLst>
+              <a:ext uri="{FF2B5EF4-FFF2-40B4-BE49-F238E27FC236}">
+                <a16:creationId xmlns:a16="http://schemas.microsoft.com/office/drawing/2014/main" id="{2FBD06B1-2FDC-E246-AC50-3931374FECA2}"/>
+              </a:ext>
+            </a:extLst>
+          </p:cNvPr>
+          <p:cNvCxnSpPr>
+            <a:cxnSpLocks/>
+            <a:stCxn id="114" idx="2"/>
+            <a:endCxn id="55" idx="1"/>
+          </p:cNvCxnSpPr>
+          <p:nvPr/>
+        </p:nvCxnSpPr>
+        <p:spPr>
+          <a:xfrm rot="16200000" flipH="1">
+            <a:off x="1037063" y="2742196"/>
+            <a:ext cx="3692829" cy="2000357"/>
+          </a:xfrm>
+          <a:prstGeom prst="bentConnector2">
+            <a:avLst/>
+          </a:prstGeom>
+          <a:ln w="25400">
+            <a:solidFill>
+              <a:srgbClr val="5DA2C5"/>
+            </a:solidFill>
+            <a:tailEnd type="stealth" w="lg" len="lg"/>
+          </a:ln>
+        </p:spPr>
+        <p:style>
+          <a:lnRef idx="1">
+            <a:schemeClr val="accent1"/>
+          </a:lnRef>
+          <a:fillRef idx="0">
+            <a:schemeClr val="accent1"/>
+          </a:fillRef>
+          <a:effectRef idx="0">
+            <a:schemeClr val="accent1"/>
+          </a:effectRef>
+          <a:fontRef idx="minor">
+            <a:schemeClr val="tx1"/>
+          </a:fontRef>
+        </p:style>
+      </p:cxnSp>
+      <p:sp>
+        <p:nvSpPr>
+          <p:cNvPr id="99" name="직사각형 98">
+            <a:extLst>
+              <a:ext uri="{FF2B5EF4-FFF2-40B4-BE49-F238E27FC236}">
+                <a16:creationId xmlns:a16="http://schemas.microsoft.com/office/drawing/2014/main" id="{4BEFD014-E453-8A4B-BD23-C91AED6D9D33}"/>
+              </a:ext>
+            </a:extLst>
+          </p:cNvPr>
+          <p:cNvSpPr/>
+          <p:nvPr/>
+        </p:nvSpPr>
+        <p:spPr>
+          <a:xfrm>
+            <a:off x="2326707" y="2953865"/>
+            <a:ext cx="2300888" cy="2003201"/>
+          </a:xfrm>
+          <a:prstGeom prst="rect">
+            <a:avLst/>
+          </a:prstGeom>
+          <a:ln w="19050">
+            <a:solidFill>
+              <a:srgbClr val="5DA2C5"/>
+            </a:solidFill>
+          </a:ln>
+        </p:spPr>
+        <p:style>
+          <a:lnRef idx="1">
+            <a:schemeClr val="accent1"/>
+          </a:lnRef>
+          <a:fillRef idx="0">
+            <a:schemeClr val="accent1"/>
+          </a:fillRef>
+          <a:effectRef idx="0">
+            <a:schemeClr val="accent1"/>
+          </a:effectRef>
+          <a:fontRef idx="minor">
+            <a:schemeClr val="tx1"/>
+          </a:fontRef>
+        </p:style>
+        <p:txBody>
+          <a:bodyPr rtlCol="0" anchor="ctr"/>
+          <a:lstStyle/>
+          <a:p>
+            <a:pPr algn="ctr"/>
+            <a:endParaRPr kumimoji="1" lang="ko-Kore-KR" altLang="en-US" dirty="0"/>
+          </a:p>
+        </p:txBody>
+      </p:sp>
+      <p:sp>
+        <p:nvSpPr>
+          <p:cNvPr id="100" name="직사각형 99">
+            <a:extLst>
+              <a:ext uri="{FF2B5EF4-FFF2-40B4-BE49-F238E27FC236}">
+                <a16:creationId xmlns:a16="http://schemas.microsoft.com/office/drawing/2014/main" id="{71FE2C8A-AF6E-2844-8717-5D32EBEB0030}"/>
+              </a:ext>
+            </a:extLst>
+          </p:cNvPr>
+          <p:cNvSpPr/>
+          <p:nvPr/>
+        </p:nvSpPr>
+        <p:spPr>
+          <a:xfrm>
+            <a:off x="4728668" y="2953864"/>
+            <a:ext cx="2300888" cy="2003201"/>
+          </a:xfrm>
+          <a:prstGeom prst="rect">
+            <a:avLst/>
+          </a:prstGeom>
+          <a:ln w="19050">
+            <a:solidFill>
+              <a:srgbClr val="5DA2C5"/>
+            </a:solidFill>
+          </a:ln>
+        </p:spPr>
+        <p:style>
+          <a:lnRef idx="1">
+            <a:schemeClr val="accent1"/>
+          </a:lnRef>
+          <a:fillRef idx="0">
+            <a:schemeClr val="accent1"/>
+          </a:fillRef>
+          <a:effectRef idx="0">
+            <a:schemeClr val="accent1"/>
+          </a:effectRef>
+          <a:fontRef idx="minor">
+            <a:schemeClr val="tx1"/>
+          </a:fontRef>
+        </p:style>
+        <p:txBody>
+          <a:bodyPr rtlCol="0" anchor="ctr"/>
+          <a:lstStyle/>
+          <a:p>
+            <a:pPr algn="ctr"/>
+            <a:endParaRPr kumimoji="1" lang="ko-Kore-KR" altLang="en-US" dirty="0"/>
+          </a:p>
+        </p:txBody>
+      </p:sp>
+      <p:sp>
+        <p:nvSpPr>
+          <p:cNvPr id="101" name="TextBox 100">
+            <a:extLst>
+              <a:ext uri="{FF2B5EF4-FFF2-40B4-BE49-F238E27FC236}">
+                <a16:creationId xmlns:a16="http://schemas.microsoft.com/office/drawing/2014/main" id="{BEA91DAF-0B0C-E442-A7DF-97E4268910E0}"/>
+              </a:ext>
+            </a:extLst>
+          </p:cNvPr>
+          <p:cNvSpPr txBox="1"/>
+          <p:nvPr/>
+        </p:nvSpPr>
+        <p:spPr>
+          <a:xfrm>
+            <a:off x="2156262" y="2986854"/>
+            <a:ext cx="895166" cy="246221"/>
+          </a:xfrm>
+          <a:prstGeom prst="rect">
+            <a:avLst/>
+          </a:prstGeom>
+          <a:noFill/>
+        </p:spPr>
+        <p:txBody>
+          <a:bodyPr wrap="square" rtlCol="0">
+            <a:spAutoFit/>
+          </a:bodyPr>
+          <a:lstStyle/>
+          <a:p>
+            <a:pPr algn="ctr"/>
+            <a:r>
+              <a:rPr kumimoji="1" lang="en-US" altLang="ko-Kore-KR" sz="1000" b="1" dirty="0">
+                <a:solidFill>
+                  <a:srgbClr val="5DA2C5"/>
+                </a:solidFill>
+                <a:latin typeface="SHeadG" panose="02030600000101010101" pitchFamily="18" charset="-127"/>
+                <a:ea typeface="SHeadG" panose="02030600000101010101" pitchFamily="18" charset="-127"/>
+              </a:rPr>
+              <a:t>Rides</a:t>
+            </a:r>
+            <a:endParaRPr kumimoji="1" lang="ko-Kore-KR" altLang="en-US" sz="1000" b="1" dirty="0">
+              <a:solidFill>
+                <a:srgbClr val="5DA2C5"/>
+              </a:solidFill>
+              <a:latin typeface="SHeadG" panose="02030600000101010101" pitchFamily="18" charset="-127"/>
+              <a:ea typeface="SHeadG" panose="02030600000101010101" pitchFamily="18" charset="-127"/>
+            </a:endParaRPr>
+          </a:p>
+        </p:txBody>
+      </p:sp>
+      <p:sp>
+        <p:nvSpPr>
+          <p:cNvPr id="102" name="TextBox 101">
+            <a:extLst>
+              <a:ext uri="{FF2B5EF4-FFF2-40B4-BE49-F238E27FC236}">
+                <a16:creationId xmlns:a16="http://schemas.microsoft.com/office/drawing/2014/main" id="{A3B1D4C7-B33B-BA4B-9D37-B9EACEA51334}"/>
+              </a:ext>
+            </a:extLst>
+          </p:cNvPr>
+          <p:cNvSpPr txBox="1"/>
+          <p:nvPr/>
+        </p:nvSpPr>
+        <p:spPr>
+          <a:xfrm>
+            <a:off x="6328469" y="3001258"/>
+            <a:ext cx="895166" cy="246221"/>
+          </a:xfrm>
+          <a:prstGeom prst="rect">
+            <a:avLst/>
+          </a:prstGeom>
+          <a:noFill/>
+        </p:spPr>
+        <p:txBody>
+          <a:bodyPr wrap="square" rtlCol="0">
+            <a:spAutoFit/>
+          </a:bodyPr>
+          <a:lstStyle/>
+          <a:p>
+            <a:pPr algn="ctr"/>
+            <a:r>
+              <a:rPr kumimoji="1" lang="en-US" altLang="ko-Kore-KR" sz="1000" b="1" dirty="0">
+                <a:solidFill>
+                  <a:srgbClr val="5DA2C5"/>
+                </a:solidFill>
+                <a:latin typeface="SHeadG" panose="02030600000101010101" pitchFamily="18" charset="-127"/>
+                <a:ea typeface="SHeadG" panose="02030600000101010101" pitchFamily="18" charset="-127"/>
+              </a:rPr>
+              <a:t>Kittens</a:t>
+            </a:r>
+            <a:endParaRPr kumimoji="1" lang="ko-Kore-KR" altLang="en-US" sz="1000" b="1" dirty="0">
+              <a:solidFill>
+                <a:srgbClr val="5DA2C5"/>
+              </a:solidFill>
+              <a:latin typeface="SHeadG" panose="02030600000101010101" pitchFamily="18" charset="-127"/>
+              <a:ea typeface="SHeadG" panose="02030600000101010101" pitchFamily="18" charset="-127"/>
+            </a:endParaRPr>
+          </a:p>
+        </p:txBody>
+      </p:sp>
+      <p:cxnSp>
+        <p:nvCxnSpPr>
+          <p:cNvPr id="103" name="직선 화살표 연결선 102">
+            <a:extLst>
+              <a:ext uri="{FF2B5EF4-FFF2-40B4-BE49-F238E27FC236}">
+                <a16:creationId xmlns:a16="http://schemas.microsoft.com/office/drawing/2014/main" id="{7BCD9101-B7A1-2145-BC44-97DFCD51C243}"/>
+              </a:ext>
+            </a:extLst>
+          </p:cNvPr>
+          <p:cNvCxnSpPr>
+            <a:cxnSpLocks/>
+            <a:stCxn id="52" idx="1"/>
+            <a:endCxn id="49" idx="3"/>
+          </p:cNvCxnSpPr>
+          <p:nvPr/>
+        </p:nvCxnSpPr>
+        <p:spPr>
+          <a:xfrm flipH="1">
+            <a:off x="4678367" y="2356718"/>
+            <a:ext cx="1139657" cy="2"/>
+          </a:xfrm>
+          <a:prstGeom prst="straightConnector1">
+            <a:avLst/>
+          </a:prstGeom>
+          <a:ln w="25400">
+            <a:solidFill>
+              <a:srgbClr val="5DA2C5"/>
+            </a:solidFill>
+            <a:tailEnd type="stealth" w="lg" len="lg"/>
+          </a:ln>
+        </p:spPr>
+        <p:style>
+          <a:lnRef idx="1">
+            <a:schemeClr val="accent1"/>
+          </a:lnRef>
+          <a:fillRef idx="0">
+            <a:schemeClr val="accent1"/>
+          </a:fillRef>
+          <a:effectRef idx="0">
+            <a:schemeClr val="accent1"/>
+          </a:effectRef>
+          <a:fontRef idx="minor">
+            <a:schemeClr val="tx1"/>
+          </a:fontRef>
+        </p:style>
+      </p:cxnSp>
+      <p:cxnSp>
+        <p:nvCxnSpPr>
+          <p:cNvPr id="110" name="직선 화살표 연결선 109">
+            <a:extLst>
+              <a:ext uri="{FF2B5EF4-FFF2-40B4-BE49-F238E27FC236}">
+                <a16:creationId xmlns:a16="http://schemas.microsoft.com/office/drawing/2014/main" id="{6310CDC7-DD60-7844-85CE-0BE02CBC11DE}"/>
+              </a:ext>
+            </a:extLst>
+          </p:cNvPr>
+          <p:cNvCxnSpPr>
+            <a:cxnSpLocks/>
+          </p:cNvCxnSpPr>
+          <p:nvPr/>
+        </p:nvCxnSpPr>
+        <p:spPr>
+          <a:xfrm flipV="1">
+            <a:off x="6143198" y="2644235"/>
+            <a:ext cx="185090" cy="1177559"/>
+          </a:xfrm>
+          <a:prstGeom prst="straightConnector1">
+            <a:avLst/>
+          </a:prstGeom>
+          <a:ln w="25400">
+            <a:solidFill>
+              <a:srgbClr val="5DA2C5"/>
+            </a:solidFill>
+            <a:tailEnd type="stealth" w="lg" len="lg"/>
+          </a:ln>
+        </p:spPr>
+        <p:style>
+          <a:lnRef idx="1">
+            <a:schemeClr val="accent1"/>
+          </a:lnRef>
+          <a:fillRef idx="0">
+            <a:schemeClr val="accent1"/>
+          </a:fillRef>
+          <a:effectRef idx="0">
+            <a:schemeClr val="accent1"/>
+          </a:effectRef>
+          <a:fontRef idx="minor">
+            <a:schemeClr val="tx1"/>
+          </a:fontRef>
+        </p:style>
+      </p:cxnSp>
+      <p:cxnSp>
+        <p:nvCxnSpPr>
+          <p:cNvPr id="112" name="직선 화살표 연결선 111">
+            <a:extLst>
+              <a:ext uri="{FF2B5EF4-FFF2-40B4-BE49-F238E27FC236}">
+                <a16:creationId xmlns:a16="http://schemas.microsoft.com/office/drawing/2014/main" id="{5FA2F281-5081-194D-9FD0-6D48D29AF53D}"/>
+              </a:ext>
+            </a:extLst>
+          </p:cNvPr>
+          <p:cNvCxnSpPr>
+            <a:cxnSpLocks/>
+            <a:stCxn id="78" idx="0"/>
+          </p:cNvCxnSpPr>
+          <p:nvPr/>
+        </p:nvCxnSpPr>
+        <p:spPr>
+          <a:xfrm flipH="1" flipV="1">
+            <a:off x="4380715" y="1269210"/>
+            <a:ext cx="1341572" cy="2464400"/>
+          </a:xfrm>
+          <a:prstGeom prst="straightConnector1">
+            <a:avLst/>
+          </a:prstGeom>
+          <a:ln w="25400">
+            <a:solidFill>
+              <a:srgbClr val="5DA2C5"/>
+            </a:solidFill>
+            <a:tailEnd type="stealth" w="lg" len="lg"/>
+          </a:ln>
+        </p:spPr>
+        <p:style>
+          <a:lnRef idx="1">
+            <a:schemeClr val="accent1"/>
+          </a:lnRef>
+          <a:fillRef idx="0">
+            <a:schemeClr val="accent1"/>
+          </a:fillRef>
+          <a:effectRef idx="0">
+            <a:schemeClr val="accent1"/>
+          </a:effectRef>
+          <a:fontRef idx="minor">
+            <a:schemeClr val="tx1"/>
+          </a:fontRef>
+        </p:style>
+      </p:cxnSp>
+      <p:cxnSp>
+        <p:nvCxnSpPr>
+          <p:cNvPr id="116" name="직선 화살표 연결선 115">
+            <a:extLst>
+              <a:ext uri="{FF2B5EF4-FFF2-40B4-BE49-F238E27FC236}">
+                <a16:creationId xmlns:a16="http://schemas.microsoft.com/office/drawing/2014/main" id="{78F8D891-8F00-B84D-908A-7352A1063C84}"/>
+              </a:ext>
+            </a:extLst>
+          </p:cNvPr>
+          <p:cNvCxnSpPr>
+            <a:cxnSpLocks/>
+          </p:cNvCxnSpPr>
+          <p:nvPr/>
+        </p:nvCxnSpPr>
+        <p:spPr>
+          <a:xfrm flipH="1" flipV="1">
+            <a:off x="4369240" y="2644235"/>
+            <a:ext cx="1007648" cy="1001191"/>
+          </a:xfrm>
+          <a:prstGeom prst="straightConnector1">
+            <a:avLst/>
+          </a:prstGeom>
+          <a:ln w="25400">
+            <a:solidFill>
+              <a:srgbClr val="5DA2C5"/>
+            </a:solidFill>
+            <a:tailEnd type="stealth" w="lg" len="lg"/>
+          </a:ln>
+        </p:spPr>
+        <p:style>
+          <a:lnRef idx="1">
+            <a:schemeClr val="accent1"/>
+          </a:lnRef>
+          <a:fillRef idx="0">
+            <a:schemeClr val="accent1"/>
+          </a:fillRef>
+          <a:effectRef idx="0">
+            <a:schemeClr val="accent1"/>
+          </a:effectRef>
+          <a:fontRef idx="minor">
+            <a:schemeClr val="tx1"/>
+          </a:fontRef>
+        </p:style>
+      </p:cxnSp>
+      <p:cxnSp>
+        <p:nvCxnSpPr>
+          <p:cNvPr id="124" name="직선 화살표 연결선 123">
+            <a:extLst>
+              <a:ext uri="{FF2B5EF4-FFF2-40B4-BE49-F238E27FC236}">
+                <a16:creationId xmlns:a16="http://schemas.microsoft.com/office/drawing/2014/main" id="{CA0F9D83-C599-DB40-BFDC-D8AAF0DFCC14}"/>
+              </a:ext>
+            </a:extLst>
+          </p:cNvPr>
+          <p:cNvCxnSpPr>
+            <a:cxnSpLocks/>
+          </p:cNvCxnSpPr>
+          <p:nvPr/>
+        </p:nvCxnSpPr>
+        <p:spPr>
+          <a:xfrm flipV="1">
+            <a:off x="2756926" y="1264237"/>
+            <a:ext cx="791301" cy="2293003"/>
+          </a:xfrm>
+          <a:prstGeom prst="straightConnector1">
+            <a:avLst/>
+          </a:prstGeom>
+          <a:ln w="25400">
+            <a:solidFill>
+              <a:srgbClr val="5DA2C5"/>
+            </a:solidFill>
+            <a:tailEnd type="stealth" w="lg" len="lg"/>
+          </a:ln>
+        </p:spPr>
+        <p:style>
+          <a:lnRef idx="1">
+            <a:schemeClr val="accent1"/>
+          </a:lnRef>
+          <a:fillRef idx="0">
+            <a:schemeClr val="accent1"/>
+          </a:fillRef>
+          <a:effectRef idx="0">
+            <a:schemeClr val="accent1"/>
+          </a:effectRef>
+          <a:fontRef idx="minor">
+            <a:schemeClr val="tx1"/>
+          </a:fontRef>
+        </p:style>
+      </p:cxnSp>
+      <p:cxnSp>
+        <p:nvCxnSpPr>
+          <p:cNvPr id="125" name="직선 화살표 연결선 124">
+            <a:extLst>
+              <a:ext uri="{FF2B5EF4-FFF2-40B4-BE49-F238E27FC236}">
+                <a16:creationId xmlns:a16="http://schemas.microsoft.com/office/drawing/2014/main" id="{189D4633-E33D-FC4A-8177-F345E04564D8}"/>
+              </a:ext>
+            </a:extLst>
+          </p:cNvPr>
+          <p:cNvCxnSpPr>
+            <a:cxnSpLocks/>
+            <a:stCxn id="72" idx="0"/>
+          </p:cNvCxnSpPr>
+          <p:nvPr/>
+        </p:nvCxnSpPr>
+        <p:spPr>
+          <a:xfrm flipV="1">
+            <a:off x="3129407" y="2644236"/>
+            <a:ext cx="579349" cy="1001190"/>
+          </a:xfrm>
+          <a:prstGeom prst="straightConnector1">
+            <a:avLst/>
+          </a:prstGeom>
+          <a:ln w="25400">
+            <a:solidFill>
+              <a:srgbClr val="5DA2C5"/>
+            </a:solidFill>
+            <a:tailEnd type="stealth" w="lg" len="lg"/>
+          </a:ln>
+        </p:spPr>
+        <p:style>
+          <a:lnRef idx="1">
+            <a:schemeClr val="accent1"/>
+          </a:lnRef>
+          <a:fillRef idx="0">
+            <a:schemeClr val="accent1"/>
+          </a:fillRef>
+          <a:effectRef idx="0">
+            <a:schemeClr val="accent1"/>
+          </a:effectRef>
+          <a:fontRef idx="minor">
+            <a:schemeClr val="tx1"/>
+          </a:fontRef>
+        </p:style>
+      </p:cxnSp>
+      <p:cxnSp>
+        <p:nvCxnSpPr>
+          <p:cNvPr id="126" name="직선 화살표 연결선 125">
+            <a:extLst>
+              <a:ext uri="{FF2B5EF4-FFF2-40B4-BE49-F238E27FC236}">
+                <a16:creationId xmlns:a16="http://schemas.microsoft.com/office/drawing/2014/main" id="{D0FEB6D5-A8E5-DD47-BECA-342EAFF248A6}"/>
+              </a:ext>
+            </a:extLst>
+          </p:cNvPr>
+          <p:cNvCxnSpPr>
+            <a:cxnSpLocks/>
+          </p:cNvCxnSpPr>
+          <p:nvPr/>
+        </p:nvCxnSpPr>
+        <p:spPr>
+          <a:xfrm flipV="1">
+            <a:off x="3501600" y="1264235"/>
+            <a:ext cx="2594400" cy="2478139"/>
+          </a:xfrm>
+          <a:prstGeom prst="straightConnector1">
+            <a:avLst/>
+          </a:prstGeom>
+          <a:ln w="25400">
+            <a:solidFill>
+              <a:srgbClr val="5DA2C5"/>
+            </a:solidFill>
+            <a:tailEnd type="stealth" w="lg" len="lg"/>
+          </a:ln>
+        </p:spPr>
+        <p:style>
+          <a:lnRef idx="1">
+            <a:schemeClr val="accent1"/>
+          </a:lnRef>
+          <a:fillRef idx="0">
+            <a:schemeClr val="accent1"/>
+          </a:fillRef>
+          <a:effectRef idx="0">
+            <a:schemeClr val="accent1"/>
+          </a:effectRef>
+          <a:fontRef idx="minor">
+            <a:schemeClr val="tx1"/>
+          </a:fontRef>
+        </p:style>
+      </p:cxnSp>
+      <p:cxnSp>
+        <p:nvCxnSpPr>
+          <p:cNvPr id="127" name="직선 화살표 연결선 126">
+            <a:extLst>
+              <a:ext uri="{FF2B5EF4-FFF2-40B4-BE49-F238E27FC236}">
+                <a16:creationId xmlns:a16="http://schemas.microsoft.com/office/drawing/2014/main" id="{614FB5A4-667C-D54B-A367-F85F308EFB3A}"/>
+              </a:ext>
+            </a:extLst>
+          </p:cNvPr>
+          <p:cNvCxnSpPr>
+            <a:cxnSpLocks/>
+          </p:cNvCxnSpPr>
+          <p:nvPr/>
+        </p:nvCxnSpPr>
+        <p:spPr>
+          <a:xfrm flipV="1">
+            <a:off x="3654000" y="2630608"/>
+            <a:ext cx="2373087" cy="1211927"/>
+          </a:xfrm>
+          <a:prstGeom prst="straightConnector1">
+            <a:avLst/>
+          </a:prstGeom>
+          <a:ln w="25400">
+            <a:solidFill>
+              <a:srgbClr val="5DA2C5"/>
+            </a:solidFill>
+            <a:tailEnd type="stealth" w="lg" len="lg"/>
+          </a:ln>
+        </p:spPr>
+        <p:style>
+          <a:lnRef idx="1">
+            <a:schemeClr val="accent1"/>
+          </a:lnRef>
+          <a:fillRef idx="0">
+            <a:schemeClr val="accent1"/>
+          </a:fillRef>
+          <a:effectRef idx="0">
+            <a:schemeClr val="accent1"/>
+          </a:effectRef>
+          <a:fontRef idx="minor">
+            <a:schemeClr val="tx1"/>
+          </a:fontRef>
+        </p:style>
+      </p:cxnSp>
+    </p:spTree>
+    <p:extLst>
+      <p:ext uri="{BB962C8B-B14F-4D97-AF65-F5344CB8AC3E}">
+        <p14:creationId xmlns:p14="http://schemas.microsoft.com/office/powerpoint/2010/main" val="4079936175"/>
+      </p:ext>
+    </p:extLst>
+  </p:cSld>
+  <p:clrMapOvr>
+    <a:masterClrMapping/>
+  </p:clrMapOvr>
+</p:sld>
+</file>
+
+<file path=ppt/slides/slide15.xml><?xml version="1.0" encoding="utf-8"?>
+<p:sld xmlns:a="http://schemas.openxmlformats.org/drawingml/2006/main" xmlns:r="http://schemas.openxmlformats.org/officeDocument/2006/relationships" xmlns:p="http://schemas.openxmlformats.org/presentationml/2006/main">
+  <p:cSld>
+    <p:spTree>
+      <p:nvGrpSpPr>
+        <p:cNvPr id="1" name=""/>
+        <p:cNvGrpSpPr/>
+        <p:nvPr/>
+      </p:nvGrpSpPr>
+      <p:grpSpPr>
+        <a:xfrm>
+          <a:off x="0" y="0"/>
+          <a:ext cx="0" cy="0"/>
+          <a:chOff x="0" y="0"/>
+          <a:chExt cx="0" cy="0"/>
+        </a:xfrm>
+      </p:grpSpPr>
+      <p:grpSp>
+        <p:nvGrpSpPr>
+          <p:cNvPr id="2" name="그룹 1">
+            <a:extLst>
+              <a:ext uri="{FF2B5EF4-FFF2-40B4-BE49-F238E27FC236}">
+                <a16:creationId xmlns:a16="http://schemas.microsoft.com/office/drawing/2014/main" id="{8EA36249-4C4E-4242-9A7D-267A7E32C314}"/>
+              </a:ext>
+            </a:extLst>
+          </p:cNvPr>
+          <p:cNvGrpSpPr/>
+          <p:nvPr/>
+        </p:nvGrpSpPr>
+        <p:grpSpPr>
+          <a:xfrm>
+            <a:off x="514338" y="3999709"/>
+            <a:ext cx="1302870" cy="434703"/>
+            <a:chOff x="1008815" y="2796987"/>
+            <a:chExt cx="1779210" cy="434703"/>
+          </a:xfrm>
+        </p:grpSpPr>
+        <p:sp>
+          <p:nvSpPr>
+            <p:cNvPr id="114" name="직사각형 113">
+              <a:extLst>
+                <a:ext uri="{FF2B5EF4-FFF2-40B4-BE49-F238E27FC236}">
+                  <a16:creationId xmlns:a16="http://schemas.microsoft.com/office/drawing/2014/main" id="{6AAE3566-CC19-FC41-B2B1-902F9E2FCB91}"/>
+                </a:ext>
+              </a:extLst>
+            </p:cNvPr>
+            <p:cNvSpPr/>
+            <p:nvPr/>
+          </p:nvSpPr>
+          <p:spPr>
+            <a:xfrm>
+              <a:off x="1008815" y="2796987"/>
+              <a:ext cx="1779210" cy="434703"/>
+            </a:xfrm>
+            <a:prstGeom prst="rect">
+              <a:avLst/>
+            </a:prstGeom>
+            <a:ln w="19050">
+              <a:solidFill>
+                <a:srgbClr val="5DA2C5"/>
+              </a:solidFill>
+            </a:ln>
+          </p:spPr>
+          <p:style>
+            <a:lnRef idx="1">
+              <a:schemeClr val="accent1"/>
+            </a:lnRef>
+            <a:fillRef idx="0">
+              <a:schemeClr val="accent1"/>
+            </a:fillRef>
+            <a:effectRef idx="0">
+              <a:schemeClr val="accent1"/>
+            </a:effectRef>
+            <a:fontRef idx="minor">
+              <a:schemeClr val="tx1"/>
+            </a:fontRef>
+          </p:style>
+          <p:txBody>
+            <a:bodyPr rtlCol="0" anchor="ctr"/>
+            <a:lstStyle/>
+            <a:p>
+              <a:pPr algn="ctr"/>
+              <a:endParaRPr kumimoji="1" lang="ko-Kore-KR" altLang="en-US" dirty="0"/>
+            </a:p>
+          </p:txBody>
+        </p:sp>
+        <p:sp>
+          <p:nvSpPr>
+            <p:cNvPr id="115" name="TextBox 114">
+              <a:extLst>
+                <a:ext uri="{FF2B5EF4-FFF2-40B4-BE49-F238E27FC236}">
+                  <a16:creationId xmlns:a16="http://schemas.microsoft.com/office/drawing/2014/main" id="{00F2057A-6820-6844-9CC7-62597D82A013}"/>
+                </a:ext>
+              </a:extLst>
+            </p:cNvPr>
+            <p:cNvSpPr txBox="1"/>
+            <p:nvPr/>
+          </p:nvSpPr>
+          <p:spPr>
+            <a:xfrm>
+              <a:off x="1084730" y="2877671"/>
+              <a:ext cx="1640542" cy="276999"/>
+            </a:xfrm>
+            <a:prstGeom prst="rect">
+              <a:avLst/>
+            </a:prstGeom>
+            <a:noFill/>
+          </p:spPr>
+          <p:txBody>
+            <a:bodyPr wrap="square" rtlCol="0">
+              <a:spAutoFit/>
+            </a:bodyPr>
+            <a:lstStyle/>
+            <a:p>
+              <a:pPr algn="ctr"/>
+              <a:r>
+                <a:rPr kumimoji="1" lang="en-US" altLang="ko-Kore-KR" sz="1200" b="1" dirty="0">
+                  <a:solidFill>
+                    <a:srgbClr val="5DA2C5"/>
+                  </a:solidFill>
+                  <a:latin typeface="SHeadG" panose="02030600000101010101" pitchFamily="18" charset="-127"/>
+                  <a:ea typeface="SHeadG" panose="02030600000101010101" pitchFamily="18" charset="-127"/>
+                </a:rPr>
+                <a:t>Taxi UI</a:t>
+              </a:r>
+              <a:endParaRPr kumimoji="1" lang="ko-Kore-KR" altLang="en-US" sz="1200" b="1" dirty="0">
+                <a:solidFill>
+                  <a:srgbClr val="5DA2C5"/>
+                </a:solidFill>
+                <a:latin typeface="SHeadG" panose="02030600000101010101" pitchFamily="18" charset="-127"/>
+                <a:ea typeface="SHeadG" panose="02030600000101010101" pitchFamily="18" charset="-127"/>
+              </a:endParaRPr>
+            </a:p>
+          </p:txBody>
+        </p:sp>
+      </p:grpSp>
+      <p:grpSp>
+        <p:nvGrpSpPr>
+          <p:cNvPr id="118" name="그룹 117">
+            <a:extLst>
+              <a:ext uri="{FF2B5EF4-FFF2-40B4-BE49-F238E27FC236}">
+                <a16:creationId xmlns:a16="http://schemas.microsoft.com/office/drawing/2014/main" id="{8E5251B0-6B68-7441-879A-C11C709AAE9B}"/>
+              </a:ext>
+            </a:extLst>
+          </p:cNvPr>
+          <p:cNvGrpSpPr/>
+          <p:nvPr/>
+        </p:nvGrpSpPr>
+        <p:grpSpPr>
+          <a:xfrm>
+            <a:off x="3367459" y="2775185"/>
+            <a:ext cx="1412259" cy="434703"/>
+            <a:chOff x="1008815" y="2796987"/>
+            <a:chExt cx="1779210" cy="434703"/>
+          </a:xfrm>
+        </p:grpSpPr>
+        <p:sp>
+          <p:nvSpPr>
+            <p:cNvPr id="119" name="직사각형 118">
+              <a:extLst>
+                <a:ext uri="{FF2B5EF4-FFF2-40B4-BE49-F238E27FC236}">
+                  <a16:creationId xmlns:a16="http://schemas.microsoft.com/office/drawing/2014/main" id="{9CED595B-53CE-B042-A1F9-FB4249857F79}"/>
+                </a:ext>
+              </a:extLst>
+            </p:cNvPr>
+            <p:cNvSpPr/>
+            <p:nvPr/>
+          </p:nvSpPr>
+          <p:spPr>
+            <a:xfrm>
+              <a:off x="1008815" y="2796987"/>
+              <a:ext cx="1779210" cy="434703"/>
+            </a:xfrm>
+            <a:prstGeom prst="rect">
+              <a:avLst/>
+            </a:prstGeom>
+            <a:ln w="19050">
+              <a:solidFill>
+                <a:srgbClr val="5DA2C5"/>
+              </a:solidFill>
+            </a:ln>
+          </p:spPr>
+          <p:style>
+            <a:lnRef idx="1">
+              <a:schemeClr val="accent1"/>
+            </a:lnRef>
+            <a:fillRef idx="0">
+              <a:schemeClr val="accent1"/>
+            </a:fillRef>
+            <a:effectRef idx="0">
+              <a:schemeClr val="accent1"/>
+            </a:effectRef>
+            <a:fontRef idx="minor">
+              <a:schemeClr val="tx1"/>
+            </a:fontRef>
+          </p:style>
+          <p:txBody>
+            <a:bodyPr rtlCol="0" anchor="ctr"/>
+            <a:lstStyle/>
+            <a:p>
+              <a:pPr algn="ctr"/>
+              <a:endParaRPr kumimoji="1" lang="ko-Kore-KR" altLang="en-US" dirty="0"/>
+            </a:p>
+          </p:txBody>
+        </p:sp>
+        <p:sp>
+          <p:nvSpPr>
+            <p:cNvPr id="120" name="TextBox 119">
+              <a:extLst>
+                <a:ext uri="{FF2B5EF4-FFF2-40B4-BE49-F238E27FC236}">
+                  <a16:creationId xmlns:a16="http://schemas.microsoft.com/office/drawing/2014/main" id="{21E4C780-FFFA-3D43-BA8A-888971935264}"/>
+                </a:ext>
+              </a:extLst>
+            </p:cNvPr>
+            <p:cNvSpPr txBox="1"/>
+            <p:nvPr/>
+          </p:nvSpPr>
+          <p:spPr>
+            <a:xfrm>
+              <a:off x="1084730" y="2877671"/>
+              <a:ext cx="1640542" cy="276999"/>
+            </a:xfrm>
+            <a:prstGeom prst="rect">
+              <a:avLst/>
+            </a:prstGeom>
+            <a:noFill/>
+          </p:spPr>
+          <p:txBody>
+            <a:bodyPr wrap="square" rtlCol="0">
+              <a:spAutoFit/>
+            </a:bodyPr>
+            <a:lstStyle/>
+            <a:p>
+              <a:pPr algn="ctr"/>
+              <a:r>
+                <a:rPr kumimoji="1" lang="en-US" altLang="ko-Kore-KR" sz="1200" b="1" dirty="0">
+                  <a:solidFill>
+                    <a:srgbClr val="5DA2C5"/>
+                  </a:solidFill>
+                  <a:latin typeface="SHeadG" panose="02030600000101010101" pitchFamily="18" charset="-127"/>
+                  <a:ea typeface="SHeadG" panose="02030600000101010101" pitchFamily="18" charset="-127"/>
+                </a:rPr>
+                <a:t>Taxi Finder</a:t>
+              </a:r>
+              <a:endParaRPr kumimoji="1" lang="ko-Kore-KR" altLang="en-US" sz="1200" b="1" dirty="0">
+                <a:solidFill>
+                  <a:srgbClr val="5DA2C5"/>
+                </a:solidFill>
+                <a:latin typeface="SHeadG" panose="02030600000101010101" pitchFamily="18" charset="-127"/>
+                <a:ea typeface="SHeadG" panose="02030600000101010101" pitchFamily="18" charset="-127"/>
+              </a:endParaRPr>
+            </a:p>
+          </p:txBody>
+        </p:sp>
+      </p:grpSp>
+      <p:grpSp>
+        <p:nvGrpSpPr>
+          <p:cNvPr id="121" name="그룹 120">
+            <a:extLst>
+              <a:ext uri="{FF2B5EF4-FFF2-40B4-BE49-F238E27FC236}">
+                <a16:creationId xmlns:a16="http://schemas.microsoft.com/office/drawing/2014/main" id="{C904C683-A66B-B44A-8EBB-854E6E97B561}"/>
+              </a:ext>
+            </a:extLst>
+          </p:cNvPr>
+          <p:cNvGrpSpPr/>
+          <p:nvPr/>
+        </p:nvGrpSpPr>
+        <p:grpSpPr>
+          <a:xfrm>
+            <a:off x="3325687" y="5013753"/>
+            <a:ext cx="1412259" cy="434703"/>
+            <a:chOff x="1008815" y="2796987"/>
+            <a:chExt cx="1779210" cy="434703"/>
+          </a:xfrm>
+        </p:grpSpPr>
+        <p:sp>
+          <p:nvSpPr>
+            <p:cNvPr id="122" name="직사각형 121">
+              <a:extLst>
+                <a:ext uri="{FF2B5EF4-FFF2-40B4-BE49-F238E27FC236}">
+                  <a16:creationId xmlns:a16="http://schemas.microsoft.com/office/drawing/2014/main" id="{6412D02D-289A-9D46-B227-8C6921AB0CB2}"/>
+                </a:ext>
+              </a:extLst>
+            </p:cNvPr>
+            <p:cNvSpPr/>
+            <p:nvPr/>
+          </p:nvSpPr>
+          <p:spPr>
+            <a:xfrm>
+              <a:off x="1008815" y="2796987"/>
+              <a:ext cx="1779210" cy="434703"/>
+            </a:xfrm>
+            <a:prstGeom prst="rect">
+              <a:avLst/>
+            </a:prstGeom>
+            <a:ln w="19050">
+              <a:solidFill>
+                <a:srgbClr val="5DA2C5"/>
+              </a:solidFill>
+            </a:ln>
+          </p:spPr>
+          <p:style>
+            <a:lnRef idx="1">
+              <a:schemeClr val="accent1"/>
+            </a:lnRef>
+            <a:fillRef idx="0">
+              <a:schemeClr val="accent1"/>
+            </a:fillRef>
+            <a:effectRef idx="0">
+              <a:schemeClr val="accent1"/>
+            </a:effectRef>
+            <a:fontRef idx="minor">
+              <a:schemeClr val="tx1"/>
+            </a:fontRef>
+          </p:style>
+          <p:txBody>
+            <a:bodyPr rtlCol="0" anchor="ctr"/>
+            <a:lstStyle/>
+            <a:p>
+              <a:pPr algn="ctr"/>
+              <a:endParaRPr kumimoji="1" lang="ko-Kore-KR" altLang="en-US" dirty="0"/>
+            </a:p>
+          </p:txBody>
+        </p:sp>
+        <p:sp>
+          <p:nvSpPr>
+            <p:cNvPr id="123" name="TextBox 122">
+              <a:extLst>
+                <a:ext uri="{FF2B5EF4-FFF2-40B4-BE49-F238E27FC236}">
+                  <a16:creationId xmlns:a16="http://schemas.microsoft.com/office/drawing/2014/main" id="{2DFFF236-948A-D043-A293-90243FBB5212}"/>
+                </a:ext>
+              </a:extLst>
+            </p:cNvPr>
+            <p:cNvSpPr txBox="1"/>
+            <p:nvPr/>
+          </p:nvSpPr>
+          <p:spPr>
+            <a:xfrm>
+              <a:off x="1084730" y="2877671"/>
+              <a:ext cx="1640542" cy="276999"/>
+            </a:xfrm>
+            <a:prstGeom prst="rect">
+              <a:avLst/>
+            </a:prstGeom>
+            <a:noFill/>
+          </p:spPr>
+          <p:txBody>
+            <a:bodyPr wrap="square" rtlCol="0">
+              <a:spAutoFit/>
+            </a:bodyPr>
+            <a:lstStyle/>
+            <a:p>
+              <a:pPr algn="ctr"/>
+              <a:r>
+                <a:rPr kumimoji="1" lang="en-US" altLang="ko-Kore-KR" sz="1200" b="1" dirty="0">
+                  <a:solidFill>
+                    <a:srgbClr val="5DA2C5"/>
+                  </a:solidFill>
+                  <a:latin typeface="SHeadG" panose="02030600000101010101" pitchFamily="18" charset="-127"/>
+                  <a:ea typeface="SHeadG" panose="02030600000101010101" pitchFamily="18" charset="-127"/>
+                </a:rPr>
+                <a:t>Taxi Selector</a:t>
+              </a:r>
+              <a:endParaRPr kumimoji="1" lang="ko-Kore-KR" altLang="en-US" sz="1200" b="1" dirty="0">
+                <a:solidFill>
+                  <a:srgbClr val="5DA2C5"/>
+                </a:solidFill>
+                <a:latin typeface="SHeadG" panose="02030600000101010101" pitchFamily="18" charset="-127"/>
+                <a:ea typeface="SHeadG" panose="02030600000101010101" pitchFamily="18" charset="-127"/>
+              </a:endParaRPr>
+            </a:p>
+          </p:txBody>
+        </p:sp>
+      </p:grpSp>
+      <p:grpSp>
+        <p:nvGrpSpPr>
+          <p:cNvPr id="140" name="그룹 139">
+            <a:extLst>
+              <a:ext uri="{FF2B5EF4-FFF2-40B4-BE49-F238E27FC236}">
+                <a16:creationId xmlns:a16="http://schemas.microsoft.com/office/drawing/2014/main" id="{86491C30-75B3-5943-B5A0-42B3020B3D1A}"/>
+              </a:ext>
+            </a:extLst>
+          </p:cNvPr>
+          <p:cNvGrpSpPr/>
+          <p:nvPr/>
+        </p:nvGrpSpPr>
+        <p:grpSpPr>
+          <a:xfrm>
+            <a:off x="7026209" y="4750470"/>
+            <a:ext cx="1527794" cy="434703"/>
+            <a:chOff x="1008815" y="2796987"/>
+            <a:chExt cx="1779210" cy="434703"/>
+          </a:xfrm>
+        </p:grpSpPr>
+        <p:sp>
+          <p:nvSpPr>
+            <p:cNvPr id="141" name="직사각형 140">
+              <a:extLst>
+                <a:ext uri="{FF2B5EF4-FFF2-40B4-BE49-F238E27FC236}">
+                  <a16:creationId xmlns:a16="http://schemas.microsoft.com/office/drawing/2014/main" id="{7C2DB551-4D0A-4D4F-B0DE-FC7F92D6F6C3}"/>
+                </a:ext>
+              </a:extLst>
+            </p:cNvPr>
+            <p:cNvSpPr/>
+            <p:nvPr/>
+          </p:nvSpPr>
+          <p:spPr>
+            <a:xfrm>
+              <a:off x="1008815" y="2796987"/>
+              <a:ext cx="1779210" cy="434703"/>
+            </a:xfrm>
+            <a:prstGeom prst="rect">
+              <a:avLst/>
+            </a:prstGeom>
+            <a:ln w="19050">
+              <a:solidFill>
+                <a:srgbClr val="5DA2C5"/>
+              </a:solidFill>
+            </a:ln>
+          </p:spPr>
+          <p:style>
+            <a:lnRef idx="1">
+              <a:schemeClr val="accent1"/>
+            </a:lnRef>
+            <a:fillRef idx="0">
+              <a:schemeClr val="accent1"/>
+            </a:fillRef>
+            <a:effectRef idx="0">
+              <a:schemeClr val="accent1"/>
+            </a:effectRef>
+            <a:fontRef idx="minor">
+              <a:schemeClr val="tx1"/>
+            </a:fontRef>
+          </p:style>
+          <p:txBody>
+            <a:bodyPr rtlCol="0" anchor="ctr"/>
+            <a:lstStyle/>
+            <a:p>
+              <a:pPr algn="ctr"/>
+              <a:endParaRPr kumimoji="1" lang="ko-Kore-KR" altLang="en-US" dirty="0"/>
+            </a:p>
+          </p:txBody>
+        </p:sp>
+        <p:sp>
+          <p:nvSpPr>
+            <p:cNvPr id="142" name="TextBox 141">
+              <a:extLst>
+                <a:ext uri="{FF2B5EF4-FFF2-40B4-BE49-F238E27FC236}">
+                  <a16:creationId xmlns:a16="http://schemas.microsoft.com/office/drawing/2014/main" id="{7ABFEC5F-EACA-0944-B9F1-65B009671BE1}"/>
+                </a:ext>
+              </a:extLst>
+            </p:cNvPr>
+            <p:cNvSpPr txBox="1"/>
+            <p:nvPr/>
+          </p:nvSpPr>
+          <p:spPr>
+            <a:xfrm>
+              <a:off x="1084730" y="2877671"/>
+              <a:ext cx="1640542" cy="276999"/>
+            </a:xfrm>
+            <a:prstGeom prst="rect">
+              <a:avLst/>
+            </a:prstGeom>
+            <a:noFill/>
+          </p:spPr>
+          <p:txBody>
+            <a:bodyPr wrap="square" rtlCol="0">
+              <a:spAutoFit/>
+            </a:bodyPr>
+            <a:lstStyle/>
+            <a:p>
+              <a:pPr algn="ctr"/>
+              <a:r>
+                <a:rPr kumimoji="1" lang="en-US" altLang="ko-Kore-KR" sz="1200" b="1" dirty="0">
+                  <a:solidFill>
+                    <a:srgbClr val="5DA2C5"/>
+                  </a:solidFill>
+                  <a:latin typeface="SHeadG" panose="02030600000101010101" pitchFamily="18" charset="-127"/>
+                  <a:ea typeface="SHeadG" panose="02030600000101010101" pitchFamily="18" charset="-127"/>
+                </a:rPr>
+                <a:t>Taxi Dispatcher</a:t>
+              </a:r>
+              <a:endParaRPr kumimoji="1" lang="ko-Kore-KR" altLang="en-US" sz="1200" b="1" dirty="0">
+                <a:solidFill>
+                  <a:srgbClr val="5DA2C5"/>
+                </a:solidFill>
+                <a:latin typeface="SHeadG" panose="02030600000101010101" pitchFamily="18" charset="-127"/>
+                <a:ea typeface="SHeadG" panose="02030600000101010101" pitchFamily="18" charset="-127"/>
+              </a:endParaRPr>
+            </a:p>
+          </p:txBody>
+        </p:sp>
+      </p:grpSp>
+      <p:cxnSp>
+        <p:nvCxnSpPr>
+          <p:cNvPr id="5" name="구부러진 연결선[U] 4">
+            <a:extLst>
+              <a:ext uri="{FF2B5EF4-FFF2-40B4-BE49-F238E27FC236}">
+                <a16:creationId xmlns:a16="http://schemas.microsoft.com/office/drawing/2014/main" id="{D2EA75D9-1677-394E-B9F1-FD26ACBBC2E7}"/>
+              </a:ext>
+            </a:extLst>
+          </p:cNvPr>
+          <p:cNvCxnSpPr>
+            <a:stCxn id="114" idx="0"/>
+            <a:endCxn id="119" idx="1"/>
+          </p:cNvCxnSpPr>
+          <p:nvPr/>
+        </p:nvCxnSpPr>
+        <p:spPr>
+          <a:xfrm rot="5400000" flipH="1" flipV="1">
+            <a:off x="1763030" y="2395280"/>
+            <a:ext cx="1007172" cy="2201686"/>
+          </a:xfrm>
+          <a:prstGeom prst="curvedConnector2">
+            <a:avLst/>
+          </a:prstGeom>
+          <a:ln w="12700">
+            <a:solidFill>
+              <a:srgbClr val="5DA2C5"/>
+            </a:solidFill>
+            <a:tailEnd type="arrow" w="lg" len="lg"/>
+          </a:ln>
+        </p:spPr>
+        <p:style>
+          <a:lnRef idx="1">
+            <a:schemeClr val="accent1"/>
+          </a:lnRef>
+          <a:fillRef idx="0">
+            <a:schemeClr val="accent1"/>
+          </a:fillRef>
+          <a:effectRef idx="0">
+            <a:schemeClr val="accent1"/>
+          </a:effectRef>
+          <a:fontRef idx="minor">
+            <a:schemeClr val="tx1"/>
+          </a:fontRef>
+        </p:style>
+      </p:cxnSp>
+      <p:cxnSp>
+        <p:nvCxnSpPr>
+          <p:cNvPr id="143" name="구부러진 연결선[U] 142">
+            <a:extLst>
+              <a:ext uri="{FF2B5EF4-FFF2-40B4-BE49-F238E27FC236}">
+                <a16:creationId xmlns:a16="http://schemas.microsoft.com/office/drawing/2014/main" id="{0338D33A-3912-7F44-82A8-729523A59D41}"/>
+              </a:ext>
+            </a:extLst>
+          </p:cNvPr>
+          <p:cNvCxnSpPr>
+            <a:cxnSpLocks/>
+            <a:stCxn id="114" idx="2"/>
+            <a:endCxn id="122" idx="1"/>
+          </p:cNvCxnSpPr>
+          <p:nvPr/>
+        </p:nvCxnSpPr>
+        <p:spPr>
+          <a:xfrm rot="16200000" flipH="1">
+            <a:off x="1847384" y="3752801"/>
+            <a:ext cx="796693" cy="2159914"/>
+          </a:xfrm>
+          <a:prstGeom prst="curvedConnector2">
+            <a:avLst/>
+          </a:prstGeom>
+          <a:ln w="12700">
+            <a:solidFill>
+              <a:srgbClr val="5DA2C5"/>
+            </a:solidFill>
+            <a:tailEnd type="arrow" w="lg" len="lg"/>
+          </a:ln>
+        </p:spPr>
+        <p:style>
+          <a:lnRef idx="1">
+            <a:schemeClr val="accent1"/>
+          </a:lnRef>
+          <a:fillRef idx="0">
+            <a:schemeClr val="accent1"/>
+          </a:fillRef>
+          <a:effectRef idx="0">
+            <a:schemeClr val="accent1"/>
+          </a:effectRef>
+          <a:fontRef idx="minor">
+            <a:schemeClr val="tx1"/>
+          </a:fontRef>
+        </p:style>
+      </p:cxnSp>
+      <p:cxnSp>
+        <p:nvCxnSpPr>
+          <p:cNvPr id="144" name="구부러진 연결선[U] 143">
+            <a:extLst>
+              <a:ext uri="{FF2B5EF4-FFF2-40B4-BE49-F238E27FC236}">
+                <a16:creationId xmlns:a16="http://schemas.microsoft.com/office/drawing/2014/main" id="{31514A14-BD7D-1D40-AA6F-BAD633459D0F}"/>
+              </a:ext>
+            </a:extLst>
+          </p:cNvPr>
+          <p:cNvCxnSpPr>
+            <a:cxnSpLocks/>
+            <a:stCxn id="119" idx="3"/>
+            <a:endCxn id="146" idx="0"/>
+          </p:cNvCxnSpPr>
+          <p:nvPr/>
+        </p:nvCxnSpPr>
+        <p:spPr>
+          <a:xfrm>
+            <a:off x="4779718" y="2992537"/>
+            <a:ext cx="1925924" cy="750475"/>
+          </a:xfrm>
+          <a:prstGeom prst="curvedConnector2">
+            <a:avLst/>
+          </a:prstGeom>
+          <a:ln w="12700">
+            <a:solidFill>
+              <a:srgbClr val="5DA2C5"/>
+            </a:solidFill>
+            <a:tailEnd type="arrow" w="lg" len="lg"/>
+          </a:ln>
+        </p:spPr>
+        <p:style>
+          <a:lnRef idx="1">
+            <a:schemeClr val="accent1"/>
+          </a:lnRef>
+          <a:fillRef idx="0">
+            <a:schemeClr val="accent1"/>
+          </a:fillRef>
+          <a:effectRef idx="0">
+            <a:schemeClr val="accent1"/>
+          </a:effectRef>
+          <a:fontRef idx="minor">
+            <a:schemeClr val="tx1"/>
+          </a:fontRef>
+        </p:style>
+      </p:cxnSp>
+      <p:grpSp>
+        <p:nvGrpSpPr>
+          <p:cNvPr id="10" name="그룹 9">
+            <a:extLst>
+              <a:ext uri="{FF2B5EF4-FFF2-40B4-BE49-F238E27FC236}">
+                <a16:creationId xmlns:a16="http://schemas.microsoft.com/office/drawing/2014/main" id="{9A5DE69A-4513-4F48-9E94-0CD61F4B10ED}"/>
+              </a:ext>
+            </a:extLst>
+          </p:cNvPr>
+          <p:cNvGrpSpPr/>
+          <p:nvPr/>
+        </p:nvGrpSpPr>
+        <p:grpSpPr>
+          <a:xfrm>
+            <a:off x="6042959" y="3714725"/>
+            <a:ext cx="1325367" cy="327061"/>
+            <a:chOff x="5712431" y="2353149"/>
+            <a:chExt cx="1325367" cy="327061"/>
+          </a:xfrm>
+        </p:grpSpPr>
+        <p:cxnSp>
+          <p:nvCxnSpPr>
+            <p:cNvPr id="9" name="직선 연결선[R] 8">
+              <a:extLst>
+                <a:ext uri="{FF2B5EF4-FFF2-40B4-BE49-F238E27FC236}">
+                  <a16:creationId xmlns:a16="http://schemas.microsoft.com/office/drawing/2014/main" id="{2E0D6FE7-607D-DB42-B876-6256140894F1}"/>
+                </a:ext>
+              </a:extLst>
+            </p:cNvPr>
+            <p:cNvCxnSpPr/>
+            <p:nvPr/>
+          </p:nvCxnSpPr>
+          <p:spPr>
+            <a:xfrm>
+              <a:off x="5712431" y="2353149"/>
+              <a:ext cx="1325367" cy="0"/>
+            </a:xfrm>
+            <a:prstGeom prst="line">
+              <a:avLst/>
+            </a:prstGeom>
+            <a:ln w="12700">
+              <a:solidFill>
+                <a:srgbClr val="5DA2C5"/>
+              </a:solidFill>
+            </a:ln>
+          </p:spPr>
+          <p:style>
+            <a:lnRef idx="1">
+              <a:schemeClr val="accent1"/>
+            </a:lnRef>
+            <a:fillRef idx="0">
+              <a:schemeClr val="accent1"/>
+            </a:fillRef>
+            <a:effectRef idx="0">
+              <a:schemeClr val="accent1"/>
+            </a:effectRef>
+            <a:fontRef idx="minor">
+              <a:schemeClr val="tx1"/>
+            </a:fontRef>
+          </p:style>
+        </p:cxnSp>
+        <p:cxnSp>
+          <p:nvCxnSpPr>
+            <p:cNvPr id="145" name="직선 연결선[R] 144">
+              <a:extLst>
+                <a:ext uri="{FF2B5EF4-FFF2-40B4-BE49-F238E27FC236}">
+                  <a16:creationId xmlns:a16="http://schemas.microsoft.com/office/drawing/2014/main" id="{CA299792-5A1E-8B4F-8E34-C6BE3620F330}"/>
+                </a:ext>
+              </a:extLst>
+            </p:cNvPr>
+            <p:cNvCxnSpPr/>
+            <p:nvPr/>
+          </p:nvCxnSpPr>
+          <p:spPr>
+            <a:xfrm>
+              <a:off x="5712431" y="2680210"/>
+              <a:ext cx="1325367" cy="0"/>
+            </a:xfrm>
+            <a:prstGeom prst="line">
+              <a:avLst/>
+            </a:prstGeom>
+            <a:ln w="12700">
+              <a:solidFill>
+                <a:srgbClr val="5DA2C5"/>
+              </a:solidFill>
+            </a:ln>
+          </p:spPr>
+          <p:style>
+            <a:lnRef idx="1">
+              <a:schemeClr val="accent1"/>
+            </a:lnRef>
+            <a:fillRef idx="0">
+              <a:schemeClr val="accent1"/>
+            </a:fillRef>
+            <a:effectRef idx="0">
+              <a:schemeClr val="accent1"/>
+            </a:effectRef>
+            <a:fontRef idx="minor">
+              <a:schemeClr val="tx1"/>
+            </a:fontRef>
+          </p:style>
+        </p:cxnSp>
+        <p:sp>
+          <p:nvSpPr>
+            <p:cNvPr id="146" name="TextBox 145">
+              <a:extLst>
+                <a:ext uri="{FF2B5EF4-FFF2-40B4-BE49-F238E27FC236}">
+                  <a16:creationId xmlns:a16="http://schemas.microsoft.com/office/drawing/2014/main" id="{B12CEB58-F809-614C-BD91-CA8A02610156}"/>
+                </a:ext>
+              </a:extLst>
+            </p:cNvPr>
+            <p:cNvSpPr txBox="1"/>
+            <p:nvPr/>
+          </p:nvSpPr>
+          <p:spPr>
+            <a:xfrm>
+              <a:off x="5724019" y="2381436"/>
+              <a:ext cx="1302190" cy="276999"/>
+            </a:xfrm>
+            <a:prstGeom prst="rect">
+              <a:avLst/>
+            </a:prstGeom>
+            <a:noFill/>
+          </p:spPr>
+          <p:txBody>
+            <a:bodyPr wrap="square" rtlCol="0">
+              <a:spAutoFit/>
+            </a:bodyPr>
+            <a:lstStyle/>
+            <a:p>
+              <a:pPr algn="ctr"/>
+              <a:r>
+                <a:rPr kumimoji="1" lang="ko-KR" altLang="en-US" sz="1200" b="1" dirty="0">
+                  <a:solidFill>
+                    <a:srgbClr val="5DA2C5"/>
+                  </a:solidFill>
+                  <a:latin typeface="SHeadG" panose="02030600000101010101" pitchFamily="18" charset="-127"/>
+                  <a:ea typeface="SHeadG" panose="02030600000101010101" pitchFamily="18" charset="-127"/>
+                </a:rPr>
+                <a:t>후보 택시들</a:t>
+              </a:r>
+              <a:endParaRPr kumimoji="1" lang="ko-Kore-KR" altLang="en-US" sz="1200" b="1" dirty="0">
+                <a:solidFill>
+                  <a:srgbClr val="5DA2C5"/>
+                </a:solidFill>
+                <a:latin typeface="SHeadG" panose="02030600000101010101" pitchFamily="18" charset="-127"/>
+                <a:ea typeface="SHeadG" panose="02030600000101010101" pitchFamily="18" charset="-127"/>
+              </a:endParaRPr>
+            </a:p>
+          </p:txBody>
+        </p:sp>
+      </p:grpSp>
+      <p:cxnSp>
+        <p:nvCxnSpPr>
+          <p:cNvPr id="147" name="구부러진 연결선[U] 146">
+            <a:extLst>
+              <a:ext uri="{FF2B5EF4-FFF2-40B4-BE49-F238E27FC236}">
+                <a16:creationId xmlns:a16="http://schemas.microsoft.com/office/drawing/2014/main" id="{260A14C3-D11B-6C40-9347-2F185126BCBF}"/>
+              </a:ext>
+            </a:extLst>
+          </p:cNvPr>
+          <p:cNvCxnSpPr>
+            <a:cxnSpLocks/>
+            <a:stCxn id="146" idx="2"/>
+          </p:cNvCxnSpPr>
+          <p:nvPr/>
+        </p:nvCxnSpPr>
+        <p:spPr>
+          <a:xfrm rot="5400000">
+            <a:off x="5201709" y="3551172"/>
+            <a:ext cx="1035095" cy="1972773"/>
+          </a:xfrm>
+          <a:prstGeom prst="curvedConnector2">
+            <a:avLst/>
+          </a:prstGeom>
+          <a:ln w="12700">
+            <a:solidFill>
+              <a:srgbClr val="5DA2C5"/>
+            </a:solidFill>
+            <a:tailEnd type="arrow" w="lg" len="lg"/>
+          </a:ln>
+        </p:spPr>
+        <p:style>
+          <a:lnRef idx="1">
+            <a:schemeClr val="accent1"/>
+          </a:lnRef>
+          <a:fillRef idx="0">
+            <a:schemeClr val="accent1"/>
+          </a:fillRef>
+          <a:effectRef idx="0">
+            <a:schemeClr val="accent1"/>
+          </a:effectRef>
+          <a:fontRef idx="minor">
+            <a:schemeClr val="tx1"/>
+          </a:fontRef>
+        </p:style>
+      </p:cxnSp>
+      <p:cxnSp>
+        <p:nvCxnSpPr>
+          <p:cNvPr id="148" name="구부러진 연결선[U] 147">
+            <a:extLst>
+              <a:ext uri="{FF2B5EF4-FFF2-40B4-BE49-F238E27FC236}">
+                <a16:creationId xmlns:a16="http://schemas.microsoft.com/office/drawing/2014/main" id="{309C408B-8824-9848-800D-65F77B93D873}"/>
+              </a:ext>
+            </a:extLst>
+          </p:cNvPr>
+          <p:cNvCxnSpPr>
+            <a:cxnSpLocks/>
+            <a:stCxn id="122" idx="3"/>
+            <a:endCxn id="141" idx="1"/>
+          </p:cNvCxnSpPr>
+          <p:nvPr/>
+        </p:nvCxnSpPr>
+        <p:spPr>
+          <a:xfrm flipV="1">
+            <a:off x="4737946" y="4967822"/>
+            <a:ext cx="2288263" cy="263283"/>
+          </a:xfrm>
+          <a:prstGeom prst="curvedConnector3">
+            <a:avLst>
+              <a:gd name="adj1" fmla="val 50000"/>
+            </a:avLst>
+          </a:prstGeom>
+          <a:ln w="12700">
+            <a:solidFill>
+              <a:srgbClr val="5DA2C5"/>
+            </a:solidFill>
+            <a:tailEnd type="arrow" w="lg" len="lg"/>
+          </a:ln>
+        </p:spPr>
+        <p:style>
+          <a:lnRef idx="1">
+            <a:schemeClr val="accent1"/>
+          </a:lnRef>
+          <a:fillRef idx="0">
+            <a:schemeClr val="accent1"/>
+          </a:fillRef>
+          <a:effectRef idx="0">
+            <a:schemeClr val="accent1"/>
+          </a:effectRef>
+          <a:fontRef idx="minor">
+            <a:schemeClr val="tx1"/>
+          </a:fontRef>
+        </p:style>
+      </p:cxnSp>
+      <p:grpSp>
+        <p:nvGrpSpPr>
+          <p:cNvPr id="158" name="그룹 157">
+            <a:extLst>
+              <a:ext uri="{FF2B5EF4-FFF2-40B4-BE49-F238E27FC236}">
+                <a16:creationId xmlns:a16="http://schemas.microsoft.com/office/drawing/2014/main" id="{225B45D6-F9BB-BE43-A80A-2FA45D8CE5C4}"/>
+              </a:ext>
+            </a:extLst>
+          </p:cNvPr>
+          <p:cNvGrpSpPr/>
+          <p:nvPr/>
+        </p:nvGrpSpPr>
+        <p:grpSpPr>
+          <a:xfrm>
+            <a:off x="6729626" y="1491467"/>
+            <a:ext cx="1527794" cy="434703"/>
+            <a:chOff x="1008815" y="2796987"/>
+            <a:chExt cx="1779210" cy="434703"/>
+          </a:xfrm>
+        </p:grpSpPr>
+        <p:sp>
+          <p:nvSpPr>
+            <p:cNvPr id="159" name="직사각형 158">
+              <a:extLst>
+                <a:ext uri="{FF2B5EF4-FFF2-40B4-BE49-F238E27FC236}">
+                  <a16:creationId xmlns:a16="http://schemas.microsoft.com/office/drawing/2014/main" id="{216AEB69-55A1-D24B-B5E4-218415A2F46E}"/>
+                </a:ext>
+              </a:extLst>
+            </p:cNvPr>
+            <p:cNvSpPr/>
+            <p:nvPr/>
+          </p:nvSpPr>
+          <p:spPr>
+            <a:xfrm>
+              <a:off x="1008815" y="2796987"/>
+              <a:ext cx="1779210" cy="434703"/>
+            </a:xfrm>
+            <a:prstGeom prst="rect">
+              <a:avLst/>
+            </a:prstGeom>
+            <a:ln w="19050">
+              <a:solidFill>
+                <a:srgbClr val="5DA2C5"/>
+              </a:solidFill>
+            </a:ln>
+          </p:spPr>
+          <p:style>
+            <a:lnRef idx="1">
+              <a:schemeClr val="accent1"/>
+            </a:lnRef>
+            <a:fillRef idx="0">
+              <a:schemeClr val="accent1"/>
+            </a:fillRef>
+            <a:effectRef idx="0">
+              <a:schemeClr val="accent1"/>
+            </a:effectRef>
+            <a:fontRef idx="minor">
+              <a:schemeClr val="tx1"/>
+            </a:fontRef>
+          </p:style>
+          <p:txBody>
+            <a:bodyPr rtlCol="0" anchor="ctr"/>
+            <a:lstStyle/>
+            <a:p>
+              <a:pPr algn="ctr"/>
+              <a:endParaRPr kumimoji="1" lang="ko-Kore-KR" altLang="en-US" dirty="0"/>
+            </a:p>
+          </p:txBody>
+        </p:sp>
+        <p:sp>
+          <p:nvSpPr>
+            <p:cNvPr id="160" name="TextBox 159">
+              <a:extLst>
+                <a:ext uri="{FF2B5EF4-FFF2-40B4-BE49-F238E27FC236}">
+                  <a16:creationId xmlns:a16="http://schemas.microsoft.com/office/drawing/2014/main" id="{A22E4037-C95B-3E4D-84FC-C51C2076F37F}"/>
+                </a:ext>
+              </a:extLst>
+            </p:cNvPr>
+            <p:cNvSpPr txBox="1"/>
+            <p:nvPr/>
+          </p:nvSpPr>
+          <p:spPr>
+            <a:xfrm>
+              <a:off x="1084730" y="2877671"/>
+              <a:ext cx="1640542" cy="276999"/>
+            </a:xfrm>
+            <a:prstGeom prst="rect">
+              <a:avLst/>
+            </a:prstGeom>
+            <a:noFill/>
+          </p:spPr>
+          <p:txBody>
+            <a:bodyPr wrap="square" rtlCol="0">
+              <a:spAutoFit/>
+            </a:bodyPr>
+            <a:lstStyle/>
+            <a:p>
+              <a:pPr algn="ctr"/>
+              <a:r>
+                <a:rPr kumimoji="1" lang="en-US" altLang="ko-Kore-KR" sz="1200" b="1" dirty="0">
+                  <a:solidFill>
+                    <a:srgbClr val="5DA2C5"/>
+                  </a:solidFill>
+                  <a:latin typeface="SHeadG" panose="02030600000101010101" pitchFamily="18" charset="-127"/>
+                  <a:ea typeface="SHeadG" panose="02030600000101010101" pitchFamily="18" charset="-127"/>
+                </a:rPr>
+                <a:t>Taxi Supplier 1</a:t>
+              </a:r>
+              <a:endParaRPr kumimoji="1" lang="ko-Kore-KR" altLang="en-US" sz="1200" b="1" dirty="0">
+                <a:solidFill>
+                  <a:srgbClr val="5DA2C5"/>
+                </a:solidFill>
+                <a:latin typeface="SHeadG" panose="02030600000101010101" pitchFamily="18" charset="-127"/>
+                <a:ea typeface="SHeadG" panose="02030600000101010101" pitchFamily="18" charset="-127"/>
+              </a:endParaRPr>
+            </a:p>
+          </p:txBody>
+        </p:sp>
+      </p:grpSp>
+      <p:grpSp>
+        <p:nvGrpSpPr>
+          <p:cNvPr id="161" name="그룹 160">
+            <a:extLst>
+              <a:ext uri="{FF2B5EF4-FFF2-40B4-BE49-F238E27FC236}">
+                <a16:creationId xmlns:a16="http://schemas.microsoft.com/office/drawing/2014/main" id="{FEA4D042-6CD1-CE44-8BE9-1D6CE7298CBC}"/>
+              </a:ext>
+            </a:extLst>
+          </p:cNvPr>
+          <p:cNvGrpSpPr/>
+          <p:nvPr/>
+        </p:nvGrpSpPr>
+        <p:grpSpPr>
+          <a:xfrm>
+            <a:off x="6995042" y="1849150"/>
+            <a:ext cx="1527794" cy="434703"/>
+            <a:chOff x="1008815" y="2796987"/>
+            <a:chExt cx="1779210" cy="434703"/>
+          </a:xfrm>
+        </p:grpSpPr>
+        <p:sp>
+          <p:nvSpPr>
+            <p:cNvPr id="162" name="직사각형 161">
+              <a:extLst>
+                <a:ext uri="{FF2B5EF4-FFF2-40B4-BE49-F238E27FC236}">
+                  <a16:creationId xmlns:a16="http://schemas.microsoft.com/office/drawing/2014/main" id="{F29DF5B4-38EB-9A4C-8A09-02BBA7E5154C}"/>
+                </a:ext>
+              </a:extLst>
+            </p:cNvPr>
+            <p:cNvSpPr/>
+            <p:nvPr/>
+          </p:nvSpPr>
+          <p:spPr>
+            <a:xfrm>
+              <a:off x="1008815" y="2796987"/>
+              <a:ext cx="1779210" cy="434703"/>
+            </a:xfrm>
+            <a:prstGeom prst="rect">
+              <a:avLst/>
+            </a:prstGeom>
+            <a:solidFill>
+              <a:schemeClr val="bg1"/>
+            </a:solidFill>
+            <a:ln w="19050">
+              <a:solidFill>
+                <a:srgbClr val="5DA2C5"/>
+              </a:solidFill>
+            </a:ln>
+          </p:spPr>
+          <p:style>
+            <a:lnRef idx="1">
+              <a:schemeClr val="accent1"/>
+            </a:lnRef>
+            <a:fillRef idx="0">
+              <a:schemeClr val="accent1"/>
+            </a:fillRef>
+            <a:effectRef idx="0">
+              <a:schemeClr val="accent1"/>
+            </a:effectRef>
+            <a:fontRef idx="minor">
+              <a:schemeClr val="tx1"/>
+            </a:fontRef>
+          </p:style>
+          <p:txBody>
+            <a:bodyPr rtlCol="0" anchor="ctr"/>
+            <a:lstStyle/>
+            <a:p>
+              <a:pPr algn="ctr"/>
+              <a:endParaRPr kumimoji="1" lang="ko-Kore-KR" altLang="en-US" dirty="0"/>
+            </a:p>
+          </p:txBody>
+        </p:sp>
+        <p:sp>
+          <p:nvSpPr>
+            <p:cNvPr id="163" name="TextBox 162">
+              <a:extLst>
+                <a:ext uri="{FF2B5EF4-FFF2-40B4-BE49-F238E27FC236}">
+                  <a16:creationId xmlns:a16="http://schemas.microsoft.com/office/drawing/2014/main" id="{DF3B1AA2-0F8F-2E4B-8D28-F73D0601F93A}"/>
+                </a:ext>
+              </a:extLst>
+            </p:cNvPr>
+            <p:cNvSpPr txBox="1"/>
+            <p:nvPr/>
+          </p:nvSpPr>
+          <p:spPr>
+            <a:xfrm>
+              <a:off x="1084730" y="2877671"/>
+              <a:ext cx="1640542" cy="276999"/>
+            </a:xfrm>
+            <a:prstGeom prst="rect">
+              <a:avLst/>
+            </a:prstGeom>
+            <a:noFill/>
+          </p:spPr>
+          <p:txBody>
+            <a:bodyPr wrap="square" rtlCol="0">
+              <a:spAutoFit/>
+            </a:bodyPr>
+            <a:lstStyle/>
+            <a:p>
+              <a:pPr algn="ctr"/>
+              <a:r>
+                <a:rPr kumimoji="1" lang="en-US" altLang="ko-Kore-KR" sz="1200" b="1" dirty="0">
+                  <a:solidFill>
+                    <a:srgbClr val="5DA2C5"/>
+                  </a:solidFill>
+                  <a:latin typeface="SHeadG" panose="02030600000101010101" pitchFamily="18" charset="-127"/>
+                  <a:ea typeface="SHeadG" panose="02030600000101010101" pitchFamily="18" charset="-127"/>
+                </a:rPr>
+                <a:t>Taxi Supplier 2</a:t>
+              </a:r>
+              <a:endParaRPr kumimoji="1" lang="ko-Kore-KR" altLang="en-US" sz="1200" b="1" dirty="0">
+                <a:solidFill>
+                  <a:srgbClr val="5DA2C5"/>
+                </a:solidFill>
+                <a:latin typeface="SHeadG" panose="02030600000101010101" pitchFamily="18" charset="-127"/>
+                <a:ea typeface="SHeadG" panose="02030600000101010101" pitchFamily="18" charset="-127"/>
+              </a:endParaRPr>
+            </a:p>
+          </p:txBody>
+        </p:sp>
+      </p:grpSp>
+      <p:grpSp>
+        <p:nvGrpSpPr>
+          <p:cNvPr id="167" name="그룹 166">
+            <a:extLst>
+              <a:ext uri="{FF2B5EF4-FFF2-40B4-BE49-F238E27FC236}">
+                <a16:creationId xmlns:a16="http://schemas.microsoft.com/office/drawing/2014/main" id="{B1142BDE-25BE-4C4E-828D-723EFC771764}"/>
+              </a:ext>
+            </a:extLst>
+          </p:cNvPr>
+          <p:cNvGrpSpPr/>
+          <p:nvPr/>
+        </p:nvGrpSpPr>
+        <p:grpSpPr>
+          <a:xfrm>
+            <a:off x="7252071" y="2195236"/>
+            <a:ext cx="1527794" cy="434703"/>
+            <a:chOff x="1008815" y="2796987"/>
+            <a:chExt cx="1779210" cy="434703"/>
+          </a:xfrm>
+        </p:grpSpPr>
+        <p:sp>
+          <p:nvSpPr>
+            <p:cNvPr id="168" name="직사각형 167">
+              <a:extLst>
+                <a:ext uri="{FF2B5EF4-FFF2-40B4-BE49-F238E27FC236}">
+                  <a16:creationId xmlns:a16="http://schemas.microsoft.com/office/drawing/2014/main" id="{6509C4E7-0061-5040-90C2-9DD2CB6C6B0A}"/>
+                </a:ext>
+              </a:extLst>
+            </p:cNvPr>
+            <p:cNvSpPr/>
+            <p:nvPr/>
+          </p:nvSpPr>
+          <p:spPr>
+            <a:xfrm>
+              <a:off x="1008815" y="2796987"/>
+              <a:ext cx="1779210" cy="434703"/>
+            </a:xfrm>
+            <a:prstGeom prst="rect">
+              <a:avLst/>
+            </a:prstGeom>
+            <a:solidFill>
+              <a:schemeClr val="bg1"/>
+            </a:solidFill>
+            <a:ln w="19050">
+              <a:solidFill>
+                <a:srgbClr val="5DA2C5"/>
+              </a:solidFill>
+            </a:ln>
+          </p:spPr>
+          <p:style>
+            <a:lnRef idx="1">
+              <a:schemeClr val="accent1"/>
+            </a:lnRef>
+            <a:fillRef idx="0">
+              <a:schemeClr val="accent1"/>
+            </a:fillRef>
+            <a:effectRef idx="0">
+              <a:schemeClr val="accent1"/>
+            </a:effectRef>
+            <a:fontRef idx="minor">
+              <a:schemeClr val="tx1"/>
+            </a:fontRef>
+          </p:style>
+          <p:txBody>
+            <a:bodyPr rtlCol="0" anchor="ctr"/>
+            <a:lstStyle/>
+            <a:p>
+              <a:pPr algn="ctr"/>
+              <a:endParaRPr kumimoji="1" lang="ko-Kore-KR" altLang="en-US" dirty="0"/>
+            </a:p>
+          </p:txBody>
+        </p:sp>
+        <p:sp>
+          <p:nvSpPr>
+            <p:cNvPr id="169" name="TextBox 168">
+              <a:extLst>
+                <a:ext uri="{FF2B5EF4-FFF2-40B4-BE49-F238E27FC236}">
+                  <a16:creationId xmlns:a16="http://schemas.microsoft.com/office/drawing/2014/main" id="{2B06A142-DE55-6340-ADE1-9E248132FD7F}"/>
+                </a:ext>
+              </a:extLst>
+            </p:cNvPr>
+            <p:cNvSpPr txBox="1"/>
+            <p:nvPr/>
+          </p:nvSpPr>
+          <p:spPr>
+            <a:xfrm>
+              <a:off x="1084730" y="2877671"/>
+              <a:ext cx="1640542" cy="276999"/>
+            </a:xfrm>
+            <a:prstGeom prst="rect">
+              <a:avLst/>
+            </a:prstGeom>
+            <a:noFill/>
+          </p:spPr>
+          <p:txBody>
+            <a:bodyPr wrap="square" rtlCol="0">
+              <a:spAutoFit/>
+            </a:bodyPr>
+            <a:lstStyle/>
+            <a:p>
+              <a:pPr algn="ctr"/>
+              <a:r>
+                <a:rPr kumimoji="1" lang="en-US" altLang="ko-Kore-KR" sz="1200" b="1" dirty="0">
+                  <a:solidFill>
+                    <a:srgbClr val="5DA2C5"/>
+                  </a:solidFill>
+                  <a:latin typeface="SHeadG" panose="02030600000101010101" pitchFamily="18" charset="-127"/>
+                  <a:ea typeface="SHeadG" panose="02030600000101010101" pitchFamily="18" charset="-127"/>
+                </a:rPr>
+                <a:t>Taxi Supplier 3</a:t>
+              </a:r>
+              <a:endParaRPr kumimoji="1" lang="ko-Kore-KR" altLang="en-US" sz="1200" b="1" dirty="0">
+                <a:solidFill>
+                  <a:srgbClr val="5DA2C5"/>
+                </a:solidFill>
+                <a:latin typeface="SHeadG" panose="02030600000101010101" pitchFamily="18" charset="-127"/>
+                <a:ea typeface="SHeadG" panose="02030600000101010101" pitchFamily="18" charset="-127"/>
+              </a:endParaRPr>
+            </a:p>
+          </p:txBody>
+        </p:sp>
+      </p:grpSp>
+      <p:cxnSp>
+        <p:nvCxnSpPr>
+          <p:cNvPr id="170" name="구부러진 연결선[U] 169">
+            <a:extLst>
+              <a:ext uri="{FF2B5EF4-FFF2-40B4-BE49-F238E27FC236}">
+                <a16:creationId xmlns:a16="http://schemas.microsoft.com/office/drawing/2014/main" id="{ADE3840E-822E-2A4A-BE4D-04378AE7DD9D}"/>
+              </a:ext>
+            </a:extLst>
+          </p:cNvPr>
+          <p:cNvCxnSpPr>
+            <a:cxnSpLocks/>
+            <a:stCxn id="141" idx="3"/>
+            <a:endCxn id="168" idx="3"/>
+          </p:cNvCxnSpPr>
+          <p:nvPr/>
+        </p:nvCxnSpPr>
+        <p:spPr>
+          <a:xfrm flipV="1">
+            <a:off x="8554003" y="2412588"/>
+            <a:ext cx="225862" cy="2555234"/>
+          </a:xfrm>
+          <a:prstGeom prst="curvedConnector3">
+            <a:avLst>
+              <a:gd name="adj1" fmla="val 219407"/>
+            </a:avLst>
+          </a:prstGeom>
+          <a:ln w="12700">
+            <a:solidFill>
+              <a:srgbClr val="5DA2C5"/>
+            </a:solidFill>
+            <a:tailEnd type="arrow" w="lg" len="lg"/>
+          </a:ln>
+        </p:spPr>
+        <p:style>
+          <a:lnRef idx="1">
+            <a:schemeClr val="accent1"/>
+          </a:lnRef>
+          <a:fillRef idx="0">
+            <a:schemeClr val="accent1"/>
+          </a:fillRef>
+          <a:effectRef idx="0">
+            <a:schemeClr val="accent1"/>
+          </a:effectRef>
+          <a:fontRef idx="minor">
+            <a:schemeClr val="tx1"/>
+          </a:fontRef>
+        </p:style>
+      </p:cxnSp>
+      <p:cxnSp>
+        <p:nvCxnSpPr>
+          <p:cNvPr id="171" name="구부러진 연결선[U] 170">
+            <a:extLst>
+              <a:ext uri="{FF2B5EF4-FFF2-40B4-BE49-F238E27FC236}">
+                <a16:creationId xmlns:a16="http://schemas.microsoft.com/office/drawing/2014/main" id="{56AE05E6-1E98-7C41-BFB3-E4F650D69A08}"/>
+              </a:ext>
+            </a:extLst>
+          </p:cNvPr>
+          <p:cNvCxnSpPr>
+            <a:cxnSpLocks/>
+            <a:stCxn id="141" idx="3"/>
+            <a:endCxn id="162" idx="3"/>
+          </p:cNvCxnSpPr>
+          <p:nvPr/>
+        </p:nvCxnSpPr>
+        <p:spPr>
+          <a:xfrm flipH="1" flipV="1">
+            <a:off x="8522836" y="2066502"/>
+            <a:ext cx="31167" cy="2901320"/>
+          </a:xfrm>
+          <a:prstGeom prst="curvedConnector3">
+            <a:avLst>
+              <a:gd name="adj1" fmla="val -2546536"/>
+            </a:avLst>
+          </a:prstGeom>
+          <a:ln w="12700">
+            <a:solidFill>
+              <a:srgbClr val="5DA2C5"/>
+            </a:solidFill>
+            <a:tailEnd type="arrow" w="lg" len="lg"/>
+          </a:ln>
+        </p:spPr>
+        <p:style>
+          <a:lnRef idx="1">
+            <a:schemeClr val="accent1"/>
+          </a:lnRef>
+          <a:fillRef idx="0">
+            <a:schemeClr val="accent1"/>
+          </a:fillRef>
+          <a:effectRef idx="0">
+            <a:schemeClr val="accent1"/>
+          </a:effectRef>
+          <a:fontRef idx="minor">
+            <a:schemeClr val="tx1"/>
+          </a:fontRef>
+        </p:style>
+      </p:cxnSp>
+      <p:cxnSp>
+        <p:nvCxnSpPr>
+          <p:cNvPr id="172" name="구부러진 연결선[U] 171">
+            <a:extLst>
+              <a:ext uri="{FF2B5EF4-FFF2-40B4-BE49-F238E27FC236}">
+                <a16:creationId xmlns:a16="http://schemas.microsoft.com/office/drawing/2014/main" id="{0FBCEF0E-CAEA-9E48-AC46-70A708C4E73F}"/>
+              </a:ext>
+            </a:extLst>
+          </p:cNvPr>
+          <p:cNvCxnSpPr>
+            <a:cxnSpLocks/>
+            <a:stCxn id="141" idx="3"/>
+            <a:endCxn id="159" idx="3"/>
+          </p:cNvCxnSpPr>
+          <p:nvPr/>
+        </p:nvCxnSpPr>
+        <p:spPr>
+          <a:xfrm flipH="1" flipV="1">
+            <a:off x="8257420" y="1708819"/>
+            <a:ext cx="296583" cy="3259003"/>
+          </a:xfrm>
+          <a:prstGeom prst="curvedConnector3">
+            <a:avLst>
+              <a:gd name="adj1" fmla="val -385390"/>
+            </a:avLst>
+          </a:prstGeom>
+          <a:ln w="12700">
+            <a:solidFill>
+              <a:srgbClr val="5DA2C5"/>
+            </a:solidFill>
+            <a:tailEnd type="arrow" w="lg" len="lg"/>
+          </a:ln>
+        </p:spPr>
+        <p:style>
+          <a:lnRef idx="1">
+            <a:schemeClr val="accent1"/>
+          </a:lnRef>
+          <a:fillRef idx="0">
+            <a:schemeClr val="accent1"/>
+          </a:fillRef>
+          <a:effectRef idx="0">
+            <a:schemeClr val="accent1"/>
+          </a:effectRef>
+          <a:fontRef idx="minor">
+            <a:schemeClr val="tx1"/>
+          </a:fontRef>
+        </p:style>
+      </p:cxnSp>
+      <p:cxnSp>
+        <p:nvCxnSpPr>
+          <p:cNvPr id="173" name="구부러진 연결선[U] 172">
+            <a:extLst>
+              <a:ext uri="{FF2B5EF4-FFF2-40B4-BE49-F238E27FC236}">
+                <a16:creationId xmlns:a16="http://schemas.microsoft.com/office/drawing/2014/main" id="{3A482272-DCFD-F248-8640-3D49A24BBBF6}"/>
+              </a:ext>
+            </a:extLst>
+          </p:cNvPr>
+          <p:cNvCxnSpPr>
+            <a:cxnSpLocks/>
+            <a:stCxn id="119" idx="0"/>
+            <a:endCxn id="168" idx="1"/>
+          </p:cNvCxnSpPr>
+          <p:nvPr/>
+        </p:nvCxnSpPr>
+        <p:spPr>
+          <a:xfrm rot="5400000" flipH="1" flipV="1">
+            <a:off x="5481532" y="1004646"/>
+            <a:ext cx="362597" cy="3178482"/>
+          </a:xfrm>
+          <a:prstGeom prst="curvedConnector2">
+            <a:avLst/>
+          </a:prstGeom>
+          <a:ln w="12700">
+            <a:solidFill>
+              <a:srgbClr val="5DA2C5"/>
+            </a:solidFill>
+            <a:tailEnd type="arrow" w="lg" len="lg"/>
+          </a:ln>
+        </p:spPr>
+        <p:style>
+          <a:lnRef idx="1">
+            <a:schemeClr val="accent1"/>
+          </a:lnRef>
+          <a:fillRef idx="0">
+            <a:schemeClr val="accent1"/>
+          </a:fillRef>
+          <a:effectRef idx="0">
+            <a:schemeClr val="accent1"/>
+          </a:effectRef>
+          <a:fontRef idx="minor">
+            <a:schemeClr val="tx1"/>
+          </a:fontRef>
+        </p:style>
+      </p:cxnSp>
+      <p:cxnSp>
+        <p:nvCxnSpPr>
+          <p:cNvPr id="174" name="구부러진 연결선[U] 173">
+            <a:extLst>
+              <a:ext uri="{FF2B5EF4-FFF2-40B4-BE49-F238E27FC236}">
+                <a16:creationId xmlns:a16="http://schemas.microsoft.com/office/drawing/2014/main" id="{E242A56F-F625-8F45-8BB5-A2626C39BD43}"/>
+              </a:ext>
+            </a:extLst>
+          </p:cNvPr>
+          <p:cNvCxnSpPr>
+            <a:cxnSpLocks/>
+            <a:stCxn id="119" idx="0"/>
+            <a:endCxn id="162" idx="1"/>
+          </p:cNvCxnSpPr>
+          <p:nvPr/>
+        </p:nvCxnSpPr>
+        <p:spPr>
+          <a:xfrm rot="5400000" flipH="1" flipV="1">
+            <a:off x="5179974" y="960118"/>
+            <a:ext cx="708683" cy="2921453"/>
+          </a:xfrm>
+          <a:prstGeom prst="curvedConnector2">
+            <a:avLst/>
+          </a:prstGeom>
+          <a:ln w="12700">
+            <a:solidFill>
+              <a:srgbClr val="5DA2C5"/>
+            </a:solidFill>
+            <a:tailEnd type="arrow" w="lg" len="lg"/>
+          </a:ln>
+        </p:spPr>
+        <p:style>
+          <a:lnRef idx="1">
+            <a:schemeClr val="accent1"/>
+          </a:lnRef>
+          <a:fillRef idx="0">
+            <a:schemeClr val="accent1"/>
+          </a:fillRef>
+          <a:effectRef idx="0">
+            <a:schemeClr val="accent1"/>
+          </a:effectRef>
+          <a:fontRef idx="minor">
+            <a:schemeClr val="tx1"/>
+          </a:fontRef>
+        </p:style>
+      </p:cxnSp>
+      <p:cxnSp>
+        <p:nvCxnSpPr>
+          <p:cNvPr id="177" name="구부러진 연결선[U] 176">
+            <a:extLst>
+              <a:ext uri="{FF2B5EF4-FFF2-40B4-BE49-F238E27FC236}">
+                <a16:creationId xmlns:a16="http://schemas.microsoft.com/office/drawing/2014/main" id="{5256A0C5-9F3C-2C49-92D7-0301BE2555C6}"/>
+              </a:ext>
+            </a:extLst>
+          </p:cNvPr>
+          <p:cNvCxnSpPr>
+            <a:cxnSpLocks/>
+            <a:stCxn id="119" idx="0"/>
+            <a:endCxn id="159" idx="1"/>
+          </p:cNvCxnSpPr>
+          <p:nvPr/>
+        </p:nvCxnSpPr>
+        <p:spPr>
+          <a:xfrm rot="5400000" flipH="1" flipV="1">
+            <a:off x="4868424" y="913984"/>
+            <a:ext cx="1066366" cy="2656037"/>
+          </a:xfrm>
+          <a:prstGeom prst="curvedConnector2">
+            <a:avLst/>
+          </a:prstGeom>
+          <a:ln w="12700">
+            <a:solidFill>
+              <a:srgbClr val="5DA2C5"/>
+            </a:solidFill>
+            <a:tailEnd type="arrow" w="lg" len="lg"/>
+          </a:ln>
+        </p:spPr>
+        <p:style>
+          <a:lnRef idx="1">
+            <a:schemeClr val="accent1"/>
+          </a:lnRef>
+          <a:fillRef idx="0">
+            <a:schemeClr val="accent1"/>
+          </a:fillRef>
+          <a:effectRef idx="0">
+            <a:schemeClr val="accent1"/>
+          </a:effectRef>
+          <a:fontRef idx="minor">
+            <a:schemeClr val="tx1"/>
+          </a:fontRef>
+        </p:style>
+      </p:cxnSp>
+      <p:grpSp>
+        <p:nvGrpSpPr>
+          <p:cNvPr id="41" name="그룹 40">
+            <a:extLst>
+              <a:ext uri="{FF2B5EF4-FFF2-40B4-BE49-F238E27FC236}">
+                <a16:creationId xmlns:a16="http://schemas.microsoft.com/office/drawing/2014/main" id="{D7FB6543-335E-6C45-AE86-72EBC8C5906D}"/>
+              </a:ext>
+            </a:extLst>
+          </p:cNvPr>
+          <p:cNvGrpSpPr/>
+          <p:nvPr/>
+        </p:nvGrpSpPr>
+        <p:grpSpPr>
+          <a:xfrm>
+            <a:off x="2308389" y="5965964"/>
+            <a:ext cx="1302870" cy="575035"/>
+            <a:chOff x="1231864" y="1320926"/>
+            <a:chExt cx="1302870" cy="575035"/>
+          </a:xfrm>
+        </p:grpSpPr>
+        <p:sp>
+          <p:nvSpPr>
+            <p:cNvPr id="42" name="직사각형 41">
+              <a:extLst>
+                <a:ext uri="{FF2B5EF4-FFF2-40B4-BE49-F238E27FC236}">
+                  <a16:creationId xmlns:a16="http://schemas.microsoft.com/office/drawing/2014/main" id="{131F1674-ADAD-2242-A19C-3CF79F8322AE}"/>
+                </a:ext>
+              </a:extLst>
+            </p:cNvPr>
+            <p:cNvSpPr/>
+            <p:nvPr/>
+          </p:nvSpPr>
+          <p:spPr>
+            <a:xfrm>
+              <a:off x="1231864" y="1320926"/>
+              <a:ext cx="1302870" cy="575035"/>
+            </a:xfrm>
+            <a:prstGeom prst="rect">
+              <a:avLst/>
+            </a:prstGeom>
+            <a:ln w="19050">
+              <a:solidFill>
+                <a:srgbClr val="5DA2C5"/>
+              </a:solidFill>
+            </a:ln>
+          </p:spPr>
+          <p:style>
+            <a:lnRef idx="1">
+              <a:schemeClr val="accent1"/>
+            </a:lnRef>
+            <a:fillRef idx="0">
+              <a:schemeClr val="accent1"/>
+            </a:fillRef>
+            <a:effectRef idx="0">
+              <a:schemeClr val="accent1"/>
+            </a:effectRef>
+            <a:fontRef idx="minor">
+              <a:schemeClr val="tx1"/>
+            </a:fontRef>
+          </p:style>
+          <p:txBody>
+            <a:bodyPr rtlCol="0" anchor="ctr"/>
+            <a:lstStyle/>
+            <a:p>
+              <a:pPr algn="ctr"/>
+              <a:endParaRPr kumimoji="1" lang="ko-Kore-KR" altLang="en-US" dirty="0"/>
+            </a:p>
+          </p:txBody>
+        </p:sp>
+        <p:sp>
+          <p:nvSpPr>
+            <p:cNvPr id="43" name="TextBox 42">
+              <a:extLst>
+                <a:ext uri="{FF2B5EF4-FFF2-40B4-BE49-F238E27FC236}">
+                  <a16:creationId xmlns:a16="http://schemas.microsoft.com/office/drawing/2014/main" id="{E8C7BC02-C6F8-D64D-8F6B-A8BFC6202A75}"/>
+                </a:ext>
+              </a:extLst>
+            </p:cNvPr>
+            <p:cNvSpPr txBox="1"/>
+            <p:nvPr/>
+          </p:nvSpPr>
+          <p:spPr>
+            <a:xfrm>
+              <a:off x="1282635" y="1377610"/>
+              <a:ext cx="1201327" cy="461665"/>
+            </a:xfrm>
+            <a:prstGeom prst="rect">
+              <a:avLst/>
+            </a:prstGeom>
+            <a:noFill/>
+          </p:spPr>
+          <p:txBody>
+            <a:bodyPr wrap="square" rtlCol="0">
+              <a:spAutoFit/>
+            </a:bodyPr>
+            <a:lstStyle/>
+            <a:p>
+              <a:pPr algn="ctr"/>
+              <a:r>
+                <a:rPr kumimoji="1" lang="en-US" altLang="ko-Kore-KR" sz="1200" b="1" dirty="0">
+                  <a:solidFill>
+                    <a:srgbClr val="5DA2C5"/>
+                  </a:solidFill>
+                  <a:latin typeface="SHeadG" panose="02030600000101010101" pitchFamily="18" charset="-127"/>
+                  <a:ea typeface="SHeadG" panose="02030600000101010101" pitchFamily="18" charset="-127"/>
+                </a:rPr>
+                <a:t>Ride</a:t>
+              </a:r>
+            </a:p>
+            <a:p>
+              <a:pPr algn="ctr"/>
+              <a:r>
+                <a:rPr kumimoji="1" lang="en-US" altLang="ko-Kore-KR" sz="1200" b="1" dirty="0">
+                  <a:solidFill>
+                    <a:srgbClr val="5DA2C5"/>
+                  </a:solidFill>
+                  <a:latin typeface="SHeadG" panose="02030600000101010101" pitchFamily="18" charset="-127"/>
+                  <a:ea typeface="SHeadG" panose="02030600000101010101" pitchFamily="18" charset="-127"/>
+                </a:rPr>
+                <a:t>Selector</a:t>
+              </a:r>
+              <a:endParaRPr kumimoji="1" lang="ko-Kore-KR" altLang="en-US" sz="1200" b="1" dirty="0">
+                <a:solidFill>
+                  <a:srgbClr val="5DA2C5"/>
+                </a:solidFill>
+                <a:latin typeface="SHeadG" panose="02030600000101010101" pitchFamily="18" charset="-127"/>
+                <a:ea typeface="SHeadG" panose="02030600000101010101" pitchFamily="18" charset="-127"/>
+              </a:endParaRPr>
+            </a:p>
+          </p:txBody>
+        </p:sp>
+      </p:grpSp>
+      <p:grpSp>
+        <p:nvGrpSpPr>
+          <p:cNvPr id="44" name="그룹 43">
+            <a:extLst>
+              <a:ext uri="{FF2B5EF4-FFF2-40B4-BE49-F238E27FC236}">
+                <a16:creationId xmlns:a16="http://schemas.microsoft.com/office/drawing/2014/main" id="{EB6336E6-3206-8D4C-A8FF-7FF71D34BC8B}"/>
+              </a:ext>
+            </a:extLst>
+          </p:cNvPr>
+          <p:cNvGrpSpPr/>
+          <p:nvPr/>
+        </p:nvGrpSpPr>
+        <p:grpSpPr>
+          <a:xfrm>
+            <a:off x="4218295" y="5965962"/>
+            <a:ext cx="1302870" cy="575035"/>
+            <a:chOff x="1231864" y="1320926"/>
+            <a:chExt cx="1302870" cy="575035"/>
+          </a:xfrm>
+        </p:grpSpPr>
+        <p:sp>
+          <p:nvSpPr>
+            <p:cNvPr id="45" name="직사각형 44">
+              <a:extLst>
+                <a:ext uri="{FF2B5EF4-FFF2-40B4-BE49-F238E27FC236}">
+                  <a16:creationId xmlns:a16="http://schemas.microsoft.com/office/drawing/2014/main" id="{26A9498D-7C10-CD40-8B94-70F736D194FF}"/>
+                </a:ext>
+              </a:extLst>
+            </p:cNvPr>
+            <p:cNvSpPr/>
+            <p:nvPr/>
+          </p:nvSpPr>
+          <p:spPr>
+            <a:xfrm>
+              <a:off x="1231864" y="1320926"/>
+              <a:ext cx="1302870" cy="575035"/>
+            </a:xfrm>
+            <a:prstGeom prst="rect">
+              <a:avLst/>
+            </a:prstGeom>
+            <a:ln w="19050">
+              <a:solidFill>
+                <a:srgbClr val="5DA2C5"/>
+              </a:solidFill>
+            </a:ln>
+          </p:spPr>
+          <p:style>
+            <a:lnRef idx="1">
+              <a:schemeClr val="accent1"/>
+            </a:lnRef>
+            <a:fillRef idx="0">
+              <a:schemeClr val="accent1"/>
+            </a:fillRef>
+            <a:effectRef idx="0">
+              <a:schemeClr val="accent1"/>
+            </a:effectRef>
+            <a:fontRef idx="minor">
+              <a:schemeClr val="tx1"/>
+            </a:fontRef>
+          </p:style>
+          <p:txBody>
+            <a:bodyPr rtlCol="0" anchor="ctr"/>
+            <a:lstStyle/>
+            <a:p>
+              <a:pPr algn="ctr"/>
+              <a:endParaRPr kumimoji="1" lang="ko-Kore-KR" altLang="en-US" dirty="0"/>
+            </a:p>
+          </p:txBody>
+        </p:sp>
+        <p:sp>
+          <p:nvSpPr>
+            <p:cNvPr id="46" name="TextBox 45">
+              <a:extLst>
+                <a:ext uri="{FF2B5EF4-FFF2-40B4-BE49-F238E27FC236}">
+                  <a16:creationId xmlns:a16="http://schemas.microsoft.com/office/drawing/2014/main" id="{593CA7FA-1981-734A-984F-0DABCA2ED08F}"/>
+                </a:ext>
+              </a:extLst>
+            </p:cNvPr>
+            <p:cNvSpPr txBox="1"/>
+            <p:nvPr/>
+          </p:nvSpPr>
+          <p:spPr>
+            <a:xfrm>
+              <a:off x="1282635" y="1377610"/>
+              <a:ext cx="1201327" cy="461665"/>
+            </a:xfrm>
+            <a:prstGeom prst="rect">
+              <a:avLst/>
+            </a:prstGeom>
+            <a:noFill/>
+          </p:spPr>
+          <p:txBody>
+            <a:bodyPr wrap="square" rtlCol="0">
+              <a:spAutoFit/>
+            </a:bodyPr>
+            <a:lstStyle/>
+            <a:p>
+              <a:pPr algn="ctr"/>
+              <a:r>
+                <a:rPr kumimoji="1" lang="en-US" altLang="ko-Kore-KR" sz="1200" b="1" dirty="0">
+                  <a:solidFill>
+                    <a:srgbClr val="5DA2C5"/>
+                  </a:solidFill>
+                  <a:latin typeface="SHeadG" panose="02030600000101010101" pitchFamily="18" charset="-127"/>
+                  <a:ea typeface="SHeadG" panose="02030600000101010101" pitchFamily="18" charset="-127"/>
+                </a:rPr>
+                <a:t>Kitty</a:t>
+              </a:r>
+            </a:p>
+            <a:p>
+              <a:pPr algn="ctr"/>
+              <a:r>
+                <a:rPr kumimoji="1" lang="en-US" altLang="ko-Kore-KR" sz="1200" b="1" dirty="0">
+                  <a:solidFill>
+                    <a:srgbClr val="5DA2C5"/>
+                  </a:solidFill>
+                  <a:latin typeface="SHeadG" panose="02030600000101010101" pitchFamily="18" charset="-127"/>
+                  <a:ea typeface="SHeadG" panose="02030600000101010101" pitchFamily="18" charset="-127"/>
+                </a:rPr>
+                <a:t>Selector</a:t>
+              </a:r>
+              <a:endParaRPr kumimoji="1" lang="ko-Kore-KR" altLang="en-US" sz="1200" b="1" dirty="0">
+                <a:solidFill>
+                  <a:srgbClr val="5DA2C5"/>
+                </a:solidFill>
+                <a:latin typeface="SHeadG" panose="02030600000101010101" pitchFamily="18" charset="-127"/>
+                <a:ea typeface="SHeadG" panose="02030600000101010101" pitchFamily="18" charset="-127"/>
+              </a:endParaRPr>
+            </a:p>
+          </p:txBody>
+        </p:sp>
+      </p:grpSp>
+      <p:cxnSp>
+        <p:nvCxnSpPr>
+          <p:cNvPr id="47" name="꺾인 연결선[E] 46">
+            <a:extLst>
+              <a:ext uri="{FF2B5EF4-FFF2-40B4-BE49-F238E27FC236}">
+                <a16:creationId xmlns:a16="http://schemas.microsoft.com/office/drawing/2014/main" id="{DBE94BD9-6EDF-B444-B630-733F7E290B3C}"/>
+              </a:ext>
+            </a:extLst>
+          </p:cNvPr>
+          <p:cNvCxnSpPr>
+            <a:cxnSpLocks/>
+            <a:stCxn id="42" idx="0"/>
+            <a:endCxn id="122" idx="2"/>
+          </p:cNvCxnSpPr>
+          <p:nvPr/>
+        </p:nvCxnSpPr>
+        <p:spPr>
+          <a:xfrm rot="5400000" flipH="1" flipV="1">
+            <a:off x="3237066" y="5171214"/>
+            <a:ext cx="517508" cy="1071993"/>
+          </a:xfrm>
+          <a:prstGeom prst="bentConnector3">
+            <a:avLst>
+              <a:gd name="adj1" fmla="val 50000"/>
+            </a:avLst>
+          </a:prstGeom>
+          <a:ln w="25400">
+            <a:solidFill>
+              <a:srgbClr val="5DA2C5"/>
+            </a:solidFill>
+            <a:tailEnd type="triangle" w="lg" len="lg"/>
+          </a:ln>
+        </p:spPr>
+        <p:style>
+          <a:lnRef idx="1">
+            <a:schemeClr val="accent1"/>
+          </a:lnRef>
+          <a:fillRef idx="0">
+            <a:schemeClr val="accent1"/>
+          </a:fillRef>
+          <a:effectRef idx="0">
+            <a:schemeClr val="accent1"/>
+          </a:effectRef>
+          <a:fontRef idx="minor">
+            <a:schemeClr val="tx1"/>
+          </a:fontRef>
+        </p:style>
+      </p:cxnSp>
+      <p:cxnSp>
+        <p:nvCxnSpPr>
+          <p:cNvPr id="50" name="꺾인 연결선[E] 49">
+            <a:extLst>
+              <a:ext uri="{FF2B5EF4-FFF2-40B4-BE49-F238E27FC236}">
+                <a16:creationId xmlns:a16="http://schemas.microsoft.com/office/drawing/2014/main" id="{ED220B6C-7FAA-0149-9E16-3979AC0247CA}"/>
+              </a:ext>
+            </a:extLst>
+          </p:cNvPr>
+          <p:cNvCxnSpPr>
+            <a:cxnSpLocks/>
+            <a:stCxn id="45" idx="0"/>
+            <a:endCxn id="122" idx="2"/>
+          </p:cNvCxnSpPr>
+          <p:nvPr/>
+        </p:nvCxnSpPr>
+        <p:spPr>
+          <a:xfrm rot="16200000" flipV="1">
+            <a:off x="4192021" y="5288252"/>
+            <a:ext cx="517506" cy="837913"/>
+          </a:xfrm>
+          <a:prstGeom prst="bentConnector3">
+            <a:avLst>
+              <a:gd name="adj1" fmla="val 50000"/>
+            </a:avLst>
+          </a:prstGeom>
+          <a:ln w="25400">
+            <a:solidFill>
+              <a:srgbClr val="5DA2C5"/>
+            </a:solidFill>
+            <a:tailEnd type="triangle" w="lg" len="lg"/>
+          </a:ln>
+        </p:spPr>
+        <p:style>
+          <a:lnRef idx="1">
+            <a:schemeClr val="accent1"/>
+          </a:lnRef>
+          <a:fillRef idx="0">
+            <a:schemeClr val="accent1"/>
+          </a:fillRef>
+          <a:effectRef idx="0">
+            <a:schemeClr val="accent1"/>
+          </a:effectRef>
+          <a:fontRef idx="minor">
+            <a:schemeClr val="tx1"/>
+          </a:fontRef>
+        </p:style>
+      </p:cxnSp>
+      <p:grpSp>
+        <p:nvGrpSpPr>
+          <p:cNvPr id="63" name="그룹 62">
+            <a:extLst>
+              <a:ext uri="{FF2B5EF4-FFF2-40B4-BE49-F238E27FC236}">
+                <a16:creationId xmlns:a16="http://schemas.microsoft.com/office/drawing/2014/main" id="{73271DEB-70F0-7140-A748-8523D627697A}"/>
+              </a:ext>
+            </a:extLst>
+          </p:cNvPr>
+          <p:cNvGrpSpPr/>
+          <p:nvPr/>
+        </p:nvGrpSpPr>
+        <p:grpSpPr>
+          <a:xfrm>
+            <a:off x="2369144" y="3736306"/>
+            <a:ext cx="1302870" cy="575035"/>
+            <a:chOff x="1231864" y="1320926"/>
+            <a:chExt cx="1302870" cy="575035"/>
+          </a:xfrm>
+        </p:grpSpPr>
+        <p:sp>
+          <p:nvSpPr>
+            <p:cNvPr id="64" name="직사각형 63">
+              <a:extLst>
+                <a:ext uri="{FF2B5EF4-FFF2-40B4-BE49-F238E27FC236}">
+                  <a16:creationId xmlns:a16="http://schemas.microsoft.com/office/drawing/2014/main" id="{0C9584FE-19C9-1147-807B-A4F612E5C3E4}"/>
+                </a:ext>
+              </a:extLst>
+            </p:cNvPr>
+            <p:cNvSpPr/>
+            <p:nvPr/>
+          </p:nvSpPr>
+          <p:spPr>
+            <a:xfrm>
+              <a:off x="1231864" y="1320926"/>
+              <a:ext cx="1302870" cy="575035"/>
+            </a:xfrm>
+            <a:prstGeom prst="rect">
+              <a:avLst/>
+            </a:prstGeom>
+            <a:ln w="19050">
+              <a:solidFill>
+                <a:srgbClr val="5DA2C5"/>
+              </a:solidFill>
+            </a:ln>
+          </p:spPr>
+          <p:style>
+            <a:lnRef idx="1">
+              <a:schemeClr val="accent1"/>
+            </a:lnRef>
+            <a:fillRef idx="0">
+              <a:schemeClr val="accent1"/>
+            </a:fillRef>
+            <a:effectRef idx="0">
+              <a:schemeClr val="accent1"/>
+            </a:effectRef>
+            <a:fontRef idx="minor">
+              <a:schemeClr val="tx1"/>
+            </a:fontRef>
+          </p:style>
+          <p:txBody>
+            <a:bodyPr rtlCol="0" anchor="ctr"/>
+            <a:lstStyle/>
+            <a:p>
+              <a:pPr algn="ctr"/>
+              <a:endParaRPr kumimoji="1" lang="ko-Kore-KR" altLang="en-US" dirty="0"/>
+            </a:p>
+          </p:txBody>
+        </p:sp>
+        <p:sp>
+          <p:nvSpPr>
+            <p:cNvPr id="65" name="TextBox 64">
+              <a:extLst>
+                <a:ext uri="{FF2B5EF4-FFF2-40B4-BE49-F238E27FC236}">
+                  <a16:creationId xmlns:a16="http://schemas.microsoft.com/office/drawing/2014/main" id="{C9026A94-9595-7C48-90B5-2B06574A69B6}"/>
+                </a:ext>
+              </a:extLst>
+            </p:cNvPr>
+            <p:cNvSpPr txBox="1"/>
+            <p:nvPr/>
+          </p:nvSpPr>
+          <p:spPr>
+            <a:xfrm>
+              <a:off x="1282635" y="1377610"/>
+              <a:ext cx="1201327" cy="461665"/>
+            </a:xfrm>
+            <a:prstGeom prst="rect">
+              <a:avLst/>
+            </a:prstGeom>
+            <a:noFill/>
+          </p:spPr>
+          <p:txBody>
+            <a:bodyPr wrap="square" rtlCol="0">
+              <a:spAutoFit/>
+            </a:bodyPr>
+            <a:lstStyle/>
+            <a:p>
+              <a:pPr algn="ctr"/>
+              <a:r>
+                <a:rPr kumimoji="1" lang="en-US" altLang="ko-Kore-KR" sz="1200" b="1" dirty="0">
+                  <a:solidFill>
+                    <a:srgbClr val="5DA2C5"/>
+                  </a:solidFill>
+                  <a:latin typeface="SHeadG" panose="02030600000101010101" pitchFamily="18" charset="-127"/>
+                  <a:ea typeface="SHeadG" panose="02030600000101010101" pitchFamily="18" charset="-127"/>
+                </a:rPr>
+                <a:t>Ride</a:t>
+              </a:r>
+            </a:p>
+            <a:p>
+              <a:pPr algn="ctr"/>
+              <a:r>
+                <a:rPr kumimoji="1" lang="en-US" altLang="ko-Kore-KR" sz="1200" b="1" dirty="0">
+                  <a:solidFill>
+                    <a:srgbClr val="5DA2C5"/>
+                  </a:solidFill>
+                  <a:latin typeface="SHeadG" panose="02030600000101010101" pitchFamily="18" charset="-127"/>
+                  <a:ea typeface="SHeadG" panose="02030600000101010101" pitchFamily="18" charset="-127"/>
+                </a:rPr>
+                <a:t>Finder</a:t>
+              </a:r>
+              <a:endParaRPr kumimoji="1" lang="ko-Kore-KR" altLang="en-US" sz="1200" b="1" dirty="0">
+                <a:solidFill>
+                  <a:srgbClr val="5DA2C5"/>
+                </a:solidFill>
+                <a:latin typeface="SHeadG" panose="02030600000101010101" pitchFamily="18" charset="-127"/>
+                <a:ea typeface="SHeadG" panose="02030600000101010101" pitchFamily="18" charset="-127"/>
+              </a:endParaRPr>
+            </a:p>
+          </p:txBody>
+        </p:sp>
+      </p:grpSp>
+      <p:grpSp>
+        <p:nvGrpSpPr>
+          <p:cNvPr id="66" name="그룹 65">
+            <a:extLst>
+              <a:ext uri="{FF2B5EF4-FFF2-40B4-BE49-F238E27FC236}">
+                <a16:creationId xmlns:a16="http://schemas.microsoft.com/office/drawing/2014/main" id="{55A3A84B-AD02-244A-8D9F-4184726B9A0F}"/>
+              </a:ext>
+            </a:extLst>
+          </p:cNvPr>
+          <p:cNvGrpSpPr/>
+          <p:nvPr/>
+        </p:nvGrpSpPr>
+        <p:grpSpPr>
+          <a:xfrm>
+            <a:off x="4279050" y="3736304"/>
+            <a:ext cx="1302870" cy="575035"/>
+            <a:chOff x="1231864" y="1320926"/>
+            <a:chExt cx="1302870" cy="575035"/>
+          </a:xfrm>
+        </p:grpSpPr>
+        <p:sp>
+          <p:nvSpPr>
+            <p:cNvPr id="67" name="직사각형 66">
+              <a:extLst>
+                <a:ext uri="{FF2B5EF4-FFF2-40B4-BE49-F238E27FC236}">
+                  <a16:creationId xmlns:a16="http://schemas.microsoft.com/office/drawing/2014/main" id="{9D54F3D3-9BC9-854F-A97B-25263EF469AE}"/>
+                </a:ext>
+              </a:extLst>
+            </p:cNvPr>
+            <p:cNvSpPr/>
+            <p:nvPr/>
+          </p:nvSpPr>
+          <p:spPr>
+            <a:xfrm>
+              <a:off x="1231864" y="1320926"/>
+              <a:ext cx="1302870" cy="575035"/>
+            </a:xfrm>
+            <a:prstGeom prst="rect">
+              <a:avLst/>
+            </a:prstGeom>
+            <a:ln w="19050">
+              <a:solidFill>
+                <a:srgbClr val="5DA2C5"/>
+              </a:solidFill>
+            </a:ln>
+          </p:spPr>
+          <p:style>
+            <a:lnRef idx="1">
+              <a:schemeClr val="accent1"/>
+            </a:lnRef>
+            <a:fillRef idx="0">
+              <a:schemeClr val="accent1"/>
+            </a:fillRef>
+            <a:effectRef idx="0">
+              <a:schemeClr val="accent1"/>
+            </a:effectRef>
+            <a:fontRef idx="minor">
+              <a:schemeClr val="tx1"/>
+            </a:fontRef>
+          </p:style>
+          <p:txBody>
+            <a:bodyPr rtlCol="0" anchor="ctr"/>
+            <a:lstStyle/>
+            <a:p>
+              <a:pPr algn="ctr"/>
+              <a:endParaRPr kumimoji="1" lang="ko-Kore-KR" altLang="en-US" dirty="0"/>
+            </a:p>
+          </p:txBody>
+        </p:sp>
+        <p:sp>
+          <p:nvSpPr>
+            <p:cNvPr id="68" name="TextBox 67">
+              <a:extLst>
+                <a:ext uri="{FF2B5EF4-FFF2-40B4-BE49-F238E27FC236}">
+                  <a16:creationId xmlns:a16="http://schemas.microsoft.com/office/drawing/2014/main" id="{9F1CF776-C859-B649-A1AF-E5297291E1E8}"/>
+                </a:ext>
+              </a:extLst>
+            </p:cNvPr>
+            <p:cNvSpPr txBox="1"/>
+            <p:nvPr/>
+          </p:nvSpPr>
+          <p:spPr>
+            <a:xfrm>
+              <a:off x="1282635" y="1377610"/>
+              <a:ext cx="1201327" cy="461665"/>
+            </a:xfrm>
+            <a:prstGeom prst="rect">
+              <a:avLst/>
+            </a:prstGeom>
+            <a:noFill/>
+          </p:spPr>
+          <p:txBody>
+            <a:bodyPr wrap="square" rtlCol="0">
+              <a:spAutoFit/>
+            </a:bodyPr>
+            <a:lstStyle/>
+            <a:p>
+              <a:pPr algn="ctr"/>
+              <a:r>
+                <a:rPr kumimoji="1" lang="en-US" altLang="ko-Kore-KR" sz="1200" b="1" dirty="0">
+                  <a:solidFill>
+                    <a:srgbClr val="5DA2C5"/>
+                  </a:solidFill>
+                  <a:latin typeface="SHeadG" panose="02030600000101010101" pitchFamily="18" charset="-127"/>
+                  <a:ea typeface="SHeadG" panose="02030600000101010101" pitchFamily="18" charset="-127"/>
+                </a:rPr>
+                <a:t>Kitty</a:t>
+              </a:r>
+            </a:p>
+            <a:p>
+              <a:pPr algn="ctr"/>
+              <a:r>
+                <a:rPr kumimoji="1" lang="en-US" altLang="ko-Kore-KR" sz="1200" b="1" dirty="0">
+                  <a:solidFill>
+                    <a:srgbClr val="5DA2C5"/>
+                  </a:solidFill>
+                  <a:latin typeface="SHeadG" panose="02030600000101010101" pitchFamily="18" charset="-127"/>
+                  <a:ea typeface="SHeadG" panose="02030600000101010101" pitchFamily="18" charset="-127"/>
+                </a:rPr>
+                <a:t>Finder</a:t>
+              </a:r>
+              <a:endParaRPr kumimoji="1" lang="ko-Kore-KR" altLang="en-US" sz="1200" b="1" dirty="0">
+                <a:solidFill>
+                  <a:srgbClr val="5DA2C5"/>
+                </a:solidFill>
+                <a:latin typeface="SHeadG" panose="02030600000101010101" pitchFamily="18" charset="-127"/>
+                <a:ea typeface="SHeadG" panose="02030600000101010101" pitchFamily="18" charset="-127"/>
+              </a:endParaRPr>
+            </a:p>
+          </p:txBody>
+        </p:sp>
+      </p:grpSp>
+      <p:cxnSp>
+        <p:nvCxnSpPr>
+          <p:cNvPr id="69" name="꺾인 연결선[E] 68">
+            <a:extLst>
+              <a:ext uri="{FF2B5EF4-FFF2-40B4-BE49-F238E27FC236}">
+                <a16:creationId xmlns:a16="http://schemas.microsoft.com/office/drawing/2014/main" id="{4E8A205D-BDE9-F843-AB94-E027FB9CFE61}"/>
+              </a:ext>
+            </a:extLst>
+          </p:cNvPr>
+          <p:cNvCxnSpPr>
+            <a:cxnSpLocks/>
+            <a:stCxn id="64" idx="0"/>
+            <a:endCxn id="119" idx="2"/>
+          </p:cNvCxnSpPr>
+          <p:nvPr/>
+        </p:nvCxnSpPr>
+        <p:spPr>
+          <a:xfrm rot="5400000" flipH="1" flipV="1">
+            <a:off x="3283875" y="2946592"/>
+            <a:ext cx="526418" cy="1053010"/>
+          </a:xfrm>
+          <a:prstGeom prst="bentConnector3">
+            <a:avLst>
+              <a:gd name="adj1" fmla="val 50000"/>
+            </a:avLst>
+          </a:prstGeom>
+          <a:ln w="25400">
+            <a:solidFill>
+              <a:srgbClr val="5DA2C5"/>
+            </a:solidFill>
+            <a:tailEnd type="triangle" w="lg" len="lg"/>
+          </a:ln>
+        </p:spPr>
+        <p:style>
+          <a:lnRef idx="1">
+            <a:schemeClr val="accent1"/>
+          </a:lnRef>
+          <a:fillRef idx="0">
+            <a:schemeClr val="accent1"/>
+          </a:fillRef>
+          <a:effectRef idx="0">
+            <a:schemeClr val="accent1"/>
+          </a:effectRef>
+          <a:fontRef idx="minor">
+            <a:schemeClr val="tx1"/>
+          </a:fontRef>
+        </p:style>
+      </p:cxnSp>
+      <p:cxnSp>
+        <p:nvCxnSpPr>
+          <p:cNvPr id="70" name="꺾인 연결선[E] 69">
+            <a:extLst>
+              <a:ext uri="{FF2B5EF4-FFF2-40B4-BE49-F238E27FC236}">
+                <a16:creationId xmlns:a16="http://schemas.microsoft.com/office/drawing/2014/main" id="{82BA7F65-17D6-474C-89EE-677BCA503565}"/>
+              </a:ext>
+            </a:extLst>
+          </p:cNvPr>
+          <p:cNvCxnSpPr>
+            <a:cxnSpLocks/>
+            <a:stCxn id="67" idx="0"/>
+            <a:endCxn id="119" idx="2"/>
+          </p:cNvCxnSpPr>
+          <p:nvPr/>
+        </p:nvCxnSpPr>
+        <p:spPr>
+          <a:xfrm rot="16200000" flipV="1">
+            <a:off x="4238829" y="3044648"/>
+            <a:ext cx="526416" cy="856896"/>
+          </a:xfrm>
+          <a:prstGeom prst="bentConnector3">
+            <a:avLst>
+              <a:gd name="adj1" fmla="val 50000"/>
+            </a:avLst>
+          </a:prstGeom>
+          <a:ln w="25400">
+            <a:solidFill>
+              <a:srgbClr val="5DA2C5"/>
+            </a:solidFill>
+            <a:tailEnd type="triangle" w="lg" len="lg"/>
+          </a:ln>
+        </p:spPr>
+        <p:style>
+          <a:lnRef idx="1">
+            <a:schemeClr val="accent1"/>
+          </a:lnRef>
+          <a:fillRef idx="0">
+            <a:schemeClr val="accent1"/>
+          </a:fillRef>
+          <a:effectRef idx="0">
+            <a:schemeClr val="accent1"/>
+          </a:effectRef>
+          <a:fontRef idx="minor">
+            <a:schemeClr val="tx1"/>
+          </a:fontRef>
+        </p:style>
+      </p:cxnSp>
+      <p:grpSp>
+        <p:nvGrpSpPr>
+          <p:cNvPr id="82" name="그룹 81">
+            <a:extLst>
+              <a:ext uri="{FF2B5EF4-FFF2-40B4-BE49-F238E27FC236}">
+                <a16:creationId xmlns:a16="http://schemas.microsoft.com/office/drawing/2014/main" id="{7DDDD7DE-F589-694F-93B0-7DB4106BFA4F}"/>
+              </a:ext>
+            </a:extLst>
+          </p:cNvPr>
+          <p:cNvGrpSpPr/>
+          <p:nvPr/>
+        </p:nvGrpSpPr>
+        <p:grpSpPr>
+          <a:xfrm>
+            <a:off x="6138475" y="5965964"/>
+            <a:ext cx="1302870" cy="575035"/>
+            <a:chOff x="1231864" y="1320926"/>
+            <a:chExt cx="1302870" cy="575035"/>
+          </a:xfrm>
+        </p:grpSpPr>
+        <p:sp>
+          <p:nvSpPr>
+            <p:cNvPr id="83" name="직사각형 82">
+              <a:extLst>
+                <a:ext uri="{FF2B5EF4-FFF2-40B4-BE49-F238E27FC236}">
+                  <a16:creationId xmlns:a16="http://schemas.microsoft.com/office/drawing/2014/main" id="{E864C606-2A29-6E4D-9083-AA6918696516}"/>
+                </a:ext>
+              </a:extLst>
+            </p:cNvPr>
+            <p:cNvSpPr/>
+            <p:nvPr/>
+          </p:nvSpPr>
+          <p:spPr>
+            <a:xfrm>
+              <a:off x="1231864" y="1320926"/>
+              <a:ext cx="1302870" cy="575035"/>
+            </a:xfrm>
+            <a:prstGeom prst="rect">
+              <a:avLst/>
+            </a:prstGeom>
+            <a:ln w="19050">
+              <a:solidFill>
+                <a:srgbClr val="5DA2C5"/>
+              </a:solidFill>
+            </a:ln>
+          </p:spPr>
+          <p:style>
+            <a:lnRef idx="1">
+              <a:schemeClr val="accent1"/>
+            </a:lnRef>
+            <a:fillRef idx="0">
+              <a:schemeClr val="accent1"/>
+            </a:fillRef>
+            <a:effectRef idx="0">
+              <a:schemeClr val="accent1"/>
+            </a:effectRef>
+            <a:fontRef idx="minor">
+              <a:schemeClr val="tx1"/>
+            </a:fontRef>
+          </p:style>
+          <p:txBody>
+            <a:bodyPr rtlCol="0" anchor="ctr"/>
+            <a:lstStyle/>
+            <a:p>
+              <a:pPr algn="ctr"/>
+              <a:endParaRPr kumimoji="1" lang="ko-Kore-KR" altLang="en-US" dirty="0"/>
+            </a:p>
+          </p:txBody>
+        </p:sp>
+        <p:sp>
+          <p:nvSpPr>
+            <p:cNvPr id="84" name="TextBox 83">
+              <a:extLst>
+                <a:ext uri="{FF2B5EF4-FFF2-40B4-BE49-F238E27FC236}">
+                  <a16:creationId xmlns:a16="http://schemas.microsoft.com/office/drawing/2014/main" id="{56D7531C-A363-5540-8371-787AE15BFE83}"/>
+                </a:ext>
+              </a:extLst>
+            </p:cNvPr>
+            <p:cNvSpPr txBox="1"/>
+            <p:nvPr/>
+          </p:nvSpPr>
+          <p:spPr>
+            <a:xfrm>
+              <a:off x="1282635" y="1377610"/>
+              <a:ext cx="1201327" cy="461665"/>
+            </a:xfrm>
+            <a:prstGeom prst="rect">
+              <a:avLst/>
+            </a:prstGeom>
+            <a:noFill/>
+          </p:spPr>
+          <p:txBody>
+            <a:bodyPr wrap="square" rtlCol="0">
+              <a:spAutoFit/>
+            </a:bodyPr>
+            <a:lstStyle/>
+            <a:p>
+              <a:pPr algn="ctr"/>
+              <a:r>
+                <a:rPr kumimoji="1" lang="en-US" altLang="ko-Kore-KR" sz="1200" b="1" dirty="0">
+                  <a:solidFill>
+                    <a:srgbClr val="5DA2C5"/>
+                  </a:solidFill>
+                  <a:latin typeface="SHeadG" panose="02030600000101010101" pitchFamily="18" charset="-127"/>
+                  <a:ea typeface="SHeadG" panose="02030600000101010101" pitchFamily="18" charset="-127"/>
+                </a:rPr>
+                <a:t>Ride</a:t>
+              </a:r>
+            </a:p>
+            <a:p>
+              <a:pPr algn="ctr"/>
+              <a:r>
+                <a:rPr kumimoji="1" lang="en-US" altLang="ko-Kore-KR" sz="1200" b="1" dirty="0">
+                  <a:solidFill>
+                    <a:srgbClr val="5DA2C5"/>
+                  </a:solidFill>
+                  <a:latin typeface="SHeadG" panose="02030600000101010101" pitchFamily="18" charset="-127"/>
+                  <a:ea typeface="SHeadG" panose="02030600000101010101" pitchFamily="18" charset="-127"/>
+                </a:rPr>
+                <a:t>Selector</a:t>
+              </a:r>
+              <a:endParaRPr kumimoji="1" lang="ko-Kore-KR" altLang="en-US" sz="1200" b="1" dirty="0">
+                <a:solidFill>
+                  <a:srgbClr val="5DA2C5"/>
+                </a:solidFill>
+                <a:latin typeface="SHeadG" panose="02030600000101010101" pitchFamily="18" charset="-127"/>
+                <a:ea typeface="SHeadG" panose="02030600000101010101" pitchFamily="18" charset="-127"/>
+              </a:endParaRPr>
+            </a:p>
+          </p:txBody>
+        </p:sp>
+      </p:grpSp>
+      <p:grpSp>
+        <p:nvGrpSpPr>
+          <p:cNvPr id="85" name="그룹 84">
+            <a:extLst>
+              <a:ext uri="{FF2B5EF4-FFF2-40B4-BE49-F238E27FC236}">
+                <a16:creationId xmlns:a16="http://schemas.microsoft.com/office/drawing/2014/main" id="{9C8D3D9B-99D7-6541-9D0D-56B2F59DE742}"/>
+              </a:ext>
+            </a:extLst>
+          </p:cNvPr>
+          <p:cNvGrpSpPr/>
+          <p:nvPr/>
+        </p:nvGrpSpPr>
+        <p:grpSpPr>
+          <a:xfrm>
+            <a:off x="8048381" y="5965962"/>
+            <a:ext cx="1302870" cy="575035"/>
+            <a:chOff x="1231864" y="1320926"/>
+            <a:chExt cx="1302870" cy="575035"/>
+          </a:xfrm>
+        </p:grpSpPr>
+        <p:sp>
+          <p:nvSpPr>
+            <p:cNvPr id="86" name="직사각형 85">
+              <a:extLst>
+                <a:ext uri="{FF2B5EF4-FFF2-40B4-BE49-F238E27FC236}">
+                  <a16:creationId xmlns:a16="http://schemas.microsoft.com/office/drawing/2014/main" id="{D1E1F654-3A3D-3A4D-B598-8269A9461A5C}"/>
+                </a:ext>
+              </a:extLst>
+            </p:cNvPr>
+            <p:cNvSpPr/>
+            <p:nvPr/>
+          </p:nvSpPr>
+          <p:spPr>
+            <a:xfrm>
+              <a:off x="1231864" y="1320926"/>
+              <a:ext cx="1302870" cy="575035"/>
+            </a:xfrm>
+            <a:prstGeom prst="rect">
+              <a:avLst/>
+            </a:prstGeom>
+            <a:ln w="19050">
+              <a:solidFill>
+                <a:srgbClr val="5DA2C5"/>
+              </a:solidFill>
+            </a:ln>
+          </p:spPr>
+          <p:style>
+            <a:lnRef idx="1">
+              <a:schemeClr val="accent1"/>
+            </a:lnRef>
+            <a:fillRef idx="0">
+              <a:schemeClr val="accent1"/>
+            </a:fillRef>
+            <a:effectRef idx="0">
+              <a:schemeClr val="accent1"/>
+            </a:effectRef>
+            <a:fontRef idx="minor">
+              <a:schemeClr val="tx1"/>
+            </a:fontRef>
+          </p:style>
+          <p:txBody>
+            <a:bodyPr rtlCol="0" anchor="ctr"/>
+            <a:lstStyle/>
+            <a:p>
+              <a:pPr algn="ctr"/>
+              <a:endParaRPr kumimoji="1" lang="ko-Kore-KR" altLang="en-US" dirty="0"/>
+            </a:p>
+          </p:txBody>
+        </p:sp>
+        <p:sp>
+          <p:nvSpPr>
+            <p:cNvPr id="87" name="TextBox 86">
+              <a:extLst>
+                <a:ext uri="{FF2B5EF4-FFF2-40B4-BE49-F238E27FC236}">
+                  <a16:creationId xmlns:a16="http://schemas.microsoft.com/office/drawing/2014/main" id="{9BBF846F-2521-3E40-8464-5632A45E30C1}"/>
+                </a:ext>
+              </a:extLst>
+            </p:cNvPr>
+            <p:cNvSpPr txBox="1"/>
+            <p:nvPr/>
+          </p:nvSpPr>
+          <p:spPr>
+            <a:xfrm>
+              <a:off x="1282635" y="1377610"/>
+              <a:ext cx="1201327" cy="461665"/>
+            </a:xfrm>
+            <a:prstGeom prst="rect">
+              <a:avLst/>
+            </a:prstGeom>
+            <a:noFill/>
+          </p:spPr>
+          <p:txBody>
+            <a:bodyPr wrap="square" rtlCol="0">
+              <a:spAutoFit/>
+            </a:bodyPr>
+            <a:lstStyle/>
+            <a:p>
+              <a:pPr algn="ctr"/>
+              <a:r>
+                <a:rPr kumimoji="1" lang="en-US" altLang="ko-Kore-KR" sz="1200" b="1" dirty="0">
+                  <a:solidFill>
+                    <a:srgbClr val="5DA2C5"/>
+                  </a:solidFill>
+                  <a:latin typeface="SHeadG" panose="02030600000101010101" pitchFamily="18" charset="-127"/>
+                  <a:ea typeface="SHeadG" panose="02030600000101010101" pitchFamily="18" charset="-127"/>
+                </a:rPr>
+                <a:t>Kitty</a:t>
+              </a:r>
+            </a:p>
+            <a:p>
+              <a:pPr algn="ctr"/>
+              <a:r>
+                <a:rPr kumimoji="1" lang="en-US" altLang="ko-Kore-KR" sz="1200" b="1" dirty="0">
+                  <a:solidFill>
+                    <a:srgbClr val="5DA2C5"/>
+                  </a:solidFill>
+                  <a:latin typeface="SHeadG" panose="02030600000101010101" pitchFamily="18" charset="-127"/>
+                  <a:ea typeface="SHeadG" panose="02030600000101010101" pitchFamily="18" charset="-127"/>
+                </a:rPr>
+                <a:t>Selector</a:t>
+              </a:r>
+              <a:endParaRPr kumimoji="1" lang="ko-Kore-KR" altLang="en-US" sz="1200" b="1" dirty="0">
+                <a:solidFill>
+                  <a:srgbClr val="5DA2C5"/>
+                </a:solidFill>
+                <a:latin typeface="SHeadG" panose="02030600000101010101" pitchFamily="18" charset="-127"/>
+                <a:ea typeface="SHeadG" panose="02030600000101010101" pitchFamily="18" charset="-127"/>
+              </a:endParaRPr>
+            </a:p>
+          </p:txBody>
+        </p:sp>
+      </p:grpSp>
+      <p:cxnSp>
+        <p:nvCxnSpPr>
+          <p:cNvPr id="88" name="꺾인 연결선[E] 87">
+            <a:extLst>
+              <a:ext uri="{FF2B5EF4-FFF2-40B4-BE49-F238E27FC236}">
+                <a16:creationId xmlns:a16="http://schemas.microsoft.com/office/drawing/2014/main" id="{94EE2390-AB0A-694A-AFAD-FC30FD54CC52}"/>
+              </a:ext>
+            </a:extLst>
+          </p:cNvPr>
+          <p:cNvCxnSpPr>
+            <a:cxnSpLocks/>
+            <a:stCxn id="83" idx="0"/>
+            <a:endCxn id="141" idx="2"/>
+          </p:cNvCxnSpPr>
+          <p:nvPr/>
+        </p:nvCxnSpPr>
+        <p:spPr>
+          <a:xfrm rot="5400000" flipH="1" flipV="1">
+            <a:off x="6899613" y="5075471"/>
+            <a:ext cx="780791" cy="1000196"/>
+          </a:xfrm>
+          <a:prstGeom prst="bentConnector3">
+            <a:avLst>
+              <a:gd name="adj1" fmla="val 50000"/>
+            </a:avLst>
+          </a:prstGeom>
+          <a:ln w="25400">
+            <a:solidFill>
+              <a:srgbClr val="5DA2C5"/>
+            </a:solidFill>
+            <a:tailEnd type="triangle" w="lg" len="lg"/>
+          </a:ln>
+        </p:spPr>
+        <p:style>
+          <a:lnRef idx="1">
+            <a:schemeClr val="accent1"/>
+          </a:lnRef>
+          <a:fillRef idx="0">
+            <a:schemeClr val="accent1"/>
+          </a:fillRef>
+          <a:effectRef idx="0">
+            <a:schemeClr val="accent1"/>
+          </a:effectRef>
+          <a:fontRef idx="minor">
+            <a:schemeClr val="tx1"/>
+          </a:fontRef>
+        </p:style>
+      </p:cxnSp>
+      <p:cxnSp>
+        <p:nvCxnSpPr>
+          <p:cNvPr id="89" name="꺾인 연결선[E] 88">
+            <a:extLst>
+              <a:ext uri="{FF2B5EF4-FFF2-40B4-BE49-F238E27FC236}">
+                <a16:creationId xmlns:a16="http://schemas.microsoft.com/office/drawing/2014/main" id="{F5FC4B46-73F4-D148-8383-65F039F63B1F}"/>
+              </a:ext>
+            </a:extLst>
+          </p:cNvPr>
+          <p:cNvCxnSpPr>
+            <a:cxnSpLocks/>
+            <a:stCxn id="86" idx="0"/>
+            <a:endCxn id="141" idx="2"/>
+          </p:cNvCxnSpPr>
+          <p:nvPr/>
+        </p:nvCxnSpPr>
+        <p:spPr>
+          <a:xfrm rot="16200000" flipV="1">
+            <a:off x="7854567" y="5120713"/>
+            <a:ext cx="780789" cy="909710"/>
+          </a:xfrm>
+          <a:prstGeom prst="bentConnector3">
+            <a:avLst>
+              <a:gd name="adj1" fmla="val 50000"/>
+            </a:avLst>
+          </a:prstGeom>
+          <a:ln w="25400">
+            <a:solidFill>
+              <a:srgbClr val="5DA2C5"/>
+            </a:solidFill>
+            <a:tailEnd type="triangle" w="lg" len="lg"/>
+          </a:ln>
+        </p:spPr>
+        <p:style>
+          <a:lnRef idx="1">
+            <a:schemeClr val="accent1"/>
+          </a:lnRef>
+          <a:fillRef idx="0">
+            <a:schemeClr val="accent1"/>
+          </a:fillRef>
+          <a:effectRef idx="0">
+            <a:schemeClr val="accent1"/>
+          </a:effectRef>
+          <a:fontRef idx="minor">
+            <a:schemeClr val="tx1"/>
+          </a:fontRef>
+        </p:style>
+      </p:cxnSp>
+      <p:grpSp>
+        <p:nvGrpSpPr>
+          <p:cNvPr id="18" name="그룹 17">
+            <a:extLst>
+              <a:ext uri="{FF2B5EF4-FFF2-40B4-BE49-F238E27FC236}">
+                <a16:creationId xmlns:a16="http://schemas.microsoft.com/office/drawing/2014/main" id="{7D2C8F8A-BDEF-0A4F-980F-8B311D61BC6F}"/>
+              </a:ext>
+            </a:extLst>
+          </p:cNvPr>
+          <p:cNvGrpSpPr/>
+          <p:nvPr/>
+        </p:nvGrpSpPr>
+        <p:grpSpPr>
+          <a:xfrm>
+            <a:off x="8779865" y="317003"/>
+            <a:ext cx="1481492" cy="734042"/>
+            <a:chOff x="9535122" y="323737"/>
+            <a:chExt cx="1481492" cy="734042"/>
+          </a:xfrm>
+        </p:grpSpPr>
+        <p:sp>
+          <p:nvSpPr>
+            <p:cNvPr id="108" name="직사각형 107">
+              <a:extLst>
+                <a:ext uri="{FF2B5EF4-FFF2-40B4-BE49-F238E27FC236}">
+                  <a16:creationId xmlns:a16="http://schemas.microsoft.com/office/drawing/2014/main" id="{EADB6FC1-660A-5B42-9808-EDA51CEDF700}"/>
+                </a:ext>
+              </a:extLst>
+            </p:cNvPr>
+            <p:cNvSpPr/>
+            <p:nvPr/>
+          </p:nvSpPr>
+          <p:spPr>
+            <a:xfrm>
+              <a:off x="9535122" y="482744"/>
+              <a:ext cx="1302870" cy="575035"/>
+            </a:xfrm>
+            <a:prstGeom prst="rect">
+              <a:avLst/>
+            </a:prstGeom>
+            <a:ln w="19050">
+              <a:solidFill>
+                <a:srgbClr val="5DA2C5"/>
+              </a:solidFill>
+            </a:ln>
+          </p:spPr>
+          <p:style>
+            <a:lnRef idx="1">
+              <a:schemeClr val="accent1"/>
+            </a:lnRef>
+            <a:fillRef idx="0">
+              <a:schemeClr val="accent1"/>
+            </a:fillRef>
+            <a:effectRef idx="0">
+              <a:schemeClr val="accent1"/>
+            </a:effectRef>
+            <a:fontRef idx="minor">
+              <a:schemeClr val="tx1"/>
+            </a:fontRef>
+          </p:style>
+          <p:txBody>
+            <a:bodyPr rtlCol="0" anchor="ctr"/>
+            <a:lstStyle/>
+            <a:p>
+              <a:pPr algn="ctr"/>
+              <a:endParaRPr kumimoji="1" lang="ko-Kore-KR" altLang="en-US" dirty="0"/>
+            </a:p>
+          </p:txBody>
+        </p:sp>
+        <p:sp>
+          <p:nvSpPr>
+            <p:cNvPr id="106" name="직사각형 105">
+              <a:extLst>
+                <a:ext uri="{FF2B5EF4-FFF2-40B4-BE49-F238E27FC236}">
+                  <a16:creationId xmlns:a16="http://schemas.microsoft.com/office/drawing/2014/main" id="{33AAD85A-817B-B24B-A689-5BBE20398F8A}"/>
+                </a:ext>
+              </a:extLst>
+            </p:cNvPr>
+            <p:cNvSpPr/>
+            <p:nvPr/>
+          </p:nvSpPr>
+          <p:spPr>
+            <a:xfrm>
+              <a:off x="9612201" y="394323"/>
+              <a:ext cx="1302870" cy="575035"/>
+            </a:xfrm>
+            <a:prstGeom prst="rect">
+              <a:avLst/>
+            </a:prstGeom>
+            <a:solidFill>
+              <a:schemeClr val="bg1"/>
+            </a:solidFill>
+            <a:ln w="19050">
+              <a:solidFill>
+                <a:srgbClr val="5DA2C5"/>
+              </a:solidFill>
+            </a:ln>
+          </p:spPr>
+          <p:style>
+            <a:lnRef idx="1">
+              <a:schemeClr val="accent1"/>
+            </a:lnRef>
+            <a:fillRef idx="0">
+              <a:schemeClr val="accent1"/>
+            </a:fillRef>
+            <a:effectRef idx="0">
+              <a:schemeClr val="accent1"/>
+            </a:effectRef>
+            <a:fontRef idx="minor">
+              <a:schemeClr val="tx1"/>
+            </a:fontRef>
+          </p:style>
+          <p:txBody>
+            <a:bodyPr rtlCol="0" anchor="ctr"/>
+            <a:lstStyle/>
+            <a:p>
+              <a:pPr algn="ctr"/>
+              <a:endParaRPr kumimoji="1" lang="ko-Kore-KR" altLang="en-US" dirty="0"/>
+            </a:p>
+          </p:txBody>
+        </p:sp>
+        <p:grpSp>
+          <p:nvGrpSpPr>
+            <p:cNvPr id="102" name="그룹 101">
+              <a:extLst>
+                <a:ext uri="{FF2B5EF4-FFF2-40B4-BE49-F238E27FC236}">
+                  <a16:creationId xmlns:a16="http://schemas.microsoft.com/office/drawing/2014/main" id="{2EA70BFF-DA2C-9A45-914D-C52C899E5375}"/>
+                </a:ext>
+              </a:extLst>
+            </p:cNvPr>
+            <p:cNvGrpSpPr/>
+            <p:nvPr/>
+          </p:nvGrpSpPr>
+          <p:grpSpPr>
+            <a:xfrm>
+              <a:off x="9713744" y="323737"/>
+              <a:ext cx="1302870" cy="575035"/>
+              <a:chOff x="1282635" y="1320924"/>
+              <a:chExt cx="1302870" cy="575035"/>
+            </a:xfrm>
+          </p:grpSpPr>
+          <p:sp>
+            <p:nvSpPr>
+              <p:cNvPr id="103" name="직사각형 102">
+                <a:extLst>
+                  <a:ext uri="{FF2B5EF4-FFF2-40B4-BE49-F238E27FC236}">
+                    <a16:creationId xmlns:a16="http://schemas.microsoft.com/office/drawing/2014/main" id="{6EE03EE1-6D89-0349-B09E-77FA0D9740FF}"/>
+                  </a:ext>
+                </a:extLst>
+              </p:cNvPr>
+              <p:cNvSpPr/>
+              <p:nvPr/>
+            </p:nvSpPr>
+            <p:spPr>
+              <a:xfrm>
+                <a:off x="1282635" y="1320924"/>
+                <a:ext cx="1302870" cy="575035"/>
+              </a:xfrm>
+              <a:prstGeom prst="rect">
+                <a:avLst/>
+              </a:prstGeom>
+              <a:solidFill>
+                <a:schemeClr val="bg1"/>
+              </a:solidFill>
+              <a:ln w="19050">
+                <a:solidFill>
+                  <a:srgbClr val="5DA2C5"/>
+                </a:solidFill>
+              </a:ln>
+            </p:spPr>
+            <p:style>
+              <a:lnRef idx="1">
+                <a:schemeClr val="accent1"/>
+              </a:lnRef>
+              <a:fillRef idx="0">
+                <a:schemeClr val="accent1"/>
+              </a:fillRef>
+              <a:effectRef idx="0">
+                <a:schemeClr val="accent1"/>
+              </a:effectRef>
+              <a:fontRef idx="minor">
+                <a:schemeClr val="tx1"/>
+              </a:fontRef>
+            </p:style>
+            <p:txBody>
+              <a:bodyPr rtlCol="0" anchor="ctr"/>
+              <a:lstStyle/>
+              <a:p>
+                <a:pPr algn="ctr"/>
+                <a:endParaRPr kumimoji="1" lang="ko-Kore-KR" altLang="en-US" dirty="0"/>
+              </a:p>
+            </p:txBody>
+          </p:sp>
+          <p:sp>
+            <p:nvSpPr>
+              <p:cNvPr id="104" name="TextBox 103">
+                <a:extLst>
+                  <a:ext uri="{FF2B5EF4-FFF2-40B4-BE49-F238E27FC236}">
+                    <a16:creationId xmlns:a16="http://schemas.microsoft.com/office/drawing/2014/main" id="{F69863E6-0E5F-9044-A01C-4E3347FADA1D}"/>
+                  </a:ext>
+                </a:extLst>
+              </p:cNvPr>
+              <p:cNvSpPr txBox="1"/>
+              <p:nvPr/>
+            </p:nvSpPr>
+            <p:spPr>
+              <a:xfrm>
+                <a:off x="1282635" y="1377610"/>
+                <a:ext cx="1201327" cy="461665"/>
+              </a:xfrm>
+              <a:prstGeom prst="rect">
+                <a:avLst/>
+              </a:prstGeom>
+              <a:noFill/>
+            </p:spPr>
+            <p:txBody>
+              <a:bodyPr wrap="square" rtlCol="0">
+                <a:spAutoFit/>
+              </a:bodyPr>
+              <a:lstStyle/>
+              <a:p>
+                <a:pPr algn="ctr"/>
+                <a:r>
+                  <a:rPr kumimoji="1" lang="en-US" altLang="ko-Kore-KR" sz="1200" b="1" dirty="0">
+                    <a:solidFill>
+                      <a:srgbClr val="5DA2C5"/>
+                    </a:solidFill>
+                    <a:latin typeface="SHeadG" panose="02030600000101010101" pitchFamily="18" charset="-127"/>
+                    <a:ea typeface="SHeadG" panose="02030600000101010101" pitchFamily="18" charset="-127"/>
+                  </a:rPr>
+                  <a:t>Ride</a:t>
+                </a:r>
+              </a:p>
+              <a:p>
+                <a:pPr algn="ctr"/>
+                <a:r>
+                  <a:rPr kumimoji="1" lang="en-US" altLang="ko-Kore-KR" sz="1200" b="1" dirty="0">
+                    <a:solidFill>
+                      <a:srgbClr val="5DA2C5"/>
+                    </a:solidFill>
+                    <a:latin typeface="SHeadG" panose="02030600000101010101" pitchFamily="18" charset="-127"/>
+                    <a:ea typeface="SHeadG" panose="02030600000101010101" pitchFamily="18" charset="-127"/>
+                  </a:rPr>
+                  <a:t>Supplier</a:t>
+                </a:r>
+                <a:endParaRPr kumimoji="1" lang="ko-Kore-KR" altLang="en-US" sz="1200" b="1" dirty="0">
+                  <a:solidFill>
+                    <a:srgbClr val="5DA2C5"/>
+                  </a:solidFill>
+                  <a:latin typeface="SHeadG" panose="02030600000101010101" pitchFamily="18" charset="-127"/>
+                  <a:ea typeface="SHeadG" panose="02030600000101010101" pitchFamily="18" charset="-127"/>
+                </a:endParaRPr>
+              </a:p>
+            </p:txBody>
+          </p:sp>
+        </p:grpSp>
+      </p:grpSp>
+      <p:grpSp>
+        <p:nvGrpSpPr>
+          <p:cNvPr id="110" name="그룹 109">
+            <a:extLst>
+              <a:ext uri="{FF2B5EF4-FFF2-40B4-BE49-F238E27FC236}">
+                <a16:creationId xmlns:a16="http://schemas.microsoft.com/office/drawing/2014/main" id="{CB33C830-A9DB-AE4D-A102-7D1F473814CD}"/>
+              </a:ext>
+            </a:extLst>
+          </p:cNvPr>
+          <p:cNvGrpSpPr/>
+          <p:nvPr/>
+        </p:nvGrpSpPr>
+        <p:grpSpPr>
+          <a:xfrm>
+            <a:off x="10362900" y="317003"/>
+            <a:ext cx="1481492" cy="734042"/>
+            <a:chOff x="9535122" y="323737"/>
+            <a:chExt cx="1481492" cy="734042"/>
+          </a:xfrm>
+        </p:grpSpPr>
+        <p:sp>
+          <p:nvSpPr>
+            <p:cNvPr id="111" name="직사각형 110">
+              <a:extLst>
+                <a:ext uri="{FF2B5EF4-FFF2-40B4-BE49-F238E27FC236}">
+                  <a16:creationId xmlns:a16="http://schemas.microsoft.com/office/drawing/2014/main" id="{EDC56C83-AAEE-444B-90B7-759529E148AD}"/>
+                </a:ext>
+              </a:extLst>
+            </p:cNvPr>
+            <p:cNvSpPr/>
+            <p:nvPr/>
+          </p:nvSpPr>
+          <p:spPr>
+            <a:xfrm>
+              <a:off x="9535122" y="482744"/>
+              <a:ext cx="1302870" cy="575035"/>
+            </a:xfrm>
+            <a:prstGeom prst="rect">
+              <a:avLst/>
+            </a:prstGeom>
+            <a:ln w="19050">
+              <a:solidFill>
+                <a:srgbClr val="5DA2C5"/>
+              </a:solidFill>
+            </a:ln>
+          </p:spPr>
+          <p:style>
+            <a:lnRef idx="1">
+              <a:schemeClr val="accent1"/>
+            </a:lnRef>
+            <a:fillRef idx="0">
+              <a:schemeClr val="accent1"/>
+            </a:fillRef>
+            <a:effectRef idx="0">
+              <a:schemeClr val="accent1"/>
+            </a:effectRef>
+            <a:fontRef idx="minor">
+              <a:schemeClr val="tx1"/>
+            </a:fontRef>
+          </p:style>
+          <p:txBody>
+            <a:bodyPr rtlCol="0" anchor="ctr"/>
+            <a:lstStyle/>
+            <a:p>
+              <a:pPr algn="ctr"/>
+              <a:endParaRPr kumimoji="1" lang="ko-Kore-KR" altLang="en-US" dirty="0"/>
+            </a:p>
+          </p:txBody>
+        </p:sp>
+        <p:sp>
+          <p:nvSpPr>
+            <p:cNvPr id="112" name="직사각형 111">
+              <a:extLst>
+                <a:ext uri="{FF2B5EF4-FFF2-40B4-BE49-F238E27FC236}">
+                  <a16:creationId xmlns:a16="http://schemas.microsoft.com/office/drawing/2014/main" id="{09E6915A-F8A8-2042-AF22-A4495330804B}"/>
+                </a:ext>
+              </a:extLst>
+            </p:cNvPr>
+            <p:cNvSpPr/>
+            <p:nvPr/>
+          </p:nvSpPr>
+          <p:spPr>
+            <a:xfrm>
+              <a:off x="9612201" y="394323"/>
+              <a:ext cx="1302870" cy="575035"/>
+            </a:xfrm>
+            <a:prstGeom prst="rect">
+              <a:avLst/>
+            </a:prstGeom>
+            <a:solidFill>
+              <a:schemeClr val="bg1"/>
+            </a:solidFill>
+            <a:ln w="19050">
+              <a:solidFill>
+                <a:srgbClr val="5DA2C5"/>
+              </a:solidFill>
+            </a:ln>
+          </p:spPr>
+          <p:style>
+            <a:lnRef idx="1">
+              <a:schemeClr val="accent1"/>
+            </a:lnRef>
+            <a:fillRef idx="0">
+              <a:schemeClr val="accent1"/>
+            </a:fillRef>
+            <a:effectRef idx="0">
+              <a:schemeClr val="accent1"/>
+            </a:effectRef>
+            <a:fontRef idx="minor">
+              <a:schemeClr val="tx1"/>
+            </a:fontRef>
+          </p:style>
+          <p:txBody>
+            <a:bodyPr rtlCol="0" anchor="ctr"/>
+            <a:lstStyle/>
+            <a:p>
+              <a:pPr algn="ctr"/>
+              <a:endParaRPr kumimoji="1" lang="ko-Kore-KR" altLang="en-US" dirty="0"/>
+            </a:p>
+          </p:txBody>
+        </p:sp>
+        <p:grpSp>
+          <p:nvGrpSpPr>
+            <p:cNvPr id="113" name="그룹 112">
+              <a:extLst>
+                <a:ext uri="{FF2B5EF4-FFF2-40B4-BE49-F238E27FC236}">
+                  <a16:creationId xmlns:a16="http://schemas.microsoft.com/office/drawing/2014/main" id="{85F8AEC5-567F-2947-8C12-5803AA2A2A98}"/>
+                </a:ext>
+              </a:extLst>
+            </p:cNvPr>
+            <p:cNvGrpSpPr/>
+            <p:nvPr/>
+          </p:nvGrpSpPr>
+          <p:grpSpPr>
+            <a:xfrm>
+              <a:off x="9713744" y="323737"/>
+              <a:ext cx="1302870" cy="575035"/>
+              <a:chOff x="1282635" y="1320924"/>
+              <a:chExt cx="1302870" cy="575035"/>
+            </a:xfrm>
+          </p:grpSpPr>
+          <p:sp>
+            <p:nvSpPr>
+              <p:cNvPr id="116" name="직사각형 115">
+                <a:extLst>
+                  <a:ext uri="{FF2B5EF4-FFF2-40B4-BE49-F238E27FC236}">
+                    <a16:creationId xmlns:a16="http://schemas.microsoft.com/office/drawing/2014/main" id="{75BECF0D-069F-4C49-A8AF-437520FF8FFD}"/>
+                  </a:ext>
+                </a:extLst>
+              </p:cNvPr>
+              <p:cNvSpPr/>
+              <p:nvPr/>
+            </p:nvSpPr>
+            <p:spPr>
+              <a:xfrm>
+                <a:off x="1282635" y="1320924"/>
+                <a:ext cx="1302870" cy="575035"/>
+              </a:xfrm>
+              <a:prstGeom prst="rect">
+                <a:avLst/>
+              </a:prstGeom>
+              <a:solidFill>
+                <a:schemeClr val="bg1"/>
+              </a:solidFill>
+              <a:ln w="19050">
+                <a:solidFill>
+                  <a:srgbClr val="5DA2C5"/>
+                </a:solidFill>
+              </a:ln>
+            </p:spPr>
+            <p:style>
+              <a:lnRef idx="1">
+                <a:schemeClr val="accent1"/>
+              </a:lnRef>
+              <a:fillRef idx="0">
+                <a:schemeClr val="accent1"/>
+              </a:fillRef>
+              <a:effectRef idx="0">
+                <a:schemeClr val="accent1"/>
+              </a:effectRef>
+              <a:fontRef idx="minor">
+                <a:schemeClr val="tx1"/>
+              </a:fontRef>
+            </p:style>
+            <p:txBody>
+              <a:bodyPr rtlCol="0" anchor="ctr"/>
+              <a:lstStyle/>
+              <a:p>
+                <a:pPr algn="ctr"/>
+                <a:endParaRPr kumimoji="1" lang="ko-Kore-KR" altLang="en-US" dirty="0"/>
+              </a:p>
+            </p:txBody>
+          </p:sp>
+          <p:sp>
+            <p:nvSpPr>
+              <p:cNvPr id="117" name="TextBox 116">
+                <a:extLst>
+                  <a:ext uri="{FF2B5EF4-FFF2-40B4-BE49-F238E27FC236}">
+                    <a16:creationId xmlns:a16="http://schemas.microsoft.com/office/drawing/2014/main" id="{66721F4C-F13A-AC4A-8B31-BAC64C452E4A}"/>
+                  </a:ext>
+                </a:extLst>
+              </p:cNvPr>
+              <p:cNvSpPr txBox="1"/>
+              <p:nvPr/>
+            </p:nvSpPr>
+            <p:spPr>
+              <a:xfrm>
+                <a:off x="1282635" y="1377610"/>
+                <a:ext cx="1201327" cy="461665"/>
+              </a:xfrm>
+              <a:prstGeom prst="rect">
+                <a:avLst/>
+              </a:prstGeom>
+              <a:noFill/>
+            </p:spPr>
+            <p:txBody>
+              <a:bodyPr wrap="square" rtlCol="0">
+                <a:spAutoFit/>
+              </a:bodyPr>
+              <a:lstStyle/>
+              <a:p>
+                <a:pPr algn="ctr"/>
+                <a:r>
+                  <a:rPr kumimoji="1" lang="en-US" altLang="ko-Kore-KR" sz="1200" b="1" dirty="0">
+                    <a:solidFill>
+                      <a:srgbClr val="5DA2C5"/>
+                    </a:solidFill>
+                    <a:latin typeface="SHeadG" panose="02030600000101010101" pitchFamily="18" charset="-127"/>
+                    <a:ea typeface="SHeadG" panose="02030600000101010101" pitchFamily="18" charset="-127"/>
+                  </a:rPr>
+                  <a:t>Kitty</a:t>
+                </a:r>
+              </a:p>
+              <a:p>
+                <a:pPr algn="ctr"/>
+                <a:r>
+                  <a:rPr kumimoji="1" lang="en-US" altLang="ko-Kore-KR" sz="1200" b="1" dirty="0">
+                    <a:solidFill>
+                      <a:srgbClr val="5DA2C5"/>
+                    </a:solidFill>
+                    <a:latin typeface="SHeadG" panose="02030600000101010101" pitchFamily="18" charset="-127"/>
+                    <a:ea typeface="SHeadG" panose="02030600000101010101" pitchFamily="18" charset="-127"/>
+                  </a:rPr>
+                  <a:t>Supplier</a:t>
+                </a:r>
+                <a:endParaRPr kumimoji="1" lang="ko-Kore-KR" altLang="en-US" sz="1200" b="1" dirty="0">
+                  <a:solidFill>
+                    <a:srgbClr val="5DA2C5"/>
+                  </a:solidFill>
+                  <a:latin typeface="SHeadG" panose="02030600000101010101" pitchFamily="18" charset="-127"/>
+                  <a:ea typeface="SHeadG" panose="02030600000101010101" pitchFamily="18" charset="-127"/>
+                </a:endParaRPr>
+              </a:p>
+            </p:txBody>
+          </p:sp>
+        </p:grpSp>
+      </p:grpSp>
+      <p:cxnSp>
+        <p:nvCxnSpPr>
+          <p:cNvPr id="124" name="꺾인 연결선[E] 123">
+            <a:extLst>
+              <a:ext uri="{FF2B5EF4-FFF2-40B4-BE49-F238E27FC236}">
+                <a16:creationId xmlns:a16="http://schemas.microsoft.com/office/drawing/2014/main" id="{689E4560-4A7F-4744-A800-A4B1CE759A82}"/>
+              </a:ext>
+            </a:extLst>
+          </p:cNvPr>
+          <p:cNvCxnSpPr>
+            <a:cxnSpLocks/>
+            <a:stCxn id="108" idx="2"/>
+            <a:endCxn id="159" idx="0"/>
+          </p:cNvCxnSpPr>
+          <p:nvPr/>
+        </p:nvCxnSpPr>
+        <p:spPr>
+          <a:xfrm rot="5400000">
+            <a:off x="8242201" y="302368"/>
+            <a:ext cx="440422" cy="1937777"/>
+          </a:xfrm>
+          <a:prstGeom prst="bentConnector3">
+            <a:avLst>
+              <a:gd name="adj1" fmla="val 50000"/>
+            </a:avLst>
+          </a:prstGeom>
+          <a:ln w="25400">
+            <a:solidFill>
+              <a:srgbClr val="5DA2C5"/>
+            </a:solidFill>
+            <a:tailEnd type="triangle" w="lg" len="lg"/>
+          </a:ln>
+        </p:spPr>
+        <p:style>
+          <a:lnRef idx="1">
+            <a:schemeClr val="accent1"/>
+          </a:lnRef>
+          <a:fillRef idx="0">
+            <a:schemeClr val="accent1"/>
+          </a:fillRef>
+          <a:effectRef idx="0">
+            <a:schemeClr val="accent1"/>
+          </a:effectRef>
+          <a:fontRef idx="minor">
+            <a:schemeClr val="tx1"/>
+          </a:fontRef>
+        </p:style>
+      </p:cxnSp>
+      <p:cxnSp>
+        <p:nvCxnSpPr>
+          <p:cNvPr id="125" name="꺾인 연결선[E] 124">
+            <a:extLst>
+              <a:ext uri="{FF2B5EF4-FFF2-40B4-BE49-F238E27FC236}">
+                <a16:creationId xmlns:a16="http://schemas.microsoft.com/office/drawing/2014/main" id="{470E4635-7CD1-204E-938C-E44F8CDFD8DB}"/>
+              </a:ext>
+            </a:extLst>
+          </p:cNvPr>
+          <p:cNvCxnSpPr>
+            <a:cxnSpLocks/>
+            <a:stCxn id="111" idx="2"/>
+            <a:endCxn id="159" idx="0"/>
+          </p:cNvCxnSpPr>
+          <p:nvPr/>
+        </p:nvCxnSpPr>
+        <p:spPr>
+          <a:xfrm rot="5400000">
+            <a:off x="9033718" y="-489150"/>
+            <a:ext cx="440422" cy="3520812"/>
+          </a:xfrm>
+          <a:prstGeom prst="bentConnector3">
+            <a:avLst>
+              <a:gd name="adj1" fmla="val 50000"/>
+            </a:avLst>
+          </a:prstGeom>
+          <a:ln w="25400">
+            <a:solidFill>
+              <a:srgbClr val="5DA2C5"/>
+            </a:solidFill>
+            <a:tailEnd type="triangle" w="lg" len="lg"/>
+          </a:ln>
+        </p:spPr>
+        <p:style>
+          <a:lnRef idx="1">
+            <a:schemeClr val="accent1"/>
+          </a:lnRef>
+          <a:fillRef idx="0">
+            <a:schemeClr val="accent1"/>
+          </a:fillRef>
+          <a:effectRef idx="0">
+            <a:schemeClr val="accent1"/>
+          </a:effectRef>
+          <a:fontRef idx="minor">
+            <a:schemeClr val="tx1"/>
+          </a:fontRef>
+        </p:style>
+      </p:cxnSp>
+    </p:spTree>
+    <p:extLst>
+      <p:ext uri="{BB962C8B-B14F-4D97-AF65-F5344CB8AC3E}">
+        <p14:creationId xmlns:p14="http://schemas.microsoft.com/office/powerpoint/2010/main" val="1148827726"/>
+      </p:ext>
+    </p:extLst>
+  </p:cSld>
+  <p:clrMapOvr>
+    <a:masterClrMapping/>
+  </p:clrMapOvr>
+</p:sld>
+</file>
+
+<file path=ppt/slides/slide16.xml><?xml version="1.0" encoding="utf-8"?>
+<p:sld xmlns:a="http://schemas.openxmlformats.org/drawingml/2006/main" xmlns:r="http://schemas.openxmlformats.org/officeDocument/2006/relationships" xmlns:p="http://schemas.openxmlformats.org/presentationml/2006/main">
+  <p:cSld>
+    <p:spTree>
+      <p:nvGrpSpPr>
+        <p:cNvPr id="1" name=""/>
+        <p:cNvGrpSpPr/>
+        <p:nvPr/>
+      </p:nvGrpSpPr>
+      <p:grpSpPr>
+        <a:xfrm>
+          <a:off x="0" y="0"/>
+          <a:ext cx="0" cy="0"/>
+          <a:chOff x="0" y="0"/>
+          <a:chExt cx="0" cy="0"/>
+        </a:xfrm>
+      </p:grpSpPr>
+      <p:grpSp>
+        <p:nvGrpSpPr>
+          <p:cNvPr id="76" name="그룹 75">
+            <a:extLst>
+              <a:ext uri="{FF2B5EF4-FFF2-40B4-BE49-F238E27FC236}">
+                <a16:creationId xmlns:a16="http://schemas.microsoft.com/office/drawing/2014/main" id="{D5187EF7-DF0C-3149-9ADF-9F11BD2B29F3}"/>
+              </a:ext>
+            </a:extLst>
+          </p:cNvPr>
+          <p:cNvGrpSpPr/>
+          <p:nvPr/>
+        </p:nvGrpSpPr>
+        <p:grpSpPr>
+          <a:xfrm>
+            <a:off x="1969342" y="1270674"/>
+            <a:ext cx="1302870" cy="575035"/>
+            <a:chOff x="1231864" y="1320926"/>
+            <a:chExt cx="1302870" cy="575035"/>
+          </a:xfrm>
+        </p:grpSpPr>
+        <p:sp>
+          <p:nvSpPr>
+            <p:cNvPr id="77" name="직사각형 76">
+              <a:extLst>
+                <a:ext uri="{FF2B5EF4-FFF2-40B4-BE49-F238E27FC236}">
+                  <a16:creationId xmlns:a16="http://schemas.microsoft.com/office/drawing/2014/main" id="{1445CC0B-B9CD-7E49-8BA1-254C2F6449C0}"/>
+                </a:ext>
+              </a:extLst>
+            </p:cNvPr>
+            <p:cNvSpPr/>
+            <p:nvPr/>
+          </p:nvSpPr>
+          <p:spPr>
+            <a:xfrm>
+              <a:off x="1231864" y="1320926"/>
+              <a:ext cx="1302870" cy="575035"/>
+            </a:xfrm>
+            <a:prstGeom prst="rect">
+              <a:avLst/>
+            </a:prstGeom>
+            <a:ln w="19050">
+              <a:solidFill>
+                <a:srgbClr val="5DA2C5"/>
+              </a:solidFill>
+            </a:ln>
+          </p:spPr>
+          <p:style>
+            <a:lnRef idx="1">
+              <a:schemeClr val="accent1"/>
+            </a:lnRef>
+            <a:fillRef idx="0">
+              <a:schemeClr val="accent1"/>
+            </a:fillRef>
+            <a:effectRef idx="0">
+              <a:schemeClr val="accent1"/>
+            </a:effectRef>
+            <a:fontRef idx="minor">
+              <a:schemeClr val="tx1"/>
+            </a:fontRef>
+          </p:style>
+          <p:txBody>
+            <a:bodyPr rtlCol="0" anchor="ctr"/>
+            <a:lstStyle/>
+            <a:p>
+              <a:pPr algn="ctr"/>
+              <a:endParaRPr kumimoji="1" lang="ko-Kore-KR" altLang="en-US" dirty="0"/>
+            </a:p>
+          </p:txBody>
+        </p:sp>
+        <p:sp>
+          <p:nvSpPr>
+            <p:cNvPr id="78" name="TextBox 77">
+              <a:extLst>
+                <a:ext uri="{FF2B5EF4-FFF2-40B4-BE49-F238E27FC236}">
+                  <a16:creationId xmlns:a16="http://schemas.microsoft.com/office/drawing/2014/main" id="{3AF8A0AA-C996-2B4E-AE04-577F9559AAD4}"/>
+                </a:ext>
+              </a:extLst>
+            </p:cNvPr>
+            <p:cNvSpPr txBox="1"/>
+            <p:nvPr/>
+          </p:nvSpPr>
+          <p:spPr>
+            <a:xfrm>
+              <a:off x="1282635" y="1377610"/>
+              <a:ext cx="1201327" cy="461665"/>
+            </a:xfrm>
+            <a:prstGeom prst="rect">
+              <a:avLst/>
+            </a:prstGeom>
+            <a:noFill/>
+          </p:spPr>
+          <p:txBody>
+            <a:bodyPr wrap="square" rtlCol="0">
+              <a:spAutoFit/>
+            </a:bodyPr>
+            <a:lstStyle/>
+            <a:p>
+              <a:pPr algn="ctr"/>
+              <a:r>
+                <a:rPr kumimoji="1" lang="en-US" altLang="ko-KR" sz="1200" b="1" dirty="0">
+                  <a:solidFill>
+                    <a:srgbClr val="5DA2C5"/>
+                  </a:solidFill>
+                  <a:latin typeface="SHeadG" panose="02030600000101010101" pitchFamily="18" charset="-127"/>
+                  <a:ea typeface="SHeadG" panose="02030600000101010101" pitchFamily="18" charset="-127"/>
+                </a:rPr>
+                <a:t>Taxi</a:t>
+              </a:r>
+            </a:p>
+            <a:p>
+              <a:pPr algn="ctr"/>
+              <a:r>
+                <a:rPr kumimoji="1" lang="en-US" altLang="ko-KR" sz="1200" b="1" dirty="0">
+                  <a:solidFill>
+                    <a:srgbClr val="5DA2C5"/>
+                  </a:solidFill>
+                  <a:latin typeface="SHeadG" panose="02030600000101010101" pitchFamily="18" charset="-127"/>
+                  <a:ea typeface="SHeadG" panose="02030600000101010101" pitchFamily="18" charset="-127"/>
+                </a:rPr>
+                <a:t>Selector</a:t>
+              </a:r>
+              <a:endParaRPr kumimoji="1" lang="ko-Kore-KR" altLang="en-US" sz="1200" b="1" dirty="0">
+                <a:solidFill>
+                  <a:srgbClr val="5DA2C5"/>
+                </a:solidFill>
+                <a:latin typeface="SHeadG" panose="02030600000101010101" pitchFamily="18" charset="-127"/>
+                <a:ea typeface="SHeadG" panose="02030600000101010101" pitchFamily="18" charset="-127"/>
+              </a:endParaRPr>
+            </a:p>
+          </p:txBody>
+        </p:sp>
+      </p:grpSp>
+      <p:grpSp>
+        <p:nvGrpSpPr>
+          <p:cNvPr id="79" name="그룹 78">
+            <a:extLst>
+              <a:ext uri="{FF2B5EF4-FFF2-40B4-BE49-F238E27FC236}">
+                <a16:creationId xmlns:a16="http://schemas.microsoft.com/office/drawing/2014/main" id="{5C09F165-6E8F-154E-B942-03475EB2D73F}"/>
+              </a:ext>
+            </a:extLst>
+          </p:cNvPr>
+          <p:cNvGrpSpPr/>
+          <p:nvPr/>
+        </p:nvGrpSpPr>
+        <p:grpSpPr>
+          <a:xfrm>
+            <a:off x="1001859" y="2491585"/>
+            <a:ext cx="1302870" cy="575035"/>
+            <a:chOff x="1231864" y="1320926"/>
+            <a:chExt cx="1302870" cy="575035"/>
+          </a:xfrm>
+        </p:grpSpPr>
+        <p:sp>
+          <p:nvSpPr>
+            <p:cNvPr id="80" name="직사각형 79">
+              <a:extLst>
+                <a:ext uri="{FF2B5EF4-FFF2-40B4-BE49-F238E27FC236}">
+                  <a16:creationId xmlns:a16="http://schemas.microsoft.com/office/drawing/2014/main" id="{FB63E188-DF59-E94E-80BC-7EDC10D91602}"/>
+                </a:ext>
+              </a:extLst>
+            </p:cNvPr>
+            <p:cNvSpPr/>
+            <p:nvPr/>
+          </p:nvSpPr>
+          <p:spPr>
+            <a:xfrm>
+              <a:off x="1231864" y="1320926"/>
+              <a:ext cx="1302870" cy="575035"/>
+            </a:xfrm>
+            <a:prstGeom prst="rect">
+              <a:avLst/>
+            </a:prstGeom>
+            <a:ln w="19050">
+              <a:solidFill>
+                <a:srgbClr val="5DA2C5"/>
+              </a:solidFill>
+            </a:ln>
+          </p:spPr>
+          <p:style>
+            <a:lnRef idx="1">
+              <a:schemeClr val="accent1"/>
+            </a:lnRef>
+            <a:fillRef idx="0">
+              <a:schemeClr val="accent1"/>
+            </a:fillRef>
+            <a:effectRef idx="0">
+              <a:schemeClr val="accent1"/>
+            </a:effectRef>
+            <a:fontRef idx="minor">
+              <a:schemeClr val="tx1"/>
+            </a:fontRef>
+          </p:style>
+          <p:txBody>
+            <a:bodyPr rtlCol="0" anchor="ctr"/>
+            <a:lstStyle/>
+            <a:p>
+              <a:pPr algn="ctr"/>
+              <a:endParaRPr kumimoji="1" lang="ko-Kore-KR" altLang="en-US" dirty="0"/>
+            </a:p>
+          </p:txBody>
+        </p:sp>
+        <p:sp>
+          <p:nvSpPr>
+            <p:cNvPr id="81" name="TextBox 80">
+              <a:extLst>
+                <a:ext uri="{FF2B5EF4-FFF2-40B4-BE49-F238E27FC236}">
+                  <a16:creationId xmlns:a16="http://schemas.microsoft.com/office/drawing/2014/main" id="{999AA590-41A0-AC41-A8DD-8F94336150E7}"/>
+                </a:ext>
+              </a:extLst>
+            </p:cNvPr>
+            <p:cNvSpPr txBox="1"/>
+            <p:nvPr/>
+          </p:nvSpPr>
+          <p:spPr>
+            <a:xfrm>
+              <a:off x="1282635" y="1377610"/>
+              <a:ext cx="1201327" cy="461665"/>
+            </a:xfrm>
+            <a:prstGeom prst="rect">
+              <a:avLst/>
+            </a:prstGeom>
+            <a:noFill/>
+          </p:spPr>
+          <p:txBody>
+            <a:bodyPr wrap="square" rtlCol="0">
+              <a:spAutoFit/>
+            </a:bodyPr>
+            <a:lstStyle/>
+            <a:p>
+              <a:pPr algn="ctr"/>
+              <a:r>
+                <a:rPr kumimoji="1" lang="en-US" altLang="ko-KR" sz="1200" b="1" dirty="0">
+                  <a:solidFill>
+                    <a:srgbClr val="5DA2C5"/>
+                  </a:solidFill>
+                  <a:latin typeface="SHeadG" panose="02030600000101010101" pitchFamily="18" charset="-127"/>
+                  <a:ea typeface="SHeadG" panose="02030600000101010101" pitchFamily="18" charset="-127"/>
+                </a:rPr>
+                <a:t>Ride</a:t>
+              </a:r>
+            </a:p>
+            <a:p>
+              <a:pPr algn="ctr"/>
+              <a:r>
+                <a:rPr kumimoji="1" lang="en-US" altLang="ko-KR" sz="1200" b="1" dirty="0">
+                  <a:solidFill>
+                    <a:srgbClr val="5DA2C5"/>
+                  </a:solidFill>
+                  <a:latin typeface="SHeadG" panose="02030600000101010101" pitchFamily="18" charset="-127"/>
+                  <a:ea typeface="SHeadG" panose="02030600000101010101" pitchFamily="18" charset="-127"/>
+                </a:rPr>
+                <a:t>Selector</a:t>
+              </a:r>
+              <a:endParaRPr kumimoji="1" lang="ko-Kore-KR" altLang="en-US" sz="1200" b="1" dirty="0">
+                <a:solidFill>
+                  <a:srgbClr val="5DA2C5"/>
+                </a:solidFill>
+                <a:latin typeface="SHeadG" panose="02030600000101010101" pitchFamily="18" charset="-127"/>
+                <a:ea typeface="SHeadG" panose="02030600000101010101" pitchFamily="18" charset="-127"/>
+              </a:endParaRPr>
+            </a:p>
+          </p:txBody>
+        </p:sp>
+      </p:grpSp>
+      <p:grpSp>
+        <p:nvGrpSpPr>
+          <p:cNvPr id="90" name="그룹 89">
+            <a:extLst>
+              <a:ext uri="{FF2B5EF4-FFF2-40B4-BE49-F238E27FC236}">
+                <a16:creationId xmlns:a16="http://schemas.microsoft.com/office/drawing/2014/main" id="{13E35249-F465-0B48-8BA3-4D021A1A0593}"/>
+              </a:ext>
+            </a:extLst>
+          </p:cNvPr>
+          <p:cNvGrpSpPr/>
+          <p:nvPr/>
+        </p:nvGrpSpPr>
+        <p:grpSpPr>
+          <a:xfrm>
+            <a:off x="3067830" y="2497150"/>
+            <a:ext cx="1302870" cy="575035"/>
+            <a:chOff x="1231864" y="1320926"/>
+            <a:chExt cx="1302870" cy="575035"/>
+          </a:xfrm>
+        </p:grpSpPr>
+        <p:sp>
+          <p:nvSpPr>
+            <p:cNvPr id="91" name="직사각형 90">
+              <a:extLst>
+                <a:ext uri="{FF2B5EF4-FFF2-40B4-BE49-F238E27FC236}">
+                  <a16:creationId xmlns:a16="http://schemas.microsoft.com/office/drawing/2014/main" id="{C878475F-576D-AA47-B07E-0E3DD70AE77D}"/>
+                </a:ext>
+              </a:extLst>
+            </p:cNvPr>
+            <p:cNvSpPr/>
+            <p:nvPr/>
+          </p:nvSpPr>
+          <p:spPr>
+            <a:xfrm>
+              <a:off x="1231864" y="1320926"/>
+              <a:ext cx="1302870" cy="575035"/>
+            </a:xfrm>
+            <a:prstGeom prst="rect">
+              <a:avLst/>
+            </a:prstGeom>
+            <a:ln w="19050">
+              <a:solidFill>
+                <a:srgbClr val="5DA2C5"/>
+              </a:solidFill>
+            </a:ln>
+          </p:spPr>
+          <p:style>
+            <a:lnRef idx="1">
+              <a:schemeClr val="accent1"/>
+            </a:lnRef>
+            <a:fillRef idx="0">
+              <a:schemeClr val="accent1"/>
+            </a:fillRef>
+            <a:effectRef idx="0">
+              <a:schemeClr val="accent1"/>
+            </a:effectRef>
+            <a:fontRef idx="minor">
+              <a:schemeClr val="tx1"/>
+            </a:fontRef>
+          </p:style>
+          <p:txBody>
+            <a:bodyPr rtlCol="0" anchor="ctr"/>
+            <a:lstStyle/>
+            <a:p>
+              <a:pPr algn="ctr"/>
+              <a:endParaRPr kumimoji="1" lang="ko-Kore-KR" altLang="en-US" dirty="0"/>
+            </a:p>
+          </p:txBody>
+        </p:sp>
+        <p:sp>
+          <p:nvSpPr>
+            <p:cNvPr id="92" name="TextBox 91">
+              <a:extLst>
+                <a:ext uri="{FF2B5EF4-FFF2-40B4-BE49-F238E27FC236}">
+                  <a16:creationId xmlns:a16="http://schemas.microsoft.com/office/drawing/2014/main" id="{00B80F37-077B-C844-92B1-73DE7390A32D}"/>
+                </a:ext>
+              </a:extLst>
+            </p:cNvPr>
+            <p:cNvSpPr txBox="1"/>
+            <p:nvPr/>
+          </p:nvSpPr>
+          <p:spPr>
+            <a:xfrm>
+              <a:off x="1282635" y="1377610"/>
+              <a:ext cx="1201327" cy="461665"/>
+            </a:xfrm>
+            <a:prstGeom prst="rect">
+              <a:avLst/>
+            </a:prstGeom>
+            <a:noFill/>
+          </p:spPr>
+          <p:txBody>
+            <a:bodyPr wrap="square" rtlCol="0">
+              <a:spAutoFit/>
+            </a:bodyPr>
+            <a:lstStyle/>
+            <a:p>
+              <a:pPr algn="ctr"/>
+              <a:r>
+                <a:rPr kumimoji="1" lang="en-US" altLang="ko-KR" sz="1200" b="1" dirty="0">
+                  <a:solidFill>
+                    <a:srgbClr val="5DA2C5"/>
+                  </a:solidFill>
+                  <a:latin typeface="SHeadG" panose="02030600000101010101" pitchFamily="18" charset="-127"/>
+                  <a:ea typeface="SHeadG" panose="02030600000101010101" pitchFamily="18" charset="-127"/>
+                </a:rPr>
+                <a:t>Kitten</a:t>
+              </a:r>
+            </a:p>
+            <a:p>
+              <a:pPr algn="ctr"/>
+              <a:r>
+                <a:rPr kumimoji="1" lang="en-US" altLang="ko-KR" sz="1200" b="1" dirty="0">
+                  <a:solidFill>
+                    <a:srgbClr val="5DA2C5"/>
+                  </a:solidFill>
+                  <a:latin typeface="SHeadG" panose="02030600000101010101" pitchFamily="18" charset="-127"/>
+                  <a:ea typeface="SHeadG" panose="02030600000101010101" pitchFamily="18" charset="-127"/>
+                </a:rPr>
+                <a:t>Selector</a:t>
+              </a:r>
+              <a:endParaRPr kumimoji="1" lang="ko-Kore-KR" altLang="en-US" sz="1200" b="1" dirty="0">
+                <a:solidFill>
+                  <a:srgbClr val="5DA2C5"/>
+                </a:solidFill>
+                <a:latin typeface="SHeadG" panose="02030600000101010101" pitchFamily="18" charset="-127"/>
+                <a:ea typeface="SHeadG" panose="02030600000101010101" pitchFamily="18" charset="-127"/>
+              </a:endParaRPr>
+            </a:p>
+          </p:txBody>
+        </p:sp>
+      </p:grpSp>
+      <p:sp>
+        <p:nvSpPr>
+          <p:cNvPr id="94" name="직사각형 93">
+            <a:extLst>
+              <a:ext uri="{FF2B5EF4-FFF2-40B4-BE49-F238E27FC236}">
+                <a16:creationId xmlns:a16="http://schemas.microsoft.com/office/drawing/2014/main" id="{A11B3C61-B92E-EC44-9A7A-24D9ED1698BB}"/>
+              </a:ext>
+            </a:extLst>
+          </p:cNvPr>
+          <p:cNvSpPr/>
+          <p:nvPr/>
+        </p:nvSpPr>
+        <p:spPr>
+          <a:xfrm>
+            <a:off x="565078" y="2135312"/>
+            <a:ext cx="2065971" cy="1293687"/>
+          </a:xfrm>
+          <a:prstGeom prst="rect">
+            <a:avLst/>
+          </a:prstGeom>
+          <a:ln w="63500" cmpd="dbl">
+            <a:solidFill>
+              <a:srgbClr val="5DA2C5"/>
+            </a:solidFill>
+            <a:prstDash val="solid"/>
+          </a:ln>
+        </p:spPr>
+        <p:style>
+          <a:lnRef idx="1">
+            <a:schemeClr val="accent1"/>
+          </a:lnRef>
+          <a:fillRef idx="0">
+            <a:schemeClr val="accent1"/>
+          </a:fillRef>
+          <a:effectRef idx="0">
+            <a:schemeClr val="accent1"/>
+          </a:effectRef>
+          <a:fontRef idx="minor">
+            <a:schemeClr val="tx1"/>
+          </a:fontRef>
+        </p:style>
+        <p:txBody>
+          <a:bodyPr rtlCol="0" anchor="ctr"/>
+          <a:lstStyle/>
+          <a:p>
+            <a:pPr algn="ctr"/>
+            <a:endParaRPr kumimoji="1" lang="ko-Kore-KR" altLang="en-US" dirty="0"/>
+          </a:p>
+        </p:txBody>
+      </p:sp>
+      <p:sp>
+        <p:nvSpPr>
+          <p:cNvPr id="96" name="직사각형 95">
+            <a:extLst>
+              <a:ext uri="{FF2B5EF4-FFF2-40B4-BE49-F238E27FC236}">
+                <a16:creationId xmlns:a16="http://schemas.microsoft.com/office/drawing/2014/main" id="{F0ED27D7-292E-F445-96FD-97FC8DCB861E}"/>
+              </a:ext>
+            </a:extLst>
+          </p:cNvPr>
+          <p:cNvSpPr/>
+          <p:nvPr/>
+        </p:nvSpPr>
+        <p:spPr>
+          <a:xfrm>
+            <a:off x="2619928" y="2126751"/>
+            <a:ext cx="2065971" cy="1293687"/>
+          </a:xfrm>
+          <a:prstGeom prst="rect">
+            <a:avLst/>
+          </a:prstGeom>
+          <a:ln w="63500" cmpd="dbl">
+            <a:solidFill>
+              <a:srgbClr val="5DA2C5"/>
+            </a:solidFill>
+            <a:prstDash val="solid"/>
+          </a:ln>
+        </p:spPr>
+        <p:style>
+          <a:lnRef idx="1">
+            <a:schemeClr val="accent1"/>
+          </a:lnRef>
+          <a:fillRef idx="0">
+            <a:schemeClr val="accent1"/>
+          </a:fillRef>
+          <a:effectRef idx="0">
+            <a:schemeClr val="accent1"/>
+          </a:effectRef>
+          <a:fontRef idx="minor">
+            <a:schemeClr val="tx1"/>
+          </a:fontRef>
+        </p:style>
+        <p:txBody>
+          <a:bodyPr rtlCol="0" anchor="ctr"/>
+          <a:lstStyle/>
+          <a:p>
+            <a:pPr algn="ctr"/>
+            <a:endParaRPr kumimoji="1" lang="ko-Kore-KR" altLang="en-US" dirty="0"/>
+          </a:p>
+        </p:txBody>
+      </p:sp>
+      <p:sp>
+        <p:nvSpPr>
+          <p:cNvPr id="93" name="직사각형 92">
+            <a:extLst>
+              <a:ext uri="{FF2B5EF4-FFF2-40B4-BE49-F238E27FC236}">
+                <a16:creationId xmlns:a16="http://schemas.microsoft.com/office/drawing/2014/main" id="{F3C5816C-66E4-774D-AE3D-73555B0814B3}"/>
+              </a:ext>
+            </a:extLst>
+          </p:cNvPr>
+          <p:cNvSpPr/>
+          <p:nvPr/>
+        </p:nvSpPr>
+        <p:spPr>
+          <a:xfrm>
+            <a:off x="1483032" y="1011499"/>
+            <a:ext cx="2205390" cy="1115252"/>
+          </a:xfrm>
+          <a:prstGeom prst="rect">
+            <a:avLst/>
+          </a:prstGeom>
+          <a:ln w="63500" cmpd="dbl">
+            <a:solidFill>
+              <a:srgbClr val="5DA2C5"/>
+            </a:solidFill>
+            <a:prstDash val="solid"/>
+          </a:ln>
+        </p:spPr>
+        <p:style>
+          <a:lnRef idx="1">
+            <a:schemeClr val="accent1"/>
+          </a:lnRef>
+          <a:fillRef idx="0">
+            <a:schemeClr val="accent1"/>
+          </a:fillRef>
+          <a:effectRef idx="0">
+            <a:schemeClr val="accent1"/>
+          </a:effectRef>
+          <a:fontRef idx="minor">
+            <a:schemeClr val="tx1"/>
+          </a:fontRef>
+        </p:style>
+        <p:txBody>
+          <a:bodyPr rtlCol="0" anchor="ctr"/>
+          <a:lstStyle/>
+          <a:p>
+            <a:pPr algn="ctr"/>
+            <a:endParaRPr kumimoji="1" lang="ko-Kore-KR" altLang="en-US" dirty="0"/>
+          </a:p>
+        </p:txBody>
+      </p:sp>
+      <p:sp>
+        <p:nvSpPr>
+          <p:cNvPr id="3" name="직사각형 2">
+            <a:extLst>
+              <a:ext uri="{FF2B5EF4-FFF2-40B4-BE49-F238E27FC236}">
+                <a16:creationId xmlns:a16="http://schemas.microsoft.com/office/drawing/2014/main" id="{BFC00491-B79B-AE43-98E4-C043C387038C}"/>
+              </a:ext>
+            </a:extLst>
+          </p:cNvPr>
+          <p:cNvSpPr/>
+          <p:nvPr/>
+        </p:nvSpPr>
+        <p:spPr>
+          <a:xfrm>
+            <a:off x="565078" y="2186244"/>
+            <a:ext cx="595035" cy="276999"/>
+          </a:xfrm>
+          <a:prstGeom prst="rect">
+            <a:avLst/>
+          </a:prstGeom>
+        </p:spPr>
+        <p:txBody>
+          <a:bodyPr wrap="none">
+            <a:spAutoFit/>
+          </a:bodyPr>
+          <a:lstStyle/>
+          <a:p>
+            <a:r>
+              <a:rPr kumimoji="1" lang="en-US" altLang="ko-KR" sz="1200" b="1" dirty="0">
+                <a:solidFill>
+                  <a:srgbClr val="5DA2C5"/>
+                </a:solidFill>
+                <a:latin typeface="SHeadG" panose="02030600000101010101" pitchFamily="18" charset="-127"/>
+                <a:ea typeface="SHeadG" panose="02030600000101010101" pitchFamily="18" charset="-127"/>
+              </a:rPr>
+              <a:t>Rides</a:t>
+            </a:r>
+            <a:endParaRPr lang="ko-Kore-KR" altLang="en-US" sz="1200" dirty="0"/>
+          </a:p>
+        </p:txBody>
+      </p:sp>
+      <p:sp>
+        <p:nvSpPr>
+          <p:cNvPr id="97" name="직사각형 96">
+            <a:extLst>
+              <a:ext uri="{FF2B5EF4-FFF2-40B4-BE49-F238E27FC236}">
+                <a16:creationId xmlns:a16="http://schemas.microsoft.com/office/drawing/2014/main" id="{5E1A2034-B460-CF4D-BC23-5B45505A2BC8}"/>
+              </a:ext>
+            </a:extLst>
+          </p:cNvPr>
+          <p:cNvSpPr/>
+          <p:nvPr/>
+        </p:nvSpPr>
+        <p:spPr>
+          <a:xfrm>
+            <a:off x="3966709" y="2186243"/>
+            <a:ext cx="721672" cy="276999"/>
+          </a:xfrm>
+          <a:prstGeom prst="rect">
+            <a:avLst/>
+          </a:prstGeom>
+        </p:spPr>
+        <p:txBody>
+          <a:bodyPr wrap="none">
+            <a:spAutoFit/>
+          </a:bodyPr>
+          <a:lstStyle/>
+          <a:p>
+            <a:r>
+              <a:rPr kumimoji="1" lang="en-US" altLang="ko-KR" sz="1200" b="1" dirty="0">
+                <a:solidFill>
+                  <a:srgbClr val="5DA2C5"/>
+                </a:solidFill>
+                <a:latin typeface="SHeadG" panose="02030600000101010101" pitchFamily="18" charset="-127"/>
+                <a:ea typeface="SHeadG" panose="02030600000101010101" pitchFamily="18" charset="-127"/>
+              </a:rPr>
+              <a:t>Kittens</a:t>
+            </a:r>
+            <a:endParaRPr lang="ko-Kore-KR" altLang="en-US" sz="1200" dirty="0"/>
+          </a:p>
+        </p:txBody>
+      </p:sp>
+      <p:cxnSp>
+        <p:nvCxnSpPr>
+          <p:cNvPr id="98" name="직선 화살표 연결선 97">
+            <a:extLst>
+              <a:ext uri="{FF2B5EF4-FFF2-40B4-BE49-F238E27FC236}">
+                <a16:creationId xmlns:a16="http://schemas.microsoft.com/office/drawing/2014/main" id="{0F408C48-956F-A54F-82E8-0D9E35C9D650}"/>
+              </a:ext>
+            </a:extLst>
+          </p:cNvPr>
+          <p:cNvCxnSpPr>
+            <a:cxnSpLocks/>
+            <a:stCxn id="80" idx="0"/>
+          </p:cNvCxnSpPr>
+          <p:nvPr/>
+        </p:nvCxnSpPr>
+        <p:spPr>
+          <a:xfrm flipV="1">
+            <a:off x="1653294" y="1845709"/>
+            <a:ext cx="651436" cy="645876"/>
+          </a:xfrm>
+          <a:prstGeom prst="straightConnector1">
+            <a:avLst/>
+          </a:prstGeom>
+          <a:ln w="25400">
+            <a:solidFill>
+              <a:srgbClr val="5DA2C5"/>
+            </a:solidFill>
+            <a:tailEnd type="stealth" w="lg" len="lg"/>
+          </a:ln>
+        </p:spPr>
+        <p:style>
+          <a:lnRef idx="1">
+            <a:schemeClr val="accent1"/>
+          </a:lnRef>
+          <a:fillRef idx="0">
+            <a:schemeClr val="accent1"/>
+          </a:fillRef>
+          <a:effectRef idx="0">
+            <a:schemeClr val="accent1"/>
+          </a:effectRef>
+          <a:fontRef idx="minor">
+            <a:schemeClr val="tx1"/>
+          </a:fontRef>
+        </p:style>
+      </p:cxnSp>
+      <p:cxnSp>
+        <p:nvCxnSpPr>
+          <p:cNvPr id="99" name="직선 화살표 연결선 98">
+            <a:extLst>
+              <a:ext uri="{FF2B5EF4-FFF2-40B4-BE49-F238E27FC236}">
+                <a16:creationId xmlns:a16="http://schemas.microsoft.com/office/drawing/2014/main" id="{884F65AD-99E4-A44A-93F2-75C4F0DEB395}"/>
+              </a:ext>
+            </a:extLst>
+          </p:cNvPr>
+          <p:cNvCxnSpPr>
+            <a:cxnSpLocks/>
+            <a:stCxn id="91" idx="0"/>
+          </p:cNvCxnSpPr>
+          <p:nvPr/>
+        </p:nvCxnSpPr>
+        <p:spPr>
+          <a:xfrm flipH="1" flipV="1">
+            <a:off x="3067831" y="1845710"/>
+            <a:ext cx="651434" cy="651440"/>
+          </a:xfrm>
+          <a:prstGeom prst="straightConnector1">
+            <a:avLst/>
+          </a:prstGeom>
+          <a:ln w="25400">
+            <a:solidFill>
+              <a:srgbClr val="5DA2C5"/>
+            </a:solidFill>
+            <a:tailEnd type="stealth" w="lg" len="lg"/>
+          </a:ln>
+        </p:spPr>
+        <p:style>
+          <a:lnRef idx="1">
+            <a:schemeClr val="accent1"/>
+          </a:lnRef>
+          <a:fillRef idx="0">
+            <a:schemeClr val="accent1"/>
+          </a:fillRef>
+          <a:effectRef idx="0">
+            <a:schemeClr val="accent1"/>
+          </a:effectRef>
+          <a:fontRef idx="minor">
+            <a:schemeClr val="tx1"/>
+          </a:fontRef>
+        </p:style>
+      </p:cxnSp>
+    </p:spTree>
+    <p:extLst>
+      <p:ext uri="{BB962C8B-B14F-4D97-AF65-F5344CB8AC3E}">
+        <p14:creationId xmlns:p14="http://schemas.microsoft.com/office/powerpoint/2010/main" val="1473685870"/>
+      </p:ext>
+    </p:extLst>
+  </p:cSld>
+  <p:clrMapOvr>
+    <a:masterClrMapping/>
+  </p:clrMapOvr>
+</p:sld>
+</file>
+
 <file path=ppt/slides/slide2.xml><?xml version="1.0" encoding="utf-8"?>
 <p:sld xmlns:a="http://schemas.openxmlformats.org/drawingml/2006/main" xmlns:r="http://schemas.openxmlformats.org/officeDocument/2006/relationships" xmlns:p="http://schemas.openxmlformats.org/presentationml/2006/main">
   <p:cSld>

--- a/Clean Architecture/ref/프레젠테이션1.pptx
+++ b/Clean Architecture/ref/프레젠테이션1.pptx
@@ -33600,7 +33600,7 @@
                   <a:latin typeface="SHeadG" panose="02030600000101010101" pitchFamily="18" charset="-127"/>
                   <a:ea typeface="SHeadG" panose="02030600000101010101" pitchFamily="18" charset="-127"/>
                 </a:rPr>
-                <a:t>PayCalculator</a:t>
+                <a:t>HourReporter</a:t>
               </a:r>
               <a:endParaRPr kumimoji="1" lang="ko-Kore-KR" altLang="en-US" sz="1200" b="1" dirty="0">
                 <a:solidFill>
@@ -33712,7 +33712,7 @@
                   <a:latin typeface="SHeadG" panose="02030600000101010101" pitchFamily="18" charset="-127"/>
                   <a:ea typeface="SHeadG" panose="02030600000101010101" pitchFamily="18" charset="-127"/>
                 </a:rPr>
-                <a:t>calulatePay</a:t>
+                <a:t>reportHours</a:t>
               </a:r>
               <a:endParaRPr kumimoji="1" lang="ko-Kore-KR" altLang="en-US" sz="1200" dirty="0">
                 <a:solidFill>
@@ -33831,7 +33831,7 @@
                   <a:latin typeface="SHeadG" panose="02030600000101010101" pitchFamily="18" charset="-127"/>
                   <a:ea typeface="SHeadG" panose="02030600000101010101" pitchFamily="18" charset="-127"/>
                 </a:rPr>
-                <a:t>PayCalculator</a:t>
+                <a:t>EmployeeSaver</a:t>
               </a:r>
               <a:endParaRPr kumimoji="1" lang="ko-Kore-KR" altLang="en-US" sz="1200" b="1" dirty="0">
                 <a:solidFill>
@@ -33943,7 +33943,7 @@
                   <a:latin typeface="SHeadG" panose="02030600000101010101" pitchFamily="18" charset="-127"/>
                   <a:ea typeface="SHeadG" panose="02030600000101010101" pitchFamily="18" charset="-127"/>
                 </a:rPr>
-                <a:t>calulatePay</a:t>
+                <a:t>saveEmployee</a:t>
               </a:r>
               <a:endParaRPr kumimoji="1" lang="ko-Kore-KR" altLang="en-US" sz="1200" dirty="0">
                 <a:solidFill>
@@ -34569,7 +34569,7 @@
                   <a:latin typeface="SHeadG" panose="02030600000101010101" pitchFamily="18" charset="-127"/>
                   <a:ea typeface="SHeadG" panose="02030600000101010101" pitchFamily="18" charset="-127"/>
                 </a:rPr>
-                <a:t>PayCalculator</a:t>
+                <a:t>HourReporter</a:t>
               </a:r>
               <a:endParaRPr kumimoji="1" lang="ko-Kore-KR" altLang="en-US" sz="1200" b="1" dirty="0">
                 <a:solidFill>
@@ -34681,7 +34681,7 @@
                   <a:latin typeface="SHeadG" panose="02030600000101010101" pitchFamily="18" charset="-127"/>
                   <a:ea typeface="SHeadG" panose="02030600000101010101" pitchFamily="18" charset="-127"/>
                 </a:rPr>
-                <a:t>calulatePay</a:t>
+                <a:t>reportHours</a:t>
               </a:r>
               <a:endParaRPr kumimoji="1" lang="ko-Kore-KR" altLang="en-US" sz="1200" dirty="0">
                 <a:solidFill>
@@ -34800,7 +34800,7 @@
                   <a:latin typeface="SHeadG" panose="02030600000101010101" pitchFamily="18" charset="-127"/>
                   <a:ea typeface="SHeadG" panose="02030600000101010101" pitchFamily="18" charset="-127"/>
                 </a:rPr>
-                <a:t>PayCalculator</a:t>
+                <a:t>EmployeeSaver</a:t>
               </a:r>
               <a:endParaRPr kumimoji="1" lang="ko-Kore-KR" altLang="en-US" sz="1200" b="1" dirty="0">
                 <a:solidFill>
@@ -34905,14 +34905,14 @@
                 <a:t>+ </a:t>
               </a:r>
               <a:r>
-                <a:rPr kumimoji="1" lang="en-US" altLang="ko-Kore-KR" sz="1200" dirty="0" err="1">
+                <a:rPr kumimoji="1" lang="en-US" altLang="ko-Kore-KR" sz="1200">
                   <a:solidFill>
                     <a:srgbClr val="5DA2C5"/>
                   </a:solidFill>
                   <a:latin typeface="SHeadG" panose="02030600000101010101" pitchFamily="18" charset="-127"/>
                   <a:ea typeface="SHeadG" panose="02030600000101010101" pitchFamily="18" charset="-127"/>
                 </a:rPr>
-                <a:t>calulatePay</a:t>
+                <a:t>saveEmployee</a:t>
               </a:r>
               <a:endParaRPr kumimoji="1" lang="ko-Kore-KR" altLang="en-US" sz="1200" dirty="0">
                 <a:solidFill>

--- a/Clean Architecture/ref/프레젠테이션1.pptx
+++ b/Clean Architecture/ref/프레젠테이션1.pptx
@@ -34905,7 +34905,7 @@
                 <a:t>+ </a:t>
               </a:r>
               <a:r>
-                <a:rPr kumimoji="1" lang="en-US" altLang="ko-Kore-KR" sz="1200">
+                <a:rPr kumimoji="1" lang="en-US" altLang="ko-Kore-KR" sz="1200" dirty="0" err="1">
                   <a:solidFill>
                     <a:srgbClr val="5DA2C5"/>
                   </a:solidFill>

--- a/Clean Architecture/ref/프레젠테이션1.pptx
+++ b/Clean Architecture/ref/프레젠테이션1.pptx
@@ -12,15 +12,16 @@
     <p:sldId id="260" r:id="rId6"/>
     <p:sldId id="261" r:id="rId7"/>
     <p:sldId id="262" r:id="rId8"/>
-    <p:sldId id="263" r:id="rId9"/>
-    <p:sldId id="264" r:id="rId10"/>
-    <p:sldId id="265" r:id="rId11"/>
-    <p:sldId id="266" r:id="rId12"/>
-    <p:sldId id="267" r:id="rId13"/>
-    <p:sldId id="268" r:id="rId14"/>
-    <p:sldId id="269" r:id="rId15"/>
-    <p:sldId id="271" r:id="rId16"/>
-    <p:sldId id="272" r:id="rId17"/>
+    <p:sldId id="273" r:id="rId9"/>
+    <p:sldId id="263" r:id="rId10"/>
+    <p:sldId id="264" r:id="rId11"/>
+    <p:sldId id="265" r:id="rId12"/>
+    <p:sldId id="266" r:id="rId13"/>
+    <p:sldId id="267" r:id="rId14"/>
+    <p:sldId id="268" r:id="rId15"/>
+    <p:sldId id="269" r:id="rId16"/>
+    <p:sldId id="271" r:id="rId17"/>
+    <p:sldId id="272" r:id="rId18"/>
   </p:sldIdLst>
   <p:sldSz cx="12192000" cy="6858000"/>
   <p:notesSz cx="6858000" cy="9144000"/>
@@ -258,7 +259,7 @@
           <a:p>
             <a:fld id="{3083E1A9-A397-4745-BD5D-6E8E767939EE}" type="datetimeFigureOut">
               <a:rPr kumimoji="1" lang="ko-Kore-KR" altLang="en-US" smtClean="0"/>
-              <a:t>2022. 10. 2.</a:t>
+              <a:t>2022. 10. 5.</a:t>
             </a:fld>
             <a:endParaRPr kumimoji="1" lang="ko-Kore-KR" altLang="en-US"/>
           </a:p>
@@ -428,7 +429,7 @@
           <a:p>
             <a:fld id="{3083E1A9-A397-4745-BD5D-6E8E767939EE}" type="datetimeFigureOut">
               <a:rPr kumimoji="1" lang="ko-Kore-KR" altLang="en-US" smtClean="0"/>
-              <a:t>2022. 10. 2.</a:t>
+              <a:t>2022. 10. 5.</a:t>
             </a:fld>
             <a:endParaRPr kumimoji="1" lang="ko-Kore-KR" altLang="en-US"/>
           </a:p>
@@ -608,7 +609,7 @@
           <a:p>
             <a:fld id="{3083E1A9-A397-4745-BD5D-6E8E767939EE}" type="datetimeFigureOut">
               <a:rPr kumimoji="1" lang="ko-Kore-KR" altLang="en-US" smtClean="0"/>
-              <a:t>2022. 10. 2.</a:t>
+              <a:t>2022. 10. 5.</a:t>
             </a:fld>
             <a:endParaRPr kumimoji="1" lang="ko-Kore-KR" altLang="en-US"/>
           </a:p>
@@ -778,7 +779,7 @@
           <a:p>
             <a:fld id="{3083E1A9-A397-4745-BD5D-6E8E767939EE}" type="datetimeFigureOut">
               <a:rPr kumimoji="1" lang="ko-Kore-KR" altLang="en-US" smtClean="0"/>
-              <a:t>2022. 10. 2.</a:t>
+              <a:t>2022. 10. 5.</a:t>
             </a:fld>
             <a:endParaRPr kumimoji="1" lang="ko-Kore-KR" altLang="en-US"/>
           </a:p>
@@ -1024,7 +1025,7 @@
           <a:p>
             <a:fld id="{3083E1A9-A397-4745-BD5D-6E8E767939EE}" type="datetimeFigureOut">
               <a:rPr kumimoji="1" lang="ko-Kore-KR" altLang="en-US" smtClean="0"/>
-              <a:t>2022. 10. 2.</a:t>
+              <a:t>2022. 10. 5.</a:t>
             </a:fld>
             <a:endParaRPr kumimoji="1" lang="ko-Kore-KR" altLang="en-US"/>
           </a:p>
@@ -1256,7 +1257,7 @@
           <a:p>
             <a:fld id="{3083E1A9-A397-4745-BD5D-6E8E767939EE}" type="datetimeFigureOut">
               <a:rPr kumimoji="1" lang="ko-Kore-KR" altLang="en-US" smtClean="0"/>
-              <a:t>2022. 10. 2.</a:t>
+              <a:t>2022. 10. 5.</a:t>
             </a:fld>
             <a:endParaRPr kumimoji="1" lang="ko-Kore-KR" altLang="en-US"/>
           </a:p>
@@ -1623,7 +1624,7 @@
           <a:p>
             <a:fld id="{3083E1A9-A397-4745-BD5D-6E8E767939EE}" type="datetimeFigureOut">
               <a:rPr kumimoji="1" lang="ko-Kore-KR" altLang="en-US" smtClean="0"/>
-              <a:t>2022. 10. 2.</a:t>
+              <a:t>2022. 10. 5.</a:t>
             </a:fld>
             <a:endParaRPr kumimoji="1" lang="ko-Kore-KR" altLang="en-US"/>
           </a:p>
@@ -1741,7 +1742,7 @@
           <a:p>
             <a:fld id="{3083E1A9-A397-4745-BD5D-6E8E767939EE}" type="datetimeFigureOut">
               <a:rPr kumimoji="1" lang="ko-Kore-KR" altLang="en-US" smtClean="0"/>
-              <a:t>2022. 10. 2.</a:t>
+              <a:t>2022. 10. 5.</a:t>
             </a:fld>
             <a:endParaRPr kumimoji="1" lang="ko-Kore-KR" altLang="en-US"/>
           </a:p>
@@ -1836,7 +1837,7 @@
           <a:p>
             <a:fld id="{3083E1A9-A397-4745-BD5D-6E8E767939EE}" type="datetimeFigureOut">
               <a:rPr kumimoji="1" lang="ko-Kore-KR" altLang="en-US" smtClean="0"/>
-              <a:t>2022. 10. 2.</a:t>
+              <a:t>2022. 10. 5.</a:t>
             </a:fld>
             <a:endParaRPr kumimoji="1" lang="ko-Kore-KR" altLang="en-US"/>
           </a:p>
@@ -2113,7 +2114,7 @@
           <a:p>
             <a:fld id="{3083E1A9-A397-4745-BD5D-6E8E767939EE}" type="datetimeFigureOut">
               <a:rPr kumimoji="1" lang="ko-Kore-KR" altLang="en-US" smtClean="0"/>
-              <a:t>2022. 10. 2.</a:t>
+              <a:t>2022. 10. 5.</a:t>
             </a:fld>
             <a:endParaRPr kumimoji="1" lang="ko-Kore-KR" altLang="en-US"/>
           </a:p>
@@ -2370,7 +2371,7 @@
           <a:p>
             <a:fld id="{3083E1A9-A397-4745-BD5D-6E8E767939EE}" type="datetimeFigureOut">
               <a:rPr kumimoji="1" lang="ko-Kore-KR" altLang="en-US" smtClean="0"/>
-              <a:t>2022. 10. 2.</a:t>
+              <a:t>2022. 10. 5.</a:t>
             </a:fld>
             <a:endParaRPr kumimoji="1" lang="ko-Kore-KR" altLang="en-US"/>
           </a:p>
@@ -2583,7 +2584,7 @@
           <a:p>
             <a:fld id="{3083E1A9-A397-4745-BD5D-6E8E767939EE}" type="datetimeFigureOut">
               <a:rPr kumimoji="1" lang="ko-Kore-KR" altLang="en-US" smtClean="0"/>
-              <a:t>2022. 10. 2.</a:t>
+              <a:t>2022. 10. 5.</a:t>
             </a:fld>
             <a:endParaRPr kumimoji="1" lang="ko-Kore-KR" altLang="en-US"/>
           </a:p>
@@ -12861,6 +12862,1593 @@
           <a:chExt cx="0" cy="0"/>
         </a:xfrm>
       </p:grpSpPr>
+      <p:grpSp>
+        <p:nvGrpSpPr>
+          <p:cNvPr id="2" name="그룹 1">
+            <a:extLst>
+              <a:ext uri="{FF2B5EF4-FFF2-40B4-BE49-F238E27FC236}">
+                <a16:creationId xmlns:a16="http://schemas.microsoft.com/office/drawing/2014/main" id="{2A8C86BE-CDE3-4047-84BA-43672BF1957F}"/>
+              </a:ext>
+            </a:extLst>
+          </p:cNvPr>
+          <p:cNvGrpSpPr/>
+          <p:nvPr/>
+        </p:nvGrpSpPr>
+        <p:grpSpPr>
+          <a:xfrm>
+            <a:off x="716387" y="605801"/>
+            <a:ext cx="2669759" cy="2570305"/>
+            <a:chOff x="716387" y="605801"/>
+            <a:chExt cx="2669759" cy="2570305"/>
+          </a:xfrm>
+        </p:grpSpPr>
+        <p:sp>
+          <p:nvSpPr>
+            <p:cNvPr id="85" name="타원 84">
+              <a:extLst>
+                <a:ext uri="{FF2B5EF4-FFF2-40B4-BE49-F238E27FC236}">
+                  <a16:creationId xmlns:a16="http://schemas.microsoft.com/office/drawing/2014/main" id="{8C91C235-4F74-FF4E-B208-CBD64908DDEC}"/>
+                </a:ext>
+              </a:extLst>
+            </p:cNvPr>
+            <p:cNvSpPr/>
+            <p:nvPr/>
+          </p:nvSpPr>
+          <p:spPr>
+            <a:xfrm>
+              <a:off x="716387" y="605801"/>
+              <a:ext cx="2669759" cy="2570305"/>
+            </a:xfrm>
+            <a:prstGeom prst="ellipse">
+              <a:avLst/>
+            </a:prstGeom>
+            <a:noFill/>
+            <a:ln w="25400">
+              <a:solidFill>
+                <a:srgbClr val="5DA2C5"/>
+              </a:solidFill>
+            </a:ln>
+          </p:spPr>
+          <p:style>
+            <a:lnRef idx="2">
+              <a:schemeClr val="accent1">
+                <a:shade val="50000"/>
+              </a:schemeClr>
+            </a:lnRef>
+            <a:fillRef idx="1">
+              <a:schemeClr val="accent1"/>
+            </a:fillRef>
+            <a:effectRef idx="0">
+              <a:schemeClr val="accent1"/>
+            </a:effectRef>
+            <a:fontRef idx="minor">
+              <a:schemeClr val="lt1"/>
+            </a:fontRef>
+          </p:style>
+          <p:txBody>
+            <a:bodyPr rtlCol="0" anchor="ctr"/>
+            <a:lstStyle/>
+            <a:p>
+              <a:pPr algn="ctr"/>
+              <a:endParaRPr kumimoji="1" lang="ko-Kore-KR" altLang="en-US" dirty="0"/>
+            </a:p>
+          </p:txBody>
+        </p:sp>
+        <p:sp>
+          <p:nvSpPr>
+            <p:cNvPr id="87" name="TextBox 86">
+              <a:extLst>
+                <a:ext uri="{FF2B5EF4-FFF2-40B4-BE49-F238E27FC236}">
+                  <a16:creationId xmlns:a16="http://schemas.microsoft.com/office/drawing/2014/main" id="{BEEF7569-022A-2D4F-B929-BEEA8FD1570F}"/>
+                </a:ext>
+              </a:extLst>
+            </p:cNvPr>
+            <p:cNvSpPr txBox="1"/>
+            <p:nvPr/>
+          </p:nvSpPr>
+          <p:spPr>
+            <a:xfrm>
+              <a:off x="1430240" y="688873"/>
+              <a:ext cx="1242052" cy="276999"/>
+            </a:xfrm>
+            <a:prstGeom prst="rect">
+              <a:avLst/>
+            </a:prstGeom>
+            <a:noFill/>
+          </p:spPr>
+          <p:txBody>
+            <a:bodyPr wrap="square" rtlCol="0">
+              <a:spAutoFit/>
+            </a:bodyPr>
+            <a:lstStyle/>
+            <a:p>
+              <a:pPr algn="ctr"/>
+              <a:r>
+                <a:rPr kumimoji="1" lang="ko-KR" altLang="en-US" sz="1200" b="1" dirty="0">
+                  <a:solidFill>
+                    <a:srgbClr val="5DA2C5"/>
+                  </a:solidFill>
+                  <a:latin typeface="SHeadG" panose="02030600000101010101" pitchFamily="18" charset="-127"/>
+                  <a:ea typeface="SHeadG" panose="02030600000101010101" pitchFamily="18" charset="-127"/>
+                </a:rPr>
+                <a:t>인프라</a:t>
+              </a:r>
+              <a:endParaRPr kumimoji="1" lang="ko-Kore-KR" altLang="en-US" sz="1200" b="1" dirty="0">
+                <a:solidFill>
+                  <a:srgbClr val="5DA2C5"/>
+                </a:solidFill>
+                <a:latin typeface="SHeadG" panose="02030600000101010101" pitchFamily="18" charset="-127"/>
+                <a:ea typeface="SHeadG" panose="02030600000101010101" pitchFamily="18" charset="-127"/>
+              </a:endParaRPr>
+            </a:p>
+          </p:txBody>
+        </p:sp>
+        <p:sp>
+          <p:nvSpPr>
+            <p:cNvPr id="89" name="타원 88">
+              <a:extLst>
+                <a:ext uri="{FF2B5EF4-FFF2-40B4-BE49-F238E27FC236}">
+                  <a16:creationId xmlns:a16="http://schemas.microsoft.com/office/drawing/2014/main" id="{4792860A-F287-D443-842F-8D5A53E9838E}"/>
+                </a:ext>
+              </a:extLst>
+            </p:cNvPr>
+            <p:cNvSpPr/>
+            <p:nvPr/>
+          </p:nvSpPr>
+          <p:spPr>
+            <a:xfrm>
+              <a:off x="1180681" y="1048943"/>
+              <a:ext cx="1741170" cy="1684019"/>
+            </a:xfrm>
+            <a:prstGeom prst="ellipse">
+              <a:avLst/>
+            </a:prstGeom>
+            <a:noFill/>
+            <a:ln w="25400">
+              <a:solidFill>
+                <a:srgbClr val="5DA2C5"/>
+              </a:solidFill>
+            </a:ln>
+          </p:spPr>
+          <p:style>
+            <a:lnRef idx="2">
+              <a:schemeClr val="accent1">
+                <a:shade val="50000"/>
+              </a:schemeClr>
+            </a:lnRef>
+            <a:fillRef idx="1">
+              <a:schemeClr val="accent1"/>
+            </a:fillRef>
+            <a:effectRef idx="0">
+              <a:schemeClr val="accent1"/>
+            </a:effectRef>
+            <a:fontRef idx="minor">
+              <a:schemeClr val="lt1"/>
+            </a:fontRef>
+          </p:style>
+          <p:txBody>
+            <a:bodyPr rtlCol="0" anchor="ctr"/>
+            <a:lstStyle/>
+            <a:p>
+              <a:pPr algn="ctr"/>
+              <a:endParaRPr kumimoji="1" lang="ko-Kore-KR" altLang="en-US" dirty="0"/>
+            </a:p>
+          </p:txBody>
+        </p:sp>
+        <p:sp>
+          <p:nvSpPr>
+            <p:cNvPr id="90" name="TextBox 89">
+              <a:extLst>
+                <a:ext uri="{FF2B5EF4-FFF2-40B4-BE49-F238E27FC236}">
+                  <a16:creationId xmlns:a16="http://schemas.microsoft.com/office/drawing/2014/main" id="{5836683E-A833-4E4A-BD39-979A12954ABC}"/>
+                </a:ext>
+              </a:extLst>
+            </p:cNvPr>
+            <p:cNvSpPr txBox="1"/>
+            <p:nvPr/>
+          </p:nvSpPr>
+          <p:spPr>
+            <a:xfrm>
+              <a:off x="1430240" y="1752452"/>
+              <a:ext cx="1242052" cy="276999"/>
+            </a:xfrm>
+            <a:prstGeom prst="rect">
+              <a:avLst/>
+            </a:prstGeom>
+            <a:noFill/>
+          </p:spPr>
+          <p:txBody>
+            <a:bodyPr wrap="square" rtlCol="0">
+              <a:spAutoFit/>
+            </a:bodyPr>
+            <a:lstStyle/>
+            <a:p>
+              <a:pPr algn="ctr"/>
+              <a:r>
+                <a:rPr kumimoji="1" lang="ko-KR" altLang="en-US" sz="1200" b="1" dirty="0">
+                  <a:solidFill>
+                    <a:srgbClr val="5DA2C5"/>
+                  </a:solidFill>
+                  <a:latin typeface="SHeadG" panose="02030600000101010101" pitchFamily="18" charset="-127"/>
+                  <a:ea typeface="SHeadG" panose="02030600000101010101" pitchFamily="18" charset="-127"/>
+                </a:rPr>
+                <a:t>도메인</a:t>
+              </a:r>
+              <a:endParaRPr kumimoji="1" lang="ko-Kore-KR" altLang="en-US" sz="1200" b="1" dirty="0">
+                <a:solidFill>
+                  <a:srgbClr val="5DA2C5"/>
+                </a:solidFill>
+                <a:latin typeface="SHeadG" panose="02030600000101010101" pitchFamily="18" charset="-127"/>
+                <a:ea typeface="SHeadG" panose="02030600000101010101" pitchFamily="18" charset="-127"/>
+              </a:endParaRPr>
+            </a:p>
+          </p:txBody>
+        </p:sp>
+      </p:grpSp>
+      <p:sp>
+        <p:nvSpPr>
+          <p:cNvPr id="92" name="직사각형 91">
+            <a:extLst>
+              <a:ext uri="{FF2B5EF4-FFF2-40B4-BE49-F238E27FC236}">
+                <a16:creationId xmlns:a16="http://schemas.microsoft.com/office/drawing/2014/main" id="{CA81E700-4F80-844E-B70B-69EAFB913D9D}"/>
+              </a:ext>
+            </a:extLst>
+          </p:cNvPr>
+          <p:cNvSpPr/>
+          <p:nvPr/>
+        </p:nvSpPr>
+        <p:spPr>
+          <a:xfrm>
+            <a:off x="4384785" y="347286"/>
+            <a:ext cx="2614495" cy="1230053"/>
+          </a:xfrm>
+          <a:prstGeom prst="rect">
+            <a:avLst/>
+          </a:prstGeom>
+          <a:ln w="25400">
+            <a:solidFill>
+              <a:srgbClr val="5DA2C5"/>
+            </a:solidFill>
+          </a:ln>
+        </p:spPr>
+        <p:style>
+          <a:lnRef idx="1">
+            <a:schemeClr val="accent1"/>
+          </a:lnRef>
+          <a:fillRef idx="0">
+            <a:schemeClr val="accent1"/>
+          </a:fillRef>
+          <a:effectRef idx="0">
+            <a:schemeClr val="accent1"/>
+          </a:effectRef>
+          <a:fontRef idx="minor">
+            <a:schemeClr val="tx1"/>
+          </a:fontRef>
+        </p:style>
+        <p:txBody>
+          <a:bodyPr rtlCol="0" anchor="ctr"/>
+          <a:lstStyle/>
+          <a:p>
+            <a:pPr algn="ctr"/>
+            <a:endParaRPr kumimoji="1" lang="ko-Kore-KR" altLang="en-US"/>
+          </a:p>
+        </p:txBody>
+      </p:sp>
+      <p:grpSp>
+        <p:nvGrpSpPr>
+          <p:cNvPr id="93" name="그룹 92">
+            <a:extLst>
+              <a:ext uri="{FF2B5EF4-FFF2-40B4-BE49-F238E27FC236}">
+                <a16:creationId xmlns:a16="http://schemas.microsoft.com/office/drawing/2014/main" id="{C478C445-D099-2A4E-90B3-C05B6830F856}"/>
+              </a:ext>
+            </a:extLst>
+          </p:cNvPr>
+          <p:cNvGrpSpPr/>
+          <p:nvPr/>
+        </p:nvGrpSpPr>
+        <p:grpSpPr>
+          <a:xfrm>
+            <a:off x="4602498" y="467830"/>
+            <a:ext cx="2179067" cy="468000"/>
+            <a:chOff x="2175218" y="1251857"/>
+            <a:chExt cx="2179067" cy="468000"/>
+          </a:xfrm>
+        </p:grpSpPr>
+        <p:sp>
+          <p:nvSpPr>
+            <p:cNvPr id="96" name="직사각형 95">
+              <a:extLst>
+                <a:ext uri="{FF2B5EF4-FFF2-40B4-BE49-F238E27FC236}">
+                  <a16:creationId xmlns:a16="http://schemas.microsoft.com/office/drawing/2014/main" id="{94B344A3-CD6A-724B-8C16-00C5EF3ED295}"/>
+                </a:ext>
+              </a:extLst>
+            </p:cNvPr>
+            <p:cNvSpPr/>
+            <p:nvPr/>
+          </p:nvSpPr>
+          <p:spPr>
+            <a:xfrm>
+              <a:off x="2175218" y="1251857"/>
+              <a:ext cx="2179067" cy="468000"/>
+            </a:xfrm>
+            <a:prstGeom prst="rect">
+              <a:avLst/>
+            </a:prstGeom>
+            <a:ln w="19050">
+              <a:solidFill>
+                <a:srgbClr val="5DA2C5"/>
+              </a:solidFill>
+            </a:ln>
+          </p:spPr>
+          <p:style>
+            <a:lnRef idx="1">
+              <a:schemeClr val="accent1"/>
+            </a:lnRef>
+            <a:fillRef idx="0">
+              <a:schemeClr val="accent1"/>
+            </a:fillRef>
+            <a:effectRef idx="0">
+              <a:schemeClr val="accent1"/>
+            </a:effectRef>
+            <a:fontRef idx="minor">
+              <a:schemeClr val="tx1"/>
+            </a:fontRef>
+          </p:style>
+          <p:txBody>
+            <a:bodyPr rtlCol="0" anchor="ctr"/>
+            <a:lstStyle/>
+            <a:p>
+              <a:pPr algn="ctr"/>
+              <a:endParaRPr kumimoji="1" lang="ko-Kore-KR" altLang="en-US" dirty="0"/>
+            </a:p>
+          </p:txBody>
+        </p:sp>
+        <p:sp>
+          <p:nvSpPr>
+            <p:cNvPr id="97" name="TextBox 96">
+              <a:extLst>
+                <a:ext uri="{FF2B5EF4-FFF2-40B4-BE49-F238E27FC236}">
+                  <a16:creationId xmlns:a16="http://schemas.microsoft.com/office/drawing/2014/main" id="{D9C05F9B-F782-B644-A9A2-FF78DA7B0416}"/>
+                </a:ext>
+              </a:extLst>
+            </p:cNvPr>
+            <p:cNvSpPr txBox="1"/>
+            <p:nvPr/>
+          </p:nvSpPr>
+          <p:spPr>
+            <a:xfrm>
+              <a:off x="2324416" y="1345621"/>
+              <a:ext cx="1880670" cy="276999"/>
+            </a:xfrm>
+            <a:prstGeom prst="rect">
+              <a:avLst/>
+            </a:prstGeom>
+            <a:noFill/>
+          </p:spPr>
+          <p:txBody>
+            <a:bodyPr wrap="square" rtlCol="0">
+              <a:spAutoFit/>
+            </a:bodyPr>
+            <a:lstStyle/>
+            <a:p>
+              <a:pPr algn="ctr"/>
+              <a:r>
+                <a:rPr kumimoji="1" lang="en-US" altLang="ko-Kore-KR" sz="1200" b="1" dirty="0" err="1">
+                  <a:solidFill>
+                    <a:srgbClr val="5DA2C5"/>
+                  </a:solidFill>
+                  <a:latin typeface="SHeadG" panose="02030600000101010101" pitchFamily="18" charset="-127"/>
+                  <a:ea typeface="SHeadG" panose="02030600000101010101" pitchFamily="18" charset="-127"/>
+                </a:rPr>
+                <a:t>OrdersController</a:t>
+              </a:r>
+              <a:endParaRPr kumimoji="1" lang="ko-Kore-KR" altLang="en-US" sz="1200" b="1" dirty="0">
+                <a:solidFill>
+                  <a:srgbClr val="5DA2C5"/>
+                </a:solidFill>
+                <a:latin typeface="SHeadG" panose="02030600000101010101" pitchFamily="18" charset="-127"/>
+                <a:ea typeface="SHeadG" panose="02030600000101010101" pitchFamily="18" charset="-127"/>
+              </a:endParaRPr>
+            </a:p>
+          </p:txBody>
+        </p:sp>
+      </p:grpSp>
+      <p:sp>
+        <p:nvSpPr>
+          <p:cNvPr id="98" name="TextBox 97">
+            <a:extLst>
+              <a:ext uri="{FF2B5EF4-FFF2-40B4-BE49-F238E27FC236}">
+                <a16:creationId xmlns:a16="http://schemas.microsoft.com/office/drawing/2014/main" id="{4C08417E-975F-D741-BBAA-13B111C1179E}"/>
+              </a:ext>
+            </a:extLst>
+          </p:cNvPr>
+          <p:cNvSpPr txBox="1"/>
+          <p:nvPr/>
+        </p:nvSpPr>
+        <p:spPr>
+          <a:xfrm>
+            <a:off x="4453299" y="1244357"/>
+            <a:ext cx="2455085" cy="246221"/>
+          </a:xfrm>
+          <a:prstGeom prst="rect">
+            <a:avLst/>
+          </a:prstGeom>
+          <a:noFill/>
+        </p:spPr>
+        <p:txBody>
+          <a:bodyPr wrap="square" rtlCol="0">
+            <a:spAutoFit/>
+          </a:bodyPr>
+          <a:lstStyle/>
+          <a:p>
+            <a:pPr algn="ctr"/>
+            <a:r>
+              <a:rPr kumimoji="1" lang="en-US" altLang="ko-Kore-KR" sz="1000" b="1" dirty="0" err="1">
+                <a:solidFill>
+                  <a:srgbClr val="5DA2C5"/>
+                </a:solidFill>
+                <a:latin typeface="SHeadG" panose="02030600000101010101" pitchFamily="18" charset="-127"/>
+                <a:ea typeface="SHeadG" panose="02030600000101010101" pitchFamily="18" charset="-127"/>
+              </a:rPr>
+              <a:t>com.mycompany.myapp.web</a:t>
+            </a:r>
+            <a:endParaRPr kumimoji="1" lang="ko-Kore-KR" altLang="en-US" sz="1000" b="1" dirty="0">
+              <a:solidFill>
+                <a:srgbClr val="5DA2C5"/>
+              </a:solidFill>
+              <a:latin typeface="SHeadG" panose="02030600000101010101" pitchFamily="18" charset="-127"/>
+              <a:ea typeface="SHeadG" panose="02030600000101010101" pitchFamily="18" charset="-127"/>
+            </a:endParaRPr>
+          </a:p>
+        </p:txBody>
+      </p:sp>
+      <p:sp>
+        <p:nvSpPr>
+          <p:cNvPr id="99" name="직사각형 98">
+            <a:extLst>
+              <a:ext uri="{FF2B5EF4-FFF2-40B4-BE49-F238E27FC236}">
+                <a16:creationId xmlns:a16="http://schemas.microsoft.com/office/drawing/2014/main" id="{57BD7E54-C467-C141-9CC2-DBDCC3EA6783}"/>
+              </a:ext>
+            </a:extLst>
+          </p:cNvPr>
+          <p:cNvSpPr/>
+          <p:nvPr/>
+        </p:nvSpPr>
+        <p:spPr>
+          <a:xfrm>
+            <a:off x="4384785" y="101065"/>
+            <a:ext cx="1300589" cy="246221"/>
+          </a:xfrm>
+          <a:prstGeom prst="rect">
+            <a:avLst/>
+          </a:prstGeom>
+          <a:ln w="25400">
+            <a:solidFill>
+              <a:srgbClr val="5DA2C5"/>
+            </a:solidFill>
+          </a:ln>
+        </p:spPr>
+        <p:style>
+          <a:lnRef idx="1">
+            <a:schemeClr val="accent1"/>
+          </a:lnRef>
+          <a:fillRef idx="0">
+            <a:schemeClr val="accent1"/>
+          </a:fillRef>
+          <a:effectRef idx="0">
+            <a:schemeClr val="accent1"/>
+          </a:effectRef>
+          <a:fontRef idx="minor">
+            <a:schemeClr val="tx1"/>
+          </a:fontRef>
+        </p:style>
+        <p:txBody>
+          <a:bodyPr rtlCol="0" anchor="ctr"/>
+          <a:lstStyle/>
+          <a:p>
+            <a:pPr algn="ctr"/>
+            <a:endParaRPr kumimoji="1" lang="ko-Kore-KR" altLang="en-US"/>
+          </a:p>
+        </p:txBody>
+      </p:sp>
+      <p:sp>
+        <p:nvSpPr>
+          <p:cNvPr id="100" name="직사각형 99">
+            <a:extLst>
+              <a:ext uri="{FF2B5EF4-FFF2-40B4-BE49-F238E27FC236}">
+                <a16:creationId xmlns:a16="http://schemas.microsoft.com/office/drawing/2014/main" id="{FD13270D-7295-664F-BF5E-8C69B2BB3C91}"/>
+              </a:ext>
+            </a:extLst>
+          </p:cNvPr>
+          <p:cNvSpPr/>
+          <p:nvPr/>
+        </p:nvSpPr>
+        <p:spPr>
+          <a:xfrm>
+            <a:off x="4384784" y="2324470"/>
+            <a:ext cx="2614495" cy="2693300"/>
+          </a:xfrm>
+          <a:prstGeom prst="rect">
+            <a:avLst/>
+          </a:prstGeom>
+          <a:ln w="25400">
+            <a:solidFill>
+              <a:srgbClr val="5DA2C5"/>
+            </a:solidFill>
+          </a:ln>
+        </p:spPr>
+        <p:style>
+          <a:lnRef idx="1">
+            <a:schemeClr val="accent1"/>
+          </a:lnRef>
+          <a:fillRef idx="0">
+            <a:schemeClr val="accent1"/>
+          </a:fillRef>
+          <a:effectRef idx="0">
+            <a:schemeClr val="accent1"/>
+          </a:effectRef>
+          <a:fontRef idx="minor">
+            <a:schemeClr val="tx1"/>
+          </a:fontRef>
+        </p:style>
+        <p:txBody>
+          <a:bodyPr rtlCol="0" anchor="ctr"/>
+          <a:lstStyle/>
+          <a:p>
+            <a:pPr algn="ctr"/>
+            <a:endParaRPr kumimoji="1" lang="ko-Kore-KR" altLang="en-US"/>
+          </a:p>
+        </p:txBody>
+      </p:sp>
+      <p:sp>
+        <p:nvSpPr>
+          <p:cNvPr id="101" name="TextBox 100">
+            <a:extLst>
+              <a:ext uri="{FF2B5EF4-FFF2-40B4-BE49-F238E27FC236}">
+                <a16:creationId xmlns:a16="http://schemas.microsoft.com/office/drawing/2014/main" id="{23414575-2DF3-7147-BF82-5A00C8F5EFA1}"/>
+              </a:ext>
+            </a:extLst>
+          </p:cNvPr>
+          <p:cNvSpPr txBox="1"/>
+          <p:nvPr/>
+        </p:nvSpPr>
+        <p:spPr>
+          <a:xfrm>
+            <a:off x="4464488" y="4680329"/>
+            <a:ext cx="2455085" cy="246221"/>
+          </a:xfrm>
+          <a:prstGeom prst="rect">
+            <a:avLst/>
+          </a:prstGeom>
+          <a:noFill/>
+        </p:spPr>
+        <p:txBody>
+          <a:bodyPr wrap="square" rtlCol="0">
+            <a:spAutoFit/>
+          </a:bodyPr>
+          <a:lstStyle/>
+          <a:p>
+            <a:pPr algn="ctr"/>
+            <a:r>
+              <a:rPr kumimoji="1" lang="en-US" altLang="ko-Kore-KR" sz="1000" b="1" dirty="0" err="1">
+                <a:solidFill>
+                  <a:srgbClr val="5DA2C5"/>
+                </a:solidFill>
+                <a:latin typeface="SHeadG" panose="02030600000101010101" pitchFamily="18" charset="-127"/>
+                <a:ea typeface="SHeadG" panose="02030600000101010101" pitchFamily="18" charset="-127"/>
+              </a:rPr>
+              <a:t>com.mycompany.myapp.domain</a:t>
+            </a:r>
+            <a:endParaRPr kumimoji="1" lang="ko-Kore-KR" altLang="en-US" sz="1000" b="1" dirty="0">
+              <a:solidFill>
+                <a:srgbClr val="5DA2C5"/>
+              </a:solidFill>
+              <a:latin typeface="SHeadG" panose="02030600000101010101" pitchFamily="18" charset="-127"/>
+              <a:ea typeface="SHeadG" panose="02030600000101010101" pitchFamily="18" charset="-127"/>
+            </a:endParaRPr>
+          </a:p>
+        </p:txBody>
+      </p:sp>
+      <p:sp>
+        <p:nvSpPr>
+          <p:cNvPr id="102" name="직사각형 101">
+            <a:extLst>
+              <a:ext uri="{FF2B5EF4-FFF2-40B4-BE49-F238E27FC236}">
+                <a16:creationId xmlns:a16="http://schemas.microsoft.com/office/drawing/2014/main" id="{BD842966-C0A2-B240-AFAC-2EE6AA80B74E}"/>
+              </a:ext>
+            </a:extLst>
+          </p:cNvPr>
+          <p:cNvSpPr/>
+          <p:nvPr/>
+        </p:nvSpPr>
+        <p:spPr>
+          <a:xfrm>
+            <a:off x="4384784" y="2078250"/>
+            <a:ext cx="1426320" cy="246221"/>
+          </a:xfrm>
+          <a:prstGeom prst="rect">
+            <a:avLst/>
+          </a:prstGeom>
+          <a:ln w="25400">
+            <a:solidFill>
+              <a:srgbClr val="5DA2C5"/>
+            </a:solidFill>
+          </a:ln>
+        </p:spPr>
+        <p:style>
+          <a:lnRef idx="1">
+            <a:schemeClr val="accent1"/>
+          </a:lnRef>
+          <a:fillRef idx="0">
+            <a:schemeClr val="accent1"/>
+          </a:fillRef>
+          <a:effectRef idx="0">
+            <a:schemeClr val="accent1"/>
+          </a:effectRef>
+          <a:fontRef idx="minor">
+            <a:schemeClr val="tx1"/>
+          </a:fontRef>
+        </p:style>
+        <p:txBody>
+          <a:bodyPr rtlCol="0" anchor="ctr"/>
+          <a:lstStyle/>
+          <a:p>
+            <a:pPr algn="ctr"/>
+            <a:endParaRPr kumimoji="1" lang="ko-Kore-KR" altLang="en-US"/>
+          </a:p>
+        </p:txBody>
+      </p:sp>
+      <p:grpSp>
+        <p:nvGrpSpPr>
+          <p:cNvPr id="103" name="그룹 102">
+            <a:extLst>
+              <a:ext uri="{FF2B5EF4-FFF2-40B4-BE49-F238E27FC236}">
+                <a16:creationId xmlns:a16="http://schemas.microsoft.com/office/drawing/2014/main" id="{FAD3EA5A-33EF-4F4C-A254-025A54B974ED}"/>
+              </a:ext>
+            </a:extLst>
+          </p:cNvPr>
+          <p:cNvGrpSpPr/>
+          <p:nvPr/>
+        </p:nvGrpSpPr>
+        <p:grpSpPr>
+          <a:xfrm>
+            <a:off x="4591305" y="2504387"/>
+            <a:ext cx="2179067" cy="468000"/>
+            <a:chOff x="4453054" y="3151014"/>
+            <a:chExt cx="2179067" cy="468000"/>
+          </a:xfrm>
+        </p:grpSpPr>
+        <p:sp>
+          <p:nvSpPr>
+            <p:cNvPr id="104" name="직사각형 103">
+              <a:extLst>
+                <a:ext uri="{FF2B5EF4-FFF2-40B4-BE49-F238E27FC236}">
+                  <a16:creationId xmlns:a16="http://schemas.microsoft.com/office/drawing/2014/main" id="{E577FFB9-C6EA-CE42-AF21-9BD08ABE07EA}"/>
+                </a:ext>
+              </a:extLst>
+            </p:cNvPr>
+            <p:cNvSpPr/>
+            <p:nvPr/>
+          </p:nvSpPr>
+          <p:spPr>
+            <a:xfrm>
+              <a:off x="4453054" y="3151014"/>
+              <a:ext cx="2179067" cy="468000"/>
+            </a:xfrm>
+            <a:prstGeom prst="rect">
+              <a:avLst/>
+            </a:prstGeom>
+            <a:ln w="19050">
+              <a:solidFill>
+                <a:srgbClr val="5DA2C5"/>
+              </a:solidFill>
+            </a:ln>
+          </p:spPr>
+          <p:style>
+            <a:lnRef idx="1">
+              <a:schemeClr val="accent1"/>
+            </a:lnRef>
+            <a:fillRef idx="0">
+              <a:schemeClr val="accent1"/>
+            </a:fillRef>
+            <a:effectRef idx="0">
+              <a:schemeClr val="accent1"/>
+            </a:effectRef>
+            <a:fontRef idx="minor">
+              <a:schemeClr val="tx1"/>
+            </a:fontRef>
+          </p:style>
+          <p:txBody>
+            <a:bodyPr rtlCol="0" anchor="ctr"/>
+            <a:lstStyle/>
+            <a:p>
+              <a:pPr algn="ctr"/>
+              <a:endParaRPr kumimoji="1" lang="ko-Kore-KR" altLang="en-US" dirty="0"/>
+            </a:p>
+          </p:txBody>
+        </p:sp>
+        <p:sp>
+          <p:nvSpPr>
+            <p:cNvPr id="105" name="TextBox 104">
+              <a:extLst>
+                <a:ext uri="{FF2B5EF4-FFF2-40B4-BE49-F238E27FC236}">
+                  <a16:creationId xmlns:a16="http://schemas.microsoft.com/office/drawing/2014/main" id="{6E7BC20E-A42E-5A42-A599-8E142DAB9900}"/>
+                </a:ext>
+              </a:extLst>
+            </p:cNvPr>
+            <p:cNvSpPr txBox="1"/>
+            <p:nvPr/>
+          </p:nvSpPr>
+          <p:spPr>
+            <a:xfrm>
+              <a:off x="4602252" y="3169676"/>
+              <a:ext cx="1880670" cy="438582"/>
+            </a:xfrm>
+            <a:prstGeom prst="rect">
+              <a:avLst/>
+            </a:prstGeom>
+            <a:noFill/>
+          </p:spPr>
+          <p:txBody>
+            <a:bodyPr wrap="square" rtlCol="0">
+              <a:spAutoFit/>
+            </a:bodyPr>
+            <a:lstStyle/>
+            <a:p>
+              <a:pPr algn="ctr"/>
+              <a:r>
+                <a:rPr kumimoji="1" lang="en-US" altLang="ko-Kore-KR" sz="1000" b="1" dirty="0">
+                  <a:solidFill>
+                    <a:srgbClr val="5DA2C5"/>
+                  </a:solidFill>
+                  <a:latin typeface="SHeadG" panose="02030600000101010101" pitchFamily="18" charset="-127"/>
+                  <a:ea typeface="SHeadG" panose="02030600000101010101" pitchFamily="18" charset="-127"/>
+                </a:rPr>
+                <a:t>&lt;&lt;interface&gt;&gt;</a:t>
+              </a:r>
+            </a:p>
+            <a:p>
+              <a:pPr algn="ctr"/>
+              <a:r>
+                <a:rPr kumimoji="1" lang="en-US" altLang="ko-Kore-KR" sz="1200" b="1" dirty="0" err="1">
+                  <a:solidFill>
+                    <a:srgbClr val="5DA2C5"/>
+                  </a:solidFill>
+                  <a:latin typeface="SHeadG" panose="02030600000101010101" pitchFamily="18" charset="-127"/>
+                  <a:ea typeface="SHeadG" panose="02030600000101010101" pitchFamily="18" charset="-127"/>
+                </a:rPr>
+                <a:t>OrdersService</a:t>
+              </a:r>
+              <a:endParaRPr kumimoji="1" lang="ko-Kore-KR" altLang="en-US" sz="1200" b="1" dirty="0">
+                <a:solidFill>
+                  <a:srgbClr val="5DA2C5"/>
+                </a:solidFill>
+                <a:latin typeface="SHeadG" panose="02030600000101010101" pitchFamily="18" charset="-127"/>
+                <a:ea typeface="SHeadG" panose="02030600000101010101" pitchFamily="18" charset="-127"/>
+              </a:endParaRPr>
+            </a:p>
+          </p:txBody>
+        </p:sp>
+      </p:grpSp>
+      <p:grpSp>
+        <p:nvGrpSpPr>
+          <p:cNvPr id="106" name="그룹 105">
+            <a:extLst>
+              <a:ext uri="{FF2B5EF4-FFF2-40B4-BE49-F238E27FC236}">
+                <a16:creationId xmlns:a16="http://schemas.microsoft.com/office/drawing/2014/main" id="{740CBE11-D7B2-F24C-AD8A-BE5A69CD9525}"/>
+              </a:ext>
+            </a:extLst>
+          </p:cNvPr>
+          <p:cNvGrpSpPr/>
+          <p:nvPr/>
+        </p:nvGrpSpPr>
+        <p:grpSpPr>
+          <a:xfrm>
+            <a:off x="4591304" y="3242595"/>
+            <a:ext cx="2179067" cy="468000"/>
+            <a:chOff x="2175218" y="1251857"/>
+            <a:chExt cx="2179067" cy="468000"/>
+          </a:xfrm>
+        </p:grpSpPr>
+        <p:sp>
+          <p:nvSpPr>
+            <p:cNvPr id="107" name="직사각형 106">
+              <a:extLst>
+                <a:ext uri="{FF2B5EF4-FFF2-40B4-BE49-F238E27FC236}">
+                  <a16:creationId xmlns:a16="http://schemas.microsoft.com/office/drawing/2014/main" id="{7AAEFCD0-33FC-F647-ADCB-D018BC6E8D0F}"/>
+                </a:ext>
+              </a:extLst>
+            </p:cNvPr>
+            <p:cNvSpPr/>
+            <p:nvPr/>
+          </p:nvSpPr>
+          <p:spPr>
+            <a:xfrm>
+              <a:off x="2175218" y="1251857"/>
+              <a:ext cx="2179067" cy="468000"/>
+            </a:xfrm>
+            <a:prstGeom prst="rect">
+              <a:avLst/>
+            </a:prstGeom>
+            <a:ln w="19050">
+              <a:solidFill>
+                <a:srgbClr val="5DA2C5"/>
+              </a:solidFill>
+            </a:ln>
+          </p:spPr>
+          <p:style>
+            <a:lnRef idx="1">
+              <a:schemeClr val="accent1"/>
+            </a:lnRef>
+            <a:fillRef idx="0">
+              <a:schemeClr val="accent1"/>
+            </a:fillRef>
+            <a:effectRef idx="0">
+              <a:schemeClr val="accent1"/>
+            </a:effectRef>
+            <a:fontRef idx="minor">
+              <a:schemeClr val="tx1"/>
+            </a:fontRef>
+          </p:style>
+          <p:txBody>
+            <a:bodyPr rtlCol="0" anchor="ctr"/>
+            <a:lstStyle/>
+            <a:p>
+              <a:pPr algn="ctr"/>
+              <a:endParaRPr kumimoji="1" lang="ko-Kore-KR" altLang="en-US" dirty="0"/>
+            </a:p>
+          </p:txBody>
+        </p:sp>
+        <p:sp>
+          <p:nvSpPr>
+            <p:cNvPr id="108" name="TextBox 107">
+              <a:extLst>
+                <a:ext uri="{FF2B5EF4-FFF2-40B4-BE49-F238E27FC236}">
+                  <a16:creationId xmlns:a16="http://schemas.microsoft.com/office/drawing/2014/main" id="{5B1F961D-308C-0F4E-9FE6-5F25347ACE6A}"/>
+                </a:ext>
+              </a:extLst>
+            </p:cNvPr>
+            <p:cNvSpPr txBox="1"/>
+            <p:nvPr/>
+          </p:nvSpPr>
+          <p:spPr>
+            <a:xfrm>
+              <a:off x="2324416" y="1345621"/>
+              <a:ext cx="1880670" cy="276999"/>
+            </a:xfrm>
+            <a:prstGeom prst="rect">
+              <a:avLst/>
+            </a:prstGeom>
+            <a:noFill/>
+          </p:spPr>
+          <p:txBody>
+            <a:bodyPr wrap="square" rtlCol="0">
+              <a:spAutoFit/>
+            </a:bodyPr>
+            <a:lstStyle/>
+            <a:p>
+              <a:pPr algn="ctr"/>
+              <a:r>
+                <a:rPr kumimoji="1" lang="en-US" altLang="ko-Kore-KR" sz="1200" b="1" dirty="0" err="1">
+                  <a:solidFill>
+                    <a:srgbClr val="5DA2C5"/>
+                  </a:solidFill>
+                  <a:latin typeface="SHeadG" panose="02030600000101010101" pitchFamily="18" charset="-127"/>
+                  <a:ea typeface="SHeadG" panose="02030600000101010101" pitchFamily="18" charset="-127"/>
+                </a:rPr>
+                <a:t>OrdersServiceImpl</a:t>
+              </a:r>
+              <a:endParaRPr kumimoji="1" lang="ko-Kore-KR" altLang="en-US" sz="1200" b="1" dirty="0">
+                <a:solidFill>
+                  <a:srgbClr val="5DA2C5"/>
+                </a:solidFill>
+                <a:latin typeface="SHeadG" panose="02030600000101010101" pitchFamily="18" charset="-127"/>
+                <a:ea typeface="SHeadG" panose="02030600000101010101" pitchFamily="18" charset="-127"/>
+              </a:endParaRPr>
+            </a:p>
+          </p:txBody>
+        </p:sp>
+      </p:grpSp>
+      <p:sp>
+        <p:nvSpPr>
+          <p:cNvPr id="109" name="직사각형 108">
+            <a:extLst>
+              <a:ext uri="{FF2B5EF4-FFF2-40B4-BE49-F238E27FC236}">
+                <a16:creationId xmlns:a16="http://schemas.microsoft.com/office/drawing/2014/main" id="{3B566DB4-68E3-1D4B-8D55-CAF779006DF8}"/>
+              </a:ext>
+            </a:extLst>
+          </p:cNvPr>
+          <p:cNvSpPr/>
+          <p:nvPr/>
+        </p:nvSpPr>
+        <p:spPr>
+          <a:xfrm>
+            <a:off x="4384784" y="5613643"/>
+            <a:ext cx="2614495" cy="1074128"/>
+          </a:xfrm>
+          <a:prstGeom prst="rect">
+            <a:avLst/>
+          </a:prstGeom>
+          <a:ln w="25400">
+            <a:solidFill>
+              <a:srgbClr val="5DA2C5"/>
+            </a:solidFill>
+          </a:ln>
+        </p:spPr>
+        <p:style>
+          <a:lnRef idx="1">
+            <a:schemeClr val="accent1"/>
+          </a:lnRef>
+          <a:fillRef idx="0">
+            <a:schemeClr val="accent1"/>
+          </a:fillRef>
+          <a:effectRef idx="0">
+            <a:schemeClr val="accent1"/>
+          </a:effectRef>
+          <a:fontRef idx="minor">
+            <a:schemeClr val="tx1"/>
+          </a:fontRef>
+        </p:style>
+        <p:txBody>
+          <a:bodyPr rtlCol="0" anchor="ctr"/>
+          <a:lstStyle/>
+          <a:p>
+            <a:pPr algn="ctr"/>
+            <a:endParaRPr kumimoji="1" lang="ko-Kore-KR" altLang="en-US"/>
+          </a:p>
+        </p:txBody>
+      </p:sp>
+      <p:sp>
+        <p:nvSpPr>
+          <p:cNvPr id="110" name="TextBox 109">
+            <a:extLst>
+              <a:ext uri="{FF2B5EF4-FFF2-40B4-BE49-F238E27FC236}">
+                <a16:creationId xmlns:a16="http://schemas.microsoft.com/office/drawing/2014/main" id="{B50C0A97-C2E0-944F-8228-762647A20EBB}"/>
+              </a:ext>
+            </a:extLst>
+          </p:cNvPr>
+          <p:cNvSpPr txBox="1"/>
+          <p:nvPr/>
+        </p:nvSpPr>
+        <p:spPr>
+          <a:xfrm>
+            <a:off x="4453297" y="6308730"/>
+            <a:ext cx="2455085" cy="246221"/>
+          </a:xfrm>
+          <a:prstGeom prst="rect">
+            <a:avLst/>
+          </a:prstGeom>
+          <a:noFill/>
+        </p:spPr>
+        <p:txBody>
+          <a:bodyPr wrap="square" rtlCol="0">
+            <a:spAutoFit/>
+          </a:bodyPr>
+          <a:lstStyle/>
+          <a:p>
+            <a:pPr algn="ctr"/>
+            <a:r>
+              <a:rPr kumimoji="1" lang="en-US" altLang="ko-Kore-KR" sz="1000" b="1" dirty="0" err="1">
+                <a:solidFill>
+                  <a:srgbClr val="5DA2C5"/>
+                </a:solidFill>
+                <a:latin typeface="SHeadG" panose="02030600000101010101" pitchFamily="18" charset="-127"/>
+                <a:ea typeface="SHeadG" panose="02030600000101010101" pitchFamily="18" charset="-127"/>
+              </a:rPr>
+              <a:t>com.mycompany.myapp.data</a:t>
+            </a:r>
+            <a:endParaRPr kumimoji="1" lang="ko-Kore-KR" altLang="en-US" sz="1000" b="1" dirty="0">
+              <a:solidFill>
+                <a:srgbClr val="5DA2C5"/>
+              </a:solidFill>
+              <a:latin typeface="SHeadG" panose="02030600000101010101" pitchFamily="18" charset="-127"/>
+              <a:ea typeface="SHeadG" panose="02030600000101010101" pitchFamily="18" charset="-127"/>
+            </a:endParaRPr>
+          </a:p>
+        </p:txBody>
+      </p:sp>
+      <p:sp>
+        <p:nvSpPr>
+          <p:cNvPr id="111" name="직사각형 110">
+            <a:extLst>
+              <a:ext uri="{FF2B5EF4-FFF2-40B4-BE49-F238E27FC236}">
+                <a16:creationId xmlns:a16="http://schemas.microsoft.com/office/drawing/2014/main" id="{3530EBB6-AA08-B74C-A6EA-C5C67CC0C047}"/>
+              </a:ext>
+            </a:extLst>
+          </p:cNvPr>
+          <p:cNvSpPr/>
+          <p:nvPr/>
+        </p:nvSpPr>
+        <p:spPr>
+          <a:xfrm>
+            <a:off x="4384784" y="5361451"/>
+            <a:ext cx="1426320" cy="250968"/>
+          </a:xfrm>
+          <a:prstGeom prst="rect">
+            <a:avLst/>
+          </a:prstGeom>
+          <a:ln w="25400">
+            <a:solidFill>
+              <a:srgbClr val="5DA2C5"/>
+            </a:solidFill>
+          </a:ln>
+        </p:spPr>
+        <p:style>
+          <a:lnRef idx="1">
+            <a:schemeClr val="accent1"/>
+          </a:lnRef>
+          <a:fillRef idx="0">
+            <a:schemeClr val="accent1"/>
+          </a:fillRef>
+          <a:effectRef idx="0">
+            <a:schemeClr val="accent1"/>
+          </a:effectRef>
+          <a:fontRef idx="minor">
+            <a:schemeClr val="tx1"/>
+          </a:fontRef>
+        </p:style>
+        <p:txBody>
+          <a:bodyPr rtlCol="0" anchor="ctr"/>
+          <a:lstStyle/>
+          <a:p>
+            <a:pPr algn="ctr"/>
+            <a:endParaRPr kumimoji="1" lang="ko-Kore-KR" altLang="en-US"/>
+          </a:p>
+        </p:txBody>
+      </p:sp>
+      <p:grpSp>
+        <p:nvGrpSpPr>
+          <p:cNvPr id="112" name="그룹 111">
+            <a:extLst>
+              <a:ext uri="{FF2B5EF4-FFF2-40B4-BE49-F238E27FC236}">
+                <a16:creationId xmlns:a16="http://schemas.microsoft.com/office/drawing/2014/main" id="{61043B69-6110-1C4F-ACD4-0962055C9950}"/>
+              </a:ext>
+            </a:extLst>
+          </p:cNvPr>
+          <p:cNvGrpSpPr/>
+          <p:nvPr/>
+        </p:nvGrpSpPr>
+        <p:grpSpPr>
+          <a:xfrm>
+            <a:off x="4602498" y="4047594"/>
+            <a:ext cx="2179067" cy="468000"/>
+            <a:chOff x="4453054" y="3151014"/>
+            <a:chExt cx="2179067" cy="468000"/>
+          </a:xfrm>
+        </p:grpSpPr>
+        <p:sp>
+          <p:nvSpPr>
+            <p:cNvPr id="113" name="직사각형 112">
+              <a:extLst>
+                <a:ext uri="{FF2B5EF4-FFF2-40B4-BE49-F238E27FC236}">
+                  <a16:creationId xmlns:a16="http://schemas.microsoft.com/office/drawing/2014/main" id="{075214A7-71B0-AD41-801D-B968FD4573F5}"/>
+                </a:ext>
+              </a:extLst>
+            </p:cNvPr>
+            <p:cNvSpPr/>
+            <p:nvPr/>
+          </p:nvSpPr>
+          <p:spPr>
+            <a:xfrm>
+              <a:off x="4453054" y="3151014"/>
+              <a:ext cx="2179067" cy="468000"/>
+            </a:xfrm>
+            <a:prstGeom prst="rect">
+              <a:avLst/>
+            </a:prstGeom>
+            <a:ln w="19050">
+              <a:solidFill>
+                <a:srgbClr val="5DA2C5"/>
+              </a:solidFill>
+            </a:ln>
+          </p:spPr>
+          <p:style>
+            <a:lnRef idx="1">
+              <a:schemeClr val="accent1"/>
+            </a:lnRef>
+            <a:fillRef idx="0">
+              <a:schemeClr val="accent1"/>
+            </a:fillRef>
+            <a:effectRef idx="0">
+              <a:schemeClr val="accent1"/>
+            </a:effectRef>
+            <a:fontRef idx="minor">
+              <a:schemeClr val="tx1"/>
+            </a:fontRef>
+          </p:style>
+          <p:txBody>
+            <a:bodyPr rtlCol="0" anchor="ctr"/>
+            <a:lstStyle/>
+            <a:p>
+              <a:pPr algn="ctr"/>
+              <a:endParaRPr kumimoji="1" lang="ko-Kore-KR" altLang="en-US" dirty="0"/>
+            </a:p>
+          </p:txBody>
+        </p:sp>
+        <p:sp>
+          <p:nvSpPr>
+            <p:cNvPr id="114" name="TextBox 113">
+              <a:extLst>
+                <a:ext uri="{FF2B5EF4-FFF2-40B4-BE49-F238E27FC236}">
+                  <a16:creationId xmlns:a16="http://schemas.microsoft.com/office/drawing/2014/main" id="{C2AC49A1-DB10-1E4E-87E8-45A8BDDC9059}"/>
+                </a:ext>
+              </a:extLst>
+            </p:cNvPr>
+            <p:cNvSpPr txBox="1"/>
+            <p:nvPr/>
+          </p:nvSpPr>
+          <p:spPr>
+            <a:xfrm>
+              <a:off x="4602252" y="3169676"/>
+              <a:ext cx="1880670" cy="438582"/>
+            </a:xfrm>
+            <a:prstGeom prst="rect">
+              <a:avLst/>
+            </a:prstGeom>
+            <a:noFill/>
+          </p:spPr>
+          <p:txBody>
+            <a:bodyPr wrap="square" rtlCol="0">
+              <a:spAutoFit/>
+            </a:bodyPr>
+            <a:lstStyle/>
+            <a:p>
+              <a:pPr algn="ctr"/>
+              <a:r>
+                <a:rPr kumimoji="1" lang="en-US" altLang="ko-Kore-KR" sz="1000" b="1" dirty="0">
+                  <a:solidFill>
+                    <a:srgbClr val="5DA2C5"/>
+                  </a:solidFill>
+                  <a:latin typeface="SHeadG" panose="02030600000101010101" pitchFamily="18" charset="-127"/>
+                  <a:ea typeface="SHeadG" panose="02030600000101010101" pitchFamily="18" charset="-127"/>
+                </a:rPr>
+                <a:t>&lt;&lt;interface&gt;&gt;</a:t>
+              </a:r>
+            </a:p>
+            <a:p>
+              <a:pPr algn="ctr"/>
+              <a:r>
+                <a:rPr kumimoji="1" lang="en-US" altLang="ko-Kore-KR" sz="1200" b="1" dirty="0">
+                  <a:solidFill>
+                    <a:srgbClr val="5DA2C5"/>
+                  </a:solidFill>
+                  <a:latin typeface="SHeadG" panose="02030600000101010101" pitchFamily="18" charset="-127"/>
+                  <a:ea typeface="SHeadG" panose="02030600000101010101" pitchFamily="18" charset="-127"/>
+                </a:rPr>
+                <a:t>Orders</a:t>
+              </a:r>
+              <a:endParaRPr kumimoji="1" lang="ko-Kore-KR" altLang="en-US" sz="1200" b="1" dirty="0">
+                <a:solidFill>
+                  <a:srgbClr val="5DA2C5"/>
+                </a:solidFill>
+                <a:latin typeface="SHeadG" panose="02030600000101010101" pitchFamily="18" charset="-127"/>
+                <a:ea typeface="SHeadG" panose="02030600000101010101" pitchFamily="18" charset="-127"/>
+              </a:endParaRPr>
+            </a:p>
+          </p:txBody>
+        </p:sp>
+      </p:grpSp>
+      <p:grpSp>
+        <p:nvGrpSpPr>
+          <p:cNvPr id="115" name="그룹 114">
+            <a:extLst>
+              <a:ext uri="{FF2B5EF4-FFF2-40B4-BE49-F238E27FC236}">
+                <a16:creationId xmlns:a16="http://schemas.microsoft.com/office/drawing/2014/main" id="{3A24AE13-5280-6040-BE92-619AB3219B5F}"/>
+              </a:ext>
+            </a:extLst>
+          </p:cNvPr>
+          <p:cNvGrpSpPr/>
+          <p:nvPr/>
+        </p:nvGrpSpPr>
+        <p:grpSpPr>
+          <a:xfrm>
+            <a:off x="4591304" y="5797811"/>
+            <a:ext cx="2179067" cy="468000"/>
+            <a:chOff x="2175218" y="1251857"/>
+            <a:chExt cx="2179067" cy="468000"/>
+          </a:xfrm>
+        </p:grpSpPr>
+        <p:sp>
+          <p:nvSpPr>
+            <p:cNvPr id="116" name="직사각형 115">
+              <a:extLst>
+                <a:ext uri="{FF2B5EF4-FFF2-40B4-BE49-F238E27FC236}">
+                  <a16:creationId xmlns:a16="http://schemas.microsoft.com/office/drawing/2014/main" id="{418CB1F2-DE84-E346-B0DC-AE9E4C9F3C99}"/>
+                </a:ext>
+              </a:extLst>
+            </p:cNvPr>
+            <p:cNvSpPr/>
+            <p:nvPr/>
+          </p:nvSpPr>
+          <p:spPr>
+            <a:xfrm>
+              <a:off x="2175218" y="1251857"/>
+              <a:ext cx="2179067" cy="468000"/>
+            </a:xfrm>
+            <a:prstGeom prst="rect">
+              <a:avLst/>
+            </a:prstGeom>
+            <a:ln w="19050">
+              <a:solidFill>
+                <a:srgbClr val="5DA2C5"/>
+              </a:solidFill>
+            </a:ln>
+          </p:spPr>
+          <p:style>
+            <a:lnRef idx="1">
+              <a:schemeClr val="accent1"/>
+            </a:lnRef>
+            <a:fillRef idx="0">
+              <a:schemeClr val="accent1"/>
+            </a:fillRef>
+            <a:effectRef idx="0">
+              <a:schemeClr val="accent1"/>
+            </a:effectRef>
+            <a:fontRef idx="minor">
+              <a:schemeClr val="tx1"/>
+            </a:fontRef>
+          </p:style>
+          <p:txBody>
+            <a:bodyPr rtlCol="0" anchor="ctr"/>
+            <a:lstStyle/>
+            <a:p>
+              <a:pPr algn="ctr"/>
+              <a:endParaRPr kumimoji="1" lang="ko-Kore-KR" altLang="en-US" dirty="0"/>
+            </a:p>
+          </p:txBody>
+        </p:sp>
+        <p:sp>
+          <p:nvSpPr>
+            <p:cNvPr id="117" name="TextBox 116">
+              <a:extLst>
+                <a:ext uri="{FF2B5EF4-FFF2-40B4-BE49-F238E27FC236}">
+                  <a16:creationId xmlns:a16="http://schemas.microsoft.com/office/drawing/2014/main" id="{D640A173-D321-4B4C-A003-ADEF15EB6FEB}"/>
+                </a:ext>
+              </a:extLst>
+            </p:cNvPr>
+            <p:cNvSpPr txBox="1"/>
+            <p:nvPr/>
+          </p:nvSpPr>
+          <p:spPr>
+            <a:xfrm>
+              <a:off x="2324416" y="1345621"/>
+              <a:ext cx="1880670" cy="276999"/>
+            </a:xfrm>
+            <a:prstGeom prst="rect">
+              <a:avLst/>
+            </a:prstGeom>
+            <a:noFill/>
+          </p:spPr>
+          <p:txBody>
+            <a:bodyPr wrap="square" rtlCol="0">
+              <a:spAutoFit/>
+            </a:bodyPr>
+            <a:lstStyle/>
+            <a:p>
+              <a:pPr algn="ctr"/>
+              <a:r>
+                <a:rPr kumimoji="1" lang="en-US" altLang="ko-Kore-KR" sz="1200" b="1" dirty="0" err="1">
+                  <a:solidFill>
+                    <a:srgbClr val="5DA2C5"/>
+                  </a:solidFill>
+                  <a:latin typeface="SHeadG" panose="02030600000101010101" pitchFamily="18" charset="-127"/>
+                  <a:ea typeface="SHeadG" panose="02030600000101010101" pitchFamily="18" charset="-127"/>
+                </a:rPr>
+                <a:t>JdbcOrdersRepository</a:t>
+              </a:r>
+              <a:endParaRPr kumimoji="1" lang="ko-Kore-KR" altLang="en-US" sz="1200" b="1" dirty="0">
+                <a:solidFill>
+                  <a:srgbClr val="5DA2C5"/>
+                </a:solidFill>
+                <a:latin typeface="SHeadG" panose="02030600000101010101" pitchFamily="18" charset="-127"/>
+                <a:ea typeface="SHeadG" panose="02030600000101010101" pitchFamily="18" charset="-127"/>
+              </a:endParaRPr>
+            </a:p>
+          </p:txBody>
+        </p:sp>
+      </p:grpSp>
+      <p:cxnSp>
+        <p:nvCxnSpPr>
+          <p:cNvPr id="118" name="직선 화살표 연결선 117">
+            <a:extLst>
+              <a:ext uri="{FF2B5EF4-FFF2-40B4-BE49-F238E27FC236}">
+                <a16:creationId xmlns:a16="http://schemas.microsoft.com/office/drawing/2014/main" id="{C59BDDCF-036A-E949-A489-A2F1F3A2DA51}"/>
+              </a:ext>
+            </a:extLst>
+          </p:cNvPr>
+          <p:cNvCxnSpPr>
+            <a:cxnSpLocks/>
+            <a:stCxn id="96" idx="2"/>
+            <a:endCxn id="105" idx="0"/>
+          </p:cNvCxnSpPr>
+          <p:nvPr/>
+        </p:nvCxnSpPr>
+        <p:spPr>
+          <a:xfrm flipH="1">
+            <a:off x="5680838" y="935830"/>
+            <a:ext cx="11194" cy="1587219"/>
+          </a:xfrm>
+          <a:prstGeom prst="straightConnector1">
+            <a:avLst/>
+          </a:prstGeom>
+          <a:ln w="19050">
+            <a:solidFill>
+              <a:srgbClr val="5DA2C5"/>
+            </a:solidFill>
+            <a:prstDash val="dash"/>
+            <a:tailEnd type="stealth" w="lg" len="lg"/>
+          </a:ln>
+        </p:spPr>
+        <p:style>
+          <a:lnRef idx="1">
+            <a:schemeClr val="accent1"/>
+          </a:lnRef>
+          <a:fillRef idx="0">
+            <a:schemeClr val="accent1"/>
+          </a:fillRef>
+          <a:effectRef idx="0">
+            <a:schemeClr val="accent1"/>
+          </a:effectRef>
+          <a:fontRef idx="minor">
+            <a:schemeClr val="tx1"/>
+          </a:fontRef>
+        </p:style>
+      </p:cxnSp>
+      <p:sp>
+        <p:nvSpPr>
+          <p:cNvPr id="119" name="직사각형 118">
+            <a:extLst>
+              <a:ext uri="{FF2B5EF4-FFF2-40B4-BE49-F238E27FC236}">
+                <a16:creationId xmlns:a16="http://schemas.microsoft.com/office/drawing/2014/main" id="{5FCFFDA9-1E7B-2D42-BC87-51EDE216DBA7}"/>
+              </a:ext>
+            </a:extLst>
+          </p:cNvPr>
+          <p:cNvSpPr/>
+          <p:nvPr/>
+        </p:nvSpPr>
+        <p:spPr>
+          <a:xfrm>
+            <a:off x="5008858" y="1607732"/>
+            <a:ext cx="671979" cy="246221"/>
+          </a:xfrm>
+          <a:prstGeom prst="rect">
+            <a:avLst/>
+          </a:prstGeom>
+        </p:spPr>
+        <p:txBody>
+          <a:bodyPr wrap="none">
+            <a:spAutoFit/>
+          </a:bodyPr>
+          <a:lstStyle/>
+          <a:p>
+            <a:r>
+              <a:rPr kumimoji="1" lang="en-US" altLang="ko-Kore-KR" sz="1000" dirty="0">
+                <a:solidFill>
+                  <a:srgbClr val="5DA2C5"/>
+                </a:solidFill>
+                <a:latin typeface="SHeadG" panose="02030600000101010101" pitchFamily="18" charset="-127"/>
+                <a:ea typeface="SHeadG" panose="02030600000101010101" pitchFamily="18" charset="-127"/>
+              </a:rPr>
+              <a:t>&lt;&lt;uses&gt;&gt;</a:t>
+            </a:r>
+            <a:endParaRPr lang="ko-Kore-KR" altLang="en-US" sz="1000" dirty="0"/>
+          </a:p>
+        </p:txBody>
+      </p:sp>
+      <p:sp>
+        <p:nvSpPr>
+          <p:cNvPr id="120" name="직사각형 119">
+            <a:extLst>
+              <a:ext uri="{FF2B5EF4-FFF2-40B4-BE49-F238E27FC236}">
+                <a16:creationId xmlns:a16="http://schemas.microsoft.com/office/drawing/2014/main" id="{35F51CA1-C9C3-D54F-A905-07C75FEE1C6A}"/>
+              </a:ext>
+            </a:extLst>
+          </p:cNvPr>
+          <p:cNvSpPr/>
+          <p:nvPr/>
+        </p:nvSpPr>
+        <p:spPr>
+          <a:xfrm>
+            <a:off x="5705890" y="3719518"/>
+            <a:ext cx="671979" cy="246221"/>
+          </a:xfrm>
+          <a:prstGeom prst="rect">
+            <a:avLst/>
+          </a:prstGeom>
+        </p:spPr>
+        <p:txBody>
+          <a:bodyPr wrap="none">
+            <a:spAutoFit/>
+          </a:bodyPr>
+          <a:lstStyle/>
+          <a:p>
+            <a:r>
+              <a:rPr kumimoji="1" lang="en-US" altLang="ko-Kore-KR" sz="1000" dirty="0">
+                <a:solidFill>
+                  <a:srgbClr val="5DA2C5"/>
+                </a:solidFill>
+                <a:latin typeface="SHeadG" panose="02030600000101010101" pitchFamily="18" charset="-127"/>
+                <a:ea typeface="SHeadG" panose="02030600000101010101" pitchFamily="18" charset="-127"/>
+              </a:rPr>
+              <a:t>&lt;&lt;uses&gt;&gt;</a:t>
+            </a:r>
+            <a:endParaRPr lang="ko-Kore-KR" altLang="en-US" sz="1000" dirty="0"/>
+          </a:p>
+        </p:txBody>
+      </p:sp>
+      <p:cxnSp>
+        <p:nvCxnSpPr>
+          <p:cNvPr id="121" name="직선 화살표 연결선 120">
+            <a:extLst>
+              <a:ext uri="{FF2B5EF4-FFF2-40B4-BE49-F238E27FC236}">
+                <a16:creationId xmlns:a16="http://schemas.microsoft.com/office/drawing/2014/main" id="{E7042D14-5CDD-E24E-B615-28E6472FB646}"/>
+              </a:ext>
+            </a:extLst>
+          </p:cNvPr>
+          <p:cNvCxnSpPr>
+            <a:cxnSpLocks/>
+            <a:stCxn id="107" idx="2"/>
+            <a:endCxn id="114" idx="0"/>
+          </p:cNvCxnSpPr>
+          <p:nvPr/>
+        </p:nvCxnSpPr>
+        <p:spPr>
+          <a:xfrm>
+            <a:off x="5680838" y="3710595"/>
+            <a:ext cx="11193" cy="355661"/>
+          </a:xfrm>
+          <a:prstGeom prst="straightConnector1">
+            <a:avLst/>
+          </a:prstGeom>
+          <a:ln w="19050">
+            <a:solidFill>
+              <a:srgbClr val="5DA2C5"/>
+            </a:solidFill>
+            <a:prstDash val="dash"/>
+            <a:tailEnd type="stealth" w="lg" len="lg"/>
+          </a:ln>
+        </p:spPr>
+        <p:style>
+          <a:lnRef idx="1">
+            <a:schemeClr val="accent1"/>
+          </a:lnRef>
+          <a:fillRef idx="0">
+            <a:schemeClr val="accent1"/>
+          </a:fillRef>
+          <a:effectRef idx="0">
+            <a:schemeClr val="accent1"/>
+          </a:effectRef>
+          <a:fontRef idx="minor">
+            <a:schemeClr val="tx1"/>
+          </a:fontRef>
+        </p:style>
+      </p:cxnSp>
+      <p:cxnSp>
+        <p:nvCxnSpPr>
+          <p:cNvPr id="122" name="직선 화살표 연결선 121">
+            <a:extLst>
+              <a:ext uri="{FF2B5EF4-FFF2-40B4-BE49-F238E27FC236}">
+                <a16:creationId xmlns:a16="http://schemas.microsoft.com/office/drawing/2014/main" id="{C3F93749-F1CD-1141-9C99-39020CA16BE7}"/>
+              </a:ext>
+            </a:extLst>
+          </p:cNvPr>
+          <p:cNvCxnSpPr>
+            <a:cxnSpLocks/>
+            <a:stCxn id="107" idx="0"/>
+            <a:endCxn id="105" idx="2"/>
+          </p:cNvCxnSpPr>
+          <p:nvPr/>
+        </p:nvCxnSpPr>
+        <p:spPr>
+          <a:xfrm flipV="1">
+            <a:off x="5680838" y="2961631"/>
+            <a:ext cx="0" cy="280964"/>
+          </a:xfrm>
+          <a:prstGeom prst="straightConnector1">
+            <a:avLst/>
+          </a:prstGeom>
+          <a:ln w="19050" cap="rnd">
+            <a:solidFill>
+              <a:srgbClr val="5DA2C5"/>
+            </a:solidFill>
+            <a:prstDash val="dash"/>
+            <a:miter lim="800000"/>
+            <a:tailEnd type="triangle" w="lg" len="lg"/>
+          </a:ln>
+        </p:spPr>
+        <p:style>
+          <a:lnRef idx="1">
+            <a:schemeClr val="accent1"/>
+          </a:lnRef>
+          <a:fillRef idx="0">
+            <a:schemeClr val="accent1"/>
+          </a:fillRef>
+          <a:effectRef idx="0">
+            <a:schemeClr val="accent1"/>
+          </a:effectRef>
+          <a:fontRef idx="minor">
+            <a:schemeClr val="tx1"/>
+          </a:fontRef>
+        </p:style>
+      </p:cxnSp>
+      <p:cxnSp>
+        <p:nvCxnSpPr>
+          <p:cNvPr id="123" name="직선 화살표 연결선 122">
+            <a:extLst>
+              <a:ext uri="{FF2B5EF4-FFF2-40B4-BE49-F238E27FC236}">
+                <a16:creationId xmlns:a16="http://schemas.microsoft.com/office/drawing/2014/main" id="{F6F0EFB9-FCC9-6540-8163-5D17587CDF56}"/>
+              </a:ext>
+            </a:extLst>
+          </p:cNvPr>
+          <p:cNvCxnSpPr>
+            <a:cxnSpLocks/>
+            <a:stCxn id="116" idx="0"/>
+            <a:endCxn id="114" idx="2"/>
+          </p:cNvCxnSpPr>
+          <p:nvPr/>
+        </p:nvCxnSpPr>
+        <p:spPr>
+          <a:xfrm flipV="1">
+            <a:off x="5680838" y="4504838"/>
+            <a:ext cx="11193" cy="1292973"/>
+          </a:xfrm>
+          <a:prstGeom prst="straightConnector1">
+            <a:avLst/>
+          </a:prstGeom>
+          <a:ln w="19050" cap="rnd">
+            <a:solidFill>
+              <a:srgbClr val="5DA2C5"/>
+            </a:solidFill>
+            <a:prstDash val="dash"/>
+            <a:miter lim="800000"/>
+            <a:tailEnd type="triangle" w="lg" len="lg"/>
+          </a:ln>
+        </p:spPr>
+        <p:style>
+          <a:lnRef idx="1">
+            <a:schemeClr val="accent1"/>
+          </a:lnRef>
+          <a:fillRef idx="0">
+            <a:schemeClr val="accent1"/>
+          </a:fillRef>
+          <a:effectRef idx="0">
+            <a:schemeClr val="accent1"/>
+          </a:effectRef>
+          <a:fontRef idx="minor">
+            <a:schemeClr val="tx1"/>
+          </a:fontRef>
+        </p:style>
+      </p:cxnSp>
+    </p:spTree>
+    <p:extLst>
+      <p:ext uri="{BB962C8B-B14F-4D97-AF65-F5344CB8AC3E}">
+        <p14:creationId xmlns:p14="http://schemas.microsoft.com/office/powerpoint/2010/main" val="4096962720"/>
+      </p:ext>
+    </p:extLst>
+  </p:cSld>
+  <p:clrMapOvr>
+    <a:masterClrMapping/>
+  </p:clrMapOvr>
+</p:sld>
+</file>
+
+<file path=ppt/slides/slide11.xml><?xml version="1.0" encoding="utf-8"?>
+<p:sld xmlns:a="http://schemas.openxmlformats.org/drawingml/2006/main" xmlns:r="http://schemas.openxmlformats.org/officeDocument/2006/relationships" xmlns:p="http://schemas.openxmlformats.org/presentationml/2006/main">
+  <p:cSld>
+    <p:spTree>
+      <p:nvGrpSpPr>
+        <p:cNvPr id="1" name=""/>
+        <p:cNvGrpSpPr/>
+        <p:nvPr/>
+      </p:nvGrpSpPr>
+      <p:grpSpPr>
+        <a:xfrm>
+          <a:off x="0" y="0"/>
+          <a:ext cx="0" cy="0"/>
+          <a:chOff x="0" y="0"/>
+          <a:chExt cx="0" cy="0"/>
+        </a:xfrm>
+      </p:grpSpPr>
       <p:sp>
         <p:nvSpPr>
           <p:cNvPr id="37" name="직사각형 36">
@@ -15446,7 +17034,7 @@
 </p:sld>
 </file>
 
-<file path=ppt/slides/slide11.xml><?xml version="1.0" encoding="utf-8"?>
+<file path=ppt/slides/slide12.xml><?xml version="1.0" encoding="utf-8"?>
 <p:sld xmlns:a="http://schemas.openxmlformats.org/drawingml/2006/main" xmlns:r="http://schemas.openxmlformats.org/officeDocument/2006/relationships" xmlns:p="http://schemas.openxmlformats.org/presentationml/2006/main">
   <p:cSld>
     <p:spTree>
@@ -19007,7 +20595,7 @@
 </p:sld>
 </file>
 
-<file path=ppt/slides/slide12.xml><?xml version="1.0" encoding="utf-8"?>
+<file path=ppt/slides/slide13.xml><?xml version="1.0" encoding="utf-8"?>
 <p:sld xmlns:a="http://schemas.openxmlformats.org/drawingml/2006/main" xmlns:r="http://schemas.openxmlformats.org/officeDocument/2006/relationships" xmlns:p="http://schemas.openxmlformats.org/presentationml/2006/main">
   <p:cSld>
     <p:spTree>
@@ -23999,7 +25587,7 @@
 </p:sld>
 </file>
 
-<file path=ppt/slides/slide13.xml><?xml version="1.0" encoding="utf-8"?>
+<file path=ppt/slides/slide14.xml><?xml version="1.0" encoding="utf-8"?>
 <p:sld xmlns:a="http://schemas.openxmlformats.org/drawingml/2006/main" xmlns:r="http://schemas.openxmlformats.org/officeDocument/2006/relationships" xmlns:p="http://schemas.openxmlformats.org/presentationml/2006/main">
   <p:cSld>
     <p:spTree>
@@ -25532,7 +27120,7 @@
 </p:sld>
 </file>
 
-<file path=ppt/slides/slide14.xml><?xml version="1.0" encoding="utf-8"?>
+<file path=ppt/slides/slide15.xml><?xml version="1.0" encoding="utf-8"?>
 <p:sld xmlns:a="http://schemas.openxmlformats.org/drawingml/2006/main" xmlns:r="http://schemas.openxmlformats.org/officeDocument/2006/relationships" xmlns:p="http://schemas.openxmlformats.org/presentationml/2006/main">
   <p:cSld>
     <p:spTree>
@@ -27761,7 +29349,7 @@
 </p:sld>
 </file>
 
-<file path=ppt/slides/slide15.xml><?xml version="1.0" encoding="utf-8"?>
+<file path=ppt/slides/slide16.xml><?xml version="1.0" encoding="utf-8"?>
 <p:sld xmlns:a="http://schemas.openxmlformats.org/drawingml/2006/main" xmlns:r="http://schemas.openxmlformats.org/officeDocument/2006/relationships" xmlns:p="http://schemas.openxmlformats.org/presentationml/2006/main">
   <p:cSld>
     <p:spTree>
@@ -30984,7 +32572,7 @@
 </p:sld>
 </file>
 
-<file path=ppt/slides/slide16.xml><?xml version="1.0" encoding="utf-8"?>
+<file path=ppt/slides/slide17.xml><?xml version="1.0" encoding="utf-8"?>
 <p:sld xmlns:a="http://schemas.openxmlformats.org/drawingml/2006/main" xmlns:r="http://schemas.openxmlformats.org/officeDocument/2006/relationships" xmlns:p="http://schemas.openxmlformats.org/presentationml/2006/main">
   <p:cSld>
     <p:spTree>
@@ -42373,6 +43961,1606 @@
           <a:chExt cx="0" cy="0"/>
         </a:xfrm>
       </p:grpSpPr>
+      <p:grpSp>
+        <p:nvGrpSpPr>
+          <p:cNvPr id="8" name="그룹 7">
+            <a:extLst>
+              <a:ext uri="{FF2B5EF4-FFF2-40B4-BE49-F238E27FC236}">
+                <a16:creationId xmlns:a16="http://schemas.microsoft.com/office/drawing/2014/main" id="{3C5003C4-61D0-7549-A5FB-98EADCE42B3F}"/>
+              </a:ext>
+            </a:extLst>
+          </p:cNvPr>
+          <p:cNvGrpSpPr/>
+          <p:nvPr/>
+        </p:nvGrpSpPr>
+        <p:grpSpPr>
+          <a:xfrm>
+            <a:off x="716534" y="1043429"/>
+            <a:ext cx="3681909" cy="2550281"/>
+            <a:chOff x="716534" y="1043429"/>
+            <a:chExt cx="3681909" cy="2550281"/>
+          </a:xfrm>
+        </p:grpSpPr>
+        <p:grpSp>
+          <p:nvGrpSpPr>
+            <p:cNvPr id="18" name="그룹 17">
+              <a:extLst>
+                <a:ext uri="{FF2B5EF4-FFF2-40B4-BE49-F238E27FC236}">
+                  <a16:creationId xmlns:a16="http://schemas.microsoft.com/office/drawing/2014/main" id="{289F64CF-CCC9-B34E-AE8E-DF1C8A55DE20}"/>
+                </a:ext>
+              </a:extLst>
+            </p:cNvPr>
+            <p:cNvGrpSpPr/>
+            <p:nvPr/>
+          </p:nvGrpSpPr>
+          <p:grpSpPr>
+            <a:xfrm>
+              <a:off x="716534" y="1043429"/>
+              <a:ext cx="1408101" cy="539735"/>
+              <a:chOff x="3737640" y="1066800"/>
+              <a:chExt cx="1408101" cy="539735"/>
+            </a:xfrm>
+          </p:grpSpPr>
+          <p:sp>
+            <p:nvSpPr>
+              <p:cNvPr id="19" name="직사각형 18">
+                <a:extLst>
+                  <a:ext uri="{FF2B5EF4-FFF2-40B4-BE49-F238E27FC236}">
+                    <a16:creationId xmlns:a16="http://schemas.microsoft.com/office/drawing/2014/main" id="{01C33A0A-FBF8-4343-8709-8AF2D64B2229}"/>
+                  </a:ext>
+                </a:extLst>
+              </p:cNvPr>
+              <p:cNvSpPr/>
+              <p:nvPr/>
+            </p:nvSpPr>
+            <p:spPr>
+              <a:xfrm>
+                <a:off x="3737640" y="1066800"/>
+                <a:ext cx="1408101" cy="539735"/>
+              </a:xfrm>
+              <a:prstGeom prst="rect">
+                <a:avLst/>
+              </a:prstGeom>
+              <a:ln w="25400">
+                <a:solidFill>
+                  <a:srgbClr val="5DA2C5"/>
+                </a:solidFill>
+              </a:ln>
+            </p:spPr>
+            <p:style>
+              <a:lnRef idx="1">
+                <a:schemeClr val="accent1"/>
+              </a:lnRef>
+              <a:fillRef idx="0">
+                <a:schemeClr val="accent1"/>
+              </a:fillRef>
+              <a:effectRef idx="0">
+                <a:schemeClr val="accent1"/>
+              </a:effectRef>
+              <a:fontRef idx="minor">
+                <a:schemeClr val="tx1"/>
+              </a:fontRef>
+            </p:style>
+            <p:txBody>
+              <a:bodyPr rtlCol="0" anchor="ctr"/>
+              <a:lstStyle/>
+              <a:p>
+                <a:pPr algn="ctr"/>
+                <a:endParaRPr kumimoji="1" lang="ko-Kore-KR" altLang="en-US"/>
+              </a:p>
+            </p:txBody>
+          </p:sp>
+          <p:sp>
+            <p:nvSpPr>
+              <p:cNvPr id="20" name="TextBox 19">
+                <a:extLst>
+                  <a:ext uri="{FF2B5EF4-FFF2-40B4-BE49-F238E27FC236}">
+                    <a16:creationId xmlns:a16="http://schemas.microsoft.com/office/drawing/2014/main" id="{A7BE8FE1-B24C-F04C-87DB-E3EB14E3010F}"/>
+                  </a:ext>
+                </a:extLst>
+              </p:cNvPr>
+              <p:cNvSpPr txBox="1"/>
+              <p:nvPr/>
+            </p:nvSpPr>
+            <p:spPr>
+              <a:xfrm>
+                <a:off x="3737640" y="1105834"/>
+                <a:ext cx="1408101" cy="461665"/>
+              </a:xfrm>
+              <a:prstGeom prst="rect">
+                <a:avLst/>
+              </a:prstGeom>
+              <a:noFill/>
+            </p:spPr>
+            <p:txBody>
+              <a:bodyPr wrap="square" rtlCol="0">
+                <a:spAutoFit/>
+              </a:bodyPr>
+              <a:lstStyle/>
+              <a:p>
+                <a:pPr algn="ctr"/>
+                <a:r>
+                  <a:rPr kumimoji="1" lang="en-US" altLang="ko-Kore-KR" sz="1200" b="1" dirty="0">
+                    <a:solidFill>
+                      <a:srgbClr val="5DA2C5"/>
+                    </a:solidFill>
+                    <a:latin typeface="SHeadG" panose="02030600000101010101" pitchFamily="18" charset="-127"/>
+                    <a:ea typeface="SHeadG" panose="02030600000101010101" pitchFamily="18" charset="-127"/>
+                  </a:rPr>
+                  <a:t>Business</a:t>
+                </a:r>
+              </a:p>
+              <a:p>
+                <a:pPr algn="ctr"/>
+                <a:r>
+                  <a:rPr kumimoji="1" lang="en-US" altLang="ko-Kore-KR" sz="1200" b="1" dirty="0">
+                    <a:solidFill>
+                      <a:srgbClr val="5DA2C5"/>
+                    </a:solidFill>
+                    <a:latin typeface="SHeadG" panose="02030600000101010101" pitchFamily="18" charset="-127"/>
+                    <a:ea typeface="SHeadG" panose="02030600000101010101" pitchFamily="18" charset="-127"/>
+                  </a:rPr>
+                  <a:t>Rules</a:t>
+                </a:r>
+                <a:endParaRPr kumimoji="1" lang="ko-Kore-KR" altLang="en-US" sz="1200" b="1" dirty="0">
+                  <a:solidFill>
+                    <a:srgbClr val="5DA2C5"/>
+                  </a:solidFill>
+                  <a:latin typeface="SHeadG" panose="02030600000101010101" pitchFamily="18" charset="-127"/>
+                  <a:ea typeface="SHeadG" panose="02030600000101010101" pitchFamily="18" charset="-127"/>
+                </a:endParaRPr>
+              </a:p>
+            </p:txBody>
+          </p:sp>
+        </p:grpSp>
+        <p:cxnSp>
+          <p:nvCxnSpPr>
+            <p:cNvPr id="21" name="직선 화살표 연결선 20">
+              <a:extLst>
+                <a:ext uri="{FF2B5EF4-FFF2-40B4-BE49-F238E27FC236}">
+                  <a16:creationId xmlns:a16="http://schemas.microsoft.com/office/drawing/2014/main" id="{29C9AA60-5777-A14D-8614-A10923543535}"/>
+                </a:ext>
+              </a:extLst>
+            </p:cNvPr>
+            <p:cNvCxnSpPr>
+              <a:cxnSpLocks/>
+              <a:stCxn id="19" idx="2"/>
+            </p:cNvCxnSpPr>
+            <p:nvPr/>
+          </p:nvCxnSpPr>
+          <p:spPr>
+            <a:xfrm>
+              <a:off x="1420585" y="1583164"/>
+              <a:ext cx="2" cy="465538"/>
+            </a:xfrm>
+            <a:prstGeom prst="straightConnector1">
+              <a:avLst/>
+            </a:prstGeom>
+            <a:ln w="19050">
+              <a:solidFill>
+                <a:srgbClr val="5DA2C5"/>
+              </a:solidFill>
+              <a:tailEnd type="stealth" w="lg" len="lg"/>
+            </a:ln>
+          </p:spPr>
+          <p:style>
+            <a:lnRef idx="1">
+              <a:schemeClr val="accent1"/>
+            </a:lnRef>
+            <a:fillRef idx="0">
+              <a:schemeClr val="accent1"/>
+            </a:fillRef>
+            <a:effectRef idx="0">
+              <a:schemeClr val="accent1"/>
+            </a:effectRef>
+            <a:fontRef idx="minor">
+              <a:schemeClr val="tx1"/>
+            </a:fontRef>
+          </p:style>
+        </p:cxnSp>
+        <p:grpSp>
+          <p:nvGrpSpPr>
+            <p:cNvPr id="22" name="그룹 21">
+              <a:extLst>
+                <a:ext uri="{FF2B5EF4-FFF2-40B4-BE49-F238E27FC236}">
+                  <a16:creationId xmlns:a16="http://schemas.microsoft.com/office/drawing/2014/main" id="{AA1BCDCB-5EA1-134D-AB59-52A1E4D6C95B}"/>
+                </a:ext>
+              </a:extLst>
+            </p:cNvPr>
+            <p:cNvGrpSpPr/>
+            <p:nvPr/>
+          </p:nvGrpSpPr>
+          <p:grpSpPr>
+            <a:xfrm>
+              <a:off x="716534" y="2048702"/>
+              <a:ext cx="1408101" cy="539735"/>
+              <a:chOff x="3737640" y="1066800"/>
+              <a:chExt cx="1408101" cy="539735"/>
+            </a:xfrm>
+          </p:grpSpPr>
+          <p:sp>
+            <p:nvSpPr>
+              <p:cNvPr id="23" name="직사각형 22">
+                <a:extLst>
+                  <a:ext uri="{FF2B5EF4-FFF2-40B4-BE49-F238E27FC236}">
+                    <a16:creationId xmlns:a16="http://schemas.microsoft.com/office/drawing/2014/main" id="{71D2492A-546B-3049-BB0B-72BF47D9622A}"/>
+                  </a:ext>
+                </a:extLst>
+              </p:cNvPr>
+              <p:cNvSpPr/>
+              <p:nvPr/>
+            </p:nvSpPr>
+            <p:spPr>
+              <a:xfrm>
+                <a:off x="3737640" y="1066800"/>
+                <a:ext cx="1408101" cy="539735"/>
+              </a:xfrm>
+              <a:prstGeom prst="rect">
+                <a:avLst/>
+              </a:prstGeom>
+              <a:ln w="25400">
+                <a:solidFill>
+                  <a:srgbClr val="5DA2C5"/>
+                </a:solidFill>
+              </a:ln>
+            </p:spPr>
+            <p:style>
+              <a:lnRef idx="1">
+                <a:schemeClr val="accent1"/>
+              </a:lnRef>
+              <a:fillRef idx="0">
+                <a:schemeClr val="accent1"/>
+              </a:fillRef>
+              <a:effectRef idx="0">
+                <a:schemeClr val="accent1"/>
+              </a:effectRef>
+              <a:fontRef idx="minor">
+                <a:schemeClr val="tx1"/>
+              </a:fontRef>
+            </p:style>
+            <p:txBody>
+              <a:bodyPr rtlCol="0" anchor="ctr"/>
+              <a:lstStyle/>
+              <a:p>
+                <a:pPr algn="ctr"/>
+                <a:endParaRPr kumimoji="1" lang="ko-Kore-KR" altLang="en-US"/>
+              </a:p>
+            </p:txBody>
+          </p:sp>
+          <p:sp>
+            <p:nvSpPr>
+              <p:cNvPr id="24" name="TextBox 23">
+                <a:extLst>
+                  <a:ext uri="{FF2B5EF4-FFF2-40B4-BE49-F238E27FC236}">
+                    <a16:creationId xmlns:a16="http://schemas.microsoft.com/office/drawing/2014/main" id="{EFBAFBAF-3A32-6F47-9A9F-A6B2EB318EDF}"/>
+                  </a:ext>
+                </a:extLst>
+              </p:cNvPr>
+              <p:cNvSpPr txBox="1"/>
+              <p:nvPr/>
+            </p:nvSpPr>
+            <p:spPr>
+              <a:xfrm>
+                <a:off x="3737640" y="1105834"/>
+                <a:ext cx="1408101" cy="461665"/>
+              </a:xfrm>
+              <a:prstGeom prst="rect">
+                <a:avLst/>
+              </a:prstGeom>
+              <a:noFill/>
+            </p:spPr>
+            <p:txBody>
+              <a:bodyPr wrap="square" rtlCol="0">
+                <a:spAutoFit/>
+              </a:bodyPr>
+              <a:lstStyle/>
+              <a:p>
+                <a:pPr algn="ctr"/>
+                <a:r>
+                  <a:rPr kumimoji="1" lang="en-US" altLang="ko-Kore-KR" sz="1200" b="1" dirty="0">
+                    <a:solidFill>
+                      <a:srgbClr val="5DA2C5"/>
+                    </a:solidFill>
+                    <a:latin typeface="SHeadG" panose="02030600000101010101" pitchFamily="18" charset="-127"/>
+                    <a:ea typeface="SHeadG" panose="02030600000101010101" pitchFamily="18" charset="-127"/>
+                  </a:rPr>
+                  <a:t>Database</a:t>
+                </a:r>
+              </a:p>
+              <a:p>
+                <a:pPr algn="ctr"/>
+                <a:r>
+                  <a:rPr kumimoji="1" lang="en-US" altLang="ko-Kore-KR" sz="1200" b="1" dirty="0">
+                    <a:solidFill>
+                      <a:srgbClr val="5DA2C5"/>
+                    </a:solidFill>
+                    <a:latin typeface="SHeadG" panose="02030600000101010101" pitchFamily="18" charset="-127"/>
+                    <a:ea typeface="SHeadG" panose="02030600000101010101" pitchFamily="18" charset="-127"/>
+                  </a:rPr>
+                  <a:t>Interface</a:t>
+                </a:r>
+                <a:endParaRPr kumimoji="1" lang="ko-Kore-KR" altLang="en-US" sz="1200" b="1" dirty="0">
+                  <a:solidFill>
+                    <a:srgbClr val="5DA2C5"/>
+                  </a:solidFill>
+                  <a:latin typeface="SHeadG" panose="02030600000101010101" pitchFamily="18" charset="-127"/>
+                  <a:ea typeface="SHeadG" panose="02030600000101010101" pitchFamily="18" charset="-127"/>
+                </a:endParaRPr>
+              </a:p>
+            </p:txBody>
+          </p:sp>
+        </p:grpSp>
+        <p:grpSp>
+          <p:nvGrpSpPr>
+            <p:cNvPr id="25" name="그룹 24">
+              <a:extLst>
+                <a:ext uri="{FF2B5EF4-FFF2-40B4-BE49-F238E27FC236}">
+                  <a16:creationId xmlns:a16="http://schemas.microsoft.com/office/drawing/2014/main" id="{275A296E-7394-D84C-8CF7-26BBD6912C98}"/>
+                </a:ext>
+              </a:extLst>
+            </p:cNvPr>
+            <p:cNvGrpSpPr/>
+            <p:nvPr/>
+          </p:nvGrpSpPr>
+          <p:grpSpPr>
+            <a:xfrm>
+              <a:off x="716534" y="3053975"/>
+              <a:ext cx="1408101" cy="539735"/>
+              <a:chOff x="3737640" y="1066800"/>
+              <a:chExt cx="1408101" cy="539735"/>
+            </a:xfrm>
+          </p:grpSpPr>
+          <p:sp>
+            <p:nvSpPr>
+              <p:cNvPr id="26" name="직사각형 25">
+                <a:extLst>
+                  <a:ext uri="{FF2B5EF4-FFF2-40B4-BE49-F238E27FC236}">
+                    <a16:creationId xmlns:a16="http://schemas.microsoft.com/office/drawing/2014/main" id="{9CD2911A-FD0A-0B42-9DAD-9ED9AFB50751}"/>
+                  </a:ext>
+                </a:extLst>
+              </p:cNvPr>
+              <p:cNvSpPr/>
+              <p:nvPr/>
+            </p:nvSpPr>
+            <p:spPr>
+              <a:xfrm>
+                <a:off x="3737640" y="1066800"/>
+                <a:ext cx="1408101" cy="539735"/>
+              </a:xfrm>
+              <a:prstGeom prst="rect">
+                <a:avLst/>
+              </a:prstGeom>
+              <a:ln w="25400">
+                <a:solidFill>
+                  <a:srgbClr val="5DA2C5"/>
+                </a:solidFill>
+              </a:ln>
+            </p:spPr>
+            <p:style>
+              <a:lnRef idx="1">
+                <a:schemeClr val="accent1"/>
+              </a:lnRef>
+              <a:fillRef idx="0">
+                <a:schemeClr val="accent1"/>
+              </a:fillRef>
+              <a:effectRef idx="0">
+                <a:schemeClr val="accent1"/>
+              </a:effectRef>
+              <a:fontRef idx="minor">
+                <a:schemeClr val="tx1"/>
+              </a:fontRef>
+            </p:style>
+            <p:txBody>
+              <a:bodyPr rtlCol="0" anchor="ctr"/>
+              <a:lstStyle/>
+              <a:p>
+                <a:pPr algn="ctr"/>
+                <a:endParaRPr kumimoji="1" lang="ko-Kore-KR" altLang="en-US"/>
+              </a:p>
+            </p:txBody>
+          </p:sp>
+          <p:sp>
+            <p:nvSpPr>
+              <p:cNvPr id="27" name="TextBox 26">
+                <a:extLst>
+                  <a:ext uri="{FF2B5EF4-FFF2-40B4-BE49-F238E27FC236}">
+                    <a16:creationId xmlns:a16="http://schemas.microsoft.com/office/drawing/2014/main" id="{9982144F-62A2-E147-868F-95FEFAE7FCDB}"/>
+                  </a:ext>
+                </a:extLst>
+              </p:cNvPr>
+              <p:cNvSpPr txBox="1"/>
+              <p:nvPr/>
+            </p:nvSpPr>
+            <p:spPr>
+              <a:xfrm>
+                <a:off x="3737640" y="1105834"/>
+                <a:ext cx="1408101" cy="461665"/>
+              </a:xfrm>
+              <a:prstGeom prst="rect">
+                <a:avLst/>
+              </a:prstGeom>
+              <a:noFill/>
+            </p:spPr>
+            <p:txBody>
+              <a:bodyPr wrap="square" rtlCol="0">
+                <a:spAutoFit/>
+              </a:bodyPr>
+              <a:lstStyle/>
+              <a:p>
+                <a:pPr algn="ctr"/>
+                <a:r>
+                  <a:rPr kumimoji="1" lang="en-US" altLang="ko-Kore-KR" sz="1200" b="1" dirty="0">
+                    <a:solidFill>
+                      <a:srgbClr val="5DA2C5"/>
+                    </a:solidFill>
+                    <a:latin typeface="SHeadG" panose="02030600000101010101" pitchFamily="18" charset="-127"/>
+                    <a:ea typeface="SHeadG" panose="02030600000101010101" pitchFamily="18" charset="-127"/>
+                  </a:rPr>
+                  <a:t>Database</a:t>
+                </a:r>
+              </a:p>
+              <a:p>
+                <a:pPr algn="ctr"/>
+                <a:r>
+                  <a:rPr kumimoji="1" lang="en-US" altLang="ko-Kore-KR" sz="1200" b="1" dirty="0">
+                    <a:solidFill>
+                      <a:srgbClr val="5DA2C5"/>
+                    </a:solidFill>
+                    <a:latin typeface="SHeadG" panose="02030600000101010101" pitchFamily="18" charset="-127"/>
+                    <a:ea typeface="SHeadG" panose="02030600000101010101" pitchFamily="18" charset="-127"/>
+                  </a:rPr>
+                  <a:t>Access</a:t>
+                </a:r>
+                <a:endParaRPr kumimoji="1" lang="ko-Kore-KR" altLang="en-US" sz="1200" b="1" dirty="0">
+                  <a:solidFill>
+                    <a:srgbClr val="5DA2C5"/>
+                  </a:solidFill>
+                  <a:latin typeface="SHeadG" panose="02030600000101010101" pitchFamily="18" charset="-127"/>
+                  <a:ea typeface="SHeadG" panose="02030600000101010101" pitchFamily="18" charset="-127"/>
+                </a:endParaRPr>
+              </a:p>
+            </p:txBody>
+          </p:sp>
+        </p:grpSp>
+        <p:grpSp>
+          <p:nvGrpSpPr>
+            <p:cNvPr id="28" name="그룹 27">
+              <a:extLst>
+                <a:ext uri="{FF2B5EF4-FFF2-40B4-BE49-F238E27FC236}">
+                  <a16:creationId xmlns:a16="http://schemas.microsoft.com/office/drawing/2014/main" id="{8F46B271-66A2-834A-AC2A-F2C8B1B39478}"/>
+                </a:ext>
+              </a:extLst>
+            </p:cNvPr>
+            <p:cNvGrpSpPr/>
+            <p:nvPr/>
+          </p:nvGrpSpPr>
+          <p:grpSpPr>
+            <a:xfrm>
+              <a:off x="2990342" y="3053973"/>
+              <a:ext cx="1408101" cy="539735"/>
+              <a:chOff x="3737640" y="1066800"/>
+              <a:chExt cx="1408101" cy="539735"/>
+            </a:xfrm>
+          </p:grpSpPr>
+          <p:sp>
+            <p:nvSpPr>
+              <p:cNvPr id="29" name="직사각형 28">
+                <a:extLst>
+                  <a:ext uri="{FF2B5EF4-FFF2-40B4-BE49-F238E27FC236}">
+                    <a16:creationId xmlns:a16="http://schemas.microsoft.com/office/drawing/2014/main" id="{30BE506D-5F22-C242-9E43-31D17700B15F}"/>
+                  </a:ext>
+                </a:extLst>
+              </p:cNvPr>
+              <p:cNvSpPr/>
+              <p:nvPr/>
+            </p:nvSpPr>
+            <p:spPr>
+              <a:xfrm>
+                <a:off x="3737640" y="1066800"/>
+                <a:ext cx="1408101" cy="539735"/>
+              </a:xfrm>
+              <a:prstGeom prst="rect">
+                <a:avLst/>
+              </a:prstGeom>
+              <a:ln w="25400">
+                <a:solidFill>
+                  <a:srgbClr val="5DA2C5"/>
+                </a:solidFill>
+              </a:ln>
+            </p:spPr>
+            <p:style>
+              <a:lnRef idx="1">
+                <a:schemeClr val="accent1"/>
+              </a:lnRef>
+              <a:fillRef idx="0">
+                <a:schemeClr val="accent1"/>
+              </a:fillRef>
+              <a:effectRef idx="0">
+                <a:schemeClr val="accent1"/>
+              </a:effectRef>
+              <a:fontRef idx="minor">
+                <a:schemeClr val="tx1"/>
+              </a:fontRef>
+            </p:style>
+            <p:txBody>
+              <a:bodyPr rtlCol="0" anchor="ctr"/>
+              <a:lstStyle/>
+              <a:p>
+                <a:pPr algn="ctr"/>
+                <a:endParaRPr kumimoji="1" lang="ko-Kore-KR" altLang="en-US"/>
+              </a:p>
+            </p:txBody>
+          </p:sp>
+          <p:sp>
+            <p:nvSpPr>
+              <p:cNvPr id="30" name="TextBox 29">
+                <a:extLst>
+                  <a:ext uri="{FF2B5EF4-FFF2-40B4-BE49-F238E27FC236}">
+                    <a16:creationId xmlns:a16="http://schemas.microsoft.com/office/drawing/2014/main" id="{3E1B5246-BAF6-6B48-A147-5960D3A03122}"/>
+                  </a:ext>
+                </a:extLst>
+              </p:cNvPr>
+              <p:cNvSpPr txBox="1"/>
+              <p:nvPr/>
+            </p:nvSpPr>
+            <p:spPr>
+              <a:xfrm>
+                <a:off x="3737640" y="1198167"/>
+                <a:ext cx="1408101" cy="276999"/>
+              </a:xfrm>
+              <a:prstGeom prst="rect">
+                <a:avLst/>
+              </a:prstGeom>
+              <a:noFill/>
+            </p:spPr>
+            <p:txBody>
+              <a:bodyPr wrap="square" rtlCol="0">
+                <a:spAutoFit/>
+              </a:bodyPr>
+              <a:lstStyle/>
+              <a:p>
+                <a:pPr algn="ctr"/>
+                <a:r>
+                  <a:rPr kumimoji="1" lang="en-US" altLang="ko-Kore-KR" sz="1200" b="1" dirty="0">
+                    <a:solidFill>
+                      <a:srgbClr val="5DA2C5"/>
+                    </a:solidFill>
+                    <a:latin typeface="SHeadG" panose="02030600000101010101" pitchFamily="18" charset="-127"/>
+                    <a:ea typeface="SHeadG" panose="02030600000101010101" pitchFamily="18" charset="-127"/>
+                  </a:rPr>
+                  <a:t>Database</a:t>
+                </a:r>
+              </a:p>
+            </p:txBody>
+          </p:sp>
+        </p:grpSp>
+        <p:cxnSp>
+          <p:nvCxnSpPr>
+            <p:cNvPr id="40" name="직선 화살표 연결선 39">
+              <a:extLst>
+                <a:ext uri="{FF2B5EF4-FFF2-40B4-BE49-F238E27FC236}">
+                  <a16:creationId xmlns:a16="http://schemas.microsoft.com/office/drawing/2014/main" id="{57BE9DEE-2B76-8C4C-89C6-D361E979FB4E}"/>
+                </a:ext>
+              </a:extLst>
+            </p:cNvPr>
+            <p:cNvCxnSpPr>
+              <a:cxnSpLocks/>
+              <a:stCxn id="27" idx="3"/>
+              <a:endCxn id="30" idx="1"/>
+            </p:cNvCxnSpPr>
+            <p:nvPr/>
+          </p:nvCxnSpPr>
+          <p:spPr>
+            <a:xfrm flipV="1">
+              <a:off x="2124635" y="3323840"/>
+              <a:ext cx="865707" cy="2"/>
+            </a:xfrm>
+            <a:prstGeom prst="straightConnector1">
+              <a:avLst/>
+            </a:prstGeom>
+            <a:ln w="19050">
+              <a:solidFill>
+                <a:srgbClr val="5DA2C5"/>
+              </a:solidFill>
+              <a:tailEnd type="stealth" w="lg" len="lg"/>
+            </a:ln>
+          </p:spPr>
+          <p:style>
+            <a:lnRef idx="1">
+              <a:schemeClr val="accent1"/>
+            </a:lnRef>
+            <a:fillRef idx="0">
+              <a:schemeClr val="accent1"/>
+            </a:fillRef>
+            <a:effectRef idx="0">
+              <a:schemeClr val="accent1"/>
+            </a:effectRef>
+            <a:fontRef idx="minor">
+              <a:schemeClr val="tx1"/>
+            </a:fontRef>
+          </p:style>
+        </p:cxnSp>
+        <p:sp>
+          <p:nvSpPr>
+            <p:cNvPr id="41" name="직사각형 40">
+              <a:extLst>
+                <a:ext uri="{FF2B5EF4-FFF2-40B4-BE49-F238E27FC236}">
+                  <a16:creationId xmlns:a16="http://schemas.microsoft.com/office/drawing/2014/main" id="{37033D7E-C5CD-2348-AA60-8BF1DB658069}"/>
+                </a:ext>
+              </a:extLst>
+            </p:cNvPr>
+            <p:cNvSpPr/>
+            <p:nvPr/>
+          </p:nvSpPr>
+          <p:spPr>
+            <a:xfrm>
+              <a:off x="1640418" y="1861358"/>
+              <a:ext cx="450764" cy="338554"/>
+            </a:xfrm>
+            <a:prstGeom prst="rect">
+              <a:avLst/>
+            </a:prstGeom>
+            <a:solidFill>
+              <a:schemeClr val="bg1"/>
+            </a:solidFill>
+          </p:spPr>
+          <p:txBody>
+            <a:bodyPr wrap="square">
+              <a:spAutoFit/>
+            </a:bodyPr>
+            <a:lstStyle/>
+            <a:p>
+              <a:r>
+                <a:rPr kumimoji="1" lang="en-US" altLang="ko-Kore-KR" sz="1600" b="1" dirty="0">
+                  <a:solidFill>
+                    <a:srgbClr val="5DA2C5"/>
+                  </a:solidFill>
+                  <a:latin typeface="SHeadG" panose="02030600000101010101" pitchFamily="18" charset="-127"/>
+                  <a:ea typeface="SHeadG" panose="02030600000101010101" pitchFamily="18" charset="-127"/>
+                </a:rPr>
+                <a:t>&lt;I&gt;</a:t>
+              </a:r>
+              <a:endParaRPr lang="ko-Kore-KR" altLang="en-US" sz="1600" dirty="0"/>
+            </a:p>
+          </p:txBody>
+        </p:sp>
+        <p:cxnSp>
+          <p:nvCxnSpPr>
+            <p:cNvPr id="43" name="직선 화살표 연결선 42">
+              <a:extLst>
+                <a:ext uri="{FF2B5EF4-FFF2-40B4-BE49-F238E27FC236}">
+                  <a16:creationId xmlns:a16="http://schemas.microsoft.com/office/drawing/2014/main" id="{83F12BE0-875B-874C-B2EF-9B5CAEEFD175}"/>
+                </a:ext>
+              </a:extLst>
+            </p:cNvPr>
+            <p:cNvCxnSpPr>
+              <a:cxnSpLocks/>
+            </p:cNvCxnSpPr>
+            <p:nvPr/>
+          </p:nvCxnSpPr>
+          <p:spPr>
+            <a:xfrm>
+              <a:off x="1420584" y="2596803"/>
+              <a:ext cx="2" cy="465538"/>
+            </a:xfrm>
+            <a:prstGeom prst="straightConnector1">
+              <a:avLst/>
+            </a:prstGeom>
+            <a:ln w="19050">
+              <a:solidFill>
+                <a:srgbClr val="5DA2C5"/>
+              </a:solidFill>
+              <a:headEnd type="none"/>
+              <a:tailEnd type="none" w="lg" len="lg"/>
+            </a:ln>
+          </p:spPr>
+          <p:style>
+            <a:lnRef idx="1">
+              <a:schemeClr val="accent1"/>
+            </a:lnRef>
+            <a:fillRef idx="0">
+              <a:schemeClr val="accent1"/>
+            </a:fillRef>
+            <a:effectRef idx="0">
+              <a:schemeClr val="accent1"/>
+            </a:effectRef>
+            <a:fontRef idx="minor">
+              <a:schemeClr val="tx1"/>
+            </a:fontRef>
+          </p:style>
+        </p:cxnSp>
+        <p:sp>
+          <p:nvSpPr>
+            <p:cNvPr id="6" name="삼각형 5">
+              <a:extLst>
+                <a:ext uri="{FF2B5EF4-FFF2-40B4-BE49-F238E27FC236}">
+                  <a16:creationId xmlns:a16="http://schemas.microsoft.com/office/drawing/2014/main" id="{BD04A350-03B4-6444-B574-5325B2D6458A}"/>
+                </a:ext>
+              </a:extLst>
+            </p:cNvPr>
+            <p:cNvSpPr/>
+            <p:nvPr/>
+          </p:nvSpPr>
+          <p:spPr>
+            <a:xfrm>
+              <a:off x="1370403" y="2606994"/>
+              <a:ext cx="100361" cy="166959"/>
+            </a:xfrm>
+            <a:prstGeom prst="triangle">
+              <a:avLst/>
+            </a:prstGeom>
+            <a:solidFill>
+              <a:schemeClr val="bg1"/>
+            </a:solidFill>
+            <a:ln>
+              <a:solidFill>
+                <a:srgbClr val="0070C0"/>
+              </a:solidFill>
+            </a:ln>
+          </p:spPr>
+          <p:style>
+            <a:lnRef idx="2">
+              <a:schemeClr val="accent1">
+                <a:shade val="50000"/>
+              </a:schemeClr>
+            </a:lnRef>
+            <a:fillRef idx="1">
+              <a:schemeClr val="accent1"/>
+            </a:fillRef>
+            <a:effectRef idx="0">
+              <a:schemeClr val="accent1"/>
+            </a:effectRef>
+            <a:fontRef idx="minor">
+              <a:schemeClr val="lt1"/>
+            </a:fontRef>
+          </p:style>
+          <p:txBody>
+            <a:bodyPr rtlCol="0" anchor="ctr"/>
+            <a:lstStyle/>
+            <a:p>
+              <a:pPr algn="ctr"/>
+              <a:endParaRPr kumimoji="1" lang="ko-Kore-KR" altLang="en-US" dirty="0"/>
+            </a:p>
+          </p:txBody>
+        </p:sp>
+      </p:grpSp>
+      <p:grpSp>
+        <p:nvGrpSpPr>
+          <p:cNvPr id="44" name="그룹 43">
+            <a:extLst>
+              <a:ext uri="{FF2B5EF4-FFF2-40B4-BE49-F238E27FC236}">
+                <a16:creationId xmlns:a16="http://schemas.microsoft.com/office/drawing/2014/main" id="{DE9FA9BB-3644-7A4D-BCB6-3F5D9EF71995}"/>
+              </a:ext>
+            </a:extLst>
+          </p:cNvPr>
+          <p:cNvGrpSpPr/>
+          <p:nvPr/>
+        </p:nvGrpSpPr>
+        <p:grpSpPr>
+          <a:xfrm>
+            <a:off x="5775471" y="1043429"/>
+            <a:ext cx="3681909" cy="2550281"/>
+            <a:chOff x="716534" y="1043429"/>
+            <a:chExt cx="3681909" cy="2550281"/>
+          </a:xfrm>
+        </p:grpSpPr>
+        <p:grpSp>
+          <p:nvGrpSpPr>
+            <p:cNvPr id="45" name="그룹 44">
+              <a:extLst>
+                <a:ext uri="{FF2B5EF4-FFF2-40B4-BE49-F238E27FC236}">
+                  <a16:creationId xmlns:a16="http://schemas.microsoft.com/office/drawing/2014/main" id="{1F7119A2-F49F-2749-A937-7CC924A66A6B}"/>
+                </a:ext>
+              </a:extLst>
+            </p:cNvPr>
+            <p:cNvGrpSpPr/>
+            <p:nvPr/>
+          </p:nvGrpSpPr>
+          <p:grpSpPr>
+            <a:xfrm>
+              <a:off x="716534" y="1043429"/>
+              <a:ext cx="1408101" cy="539735"/>
+              <a:chOff x="3737640" y="1066800"/>
+              <a:chExt cx="1408101" cy="539735"/>
+            </a:xfrm>
+          </p:grpSpPr>
+          <p:sp>
+            <p:nvSpPr>
+              <p:cNvPr id="65" name="직사각형 64">
+                <a:extLst>
+                  <a:ext uri="{FF2B5EF4-FFF2-40B4-BE49-F238E27FC236}">
+                    <a16:creationId xmlns:a16="http://schemas.microsoft.com/office/drawing/2014/main" id="{9DC96775-2136-304C-8C5B-AFCD92E05C00}"/>
+                  </a:ext>
+                </a:extLst>
+              </p:cNvPr>
+              <p:cNvSpPr/>
+              <p:nvPr/>
+            </p:nvSpPr>
+            <p:spPr>
+              <a:xfrm>
+                <a:off x="3737640" y="1066800"/>
+                <a:ext cx="1408101" cy="539735"/>
+              </a:xfrm>
+              <a:prstGeom prst="rect">
+                <a:avLst/>
+              </a:prstGeom>
+              <a:ln w="25400">
+                <a:solidFill>
+                  <a:srgbClr val="5DA2C5"/>
+                </a:solidFill>
+              </a:ln>
+            </p:spPr>
+            <p:style>
+              <a:lnRef idx="1">
+                <a:schemeClr val="accent1"/>
+              </a:lnRef>
+              <a:fillRef idx="0">
+                <a:schemeClr val="accent1"/>
+              </a:fillRef>
+              <a:effectRef idx="0">
+                <a:schemeClr val="accent1"/>
+              </a:effectRef>
+              <a:fontRef idx="minor">
+                <a:schemeClr val="tx1"/>
+              </a:fontRef>
+            </p:style>
+            <p:txBody>
+              <a:bodyPr rtlCol="0" anchor="ctr"/>
+              <a:lstStyle/>
+              <a:p>
+                <a:pPr algn="ctr"/>
+                <a:endParaRPr kumimoji="1" lang="ko-Kore-KR" altLang="en-US"/>
+              </a:p>
+            </p:txBody>
+          </p:sp>
+          <p:sp>
+            <p:nvSpPr>
+              <p:cNvPr id="66" name="TextBox 65">
+                <a:extLst>
+                  <a:ext uri="{FF2B5EF4-FFF2-40B4-BE49-F238E27FC236}">
+                    <a16:creationId xmlns:a16="http://schemas.microsoft.com/office/drawing/2014/main" id="{D2BAA02F-47F5-3E47-9663-F38B43968FA9}"/>
+                  </a:ext>
+                </a:extLst>
+              </p:cNvPr>
+              <p:cNvSpPr txBox="1"/>
+              <p:nvPr/>
+            </p:nvSpPr>
+            <p:spPr>
+              <a:xfrm>
+                <a:off x="3737640" y="1105834"/>
+                <a:ext cx="1408101" cy="461665"/>
+              </a:xfrm>
+              <a:prstGeom prst="rect">
+                <a:avLst/>
+              </a:prstGeom>
+              <a:noFill/>
+            </p:spPr>
+            <p:txBody>
+              <a:bodyPr wrap="square" rtlCol="0">
+                <a:spAutoFit/>
+              </a:bodyPr>
+              <a:lstStyle/>
+              <a:p>
+                <a:pPr algn="ctr"/>
+                <a:r>
+                  <a:rPr kumimoji="1" lang="en-US" altLang="ko-Kore-KR" sz="1200" b="1" dirty="0">
+                    <a:solidFill>
+                      <a:srgbClr val="5DA2C5"/>
+                    </a:solidFill>
+                    <a:latin typeface="SHeadG" panose="02030600000101010101" pitchFamily="18" charset="-127"/>
+                    <a:ea typeface="SHeadG" panose="02030600000101010101" pitchFamily="18" charset="-127"/>
+                  </a:rPr>
+                  <a:t>Business</a:t>
+                </a:r>
+              </a:p>
+              <a:p>
+                <a:pPr algn="ctr"/>
+                <a:r>
+                  <a:rPr kumimoji="1" lang="en-US" altLang="ko-Kore-KR" sz="1200" b="1" dirty="0">
+                    <a:solidFill>
+                      <a:srgbClr val="5DA2C5"/>
+                    </a:solidFill>
+                    <a:latin typeface="SHeadG" panose="02030600000101010101" pitchFamily="18" charset="-127"/>
+                    <a:ea typeface="SHeadG" panose="02030600000101010101" pitchFamily="18" charset="-127"/>
+                  </a:rPr>
+                  <a:t>Rules</a:t>
+                </a:r>
+                <a:endParaRPr kumimoji="1" lang="ko-Kore-KR" altLang="en-US" sz="1200" b="1" dirty="0">
+                  <a:solidFill>
+                    <a:srgbClr val="5DA2C5"/>
+                  </a:solidFill>
+                  <a:latin typeface="SHeadG" panose="02030600000101010101" pitchFamily="18" charset="-127"/>
+                  <a:ea typeface="SHeadG" panose="02030600000101010101" pitchFamily="18" charset="-127"/>
+                </a:endParaRPr>
+              </a:p>
+            </p:txBody>
+          </p:sp>
+        </p:grpSp>
+        <p:cxnSp>
+          <p:nvCxnSpPr>
+            <p:cNvPr id="46" name="직선 화살표 연결선 45">
+              <a:extLst>
+                <a:ext uri="{FF2B5EF4-FFF2-40B4-BE49-F238E27FC236}">
+                  <a16:creationId xmlns:a16="http://schemas.microsoft.com/office/drawing/2014/main" id="{CFA0D273-E2C4-F641-A4B1-D687FB8CB47E}"/>
+                </a:ext>
+              </a:extLst>
+            </p:cNvPr>
+            <p:cNvCxnSpPr>
+              <a:cxnSpLocks/>
+              <a:stCxn id="65" idx="2"/>
+            </p:cNvCxnSpPr>
+            <p:nvPr/>
+          </p:nvCxnSpPr>
+          <p:spPr>
+            <a:xfrm>
+              <a:off x="1420585" y="1583164"/>
+              <a:ext cx="2" cy="465538"/>
+            </a:xfrm>
+            <a:prstGeom prst="straightConnector1">
+              <a:avLst/>
+            </a:prstGeom>
+            <a:ln w="19050">
+              <a:solidFill>
+                <a:srgbClr val="5DA2C5"/>
+              </a:solidFill>
+              <a:tailEnd type="stealth" w="lg" len="lg"/>
+            </a:ln>
+          </p:spPr>
+          <p:style>
+            <a:lnRef idx="1">
+              <a:schemeClr val="accent1"/>
+            </a:lnRef>
+            <a:fillRef idx="0">
+              <a:schemeClr val="accent1"/>
+            </a:fillRef>
+            <a:effectRef idx="0">
+              <a:schemeClr val="accent1"/>
+            </a:effectRef>
+            <a:fontRef idx="minor">
+              <a:schemeClr val="tx1"/>
+            </a:fontRef>
+          </p:style>
+        </p:cxnSp>
+        <p:grpSp>
+          <p:nvGrpSpPr>
+            <p:cNvPr id="47" name="그룹 46">
+              <a:extLst>
+                <a:ext uri="{FF2B5EF4-FFF2-40B4-BE49-F238E27FC236}">
+                  <a16:creationId xmlns:a16="http://schemas.microsoft.com/office/drawing/2014/main" id="{F3A32B99-BE28-6842-AE4C-42B8274DD047}"/>
+                </a:ext>
+              </a:extLst>
+            </p:cNvPr>
+            <p:cNvGrpSpPr/>
+            <p:nvPr/>
+          </p:nvGrpSpPr>
+          <p:grpSpPr>
+            <a:xfrm>
+              <a:off x="716534" y="2048702"/>
+              <a:ext cx="1408101" cy="539735"/>
+              <a:chOff x="3737640" y="1066800"/>
+              <a:chExt cx="1408101" cy="539735"/>
+            </a:xfrm>
+          </p:grpSpPr>
+          <p:sp>
+            <p:nvSpPr>
+              <p:cNvPr id="63" name="직사각형 62">
+                <a:extLst>
+                  <a:ext uri="{FF2B5EF4-FFF2-40B4-BE49-F238E27FC236}">
+                    <a16:creationId xmlns:a16="http://schemas.microsoft.com/office/drawing/2014/main" id="{D95D8B8A-41D8-1540-A159-A80850E3ED93}"/>
+                  </a:ext>
+                </a:extLst>
+              </p:cNvPr>
+              <p:cNvSpPr/>
+              <p:nvPr/>
+            </p:nvSpPr>
+            <p:spPr>
+              <a:xfrm>
+                <a:off x="3737640" y="1066800"/>
+                <a:ext cx="1408101" cy="539735"/>
+              </a:xfrm>
+              <a:prstGeom prst="rect">
+                <a:avLst/>
+              </a:prstGeom>
+              <a:ln w="25400">
+                <a:solidFill>
+                  <a:srgbClr val="5DA2C5"/>
+                </a:solidFill>
+              </a:ln>
+            </p:spPr>
+            <p:style>
+              <a:lnRef idx="1">
+                <a:schemeClr val="accent1"/>
+              </a:lnRef>
+              <a:fillRef idx="0">
+                <a:schemeClr val="accent1"/>
+              </a:fillRef>
+              <a:effectRef idx="0">
+                <a:schemeClr val="accent1"/>
+              </a:effectRef>
+              <a:fontRef idx="minor">
+                <a:schemeClr val="tx1"/>
+              </a:fontRef>
+            </p:style>
+            <p:txBody>
+              <a:bodyPr rtlCol="0" anchor="ctr"/>
+              <a:lstStyle/>
+              <a:p>
+                <a:pPr algn="ctr"/>
+                <a:endParaRPr kumimoji="1" lang="ko-Kore-KR" altLang="en-US"/>
+              </a:p>
+            </p:txBody>
+          </p:sp>
+          <p:sp>
+            <p:nvSpPr>
+              <p:cNvPr id="64" name="TextBox 63">
+                <a:extLst>
+                  <a:ext uri="{FF2B5EF4-FFF2-40B4-BE49-F238E27FC236}">
+                    <a16:creationId xmlns:a16="http://schemas.microsoft.com/office/drawing/2014/main" id="{5F5CEB7C-140F-244D-8547-4A69DA0CC397}"/>
+                  </a:ext>
+                </a:extLst>
+              </p:cNvPr>
+              <p:cNvSpPr txBox="1"/>
+              <p:nvPr/>
+            </p:nvSpPr>
+            <p:spPr>
+              <a:xfrm>
+                <a:off x="3737640" y="1105834"/>
+                <a:ext cx="1408101" cy="461665"/>
+              </a:xfrm>
+              <a:prstGeom prst="rect">
+                <a:avLst/>
+              </a:prstGeom>
+              <a:noFill/>
+            </p:spPr>
+            <p:txBody>
+              <a:bodyPr wrap="square" rtlCol="0">
+                <a:spAutoFit/>
+              </a:bodyPr>
+              <a:lstStyle/>
+              <a:p>
+                <a:pPr algn="ctr"/>
+                <a:r>
+                  <a:rPr kumimoji="1" lang="en-US" altLang="ko-Kore-KR" sz="1200" b="1" dirty="0">
+                    <a:solidFill>
+                      <a:srgbClr val="5DA2C5"/>
+                    </a:solidFill>
+                    <a:latin typeface="SHeadG" panose="02030600000101010101" pitchFamily="18" charset="-127"/>
+                    <a:ea typeface="SHeadG" panose="02030600000101010101" pitchFamily="18" charset="-127"/>
+                  </a:rPr>
+                  <a:t>Database</a:t>
+                </a:r>
+              </a:p>
+              <a:p>
+                <a:pPr algn="ctr"/>
+                <a:r>
+                  <a:rPr kumimoji="1" lang="en-US" altLang="ko-Kore-KR" sz="1200" b="1" dirty="0">
+                    <a:solidFill>
+                      <a:srgbClr val="5DA2C5"/>
+                    </a:solidFill>
+                    <a:latin typeface="SHeadG" panose="02030600000101010101" pitchFamily="18" charset="-127"/>
+                    <a:ea typeface="SHeadG" panose="02030600000101010101" pitchFamily="18" charset="-127"/>
+                  </a:rPr>
+                  <a:t>Interface</a:t>
+                </a:r>
+                <a:endParaRPr kumimoji="1" lang="ko-Kore-KR" altLang="en-US" sz="1200" b="1" dirty="0">
+                  <a:solidFill>
+                    <a:srgbClr val="5DA2C5"/>
+                  </a:solidFill>
+                  <a:latin typeface="SHeadG" panose="02030600000101010101" pitchFamily="18" charset="-127"/>
+                  <a:ea typeface="SHeadG" panose="02030600000101010101" pitchFamily="18" charset="-127"/>
+                </a:endParaRPr>
+              </a:p>
+            </p:txBody>
+          </p:sp>
+        </p:grpSp>
+        <p:grpSp>
+          <p:nvGrpSpPr>
+            <p:cNvPr id="48" name="그룹 47">
+              <a:extLst>
+                <a:ext uri="{FF2B5EF4-FFF2-40B4-BE49-F238E27FC236}">
+                  <a16:creationId xmlns:a16="http://schemas.microsoft.com/office/drawing/2014/main" id="{AAE0C2E3-D9AF-5742-AA19-D993FE63769A}"/>
+                </a:ext>
+              </a:extLst>
+            </p:cNvPr>
+            <p:cNvGrpSpPr/>
+            <p:nvPr/>
+          </p:nvGrpSpPr>
+          <p:grpSpPr>
+            <a:xfrm>
+              <a:off x="716534" y="3053975"/>
+              <a:ext cx="1408101" cy="539735"/>
+              <a:chOff x="3737640" y="1066800"/>
+              <a:chExt cx="1408101" cy="539735"/>
+            </a:xfrm>
+          </p:grpSpPr>
+          <p:sp>
+            <p:nvSpPr>
+              <p:cNvPr id="61" name="직사각형 60">
+                <a:extLst>
+                  <a:ext uri="{FF2B5EF4-FFF2-40B4-BE49-F238E27FC236}">
+                    <a16:creationId xmlns:a16="http://schemas.microsoft.com/office/drawing/2014/main" id="{4B89EB23-7D59-9C41-A70F-34E51D8B7D49}"/>
+                  </a:ext>
+                </a:extLst>
+              </p:cNvPr>
+              <p:cNvSpPr/>
+              <p:nvPr/>
+            </p:nvSpPr>
+            <p:spPr>
+              <a:xfrm>
+                <a:off x="3737640" y="1066800"/>
+                <a:ext cx="1408101" cy="539735"/>
+              </a:xfrm>
+              <a:prstGeom prst="rect">
+                <a:avLst/>
+              </a:prstGeom>
+              <a:ln w="25400">
+                <a:solidFill>
+                  <a:srgbClr val="5DA2C5"/>
+                </a:solidFill>
+              </a:ln>
+            </p:spPr>
+            <p:style>
+              <a:lnRef idx="1">
+                <a:schemeClr val="accent1"/>
+              </a:lnRef>
+              <a:fillRef idx="0">
+                <a:schemeClr val="accent1"/>
+              </a:fillRef>
+              <a:effectRef idx="0">
+                <a:schemeClr val="accent1"/>
+              </a:effectRef>
+              <a:fontRef idx="minor">
+                <a:schemeClr val="tx1"/>
+              </a:fontRef>
+            </p:style>
+            <p:txBody>
+              <a:bodyPr rtlCol="0" anchor="ctr"/>
+              <a:lstStyle/>
+              <a:p>
+                <a:pPr algn="ctr"/>
+                <a:endParaRPr kumimoji="1" lang="ko-Kore-KR" altLang="en-US"/>
+              </a:p>
+            </p:txBody>
+          </p:sp>
+          <p:sp>
+            <p:nvSpPr>
+              <p:cNvPr id="62" name="TextBox 61">
+                <a:extLst>
+                  <a:ext uri="{FF2B5EF4-FFF2-40B4-BE49-F238E27FC236}">
+                    <a16:creationId xmlns:a16="http://schemas.microsoft.com/office/drawing/2014/main" id="{0C60C0DD-0F50-C347-8DA2-B3A0B5611A53}"/>
+                  </a:ext>
+                </a:extLst>
+              </p:cNvPr>
+              <p:cNvSpPr txBox="1"/>
+              <p:nvPr/>
+            </p:nvSpPr>
+            <p:spPr>
+              <a:xfrm>
+                <a:off x="3737640" y="1105834"/>
+                <a:ext cx="1408101" cy="461665"/>
+              </a:xfrm>
+              <a:prstGeom prst="rect">
+                <a:avLst/>
+              </a:prstGeom>
+              <a:noFill/>
+            </p:spPr>
+            <p:txBody>
+              <a:bodyPr wrap="square" rtlCol="0">
+                <a:spAutoFit/>
+              </a:bodyPr>
+              <a:lstStyle/>
+              <a:p>
+                <a:pPr algn="ctr"/>
+                <a:r>
+                  <a:rPr kumimoji="1" lang="en-US" altLang="ko-Kore-KR" sz="1200" b="1" dirty="0">
+                    <a:solidFill>
+                      <a:srgbClr val="5DA2C5"/>
+                    </a:solidFill>
+                    <a:latin typeface="SHeadG" panose="02030600000101010101" pitchFamily="18" charset="-127"/>
+                    <a:ea typeface="SHeadG" panose="02030600000101010101" pitchFamily="18" charset="-127"/>
+                  </a:rPr>
+                  <a:t>Database</a:t>
+                </a:r>
+              </a:p>
+              <a:p>
+                <a:pPr algn="ctr"/>
+                <a:r>
+                  <a:rPr kumimoji="1" lang="en-US" altLang="ko-Kore-KR" sz="1200" b="1" dirty="0">
+                    <a:solidFill>
+                      <a:srgbClr val="5DA2C5"/>
+                    </a:solidFill>
+                    <a:latin typeface="SHeadG" panose="02030600000101010101" pitchFamily="18" charset="-127"/>
+                    <a:ea typeface="SHeadG" panose="02030600000101010101" pitchFamily="18" charset="-127"/>
+                  </a:rPr>
+                  <a:t>Access</a:t>
+                </a:r>
+                <a:endParaRPr kumimoji="1" lang="ko-Kore-KR" altLang="en-US" sz="1200" b="1" dirty="0">
+                  <a:solidFill>
+                    <a:srgbClr val="5DA2C5"/>
+                  </a:solidFill>
+                  <a:latin typeface="SHeadG" panose="02030600000101010101" pitchFamily="18" charset="-127"/>
+                  <a:ea typeface="SHeadG" panose="02030600000101010101" pitchFamily="18" charset="-127"/>
+                </a:endParaRPr>
+              </a:p>
+            </p:txBody>
+          </p:sp>
+        </p:grpSp>
+        <p:grpSp>
+          <p:nvGrpSpPr>
+            <p:cNvPr id="49" name="그룹 48">
+              <a:extLst>
+                <a:ext uri="{FF2B5EF4-FFF2-40B4-BE49-F238E27FC236}">
+                  <a16:creationId xmlns:a16="http://schemas.microsoft.com/office/drawing/2014/main" id="{B3D3F565-EC2A-8042-A1E1-B6AAD81FB387}"/>
+                </a:ext>
+              </a:extLst>
+            </p:cNvPr>
+            <p:cNvGrpSpPr/>
+            <p:nvPr/>
+          </p:nvGrpSpPr>
+          <p:grpSpPr>
+            <a:xfrm>
+              <a:off x="2990342" y="3053973"/>
+              <a:ext cx="1408101" cy="539735"/>
+              <a:chOff x="3737640" y="1066800"/>
+              <a:chExt cx="1408101" cy="539735"/>
+            </a:xfrm>
+          </p:grpSpPr>
+          <p:sp>
+            <p:nvSpPr>
+              <p:cNvPr id="59" name="직사각형 58">
+                <a:extLst>
+                  <a:ext uri="{FF2B5EF4-FFF2-40B4-BE49-F238E27FC236}">
+                    <a16:creationId xmlns:a16="http://schemas.microsoft.com/office/drawing/2014/main" id="{2B870BB3-CC8D-C245-9135-48FF0BF26B7D}"/>
+                  </a:ext>
+                </a:extLst>
+              </p:cNvPr>
+              <p:cNvSpPr/>
+              <p:nvPr/>
+            </p:nvSpPr>
+            <p:spPr>
+              <a:xfrm>
+                <a:off x="3737640" y="1066800"/>
+                <a:ext cx="1408101" cy="539735"/>
+              </a:xfrm>
+              <a:prstGeom prst="rect">
+                <a:avLst/>
+              </a:prstGeom>
+              <a:ln w="25400">
+                <a:solidFill>
+                  <a:srgbClr val="5DA2C5"/>
+                </a:solidFill>
+              </a:ln>
+            </p:spPr>
+            <p:style>
+              <a:lnRef idx="1">
+                <a:schemeClr val="accent1"/>
+              </a:lnRef>
+              <a:fillRef idx="0">
+                <a:schemeClr val="accent1"/>
+              </a:fillRef>
+              <a:effectRef idx="0">
+                <a:schemeClr val="accent1"/>
+              </a:effectRef>
+              <a:fontRef idx="minor">
+                <a:schemeClr val="tx1"/>
+              </a:fontRef>
+            </p:style>
+            <p:txBody>
+              <a:bodyPr rtlCol="0" anchor="ctr"/>
+              <a:lstStyle/>
+              <a:p>
+                <a:pPr algn="ctr"/>
+                <a:endParaRPr kumimoji="1" lang="ko-Kore-KR" altLang="en-US"/>
+              </a:p>
+            </p:txBody>
+          </p:sp>
+          <p:sp>
+            <p:nvSpPr>
+              <p:cNvPr id="60" name="TextBox 59">
+                <a:extLst>
+                  <a:ext uri="{FF2B5EF4-FFF2-40B4-BE49-F238E27FC236}">
+                    <a16:creationId xmlns:a16="http://schemas.microsoft.com/office/drawing/2014/main" id="{365B9DD1-8038-8E4C-A0C9-89392C88E0EE}"/>
+                  </a:ext>
+                </a:extLst>
+              </p:cNvPr>
+              <p:cNvSpPr txBox="1"/>
+              <p:nvPr/>
+            </p:nvSpPr>
+            <p:spPr>
+              <a:xfrm>
+                <a:off x="3737640" y="1198167"/>
+                <a:ext cx="1408101" cy="276999"/>
+              </a:xfrm>
+              <a:prstGeom prst="rect">
+                <a:avLst/>
+              </a:prstGeom>
+              <a:noFill/>
+            </p:spPr>
+            <p:txBody>
+              <a:bodyPr wrap="square" rtlCol="0">
+                <a:spAutoFit/>
+              </a:bodyPr>
+              <a:lstStyle/>
+              <a:p>
+                <a:pPr algn="ctr"/>
+                <a:r>
+                  <a:rPr kumimoji="1" lang="en-US" altLang="ko-Kore-KR" sz="1200" b="1" dirty="0">
+                    <a:solidFill>
+                      <a:srgbClr val="5DA2C5"/>
+                    </a:solidFill>
+                    <a:latin typeface="SHeadG" panose="02030600000101010101" pitchFamily="18" charset="-127"/>
+                    <a:ea typeface="SHeadG" panose="02030600000101010101" pitchFamily="18" charset="-127"/>
+                  </a:rPr>
+                  <a:t>Database</a:t>
+                </a:r>
+              </a:p>
+            </p:txBody>
+          </p:sp>
+        </p:grpSp>
+        <p:cxnSp>
+          <p:nvCxnSpPr>
+            <p:cNvPr id="55" name="직선 화살표 연결선 54">
+              <a:extLst>
+                <a:ext uri="{FF2B5EF4-FFF2-40B4-BE49-F238E27FC236}">
+                  <a16:creationId xmlns:a16="http://schemas.microsoft.com/office/drawing/2014/main" id="{4B1695F5-7446-2B44-B180-0E4BB78EAC12}"/>
+                </a:ext>
+              </a:extLst>
+            </p:cNvPr>
+            <p:cNvCxnSpPr>
+              <a:cxnSpLocks/>
+              <a:stCxn id="62" idx="3"/>
+              <a:endCxn id="60" idx="1"/>
+            </p:cNvCxnSpPr>
+            <p:nvPr/>
+          </p:nvCxnSpPr>
+          <p:spPr>
+            <a:xfrm flipV="1">
+              <a:off x="2124635" y="3323840"/>
+              <a:ext cx="865707" cy="2"/>
+            </a:xfrm>
+            <a:prstGeom prst="straightConnector1">
+              <a:avLst/>
+            </a:prstGeom>
+            <a:ln w="19050">
+              <a:solidFill>
+                <a:srgbClr val="5DA2C5"/>
+              </a:solidFill>
+              <a:tailEnd type="stealth" w="lg" len="lg"/>
+            </a:ln>
+          </p:spPr>
+          <p:style>
+            <a:lnRef idx="1">
+              <a:schemeClr val="accent1"/>
+            </a:lnRef>
+            <a:fillRef idx="0">
+              <a:schemeClr val="accent1"/>
+            </a:fillRef>
+            <a:effectRef idx="0">
+              <a:schemeClr val="accent1"/>
+            </a:effectRef>
+            <a:fontRef idx="minor">
+              <a:schemeClr val="tx1"/>
+            </a:fontRef>
+          </p:style>
+        </p:cxnSp>
+        <p:sp>
+          <p:nvSpPr>
+            <p:cNvPr id="56" name="직사각형 55">
+              <a:extLst>
+                <a:ext uri="{FF2B5EF4-FFF2-40B4-BE49-F238E27FC236}">
+                  <a16:creationId xmlns:a16="http://schemas.microsoft.com/office/drawing/2014/main" id="{0B4514B9-F583-F044-8567-FE6805CBAA9B}"/>
+                </a:ext>
+              </a:extLst>
+            </p:cNvPr>
+            <p:cNvSpPr/>
+            <p:nvPr/>
+          </p:nvSpPr>
+          <p:spPr>
+            <a:xfrm>
+              <a:off x="1640418" y="1861358"/>
+              <a:ext cx="450764" cy="338554"/>
+            </a:xfrm>
+            <a:prstGeom prst="rect">
+              <a:avLst/>
+            </a:prstGeom>
+            <a:solidFill>
+              <a:schemeClr val="bg1"/>
+            </a:solidFill>
+          </p:spPr>
+          <p:txBody>
+            <a:bodyPr wrap="square">
+              <a:spAutoFit/>
+            </a:bodyPr>
+            <a:lstStyle/>
+            <a:p>
+              <a:r>
+                <a:rPr kumimoji="1" lang="en-US" altLang="ko-Kore-KR" sz="1600" b="1" dirty="0">
+                  <a:solidFill>
+                    <a:srgbClr val="5DA2C5"/>
+                  </a:solidFill>
+                  <a:latin typeface="SHeadG" panose="02030600000101010101" pitchFamily="18" charset="-127"/>
+                  <a:ea typeface="SHeadG" panose="02030600000101010101" pitchFamily="18" charset="-127"/>
+                </a:rPr>
+                <a:t>&lt;I&gt;</a:t>
+              </a:r>
+              <a:endParaRPr lang="ko-Kore-KR" altLang="en-US" sz="1600" dirty="0"/>
+            </a:p>
+          </p:txBody>
+        </p:sp>
+        <p:cxnSp>
+          <p:nvCxnSpPr>
+            <p:cNvPr id="57" name="직선 화살표 연결선 56">
+              <a:extLst>
+                <a:ext uri="{FF2B5EF4-FFF2-40B4-BE49-F238E27FC236}">
+                  <a16:creationId xmlns:a16="http://schemas.microsoft.com/office/drawing/2014/main" id="{15605DD5-417E-694C-BCEE-B6904C2C26DA}"/>
+                </a:ext>
+              </a:extLst>
+            </p:cNvPr>
+            <p:cNvCxnSpPr>
+              <a:cxnSpLocks/>
+            </p:cNvCxnSpPr>
+            <p:nvPr/>
+          </p:nvCxnSpPr>
+          <p:spPr>
+            <a:xfrm>
+              <a:off x="1420584" y="2596803"/>
+              <a:ext cx="2" cy="465538"/>
+            </a:xfrm>
+            <a:prstGeom prst="straightConnector1">
+              <a:avLst/>
+            </a:prstGeom>
+            <a:ln w="19050">
+              <a:solidFill>
+                <a:srgbClr val="5DA2C5"/>
+              </a:solidFill>
+              <a:headEnd type="none"/>
+              <a:tailEnd type="none" w="lg" len="lg"/>
+            </a:ln>
+          </p:spPr>
+          <p:style>
+            <a:lnRef idx="1">
+              <a:schemeClr val="accent1"/>
+            </a:lnRef>
+            <a:fillRef idx="0">
+              <a:schemeClr val="accent1"/>
+            </a:fillRef>
+            <a:effectRef idx="0">
+              <a:schemeClr val="accent1"/>
+            </a:effectRef>
+            <a:fontRef idx="minor">
+              <a:schemeClr val="tx1"/>
+            </a:fontRef>
+          </p:style>
+        </p:cxnSp>
+        <p:sp>
+          <p:nvSpPr>
+            <p:cNvPr id="58" name="삼각형 57">
+              <a:extLst>
+                <a:ext uri="{FF2B5EF4-FFF2-40B4-BE49-F238E27FC236}">
+                  <a16:creationId xmlns:a16="http://schemas.microsoft.com/office/drawing/2014/main" id="{877E45ED-40EB-5647-92B9-27999913CA51}"/>
+                </a:ext>
+              </a:extLst>
+            </p:cNvPr>
+            <p:cNvSpPr/>
+            <p:nvPr/>
+          </p:nvSpPr>
+          <p:spPr>
+            <a:xfrm>
+              <a:off x="1370403" y="2606994"/>
+              <a:ext cx="100361" cy="166959"/>
+            </a:xfrm>
+            <a:prstGeom prst="triangle">
+              <a:avLst/>
+            </a:prstGeom>
+            <a:solidFill>
+              <a:schemeClr val="bg1"/>
+            </a:solidFill>
+            <a:ln>
+              <a:solidFill>
+                <a:srgbClr val="0070C0"/>
+              </a:solidFill>
+            </a:ln>
+          </p:spPr>
+          <p:style>
+            <a:lnRef idx="2">
+              <a:schemeClr val="accent1">
+                <a:shade val="50000"/>
+              </a:schemeClr>
+            </a:lnRef>
+            <a:fillRef idx="1">
+              <a:schemeClr val="accent1"/>
+            </a:fillRef>
+            <a:effectRef idx="0">
+              <a:schemeClr val="accent1"/>
+            </a:effectRef>
+            <a:fontRef idx="minor">
+              <a:schemeClr val="lt1"/>
+            </a:fontRef>
+          </p:style>
+          <p:txBody>
+            <a:bodyPr rtlCol="0" anchor="ctr"/>
+            <a:lstStyle/>
+            <a:p>
+              <a:pPr algn="ctr"/>
+              <a:endParaRPr kumimoji="1" lang="ko-Kore-KR" altLang="en-US" dirty="0"/>
+            </a:p>
+          </p:txBody>
+        </p:sp>
+      </p:grpSp>
+      <p:cxnSp>
+        <p:nvCxnSpPr>
+          <p:cNvPr id="17" name="직선 연결선[R] 16">
+            <a:extLst>
+              <a:ext uri="{FF2B5EF4-FFF2-40B4-BE49-F238E27FC236}">
+                <a16:creationId xmlns:a16="http://schemas.microsoft.com/office/drawing/2014/main" id="{546ABA3B-3E81-3543-B39D-18C4355DF064}"/>
+              </a:ext>
+            </a:extLst>
+          </p:cNvPr>
+          <p:cNvCxnSpPr/>
+          <p:nvPr/>
+        </p:nvCxnSpPr>
+        <p:spPr>
+          <a:xfrm flipV="1">
+            <a:off x="5016147" y="2628882"/>
+            <a:ext cx="3033132" cy="411387"/>
+          </a:xfrm>
+          <a:prstGeom prst="line">
+            <a:avLst/>
+          </a:prstGeom>
+          <a:ln w="50800">
+            <a:solidFill>
+              <a:schemeClr val="tx1">
+                <a:lumMod val="50000"/>
+                <a:lumOff val="50000"/>
+              </a:schemeClr>
+            </a:solidFill>
+          </a:ln>
+        </p:spPr>
+        <p:style>
+          <a:lnRef idx="1">
+            <a:schemeClr val="accent1"/>
+          </a:lnRef>
+          <a:fillRef idx="0">
+            <a:schemeClr val="accent1"/>
+          </a:fillRef>
+          <a:effectRef idx="0">
+            <a:schemeClr val="accent1"/>
+          </a:effectRef>
+          <a:fontRef idx="minor">
+            <a:schemeClr val="tx1"/>
+          </a:fontRef>
+        </p:style>
+      </p:cxnSp>
+    </p:spTree>
+    <p:extLst>
+      <p:ext uri="{BB962C8B-B14F-4D97-AF65-F5344CB8AC3E}">
+        <p14:creationId xmlns:p14="http://schemas.microsoft.com/office/powerpoint/2010/main" val="4292089034"/>
+      </p:ext>
+    </p:extLst>
+  </p:cSld>
+  <p:clrMapOvr>
+    <a:masterClrMapping/>
+  </p:clrMapOvr>
+</p:sld>
+</file>
+
+<file path=ppt/slides/slide9.xml><?xml version="1.0" encoding="utf-8"?>
+<p:sld xmlns:a="http://schemas.openxmlformats.org/drawingml/2006/main" xmlns:r="http://schemas.openxmlformats.org/officeDocument/2006/relationships" xmlns:p="http://schemas.openxmlformats.org/presentationml/2006/main">
+  <p:cSld>
+    <p:spTree>
+      <p:nvGrpSpPr>
+        <p:cNvPr id="1" name=""/>
+        <p:cNvGrpSpPr/>
+        <p:nvPr/>
+      </p:nvGrpSpPr>
+      <p:grpSpPr>
+        <a:xfrm>
+          <a:off x="0" y="0"/>
+          <a:ext cx="0" cy="0"/>
+          <a:chOff x="0" y="0"/>
+          <a:chExt cx="0" cy="0"/>
+        </a:xfrm>
+      </p:grpSpPr>
       <p:sp>
         <p:nvSpPr>
           <p:cNvPr id="18" name="직사각형 17">
@@ -44751,1593 +47939,6 @@
     <p:extLst>
       <p:ext uri="{BB962C8B-B14F-4D97-AF65-F5344CB8AC3E}">
         <p14:creationId xmlns:p14="http://schemas.microsoft.com/office/powerpoint/2010/main" val="458789575"/>
-      </p:ext>
-    </p:extLst>
-  </p:cSld>
-  <p:clrMapOvr>
-    <a:masterClrMapping/>
-  </p:clrMapOvr>
-</p:sld>
-</file>
-
-<file path=ppt/slides/slide9.xml><?xml version="1.0" encoding="utf-8"?>
-<p:sld xmlns:a="http://schemas.openxmlformats.org/drawingml/2006/main" xmlns:r="http://schemas.openxmlformats.org/officeDocument/2006/relationships" xmlns:p="http://schemas.openxmlformats.org/presentationml/2006/main">
-  <p:cSld>
-    <p:spTree>
-      <p:nvGrpSpPr>
-        <p:cNvPr id="1" name=""/>
-        <p:cNvGrpSpPr/>
-        <p:nvPr/>
-      </p:nvGrpSpPr>
-      <p:grpSpPr>
-        <a:xfrm>
-          <a:off x="0" y="0"/>
-          <a:ext cx="0" cy="0"/>
-          <a:chOff x="0" y="0"/>
-          <a:chExt cx="0" cy="0"/>
-        </a:xfrm>
-      </p:grpSpPr>
-      <p:grpSp>
-        <p:nvGrpSpPr>
-          <p:cNvPr id="2" name="그룹 1">
-            <a:extLst>
-              <a:ext uri="{FF2B5EF4-FFF2-40B4-BE49-F238E27FC236}">
-                <a16:creationId xmlns:a16="http://schemas.microsoft.com/office/drawing/2014/main" id="{2A8C86BE-CDE3-4047-84BA-43672BF1957F}"/>
-              </a:ext>
-            </a:extLst>
-          </p:cNvPr>
-          <p:cNvGrpSpPr/>
-          <p:nvPr/>
-        </p:nvGrpSpPr>
-        <p:grpSpPr>
-          <a:xfrm>
-            <a:off x="716387" y="605801"/>
-            <a:ext cx="2669759" cy="2570305"/>
-            <a:chOff x="716387" y="605801"/>
-            <a:chExt cx="2669759" cy="2570305"/>
-          </a:xfrm>
-        </p:grpSpPr>
-        <p:sp>
-          <p:nvSpPr>
-            <p:cNvPr id="85" name="타원 84">
-              <a:extLst>
-                <a:ext uri="{FF2B5EF4-FFF2-40B4-BE49-F238E27FC236}">
-                  <a16:creationId xmlns:a16="http://schemas.microsoft.com/office/drawing/2014/main" id="{8C91C235-4F74-FF4E-B208-CBD64908DDEC}"/>
-                </a:ext>
-              </a:extLst>
-            </p:cNvPr>
-            <p:cNvSpPr/>
-            <p:nvPr/>
-          </p:nvSpPr>
-          <p:spPr>
-            <a:xfrm>
-              <a:off x="716387" y="605801"/>
-              <a:ext cx="2669759" cy="2570305"/>
-            </a:xfrm>
-            <a:prstGeom prst="ellipse">
-              <a:avLst/>
-            </a:prstGeom>
-            <a:noFill/>
-            <a:ln w="25400">
-              <a:solidFill>
-                <a:srgbClr val="5DA2C5"/>
-              </a:solidFill>
-            </a:ln>
-          </p:spPr>
-          <p:style>
-            <a:lnRef idx="2">
-              <a:schemeClr val="accent1">
-                <a:shade val="50000"/>
-              </a:schemeClr>
-            </a:lnRef>
-            <a:fillRef idx="1">
-              <a:schemeClr val="accent1"/>
-            </a:fillRef>
-            <a:effectRef idx="0">
-              <a:schemeClr val="accent1"/>
-            </a:effectRef>
-            <a:fontRef idx="minor">
-              <a:schemeClr val="lt1"/>
-            </a:fontRef>
-          </p:style>
-          <p:txBody>
-            <a:bodyPr rtlCol="0" anchor="ctr"/>
-            <a:lstStyle/>
-            <a:p>
-              <a:pPr algn="ctr"/>
-              <a:endParaRPr kumimoji="1" lang="ko-Kore-KR" altLang="en-US" dirty="0"/>
-            </a:p>
-          </p:txBody>
-        </p:sp>
-        <p:sp>
-          <p:nvSpPr>
-            <p:cNvPr id="87" name="TextBox 86">
-              <a:extLst>
-                <a:ext uri="{FF2B5EF4-FFF2-40B4-BE49-F238E27FC236}">
-                  <a16:creationId xmlns:a16="http://schemas.microsoft.com/office/drawing/2014/main" id="{BEEF7569-022A-2D4F-B929-BEEA8FD1570F}"/>
-                </a:ext>
-              </a:extLst>
-            </p:cNvPr>
-            <p:cNvSpPr txBox="1"/>
-            <p:nvPr/>
-          </p:nvSpPr>
-          <p:spPr>
-            <a:xfrm>
-              <a:off x="1430240" y="688873"/>
-              <a:ext cx="1242052" cy="276999"/>
-            </a:xfrm>
-            <a:prstGeom prst="rect">
-              <a:avLst/>
-            </a:prstGeom>
-            <a:noFill/>
-          </p:spPr>
-          <p:txBody>
-            <a:bodyPr wrap="square" rtlCol="0">
-              <a:spAutoFit/>
-            </a:bodyPr>
-            <a:lstStyle/>
-            <a:p>
-              <a:pPr algn="ctr"/>
-              <a:r>
-                <a:rPr kumimoji="1" lang="ko-KR" altLang="en-US" sz="1200" b="1" dirty="0">
-                  <a:solidFill>
-                    <a:srgbClr val="5DA2C5"/>
-                  </a:solidFill>
-                  <a:latin typeface="SHeadG" panose="02030600000101010101" pitchFamily="18" charset="-127"/>
-                  <a:ea typeface="SHeadG" panose="02030600000101010101" pitchFamily="18" charset="-127"/>
-                </a:rPr>
-                <a:t>인프라</a:t>
-              </a:r>
-              <a:endParaRPr kumimoji="1" lang="ko-Kore-KR" altLang="en-US" sz="1200" b="1" dirty="0">
-                <a:solidFill>
-                  <a:srgbClr val="5DA2C5"/>
-                </a:solidFill>
-                <a:latin typeface="SHeadG" panose="02030600000101010101" pitchFamily="18" charset="-127"/>
-                <a:ea typeface="SHeadG" panose="02030600000101010101" pitchFamily="18" charset="-127"/>
-              </a:endParaRPr>
-            </a:p>
-          </p:txBody>
-        </p:sp>
-        <p:sp>
-          <p:nvSpPr>
-            <p:cNvPr id="89" name="타원 88">
-              <a:extLst>
-                <a:ext uri="{FF2B5EF4-FFF2-40B4-BE49-F238E27FC236}">
-                  <a16:creationId xmlns:a16="http://schemas.microsoft.com/office/drawing/2014/main" id="{4792860A-F287-D443-842F-8D5A53E9838E}"/>
-                </a:ext>
-              </a:extLst>
-            </p:cNvPr>
-            <p:cNvSpPr/>
-            <p:nvPr/>
-          </p:nvSpPr>
-          <p:spPr>
-            <a:xfrm>
-              <a:off x="1180681" y="1048943"/>
-              <a:ext cx="1741170" cy="1684019"/>
-            </a:xfrm>
-            <a:prstGeom prst="ellipse">
-              <a:avLst/>
-            </a:prstGeom>
-            <a:noFill/>
-            <a:ln w="25400">
-              <a:solidFill>
-                <a:srgbClr val="5DA2C5"/>
-              </a:solidFill>
-            </a:ln>
-          </p:spPr>
-          <p:style>
-            <a:lnRef idx="2">
-              <a:schemeClr val="accent1">
-                <a:shade val="50000"/>
-              </a:schemeClr>
-            </a:lnRef>
-            <a:fillRef idx="1">
-              <a:schemeClr val="accent1"/>
-            </a:fillRef>
-            <a:effectRef idx="0">
-              <a:schemeClr val="accent1"/>
-            </a:effectRef>
-            <a:fontRef idx="minor">
-              <a:schemeClr val="lt1"/>
-            </a:fontRef>
-          </p:style>
-          <p:txBody>
-            <a:bodyPr rtlCol="0" anchor="ctr"/>
-            <a:lstStyle/>
-            <a:p>
-              <a:pPr algn="ctr"/>
-              <a:endParaRPr kumimoji="1" lang="ko-Kore-KR" altLang="en-US" dirty="0"/>
-            </a:p>
-          </p:txBody>
-        </p:sp>
-        <p:sp>
-          <p:nvSpPr>
-            <p:cNvPr id="90" name="TextBox 89">
-              <a:extLst>
-                <a:ext uri="{FF2B5EF4-FFF2-40B4-BE49-F238E27FC236}">
-                  <a16:creationId xmlns:a16="http://schemas.microsoft.com/office/drawing/2014/main" id="{5836683E-A833-4E4A-BD39-979A12954ABC}"/>
-                </a:ext>
-              </a:extLst>
-            </p:cNvPr>
-            <p:cNvSpPr txBox="1"/>
-            <p:nvPr/>
-          </p:nvSpPr>
-          <p:spPr>
-            <a:xfrm>
-              <a:off x="1430240" y="1752452"/>
-              <a:ext cx="1242052" cy="276999"/>
-            </a:xfrm>
-            <a:prstGeom prst="rect">
-              <a:avLst/>
-            </a:prstGeom>
-            <a:noFill/>
-          </p:spPr>
-          <p:txBody>
-            <a:bodyPr wrap="square" rtlCol="0">
-              <a:spAutoFit/>
-            </a:bodyPr>
-            <a:lstStyle/>
-            <a:p>
-              <a:pPr algn="ctr"/>
-              <a:r>
-                <a:rPr kumimoji="1" lang="ko-KR" altLang="en-US" sz="1200" b="1" dirty="0">
-                  <a:solidFill>
-                    <a:srgbClr val="5DA2C5"/>
-                  </a:solidFill>
-                  <a:latin typeface="SHeadG" panose="02030600000101010101" pitchFamily="18" charset="-127"/>
-                  <a:ea typeface="SHeadG" panose="02030600000101010101" pitchFamily="18" charset="-127"/>
-                </a:rPr>
-                <a:t>도메인</a:t>
-              </a:r>
-              <a:endParaRPr kumimoji="1" lang="ko-Kore-KR" altLang="en-US" sz="1200" b="1" dirty="0">
-                <a:solidFill>
-                  <a:srgbClr val="5DA2C5"/>
-                </a:solidFill>
-                <a:latin typeface="SHeadG" panose="02030600000101010101" pitchFamily="18" charset="-127"/>
-                <a:ea typeface="SHeadG" panose="02030600000101010101" pitchFamily="18" charset="-127"/>
-              </a:endParaRPr>
-            </a:p>
-          </p:txBody>
-        </p:sp>
-      </p:grpSp>
-      <p:sp>
-        <p:nvSpPr>
-          <p:cNvPr id="92" name="직사각형 91">
-            <a:extLst>
-              <a:ext uri="{FF2B5EF4-FFF2-40B4-BE49-F238E27FC236}">
-                <a16:creationId xmlns:a16="http://schemas.microsoft.com/office/drawing/2014/main" id="{CA81E700-4F80-844E-B70B-69EAFB913D9D}"/>
-              </a:ext>
-            </a:extLst>
-          </p:cNvPr>
-          <p:cNvSpPr/>
-          <p:nvPr/>
-        </p:nvSpPr>
-        <p:spPr>
-          <a:xfrm>
-            <a:off x="4384785" y="347286"/>
-            <a:ext cx="2614495" cy="1230053"/>
-          </a:xfrm>
-          <a:prstGeom prst="rect">
-            <a:avLst/>
-          </a:prstGeom>
-          <a:ln w="25400">
-            <a:solidFill>
-              <a:srgbClr val="5DA2C5"/>
-            </a:solidFill>
-          </a:ln>
-        </p:spPr>
-        <p:style>
-          <a:lnRef idx="1">
-            <a:schemeClr val="accent1"/>
-          </a:lnRef>
-          <a:fillRef idx="0">
-            <a:schemeClr val="accent1"/>
-          </a:fillRef>
-          <a:effectRef idx="0">
-            <a:schemeClr val="accent1"/>
-          </a:effectRef>
-          <a:fontRef idx="minor">
-            <a:schemeClr val="tx1"/>
-          </a:fontRef>
-        </p:style>
-        <p:txBody>
-          <a:bodyPr rtlCol="0" anchor="ctr"/>
-          <a:lstStyle/>
-          <a:p>
-            <a:pPr algn="ctr"/>
-            <a:endParaRPr kumimoji="1" lang="ko-Kore-KR" altLang="en-US"/>
-          </a:p>
-        </p:txBody>
-      </p:sp>
-      <p:grpSp>
-        <p:nvGrpSpPr>
-          <p:cNvPr id="93" name="그룹 92">
-            <a:extLst>
-              <a:ext uri="{FF2B5EF4-FFF2-40B4-BE49-F238E27FC236}">
-                <a16:creationId xmlns:a16="http://schemas.microsoft.com/office/drawing/2014/main" id="{C478C445-D099-2A4E-90B3-C05B6830F856}"/>
-              </a:ext>
-            </a:extLst>
-          </p:cNvPr>
-          <p:cNvGrpSpPr/>
-          <p:nvPr/>
-        </p:nvGrpSpPr>
-        <p:grpSpPr>
-          <a:xfrm>
-            <a:off x="4602498" y="467830"/>
-            <a:ext cx="2179067" cy="468000"/>
-            <a:chOff x="2175218" y="1251857"/>
-            <a:chExt cx="2179067" cy="468000"/>
-          </a:xfrm>
-        </p:grpSpPr>
-        <p:sp>
-          <p:nvSpPr>
-            <p:cNvPr id="96" name="직사각형 95">
-              <a:extLst>
-                <a:ext uri="{FF2B5EF4-FFF2-40B4-BE49-F238E27FC236}">
-                  <a16:creationId xmlns:a16="http://schemas.microsoft.com/office/drawing/2014/main" id="{94B344A3-CD6A-724B-8C16-00C5EF3ED295}"/>
-                </a:ext>
-              </a:extLst>
-            </p:cNvPr>
-            <p:cNvSpPr/>
-            <p:nvPr/>
-          </p:nvSpPr>
-          <p:spPr>
-            <a:xfrm>
-              <a:off x="2175218" y="1251857"/>
-              <a:ext cx="2179067" cy="468000"/>
-            </a:xfrm>
-            <a:prstGeom prst="rect">
-              <a:avLst/>
-            </a:prstGeom>
-            <a:ln w="19050">
-              <a:solidFill>
-                <a:srgbClr val="5DA2C5"/>
-              </a:solidFill>
-            </a:ln>
-          </p:spPr>
-          <p:style>
-            <a:lnRef idx="1">
-              <a:schemeClr val="accent1"/>
-            </a:lnRef>
-            <a:fillRef idx="0">
-              <a:schemeClr val="accent1"/>
-            </a:fillRef>
-            <a:effectRef idx="0">
-              <a:schemeClr val="accent1"/>
-            </a:effectRef>
-            <a:fontRef idx="minor">
-              <a:schemeClr val="tx1"/>
-            </a:fontRef>
-          </p:style>
-          <p:txBody>
-            <a:bodyPr rtlCol="0" anchor="ctr"/>
-            <a:lstStyle/>
-            <a:p>
-              <a:pPr algn="ctr"/>
-              <a:endParaRPr kumimoji="1" lang="ko-Kore-KR" altLang="en-US" dirty="0"/>
-            </a:p>
-          </p:txBody>
-        </p:sp>
-        <p:sp>
-          <p:nvSpPr>
-            <p:cNvPr id="97" name="TextBox 96">
-              <a:extLst>
-                <a:ext uri="{FF2B5EF4-FFF2-40B4-BE49-F238E27FC236}">
-                  <a16:creationId xmlns:a16="http://schemas.microsoft.com/office/drawing/2014/main" id="{D9C05F9B-F782-B644-A9A2-FF78DA7B0416}"/>
-                </a:ext>
-              </a:extLst>
-            </p:cNvPr>
-            <p:cNvSpPr txBox="1"/>
-            <p:nvPr/>
-          </p:nvSpPr>
-          <p:spPr>
-            <a:xfrm>
-              <a:off x="2324416" y="1345621"/>
-              <a:ext cx="1880670" cy="276999"/>
-            </a:xfrm>
-            <a:prstGeom prst="rect">
-              <a:avLst/>
-            </a:prstGeom>
-            <a:noFill/>
-          </p:spPr>
-          <p:txBody>
-            <a:bodyPr wrap="square" rtlCol="0">
-              <a:spAutoFit/>
-            </a:bodyPr>
-            <a:lstStyle/>
-            <a:p>
-              <a:pPr algn="ctr"/>
-              <a:r>
-                <a:rPr kumimoji="1" lang="en-US" altLang="ko-Kore-KR" sz="1200" b="1" dirty="0" err="1">
-                  <a:solidFill>
-                    <a:srgbClr val="5DA2C5"/>
-                  </a:solidFill>
-                  <a:latin typeface="SHeadG" panose="02030600000101010101" pitchFamily="18" charset="-127"/>
-                  <a:ea typeface="SHeadG" panose="02030600000101010101" pitchFamily="18" charset="-127"/>
-                </a:rPr>
-                <a:t>OrdersController</a:t>
-              </a:r>
-              <a:endParaRPr kumimoji="1" lang="ko-Kore-KR" altLang="en-US" sz="1200" b="1" dirty="0">
-                <a:solidFill>
-                  <a:srgbClr val="5DA2C5"/>
-                </a:solidFill>
-                <a:latin typeface="SHeadG" panose="02030600000101010101" pitchFamily="18" charset="-127"/>
-                <a:ea typeface="SHeadG" panose="02030600000101010101" pitchFamily="18" charset="-127"/>
-              </a:endParaRPr>
-            </a:p>
-          </p:txBody>
-        </p:sp>
-      </p:grpSp>
-      <p:sp>
-        <p:nvSpPr>
-          <p:cNvPr id="98" name="TextBox 97">
-            <a:extLst>
-              <a:ext uri="{FF2B5EF4-FFF2-40B4-BE49-F238E27FC236}">
-                <a16:creationId xmlns:a16="http://schemas.microsoft.com/office/drawing/2014/main" id="{4C08417E-975F-D741-BBAA-13B111C1179E}"/>
-              </a:ext>
-            </a:extLst>
-          </p:cNvPr>
-          <p:cNvSpPr txBox="1"/>
-          <p:nvPr/>
-        </p:nvSpPr>
-        <p:spPr>
-          <a:xfrm>
-            <a:off x="4453299" y="1244357"/>
-            <a:ext cx="2455085" cy="246221"/>
-          </a:xfrm>
-          <a:prstGeom prst="rect">
-            <a:avLst/>
-          </a:prstGeom>
-          <a:noFill/>
-        </p:spPr>
-        <p:txBody>
-          <a:bodyPr wrap="square" rtlCol="0">
-            <a:spAutoFit/>
-          </a:bodyPr>
-          <a:lstStyle/>
-          <a:p>
-            <a:pPr algn="ctr"/>
-            <a:r>
-              <a:rPr kumimoji="1" lang="en-US" altLang="ko-Kore-KR" sz="1000" b="1" dirty="0" err="1">
-                <a:solidFill>
-                  <a:srgbClr val="5DA2C5"/>
-                </a:solidFill>
-                <a:latin typeface="SHeadG" panose="02030600000101010101" pitchFamily="18" charset="-127"/>
-                <a:ea typeface="SHeadG" panose="02030600000101010101" pitchFamily="18" charset="-127"/>
-              </a:rPr>
-              <a:t>com.mycompany.myapp.web</a:t>
-            </a:r>
-            <a:endParaRPr kumimoji="1" lang="ko-Kore-KR" altLang="en-US" sz="1000" b="1" dirty="0">
-              <a:solidFill>
-                <a:srgbClr val="5DA2C5"/>
-              </a:solidFill>
-              <a:latin typeface="SHeadG" panose="02030600000101010101" pitchFamily="18" charset="-127"/>
-              <a:ea typeface="SHeadG" panose="02030600000101010101" pitchFamily="18" charset="-127"/>
-            </a:endParaRPr>
-          </a:p>
-        </p:txBody>
-      </p:sp>
-      <p:sp>
-        <p:nvSpPr>
-          <p:cNvPr id="99" name="직사각형 98">
-            <a:extLst>
-              <a:ext uri="{FF2B5EF4-FFF2-40B4-BE49-F238E27FC236}">
-                <a16:creationId xmlns:a16="http://schemas.microsoft.com/office/drawing/2014/main" id="{57BD7E54-C467-C141-9CC2-DBDCC3EA6783}"/>
-              </a:ext>
-            </a:extLst>
-          </p:cNvPr>
-          <p:cNvSpPr/>
-          <p:nvPr/>
-        </p:nvSpPr>
-        <p:spPr>
-          <a:xfrm>
-            <a:off x="4384785" y="101065"/>
-            <a:ext cx="1300589" cy="246221"/>
-          </a:xfrm>
-          <a:prstGeom prst="rect">
-            <a:avLst/>
-          </a:prstGeom>
-          <a:ln w="25400">
-            <a:solidFill>
-              <a:srgbClr val="5DA2C5"/>
-            </a:solidFill>
-          </a:ln>
-        </p:spPr>
-        <p:style>
-          <a:lnRef idx="1">
-            <a:schemeClr val="accent1"/>
-          </a:lnRef>
-          <a:fillRef idx="0">
-            <a:schemeClr val="accent1"/>
-          </a:fillRef>
-          <a:effectRef idx="0">
-            <a:schemeClr val="accent1"/>
-          </a:effectRef>
-          <a:fontRef idx="minor">
-            <a:schemeClr val="tx1"/>
-          </a:fontRef>
-        </p:style>
-        <p:txBody>
-          <a:bodyPr rtlCol="0" anchor="ctr"/>
-          <a:lstStyle/>
-          <a:p>
-            <a:pPr algn="ctr"/>
-            <a:endParaRPr kumimoji="1" lang="ko-Kore-KR" altLang="en-US"/>
-          </a:p>
-        </p:txBody>
-      </p:sp>
-      <p:sp>
-        <p:nvSpPr>
-          <p:cNvPr id="100" name="직사각형 99">
-            <a:extLst>
-              <a:ext uri="{FF2B5EF4-FFF2-40B4-BE49-F238E27FC236}">
-                <a16:creationId xmlns:a16="http://schemas.microsoft.com/office/drawing/2014/main" id="{FD13270D-7295-664F-BF5E-8C69B2BB3C91}"/>
-              </a:ext>
-            </a:extLst>
-          </p:cNvPr>
-          <p:cNvSpPr/>
-          <p:nvPr/>
-        </p:nvSpPr>
-        <p:spPr>
-          <a:xfrm>
-            <a:off x="4384784" y="2324470"/>
-            <a:ext cx="2614495" cy="2693300"/>
-          </a:xfrm>
-          <a:prstGeom prst="rect">
-            <a:avLst/>
-          </a:prstGeom>
-          <a:ln w="25400">
-            <a:solidFill>
-              <a:srgbClr val="5DA2C5"/>
-            </a:solidFill>
-          </a:ln>
-        </p:spPr>
-        <p:style>
-          <a:lnRef idx="1">
-            <a:schemeClr val="accent1"/>
-          </a:lnRef>
-          <a:fillRef idx="0">
-            <a:schemeClr val="accent1"/>
-          </a:fillRef>
-          <a:effectRef idx="0">
-            <a:schemeClr val="accent1"/>
-          </a:effectRef>
-          <a:fontRef idx="minor">
-            <a:schemeClr val="tx1"/>
-          </a:fontRef>
-        </p:style>
-        <p:txBody>
-          <a:bodyPr rtlCol="0" anchor="ctr"/>
-          <a:lstStyle/>
-          <a:p>
-            <a:pPr algn="ctr"/>
-            <a:endParaRPr kumimoji="1" lang="ko-Kore-KR" altLang="en-US"/>
-          </a:p>
-        </p:txBody>
-      </p:sp>
-      <p:sp>
-        <p:nvSpPr>
-          <p:cNvPr id="101" name="TextBox 100">
-            <a:extLst>
-              <a:ext uri="{FF2B5EF4-FFF2-40B4-BE49-F238E27FC236}">
-                <a16:creationId xmlns:a16="http://schemas.microsoft.com/office/drawing/2014/main" id="{23414575-2DF3-7147-BF82-5A00C8F5EFA1}"/>
-              </a:ext>
-            </a:extLst>
-          </p:cNvPr>
-          <p:cNvSpPr txBox="1"/>
-          <p:nvPr/>
-        </p:nvSpPr>
-        <p:spPr>
-          <a:xfrm>
-            <a:off x="4464488" y="4680329"/>
-            <a:ext cx="2455085" cy="246221"/>
-          </a:xfrm>
-          <a:prstGeom prst="rect">
-            <a:avLst/>
-          </a:prstGeom>
-          <a:noFill/>
-        </p:spPr>
-        <p:txBody>
-          <a:bodyPr wrap="square" rtlCol="0">
-            <a:spAutoFit/>
-          </a:bodyPr>
-          <a:lstStyle/>
-          <a:p>
-            <a:pPr algn="ctr"/>
-            <a:r>
-              <a:rPr kumimoji="1" lang="en-US" altLang="ko-Kore-KR" sz="1000" b="1" dirty="0" err="1">
-                <a:solidFill>
-                  <a:srgbClr val="5DA2C5"/>
-                </a:solidFill>
-                <a:latin typeface="SHeadG" panose="02030600000101010101" pitchFamily="18" charset="-127"/>
-                <a:ea typeface="SHeadG" panose="02030600000101010101" pitchFamily="18" charset="-127"/>
-              </a:rPr>
-              <a:t>com.mycompany.myapp.domain</a:t>
-            </a:r>
-            <a:endParaRPr kumimoji="1" lang="ko-Kore-KR" altLang="en-US" sz="1000" b="1" dirty="0">
-              <a:solidFill>
-                <a:srgbClr val="5DA2C5"/>
-              </a:solidFill>
-              <a:latin typeface="SHeadG" panose="02030600000101010101" pitchFamily="18" charset="-127"/>
-              <a:ea typeface="SHeadG" panose="02030600000101010101" pitchFamily="18" charset="-127"/>
-            </a:endParaRPr>
-          </a:p>
-        </p:txBody>
-      </p:sp>
-      <p:sp>
-        <p:nvSpPr>
-          <p:cNvPr id="102" name="직사각형 101">
-            <a:extLst>
-              <a:ext uri="{FF2B5EF4-FFF2-40B4-BE49-F238E27FC236}">
-                <a16:creationId xmlns:a16="http://schemas.microsoft.com/office/drawing/2014/main" id="{BD842966-C0A2-B240-AFAC-2EE6AA80B74E}"/>
-              </a:ext>
-            </a:extLst>
-          </p:cNvPr>
-          <p:cNvSpPr/>
-          <p:nvPr/>
-        </p:nvSpPr>
-        <p:spPr>
-          <a:xfrm>
-            <a:off x="4384784" y="2078250"/>
-            <a:ext cx="1426320" cy="246221"/>
-          </a:xfrm>
-          <a:prstGeom prst="rect">
-            <a:avLst/>
-          </a:prstGeom>
-          <a:ln w="25400">
-            <a:solidFill>
-              <a:srgbClr val="5DA2C5"/>
-            </a:solidFill>
-          </a:ln>
-        </p:spPr>
-        <p:style>
-          <a:lnRef idx="1">
-            <a:schemeClr val="accent1"/>
-          </a:lnRef>
-          <a:fillRef idx="0">
-            <a:schemeClr val="accent1"/>
-          </a:fillRef>
-          <a:effectRef idx="0">
-            <a:schemeClr val="accent1"/>
-          </a:effectRef>
-          <a:fontRef idx="minor">
-            <a:schemeClr val="tx1"/>
-          </a:fontRef>
-        </p:style>
-        <p:txBody>
-          <a:bodyPr rtlCol="0" anchor="ctr"/>
-          <a:lstStyle/>
-          <a:p>
-            <a:pPr algn="ctr"/>
-            <a:endParaRPr kumimoji="1" lang="ko-Kore-KR" altLang="en-US"/>
-          </a:p>
-        </p:txBody>
-      </p:sp>
-      <p:grpSp>
-        <p:nvGrpSpPr>
-          <p:cNvPr id="103" name="그룹 102">
-            <a:extLst>
-              <a:ext uri="{FF2B5EF4-FFF2-40B4-BE49-F238E27FC236}">
-                <a16:creationId xmlns:a16="http://schemas.microsoft.com/office/drawing/2014/main" id="{FAD3EA5A-33EF-4F4C-A254-025A54B974ED}"/>
-              </a:ext>
-            </a:extLst>
-          </p:cNvPr>
-          <p:cNvGrpSpPr/>
-          <p:nvPr/>
-        </p:nvGrpSpPr>
-        <p:grpSpPr>
-          <a:xfrm>
-            <a:off x="4591305" y="2504387"/>
-            <a:ext cx="2179067" cy="468000"/>
-            <a:chOff x="4453054" y="3151014"/>
-            <a:chExt cx="2179067" cy="468000"/>
-          </a:xfrm>
-        </p:grpSpPr>
-        <p:sp>
-          <p:nvSpPr>
-            <p:cNvPr id="104" name="직사각형 103">
-              <a:extLst>
-                <a:ext uri="{FF2B5EF4-FFF2-40B4-BE49-F238E27FC236}">
-                  <a16:creationId xmlns:a16="http://schemas.microsoft.com/office/drawing/2014/main" id="{E577FFB9-C6EA-CE42-AF21-9BD08ABE07EA}"/>
-                </a:ext>
-              </a:extLst>
-            </p:cNvPr>
-            <p:cNvSpPr/>
-            <p:nvPr/>
-          </p:nvSpPr>
-          <p:spPr>
-            <a:xfrm>
-              <a:off x="4453054" y="3151014"/>
-              <a:ext cx="2179067" cy="468000"/>
-            </a:xfrm>
-            <a:prstGeom prst="rect">
-              <a:avLst/>
-            </a:prstGeom>
-            <a:ln w="19050">
-              <a:solidFill>
-                <a:srgbClr val="5DA2C5"/>
-              </a:solidFill>
-            </a:ln>
-          </p:spPr>
-          <p:style>
-            <a:lnRef idx="1">
-              <a:schemeClr val="accent1"/>
-            </a:lnRef>
-            <a:fillRef idx="0">
-              <a:schemeClr val="accent1"/>
-            </a:fillRef>
-            <a:effectRef idx="0">
-              <a:schemeClr val="accent1"/>
-            </a:effectRef>
-            <a:fontRef idx="minor">
-              <a:schemeClr val="tx1"/>
-            </a:fontRef>
-          </p:style>
-          <p:txBody>
-            <a:bodyPr rtlCol="0" anchor="ctr"/>
-            <a:lstStyle/>
-            <a:p>
-              <a:pPr algn="ctr"/>
-              <a:endParaRPr kumimoji="1" lang="ko-Kore-KR" altLang="en-US" dirty="0"/>
-            </a:p>
-          </p:txBody>
-        </p:sp>
-        <p:sp>
-          <p:nvSpPr>
-            <p:cNvPr id="105" name="TextBox 104">
-              <a:extLst>
-                <a:ext uri="{FF2B5EF4-FFF2-40B4-BE49-F238E27FC236}">
-                  <a16:creationId xmlns:a16="http://schemas.microsoft.com/office/drawing/2014/main" id="{6E7BC20E-A42E-5A42-A599-8E142DAB9900}"/>
-                </a:ext>
-              </a:extLst>
-            </p:cNvPr>
-            <p:cNvSpPr txBox="1"/>
-            <p:nvPr/>
-          </p:nvSpPr>
-          <p:spPr>
-            <a:xfrm>
-              <a:off x="4602252" y="3169676"/>
-              <a:ext cx="1880670" cy="438582"/>
-            </a:xfrm>
-            <a:prstGeom prst="rect">
-              <a:avLst/>
-            </a:prstGeom>
-            <a:noFill/>
-          </p:spPr>
-          <p:txBody>
-            <a:bodyPr wrap="square" rtlCol="0">
-              <a:spAutoFit/>
-            </a:bodyPr>
-            <a:lstStyle/>
-            <a:p>
-              <a:pPr algn="ctr"/>
-              <a:r>
-                <a:rPr kumimoji="1" lang="en-US" altLang="ko-Kore-KR" sz="1000" b="1" dirty="0">
-                  <a:solidFill>
-                    <a:srgbClr val="5DA2C5"/>
-                  </a:solidFill>
-                  <a:latin typeface="SHeadG" panose="02030600000101010101" pitchFamily="18" charset="-127"/>
-                  <a:ea typeface="SHeadG" panose="02030600000101010101" pitchFamily="18" charset="-127"/>
-                </a:rPr>
-                <a:t>&lt;&lt;interface&gt;&gt;</a:t>
-              </a:r>
-            </a:p>
-            <a:p>
-              <a:pPr algn="ctr"/>
-              <a:r>
-                <a:rPr kumimoji="1" lang="en-US" altLang="ko-Kore-KR" sz="1200" b="1" dirty="0" err="1">
-                  <a:solidFill>
-                    <a:srgbClr val="5DA2C5"/>
-                  </a:solidFill>
-                  <a:latin typeface="SHeadG" panose="02030600000101010101" pitchFamily="18" charset="-127"/>
-                  <a:ea typeface="SHeadG" panose="02030600000101010101" pitchFamily="18" charset="-127"/>
-                </a:rPr>
-                <a:t>OrdersService</a:t>
-              </a:r>
-              <a:endParaRPr kumimoji="1" lang="ko-Kore-KR" altLang="en-US" sz="1200" b="1" dirty="0">
-                <a:solidFill>
-                  <a:srgbClr val="5DA2C5"/>
-                </a:solidFill>
-                <a:latin typeface="SHeadG" panose="02030600000101010101" pitchFamily="18" charset="-127"/>
-                <a:ea typeface="SHeadG" panose="02030600000101010101" pitchFamily="18" charset="-127"/>
-              </a:endParaRPr>
-            </a:p>
-          </p:txBody>
-        </p:sp>
-      </p:grpSp>
-      <p:grpSp>
-        <p:nvGrpSpPr>
-          <p:cNvPr id="106" name="그룹 105">
-            <a:extLst>
-              <a:ext uri="{FF2B5EF4-FFF2-40B4-BE49-F238E27FC236}">
-                <a16:creationId xmlns:a16="http://schemas.microsoft.com/office/drawing/2014/main" id="{740CBE11-D7B2-F24C-AD8A-BE5A69CD9525}"/>
-              </a:ext>
-            </a:extLst>
-          </p:cNvPr>
-          <p:cNvGrpSpPr/>
-          <p:nvPr/>
-        </p:nvGrpSpPr>
-        <p:grpSpPr>
-          <a:xfrm>
-            <a:off x="4591304" y="3242595"/>
-            <a:ext cx="2179067" cy="468000"/>
-            <a:chOff x="2175218" y="1251857"/>
-            <a:chExt cx="2179067" cy="468000"/>
-          </a:xfrm>
-        </p:grpSpPr>
-        <p:sp>
-          <p:nvSpPr>
-            <p:cNvPr id="107" name="직사각형 106">
-              <a:extLst>
-                <a:ext uri="{FF2B5EF4-FFF2-40B4-BE49-F238E27FC236}">
-                  <a16:creationId xmlns:a16="http://schemas.microsoft.com/office/drawing/2014/main" id="{7AAEFCD0-33FC-F647-ADCB-D018BC6E8D0F}"/>
-                </a:ext>
-              </a:extLst>
-            </p:cNvPr>
-            <p:cNvSpPr/>
-            <p:nvPr/>
-          </p:nvSpPr>
-          <p:spPr>
-            <a:xfrm>
-              <a:off x="2175218" y="1251857"/>
-              <a:ext cx="2179067" cy="468000"/>
-            </a:xfrm>
-            <a:prstGeom prst="rect">
-              <a:avLst/>
-            </a:prstGeom>
-            <a:ln w="19050">
-              <a:solidFill>
-                <a:srgbClr val="5DA2C5"/>
-              </a:solidFill>
-            </a:ln>
-          </p:spPr>
-          <p:style>
-            <a:lnRef idx="1">
-              <a:schemeClr val="accent1"/>
-            </a:lnRef>
-            <a:fillRef idx="0">
-              <a:schemeClr val="accent1"/>
-            </a:fillRef>
-            <a:effectRef idx="0">
-              <a:schemeClr val="accent1"/>
-            </a:effectRef>
-            <a:fontRef idx="minor">
-              <a:schemeClr val="tx1"/>
-            </a:fontRef>
-          </p:style>
-          <p:txBody>
-            <a:bodyPr rtlCol="0" anchor="ctr"/>
-            <a:lstStyle/>
-            <a:p>
-              <a:pPr algn="ctr"/>
-              <a:endParaRPr kumimoji="1" lang="ko-Kore-KR" altLang="en-US" dirty="0"/>
-            </a:p>
-          </p:txBody>
-        </p:sp>
-        <p:sp>
-          <p:nvSpPr>
-            <p:cNvPr id="108" name="TextBox 107">
-              <a:extLst>
-                <a:ext uri="{FF2B5EF4-FFF2-40B4-BE49-F238E27FC236}">
-                  <a16:creationId xmlns:a16="http://schemas.microsoft.com/office/drawing/2014/main" id="{5B1F961D-308C-0F4E-9FE6-5F25347ACE6A}"/>
-                </a:ext>
-              </a:extLst>
-            </p:cNvPr>
-            <p:cNvSpPr txBox="1"/>
-            <p:nvPr/>
-          </p:nvSpPr>
-          <p:spPr>
-            <a:xfrm>
-              <a:off x="2324416" y="1345621"/>
-              <a:ext cx="1880670" cy="276999"/>
-            </a:xfrm>
-            <a:prstGeom prst="rect">
-              <a:avLst/>
-            </a:prstGeom>
-            <a:noFill/>
-          </p:spPr>
-          <p:txBody>
-            <a:bodyPr wrap="square" rtlCol="0">
-              <a:spAutoFit/>
-            </a:bodyPr>
-            <a:lstStyle/>
-            <a:p>
-              <a:pPr algn="ctr"/>
-              <a:r>
-                <a:rPr kumimoji="1" lang="en-US" altLang="ko-Kore-KR" sz="1200" b="1" dirty="0" err="1">
-                  <a:solidFill>
-                    <a:srgbClr val="5DA2C5"/>
-                  </a:solidFill>
-                  <a:latin typeface="SHeadG" panose="02030600000101010101" pitchFamily="18" charset="-127"/>
-                  <a:ea typeface="SHeadG" panose="02030600000101010101" pitchFamily="18" charset="-127"/>
-                </a:rPr>
-                <a:t>OrdersServiceImpl</a:t>
-              </a:r>
-              <a:endParaRPr kumimoji="1" lang="ko-Kore-KR" altLang="en-US" sz="1200" b="1" dirty="0">
-                <a:solidFill>
-                  <a:srgbClr val="5DA2C5"/>
-                </a:solidFill>
-                <a:latin typeface="SHeadG" panose="02030600000101010101" pitchFamily="18" charset="-127"/>
-                <a:ea typeface="SHeadG" panose="02030600000101010101" pitchFamily="18" charset="-127"/>
-              </a:endParaRPr>
-            </a:p>
-          </p:txBody>
-        </p:sp>
-      </p:grpSp>
-      <p:sp>
-        <p:nvSpPr>
-          <p:cNvPr id="109" name="직사각형 108">
-            <a:extLst>
-              <a:ext uri="{FF2B5EF4-FFF2-40B4-BE49-F238E27FC236}">
-                <a16:creationId xmlns:a16="http://schemas.microsoft.com/office/drawing/2014/main" id="{3B566DB4-68E3-1D4B-8D55-CAF779006DF8}"/>
-              </a:ext>
-            </a:extLst>
-          </p:cNvPr>
-          <p:cNvSpPr/>
-          <p:nvPr/>
-        </p:nvSpPr>
-        <p:spPr>
-          <a:xfrm>
-            <a:off x="4384784" y="5613643"/>
-            <a:ext cx="2614495" cy="1074128"/>
-          </a:xfrm>
-          <a:prstGeom prst="rect">
-            <a:avLst/>
-          </a:prstGeom>
-          <a:ln w="25400">
-            <a:solidFill>
-              <a:srgbClr val="5DA2C5"/>
-            </a:solidFill>
-          </a:ln>
-        </p:spPr>
-        <p:style>
-          <a:lnRef idx="1">
-            <a:schemeClr val="accent1"/>
-          </a:lnRef>
-          <a:fillRef idx="0">
-            <a:schemeClr val="accent1"/>
-          </a:fillRef>
-          <a:effectRef idx="0">
-            <a:schemeClr val="accent1"/>
-          </a:effectRef>
-          <a:fontRef idx="minor">
-            <a:schemeClr val="tx1"/>
-          </a:fontRef>
-        </p:style>
-        <p:txBody>
-          <a:bodyPr rtlCol="0" anchor="ctr"/>
-          <a:lstStyle/>
-          <a:p>
-            <a:pPr algn="ctr"/>
-            <a:endParaRPr kumimoji="1" lang="ko-Kore-KR" altLang="en-US"/>
-          </a:p>
-        </p:txBody>
-      </p:sp>
-      <p:sp>
-        <p:nvSpPr>
-          <p:cNvPr id="110" name="TextBox 109">
-            <a:extLst>
-              <a:ext uri="{FF2B5EF4-FFF2-40B4-BE49-F238E27FC236}">
-                <a16:creationId xmlns:a16="http://schemas.microsoft.com/office/drawing/2014/main" id="{B50C0A97-C2E0-944F-8228-762647A20EBB}"/>
-              </a:ext>
-            </a:extLst>
-          </p:cNvPr>
-          <p:cNvSpPr txBox="1"/>
-          <p:nvPr/>
-        </p:nvSpPr>
-        <p:spPr>
-          <a:xfrm>
-            <a:off x="4453297" y="6308730"/>
-            <a:ext cx="2455085" cy="246221"/>
-          </a:xfrm>
-          <a:prstGeom prst="rect">
-            <a:avLst/>
-          </a:prstGeom>
-          <a:noFill/>
-        </p:spPr>
-        <p:txBody>
-          <a:bodyPr wrap="square" rtlCol="0">
-            <a:spAutoFit/>
-          </a:bodyPr>
-          <a:lstStyle/>
-          <a:p>
-            <a:pPr algn="ctr"/>
-            <a:r>
-              <a:rPr kumimoji="1" lang="en-US" altLang="ko-Kore-KR" sz="1000" b="1" dirty="0" err="1">
-                <a:solidFill>
-                  <a:srgbClr val="5DA2C5"/>
-                </a:solidFill>
-                <a:latin typeface="SHeadG" panose="02030600000101010101" pitchFamily="18" charset="-127"/>
-                <a:ea typeface="SHeadG" panose="02030600000101010101" pitchFamily="18" charset="-127"/>
-              </a:rPr>
-              <a:t>com.mycompany.myapp.data</a:t>
-            </a:r>
-            <a:endParaRPr kumimoji="1" lang="ko-Kore-KR" altLang="en-US" sz="1000" b="1" dirty="0">
-              <a:solidFill>
-                <a:srgbClr val="5DA2C5"/>
-              </a:solidFill>
-              <a:latin typeface="SHeadG" panose="02030600000101010101" pitchFamily="18" charset="-127"/>
-              <a:ea typeface="SHeadG" panose="02030600000101010101" pitchFamily="18" charset="-127"/>
-            </a:endParaRPr>
-          </a:p>
-        </p:txBody>
-      </p:sp>
-      <p:sp>
-        <p:nvSpPr>
-          <p:cNvPr id="111" name="직사각형 110">
-            <a:extLst>
-              <a:ext uri="{FF2B5EF4-FFF2-40B4-BE49-F238E27FC236}">
-                <a16:creationId xmlns:a16="http://schemas.microsoft.com/office/drawing/2014/main" id="{3530EBB6-AA08-B74C-A6EA-C5C67CC0C047}"/>
-              </a:ext>
-            </a:extLst>
-          </p:cNvPr>
-          <p:cNvSpPr/>
-          <p:nvPr/>
-        </p:nvSpPr>
-        <p:spPr>
-          <a:xfrm>
-            <a:off x="4384784" y="5361451"/>
-            <a:ext cx="1426320" cy="250968"/>
-          </a:xfrm>
-          <a:prstGeom prst="rect">
-            <a:avLst/>
-          </a:prstGeom>
-          <a:ln w="25400">
-            <a:solidFill>
-              <a:srgbClr val="5DA2C5"/>
-            </a:solidFill>
-          </a:ln>
-        </p:spPr>
-        <p:style>
-          <a:lnRef idx="1">
-            <a:schemeClr val="accent1"/>
-          </a:lnRef>
-          <a:fillRef idx="0">
-            <a:schemeClr val="accent1"/>
-          </a:fillRef>
-          <a:effectRef idx="0">
-            <a:schemeClr val="accent1"/>
-          </a:effectRef>
-          <a:fontRef idx="minor">
-            <a:schemeClr val="tx1"/>
-          </a:fontRef>
-        </p:style>
-        <p:txBody>
-          <a:bodyPr rtlCol="0" anchor="ctr"/>
-          <a:lstStyle/>
-          <a:p>
-            <a:pPr algn="ctr"/>
-            <a:endParaRPr kumimoji="1" lang="ko-Kore-KR" altLang="en-US"/>
-          </a:p>
-        </p:txBody>
-      </p:sp>
-      <p:grpSp>
-        <p:nvGrpSpPr>
-          <p:cNvPr id="112" name="그룹 111">
-            <a:extLst>
-              <a:ext uri="{FF2B5EF4-FFF2-40B4-BE49-F238E27FC236}">
-                <a16:creationId xmlns:a16="http://schemas.microsoft.com/office/drawing/2014/main" id="{61043B69-6110-1C4F-ACD4-0962055C9950}"/>
-              </a:ext>
-            </a:extLst>
-          </p:cNvPr>
-          <p:cNvGrpSpPr/>
-          <p:nvPr/>
-        </p:nvGrpSpPr>
-        <p:grpSpPr>
-          <a:xfrm>
-            <a:off x="4602498" y="4047594"/>
-            <a:ext cx="2179067" cy="468000"/>
-            <a:chOff x="4453054" y="3151014"/>
-            <a:chExt cx="2179067" cy="468000"/>
-          </a:xfrm>
-        </p:grpSpPr>
-        <p:sp>
-          <p:nvSpPr>
-            <p:cNvPr id="113" name="직사각형 112">
-              <a:extLst>
-                <a:ext uri="{FF2B5EF4-FFF2-40B4-BE49-F238E27FC236}">
-                  <a16:creationId xmlns:a16="http://schemas.microsoft.com/office/drawing/2014/main" id="{075214A7-71B0-AD41-801D-B968FD4573F5}"/>
-                </a:ext>
-              </a:extLst>
-            </p:cNvPr>
-            <p:cNvSpPr/>
-            <p:nvPr/>
-          </p:nvSpPr>
-          <p:spPr>
-            <a:xfrm>
-              <a:off x="4453054" y="3151014"/>
-              <a:ext cx="2179067" cy="468000"/>
-            </a:xfrm>
-            <a:prstGeom prst="rect">
-              <a:avLst/>
-            </a:prstGeom>
-            <a:ln w="19050">
-              <a:solidFill>
-                <a:srgbClr val="5DA2C5"/>
-              </a:solidFill>
-            </a:ln>
-          </p:spPr>
-          <p:style>
-            <a:lnRef idx="1">
-              <a:schemeClr val="accent1"/>
-            </a:lnRef>
-            <a:fillRef idx="0">
-              <a:schemeClr val="accent1"/>
-            </a:fillRef>
-            <a:effectRef idx="0">
-              <a:schemeClr val="accent1"/>
-            </a:effectRef>
-            <a:fontRef idx="minor">
-              <a:schemeClr val="tx1"/>
-            </a:fontRef>
-          </p:style>
-          <p:txBody>
-            <a:bodyPr rtlCol="0" anchor="ctr"/>
-            <a:lstStyle/>
-            <a:p>
-              <a:pPr algn="ctr"/>
-              <a:endParaRPr kumimoji="1" lang="ko-Kore-KR" altLang="en-US" dirty="0"/>
-            </a:p>
-          </p:txBody>
-        </p:sp>
-        <p:sp>
-          <p:nvSpPr>
-            <p:cNvPr id="114" name="TextBox 113">
-              <a:extLst>
-                <a:ext uri="{FF2B5EF4-FFF2-40B4-BE49-F238E27FC236}">
-                  <a16:creationId xmlns:a16="http://schemas.microsoft.com/office/drawing/2014/main" id="{C2AC49A1-DB10-1E4E-87E8-45A8BDDC9059}"/>
-                </a:ext>
-              </a:extLst>
-            </p:cNvPr>
-            <p:cNvSpPr txBox="1"/>
-            <p:nvPr/>
-          </p:nvSpPr>
-          <p:spPr>
-            <a:xfrm>
-              <a:off x="4602252" y="3169676"/>
-              <a:ext cx="1880670" cy="438582"/>
-            </a:xfrm>
-            <a:prstGeom prst="rect">
-              <a:avLst/>
-            </a:prstGeom>
-            <a:noFill/>
-          </p:spPr>
-          <p:txBody>
-            <a:bodyPr wrap="square" rtlCol="0">
-              <a:spAutoFit/>
-            </a:bodyPr>
-            <a:lstStyle/>
-            <a:p>
-              <a:pPr algn="ctr"/>
-              <a:r>
-                <a:rPr kumimoji="1" lang="en-US" altLang="ko-Kore-KR" sz="1000" b="1" dirty="0">
-                  <a:solidFill>
-                    <a:srgbClr val="5DA2C5"/>
-                  </a:solidFill>
-                  <a:latin typeface="SHeadG" panose="02030600000101010101" pitchFamily="18" charset="-127"/>
-                  <a:ea typeface="SHeadG" panose="02030600000101010101" pitchFamily="18" charset="-127"/>
-                </a:rPr>
-                <a:t>&lt;&lt;interface&gt;&gt;</a:t>
-              </a:r>
-            </a:p>
-            <a:p>
-              <a:pPr algn="ctr"/>
-              <a:r>
-                <a:rPr kumimoji="1" lang="en-US" altLang="ko-Kore-KR" sz="1200" b="1" dirty="0">
-                  <a:solidFill>
-                    <a:srgbClr val="5DA2C5"/>
-                  </a:solidFill>
-                  <a:latin typeface="SHeadG" panose="02030600000101010101" pitchFamily="18" charset="-127"/>
-                  <a:ea typeface="SHeadG" panose="02030600000101010101" pitchFamily="18" charset="-127"/>
-                </a:rPr>
-                <a:t>Orders</a:t>
-              </a:r>
-              <a:endParaRPr kumimoji="1" lang="ko-Kore-KR" altLang="en-US" sz="1200" b="1" dirty="0">
-                <a:solidFill>
-                  <a:srgbClr val="5DA2C5"/>
-                </a:solidFill>
-                <a:latin typeface="SHeadG" panose="02030600000101010101" pitchFamily="18" charset="-127"/>
-                <a:ea typeface="SHeadG" panose="02030600000101010101" pitchFamily="18" charset="-127"/>
-              </a:endParaRPr>
-            </a:p>
-          </p:txBody>
-        </p:sp>
-      </p:grpSp>
-      <p:grpSp>
-        <p:nvGrpSpPr>
-          <p:cNvPr id="115" name="그룹 114">
-            <a:extLst>
-              <a:ext uri="{FF2B5EF4-FFF2-40B4-BE49-F238E27FC236}">
-                <a16:creationId xmlns:a16="http://schemas.microsoft.com/office/drawing/2014/main" id="{3A24AE13-5280-6040-BE92-619AB3219B5F}"/>
-              </a:ext>
-            </a:extLst>
-          </p:cNvPr>
-          <p:cNvGrpSpPr/>
-          <p:nvPr/>
-        </p:nvGrpSpPr>
-        <p:grpSpPr>
-          <a:xfrm>
-            <a:off x="4591304" y="5797811"/>
-            <a:ext cx="2179067" cy="468000"/>
-            <a:chOff x="2175218" y="1251857"/>
-            <a:chExt cx="2179067" cy="468000"/>
-          </a:xfrm>
-        </p:grpSpPr>
-        <p:sp>
-          <p:nvSpPr>
-            <p:cNvPr id="116" name="직사각형 115">
-              <a:extLst>
-                <a:ext uri="{FF2B5EF4-FFF2-40B4-BE49-F238E27FC236}">
-                  <a16:creationId xmlns:a16="http://schemas.microsoft.com/office/drawing/2014/main" id="{418CB1F2-DE84-E346-B0DC-AE9E4C9F3C99}"/>
-                </a:ext>
-              </a:extLst>
-            </p:cNvPr>
-            <p:cNvSpPr/>
-            <p:nvPr/>
-          </p:nvSpPr>
-          <p:spPr>
-            <a:xfrm>
-              <a:off x="2175218" y="1251857"/>
-              <a:ext cx="2179067" cy="468000"/>
-            </a:xfrm>
-            <a:prstGeom prst="rect">
-              <a:avLst/>
-            </a:prstGeom>
-            <a:ln w="19050">
-              <a:solidFill>
-                <a:srgbClr val="5DA2C5"/>
-              </a:solidFill>
-            </a:ln>
-          </p:spPr>
-          <p:style>
-            <a:lnRef idx="1">
-              <a:schemeClr val="accent1"/>
-            </a:lnRef>
-            <a:fillRef idx="0">
-              <a:schemeClr val="accent1"/>
-            </a:fillRef>
-            <a:effectRef idx="0">
-              <a:schemeClr val="accent1"/>
-            </a:effectRef>
-            <a:fontRef idx="minor">
-              <a:schemeClr val="tx1"/>
-            </a:fontRef>
-          </p:style>
-          <p:txBody>
-            <a:bodyPr rtlCol="0" anchor="ctr"/>
-            <a:lstStyle/>
-            <a:p>
-              <a:pPr algn="ctr"/>
-              <a:endParaRPr kumimoji="1" lang="ko-Kore-KR" altLang="en-US" dirty="0"/>
-            </a:p>
-          </p:txBody>
-        </p:sp>
-        <p:sp>
-          <p:nvSpPr>
-            <p:cNvPr id="117" name="TextBox 116">
-              <a:extLst>
-                <a:ext uri="{FF2B5EF4-FFF2-40B4-BE49-F238E27FC236}">
-                  <a16:creationId xmlns:a16="http://schemas.microsoft.com/office/drawing/2014/main" id="{D640A173-D321-4B4C-A003-ADEF15EB6FEB}"/>
-                </a:ext>
-              </a:extLst>
-            </p:cNvPr>
-            <p:cNvSpPr txBox="1"/>
-            <p:nvPr/>
-          </p:nvSpPr>
-          <p:spPr>
-            <a:xfrm>
-              <a:off x="2324416" y="1345621"/>
-              <a:ext cx="1880670" cy="276999"/>
-            </a:xfrm>
-            <a:prstGeom prst="rect">
-              <a:avLst/>
-            </a:prstGeom>
-            <a:noFill/>
-          </p:spPr>
-          <p:txBody>
-            <a:bodyPr wrap="square" rtlCol="0">
-              <a:spAutoFit/>
-            </a:bodyPr>
-            <a:lstStyle/>
-            <a:p>
-              <a:pPr algn="ctr"/>
-              <a:r>
-                <a:rPr kumimoji="1" lang="en-US" altLang="ko-Kore-KR" sz="1200" b="1" dirty="0" err="1">
-                  <a:solidFill>
-                    <a:srgbClr val="5DA2C5"/>
-                  </a:solidFill>
-                  <a:latin typeface="SHeadG" panose="02030600000101010101" pitchFamily="18" charset="-127"/>
-                  <a:ea typeface="SHeadG" panose="02030600000101010101" pitchFamily="18" charset="-127"/>
-                </a:rPr>
-                <a:t>JdbcOrdersRepository</a:t>
-              </a:r>
-              <a:endParaRPr kumimoji="1" lang="ko-Kore-KR" altLang="en-US" sz="1200" b="1" dirty="0">
-                <a:solidFill>
-                  <a:srgbClr val="5DA2C5"/>
-                </a:solidFill>
-                <a:latin typeface="SHeadG" panose="02030600000101010101" pitchFamily="18" charset="-127"/>
-                <a:ea typeface="SHeadG" panose="02030600000101010101" pitchFamily="18" charset="-127"/>
-              </a:endParaRPr>
-            </a:p>
-          </p:txBody>
-        </p:sp>
-      </p:grpSp>
-      <p:cxnSp>
-        <p:nvCxnSpPr>
-          <p:cNvPr id="118" name="직선 화살표 연결선 117">
-            <a:extLst>
-              <a:ext uri="{FF2B5EF4-FFF2-40B4-BE49-F238E27FC236}">
-                <a16:creationId xmlns:a16="http://schemas.microsoft.com/office/drawing/2014/main" id="{C59BDDCF-036A-E949-A489-A2F1F3A2DA51}"/>
-              </a:ext>
-            </a:extLst>
-          </p:cNvPr>
-          <p:cNvCxnSpPr>
-            <a:cxnSpLocks/>
-            <a:stCxn id="96" idx="2"/>
-            <a:endCxn id="105" idx="0"/>
-          </p:cNvCxnSpPr>
-          <p:nvPr/>
-        </p:nvCxnSpPr>
-        <p:spPr>
-          <a:xfrm flipH="1">
-            <a:off x="5680838" y="935830"/>
-            <a:ext cx="11194" cy="1587219"/>
-          </a:xfrm>
-          <a:prstGeom prst="straightConnector1">
-            <a:avLst/>
-          </a:prstGeom>
-          <a:ln w="19050">
-            <a:solidFill>
-              <a:srgbClr val="5DA2C5"/>
-            </a:solidFill>
-            <a:prstDash val="dash"/>
-            <a:tailEnd type="stealth" w="lg" len="lg"/>
-          </a:ln>
-        </p:spPr>
-        <p:style>
-          <a:lnRef idx="1">
-            <a:schemeClr val="accent1"/>
-          </a:lnRef>
-          <a:fillRef idx="0">
-            <a:schemeClr val="accent1"/>
-          </a:fillRef>
-          <a:effectRef idx="0">
-            <a:schemeClr val="accent1"/>
-          </a:effectRef>
-          <a:fontRef idx="minor">
-            <a:schemeClr val="tx1"/>
-          </a:fontRef>
-        </p:style>
-      </p:cxnSp>
-      <p:sp>
-        <p:nvSpPr>
-          <p:cNvPr id="119" name="직사각형 118">
-            <a:extLst>
-              <a:ext uri="{FF2B5EF4-FFF2-40B4-BE49-F238E27FC236}">
-                <a16:creationId xmlns:a16="http://schemas.microsoft.com/office/drawing/2014/main" id="{5FCFFDA9-1E7B-2D42-BC87-51EDE216DBA7}"/>
-              </a:ext>
-            </a:extLst>
-          </p:cNvPr>
-          <p:cNvSpPr/>
-          <p:nvPr/>
-        </p:nvSpPr>
-        <p:spPr>
-          <a:xfrm>
-            <a:off x="5008858" y="1607732"/>
-            <a:ext cx="671979" cy="246221"/>
-          </a:xfrm>
-          <a:prstGeom prst="rect">
-            <a:avLst/>
-          </a:prstGeom>
-        </p:spPr>
-        <p:txBody>
-          <a:bodyPr wrap="none">
-            <a:spAutoFit/>
-          </a:bodyPr>
-          <a:lstStyle/>
-          <a:p>
-            <a:r>
-              <a:rPr kumimoji="1" lang="en-US" altLang="ko-Kore-KR" sz="1000" dirty="0">
-                <a:solidFill>
-                  <a:srgbClr val="5DA2C5"/>
-                </a:solidFill>
-                <a:latin typeface="SHeadG" panose="02030600000101010101" pitchFamily="18" charset="-127"/>
-                <a:ea typeface="SHeadG" panose="02030600000101010101" pitchFamily="18" charset="-127"/>
-              </a:rPr>
-              <a:t>&lt;&lt;uses&gt;&gt;</a:t>
-            </a:r>
-            <a:endParaRPr lang="ko-Kore-KR" altLang="en-US" sz="1000" dirty="0"/>
-          </a:p>
-        </p:txBody>
-      </p:sp>
-      <p:sp>
-        <p:nvSpPr>
-          <p:cNvPr id="120" name="직사각형 119">
-            <a:extLst>
-              <a:ext uri="{FF2B5EF4-FFF2-40B4-BE49-F238E27FC236}">
-                <a16:creationId xmlns:a16="http://schemas.microsoft.com/office/drawing/2014/main" id="{35F51CA1-C9C3-D54F-A905-07C75FEE1C6A}"/>
-              </a:ext>
-            </a:extLst>
-          </p:cNvPr>
-          <p:cNvSpPr/>
-          <p:nvPr/>
-        </p:nvSpPr>
-        <p:spPr>
-          <a:xfrm>
-            <a:off x="5705890" y="3719518"/>
-            <a:ext cx="671979" cy="246221"/>
-          </a:xfrm>
-          <a:prstGeom prst="rect">
-            <a:avLst/>
-          </a:prstGeom>
-        </p:spPr>
-        <p:txBody>
-          <a:bodyPr wrap="none">
-            <a:spAutoFit/>
-          </a:bodyPr>
-          <a:lstStyle/>
-          <a:p>
-            <a:r>
-              <a:rPr kumimoji="1" lang="en-US" altLang="ko-Kore-KR" sz="1000" dirty="0">
-                <a:solidFill>
-                  <a:srgbClr val="5DA2C5"/>
-                </a:solidFill>
-                <a:latin typeface="SHeadG" panose="02030600000101010101" pitchFamily="18" charset="-127"/>
-                <a:ea typeface="SHeadG" panose="02030600000101010101" pitchFamily="18" charset="-127"/>
-              </a:rPr>
-              <a:t>&lt;&lt;uses&gt;&gt;</a:t>
-            </a:r>
-            <a:endParaRPr lang="ko-Kore-KR" altLang="en-US" sz="1000" dirty="0"/>
-          </a:p>
-        </p:txBody>
-      </p:sp>
-      <p:cxnSp>
-        <p:nvCxnSpPr>
-          <p:cNvPr id="121" name="직선 화살표 연결선 120">
-            <a:extLst>
-              <a:ext uri="{FF2B5EF4-FFF2-40B4-BE49-F238E27FC236}">
-                <a16:creationId xmlns:a16="http://schemas.microsoft.com/office/drawing/2014/main" id="{E7042D14-5CDD-E24E-B615-28E6472FB646}"/>
-              </a:ext>
-            </a:extLst>
-          </p:cNvPr>
-          <p:cNvCxnSpPr>
-            <a:cxnSpLocks/>
-            <a:stCxn id="107" idx="2"/>
-            <a:endCxn id="114" idx="0"/>
-          </p:cNvCxnSpPr>
-          <p:nvPr/>
-        </p:nvCxnSpPr>
-        <p:spPr>
-          <a:xfrm>
-            <a:off x="5680838" y="3710595"/>
-            <a:ext cx="11193" cy="355661"/>
-          </a:xfrm>
-          <a:prstGeom prst="straightConnector1">
-            <a:avLst/>
-          </a:prstGeom>
-          <a:ln w="19050">
-            <a:solidFill>
-              <a:srgbClr val="5DA2C5"/>
-            </a:solidFill>
-            <a:prstDash val="dash"/>
-            <a:tailEnd type="stealth" w="lg" len="lg"/>
-          </a:ln>
-        </p:spPr>
-        <p:style>
-          <a:lnRef idx="1">
-            <a:schemeClr val="accent1"/>
-          </a:lnRef>
-          <a:fillRef idx="0">
-            <a:schemeClr val="accent1"/>
-          </a:fillRef>
-          <a:effectRef idx="0">
-            <a:schemeClr val="accent1"/>
-          </a:effectRef>
-          <a:fontRef idx="minor">
-            <a:schemeClr val="tx1"/>
-          </a:fontRef>
-        </p:style>
-      </p:cxnSp>
-      <p:cxnSp>
-        <p:nvCxnSpPr>
-          <p:cNvPr id="122" name="직선 화살표 연결선 121">
-            <a:extLst>
-              <a:ext uri="{FF2B5EF4-FFF2-40B4-BE49-F238E27FC236}">
-                <a16:creationId xmlns:a16="http://schemas.microsoft.com/office/drawing/2014/main" id="{C3F93749-F1CD-1141-9C99-39020CA16BE7}"/>
-              </a:ext>
-            </a:extLst>
-          </p:cNvPr>
-          <p:cNvCxnSpPr>
-            <a:cxnSpLocks/>
-            <a:stCxn id="107" idx="0"/>
-            <a:endCxn id="105" idx="2"/>
-          </p:cNvCxnSpPr>
-          <p:nvPr/>
-        </p:nvCxnSpPr>
-        <p:spPr>
-          <a:xfrm flipV="1">
-            <a:off x="5680838" y="2961631"/>
-            <a:ext cx="0" cy="280964"/>
-          </a:xfrm>
-          <a:prstGeom prst="straightConnector1">
-            <a:avLst/>
-          </a:prstGeom>
-          <a:ln w="19050" cap="rnd">
-            <a:solidFill>
-              <a:srgbClr val="5DA2C5"/>
-            </a:solidFill>
-            <a:prstDash val="dash"/>
-            <a:miter lim="800000"/>
-            <a:tailEnd type="triangle" w="lg" len="lg"/>
-          </a:ln>
-        </p:spPr>
-        <p:style>
-          <a:lnRef idx="1">
-            <a:schemeClr val="accent1"/>
-          </a:lnRef>
-          <a:fillRef idx="0">
-            <a:schemeClr val="accent1"/>
-          </a:fillRef>
-          <a:effectRef idx="0">
-            <a:schemeClr val="accent1"/>
-          </a:effectRef>
-          <a:fontRef idx="minor">
-            <a:schemeClr val="tx1"/>
-          </a:fontRef>
-        </p:style>
-      </p:cxnSp>
-      <p:cxnSp>
-        <p:nvCxnSpPr>
-          <p:cNvPr id="123" name="직선 화살표 연결선 122">
-            <a:extLst>
-              <a:ext uri="{FF2B5EF4-FFF2-40B4-BE49-F238E27FC236}">
-                <a16:creationId xmlns:a16="http://schemas.microsoft.com/office/drawing/2014/main" id="{F6F0EFB9-FCC9-6540-8163-5D17587CDF56}"/>
-              </a:ext>
-            </a:extLst>
-          </p:cNvPr>
-          <p:cNvCxnSpPr>
-            <a:cxnSpLocks/>
-            <a:stCxn id="116" idx="0"/>
-            <a:endCxn id="114" idx="2"/>
-          </p:cNvCxnSpPr>
-          <p:nvPr/>
-        </p:nvCxnSpPr>
-        <p:spPr>
-          <a:xfrm flipV="1">
-            <a:off x="5680838" y="4504838"/>
-            <a:ext cx="11193" cy="1292973"/>
-          </a:xfrm>
-          <a:prstGeom prst="straightConnector1">
-            <a:avLst/>
-          </a:prstGeom>
-          <a:ln w="19050" cap="rnd">
-            <a:solidFill>
-              <a:srgbClr val="5DA2C5"/>
-            </a:solidFill>
-            <a:prstDash val="dash"/>
-            <a:miter lim="800000"/>
-            <a:tailEnd type="triangle" w="lg" len="lg"/>
-          </a:ln>
-        </p:spPr>
-        <p:style>
-          <a:lnRef idx="1">
-            <a:schemeClr val="accent1"/>
-          </a:lnRef>
-          <a:fillRef idx="0">
-            <a:schemeClr val="accent1"/>
-          </a:fillRef>
-          <a:effectRef idx="0">
-            <a:schemeClr val="accent1"/>
-          </a:effectRef>
-          <a:fontRef idx="minor">
-            <a:schemeClr val="tx1"/>
-          </a:fontRef>
-        </p:style>
-      </p:cxnSp>
-    </p:spTree>
-    <p:extLst>
-      <p:ext uri="{BB962C8B-B14F-4D97-AF65-F5344CB8AC3E}">
-        <p14:creationId xmlns:p14="http://schemas.microsoft.com/office/powerpoint/2010/main" val="4096962720"/>
       </p:ext>
     </p:extLst>
   </p:cSld>
